--- a/Summer school 2024/Analysis of protein stretching experiments.pptx
+++ b/Summer school 2024/Analysis of protein stretching experiments.pptx
@@ -27,7 +27,7 @@
     <p:sldId id="281" r:id="rId21"/>
     <p:sldId id="269" r:id="rId22"/>
     <p:sldId id="265" r:id="rId23"/>
-    <p:sldId id="296" r:id="rId24"/>
+    <p:sldId id="297" r:id="rId24"/>
     <p:sldId id="270" r:id="rId25"/>
     <p:sldId id="271" r:id="rId26"/>
     <p:sldId id="288" r:id="rId27"/>
@@ -148,7 +148,7 @@
 <file path=ppt/revisionInfo.xml><?xml version="1.0" encoding="utf-8"?>
 <p1510:revInfo xmlns:a="http://schemas.openxmlformats.org/drawingml/2006/main" xmlns:r="http://schemas.openxmlformats.org/officeDocument/2006/relationships" xmlns:p1510="http://schemas.microsoft.com/office/powerpoint/2015/10/main">
   <p1510:revLst>
-    <p1510:client id="{F7E50110-C233-47BD-AD07-CF0778A4B2F4}" v="3" dt="2024-11-23T10:39:29.397"/>
+    <p1510:client id="{055438CC-AB35-4861-8EC0-1B0371FB636C}" v="1" dt="2024-11-25T17:40:47.009"/>
   </p1510:revLst>
 </p1510:revInfo>
 </file>
@@ -174,22 +174,6 @@
             <pc:docMk/>
             <pc:sldMk cId="993497870" sldId="265"/>
             <ac:spMk id="3" creationId="{8AFF1A4D-B6A6-002E-0A17-9D9AD3D3BB33}"/>
-          </ac:spMkLst>
-        </pc:spChg>
-        <pc:spChg chg="del mod">
-          <ac:chgData name="Are Mjaavatten" userId="00bb58f78e5d171c" providerId="LiveId" clId="{F7E50110-C233-47BD-AD07-CF0778A4B2F4}" dt="2024-11-23T10:33:37.947" v="1213" actId="21"/>
-          <ac:spMkLst>
-            <pc:docMk/>
-            <pc:sldMk cId="993497870" sldId="265"/>
-            <ac:spMk id="5" creationId="{EB6C262D-77CA-287C-A5E0-CF41E40A1100}"/>
-          </ac:spMkLst>
-        </pc:spChg>
-        <pc:spChg chg="del mod">
-          <ac:chgData name="Are Mjaavatten" userId="00bb58f78e5d171c" providerId="LiveId" clId="{F7E50110-C233-47BD-AD07-CF0778A4B2F4}" dt="2024-11-23T10:23:53.801" v="652" actId="478"/>
-          <ac:spMkLst>
-            <pc:docMk/>
-            <pc:sldMk cId="993497870" sldId="265"/>
-            <ac:spMk id="6" creationId="{8BDDBBE6-6300-E3F7-8E6D-2C02FD572D6A}"/>
           </ac:spMkLst>
         </pc:spChg>
       </pc:sldChg>
@@ -806,22 +790,6 @@
           <pc:docMk/>
           <pc:sldMk cId="4127174572" sldId="274"/>
         </pc:sldMkLst>
-        <pc:spChg chg="mod">
-          <ac:chgData name="Are Mjaavatten" userId="00bb58f78e5d171c" providerId="LiveId" clId="{F80FCCAC-22F4-4BD9-BD04-EE2233D1C28B}" dt="2024-10-28T16:20:57.406" v="10686" actId="20577"/>
-          <ac:spMkLst>
-            <pc:docMk/>
-            <pc:sldMk cId="4127174572" sldId="274"/>
-            <ac:spMk id="2" creationId="{C285FB98-B897-4574-450D-72DEB85EE57E}"/>
-          </ac:spMkLst>
-        </pc:spChg>
-        <pc:spChg chg="mod">
-          <ac:chgData name="Are Mjaavatten" userId="00bb58f78e5d171c" providerId="LiveId" clId="{F80FCCAC-22F4-4BD9-BD04-EE2233D1C28B}" dt="2024-10-28T16:21:25.184" v="10692" actId="14100"/>
-          <ac:spMkLst>
-            <pc:docMk/>
-            <pc:sldMk cId="4127174572" sldId="274"/>
-            <ac:spMk id="3" creationId="{F0A4A313-7E15-500B-ED77-95FD44C0C03E}"/>
-          </ac:spMkLst>
-        </pc:spChg>
       </pc:sldChg>
       <pc:sldChg chg="modSp new mod">
         <pc:chgData name="Are Mjaavatten" userId="00bb58f78e5d171c" providerId="LiveId" clId="{F80FCCAC-22F4-4BD9-BD04-EE2233D1C28B}" dt="2024-11-05T16:46:02.749" v="14176" actId="20577"/>
@@ -1344,7 +1312,7 @@
   <pc:docChgLst>
     <pc:chgData name="Are Mjaavatten" userId="00bb58f78e5d171c" providerId="LiveId" clId="{055438CC-AB35-4861-8EC0-1B0371FB636C}"/>
     <pc:docChg chg="undo custSel addSld delSld modSld sldOrd">
-      <pc:chgData name="Are Mjaavatten" userId="00bb58f78e5d171c" providerId="LiveId" clId="{055438CC-AB35-4861-8EC0-1B0371FB636C}" dt="2024-11-23T11:50:18.933" v="3103" actId="1076"/>
+      <pc:chgData name="Are Mjaavatten" userId="00bb58f78e5d171c" providerId="LiveId" clId="{055438CC-AB35-4861-8EC0-1B0371FB636C}" dt="2024-11-25T17:40:59.657" v="3148" actId="47"/>
       <pc:docMkLst>
         <pc:docMk/>
       </pc:docMkLst>
@@ -1360,14 +1328,6 @@
             <pc:docMk/>
             <pc:sldMk cId="1865247118" sldId="258"/>
             <ac:picMk id="4" creationId="{A7276E8E-6E7C-49C8-02C1-CB26C47E1EAF}"/>
-          </ac:picMkLst>
-        </pc:picChg>
-        <pc:picChg chg="del">
-          <ac:chgData name="Are Mjaavatten" userId="00bb58f78e5d171c" providerId="LiveId" clId="{055438CC-AB35-4861-8EC0-1B0371FB636C}" dt="2024-11-23T11:49:47.173" v="3099" actId="478"/>
-          <ac:picMkLst>
-            <pc:docMk/>
-            <pc:sldMk cId="1865247118" sldId="258"/>
-            <ac:picMk id="5" creationId="{B144FECC-AC18-F400-2D80-E967FB6E57C9}"/>
           </ac:picMkLst>
         </pc:picChg>
       </pc:sldChg>
@@ -1508,6 +1468,36 @@
           </ac:spMkLst>
         </pc:spChg>
       </pc:sldChg>
+      <pc:sldChg chg="modSp add del mod">
+        <pc:chgData name="Are Mjaavatten" userId="00bb58f78e5d171c" providerId="LiveId" clId="{055438CC-AB35-4861-8EC0-1B0371FB636C}" dt="2024-11-25T17:37:15.763" v="3115" actId="20577"/>
+        <pc:sldMkLst>
+          <pc:docMk/>
+          <pc:sldMk cId="4127174572" sldId="274"/>
+        </pc:sldMkLst>
+        <pc:spChg chg="mod">
+          <ac:chgData name="Are Mjaavatten" userId="00bb58f78e5d171c" providerId="LiveId" clId="{055438CC-AB35-4861-8EC0-1B0371FB636C}" dt="2024-11-25T17:37:15.763" v="3115" actId="20577"/>
+          <ac:spMkLst>
+            <pc:docMk/>
+            <pc:sldMk cId="4127174572" sldId="274"/>
+            <ac:spMk id="3" creationId="{F0A4A313-7E15-500B-ED77-95FD44C0C03E}"/>
+          </ac:spMkLst>
+        </pc:spChg>
+      </pc:sldChg>
+      <pc:sldChg chg="modSp mod">
+        <pc:chgData name="Are Mjaavatten" userId="00bb58f78e5d171c" providerId="LiveId" clId="{055438CC-AB35-4861-8EC0-1B0371FB636C}" dt="2024-11-25T12:06:40.877" v="3109" actId="20577"/>
+        <pc:sldMkLst>
+          <pc:docMk/>
+          <pc:sldMk cId="929935833" sldId="275"/>
+        </pc:sldMkLst>
+        <pc:spChg chg="mod">
+          <ac:chgData name="Are Mjaavatten" userId="00bb58f78e5d171c" providerId="LiveId" clId="{055438CC-AB35-4861-8EC0-1B0371FB636C}" dt="2024-11-25T12:06:40.877" v="3109" actId="20577"/>
+          <ac:spMkLst>
+            <pc:docMk/>
+            <pc:sldMk cId="929935833" sldId="275"/>
+            <ac:spMk id="3" creationId="{3EC9A98D-B096-1765-33CD-BCE98D447E91}"/>
+          </ac:spMkLst>
+        </pc:spChg>
+      </pc:sldChg>
       <pc:sldChg chg="addSp modSp mod">
         <pc:chgData name="Are Mjaavatten" userId="00bb58f78e5d171c" providerId="LiveId" clId="{055438CC-AB35-4861-8EC0-1B0371FB636C}" dt="2024-11-12T08:50:44.262" v="2806" actId="1076"/>
         <pc:sldMkLst>
@@ -1568,60 +1558,12 @@
           <pc:docMk/>
           <pc:sldMk cId="3469188368" sldId="282"/>
         </pc:sldMkLst>
-        <pc:spChg chg="add del">
-          <ac:chgData name="Are Mjaavatten" userId="00bb58f78e5d171c" providerId="LiveId" clId="{055438CC-AB35-4861-8EC0-1B0371FB636C}" dt="2024-11-23T11:42:14.655" v="3096" actId="26606"/>
-          <ac:spMkLst>
-            <pc:docMk/>
-            <pc:sldMk cId="3469188368" sldId="282"/>
-            <ac:spMk id="8" creationId="{AB8C311F-7253-4AED-9701-7FC0708C41C7}"/>
-          </ac:spMkLst>
-        </pc:spChg>
-        <pc:spChg chg="add del">
-          <ac:chgData name="Are Mjaavatten" userId="00bb58f78e5d171c" providerId="LiveId" clId="{055438CC-AB35-4861-8EC0-1B0371FB636C}" dt="2024-11-23T11:42:14.655" v="3096" actId="26606"/>
-          <ac:spMkLst>
-            <pc:docMk/>
-            <pc:sldMk cId="3469188368" sldId="282"/>
-            <ac:spMk id="10" creationId="{E2384209-CB15-4CDF-9D31-C44FD9A3F20D}"/>
-          </ac:spMkLst>
-        </pc:spChg>
-        <pc:spChg chg="add del">
-          <ac:chgData name="Are Mjaavatten" userId="00bb58f78e5d171c" providerId="LiveId" clId="{055438CC-AB35-4861-8EC0-1B0371FB636C}" dt="2024-11-23T11:42:14.655" v="3096" actId="26606"/>
-          <ac:spMkLst>
-            <pc:docMk/>
-            <pc:sldMk cId="3469188368" sldId="282"/>
-            <ac:spMk id="12" creationId="{2633B3B5-CC90-43F0-8714-D31D1F3F0209}"/>
-          </ac:spMkLst>
-        </pc:spChg>
-        <pc:spChg chg="add del">
-          <ac:chgData name="Are Mjaavatten" userId="00bb58f78e5d171c" providerId="LiveId" clId="{055438CC-AB35-4861-8EC0-1B0371FB636C}" dt="2024-11-23T11:42:14.655" v="3096" actId="26606"/>
-          <ac:spMkLst>
-            <pc:docMk/>
-            <pc:sldMk cId="3469188368" sldId="282"/>
-            <ac:spMk id="14" creationId="{A8D57A06-A426-446D-B02C-A2DC6B62E45E}"/>
-          </ac:spMkLst>
-        </pc:spChg>
-        <pc:spChg chg="add del">
-          <ac:chgData name="Are Mjaavatten" userId="00bb58f78e5d171c" providerId="LiveId" clId="{055438CC-AB35-4861-8EC0-1B0371FB636C}" dt="2024-11-23T11:42:20.981" v="3098" actId="26606"/>
-          <ac:spMkLst>
-            <pc:docMk/>
-            <pc:sldMk cId="3469188368" sldId="282"/>
-            <ac:spMk id="16" creationId="{42A4FC2C-047E-45A5-965D-8E1E3BF09BC6}"/>
-          </ac:spMkLst>
-        </pc:spChg>
         <pc:picChg chg="add mod modCrop">
           <ac:chgData name="Are Mjaavatten" userId="00bb58f78e5d171c" providerId="LiveId" clId="{055438CC-AB35-4861-8EC0-1B0371FB636C}" dt="2024-11-23T11:42:20.981" v="3098" actId="26606"/>
           <ac:picMkLst>
             <pc:docMk/>
             <pc:sldMk cId="3469188368" sldId="282"/>
             <ac:picMk id="3" creationId="{E802F7AC-4B89-22BF-A6B4-98171629B24C}"/>
-          </ac:picMkLst>
-        </pc:picChg>
-        <pc:picChg chg="del">
-          <ac:chgData name="Are Mjaavatten" userId="00bb58f78e5d171c" providerId="LiveId" clId="{055438CC-AB35-4861-8EC0-1B0371FB636C}" dt="2024-11-23T11:40:01.523" v="3091" actId="478"/>
-          <ac:picMkLst>
-            <pc:docMk/>
-            <pc:sldMk cId="3469188368" sldId="282"/>
-            <ac:picMk id="5" creationId="{5F108534-242A-97B9-7B51-733CB64B3E5E}"/>
           </ac:picMkLst>
         </pc:picChg>
       </pc:sldChg>
@@ -1904,12 +1846,36 @@
           </ac:picMkLst>
         </pc:picChg>
       </pc:sldChg>
-      <pc:sldChg chg="addSp modSp mod">
-        <pc:chgData name="Are Mjaavatten" userId="00bb58f78e5d171c" providerId="LiveId" clId="{055438CC-AB35-4861-8EC0-1B0371FB636C}" dt="2024-11-23T11:31:07.002" v="3017" actId="692"/>
+      <pc:sldChg chg="addSp modSp del mod">
+        <pc:chgData name="Are Mjaavatten" userId="00bb58f78e5d171c" providerId="LiveId" clId="{055438CC-AB35-4861-8EC0-1B0371FB636C}" dt="2024-11-25T17:40:59.657" v="3148" actId="47"/>
         <pc:sldMkLst>
           <pc:docMk/>
           <pc:sldMk cId="787279821" sldId="296"/>
         </pc:sldMkLst>
+        <pc:spChg chg="mod">
+          <ac:chgData name="Are Mjaavatten" userId="00bb58f78e5d171c" providerId="LiveId" clId="{055438CC-AB35-4861-8EC0-1B0371FB636C}" dt="2024-11-25T12:04:33.810" v="3105" actId="790"/>
+          <ac:spMkLst>
+            <pc:docMk/>
+            <pc:sldMk cId="787279821" sldId="296"/>
+            <ac:spMk id="2" creationId="{01B8F226-444D-27F6-92CB-C42B357EB1A1}"/>
+          </ac:spMkLst>
+        </pc:spChg>
+        <pc:spChg chg="mod">
+          <ac:chgData name="Are Mjaavatten" userId="00bb58f78e5d171c" providerId="LiveId" clId="{055438CC-AB35-4861-8EC0-1B0371FB636C}" dt="2024-11-25T17:39:02.575" v="3118"/>
+          <ac:spMkLst>
+            <pc:docMk/>
+            <pc:sldMk cId="787279821" sldId="296"/>
+            <ac:spMk id="3" creationId="{46702C27-4A64-A7AA-2614-54744B51E38B}"/>
+          </ac:spMkLst>
+        </pc:spChg>
+        <pc:spChg chg="mod">
+          <ac:chgData name="Are Mjaavatten" userId="00bb58f78e5d171c" providerId="LiveId" clId="{055438CC-AB35-4861-8EC0-1B0371FB636C}" dt="2024-11-25T17:39:20.837" v="3146" actId="1035"/>
+          <ac:spMkLst>
+            <pc:docMk/>
+            <pc:sldMk cId="787279821" sldId="296"/>
+            <ac:spMk id="5" creationId="{EB6C262D-77CA-287C-A5E0-CF41E40A1100}"/>
+          </ac:spMkLst>
+        </pc:spChg>
         <pc:cxnChg chg="add mod">
           <ac:chgData name="Are Mjaavatten" userId="00bb58f78e5d171c" providerId="LiveId" clId="{055438CC-AB35-4861-8EC0-1B0371FB636C}" dt="2024-11-23T11:31:07.002" v="3017" actId="692"/>
           <ac:cxnSpMkLst>
@@ -1918,6 +1884,13 @@
             <ac:cxnSpMk id="7" creationId="{C975A1F5-9977-90B9-49A2-B8B084A83779}"/>
           </ac:cxnSpMkLst>
         </pc:cxnChg>
+      </pc:sldChg>
+      <pc:sldChg chg="add">
+        <pc:chgData name="Are Mjaavatten" userId="00bb58f78e5d171c" providerId="LiveId" clId="{055438CC-AB35-4861-8EC0-1B0371FB636C}" dt="2024-11-25T17:40:47.005" v="3147"/>
+        <pc:sldMkLst>
+          <pc:docMk/>
+          <pc:sldMk cId="2902811654" sldId="297"/>
+        </pc:sldMkLst>
       </pc:sldChg>
     </pc:docChg>
   </pc:docChgLst>
@@ -2073,7 +2046,7 @@
           <a:p>
             <a:fld id="{DEC79A4E-9175-427E-BE99-C1822657C876}" type="datetimeFigureOut">
               <a:rPr lang="en-GB" smtClean="0"/>
-              <a:t>23/11/2024</a:t>
+              <a:t>25/11/2024</a:t>
             </a:fld>
             <a:endParaRPr lang="en-GB"/>
           </a:p>
@@ -2273,7 +2246,7 @@
           <a:p>
             <a:fld id="{DEC79A4E-9175-427E-BE99-C1822657C876}" type="datetimeFigureOut">
               <a:rPr lang="en-GB" smtClean="0"/>
-              <a:t>23/11/2024</a:t>
+              <a:t>25/11/2024</a:t>
             </a:fld>
             <a:endParaRPr lang="en-GB"/>
           </a:p>
@@ -2483,7 +2456,7 @@
           <a:p>
             <a:fld id="{DEC79A4E-9175-427E-BE99-C1822657C876}" type="datetimeFigureOut">
               <a:rPr lang="en-GB" smtClean="0"/>
-              <a:t>23/11/2024</a:t>
+              <a:t>25/11/2024</a:t>
             </a:fld>
             <a:endParaRPr lang="en-GB"/>
           </a:p>
@@ -2683,7 +2656,7 @@
           <a:p>
             <a:fld id="{DEC79A4E-9175-427E-BE99-C1822657C876}" type="datetimeFigureOut">
               <a:rPr lang="en-GB" smtClean="0"/>
-              <a:t>23/11/2024</a:t>
+              <a:t>25/11/2024</a:t>
             </a:fld>
             <a:endParaRPr lang="en-GB"/>
           </a:p>
@@ -2959,7 +2932,7 @@
           <a:p>
             <a:fld id="{DEC79A4E-9175-427E-BE99-C1822657C876}" type="datetimeFigureOut">
               <a:rPr lang="en-GB" smtClean="0"/>
-              <a:t>23/11/2024</a:t>
+              <a:t>25/11/2024</a:t>
             </a:fld>
             <a:endParaRPr lang="en-GB"/>
           </a:p>
@@ -3227,7 +3200,7 @@
           <a:p>
             <a:fld id="{DEC79A4E-9175-427E-BE99-C1822657C876}" type="datetimeFigureOut">
               <a:rPr lang="en-GB" smtClean="0"/>
-              <a:t>23/11/2024</a:t>
+              <a:t>25/11/2024</a:t>
             </a:fld>
             <a:endParaRPr lang="en-GB"/>
           </a:p>
@@ -3642,7 +3615,7 @@
           <a:p>
             <a:fld id="{DEC79A4E-9175-427E-BE99-C1822657C876}" type="datetimeFigureOut">
               <a:rPr lang="en-GB" smtClean="0"/>
-              <a:t>23/11/2024</a:t>
+              <a:t>25/11/2024</a:t>
             </a:fld>
             <a:endParaRPr lang="en-GB"/>
           </a:p>
@@ -3784,7 +3757,7 @@
           <a:p>
             <a:fld id="{DEC79A4E-9175-427E-BE99-C1822657C876}" type="datetimeFigureOut">
               <a:rPr lang="en-GB" smtClean="0"/>
-              <a:t>23/11/2024</a:t>
+              <a:t>25/11/2024</a:t>
             </a:fld>
             <a:endParaRPr lang="en-GB"/>
           </a:p>
@@ -3897,7 +3870,7 @@
           <a:p>
             <a:fld id="{DEC79A4E-9175-427E-BE99-C1822657C876}" type="datetimeFigureOut">
               <a:rPr lang="en-GB" smtClean="0"/>
-              <a:t>23/11/2024</a:t>
+              <a:t>25/11/2024</a:t>
             </a:fld>
             <a:endParaRPr lang="en-GB"/>
           </a:p>
@@ -4210,7 +4183,7 @@
           <a:p>
             <a:fld id="{DEC79A4E-9175-427E-BE99-C1822657C876}" type="datetimeFigureOut">
               <a:rPr lang="en-GB" smtClean="0"/>
-              <a:t>23/11/2024</a:t>
+              <a:t>25/11/2024</a:t>
             </a:fld>
             <a:endParaRPr lang="en-GB"/>
           </a:p>
@@ -4499,7 +4472,7 @@
           <a:p>
             <a:fld id="{DEC79A4E-9175-427E-BE99-C1822657C876}" type="datetimeFigureOut">
               <a:rPr lang="en-GB" smtClean="0"/>
-              <a:t>23/11/2024</a:t>
+              <a:t>25/11/2024</a:t>
             </a:fld>
             <a:endParaRPr lang="en-GB"/>
           </a:p>
@@ -4742,7 +4715,7 @@
           <a:p>
             <a:fld id="{DEC79A4E-9175-427E-BE99-C1822657C876}" type="datetimeFigureOut">
               <a:rPr lang="en-GB" smtClean="0"/>
-              <a:t>23/11/2024</a:t>
+              <a:t>25/11/2024</a:t>
             </a:fld>
             <a:endParaRPr lang="en-GB"/>
           </a:p>
@@ -8457,8 +8430,8 @@
           </a:p>
         </p:txBody>
       </p:sp>
-      <mc:AlternateContent xmlns:mc="http://schemas.openxmlformats.org/markup-compatibility/2006">
-        <mc:Choice xmlns:a14="http://schemas.microsoft.com/office/drawing/2010/main" Requires="a14">
+      <mc:AlternateContent xmlns:mc="http://schemas.openxmlformats.org/markup-compatibility/2006" xmlns:a14="http://schemas.microsoft.com/office/drawing/2010/main">
+        <mc:Choice Requires="a14">
           <p:sp>
             <p:nvSpPr>
               <p:cNvPr id="3" name="Content Placeholder 2">
@@ -8588,7 +8561,7 @@
             </p:txBody>
           </p:sp>
         </mc:Choice>
-        <mc:Fallback>
+        <mc:Fallback xmlns="">
           <p:sp>
             <p:nvSpPr>
               <p:cNvPr id="3" name="Content Placeholder 2">
@@ -9859,31 +9832,7 @@
           <a:p>
             <a:r>
               <a:rPr lang="nb-NO" dirty="0"/>
-              <a:t>Automatic </a:t>
-            </a:r>
-            <a:r>
-              <a:rPr lang="nb-NO" dirty="0" err="1"/>
-              <a:t>anlysis</a:t>
-            </a:r>
-            <a:r>
-              <a:rPr lang="nb-NO" dirty="0"/>
-              <a:t> </a:t>
-            </a:r>
-            <a:r>
-              <a:rPr lang="nb-NO" dirty="0" err="1"/>
-              <a:t>of</a:t>
-            </a:r>
-            <a:r>
-              <a:rPr lang="nb-NO" dirty="0"/>
-              <a:t> an </a:t>
-            </a:r>
-            <a:r>
-              <a:rPr lang="nb-NO" dirty="0" err="1"/>
-              <a:t>experiment</a:t>
-            </a:r>
-            <a:r>
-              <a:rPr lang="nb-NO" dirty="0"/>
-              <a:t> file</a:t>
+              <a:t>Automatic analysis of an experiment file</a:t>
             </a:r>
             <a:endParaRPr lang="en-GB" dirty="0"/>
           </a:p>
@@ -9905,7 +9854,12 @@
             <p:ph idx="1"/>
           </p:nvPr>
         </p:nvSpPr>
-        <p:spPr/>
+        <p:spPr>
+          <a:xfrm>
+            <a:off x="740228" y="1640959"/>
+            <a:ext cx="10515600" cy="4351338"/>
+          </a:xfrm>
+        </p:spPr>
         <p:txBody>
           <a:bodyPr/>
           <a:lstStyle/>
@@ -9969,79 +9923,40 @@
           <a:p>
             <a:r>
               <a:rPr lang="nb-NO" dirty="0"/>
-              <a:t> Returns </a:t>
-            </a:r>
-            <a:r>
-              <a:rPr lang="nb-NO" dirty="0" err="1"/>
-              <a:t>Matab</a:t>
-            </a:r>
+              <a:t> Returns Matab tables </a:t>
+            </a:r>
+          </a:p>
+          <a:p>
+            <a:pPr lvl="1"/>
             <a:r>
               <a:rPr lang="nb-NO" dirty="0"/>
-              <a:t> </a:t>
-            </a:r>
-            <a:r>
-              <a:rPr lang="nb-NO" dirty="0" err="1"/>
-              <a:t>tables</a:t>
-            </a:r>
+              <a:t>Trip and Trelax </a:t>
+            </a:r>
+          </a:p>
+          <a:p>
+            <a:pPr lvl="1"/>
             <a:r>
               <a:rPr lang="nb-NO" dirty="0"/>
-              <a:t> </a:t>
-            </a:r>
-          </a:p>
-          <a:p>
-            <a:pPr lvl="1"/>
+              <a:t>Tables contain  details of all rips  and zips</a:t>
+            </a:r>
+          </a:p>
+          <a:p>
+            <a:pPr marL="457200" lvl="1" indent="0">
+              <a:buNone/>
+            </a:pPr>
+            <a:endParaRPr lang="nb-NO" dirty="0"/>
+          </a:p>
+          <a:p>
             <a:r>
               <a:rPr lang="nb-NO" dirty="0"/>
-              <a:t>Trip and </a:t>
-            </a:r>
-            <a:r>
-              <a:rPr lang="nb-NO" dirty="0" err="1"/>
-              <a:t>Trelax</a:t>
-            </a:r>
-            <a:r>
-              <a:rPr lang="nb-NO" dirty="0"/>
-              <a:t> </a:t>
-            </a:r>
-          </a:p>
-          <a:p>
-            <a:pPr lvl="1"/>
-            <a:r>
-              <a:rPr lang="nb-NO" dirty="0" err="1"/>
-              <a:t>Tables</a:t>
-            </a:r>
-            <a:r>
-              <a:rPr lang="nb-NO" dirty="0"/>
-              <a:t> </a:t>
-            </a:r>
-            <a:r>
-              <a:rPr lang="nb-NO" dirty="0" err="1"/>
-              <a:t>contain</a:t>
-            </a:r>
-            <a:r>
-              <a:rPr lang="nb-NO" dirty="0"/>
-              <a:t>  </a:t>
-            </a:r>
-            <a:r>
-              <a:rPr lang="nb-NO" dirty="0" err="1"/>
-              <a:t>details</a:t>
-            </a:r>
-            <a:r>
-              <a:rPr lang="nb-NO" dirty="0"/>
-              <a:t> </a:t>
-            </a:r>
-            <a:r>
-              <a:rPr lang="nb-NO" dirty="0" err="1"/>
-              <a:t>of</a:t>
-            </a:r>
-            <a:r>
-              <a:rPr lang="nb-NO" dirty="0"/>
-              <a:t> all rips  and </a:t>
-            </a:r>
-            <a:r>
-              <a:rPr lang="nb-NO" dirty="0" err="1"/>
-              <a:t>zips</a:t>
-            </a:r>
-            <a:endParaRPr lang="en-GB" dirty="0"/>
+              <a:t>Enter into command window of MATLAB:</a:t>
+            </a:r>
+          </a:p>
+          <a:p>
+            <a:pPr marL="457200" lvl="1" indent="0">
+              <a:buNone/>
+            </a:pPr>
+            <a:endParaRPr lang="nb-NO" dirty="0"/>
           </a:p>
         </p:txBody>
       </p:sp>
@@ -10059,7 +9974,7 @@
         </p:nvSpPr>
         <p:spPr>
           <a:xfrm>
-            <a:off x="1028699" y="5115619"/>
+            <a:off x="1028699" y="5530103"/>
             <a:ext cx="10134601" cy="400110"/>
           </a:xfrm>
           <a:prstGeom prst="rect">
@@ -10101,7 +10016,7 @@
               <a:rPr lang="en-GB" sz="2000" dirty="0">
                 <a:latin typeface="Consolas" panose="020B0609020204030204" pitchFamily="49" charset="0"/>
               </a:rPr>
-              <a:t>("20231211/aA.txt",1);</a:t>
+              <a:t>("aA.txt",1);</a:t>
             </a:r>
           </a:p>
         </p:txBody>
@@ -10120,7 +10035,7 @@
         </p:nvSpPr>
         <p:spPr>
           <a:xfrm>
-            <a:off x="8877783" y="5807631"/>
+            <a:off x="7734783" y="6063289"/>
             <a:ext cx="1493134" cy="369332"/>
           </a:xfrm>
           <a:prstGeom prst="rect">
@@ -10160,7 +10075,7 @@
         </p:nvCxnSpPr>
         <p:spPr>
           <a:xfrm flipH="1" flipV="1">
-            <a:off x="8403336" y="5422392"/>
+            <a:off x="7260336" y="5930213"/>
             <a:ext cx="474447" cy="385239"/>
           </a:xfrm>
           <a:prstGeom prst="straightConnector1">
@@ -10188,7 +10103,7 @@
     </p:spTree>
     <p:extLst>
       <p:ext uri="{BB962C8B-B14F-4D97-AF65-F5344CB8AC3E}">
-        <p14:creationId xmlns:p14="http://schemas.microsoft.com/office/powerpoint/2010/main" val="787279821"/>
+        <p14:creationId xmlns:p14="http://schemas.microsoft.com/office/powerpoint/2010/main" val="2902811654"/>
       </p:ext>
     </p:extLst>
   </p:cSld>
@@ -11061,7 +10976,7 @@
               <a:rPr lang="en-GB" dirty="0">
                 <a:latin typeface="Consolas" panose="020B0609020204030204" pitchFamily="49" charset="0"/>
               </a:rPr>
-              <a:t>\’;</a:t>
+              <a:t>\';</a:t>
             </a:r>
           </a:p>
           <a:p>
@@ -11178,7 +11093,7 @@
               <a:rPr lang="en-GB" sz="2000" dirty="0">
                 <a:latin typeface="Consolas" panose="020B0609020204030204" pitchFamily="49" charset="0"/>
               </a:rPr>
-              <a:t>"):</a:t>
+              <a:t>");</a:t>
             </a:r>
           </a:p>
           <a:p>
@@ -11201,7 +11116,7 @@
               <a:rPr lang="en-GB" sz="2000" dirty="0" err="1">
                 <a:latin typeface="Consolas" panose="020B0609020204030204" pitchFamily="49" charset="0"/>
               </a:rPr>
-              <a:t>Tzzip,fullfile</a:t>
+              <a:t>Tzip,fullfile</a:t>
             </a:r>
             <a:r>
               <a:rPr lang="en-GB" sz="2000" dirty="0">
@@ -13057,7 +12972,15 @@
             <a:pPr lvl="1"/>
             <a:r>
               <a:rPr lang="en-GB" sz="2800" dirty="0"/>
-              <a:t>Read and interpret experiment file</a:t>
+              <a:t>Read and </a:t>
+            </a:r>
+            <a:r>
+              <a:rPr lang="en-GB" sz="2800"/>
+              <a:t>interpret an experiment </a:t>
+            </a:r>
+            <a:r>
+              <a:rPr lang="en-GB" sz="2800" dirty="0"/>
+              <a:t>file</a:t>
             </a:r>
           </a:p>
           <a:p>

--- a/Summer school 2024/Analysis of protein stretching experiments.pptx
+++ b/Summer school 2024/Analysis of protein stretching experiments.pptx
@@ -10,35 +10,37 @@
     <p:sldId id="291" r:id="rId4"/>
     <p:sldId id="260" r:id="rId5"/>
     <p:sldId id="275" r:id="rId6"/>
-    <p:sldId id="257" r:id="rId7"/>
-    <p:sldId id="292" r:id="rId8"/>
-    <p:sldId id="276" r:id="rId9"/>
-    <p:sldId id="277" r:id="rId10"/>
-    <p:sldId id="278" r:id="rId11"/>
-    <p:sldId id="279" r:id="rId12"/>
-    <p:sldId id="286" r:id="rId13"/>
-    <p:sldId id="287" r:id="rId14"/>
-    <p:sldId id="266" r:id="rId15"/>
-    <p:sldId id="293" r:id="rId16"/>
-    <p:sldId id="294" r:id="rId17"/>
-    <p:sldId id="295" r:id="rId18"/>
-    <p:sldId id="268" r:id="rId19"/>
-    <p:sldId id="267" r:id="rId20"/>
-    <p:sldId id="281" r:id="rId21"/>
-    <p:sldId id="269" r:id="rId22"/>
-    <p:sldId id="265" r:id="rId23"/>
-    <p:sldId id="297" r:id="rId24"/>
-    <p:sldId id="270" r:id="rId25"/>
-    <p:sldId id="271" r:id="rId26"/>
-    <p:sldId id="288" r:id="rId27"/>
-    <p:sldId id="274" r:id="rId28"/>
-    <p:sldId id="259" r:id="rId29"/>
-    <p:sldId id="282" r:id="rId30"/>
-    <p:sldId id="283" r:id="rId31"/>
-    <p:sldId id="284" r:id="rId32"/>
-    <p:sldId id="290" r:id="rId33"/>
-    <p:sldId id="285" r:id="rId34"/>
-    <p:sldId id="258" r:id="rId35"/>
+    <p:sldId id="292" r:id="rId7"/>
+    <p:sldId id="257" r:id="rId8"/>
+    <p:sldId id="298" r:id="rId9"/>
+    <p:sldId id="276" r:id="rId10"/>
+    <p:sldId id="277" r:id="rId11"/>
+    <p:sldId id="278" r:id="rId12"/>
+    <p:sldId id="279" r:id="rId13"/>
+    <p:sldId id="286" r:id="rId14"/>
+    <p:sldId id="287" r:id="rId15"/>
+    <p:sldId id="266" r:id="rId16"/>
+    <p:sldId id="293" r:id="rId17"/>
+    <p:sldId id="294" r:id="rId18"/>
+    <p:sldId id="295" r:id="rId19"/>
+    <p:sldId id="268" r:id="rId20"/>
+    <p:sldId id="267" r:id="rId21"/>
+    <p:sldId id="281" r:id="rId22"/>
+    <p:sldId id="269" r:id="rId23"/>
+    <p:sldId id="265" r:id="rId24"/>
+    <p:sldId id="297" r:id="rId25"/>
+    <p:sldId id="270" r:id="rId26"/>
+    <p:sldId id="271" r:id="rId27"/>
+    <p:sldId id="288" r:id="rId28"/>
+    <p:sldId id="274" r:id="rId29"/>
+    <p:sldId id="259" r:id="rId30"/>
+    <p:sldId id="282" r:id="rId31"/>
+    <p:sldId id="283" r:id="rId32"/>
+    <p:sldId id="315" r:id="rId33"/>
+    <p:sldId id="284" r:id="rId34"/>
+    <p:sldId id="290" r:id="rId35"/>
+    <p:sldId id="285" r:id="rId36"/>
+    <p:sldId id="258" r:id="rId37"/>
   </p:sldIdLst>
   <p:sldSz cx="12192000" cy="6858000"/>
   <p:notesSz cx="6858000" cy="9144000"/>
@@ -148,7 +150,7 @@
 <file path=ppt/revisionInfo.xml><?xml version="1.0" encoding="utf-8"?>
 <p1510:revInfo xmlns:a="http://schemas.openxmlformats.org/drawingml/2006/main" xmlns:r="http://schemas.openxmlformats.org/officeDocument/2006/relationships" xmlns:p1510="http://schemas.microsoft.com/office/powerpoint/2015/10/main">
   <p1510:revLst>
-    <p1510:client id="{055438CC-AB35-4861-8EC0-1B0371FB636C}" v="1" dt="2024-11-25T17:40:47.009"/>
+    <p1510:client id="{055438CC-AB35-4861-8EC0-1B0371FB636C}" v="9" dt="2024-11-30T17:25:18.013"/>
   </p1510:revLst>
 </p1510:revInfo>
 </file>
@@ -243,38 +245,6 @@
           <pc:docMk/>
           <pc:sldMk cId="787279821" sldId="296"/>
         </pc:sldMkLst>
-        <pc:spChg chg="mod">
-          <ac:chgData name="Are Mjaavatten" userId="00bb58f78e5d171c" providerId="LiveId" clId="{F7E50110-C233-47BD-AD07-CF0778A4B2F4}" dt="2024-11-23T10:29:55.295" v="1065" actId="20577"/>
-          <ac:spMkLst>
-            <pc:docMk/>
-            <pc:sldMk cId="787279821" sldId="296"/>
-            <ac:spMk id="2" creationId="{01B8F226-444D-27F6-92CB-C42B357EB1A1}"/>
-          </ac:spMkLst>
-        </pc:spChg>
-        <pc:spChg chg="mod">
-          <ac:chgData name="Are Mjaavatten" userId="00bb58f78e5d171c" providerId="LiveId" clId="{F7E50110-C233-47BD-AD07-CF0778A4B2F4}" dt="2024-11-23T10:38:16.026" v="1295" actId="20577"/>
-          <ac:spMkLst>
-            <pc:docMk/>
-            <pc:sldMk cId="787279821" sldId="296"/>
-            <ac:spMk id="3" creationId="{46702C27-4A64-A7AA-2614-54744B51E38B}"/>
-          </ac:spMkLst>
-        </pc:spChg>
-        <pc:spChg chg="add mod">
-          <ac:chgData name="Are Mjaavatten" userId="00bb58f78e5d171c" providerId="LiveId" clId="{F7E50110-C233-47BD-AD07-CF0778A4B2F4}" dt="2024-11-23T10:39:52.998" v="1311" actId="1076"/>
-          <ac:spMkLst>
-            <pc:docMk/>
-            <pc:sldMk cId="787279821" sldId="296"/>
-            <ac:spMk id="4" creationId="{CED2EB5C-5D9A-F90A-D849-EF4439D2EF4D}"/>
-          </ac:spMkLst>
-        </pc:spChg>
-        <pc:spChg chg="add mod">
-          <ac:chgData name="Are Mjaavatten" userId="00bb58f78e5d171c" providerId="LiveId" clId="{F7E50110-C233-47BD-AD07-CF0778A4B2F4}" dt="2024-11-23T10:35:04.846" v="1229" actId="1076"/>
-          <ac:spMkLst>
-            <pc:docMk/>
-            <pc:sldMk cId="787279821" sldId="296"/>
-            <ac:spMk id="5" creationId="{EB6C262D-77CA-287C-A5E0-CF41E40A1100}"/>
-          </ac:spMkLst>
-        </pc:spChg>
       </pc:sldChg>
     </pc:docChg>
   </pc:docChgLst>
@@ -1312,10 +1282,25 @@
   <pc:docChgLst>
     <pc:chgData name="Are Mjaavatten" userId="00bb58f78e5d171c" providerId="LiveId" clId="{055438CC-AB35-4861-8EC0-1B0371FB636C}"/>
     <pc:docChg chg="undo custSel addSld delSld modSld sldOrd">
-      <pc:chgData name="Are Mjaavatten" userId="00bb58f78e5d171c" providerId="LiveId" clId="{055438CC-AB35-4861-8EC0-1B0371FB636C}" dt="2024-11-25T17:40:59.657" v="3148" actId="47"/>
+      <pc:chgData name="Are Mjaavatten" userId="00bb58f78e5d171c" providerId="LiveId" clId="{055438CC-AB35-4861-8EC0-1B0371FB636C}" dt="2024-11-30T19:27:30.139" v="3672"/>
       <pc:docMkLst>
         <pc:docMk/>
       </pc:docMkLst>
+      <pc:sldChg chg="modSp mod">
+        <pc:chgData name="Are Mjaavatten" userId="00bb58f78e5d171c" providerId="LiveId" clId="{055438CC-AB35-4861-8EC0-1B0371FB636C}" dt="2024-11-30T16:34:43.810" v="3429" actId="20577"/>
+        <pc:sldMkLst>
+          <pc:docMk/>
+          <pc:sldMk cId="2060213347" sldId="257"/>
+        </pc:sldMkLst>
+        <pc:spChg chg="mod">
+          <ac:chgData name="Are Mjaavatten" userId="00bb58f78e5d171c" providerId="LiveId" clId="{055438CC-AB35-4861-8EC0-1B0371FB636C}" dt="2024-11-30T16:34:43.810" v="3429" actId="20577"/>
+          <ac:spMkLst>
+            <pc:docMk/>
+            <pc:sldMk cId="2060213347" sldId="257"/>
+            <ac:spMk id="3" creationId="{36353399-9D56-01E3-F12D-E417C0FD7DF7}"/>
+          </ac:spMkLst>
+        </pc:spChg>
+      </pc:sldChg>
       <pc:sldChg chg="addSp delSp modSp mod">
         <pc:chgData name="Are Mjaavatten" userId="00bb58f78e5d171c" providerId="LiveId" clId="{055438CC-AB35-4861-8EC0-1B0371FB636C}" dt="2024-11-23T11:50:18.933" v="3103" actId="1076"/>
         <pc:sldMkLst>
@@ -1402,13 +1387,13 @@
         </pc:cxnChg>
       </pc:sldChg>
       <pc:sldChg chg="modSp mod">
-        <pc:chgData name="Are Mjaavatten" userId="00bb58f78e5d171c" providerId="LiveId" clId="{055438CC-AB35-4861-8EC0-1B0371FB636C}" dt="2024-11-23T11:29:11.791" v="3009" actId="20577"/>
+        <pc:chgData name="Are Mjaavatten" userId="00bb58f78e5d171c" providerId="LiveId" clId="{055438CC-AB35-4861-8EC0-1B0371FB636C}" dt="2024-11-30T16:15:56.523" v="3268" actId="20577"/>
         <pc:sldMkLst>
           <pc:docMk/>
           <pc:sldMk cId="993497870" sldId="265"/>
         </pc:sldMkLst>
         <pc:spChg chg="mod">
-          <ac:chgData name="Are Mjaavatten" userId="00bb58f78e5d171c" providerId="LiveId" clId="{055438CC-AB35-4861-8EC0-1B0371FB636C}" dt="2024-11-23T11:29:11.791" v="3009" actId="20577"/>
+          <ac:chgData name="Are Mjaavatten" userId="00bb58f78e5d171c" providerId="LiveId" clId="{055438CC-AB35-4861-8EC0-1B0371FB636C}" dt="2024-11-30T16:15:56.523" v="3268" actId="20577"/>
           <ac:spMkLst>
             <pc:docMk/>
             <pc:sldMk cId="993497870" sldId="265"/>
@@ -1417,11 +1402,19 @@
         </pc:spChg>
       </pc:sldChg>
       <pc:sldChg chg="addSp delSp modSp mod">
-        <pc:chgData name="Are Mjaavatten" userId="00bb58f78e5d171c" providerId="LiveId" clId="{055438CC-AB35-4861-8EC0-1B0371FB636C}" dt="2024-11-11T09:24:47.782" v="658" actId="1076"/>
+        <pc:chgData name="Are Mjaavatten" userId="00bb58f78e5d171c" providerId="LiveId" clId="{055438CC-AB35-4861-8EC0-1B0371FB636C}" dt="2024-11-30T16:20:27.993" v="3329" actId="20577"/>
         <pc:sldMkLst>
           <pc:docMk/>
           <pc:sldMk cId="951915012" sldId="266"/>
         </pc:sldMkLst>
+        <pc:spChg chg="mod">
+          <ac:chgData name="Are Mjaavatten" userId="00bb58f78e5d171c" providerId="LiveId" clId="{055438CC-AB35-4861-8EC0-1B0371FB636C}" dt="2024-11-30T16:20:27.993" v="3329" actId="20577"/>
+          <ac:spMkLst>
+            <pc:docMk/>
+            <pc:sldMk cId="951915012" sldId="266"/>
+            <ac:spMk id="3" creationId="{A7FA766A-B888-9720-5CBA-68732A0A53FB}"/>
+          </ac:spMkLst>
+        </pc:spChg>
         <pc:picChg chg="add mod">
           <ac:chgData name="Are Mjaavatten" userId="00bb58f78e5d171c" providerId="LiveId" clId="{055438CC-AB35-4861-8EC0-1B0371FB636C}" dt="2024-11-11T09:24:47.782" v="658" actId="1076"/>
           <ac:picMkLst>
@@ -1446,7 +1439,22 @@
         </pc:sldMkLst>
       </pc:sldChg>
       <pc:sldChg chg="modSp mod">
-        <pc:chgData name="Are Mjaavatten" userId="00bb58f78e5d171c" providerId="LiveId" clId="{055438CC-AB35-4861-8EC0-1B0371FB636C}" dt="2024-11-21T16:58:44.659" v="2954" actId="404"/>
+        <pc:chgData name="Are Mjaavatten" userId="00bb58f78e5d171c" providerId="LiveId" clId="{055438CC-AB35-4861-8EC0-1B0371FB636C}" dt="2024-11-30T16:13:30.137" v="3158" actId="27636"/>
+        <pc:sldMkLst>
+          <pc:docMk/>
+          <pc:sldMk cId="34042762" sldId="269"/>
+        </pc:sldMkLst>
+        <pc:spChg chg="mod">
+          <ac:chgData name="Are Mjaavatten" userId="00bb58f78e5d171c" providerId="LiveId" clId="{055438CC-AB35-4861-8EC0-1B0371FB636C}" dt="2024-11-30T16:13:30.137" v="3158" actId="27636"/>
+          <ac:spMkLst>
+            <pc:docMk/>
+            <pc:sldMk cId="34042762" sldId="269"/>
+            <ac:spMk id="3" creationId="{2E9A1E1F-E1FB-D600-D0EE-A17FB6095AFF}"/>
+          </ac:spMkLst>
+        </pc:spChg>
+      </pc:sldChg>
+      <pc:sldChg chg="modSp mod">
+        <pc:chgData name="Are Mjaavatten" userId="00bb58f78e5d171c" providerId="LiveId" clId="{055438CC-AB35-4861-8EC0-1B0371FB636C}" dt="2024-11-30T16:21:23.283" v="3338" actId="20577"/>
         <pc:sldMkLst>
           <pc:docMk/>
           <pc:sldMk cId="2870539914" sldId="271"/>
@@ -1460,7 +1468,7 @@
           </ac:spMkLst>
         </pc:spChg>
         <pc:spChg chg="mod">
-          <ac:chgData name="Are Mjaavatten" userId="00bb58f78e5d171c" providerId="LiveId" clId="{055438CC-AB35-4861-8EC0-1B0371FB636C}" dt="2024-11-21T16:58:44.659" v="2954" actId="404"/>
+          <ac:chgData name="Are Mjaavatten" userId="00bb58f78e5d171c" providerId="LiveId" clId="{055438CC-AB35-4861-8EC0-1B0371FB636C}" dt="2024-11-30T16:21:23.283" v="3338" actId="20577"/>
           <ac:spMkLst>
             <pc:docMk/>
             <pc:sldMk cId="2870539914" sldId="271"/>
@@ -1469,13 +1477,13 @@
         </pc:spChg>
       </pc:sldChg>
       <pc:sldChg chg="modSp add del mod">
-        <pc:chgData name="Are Mjaavatten" userId="00bb58f78e5d171c" providerId="LiveId" clId="{055438CC-AB35-4861-8EC0-1B0371FB636C}" dt="2024-11-25T17:37:15.763" v="3115" actId="20577"/>
+        <pc:chgData name="Are Mjaavatten" userId="00bb58f78e5d171c" providerId="LiveId" clId="{055438CC-AB35-4861-8EC0-1B0371FB636C}" dt="2024-11-30T17:18:46.612" v="3667" actId="20577"/>
         <pc:sldMkLst>
           <pc:docMk/>
           <pc:sldMk cId="4127174572" sldId="274"/>
         </pc:sldMkLst>
         <pc:spChg chg="mod">
-          <ac:chgData name="Are Mjaavatten" userId="00bb58f78e5d171c" providerId="LiveId" clId="{055438CC-AB35-4861-8EC0-1B0371FB636C}" dt="2024-11-25T17:37:15.763" v="3115" actId="20577"/>
+          <ac:chgData name="Are Mjaavatten" userId="00bb58f78e5d171c" providerId="LiveId" clId="{055438CC-AB35-4861-8EC0-1B0371FB636C}" dt="2024-11-30T17:18:46.612" v="3667" actId="20577"/>
           <ac:spMkLst>
             <pc:docMk/>
             <pc:sldMk cId="4127174572" sldId="274"/>
@@ -1499,13 +1507,13 @@
         </pc:spChg>
       </pc:sldChg>
       <pc:sldChg chg="addSp modSp mod">
-        <pc:chgData name="Are Mjaavatten" userId="00bb58f78e5d171c" providerId="LiveId" clId="{055438CC-AB35-4861-8EC0-1B0371FB636C}" dt="2024-11-12T08:50:44.262" v="2806" actId="1076"/>
+        <pc:chgData name="Are Mjaavatten" userId="00bb58f78e5d171c" providerId="LiveId" clId="{055438CC-AB35-4861-8EC0-1B0371FB636C}" dt="2024-11-30T16:58:28.558" v="3579" actId="20577"/>
         <pc:sldMkLst>
           <pc:docMk/>
           <pc:sldMk cId="2297231925" sldId="276"/>
         </pc:sldMkLst>
         <pc:spChg chg="mod">
-          <ac:chgData name="Are Mjaavatten" userId="00bb58f78e5d171c" providerId="LiveId" clId="{055438CC-AB35-4861-8EC0-1B0371FB636C}" dt="2024-11-12T08:36:23.329" v="2668" actId="27636"/>
+          <ac:chgData name="Are Mjaavatten" userId="00bb58f78e5d171c" providerId="LiveId" clId="{055438CC-AB35-4861-8EC0-1B0371FB636C}" dt="2024-11-30T16:58:28.558" v="3579" actId="20577"/>
           <ac:spMkLst>
             <pc:docMk/>
             <pc:sldMk cId="2297231925" sldId="276"/>
@@ -1552,6 +1560,21 @@
           </ac:picMkLst>
         </pc:picChg>
       </pc:sldChg>
+      <pc:sldChg chg="modSp mod">
+        <pc:chgData name="Are Mjaavatten" userId="00bb58f78e5d171c" providerId="LiveId" clId="{055438CC-AB35-4861-8EC0-1B0371FB636C}" dt="2024-11-30T16:15:11.705" v="3264" actId="20577"/>
+        <pc:sldMkLst>
+          <pc:docMk/>
+          <pc:sldMk cId="3816220206" sldId="281"/>
+        </pc:sldMkLst>
+        <pc:spChg chg="mod">
+          <ac:chgData name="Are Mjaavatten" userId="00bb58f78e5d171c" providerId="LiveId" clId="{055438CC-AB35-4861-8EC0-1B0371FB636C}" dt="2024-11-30T16:15:11.705" v="3264" actId="20577"/>
+          <ac:spMkLst>
+            <pc:docMk/>
+            <pc:sldMk cId="3816220206" sldId="281"/>
+            <ac:spMk id="3" creationId="{D69F0E18-403E-2856-0E01-F43BC137040A}"/>
+          </ac:spMkLst>
+        </pc:spChg>
+      </pc:sldChg>
       <pc:sldChg chg="addSp delSp modSp mod setBg">
         <pc:chgData name="Are Mjaavatten" userId="00bb58f78e5d171c" providerId="LiveId" clId="{055438CC-AB35-4861-8EC0-1B0371FB636C}" dt="2024-11-23T11:42:20.981" v="3098" actId="26606"/>
         <pc:sldMkLst>
@@ -1566,6 +1589,13 @@
             <ac:picMk id="3" creationId="{E802F7AC-4B89-22BF-A6B4-98171629B24C}"/>
           </ac:picMkLst>
         </pc:picChg>
+      </pc:sldChg>
+      <pc:sldChg chg="ord">
+        <pc:chgData name="Are Mjaavatten" userId="00bb58f78e5d171c" providerId="LiveId" clId="{055438CC-AB35-4861-8EC0-1B0371FB636C}" dt="2024-11-30T19:27:30.139" v="3672"/>
+        <pc:sldMkLst>
+          <pc:docMk/>
+          <pc:sldMk cId="2908438448" sldId="283"/>
+        </pc:sldMkLst>
       </pc:sldChg>
       <pc:sldChg chg="modSp mod">
         <pc:chgData name="Are Mjaavatten" userId="00bb58f78e5d171c" providerId="LiveId" clId="{055438CC-AB35-4861-8EC0-1B0371FB636C}" dt="2024-11-18T15:10:36.864" v="2822" actId="20577"/>
@@ -1620,6 +1650,21 @@
             <ac:cxnSpMk id="11" creationId="{B91A8E23-51D3-EB1C-9A36-BEA6C4A87086}"/>
           </ac:cxnSpMkLst>
         </pc:cxnChg>
+      </pc:sldChg>
+      <pc:sldChg chg="modSp mod">
+        <pc:chgData name="Are Mjaavatten" userId="00bb58f78e5d171c" providerId="LiveId" clId="{055438CC-AB35-4861-8EC0-1B0371FB636C}" dt="2024-11-30T17:04:49.798" v="3600" actId="20577"/>
+        <pc:sldMkLst>
+          <pc:docMk/>
+          <pc:sldMk cId="3923112241" sldId="287"/>
+        </pc:sldMkLst>
+        <pc:spChg chg="mod">
+          <ac:chgData name="Are Mjaavatten" userId="00bb58f78e5d171c" providerId="LiveId" clId="{055438CC-AB35-4861-8EC0-1B0371FB636C}" dt="2024-11-30T17:04:49.798" v="3600" actId="20577"/>
+          <ac:spMkLst>
+            <pc:docMk/>
+            <pc:sldMk cId="3923112241" sldId="287"/>
+            <ac:spMk id="4" creationId="{6BF09426-A00E-F54E-ED38-ED13250CE22D}"/>
+          </ac:spMkLst>
+        </pc:spChg>
       </pc:sldChg>
       <pc:sldChg chg="modSp mod">
         <pc:chgData name="Are Mjaavatten" userId="00bb58f78e5d171c" providerId="LiveId" clId="{055438CC-AB35-4861-8EC0-1B0371FB636C}" dt="2024-11-21T16:59:28.968" v="2958" actId="122"/>
@@ -1683,7 +1728,7 @@
         </pc:picChg>
       </pc:sldChg>
       <pc:sldChg chg="addSp delSp modSp new mod ord modClrScheme chgLayout">
-        <pc:chgData name="Are Mjaavatten" userId="00bb58f78e5d171c" providerId="LiveId" clId="{055438CC-AB35-4861-8EC0-1B0371FB636C}" dt="2024-11-21T16:48:27.026" v="2859" actId="122"/>
+        <pc:chgData name="Are Mjaavatten" userId="00bb58f78e5d171c" providerId="LiveId" clId="{055438CC-AB35-4861-8EC0-1B0371FB636C}" dt="2024-11-30T16:30:45.475" v="3348"/>
         <pc:sldMkLst>
           <pc:docMk/>
           <pc:sldMk cId="2324055941" sldId="292"/>
@@ -1793,7 +1838,7 @@
         </pc:spChg>
       </pc:sldChg>
       <pc:sldChg chg="modSp new mod">
-        <pc:chgData name="Are Mjaavatten" userId="00bb58f78e5d171c" providerId="LiveId" clId="{055438CC-AB35-4861-8EC0-1B0371FB636C}" dt="2024-11-21T16:54:26.261" v="2917" actId="20577"/>
+        <pc:chgData name="Are Mjaavatten" userId="00bb58f78e5d171c" providerId="LiveId" clId="{055438CC-AB35-4861-8EC0-1B0371FB636C}" dt="2024-11-30T17:06:31.800" v="3605" actId="20577"/>
         <pc:sldMkLst>
           <pc:docMk/>
           <pc:sldMk cId="650093402" sldId="294"/>
@@ -1807,7 +1852,7 @@
           </ac:spMkLst>
         </pc:spChg>
         <pc:spChg chg="mod">
-          <ac:chgData name="Are Mjaavatten" userId="00bb58f78e5d171c" providerId="LiveId" clId="{055438CC-AB35-4861-8EC0-1B0371FB636C}" dt="2024-11-21T16:54:26.261" v="2917" actId="20577"/>
+          <ac:chgData name="Are Mjaavatten" userId="00bb58f78e5d171c" providerId="LiveId" clId="{055438CC-AB35-4861-8EC0-1B0371FB636C}" dt="2024-11-30T17:06:31.800" v="3605" actId="20577"/>
           <ac:spMkLst>
             <pc:docMk/>
             <pc:sldMk cId="650093402" sldId="294"/>
@@ -1815,8 +1860,8 @@
           </ac:spMkLst>
         </pc:spChg>
       </pc:sldChg>
-      <pc:sldChg chg="addSp modSp new mod">
-        <pc:chgData name="Are Mjaavatten" userId="00bb58f78e5d171c" providerId="LiveId" clId="{055438CC-AB35-4861-8EC0-1B0371FB636C}" dt="2024-11-23T10:50:58.507" v="3004" actId="20577"/>
+      <pc:sldChg chg="addSp delSp modSp new mod">
+        <pc:chgData name="Are Mjaavatten" userId="00bb58f78e5d171c" providerId="LiveId" clId="{055438CC-AB35-4861-8EC0-1B0371FB636C}" dt="2024-11-30T16:09:46.668" v="3154" actId="14100"/>
         <pc:sldMkLst>
           <pc:docMk/>
           <pc:sldMk cId="3201626842" sldId="295"/>
@@ -1837,12 +1882,20 @@
             <ac:spMk id="3" creationId="{AF115D75-50D7-658E-D124-041FD9D2F244}"/>
           </ac:spMkLst>
         </pc:spChg>
-        <pc:picChg chg="add mod">
-          <ac:chgData name="Are Mjaavatten" userId="00bb58f78e5d171c" providerId="LiveId" clId="{055438CC-AB35-4861-8EC0-1B0371FB636C}" dt="2024-11-11T14:38:54.836" v="2182" actId="14100"/>
+        <pc:picChg chg="add del mod">
+          <ac:chgData name="Are Mjaavatten" userId="00bb58f78e5d171c" providerId="LiveId" clId="{055438CC-AB35-4861-8EC0-1B0371FB636C}" dt="2024-11-30T16:09:21.669" v="3149" actId="478"/>
           <ac:picMkLst>
             <pc:docMk/>
             <pc:sldMk cId="3201626842" sldId="295"/>
             <ac:picMk id="5" creationId="{BC1B285A-E9AB-4385-AE7B-0F54AAB3EDD5}"/>
+          </ac:picMkLst>
+        </pc:picChg>
+        <pc:picChg chg="add mod">
+          <ac:chgData name="Are Mjaavatten" userId="00bb58f78e5d171c" providerId="LiveId" clId="{055438CC-AB35-4861-8EC0-1B0371FB636C}" dt="2024-11-30T16:09:46.668" v="3154" actId="14100"/>
+          <ac:picMkLst>
+            <pc:docMk/>
+            <pc:sldMk cId="3201626842" sldId="295"/>
+            <ac:picMk id="6" creationId="{E751B404-A69C-77D2-6D36-9B0673004626}"/>
           </ac:picMkLst>
         </pc:picChg>
       </pc:sldChg>
@@ -1852,44 +1905,105 @@
           <pc:docMk/>
           <pc:sldMk cId="787279821" sldId="296"/>
         </pc:sldMkLst>
+      </pc:sldChg>
+      <pc:sldChg chg="modSp add mod">
+        <pc:chgData name="Are Mjaavatten" userId="00bb58f78e5d171c" providerId="LiveId" clId="{055438CC-AB35-4861-8EC0-1B0371FB636C}" dt="2024-11-30T17:13:52.373" v="3621" actId="20577"/>
+        <pc:sldMkLst>
+          <pc:docMk/>
+          <pc:sldMk cId="2902811654" sldId="297"/>
+        </pc:sldMkLst>
         <pc:spChg chg="mod">
-          <ac:chgData name="Are Mjaavatten" userId="00bb58f78e5d171c" providerId="LiveId" clId="{055438CC-AB35-4861-8EC0-1B0371FB636C}" dt="2024-11-25T12:04:33.810" v="3105" actId="790"/>
+          <ac:chgData name="Are Mjaavatten" userId="00bb58f78e5d171c" providerId="LiveId" clId="{055438CC-AB35-4861-8EC0-1B0371FB636C}" dt="2024-11-30T17:13:02.710" v="3606" actId="20577"/>
           <ac:spMkLst>
             <pc:docMk/>
-            <pc:sldMk cId="787279821" sldId="296"/>
-            <ac:spMk id="2" creationId="{01B8F226-444D-27F6-92CB-C42B357EB1A1}"/>
-          </ac:spMkLst>
-        </pc:spChg>
-        <pc:spChg chg="mod">
-          <ac:chgData name="Are Mjaavatten" userId="00bb58f78e5d171c" providerId="LiveId" clId="{055438CC-AB35-4861-8EC0-1B0371FB636C}" dt="2024-11-25T17:39:02.575" v="3118"/>
-          <ac:spMkLst>
-            <pc:docMk/>
-            <pc:sldMk cId="787279821" sldId="296"/>
+            <pc:sldMk cId="2902811654" sldId="297"/>
             <ac:spMk id="3" creationId="{46702C27-4A64-A7AA-2614-54744B51E38B}"/>
           </ac:spMkLst>
         </pc:spChg>
         <pc:spChg chg="mod">
-          <ac:chgData name="Are Mjaavatten" userId="00bb58f78e5d171c" providerId="LiveId" clId="{055438CC-AB35-4861-8EC0-1B0371FB636C}" dt="2024-11-25T17:39:20.837" v="3146" actId="1035"/>
+          <ac:chgData name="Are Mjaavatten" userId="00bb58f78e5d171c" providerId="LiveId" clId="{055438CC-AB35-4861-8EC0-1B0371FB636C}" dt="2024-11-30T17:13:52.373" v="3621" actId="20577"/>
           <ac:spMkLst>
             <pc:docMk/>
-            <pc:sldMk cId="787279821" sldId="296"/>
+            <pc:sldMk cId="2902811654" sldId="297"/>
             <ac:spMk id="5" creationId="{EB6C262D-77CA-287C-A5E0-CF41E40A1100}"/>
           </ac:spMkLst>
         </pc:spChg>
-        <pc:cxnChg chg="add mod">
-          <ac:chgData name="Are Mjaavatten" userId="00bb58f78e5d171c" providerId="LiveId" clId="{055438CC-AB35-4861-8EC0-1B0371FB636C}" dt="2024-11-23T11:31:07.002" v="3017" actId="692"/>
-          <ac:cxnSpMkLst>
-            <pc:docMk/>
-            <pc:sldMk cId="787279821" sldId="296"/>
-            <ac:cxnSpMk id="7" creationId="{C975A1F5-9977-90B9-49A2-B8B084A83779}"/>
-          </ac:cxnSpMkLst>
-        </pc:cxnChg>
+      </pc:sldChg>
+      <pc:sldChg chg="addSp delSp modSp new mod">
+        <pc:chgData name="Are Mjaavatten" userId="00bb58f78e5d171c" providerId="LiveId" clId="{055438CC-AB35-4861-8EC0-1B0371FB636C}" dt="2024-11-30T16:57:56.739" v="3578" actId="1076"/>
+        <pc:sldMkLst>
+          <pc:docMk/>
+          <pc:sldMk cId="3000256276" sldId="298"/>
+        </pc:sldMkLst>
+        <pc:spChg chg="mod">
+          <ac:chgData name="Are Mjaavatten" userId="00bb58f78e5d171c" providerId="LiveId" clId="{055438CC-AB35-4861-8EC0-1B0371FB636C}" dt="2024-11-30T16:39:36.123" v="3431"/>
+          <ac:spMkLst>
+            <pc:docMk/>
+            <pc:sldMk cId="3000256276" sldId="298"/>
+            <ac:spMk id="2" creationId="{42ED12A1-553C-C2B1-D588-B3533A675C5C}"/>
+          </ac:spMkLst>
+        </pc:spChg>
+        <pc:spChg chg="del">
+          <ac:chgData name="Are Mjaavatten" userId="00bb58f78e5d171c" providerId="LiveId" clId="{055438CC-AB35-4861-8EC0-1B0371FB636C}" dt="2024-11-30T16:40:53.589" v="3432" actId="22"/>
+          <ac:spMkLst>
+            <pc:docMk/>
+            <pc:sldMk cId="3000256276" sldId="298"/>
+            <ac:spMk id="3" creationId="{4D3E6FB1-625C-2327-B641-6AA02AA5864F}"/>
+          </ac:spMkLst>
+        </pc:spChg>
+        <pc:spChg chg="add mod">
+          <ac:chgData name="Are Mjaavatten" userId="00bb58f78e5d171c" providerId="LiveId" clId="{055438CC-AB35-4861-8EC0-1B0371FB636C}" dt="2024-11-30T16:57:56.739" v="3578" actId="1076"/>
+          <ac:spMkLst>
+            <pc:docMk/>
+            <pc:sldMk cId="3000256276" sldId="298"/>
+            <ac:spMk id="7" creationId="{5B2383CE-ACEC-503D-3965-871DE127A4F7}"/>
+          </ac:spMkLst>
+        </pc:spChg>
+        <pc:picChg chg="add del mod ord modCrop">
+          <ac:chgData name="Are Mjaavatten" userId="00bb58f78e5d171c" providerId="LiveId" clId="{055438CC-AB35-4861-8EC0-1B0371FB636C}" dt="2024-11-30T16:47:30.894" v="3442" actId="478"/>
+          <ac:picMkLst>
+            <pc:docMk/>
+            <pc:sldMk cId="3000256276" sldId="298"/>
+            <ac:picMk id="5" creationId="{01B9C333-ABFA-F6D4-08B4-66109FFF1ED5}"/>
+          </ac:picMkLst>
+        </pc:picChg>
+        <pc:picChg chg="add mod">
+          <ac:chgData name="Are Mjaavatten" userId="00bb58f78e5d171c" providerId="LiveId" clId="{055438CC-AB35-4861-8EC0-1B0371FB636C}" dt="2024-11-30T16:57:30.374" v="3573" actId="1076"/>
+          <ac:picMkLst>
+            <pc:docMk/>
+            <pc:sldMk cId="3000256276" sldId="298"/>
+            <ac:picMk id="9" creationId="{94D8929B-4B08-240F-AFAE-7A7BE05E9E3F}"/>
+          </ac:picMkLst>
+        </pc:picChg>
+        <pc:picChg chg="add del mod">
+          <ac:chgData name="Are Mjaavatten" userId="00bb58f78e5d171c" providerId="LiveId" clId="{055438CC-AB35-4861-8EC0-1B0371FB636C}" dt="2024-11-30T16:52:24.408" v="3453" actId="478"/>
+          <ac:picMkLst>
+            <pc:docMk/>
+            <pc:sldMk cId="3000256276" sldId="298"/>
+            <ac:picMk id="11" creationId="{BECA05AF-704D-7C27-3EBD-68C82D738643}"/>
+          </ac:picMkLst>
+        </pc:picChg>
+        <pc:picChg chg="add del mod">
+          <ac:chgData name="Are Mjaavatten" userId="00bb58f78e5d171c" providerId="LiveId" clId="{055438CC-AB35-4861-8EC0-1B0371FB636C}" dt="2024-11-30T16:55:18.060" v="3466" actId="478"/>
+          <ac:picMkLst>
+            <pc:docMk/>
+            <pc:sldMk cId="3000256276" sldId="298"/>
+            <ac:picMk id="13" creationId="{294DE390-C93F-DD53-9D6B-AF76794805AE}"/>
+          </ac:picMkLst>
+        </pc:picChg>
+      </pc:sldChg>
+      <pc:sldChg chg="add del">
+        <pc:chgData name="Are Mjaavatten" userId="00bb58f78e5d171c" providerId="LiveId" clId="{055438CC-AB35-4861-8EC0-1B0371FB636C}" dt="2024-11-30T17:24:14.336" v="3669" actId="47"/>
+        <pc:sldMkLst>
+          <pc:docMk/>
+          <pc:sldMk cId="7884107" sldId="313"/>
+        </pc:sldMkLst>
       </pc:sldChg>
       <pc:sldChg chg="add">
-        <pc:chgData name="Are Mjaavatten" userId="00bb58f78e5d171c" providerId="LiveId" clId="{055438CC-AB35-4861-8EC0-1B0371FB636C}" dt="2024-11-25T17:40:47.005" v="3147"/>
+        <pc:chgData name="Are Mjaavatten" userId="00bb58f78e5d171c" providerId="LiveId" clId="{055438CC-AB35-4861-8EC0-1B0371FB636C}" dt="2024-11-30T17:25:18.013" v="3670"/>
         <pc:sldMkLst>
           <pc:docMk/>
-          <pc:sldMk cId="2902811654" sldId="297"/>
+          <pc:sldMk cId="4269072818" sldId="315"/>
         </pc:sldMkLst>
       </pc:sldChg>
     </pc:docChg>
@@ -2046,7 +2160,7 @@
           <a:p>
             <a:fld id="{DEC79A4E-9175-427E-BE99-C1822657C876}" type="datetimeFigureOut">
               <a:rPr lang="en-GB" smtClean="0"/>
-              <a:t>25/11/2024</a:t>
+              <a:t>30/11/2024</a:t>
             </a:fld>
             <a:endParaRPr lang="en-GB"/>
           </a:p>
@@ -2246,7 +2360,7 @@
           <a:p>
             <a:fld id="{DEC79A4E-9175-427E-BE99-C1822657C876}" type="datetimeFigureOut">
               <a:rPr lang="en-GB" smtClean="0"/>
-              <a:t>25/11/2024</a:t>
+              <a:t>30/11/2024</a:t>
             </a:fld>
             <a:endParaRPr lang="en-GB"/>
           </a:p>
@@ -2456,7 +2570,7 @@
           <a:p>
             <a:fld id="{DEC79A4E-9175-427E-BE99-C1822657C876}" type="datetimeFigureOut">
               <a:rPr lang="en-GB" smtClean="0"/>
-              <a:t>25/11/2024</a:t>
+              <a:t>30/11/2024</a:t>
             </a:fld>
             <a:endParaRPr lang="en-GB"/>
           </a:p>
@@ -2656,7 +2770,7 @@
           <a:p>
             <a:fld id="{DEC79A4E-9175-427E-BE99-C1822657C876}" type="datetimeFigureOut">
               <a:rPr lang="en-GB" smtClean="0"/>
-              <a:t>25/11/2024</a:t>
+              <a:t>30/11/2024</a:t>
             </a:fld>
             <a:endParaRPr lang="en-GB"/>
           </a:p>
@@ -2932,7 +3046,7 @@
           <a:p>
             <a:fld id="{DEC79A4E-9175-427E-BE99-C1822657C876}" type="datetimeFigureOut">
               <a:rPr lang="en-GB" smtClean="0"/>
-              <a:t>25/11/2024</a:t>
+              <a:t>30/11/2024</a:t>
             </a:fld>
             <a:endParaRPr lang="en-GB"/>
           </a:p>
@@ -3200,7 +3314,7 @@
           <a:p>
             <a:fld id="{DEC79A4E-9175-427E-BE99-C1822657C876}" type="datetimeFigureOut">
               <a:rPr lang="en-GB" smtClean="0"/>
-              <a:t>25/11/2024</a:t>
+              <a:t>30/11/2024</a:t>
             </a:fld>
             <a:endParaRPr lang="en-GB"/>
           </a:p>
@@ -3615,7 +3729,7 @@
           <a:p>
             <a:fld id="{DEC79A4E-9175-427E-BE99-C1822657C876}" type="datetimeFigureOut">
               <a:rPr lang="en-GB" smtClean="0"/>
-              <a:t>25/11/2024</a:t>
+              <a:t>30/11/2024</a:t>
             </a:fld>
             <a:endParaRPr lang="en-GB"/>
           </a:p>
@@ -3757,7 +3871,7 @@
           <a:p>
             <a:fld id="{DEC79A4E-9175-427E-BE99-C1822657C876}" type="datetimeFigureOut">
               <a:rPr lang="en-GB" smtClean="0"/>
-              <a:t>25/11/2024</a:t>
+              <a:t>30/11/2024</a:t>
             </a:fld>
             <a:endParaRPr lang="en-GB"/>
           </a:p>
@@ -3870,7 +3984,7 @@
           <a:p>
             <a:fld id="{DEC79A4E-9175-427E-BE99-C1822657C876}" type="datetimeFigureOut">
               <a:rPr lang="en-GB" smtClean="0"/>
-              <a:t>25/11/2024</a:t>
+              <a:t>30/11/2024</a:t>
             </a:fld>
             <a:endParaRPr lang="en-GB"/>
           </a:p>
@@ -4183,7 +4297,7 @@
           <a:p>
             <a:fld id="{DEC79A4E-9175-427E-BE99-C1822657C876}" type="datetimeFigureOut">
               <a:rPr lang="en-GB" smtClean="0"/>
-              <a:t>25/11/2024</a:t>
+              <a:t>30/11/2024</a:t>
             </a:fld>
             <a:endParaRPr lang="en-GB"/>
           </a:p>
@@ -4472,7 +4586,7 @@
           <a:p>
             <a:fld id="{DEC79A4E-9175-427E-BE99-C1822657C876}" type="datetimeFigureOut">
               <a:rPr lang="en-GB" smtClean="0"/>
-              <a:t>25/11/2024</a:t>
+              <a:t>30/11/2024</a:t>
             </a:fld>
             <a:endParaRPr lang="en-GB"/>
           </a:p>
@@ -4715,7 +4829,7 @@
           <a:p>
             <a:fld id="{DEC79A4E-9175-427E-BE99-C1822657C876}" type="datetimeFigureOut">
               <a:rPr lang="en-GB" smtClean="0"/>
-              <a:t>25/11/2024</a:t>
+              <a:t>30/11/2024</a:t>
             </a:fld>
             <a:endParaRPr lang="en-GB"/>
           </a:p>
@@ -5286,6 +5400,187 @@
           <p:cNvPr id="2" name="Title 1">
             <a:extLst>
               <a:ext uri="{FF2B5EF4-FFF2-40B4-BE49-F238E27FC236}">
+                <a16:creationId xmlns:a16="http://schemas.microsoft.com/office/drawing/2014/main" id="{2274DD12-BDFC-8CAF-538D-57560821F713}"/>
+              </a:ext>
+            </a:extLst>
+          </p:cNvPr>
+          <p:cNvSpPr>
+            <a:spLocks noGrp="1"/>
+          </p:cNvSpPr>
+          <p:nvPr>
+            <p:ph type="title"/>
+          </p:nvPr>
+        </p:nvSpPr>
+        <p:spPr/>
+        <p:txBody>
+          <a:bodyPr/>
+          <a:lstStyle/>
+          <a:p>
+            <a:r>
+              <a:rPr lang="en-GB" dirty="0"/>
+              <a:t>Find individual pull and relax traces (2)</a:t>
+            </a:r>
+          </a:p>
+        </p:txBody>
+      </p:sp>
+      <p:sp>
+        <p:nvSpPr>
+          <p:cNvPr id="3" name="Content Placeholder 2">
+            <a:extLst>
+              <a:ext uri="{FF2B5EF4-FFF2-40B4-BE49-F238E27FC236}">
+                <a16:creationId xmlns:a16="http://schemas.microsoft.com/office/drawing/2014/main" id="{7F22BECD-4858-0BA6-91CA-C9D48FA26E8F}"/>
+              </a:ext>
+            </a:extLst>
+          </p:cNvPr>
+          <p:cNvSpPr>
+            <a:spLocks noGrp="1"/>
+          </p:cNvSpPr>
+          <p:nvPr>
+            <p:ph idx="1"/>
+          </p:nvPr>
+        </p:nvSpPr>
+        <p:spPr>
+          <a:xfrm>
+            <a:off x="838199" y="1825625"/>
+            <a:ext cx="5670755" cy="4351338"/>
+          </a:xfrm>
+        </p:spPr>
+        <p:txBody>
+          <a:bodyPr>
+            <a:normAutofit/>
+          </a:bodyPr>
+          <a:lstStyle/>
+          <a:p>
+            <a:r>
+              <a:rPr lang="en-GB" dirty="0" err="1"/>
+              <a:t>Peakpos</a:t>
+            </a:r>
+            <a:r>
+              <a:rPr lang="en-GB" dirty="0"/>
+              <a:t>: Record no of maximum value in a high force interval</a:t>
+            </a:r>
+          </a:p>
+          <a:p>
+            <a:r>
+              <a:rPr lang="en-GB" dirty="0" err="1"/>
+              <a:t>Valleypos</a:t>
+            </a:r>
+            <a:r>
+              <a:rPr lang="en-GB" dirty="0"/>
+              <a:t>: Record no of minimum value of f between two high force intervals</a:t>
+            </a:r>
+          </a:p>
+          <a:p>
+            <a:r>
+              <a:rPr lang="en-GB" dirty="0"/>
+              <a:t>Interval from a </a:t>
+            </a:r>
+            <a:r>
+              <a:rPr lang="en-GB" dirty="0" err="1"/>
+              <a:t>valleypos</a:t>
+            </a:r>
+            <a:r>
+              <a:rPr lang="en-GB" dirty="0"/>
+              <a:t> to the next </a:t>
+            </a:r>
+            <a:r>
+              <a:rPr lang="en-GB" dirty="0" err="1"/>
+              <a:t>peakpos</a:t>
+            </a:r>
+            <a:r>
+              <a:rPr lang="en-GB" dirty="0"/>
+              <a:t> is a pull trace</a:t>
+            </a:r>
+          </a:p>
+          <a:p>
+            <a:r>
+              <a:rPr lang="en-GB" dirty="0"/>
+              <a:t>Interval from a </a:t>
+            </a:r>
+            <a:r>
+              <a:rPr lang="en-GB" dirty="0" err="1"/>
+              <a:t>peakpos</a:t>
+            </a:r>
+            <a:r>
+              <a:rPr lang="en-GB" dirty="0"/>
+              <a:t> to the next </a:t>
+            </a:r>
+            <a:r>
+              <a:rPr lang="en-GB" dirty="0" err="1"/>
+              <a:t>valleypos</a:t>
+            </a:r>
+            <a:r>
+              <a:rPr lang="en-GB" dirty="0"/>
+              <a:t> is a relaxing trace</a:t>
+            </a:r>
+          </a:p>
+        </p:txBody>
+      </p:sp>
+      <p:pic>
+        <p:nvPicPr>
+          <p:cNvPr id="4" name="Picture 3">
+            <a:extLst>
+              <a:ext uri="{FF2B5EF4-FFF2-40B4-BE49-F238E27FC236}">
+                <a16:creationId xmlns:a16="http://schemas.microsoft.com/office/drawing/2014/main" id="{BB3DE1E5-040F-29CD-83DF-3FCB0C2230EE}"/>
+              </a:ext>
+            </a:extLst>
+          </p:cNvPr>
+          <p:cNvPicPr>
+            <a:picLocks noChangeAspect="1"/>
+          </p:cNvPicPr>
+          <p:nvPr/>
+        </p:nvPicPr>
+        <p:blipFill>
+          <a:blip r:embed="rId2"/>
+          <a:stretch>
+            <a:fillRect/>
+          </a:stretch>
+        </p:blipFill>
+        <p:spPr>
+          <a:xfrm>
+            <a:off x="6682555" y="1577770"/>
+            <a:ext cx="5276850" cy="4095750"/>
+          </a:xfrm>
+          <a:prstGeom prst="rect">
+            <a:avLst/>
+          </a:prstGeom>
+        </p:spPr>
+      </p:pic>
+    </p:spTree>
+    <p:extLst>
+      <p:ext uri="{BB962C8B-B14F-4D97-AF65-F5344CB8AC3E}">
+        <p14:creationId xmlns:p14="http://schemas.microsoft.com/office/powerpoint/2010/main" val="3795277216"/>
+      </p:ext>
+    </p:extLst>
+  </p:cSld>
+  <p:clrMapOvr>
+    <a:masterClrMapping/>
+  </p:clrMapOvr>
+</p:sld>
+</file>
+
+<file path=ppt/slides/slide11.xml><?xml version="1.0" encoding="utf-8"?>
+<p:sld xmlns:a="http://schemas.openxmlformats.org/drawingml/2006/main" xmlns:r="http://schemas.openxmlformats.org/officeDocument/2006/relationships" xmlns:p="http://schemas.openxmlformats.org/presentationml/2006/main">
+  <p:cSld>
+    <p:spTree>
+      <p:nvGrpSpPr>
+        <p:cNvPr id="1" name=""/>
+        <p:cNvGrpSpPr/>
+        <p:nvPr/>
+      </p:nvGrpSpPr>
+      <p:grpSpPr>
+        <a:xfrm>
+          <a:off x="0" y="0"/>
+          <a:ext cx="0" cy="0"/>
+          <a:chOff x="0" y="0"/>
+          <a:chExt cx="0" cy="0"/>
+        </a:xfrm>
+      </p:grpSpPr>
+      <p:sp>
+        <p:nvSpPr>
+          <p:cNvPr id="2" name="Title 1">
+            <a:extLst>
+              <a:ext uri="{FF2B5EF4-FFF2-40B4-BE49-F238E27FC236}">
                 <a16:creationId xmlns:a16="http://schemas.microsoft.com/office/drawing/2014/main" id="{054D8866-5159-A701-9D35-CDD4CB7022C2}"/>
               </a:ext>
             </a:extLst>
@@ -6869,7 +7164,7 @@
 </p:sld>
 </file>
 
-<file path=ppt/slides/slide11.xml><?xml version="1.0" encoding="utf-8"?>
+<file path=ppt/slides/slide12.xml><?xml version="1.0" encoding="utf-8"?>
 <p:sld xmlns:a="http://schemas.openxmlformats.org/drawingml/2006/main" xmlns:r="http://schemas.openxmlformats.org/officeDocument/2006/relationships" xmlns:p="http://schemas.openxmlformats.org/presentationml/2006/main">
   <p:cSld>
     <p:spTree>
@@ -7058,7 +7353,7 @@
 </p:sld>
 </file>
 
-<file path=ppt/slides/slide12.xml><?xml version="1.0" encoding="utf-8"?>
+<file path=ppt/slides/slide13.xml><?xml version="1.0" encoding="utf-8"?>
 <p:sld xmlns:a="http://schemas.openxmlformats.org/drawingml/2006/main" xmlns:r="http://schemas.openxmlformats.org/officeDocument/2006/relationships" xmlns:p="http://schemas.openxmlformats.org/presentationml/2006/main">
   <p:cSld>
     <p:bg>
@@ -7348,7 +7643,7 @@
 </p:sld>
 </file>
 
-<file path=ppt/slides/slide13.xml><?xml version="1.0" encoding="utf-8"?>
+<file path=ppt/slides/slide14.xml><?xml version="1.0" encoding="utf-8"?>
 <p:sld xmlns:a="http://schemas.openxmlformats.org/drawingml/2006/main" xmlns:r="http://schemas.openxmlformats.org/officeDocument/2006/relationships" xmlns:p="http://schemas.openxmlformats.org/presentationml/2006/main">
   <p:cSld>
     <p:spTree>
@@ -7448,7 +7743,7 @@
             </a:r>
             <a:r>
               <a:rPr lang="en-GB" dirty="0"/>
-              <a:t> is equal to the difference in protein “length” between the folded and unfolded shapes</a:t>
+              <a:t> is equal to the difference in protein “length” between the folded and unfolded shapes at the rip force</a:t>
             </a:r>
             <a:endParaRPr lang="en-GB" sz="2800" dirty="0"/>
           </a:p>
@@ -7500,7 +7795,7 @@
 </p:sld>
 </file>
 
-<file path=ppt/slides/slide14.xml><?xml version="1.0" encoding="utf-8"?>
+<file path=ppt/slides/slide15.xml><?xml version="1.0" encoding="utf-8"?>
 <p:sld xmlns:a="http://schemas.openxmlformats.org/drawingml/2006/main" xmlns:r="http://schemas.openxmlformats.org/officeDocument/2006/relationships" xmlns:p="http://schemas.openxmlformats.org/presentationml/2006/main">
   <p:cSld>
     <p:spTree>
@@ -7565,63 +7860,87 @@
         </p:nvSpPr>
         <p:spPr/>
         <p:txBody>
-          <a:bodyPr/>
+          <a:bodyPr>
+            <a:normAutofit/>
+          </a:bodyPr>
           <a:lstStyle/>
           <a:p>
             <a:r>
-              <a:rPr lang="en-GB" noProof="0" dirty="0"/>
+              <a:rPr lang="en-GB" sz="2400" noProof="0" dirty="0"/>
               <a:t>Time</a:t>
             </a:r>
           </a:p>
           <a:p>
             <a:r>
-              <a:rPr lang="en-GB" noProof="0" dirty="0"/>
+              <a:rPr lang="en-GB" sz="2400" noProof="0" dirty="0"/>
               <a:t>Force</a:t>
             </a:r>
           </a:p>
           <a:p>
             <a:r>
-              <a:rPr lang="en-GB" dirty="0"/>
+              <a:rPr lang="en-GB" sz="2400" dirty="0"/>
               <a:t>Trap position x</a:t>
             </a:r>
-            <a:endParaRPr lang="en-GB" noProof="0" dirty="0"/>
-          </a:p>
-          <a:p>
-            <a:r>
-              <a:rPr lang="en-GB" noProof="0" dirty="0" err="1"/>
+            <a:endParaRPr lang="en-GB" sz="2400" noProof="0" dirty="0"/>
+          </a:p>
+          <a:p>
+            <a:r>
+              <a:rPr lang="en-GB" sz="2400" noProof="0" dirty="0" err="1"/>
               <a:t>Δx</a:t>
             </a:r>
-            <a:endParaRPr lang="en-GB" noProof="0" dirty="0"/>
-          </a:p>
-          <a:p>
-            <a:r>
-              <a:rPr lang="en-GB" noProof="0" dirty="0"/>
+            <a:endParaRPr lang="en-GB" sz="2400" noProof="0" dirty="0"/>
+          </a:p>
+          <a:p>
+            <a:r>
+              <a:rPr lang="en-GB" sz="2400" noProof="0" dirty="0"/>
               <a:t>Force shift</a:t>
             </a:r>
           </a:p>
           <a:p>
             <a:r>
-              <a:rPr lang="en-GB" noProof="0" dirty="0"/>
-              <a:t>Slope before unfolding (</a:t>
-            </a:r>
-            <a:r>
-              <a:rPr lang="en-GB" noProof="0" dirty="0" err="1"/>
+              <a:rPr lang="en-GB" sz="2400" noProof="0" dirty="0"/>
+              <a:t>Slope before </a:t>
+            </a:r>
+            <a:r>
+              <a:rPr lang="en-GB" sz="2400" dirty="0"/>
+              <a:t>rip</a:t>
+            </a:r>
+            <a:r>
+              <a:rPr lang="en-GB" sz="2400" noProof="0" dirty="0"/>
+              <a:t> (</a:t>
+            </a:r>
+            <a:r>
+              <a:rPr lang="en-GB" sz="2400" noProof="0" dirty="0" err="1"/>
               <a:t>df</a:t>
             </a:r>
             <a:r>
-              <a:rPr lang="en-GB" noProof="0" dirty="0"/>
+              <a:rPr lang="en-GB" sz="2400" noProof="0" dirty="0"/>
               <a:t>/dx)</a:t>
             </a:r>
           </a:p>
           <a:p>
             <a:r>
-              <a:rPr lang="en-GB" dirty="0"/>
+              <a:rPr lang="en-GB" sz="2400" noProof="0" dirty="0"/>
+              <a:t>Force rate of change before rip (</a:t>
+            </a:r>
+            <a:r>
+              <a:rPr lang="en-GB" sz="2400" noProof="0" dirty="0" err="1"/>
+              <a:t>df</a:t>
+            </a:r>
+            <a:r>
+              <a:rPr lang="en-GB" sz="2400" noProof="0" dirty="0"/>
+              <a:t>/dt)</a:t>
+            </a:r>
+          </a:p>
+          <a:p>
+            <a:r>
+              <a:rPr lang="en-GB" sz="2400" dirty="0"/>
               <a:t>Trap pulling speed (dx/dt)</a:t>
             </a:r>
           </a:p>
           <a:p>
             <a:r>
-              <a:rPr lang="en-GB" noProof="0" dirty="0"/>
+              <a:rPr lang="en-GB" sz="2400" noProof="0" dirty="0"/>
               <a:t>Temperature (optional)</a:t>
             </a:r>
           </a:p>
@@ -7708,139 +8027,6 @@
     <p:extLst>
       <p:ext uri="{BB962C8B-B14F-4D97-AF65-F5344CB8AC3E}">
         <p14:creationId xmlns:p14="http://schemas.microsoft.com/office/powerpoint/2010/main" val="951915012"/>
-      </p:ext>
-    </p:extLst>
-  </p:cSld>
-  <p:clrMapOvr>
-    <a:masterClrMapping/>
-  </p:clrMapOvr>
-</p:sld>
-</file>
-
-<file path=ppt/slides/slide15.xml><?xml version="1.0" encoding="utf-8"?>
-<p:sld xmlns:a="http://schemas.openxmlformats.org/drawingml/2006/main" xmlns:r="http://schemas.openxmlformats.org/officeDocument/2006/relationships" xmlns:p="http://schemas.openxmlformats.org/presentationml/2006/main">
-  <p:cSld>
-    <p:spTree>
-      <p:nvGrpSpPr>
-        <p:cNvPr id="1" name=""/>
-        <p:cNvGrpSpPr/>
-        <p:nvPr/>
-      </p:nvGrpSpPr>
-      <p:grpSpPr>
-        <a:xfrm>
-          <a:off x="0" y="0"/>
-          <a:ext cx="0" cy="0"/>
-          <a:chOff x="0" y="0"/>
-          <a:chExt cx="0" cy="0"/>
-        </a:xfrm>
-      </p:grpSpPr>
-      <p:sp>
-        <p:nvSpPr>
-          <p:cNvPr id="2" name="Title 1">
-            <a:extLst>
-              <a:ext uri="{FF2B5EF4-FFF2-40B4-BE49-F238E27FC236}">
-                <a16:creationId xmlns:a16="http://schemas.microsoft.com/office/drawing/2014/main" id="{7B591BD6-B923-AA65-EEB0-D33B056D7011}"/>
-              </a:ext>
-            </a:extLst>
-          </p:cNvPr>
-          <p:cNvSpPr>
-            <a:spLocks noGrp="1"/>
-          </p:cNvSpPr>
-          <p:nvPr>
-            <p:ph type="title"/>
-          </p:nvPr>
-        </p:nvSpPr>
-        <p:spPr/>
-        <p:txBody>
-          <a:bodyPr/>
-          <a:lstStyle/>
-          <a:p>
-            <a:r>
-              <a:rPr lang="en-GB" dirty="0"/>
-              <a:t>Pulling force and the unfolded protein</a:t>
-            </a:r>
-          </a:p>
-        </p:txBody>
-      </p:sp>
-      <p:sp>
-        <p:nvSpPr>
-          <p:cNvPr id="3" name="Content Placeholder 2">
-            <a:extLst>
-              <a:ext uri="{FF2B5EF4-FFF2-40B4-BE49-F238E27FC236}">
-                <a16:creationId xmlns:a16="http://schemas.microsoft.com/office/drawing/2014/main" id="{EA2D0C46-3AD9-3956-1DDB-02EFB5682D96}"/>
-              </a:ext>
-            </a:extLst>
-          </p:cNvPr>
-          <p:cNvSpPr>
-            <a:spLocks noGrp="1"/>
-          </p:cNvSpPr>
-          <p:nvPr>
-            <p:ph idx="1"/>
-          </p:nvPr>
-        </p:nvSpPr>
-        <p:spPr>
-          <a:xfrm>
-            <a:off x="773545" y="1964171"/>
-            <a:ext cx="10515600" cy="4351338"/>
-          </a:xfrm>
-        </p:spPr>
-        <p:txBody>
-          <a:bodyPr/>
-          <a:lstStyle/>
-          <a:p>
-            <a:r>
-              <a:rPr lang="en-GB" dirty="0"/>
-              <a:t>The protein is a chain (polymer) of amino acids</a:t>
-            </a:r>
-          </a:p>
-          <a:p>
-            <a:r>
-              <a:rPr lang="en-GB" dirty="0"/>
-              <a:t>The DNA tethers connect to points near the ends of this chain</a:t>
-            </a:r>
-          </a:p>
-          <a:p>
-            <a:r>
-              <a:rPr lang="el-GR" dirty="0"/>
-              <a:t>Δ</a:t>
-            </a:r>
-            <a:r>
-              <a:rPr lang="en-GB" dirty="0"/>
-              <a:t>x is the increase in the distance between the tether points when the protein unfolds</a:t>
-            </a:r>
-          </a:p>
-          <a:p>
-            <a:r>
-              <a:rPr lang="en-GB" dirty="0"/>
-              <a:t>The length of the unfolded polymer increases with the pulling force </a:t>
-            </a:r>
-          </a:p>
-          <a:p>
-            <a:r>
-              <a:rPr lang="en-GB" dirty="0"/>
-              <a:t>Thus </a:t>
-            </a:r>
-            <a:r>
-              <a:rPr lang="el-GR" dirty="0"/>
-              <a:t>Δ</a:t>
-            </a:r>
-            <a:r>
-              <a:rPr lang="en-GB" dirty="0"/>
-              <a:t>x increases with the rip force</a:t>
-            </a:r>
-          </a:p>
-          <a:p>
-            <a:pPr marL="0" indent="0">
-              <a:buNone/>
-            </a:pPr>
-            <a:endParaRPr lang="en-GB" dirty="0"/>
-          </a:p>
-        </p:txBody>
-      </p:sp>
-    </p:spTree>
-    <p:extLst>
-      <p:ext uri="{BB962C8B-B14F-4D97-AF65-F5344CB8AC3E}">
-        <p14:creationId xmlns:p14="http://schemas.microsoft.com/office/powerpoint/2010/main" val="2158410459"/>
       </p:ext>
     </p:extLst>
   </p:cSld>
@@ -7872,7 +8058,7 @@
           <p:cNvPr id="2" name="Title 1">
             <a:extLst>
               <a:ext uri="{FF2B5EF4-FFF2-40B4-BE49-F238E27FC236}">
-                <a16:creationId xmlns:a16="http://schemas.microsoft.com/office/drawing/2014/main" id="{38D82950-C6BA-5597-B24C-612D7AAAF80B}"/>
+                <a16:creationId xmlns:a16="http://schemas.microsoft.com/office/drawing/2014/main" id="{7B591BD6-B923-AA65-EEB0-D33B056D7011}"/>
               </a:ext>
             </a:extLst>
           </p:cNvPr>
@@ -7890,13 +8076,134 @@
           <a:p>
             <a:r>
               <a:rPr lang="en-GB" dirty="0"/>
-              <a:t>The worm-like chain model</a:t>
+              <a:t>Pulling force and the unfolded protein</a:t>
             </a:r>
           </a:p>
         </p:txBody>
       </p:sp>
-      <mc:AlternateContent xmlns:mc="http://schemas.openxmlformats.org/markup-compatibility/2006" xmlns:a14="http://schemas.microsoft.com/office/drawing/2010/main">
-        <mc:Choice Requires="a14">
+      <p:sp>
+        <p:nvSpPr>
+          <p:cNvPr id="3" name="Content Placeholder 2">
+            <a:extLst>
+              <a:ext uri="{FF2B5EF4-FFF2-40B4-BE49-F238E27FC236}">
+                <a16:creationId xmlns:a16="http://schemas.microsoft.com/office/drawing/2014/main" id="{EA2D0C46-3AD9-3956-1DDB-02EFB5682D96}"/>
+              </a:ext>
+            </a:extLst>
+          </p:cNvPr>
+          <p:cNvSpPr>
+            <a:spLocks noGrp="1"/>
+          </p:cNvSpPr>
+          <p:nvPr>
+            <p:ph idx="1"/>
+          </p:nvPr>
+        </p:nvSpPr>
+        <p:spPr>
+          <a:xfrm>
+            <a:off x="773545" y="1964171"/>
+            <a:ext cx="10515600" cy="4351338"/>
+          </a:xfrm>
+        </p:spPr>
+        <p:txBody>
+          <a:bodyPr/>
+          <a:lstStyle/>
+          <a:p>
+            <a:r>
+              <a:rPr lang="en-GB" dirty="0"/>
+              <a:t>The protein is a chain (polymer) of amino acids</a:t>
+            </a:r>
+          </a:p>
+          <a:p>
+            <a:r>
+              <a:rPr lang="en-GB" dirty="0"/>
+              <a:t>The DNA tethers connect to points near the ends of this chain</a:t>
+            </a:r>
+          </a:p>
+          <a:p>
+            <a:r>
+              <a:rPr lang="en-GB" dirty="0"/>
+              <a:t>Δx is the increase in the distance between the tether points when the protein unfolds</a:t>
+            </a:r>
+          </a:p>
+          <a:p>
+            <a:r>
+              <a:rPr lang="en-GB" dirty="0"/>
+              <a:t>The length of the unfolded polymer increases with the pulling force </a:t>
+            </a:r>
+          </a:p>
+          <a:p>
+            <a:r>
+              <a:rPr lang="en-GB" dirty="0"/>
+              <a:t>Thus Δx increases with the rip force</a:t>
+            </a:r>
+          </a:p>
+          <a:p>
+            <a:pPr marL="0" indent="0">
+              <a:buNone/>
+            </a:pPr>
+            <a:endParaRPr lang="en-GB" dirty="0"/>
+          </a:p>
+        </p:txBody>
+      </p:sp>
+    </p:spTree>
+    <p:extLst>
+      <p:ext uri="{BB962C8B-B14F-4D97-AF65-F5344CB8AC3E}">
+        <p14:creationId xmlns:p14="http://schemas.microsoft.com/office/powerpoint/2010/main" val="2158410459"/>
+      </p:ext>
+    </p:extLst>
+  </p:cSld>
+  <p:clrMapOvr>
+    <a:masterClrMapping/>
+  </p:clrMapOvr>
+</p:sld>
+</file>
+
+<file path=ppt/slides/slide17.xml><?xml version="1.0" encoding="utf-8"?>
+<p:sld xmlns:a="http://schemas.openxmlformats.org/drawingml/2006/main" xmlns:r="http://schemas.openxmlformats.org/officeDocument/2006/relationships" xmlns:p="http://schemas.openxmlformats.org/presentationml/2006/main">
+  <p:cSld>
+    <p:spTree>
+      <p:nvGrpSpPr>
+        <p:cNvPr id="1" name=""/>
+        <p:cNvGrpSpPr/>
+        <p:nvPr/>
+      </p:nvGrpSpPr>
+      <p:grpSpPr>
+        <a:xfrm>
+          <a:off x="0" y="0"/>
+          <a:ext cx="0" cy="0"/>
+          <a:chOff x="0" y="0"/>
+          <a:chExt cx="0" cy="0"/>
+        </a:xfrm>
+      </p:grpSpPr>
+      <p:sp>
+        <p:nvSpPr>
+          <p:cNvPr id="2" name="Title 1">
+            <a:extLst>
+              <a:ext uri="{FF2B5EF4-FFF2-40B4-BE49-F238E27FC236}">
+                <a16:creationId xmlns:a16="http://schemas.microsoft.com/office/drawing/2014/main" id="{38D82950-C6BA-5597-B24C-612D7AAAF80B}"/>
+              </a:ext>
+            </a:extLst>
+          </p:cNvPr>
+          <p:cNvSpPr>
+            <a:spLocks noGrp="1"/>
+          </p:cNvSpPr>
+          <p:nvPr>
+            <p:ph type="title"/>
+          </p:nvPr>
+        </p:nvSpPr>
+        <p:spPr/>
+        <p:txBody>
+          <a:bodyPr/>
+          <a:lstStyle/>
+          <a:p>
+            <a:r>
+              <a:rPr lang="en-GB" dirty="0"/>
+              <a:t>The worm-like chain model</a:t>
+            </a:r>
+          </a:p>
+        </p:txBody>
+      </p:sp>
+      <mc:AlternateContent xmlns:mc="http://schemas.openxmlformats.org/markup-compatibility/2006">
+        <mc:Choice xmlns:a14="http://schemas.microsoft.com/office/drawing/2010/main" Requires="a14">
           <p:sp>
             <p:nvSpPr>
               <p:cNvPr id="3" name="Content Placeholder 2">
@@ -8226,7 +8533,7 @@
                 </a14:m>
                 <a:r>
                   <a:rPr lang="en-GB" dirty="0"/>
-                  <a:t> is a property called persistence length and is related to the stiffness of the polymer </a:t>
+                  <a:t> is a property called persistence length and is related to the stiffness of the polymer units</a:t>
                 </a:r>
               </a:p>
               <a:p>
@@ -8324,7 +8631,7 @@
             </p:txBody>
           </p:sp>
         </mc:Choice>
-        <mc:Fallback xmlns="">
+        <mc:Fallback>
           <p:sp>
             <p:nvSpPr>
               <p:cNvPr id="3" name="Content Placeholder 2">
@@ -8377,7 +8684,7 @@
 </p:sld>
 </file>
 
-<file path=ppt/slides/slide17.xml><?xml version="1.0" encoding="utf-8"?>
+<file path=ppt/slides/slide18.xml><?xml version="1.0" encoding="utf-8"?>
 <p:sld xmlns:a="http://schemas.openxmlformats.org/drawingml/2006/main" xmlns:r="http://schemas.openxmlformats.org/officeDocument/2006/relationships" xmlns:p="http://schemas.openxmlformats.org/presentationml/2006/main">
   <p:cSld>
     <p:spTree>
@@ -8607,10 +8914,10 @@
       </mc:AlternateContent>
       <p:pic>
         <p:nvPicPr>
-          <p:cNvPr id="5" name="Picture 4">
-            <a:extLst>
-              <a:ext uri="{FF2B5EF4-FFF2-40B4-BE49-F238E27FC236}">
-                <a16:creationId xmlns:a16="http://schemas.microsoft.com/office/drawing/2014/main" id="{BC1B285A-E9AB-4385-AE7B-0F54AAB3EDD5}"/>
+          <p:cNvPr id="6" name="Picture 5">
+            <a:extLst>
+              <a:ext uri="{FF2B5EF4-FFF2-40B4-BE49-F238E27FC236}">
+                <a16:creationId xmlns:a16="http://schemas.microsoft.com/office/drawing/2014/main" id="{E751B404-A69C-77D2-6D36-9B0673004626}"/>
               </a:ext>
             </a:extLst>
           </p:cNvPr>
@@ -8627,8 +8934,8 @@
         </p:blipFill>
         <p:spPr>
           <a:xfrm>
-            <a:off x="6096000" y="1825625"/>
-            <a:ext cx="5648325" cy="4425670"/>
+            <a:off x="5958037" y="1790299"/>
+            <a:ext cx="6147535" cy="4610651"/>
           </a:xfrm>
           <a:prstGeom prst="rect">
             <a:avLst/>
@@ -8639,133 +8946,6 @@
     <p:extLst>
       <p:ext uri="{BB962C8B-B14F-4D97-AF65-F5344CB8AC3E}">
         <p14:creationId xmlns:p14="http://schemas.microsoft.com/office/powerpoint/2010/main" val="3201626842"/>
-      </p:ext>
-    </p:extLst>
-  </p:cSld>
-  <p:clrMapOvr>
-    <a:masterClrMapping/>
-  </p:clrMapOvr>
-</p:sld>
-</file>
-
-<file path=ppt/slides/slide18.xml><?xml version="1.0" encoding="utf-8"?>
-<p:sld xmlns:a="http://schemas.openxmlformats.org/drawingml/2006/main" xmlns:r="http://schemas.openxmlformats.org/officeDocument/2006/relationships" xmlns:p="http://schemas.openxmlformats.org/presentationml/2006/main">
-  <p:cSld>
-    <p:spTree>
-      <p:nvGrpSpPr>
-        <p:cNvPr id="1" name=""/>
-        <p:cNvGrpSpPr/>
-        <p:nvPr/>
-      </p:nvGrpSpPr>
-      <p:grpSpPr>
-        <a:xfrm>
-          <a:off x="0" y="0"/>
-          <a:ext cx="0" cy="0"/>
-          <a:chOff x="0" y="0"/>
-          <a:chExt cx="0" cy="0"/>
-        </a:xfrm>
-      </p:grpSpPr>
-      <p:sp>
-        <p:nvSpPr>
-          <p:cNvPr id="2" name="Title 1">
-            <a:extLst>
-              <a:ext uri="{FF2B5EF4-FFF2-40B4-BE49-F238E27FC236}">
-                <a16:creationId xmlns:a16="http://schemas.microsoft.com/office/drawing/2014/main" id="{1C034332-5344-5A7C-3B8E-80942626F8A5}"/>
-              </a:ext>
-            </a:extLst>
-          </p:cNvPr>
-          <p:cNvSpPr>
-            <a:spLocks noGrp="1"/>
-          </p:cNvSpPr>
-          <p:nvPr>
-            <p:ph type="title"/>
-          </p:nvPr>
-        </p:nvSpPr>
-        <p:spPr/>
-        <p:txBody>
-          <a:bodyPr/>
-          <a:lstStyle/>
-          <a:p>
-            <a:r>
-              <a:rPr lang="en-GB" dirty="0"/>
-              <a:t>A</a:t>
-            </a:r>
-            <a:r>
-              <a:rPr lang="en-GB" noProof="0" dirty="0" err="1"/>
-              <a:t>utomatic</a:t>
-            </a:r>
-            <a:r>
-              <a:rPr lang="en-GB" noProof="0" dirty="0"/>
-              <a:t> analysis of experiment </a:t>
-            </a:r>
-            <a:r>
-              <a:rPr lang="en-GB" dirty="0"/>
-              <a:t>data</a:t>
-            </a:r>
-          </a:p>
-        </p:txBody>
-      </p:sp>
-      <p:sp>
-        <p:nvSpPr>
-          <p:cNvPr id="3" name="Content Placeholder 2">
-            <a:extLst>
-              <a:ext uri="{FF2B5EF4-FFF2-40B4-BE49-F238E27FC236}">
-                <a16:creationId xmlns:a16="http://schemas.microsoft.com/office/drawing/2014/main" id="{ECFFC7D0-390D-95D8-A9EE-32D42ACFE681}"/>
-              </a:ext>
-            </a:extLst>
-          </p:cNvPr>
-          <p:cNvSpPr>
-            <a:spLocks noGrp="1"/>
-          </p:cNvSpPr>
-          <p:nvPr>
-            <p:ph idx="1"/>
-          </p:nvPr>
-        </p:nvSpPr>
-        <p:spPr/>
-        <p:txBody>
-          <a:bodyPr/>
-          <a:lstStyle/>
-          <a:p>
-            <a:r>
-              <a:rPr lang="en-GB" dirty="0"/>
-              <a:t>For “well behaved” data the program works very well</a:t>
-            </a:r>
-          </a:p>
-        </p:txBody>
-      </p:sp>
-      <p:pic>
-        <p:nvPicPr>
-          <p:cNvPr id="7" name="Picture 6">
-            <a:extLst>
-              <a:ext uri="{FF2B5EF4-FFF2-40B4-BE49-F238E27FC236}">
-                <a16:creationId xmlns:a16="http://schemas.microsoft.com/office/drawing/2014/main" id="{0A934275-0A04-1716-AE83-86D895A03220}"/>
-              </a:ext>
-            </a:extLst>
-          </p:cNvPr>
-          <p:cNvPicPr>
-            <a:picLocks noChangeAspect="1"/>
-          </p:cNvPicPr>
-          <p:nvPr/>
-        </p:nvPicPr>
-        <p:blipFill>
-          <a:blip r:embed="rId2"/>
-          <a:srcRect l="3982" t="-2849" r="7385" b="-1645"/>
-          <a:stretch/>
-        </p:blipFill>
-        <p:spPr>
-          <a:xfrm>
-            <a:off x="0" y="2278466"/>
-            <a:ext cx="10962752" cy="4351338"/>
-          </a:xfrm>
-          <a:prstGeom prst="rect">
-            <a:avLst/>
-          </a:prstGeom>
-        </p:spPr>
-      </p:pic>
-    </p:spTree>
-    <p:extLst>
-      <p:ext uri="{BB962C8B-B14F-4D97-AF65-F5344CB8AC3E}">
-        <p14:creationId xmlns:p14="http://schemas.microsoft.com/office/powerpoint/2010/main" val="4088723979"/>
       </p:ext>
     </p:extLst>
   </p:cSld>
@@ -8797,7 +8977,7 @@
           <p:cNvPr id="2" name="Title 1">
             <a:extLst>
               <a:ext uri="{FF2B5EF4-FFF2-40B4-BE49-F238E27FC236}">
-                <a16:creationId xmlns:a16="http://schemas.microsoft.com/office/drawing/2014/main" id="{FB5C3201-23DF-4682-0958-BECC9CDDD1F5}"/>
+                <a16:creationId xmlns:a16="http://schemas.microsoft.com/office/drawing/2014/main" id="{1C034332-5344-5A7C-3B8E-80942626F8A5}"/>
               </a:ext>
             </a:extLst>
           </p:cNvPr>
@@ -8810,12 +8990,9 @@
         </p:nvSpPr>
         <p:spPr/>
         <p:txBody>
-          <a:bodyPr>
-            <a:normAutofit/>
-          </a:bodyPr>
+          <a:bodyPr/>
           <a:lstStyle/>
           <a:p>
-            <a:pPr algn="ctr"/>
             <a:r>
               <a:rPr lang="en-GB" dirty="0"/>
               <a:t>A</a:t>
@@ -8831,13 +9008,6 @@
             <a:r>
               <a:rPr lang="en-GB" dirty="0"/>
               <a:t>data</a:t>
-            </a:r>
-            <a:br>
-              <a:rPr lang="en-GB" dirty="0"/>
-            </a:br>
-            <a:r>
-              <a:rPr lang="en-GB" sz="2800" dirty="0"/>
-              <a:t>Challenges</a:t>
             </a:r>
           </a:p>
         </p:txBody>
@@ -8847,7 +9017,7 @@
           <p:cNvPr id="3" name="Content Placeholder 2">
             <a:extLst>
               <a:ext uri="{FF2B5EF4-FFF2-40B4-BE49-F238E27FC236}">
-                <a16:creationId xmlns:a16="http://schemas.microsoft.com/office/drawing/2014/main" id="{3D4728BA-7E78-6316-A92F-A75CB283302E}"/>
+                <a16:creationId xmlns:a16="http://schemas.microsoft.com/office/drawing/2014/main" id="{ECFFC7D0-390D-95D8-A9EE-32D42ACFE681}"/>
               </a:ext>
             </a:extLst>
           </p:cNvPr>
@@ -8858,63 +9028,24 @@
             <p:ph idx="1"/>
           </p:nvPr>
         </p:nvSpPr>
-        <p:spPr>
-          <a:xfrm>
-            <a:off x="1327355" y="1825625"/>
-            <a:ext cx="3657599" cy="4351338"/>
-          </a:xfrm>
-        </p:spPr>
+        <p:spPr/>
         <p:txBody>
-          <a:bodyPr>
-            <a:normAutofit lnSpcReduction="10000"/>
-          </a:bodyPr>
+          <a:bodyPr/>
           <a:lstStyle/>
           <a:p>
-            <a:endParaRPr lang="en-GB" dirty="0"/>
-          </a:p>
-          <a:p>
-            <a:r>
-              <a:rPr lang="en-GB" dirty="0"/>
-              <a:t>Measurement noise</a:t>
-            </a:r>
-          </a:p>
-          <a:p>
-            <a:pPr lvl="1"/>
-            <a:r>
-              <a:rPr lang="en-GB" dirty="0"/>
-              <a:t>The program fails to find rips here</a:t>
-            </a:r>
-          </a:p>
-          <a:p>
-            <a:endParaRPr lang="en-GB" dirty="0"/>
-          </a:p>
-          <a:p>
-            <a:endParaRPr lang="en-GB" dirty="0"/>
-          </a:p>
-          <a:p>
-            <a:endParaRPr lang="en-GB" dirty="0"/>
-          </a:p>
-          <a:p>
-            <a:r>
-              <a:rPr lang="en-GB" dirty="0"/>
-              <a:t>Weak rips</a:t>
-            </a:r>
-          </a:p>
-          <a:p>
-            <a:pPr lvl="1"/>
-            <a:r>
-              <a:rPr lang="en-GB" dirty="0"/>
-              <a:t>The program finds rips here</a:t>
+            <a:r>
+              <a:rPr lang="en-GB" dirty="0"/>
+              <a:t>For “well behaved” data the program works very well</a:t>
             </a:r>
           </a:p>
         </p:txBody>
       </p:sp>
       <p:pic>
         <p:nvPicPr>
-          <p:cNvPr id="5" name="Picture 4">
-            <a:extLst>
-              <a:ext uri="{FF2B5EF4-FFF2-40B4-BE49-F238E27FC236}">
-                <a16:creationId xmlns:a16="http://schemas.microsoft.com/office/drawing/2014/main" id="{1CE2726E-DD45-FC3B-CAFC-A2B8E059D91E}"/>
+          <p:cNvPr id="7" name="Picture 6">
+            <a:extLst>
+              <a:ext uri="{FF2B5EF4-FFF2-40B4-BE49-F238E27FC236}">
+                <a16:creationId xmlns:a16="http://schemas.microsoft.com/office/drawing/2014/main" id="{0A934275-0A04-1716-AE83-86D895A03220}"/>
               </a:ext>
             </a:extLst>
           </p:cNvPr>
@@ -8925,148 +9056,23 @@
         </p:nvPicPr>
         <p:blipFill>
           <a:blip r:embed="rId2"/>
-          <a:stretch>
-            <a:fillRect/>
-          </a:stretch>
+          <a:srcRect l="3982" t="-2849" r="7385" b="-1645"/>
+          <a:stretch/>
         </p:blipFill>
         <p:spPr>
           <a:xfrm>
-            <a:off x="4686300" y="1606936"/>
-            <a:ext cx="6667500" cy="2649946"/>
+            <a:off x="0" y="2278466"/>
+            <a:ext cx="10962752" cy="4351338"/>
           </a:xfrm>
           <a:prstGeom prst="rect">
             <a:avLst/>
           </a:prstGeom>
         </p:spPr>
       </p:pic>
-      <p:pic>
-        <p:nvPicPr>
-          <p:cNvPr id="11" name="Picture 10">
-            <a:extLst>
-              <a:ext uri="{FF2B5EF4-FFF2-40B4-BE49-F238E27FC236}">
-                <a16:creationId xmlns:a16="http://schemas.microsoft.com/office/drawing/2014/main" id="{C72B15C2-9EB2-1D74-A4D3-40581D13A880}"/>
-              </a:ext>
-            </a:extLst>
-          </p:cNvPr>
-          <p:cNvPicPr>
-            <a:picLocks noChangeAspect="1"/>
-          </p:cNvPicPr>
-          <p:nvPr/>
-        </p:nvPicPr>
-        <p:blipFill>
-          <a:blip r:embed="rId3"/>
-          <a:stretch>
-            <a:fillRect/>
-          </a:stretch>
-        </p:blipFill>
-        <p:spPr>
-          <a:xfrm>
-            <a:off x="4862512" y="4220014"/>
-            <a:ext cx="6315075" cy="2533650"/>
-          </a:xfrm>
-          <a:prstGeom prst="rect">
-            <a:avLst/>
-          </a:prstGeom>
-        </p:spPr>
-      </p:pic>
-      <p:cxnSp>
-        <p:nvCxnSpPr>
-          <p:cNvPr id="12" name="Straight Arrow Connector 11">
-            <a:extLst>
-              <a:ext uri="{FF2B5EF4-FFF2-40B4-BE49-F238E27FC236}">
-                <a16:creationId xmlns:a16="http://schemas.microsoft.com/office/drawing/2014/main" id="{E5E604A6-578E-F871-B431-457676B631C7}"/>
-              </a:ext>
-            </a:extLst>
-          </p:cNvPr>
-          <p:cNvCxnSpPr>
-            <a:cxnSpLocks/>
-          </p:cNvCxnSpPr>
-          <p:nvPr/>
-        </p:nvCxnSpPr>
-        <p:spPr>
-          <a:xfrm>
-            <a:off x="5933767" y="5498693"/>
-            <a:ext cx="324465" cy="421015"/>
-          </a:xfrm>
-          <a:prstGeom prst="straightConnector1">
-            <a:avLst/>
-          </a:prstGeom>
-          <a:ln w="19050" cap="flat" cmpd="sng" algn="ctr">
-            <a:solidFill>
-              <a:srgbClr val="FF0000"/>
-            </a:solidFill>
-            <a:prstDash val="solid"/>
-            <a:round/>
-            <a:headEnd type="none" w="med" len="med"/>
-            <a:tailEnd type="arrow" w="med" len="med"/>
-          </a:ln>
-        </p:spPr>
-        <p:style>
-          <a:lnRef idx="0">
-            <a:scrgbClr r="0" g="0" b="0"/>
-          </a:lnRef>
-          <a:fillRef idx="0">
-            <a:scrgbClr r="0" g="0" b="0"/>
-          </a:fillRef>
-          <a:effectRef idx="0">
-            <a:scrgbClr r="0" g="0" b="0"/>
-          </a:effectRef>
-          <a:fontRef idx="minor">
-            <a:schemeClr val="tx1"/>
-          </a:fontRef>
-        </p:style>
-      </p:cxnSp>
-      <p:cxnSp>
-        <p:nvCxnSpPr>
-          <p:cNvPr id="15" name="Straight Arrow Connector 14">
-            <a:extLst>
-              <a:ext uri="{FF2B5EF4-FFF2-40B4-BE49-F238E27FC236}">
-                <a16:creationId xmlns:a16="http://schemas.microsoft.com/office/drawing/2014/main" id="{5076AAC4-D082-D799-1A15-3CDBD87CE14E}"/>
-              </a:ext>
-            </a:extLst>
-          </p:cNvPr>
-          <p:cNvCxnSpPr>
-            <a:cxnSpLocks/>
-          </p:cNvCxnSpPr>
-          <p:nvPr/>
-        </p:nvCxnSpPr>
-        <p:spPr>
-          <a:xfrm>
-            <a:off x="9478296" y="5572435"/>
-            <a:ext cx="324465" cy="421015"/>
-          </a:xfrm>
-          <a:prstGeom prst="straightConnector1">
-            <a:avLst/>
-          </a:prstGeom>
-          <a:ln w="19050" cap="flat" cmpd="sng" algn="ctr">
-            <a:solidFill>
-              <a:srgbClr val="FF0000"/>
-            </a:solidFill>
-            <a:prstDash val="solid"/>
-            <a:round/>
-            <a:headEnd type="none" w="med" len="med"/>
-            <a:tailEnd type="arrow" w="med" len="med"/>
-          </a:ln>
-        </p:spPr>
-        <p:style>
-          <a:lnRef idx="0">
-            <a:scrgbClr r="0" g="0" b="0"/>
-          </a:lnRef>
-          <a:fillRef idx="0">
-            <a:scrgbClr r="0" g="0" b="0"/>
-          </a:fillRef>
-          <a:effectRef idx="0">
-            <a:scrgbClr r="0" g="0" b="0"/>
-          </a:effectRef>
-          <a:fontRef idx="minor">
-            <a:schemeClr val="tx1"/>
-          </a:fontRef>
-        </p:style>
-      </p:cxnSp>
     </p:spTree>
     <p:extLst>
       <p:ext uri="{BB962C8B-B14F-4D97-AF65-F5344CB8AC3E}">
-        <p14:creationId xmlns:p14="http://schemas.microsoft.com/office/powerpoint/2010/main" val="3259227442"/>
+        <p14:creationId xmlns:p14="http://schemas.microsoft.com/office/powerpoint/2010/main" val="4088723979"/>
       </p:ext>
     </p:extLst>
   </p:cSld>
@@ -9259,7 +9265,7 @@
           <p:cNvPr id="2" name="Title 1">
             <a:extLst>
               <a:ext uri="{FF2B5EF4-FFF2-40B4-BE49-F238E27FC236}">
-                <a16:creationId xmlns:a16="http://schemas.microsoft.com/office/drawing/2014/main" id="{007274B8-4871-681C-A44C-BACC989A3AEF}"/>
+                <a16:creationId xmlns:a16="http://schemas.microsoft.com/office/drawing/2014/main" id="{FB5C3201-23DF-4682-0958-BECC9CDDD1F5}"/>
               </a:ext>
             </a:extLst>
           </p:cNvPr>
@@ -9272,12 +9278,34 @@
         </p:nvSpPr>
         <p:spPr/>
         <p:txBody>
-          <a:bodyPr/>
+          <a:bodyPr>
+            <a:normAutofit/>
+          </a:bodyPr>
           <a:lstStyle/>
           <a:p>
-            <a:r>
-              <a:rPr lang="en-GB" dirty="0"/>
-              <a:t>Using Matlab to analyse experiments</a:t>
+            <a:pPr algn="ctr"/>
+            <a:r>
+              <a:rPr lang="en-GB" dirty="0"/>
+              <a:t>A</a:t>
+            </a:r>
+            <a:r>
+              <a:rPr lang="en-GB" noProof="0" dirty="0" err="1"/>
+              <a:t>utomatic</a:t>
+            </a:r>
+            <a:r>
+              <a:rPr lang="en-GB" noProof="0" dirty="0"/>
+              <a:t> analysis of experiment </a:t>
+            </a:r>
+            <a:r>
+              <a:rPr lang="en-GB" dirty="0"/>
+              <a:t>data</a:t>
+            </a:r>
+            <a:br>
+              <a:rPr lang="en-GB" dirty="0"/>
+            </a:br>
+            <a:r>
+              <a:rPr lang="en-GB" sz="2800" dirty="0"/>
+              <a:t>Challenges</a:t>
             </a:r>
           </a:p>
         </p:txBody>
@@ -9287,7 +9315,7 @@
           <p:cNvPr id="3" name="Content Placeholder 2">
             <a:extLst>
               <a:ext uri="{FF2B5EF4-FFF2-40B4-BE49-F238E27FC236}">
-                <a16:creationId xmlns:a16="http://schemas.microsoft.com/office/drawing/2014/main" id="{D69F0E18-403E-2856-0E01-F43BC137040A}"/>
+                <a16:creationId xmlns:a16="http://schemas.microsoft.com/office/drawing/2014/main" id="{3D4728BA-7E78-6316-A92F-A75CB283302E}"/>
               </a:ext>
             </a:extLst>
           </p:cNvPr>
@@ -9300,88 +9328,213 @@
         </p:nvSpPr>
         <p:spPr>
           <a:xfrm>
-            <a:off x="838200" y="1825625"/>
-            <a:ext cx="10515600" cy="3346144"/>
+            <a:off x="1327355" y="1825625"/>
+            <a:ext cx="3657599" cy="4351338"/>
           </a:xfrm>
         </p:spPr>
         <p:txBody>
           <a:bodyPr>
-            <a:normAutofit/>
+            <a:normAutofit lnSpcReduction="10000"/>
           </a:bodyPr>
           <a:lstStyle/>
           <a:p>
-            <a:r>
-              <a:rPr lang="en-GB" dirty="0"/>
-              <a:t>Assuming you have already installed Matlab </a:t>
+            <a:endParaRPr lang="en-GB" dirty="0"/>
+          </a:p>
+          <a:p>
+            <a:r>
+              <a:rPr lang="en-GB" dirty="0"/>
+              <a:t>Measurement noise</a:t>
             </a:r>
           </a:p>
           <a:p>
             <a:pPr lvl="1"/>
             <a:r>
               <a:rPr lang="en-GB" dirty="0"/>
-              <a:t>Or work together with someone who has</a:t>
-            </a:r>
-          </a:p>
-          <a:p>
-            <a:r>
-              <a:rPr lang="en-GB" dirty="0"/>
-              <a:t>Download Matlab files from </a:t>
-            </a:r>
-            <a:br>
-              <a:rPr lang="en-GB" dirty="0"/>
-            </a:br>
-            <a:r>
-              <a:rPr lang="en-GB" dirty="0">
-                <a:hlinkClick r:id="rId2"/>
-              </a:rPr>
-              <a:t>https://github.com/are-mj/OpticalTweezers</a:t>
-            </a:r>
-            <a:endParaRPr lang="en-GB" dirty="0"/>
-          </a:p>
-          <a:p>
-            <a:r>
-              <a:rPr lang="en-GB" dirty="0"/>
-              <a:t>Copy your experiment *.txt files to a folder on your computer</a:t>
+              <a:t>The program fails to find rips here</a:t>
+            </a:r>
+          </a:p>
+          <a:p>
+            <a:endParaRPr lang="en-GB" dirty="0"/>
+          </a:p>
+          <a:p>
+            <a:endParaRPr lang="en-GB" dirty="0"/>
+          </a:p>
+          <a:p>
+            <a:endParaRPr lang="en-GB" dirty="0"/>
+          </a:p>
+          <a:p>
+            <a:r>
+              <a:rPr lang="en-GB" dirty="0"/>
+              <a:t>Weak rips</a:t>
             </a:r>
           </a:p>
           <a:p>
             <a:pPr lvl="1"/>
             <a:r>
               <a:rPr lang="en-GB" dirty="0"/>
-              <a:t>Or use a network folder</a:t>
-            </a:r>
-          </a:p>
-          <a:p>
-            <a:endParaRPr lang="en-GB" dirty="0"/>
-          </a:p>
-          <a:p>
-            <a:endParaRPr lang="en-GB" dirty="0"/>
-          </a:p>
-          <a:p>
-            <a:pPr lvl="1"/>
-            <a:endParaRPr lang="en-GB" dirty="0"/>
-          </a:p>
-          <a:p>
-            <a:pPr marL="457200" lvl="1" indent="0">
-              <a:buNone/>
-            </a:pPr>
-            <a:endParaRPr lang="en-GB" dirty="0"/>
-          </a:p>
-          <a:p>
-            <a:pPr marL="457200" lvl="1" indent="0">
-              <a:buNone/>
-            </a:pPr>
-            <a:endParaRPr lang="en-GB" dirty="0"/>
-          </a:p>
-          <a:p>
-            <a:endParaRPr lang="en-GB" dirty="0"/>
+              <a:t>The program finds rips here</a:t>
+            </a:r>
           </a:p>
         </p:txBody>
       </p:sp>
+      <p:pic>
+        <p:nvPicPr>
+          <p:cNvPr id="5" name="Picture 4">
+            <a:extLst>
+              <a:ext uri="{FF2B5EF4-FFF2-40B4-BE49-F238E27FC236}">
+                <a16:creationId xmlns:a16="http://schemas.microsoft.com/office/drawing/2014/main" id="{1CE2726E-DD45-FC3B-CAFC-A2B8E059D91E}"/>
+              </a:ext>
+            </a:extLst>
+          </p:cNvPr>
+          <p:cNvPicPr>
+            <a:picLocks noChangeAspect="1"/>
+          </p:cNvPicPr>
+          <p:nvPr/>
+        </p:nvPicPr>
+        <p:blipFill>
+          <a:blip r:embed="rId2"/>
+          <a:stretch>
+            <a:fillRect/>
+          </a:stretch>
+        </p:blipFill>
+        <p:spPr>
+          <a:xfrm>
+            <a:off x="4686300" y="1606936"/>
+            <a:ext cx="6667500" cy="2649946"/>
+          </a:xfrm>
+          <a:prstGeom prst="rect">
+            <a:avLst/>
+          </a:prstGeom>
+        </p:spPr>
+      </p:pic>
+      <p:pic>
+        <p:nvPicPr>
+          <p:cNvPr id="11" name="Picture 10">
+            <a:extLst>
+              <a:ext uri="{FF2B5EF4-FFF2-40B4-BE49-F238E27FC236}">
+                <a16:creationId xmlns:a16="http://schemas.microsoft.com/office/drawing/2014/main" id="{C72B15C2-9EB2-1D74-A4D3-40581D13A880}"/>
+              </a:ext>
+            </a:extLst>
+          </p:cNvPr>
+          <p:cNvPicPr>
+            <a:picLocks noChangeAspect="1"/>
+          </p:cNvPicPr>
+          <p:nvPr/>
+        </p:nvPicPr>
+        <p:blipFill>
+          <a:blip r:embed="rId3"/>
+          <a:stretch>
+            <a:fillRect/>
+          </a:stretch>
+        </p:blipFill>
+        <p:spPr>
+          <a:xfrm>
+            <a:off x="4862512" y="4220014"/>
+            <a:ext cx="6315075" cy="2533650"/>
+          </a:xfrm>
+          <a:prstGeom prst="rect">
+            <a:avLst/>
+          </a:prstGeom>
+        </p:spPr>
+      </p:pic>
+      <p:cxnSp>
+        <p:nvCxnSpPr>
+          <p:cNvPr id="12" name="Straight Arrow Connector 11">
+            <a:extLst>
+              <a:ext uri="{FF2B5EF4-FFF2-40B4-BE49-F238E27FC236}">
+                <a16:creationId xmlns:a16="http://schemas.microsoft.com/office/drawing/2014/main" id="{E5E604A6-578E-F871-B431-457676B631C7}"/>
+              </a:ext>
+            </a:extLst>
+          </p:cNvPr>
+          <p:cNvCxnSpPr>
+            <a:cxnSpLocks/>
+          </p:cNvCxnSpPr>
+          <p:nvPr/>
+        </p:nvCxnSpPr>
+        <p:spPr>
+          <a:xfrm>
+            <a:off x="5933767" y="5498693"/>
+            <a:ext cx="324465" cy="421015"/>
+          </a:xfrm>
+          <a:prstGeom prst="straightConnector1">
+            <a:avLst/>
+          </a:prstGeom>
+          <a:ln w="19050" cap="flat" cmpd="sng" algn="ctr">
+            <a:solidFill>
+              <a:srgbClr val="FF0000"/>
+            </a:solidFill>
+            <a:prstDash val="solid"/>
+            <a:round/>
+            <a:headEnd type="none" w="med" len="med"/>
+            <a:tailEnd type="arrow" w="med" len="med"/>
+          </a:ln>
+        </p:spPr>
+        <p:style>
+          <a:lnRef idx="0">
+            <a:scrgbClr r="0" g="0" b="0"/>
+          </a:lnRef>
+          <a:fillRef idx="0">
+            <a:scrgbClr r="0" g="0" b="0"/>
+          </a:fillRef>
+          <a:effectRef idx="0">
+            <a:scrgbClr r="0" g="0" b="0"/>
+          </a:effectRef>
+          <a:fontRef idx="minor">
+            <a:schemeClr val="tx1"/>
+          </a:fontRef>
+        </p:style>
+      </p:cxnSp>
+      <p:cxnSp>
+        <p:nvCxnSpPr>
+          <p:cNvPr id="15" name="Straight Arrow Connector 14">
+            <a:extLst>
+              <a:ext uri="{FF2B5EF4-FFF2-40B4-BE49-F238E27FC236}">
+                <a16:creationId xmlns:a16="http://schemas.microsoft.com/office/drawing/2014/main" id="{5076AAC4-D082-D799-1A15-3CDBD87CE14E}"/>
+              </a:ext>
+            </a:extLst>
+          </p:cNvPr>
+          <p:cNvCxnSpPr>
+            <a:cxnSpLocks/>
+          </p:cNvCxnSpPr>
+          <p:nvPr/>
+        </p:nvCxnSpPr>
+        <p:spPr>
+          <a:xfrm>
+            <a:off x="9478296" y="5572435"/>
+            <a:ext cx="324465" cy="421015"/>
+          </a:xfrm>
+          <a:prstGeom prst="straightConnector1">
+            <a:avLst/>
+          </a:prstGeom>
+          <a:ln w="19050" cap="flat" cmpd="sng" algn="ctr">
+            <a:solidFill>
+              <a:srgbClr val="FF0000"/>
+            </a:solidFill>
+            <a:prstDash val="solid"/>
+            <a:round/>
+            <a:headEnd type="none" w="med" len="med"/>
+            <a:tailEnd type="arrow" w="med" len="med"/>
+          </a:ln>
+        </p:spPr>
+        <p:style>
+          <a:lnRef idx="0">
+            <a:scrgbClr r="0" g="0" b="0"/>
+          </a:lnRef>
+          <a:fillRef idx="0">
+            <a:scrgbClr r="0" g="0" b="0"/>
+          </a:fillRef>
+          <a:effectRef idx="0">
+            <a:scrgbClr r="0" g="0" b="0"/>
+          </a:effectRef>
+          <a:fontRef idx="minor">
+            <a:schemeClr val="tx1"/>
+          </a:fontRef>
+        </p:style>
+      </p:cxnSp>
     </p:spTree>
     <p:extLst>
       <p:ext uri="{BB962C8B-B14F-4D97-AF65-F5344CB8AC3E}">
-        <p14:creationId xmlns:p14="http://schemas.microsoft.com/office/powerpoint/2010/main" val="3816220206"/>
+        <p14:creationId xmlns:p14="http://schemas.microsoft.com/office/powerpoint/2010/main" val="3259227442"/>
       </p:ext>
     </p:extLst>
   </p:cSld>
@@ -9413,7 +9566,7 @@
           <p:cNvPr id="2" name="Title 1">
             <a:extLst>
               <a:ext uri="{FF2B5EF4-FFF2-40B4-BE49-F238E27FC236}">
-                <a16:creationId xmlns:a16="http://schemas.microsoft.com/office/drawing/2014/main" id="{472EBC0F-0863-FC08-A12B-6E5B523BE5B5}"/>
+                <a16:creationId xmlns:a16="http://schemas.microsoft.com/office/drawing/2014/main" id="{007274B8-4871-681C-A44C-BACC989A3AEF}"/>
               </a:ext>
             </a:extLst>
           </p:cNvPr>
@@ -9431,7 +9584,7 @@
           <a:p>
             <a:r>
               <a:rPr lang="en-GB" dirty="0"/>
-              <a:t>Suggested experiment file organisation</a:t>
+              <a:t>Using Matlab to analyse experiments</a:t>
             </a:r>
           </a:p>
         </p:txBody>
@@ -9441,7 +9594,7 @@
           <p:cNvPr id="3" name="Content Placeholder 2">
             <a:extLst>
               <a:ext uri="{FF2B5EF4-FFF2-40B4-BE49-F238E27FC236}">
-                <a16:creationId xmlns:a16="http://schemas.microsoft.com/office/drawing/2014/main" id="{2E9A1E1F-E1FB-D600-D0EE-A17FB6095AFF}"/>
+                <a16:creationId xmlns:a16="http://schemas.microsoft.com/office/drawing/2014/main" id="{D69F0E18-403E-2856-0E01-F43BC137040A}"/>
               </a:ext>
             </a:extLst>
           </p:cNvPr>
@@ -9454,148 +9607,100 @@
         </p:nvSpPr>
         <p:spPr>
           <a:xfrm>
-            <a:off x="838199" y="1825625"/>
-            <a:ext cx="5729749" cy="4034400"/>
+            <a:off x="838200" y="1825625"/>
+            <a:ext cx="10515600" cy="3346144"/>
           </a:xfrm>
         </p:spPr>
         <p:txBody>
           <a:bodyPr>
-            <a:normAutofit lnSpcReduction="10000"/>
+            <a:normAutofit fontScale="92500" lnSpcReduction="10000"/>
           </a:bodyPr>
           <a:lstStyle/>
           <a:p>
             <a:r>
-              <a:rPr lang="en-GB" sz="2400" dirty="0"/>
-              <a:t>I prefer to store the experiment files in one data folder</a:t>
-            </a:r>
-          </a:p>
-          <a:p>
-            <a:r>
-              <a:rPr lang="en-GB" sz="2400" dirty="0"/>
-              <a:t>I use one level of subfolders for storing experiment files.</a:t>
-            </a:r>
-          </a:p>
-          <a:p>
-            <a:r>
-              <a:rPr lang="en-GB" sz="2400" dirty="0"/>
-              <a:t>Subfolders can for instance be named by experiment date.</a:t>
-            </a:r>
-          </a:p>
-          <a:p>
-            <a:r>
-              <a:rPr lang="en-GB" sz="2400" dirty="0"/>
-              <a:t>Create </a:t>
-            </a:r>
-            <a:r>
-              <a:rPr lang="en-GB" sz="2400" dirty="0" err="1"/>
-              <a:t>datafolder.m</a:t>
-            </a:r>
-            <a:r>
-              <a:rPr lang="en-GB" sz="2400" dirty="0"/>
-              <a:t> that gives the path</a:t>
-            </a:r>
-          </a:p>
-          <a:p>
-            <a:r>
-              <a:rPr lang="en-GB" sz="2400" dirty="0"/>
-              <a:t>Refer to individual file as </a:t>
-            </a:r>
-            <a:r>
-              <a:rPr lang="en-GB" sz="2400" dirty="0" err="1"/>
-              <a:t>e.g</a:t>
-            </a:r>
-            <a:r>
-              <a:rPr lang="en-GB" sz="2400" dirty="0"/>
-              <a:t> . Subfolder1/Aa.txt</a:t>
-            </a:r>
-          </a:p>
-          <a:p>
-            <a:r>
-              <a:rPr lang="en-GB" sz="2400" dirty="0"/>
-              <a:t>Most of my functions automatically add the data folder when needed:</a:t>
-            </a:r>
-          </a:p>
-        </p:txBody>
-      </p:sp>
-      <p:pic>
-        <p:nvPicPr>
-          <p:cNvPr id="5" name="Picture 4">
-            <a:extLst>
-              <a:ext uri="{FF2B5EF4-FFF2-40B4-BE49-F238E27FC236}">
-                <a16:creationId xmlns:a16="http://schemas.microsoft.com/office/drawing/2014/main" id="{7E983D36-8148-C52C-3212-D1C2FF4A54C9}"/>
-              </a:ext>
-            </a:extLst>
-          </p:cNvPr>
-          <p:cNvPicPr>
-            <a:picLocks noChangeAspect="1"/>
-          </p:cNvPicPr>
-          <p:nvPr/>
-        </p:nvPicPr>
-        <p:blipFill>
-          <a:blip r:embed="rId2"/>
-          <a:stretch>
-            <a:fillRect/>
-          </a:stretch>
-        </p:blipFill>
-        <p:spPr>
-          <a:xfrm>
-            <a:off x="6744929" y="1764029"/>
-            <a:ext cx="4916057" cy="3820693"/>
-          </a:xfrm>
-          <a:prstGeom prst="rect">
-            <a:avLst/>
-          </a:prstGeom>
-        </p:spPr>
-      </p:pic>
-      <p:sp>
-        <p:nvSpPr>
-          <p:cNvPr id="6" name="TextBox 5">
-            <a:extLst>
-              <a:ext uri="{FF2B5EF4-FFF2-40B4-BE49-F238E27FC236}">
-                <a16:creationId xmlns:a16="http://schemas.microsoft.com/office/drawing/2014/main" id="{92A6A31D-37FF-95B9-730E-0F42FB9048FE}"/>
-              </a:ext>
-            </a:extLst>
-          </p:cNvPr>
-          <p:cNvSpPr txBox="1"/>
-          <p:nvPr/>
-        </p:nvSpPr>
-        <p:spPr>
-          <a:xfrm>
-            <a:off x="975851" y="5912771"/>
-            <a:ext cx="7883014" cy="461665"/>
-          </a:xfrm>
-          <a:prstGeom prst="rect">
-            <a:avLst/>
-          </a:prstGeom>
-          <a:noFill/>
-        </p:spPr>
-        <p:txBody>
-          <a:bodyPr wrap="square" rtlCol="0">
-            <a:spAutoFit/>
-          </a:bodyPr>
-          <a:lstStyle/>
-          <a:p>
-            <a:r>
-              <a:rPr lang="en-GB" sz="2400" dirty="0" err="1">
-                <a:latin typeface="Consolas" panose="020B0609020204030204" pitchFamily="49" charset="0"/>
-                <a:cs typeface="Courier New" panose="02070309020205020404" pitchFamily="49" charset="0"/>
+              <a:rPr lang="en-GB" dirty="0"/>
+              <a:t>The following is a quick walk-through</a:t>
+            </a:r>
+          </a:p>
+          <a:p>
+            <a:r>
+              <a:rPr lang="en-GB" dirty="0"/>
+              <a:t>We will go through this more slowly in the exercises</a:t>
+            </a:r>
+          </a:p>
+          <a:p>
+            <a:r>
+              <a:rPr lang="en-GB" dirty="0"/>
+              <a:t>Assuming you have already installed Matlab </a:t>
+            </a:r>
+          </a:p>
+          <a:p>
+            <a:pPr lvl="1"/>
+            <a:r>
+              <a:rPr lang="en-GB" dirty="0"/>
+              <a:t>Or work together with someone who has</a:t>
+            </a:r>
+          </a:p>
+          <a:p>
+            <a:r>
+              <a:rPr lang="en-GB" dirty="0"/>
+              <a:t>Download Matlab files from </a:t>
+            </a:r>
+            <a:br>
+              <a:rPr lang="en-GB" dirty="0"/>
+            </a:br>
+            <a:r>
+              <a:rPr lang="en-GB" dirty="0">
+                <a:hlinkClick r:id="rId2"/>
               </a:rPr>
-              <a:t>fullfile</a:t>
-            </a:r>
-            <a:r>
-              <a:rPr lang="en-GB" sz="2400" dirty="0">
-                <a:latin typeface="Consolas" panose="020B0609020204030204" pitchFamily="49" charset="0"/>
-                <a:cs typeface="Courier New" panose="02070309020205020404" pitchFamily="49" charset="0"/>
-              </a:rPr>
-              <a:t>(datafolder,”Subfolder1/Aa.txt”)</a:t>
-            </a:r>
+              <a:t>https://github.com/are-mj/OpticalTweezers</a:t>
+            </a:r>
+            <a:endParaRPr lang="en-GB" dirty="0"/>
+          </a:p>
+          <a:p>
+            <a:r>
+              <a:rPr lang="en-GB" dirty="0"/>
+              <a:t>Copy your experiment *.txt files to a folder on your computer</a:t>
+            </a:r>
+          </a:p>
+          <a:p>
+            <a:pPr lvl="1"/>
+            <a:r>
+              <a:rPr lang="en-GB" dirty="0"/>
+              <a:t>Or use a network folder</a:t>
+            </a:r>
+          </a:p>
+          <a:p>
+            <a:endParaRPr lang="en-GB" dirty="0"/>
+          </a:p>
+          <a:p>
+            <a:endParaRPr lang="en-GB" dirty="0"/>
+          </a:p>
+          <a:p>
+            <a:pPr lvl="1"/>
+            <a:endParaRPr lang="en-GB" dirty="0"/>
+          </a:p>
+          <a:p>
+            <a:pPr marL="457200" lvl="1" indent="0">
+              <a:buNone/>
+            </a:pPr>
+            <a:endParaRPr lang="en-GB" dirty="0"/>
+          </a:p>
+          <a:p>
+            <a:pPr marL="457200" lvl="1" indent="0">
+              <a:buNone/>
+            </a:pPr>
+            <a:endParaRPr lang="en-GB" dirty="0"/>
+          </a:p>
+          <a:p>
+            <a:endParaRPr lang="en-GB" dirty="0"/>
           </a:p>
         </p:txBody>
       </p:sp>
     </p:spTree>
     <p:extLst>
       <p:ext uri="{BB962C8B-B14F-4D97-AF65-F5344CB8AC3E}">
-        <p14:creationId xmlns:p14="http://schemas.microsoft.com/office/powerpoint/2010/main" val="34042762"/>
+        <p14:creationId xmlns:p14="http://schemas.microsoft.com/office/powerpoint/2010/main" val="3816220206"/>
       </p:ext>
     </p:extLst>
   </p:cSld>
@@ -9627,7 +9732,7 @@
           <p:cNvPr id="2" name="Title 1">
             <a:extLst>
               <a:ext uri="{FF2B5EF4-FFF2-40B4-BE49-F238E27FC236}">
-                <a16:creationId xmlns:a16="http://schemas.microsoft.com/office/drawing/2014/main" id="{F2D3ECFB-9F8A-F64C-E0F4-1BA5B941E386}"/>
+                <a16:creationId xmlns:a16="http://schemas.microsoft.com/office/drawing/2014/main" id="{472EBC0F-0863-FC08-A12B-6E5B523BE5B5}"/>
               </a:ext>
             </a:extLst>
           </p:cNvPr>
@@ -9644,12 +9749,8 @@
           <a:lstStyle/>
           <a:p>
             <a:r>
-              <a:rPr lang="en-GB" dirty="0" err="1"/>
-              <a:t>Workflow</a:t>
-            </a:r>
-            <a:r>
-              <a:rPr lang="en-GB" dirty="0"/>
-              <a:t> – single file</a:t>
+              <a:rPr lang="en-GB" dirty="0"/>
+              <a:t>Suggested experiment file organisation</a:t>
             </a:r>
           </a:p>
         </p:txBody>
@@ -9659,7 +9760,7 @@
           <p:cNvPr id="3" name="Content Placeholder 2">
             <a:extLst>
               <a:ext uri="{FF2B5EF4-FFF2-40B4-BE49-F238E27FC236}">
-                <a16:creationId xmlns:a16="http://schemas.microsoft.com/office/drawing/2014/main" id="{8AFF1A4D-B6A6-002E-0A17-9D9AD3D3BB33}"/>
+                <a16:creationId xmlns:a16="http://schemas.microsoft.com/office/drawing/2014/main" id="{2E9A1E1F-E1FB-D600-D0EE-A17FB6095AFF}"/>
               </a:ext>
             </a:extLst>
           </p:cNvPr>
@@ -9670,7 +9771,12 @@
             <p:ph idx="1"/>
           </p:nvPr>
         </p:nvSpPr>
-        <p:spPr/>
+        <p:spPr>
+          <a:xfrm>
+            <a:off x="838199" y="1825625"/>
+            <a:ext cx="5729749" cy="4034400"/>
+          </a:xfrm>
+        </p:spPr>
         <p:txBody>
           <a:bodyPr>
             <a:normAutofit/>
@@ -9678,111 +9784,123 @@
           <a:lstStyle/>
           <a:p>
             <a:r>
-              <a:rPr lang="en-GB" dirty="0"/>
-              <a:t>The file </a:t>
-            </a:r>
-            <a:r>
-              <a:rPr lang="en-GB" dirty="0" err="1"/>
-              <a:t>datafolder_template</a:t>
-            </a:r>
-            <a:r>
-              <a:rPr lang="en-GB" dirty="0"/>
-              <a:t> returns a sample folder path:</a:t>
-            </a:r>
-          </a:p>
-          <a:p>
-            <a:pPr marL="457200" lvl="1" indent="0">
-              <a:buNone/>
-            </a:pPr>
-            <a:endParaRPr lang="en-GB" sz="2000" dirty="0">
-              <a:latin typeface="Consolas" panose="020B0609020204030204" pitchFamily="49" charset="0"/>
-            </a:endParaRPr>
-          </a:p>
-          <a:p>
-            <a:pPr marL="457200" lvl="1" indent="0">
-              <a:buNone/>
-            </a:pPr>
-            <a:r>
-              <a:rPr lang="en-GB" sz="2000" dirty="0">
+              <a:rPr lang="en-GB" sz="2400" dirty="0"/>
+              <a:t>I prefer to store the experiment files in one data folder</a:t>
+            </a:r>
+          </a:p>
+          <a:p>
+            <a:r>
+              <a:rPr lang="en-GB" sz="2400" dirty="0"/>
+              <a:t>I use one level of subfolders for storing experiment files.</a:t>
+            </a:r>
+          </a:p>
+          <a:p>
+            <a:r>
+              <a:rPr lang="en-GB" sz="2400" dirty="0"/>
+              <a:t>Subfolders can for instance be named by experiment date.</a:t>
+            </a:r>
+          </a:p>
+          <a:p>
+            <a:r>
+              <a:rPr lang="en-GB" sz="2400" dirty="0"/>
+              <a:t>Refer to individual file as </a:t>
+            </a:r>
+            <a:r>
+              <a:rPr lang="en-GB" sz="2400" dirty="0" err="1"/>
+              <a:t>e.g</a:t>
+            </a:r>
+            <a:r>
+              <a:rPr lang="en-GB" sz="2400" dirty="0"/>
+              <a:t> . Subfolder1/Aa.txt</a:t>
+            </a:r>
+          </a:p>
+          <a:p>
+            <a:r>
+              <a:rPr lang="en-GB" sz="2400" dirty="0"/>
+              <a:t>Most of my functions automatically add the data folder when needed:</a:t>
+            </a:r>
+          </a:p>
+        </p:txBody>
+      </p:sp>
+      <p:pic>
+        <p:nvPicPr>
+          <p:cNvPr id="5" name="Picture 4">
+            <a:extLst>
+              <a:ext uri="{FF2B5EF4-FFF2-40B4-BE49-F238E27FC236}">
+                <a16:creationId xmlns:a16="http://schemas.microsoft.com/office/drawing/2014/main" id="{7E983D36-8148-C52C-3212-D1C2FF4A54C9}"/>
+              </a:ext>
+            </a:extLst>
+          </p:cNvPr>
+          <p:cNvPicPr>
+            <a:picLocks noChangeAspect="1"/>
+          </p:cNvPicPr>
+          <p:nvPr/>
+        </p:nvPicPr>
+        <p:blipFill>
+          <a:blip r:embed="rId2"/>
+          <a:stretch>
+            <a:fillRect/>
+          </a:stretch>
+        </p:blipFill>
+        <p:spPr>
+          <a:xfrm>
+            <a:off x="6744929" y="1764029"/>
+            <a:ext cx="4916057" cy="3820693"/>
+          </a:xfrm>
+          <a:prstGeom prst="rect">
+            <a:avLst/>
+          </a:prstGeom>
+        </p:spPr>
+      </p:pic>
+      <p:sp>
+        <p:nvSpPr>
+          <p:cNvPr id="6" name="TextBox 5">
+            <a:extLst>
+              <a:ext uri="{FF2B5EF4-FFF2-40B4-BE49-F238E27FC236}">
+                <a16:creationId xmlns:a16="http://schemas.microsoft.com/office/drawing/2014/main" id="{92A6A31D-37FF-95B9-730E-0F42FB9048FE}"/>
+              </a:ext>
+            </a:extLst>
+          </p:cNvPr>
+          <p:cNvSpPr txBox="1"/>
+          <p:nvPr/>
+        </p:nvSpPr>
+        <p:spPr>
+          <a:xfrm>
+            <a:off x="975851" y="5912771"/>
+            <a:ext cx="7883014" cy="461665"/>
+          </a:xfrm>
+          <a:prstGeom prst="rect">
+            <a:avLst/>
+          </a:prstGeom>
+          <a:noFill/>
+        </p:spPr>
+        <p:txBody>
+          <a:bodyPr wrap="square" rtlCol="0">
+            <a:spAutoFit/>
+          </a:bodyPr>
+          <a:lstStyle/>
+          <a:p>
+            <a:r>
+              <a:rPr lang="en-GB" sz="2400" dirty="0" err="1">
                 <a:latin typeface="Consolas" panose="020B0609020204030204" pitchFamily="49" charset="0"/>
+                <a:cs typeface="Courier New" panose="02070309020205020404" pitchFamily="49" charset="0"/>
               </a:rPr>
-              <a:t>function folder = </a:t>
-            </a:r>
-            <a:r>
-              <a:rPr lang="en-GB" sz="2000" dirty="0" err="1">
+              <a:t>fullfile</a:t>
+            </a:r>
+            <a:r>
+              <a:rPr lang="en-GB" sz="2400" dirty="0">
                 <a:latin typeface="Consolas" panose="020B0609020204030204" pitchFamily="49" charset="0"/>
+                <a:cs typeface="Courier New" panose="02070309020205020404" pitchFamily="49" charset="0"/>
               </a:rPr>
-              <a:t>datafolder_template</a:t>
-            </a:r>
-            <a:endParaRPr lang="en-GB" sz="2000" dirty="0">
-              <a:latin typeface="Consolas" panose="020B0609020204030204" pitchFamily="49" charset="0"/>
-            </a:endParaRPr>
-          </a:p>
-          <a:p>
-            <a:pPr marL="457200" lvl="1" indent="0">
-              <a:buNone/>
-            </a:pPr>
-            <a:r>
-              <a:rPr lang="en-GB" sz="2000" dirty="0">
-                <a:latin typeface="Consolas" panose="020B0609020204030204" pitchFamily="49" charset="0"/>
-              </a:rPr>
-              <a:t>% Template tor the user's </a:t>
-            </a:r>
-            <a:r>
-              <a:rPr lang="en-GB" sz="2000" dirty="0" err="1">
-                <a:latin typeface="Consolas" panose="020B0609020204030204" pitchFamily="49" charset="0"/>
-              </a:rPr>
-              <a:t>datafolder.m</a:t>
-            </a:r>
-            <a:endParaRPr lang="en-GB" sz="2000" dirty="0">
-              <a:latin typeface="Consolas" panose="020B0609020204030204" pitchFamily="49" charset="0"/>
-            </a:endParaRPr>
-          </a:p>
-          <a:p>
-            <a:pPr marL="457200" lvl="1" indent="0">
-              <a:buNone/>
-            </a:pPr>
-            <a:r>
-              <a:rPr lang="en-GB" sz="2000" dirty="0">
-                <a:latin typeface="Consolas" panose="020B0609020204030204" pitchFamily="49" charset="0"/>
-              </a:rPr>
-              <a:t>folder = 'C:\Users\Are\OneDrive\Data\Chile’;</a:t>
-            </a:r>
-          </a:p>
-          <a:p>
-            <a:pPr marL="457200" lvl="1" indent="0">
-              <a:buNone/>
-            </a:pPr>
-            <a:endParaRPr lang="en-GB" sz="2000" dirty="0">
-              <a:latin typeface="Consolas" panose="020B0609020204030204" pitchFamily="49" charset="0"/>
-            </a:endParaRPr>
-          </a:p>
-          <a:p>
-            <a:r>
-              <a:rPr lang="en-GB" dirty="0"/>
-              <a:t>Change the folder path to your data folder and the delete ‘_template’ from the function name.</a:t>
-            </a:r>
-          </a:p>
-          <a:p>
-            <a:r>
-              <a:rPr lang="en-GB" dirty="0"/>
-              <a:t>Save as </a:t>
-            </a:r>
-            <a:r>
-              <a:rPr lang="en-GB" dirty="0" err="1"/>
-              <a:t>datafolder.m</a:t>
-            </a:r>
-            <a:endParaRPr lang="en-GB" dirty="0"/>
-          </a:p>
-          <a:p>
-            <a:endParaRPr lang="en-GB" dirty="0"/>
+              <a:t>(datafolder,”Subfolder1/Aa.txt”)</a:t>
+            </a:r>
           </a:p>
         </p:txBody>
       </p:sp>
     </p:spTree>
     <p:extLst>
       <p:ext uri="{BB962C8B-B14F-4D97-AF65-F5344CB8AC3E}">
-        <p14:creationId xmlns:p14="http://schemas.microsoft.com/office/powerpoint/2010/main" val="993497870"/>
+        <p14:creationId xmlns:p14="http://schemas.microsoft.com/office/powerpoint/2010/main" val="34042762"/>
       </p:ext>
     </p:extLst>
   </p:cSld>
@@ -9814,7 +9932,7 @@
           <p:cNvPr id="2" name="Title 1">
             <a:extLst>
               <a:ext uri="{FF2B5EF4-FFF2-40B4-BE49-F238E27FC236}">
-                <a16:creationId xmlns:a16="http://schemas.microsoft.com/office/drawing/2014/main" id="{01B8F226-444D-27F6-92CB-C42B357EB1A1}"/>
+                <a16:creationId xmlns:a16="http://schemas.microsoft.com/office/drawing/2014/main" id="{F2D3ECFB-9F8A-F64C-E0F4-1BA5B941E386}"/>
               </a:ext>
             </a:extLst>
           </p:cNvPr>
@@ -9831,10 +9949,196 @@
           <a:lstStyle/>
           <a:p>
             <a:r>
-              <a:rPr lang="nb-NO" dirty="0"/>
+              <a:rPr lang="en-GB" dirty="0" err="1"/>
+              <a:t>Workflow</a:t>
+            </a:r>
+            <a:r>
+              <a:rPr lang="en-GB" dirty="0"/>
+              <a:t> – single file</a:t>
+            </a:r>
+          </a:p>
+        </p:txBody>
+      </p:sp>
+      <p:sp>
+        <p:nvSpPr>
+          <p:cNvPr id="3" name="Content Placeholder 2">
+            <a:extLst>
+              <a:ext uri="{FF2B5EF4-FFF2-40B4-BE49-F238E27FC236}">
+                <a16:creationId xmlns:a16="http://schemas.microsoft.com/office/drawing/2014/main" id="{8AFF1A4D-B6A6-002E-0A17-9D9AD3D3BB33}"/>
+              </a:ext>
+            </a:extLst>
+          </p:cNvPr>
+          <p:cNvSpPr>
+            <a:spLocks noGrp="1"/>
+          </p:cNvSpPr>
+          <p:nvPr>
+            <p:ph idx="1"/>
+          </p:nvPr>
+        </p:nvSpPr>
+        <p:spPr/>
+        <p:txBody>
+          <a:bodyPr>
+            <a:normAutofit/>
+          </a:bodyPr>
+          <a:lstStyle/>
+          <a:p>
+            <a:r>
+              <a:rPr lang="en-GB" dirty="0"/>
+              <a:t>The file </a:t>
+            </a:r>
+            <a:r>
+              <a:rPr lang="en-GB" dirty="0" err="1"/>
+              <a:t>datafolder_template</a:t>
+            </a:r>
+            <a:r>
+              <a:rPr lang="en-GB" dirty="0"/>
+              <a:t> returns a sample folder path:</a:t>
+            </a:r>
+          </a:p>
+          <a:p>
+            <a:pPr marL="457200" lvl="1" indent="0">
+              <a:buNone/>
+            </a:pPr>
+            <a:endParaRPr lang="en-GB" sz="2000" dirty="0">
+              <a:latin typeface="Consolas" panose="020B0609020204030204" pitchFamily="49" charset="0"/>
+            </a:endParaRPr>
+          </a:p>
+          <a:p>
+            <a:pPr marL="457200" lvl="1" indent="0">
+              <a:buNone/>
+            </a:pPr>
+            <a:r>
+              <a:rPr lang="en-GB" sz="2000" dirty="0">
+                <a:latin typeface="Consolas" panose="020B0609020204030204" pitchFamily="49" charset="0"/>
+              </a:rPr>
+              <a:t>function folder = </a:t>
+            </a:r>
+            <a:r>
+              <a:rPr lang="en-GB" sz="2000" dirty="0" err="1">
+                <a:latin typeface="Consolas" panose="020B0609020204030204" pitchFamily="49" charset="0"/>
+              </a:rPr>
+              <a:t>datafolder_template</a:t>
+            </a:r>
+            <a:endParaRPr lang="en-GB" sz="2000" dirty="0">
+              <a:latin typeface="Consolas" panose="020B0609020204030204" pitchFamily="49" charset="0"/>
+            </a:endParaRPr>
+          </a:p>
+          <a:p>
+            <a:pPr marL="457200" lvl="1" indent="0">
+              <a:buNone/>
+            </a:pPr>
+            <a:r>
+              <a:rPr lang="en-GB" sz="2000" dirty="0">
+                <a:latin typeface="Consolas" panose="020B0609020204030204" pitchFamily="49" charset="0"/>
+              </a:rPr>
+              <a:t>	% Template for the user's </a:t>
+            </a:r>
+            <a:r>
+              <a:rPr lang="en-GB" sz="2000" dirty="0" err="1">
+                <a:latin typeface="Consolas" panose="020B0609020204030204" pitchFamily="49" charset="0"/>
+              </a:rPr>
+              <a:t>datafolder.m</a:t>
+            </a:r>
+            <a:endParaRPr lang="en-GB" sz="2000" dirty="0">
+              <a:latin typeface="Consolas" panose="020B0609020204030204" pitchFamily="49" charset="0"/>
+            </a:endParaRPr>
+          </a:p>
+          <a:p>
+            <a:pPr marL="457200" lvl="1" indent="0">
+              <a:buNone/>
+            </a:pPr>
+            <a:r>
+              <a:rPr lang="en-GB" sz="2000" dirty="0">
+                <a:latin typeface="Consolas" panose="020B0609020204030204" pitchFamily="49" charset="0"/>
+              </a:rPr>
+              <a:t>	folder = 'C:\Users\Are\OneDrive\Data\Chile’;</a:t>
+            </a:r>
+          </a:p>
+          <a:p>
+            <a:pPr marL="457200" lvl="1" indent="0">
+              <a:buNone/>
+            </a:pPr>
+            <a:endParaRPr lang="en-GB" sz="2000" dirty="0">
+              <a:latin typeface="Consolas" panose="020B0609020204030204" pitchFamily="49" charset="0"/>
+            </a:endParaRPr>
+          </a:p>
+          <a:p>
+            <a:r>
+              <a:rPr lang="en-GB" dirty="0"/>
+              <a:t>Change the folder path to your data folder and the delete ‘_template’ from the function name.</a:t>
+            </a:r>
+          </a:p>
+          <a:p>
+            <a:r>
+              <a:rPr lang="en-GB" dirty="0"/>
+              <a:t>Save as </a:t>
+            </a:r>
+            <a:r>
+              <a:rPr lang="en-GB" dirty="0" err="1"/>
+              <a:t>datafolder.m</a:t>
+            </a:r>
+            <a:endParaRPr lang="en-GB" dirty="0"/>
+          </a:p>
+          <a:p>
+            <a:endParaRPr lang="en-GB" dirty="0"/>
+          </a:p>
+        </p:txBody>
+      </p:sp>
+    </p:spTree>
+    <p:extLst>
+      <p:ext uri="{BB962C8B-B14F-4D97-AF65-F5344CB8AC3E}">
+        <p14:creationId xmlns:p14="http://schemas.microsoft.com/office/powerpoint/2010/main" val="993497870"/>
+      </p:ext>
+    </p:extLst>
+  </p:cSld>
+  <p:clrMapOvr>
+    <a:masterClrMapping/>
+  </p:clrMapOvr>
+</p:sld>
+</file>
+
+<file path=ppt/slides/slide24.xml><?xml version="1.0" encoding="utf-8"?>
+<p:sld xmlns:a="http://schemas.openxmlformats.org/drawingml/2006/main" xmlns:r="http://schemas.openxmlformats.org/officeDocument/2006/relationships" xmlns:p="http://schemas.openxmlformats.org/presentationml/2006/main">
+  <p:cSld>
+    <p:spTree>
+      <p:nvGrpSpPr>
+        <p:cNvPr id="1" name=""/>
+        <p:cNvGrpSpPr/>
+        <p:nvPr/>
+      </p:nvGrpSpPr>
+      <p:grpSpPr>
+        <a:xfrm>
+          <a:off x="0" y="0"/>
+          <a:ext cx="0" cy="0"/>
+          <a:chOff x="0" y="0"/>
+          <a:chExt cx="0" cy="0"/>
+        </a:xfrm>
+      </p:grpSpPr>
+      <p:sp>
+        <p:nvSpPr>
+          <p:cNvPr id="2" name="Title 1">
+            <a:extLst>
+              <a:ext uri="{FF2B5EF4-FFF2-40B4-BE49-F238E27FC236}">
+                <a16:creationId xmlns:a16="http://schemas.microsoft.com/office/drawing/2014/main" id="{01B8F226-444D-27F6-92CB-C42B357EB1A1}"/>
+              </a:ext>
+            </a:extLst>
+          </p:cNvPr>
+          <p:cNvSpPr>
+            <a:spLocks noGrp="1"/>
+          </p:cNvSpPr>
+          <p:nvPr>
+            <p:ph type="title"/>
+          </p:nvPr>
+        </p:nvSpPr>
+        <p:spPr/>
+        <p:txBody>
+          <a:bodyPr/>
+          <a:lstStyle/>
+          <a:p>
+            <a:r>
+              <a:rPr lang="en-GB" dirty="0"/>
               <a:t>Automatic analysis of an experiment file</a:t>
             </a:r>
-            <a:endParaRPr lang="en-GB" dirty="0"/>
           </a:p>
         </p:txBody>
       </p:sp>
@@ -9865,78 +10169,61 @@
           <a:lstStyle/>
           <a:p>
             <a:r>
-              <a:rPr lang="nb-NO" dirty="0"/>
-              <a:t>The Matlab </a:t>
-            </a:r>
-            <a:r>
-              <a:rPr lang="nb-NO" dirty="0" err="1"/>
-              <a:t>function</a:t>
-            </a:r>
-            <a:r>
-              <a:rPr lang="nb-NO" dirty="0"/>
-              <a:t> </a:t>
+              <a:rPr lang="en-GB" dirty="0"/>
+              <a:t>The Matlab function </a:t>
             </a:r>
             <a:br>
-              <a:rPr lang="nb-NO" dirty="0"/>
+              <a:rPr lang="en-GB" dirty="0"/>
             </a:br>
             <a:br>
-              <a:rPr lang="nb-NO" sz="1400" dirty="0"/>
+              <a:rPr lang="en-GB" sz="1400" dirty="0"/>
             </a:br>
             <a:r>
-              <a:rPr lang="nb-NO" sz="2400" dirty="0" err="1">
+              <a:rPr lang="en-GB" sz="2400" dirty="0" err="1">
                 <a:latin typeface="Consolas" panose="020B0609020204030204" pitchFamily="49" charset="0"/>
               </a:rPr>
               <a:t>analyse_experiment</a:t>
             </a:r>
             <a:r>
-              <a:rPr lang="nb-NO" dirty="0"/>
+              <a:rPr lang="en-GB" dirty="0"/>
               <a:t> </a:t>
             </a:r>
             <a:br>
-              <a:rPr lang="nb-NO" dirty="0"/>
+              <a:rPr lang="en-GB" dirty="0"/>
             </a:br>
             <a:br>
-              <a:rPr lang="nb-NO" sz="1400" dirty="0"/>
+              <a:rPr lang="en-GB" sz="1400" dirty="0"/>
             </a:br>
             <a:r>
-              <a:rPr lang="nb-NO" dirty="0" err="1"/>
-              <a:t>performs</a:t>
-            </a:r>
-            <a:r>
-              <a:rPr lang="nb-NO" dirty="0"/>
-              <a:t> an </a:t>
-            </a:r>
-            <a:r>
-              <a:rPr lang="nb-NO" dirty="0" err="1"/>
-              <a:t>automatic</a:t>
-            </a:r>
-            <a:r>
-              <a:rPr lang="nb-NO" dirty="0"/>
+              <a:rPr lang="en-GB" dirty="0"/>
+              <a:t>performs an automatic analysis</a:t>
+            </a:r>
+          </a:p>
+          <a:p>
+            <a:r>
+              <a:rPr lang="en-GB" dirty="0"/>
+              <a:t> Returns Matlab tables </a:t>
+            </a:r>
+          </a:p>
+          <a:p>
+            <a:pPr lvl="1"/>
+            <a:r>
+              <a:rPr lang="en-GB" dirty="0"/>
+              <a:t>Trip and </a:t>
+            </a:r>
+            <a:r>
+              <a:rPr lang="en-GB" dirty="0" err="1"/>
+              <a:t>Trelax</a:t>
+            </a:r>
+            <a:r>
+              <a:rPr lang="en-GB" dirty="0"/>
               <a:t> </a:t>
             </a:r>
-            <a:r>
-              <a:rPr lang="nb-NO" dirty="0" err="1"/>
-              <a:t>analysis</a:t>
-            </a:r>
-            <a:endParaRPr lang="nb-NO" dirty="0"/>
-          </a:p>
-          <a:p>
-            <a:r>
-              <a:rPr lang="nb-NO" dirty="0"/>
-              <a:t> Returns Matab tables </a:t>
-            </a:r>
           </a:p>
           <a:p>
             <a:pPr lvl="1"/>
             <a:r>
-              <a:rPr lang="nb-NO" dirty="0"/>
-              <a:t>Trip and Trelax </a:t>
-            </a:r>
-          </a:p>
-          <a:p>
-            <a:pPr lvl="1"/>
-            <a:r>
-              <a:rPr lang="nb-NO" dirty="0"/>
+              <a:rPr lang="en-GB" dirty="0"/>
               <a:t>Tables contain  details of all rips  and zips</a:t>
             </a:r>
           </a:p>
@@ -9944,11 +10231,11 @@
             <a:pPr marL="457200" lvl="1" indent="0">
               <a:buNone/>
             </a:pPr>
-            <a:endParaRPr lang="nb-NO" dirty="0"/>
-          </a:p>
-          <a:p>
-            <a:r>
-              <a:rPr lang="nb-NO" dirty="0"/>
+            <a:endParaRPr lang="en-GB" dirty="0"/>
+          </a:p>
+          <a:p>
+            <a:r>
+              <a:rPr lang="en-GB" dirty="0"/>
               <a:t>Enter into command window of MATLAB:</a:t>
             </a:r>
           </a:p>
@@ -9956,7 +10243,7 @@
             <a:pPr marL="457200" lvl="1" indent="0">
               <a:buNone/>
             </a:pPr>
-            <a:endParaRPr lang="nb-NO" dirty="0"/>
+            <a:endParaRPr lang="en-GB" dirty="0"/>
           </a:p>
         </p:txBody>
       </p:sp>
@@ -10113,7 +10400,7 @@
 </p:sld>
 </file>
 
-<file path=ppt/slides/slide24.xml><?xml version="1.0" encoding="utf-8"?>
+<file path=ppt/slides/slide25.xml><?xml version="1.0" encoding="utf-8"?>
 <p:sld xmlns:a="http://schemas.openxmlformats.org/drawingml/2006/main" xmlns:r="http://schemas.openxmlformats.org/officeDocument/2006/relationships" xmlns:p="http://schemas.openxmlformats.org/presentationml/2006/main">
   <p:cSld>
     <p:spTree>
@@ -10392,7 +10679,7 @@
 </p:sld>
 </file>
 
-<file path=ppt/slides/slide25.xml><?xml version="1.0" encoding="utf-8"?>
+<file path=ppt/slides/slide26.xml><?xml version="1.0" encoding="utf-8"?>
 <p:sld xmlns:a="http://schemas.openxmlformats.org/drawingml/2006/main" xmlns:r="http://schemas.openxmlformats.org/officeDocument/2006/relationships" xmlns:p="http://schemas.openxmlformats.org/presentationml/2006/main">
   <p:cSld>
     <p:spTree>
@@ -10588,7 +10875,15 @@
             </a:r>
             <a:r>
               <a:rPr lang="en-GB" sz="2000" dirty="0"/>
-              <a:t>Force rate of change</a:t>
+              <a:t>Force rate of change </a:t>
+            </a:r>
+            <a:r>
+              <a:rPr lang="en-GB" sz="2000" dirty="0" err="1"/>
+              <a:t>df</a:t>
+            </a:r>
+            <a:r>
+              <a:rPr lang="en-GB" sz="2000" dirty="0"/>
+              <a:t>/dt</a:t>
             </a:r>
             <a:endParaRPr lang="en-GB" dirty="0"/>
           </a:p>
@@ -10662,7 +10957,7 @@
 </p:sld>
 </file>
 
-<file path=ppt/slides/slide26.xml><?xml version="1.0" encoding="utf-8"?>
+<file path=ppt/slides/slide27.xml><?xml version="1.0" encoding="utf-8"?>
 <p:sld xmlns:a="http://schemas.openxmlformats.org/drawingml/2006/main" xmlns:r="http://schemas.openxmlformats.org/officeDocument/2006/relationships" xmlns:p="http://schemas.openxmlformats.org/presentationml/2006/main">
   <p:cSld>
     <p:spTree>
@@ -10808,358 +11103,6 @@
 </p:sld>
 </file>
 
-<file path=ppt/slides/slide27.xml><?xml version="1.0" encoding="utf-8"?>
-<p:sld xmlns:a="http://schemas.openxmlformats.org/drawingml/2006/main" xmlns:r="http://schemas.openxmlformats.org/officeDocument/2006/relationships" xmlns:p="http://schemas.openxmlformats.org/presentationml/2006/main">
-  <p:cSld>
-    <p:spTree>
-      <p:nvGrpSpPr>
-        <p:cNvPr id="1" name=""/>
-        <p:cNvGrpSpPr/>
-        <p:nvPr/>
-      </p:nvGrpSpPr>
-      <p:grpSpPr>
-        <a:xfrm>
-          <a:off x="0" y="0"/>
-          <a:ext cx="0" cy="0"/>
-          <a:chOff x="0" y="0"/>
-          <a:chExt cx="0" cy="0"/>
-        </a:xfrm>
-      </p:grpSpPr>
-      <p:sp>
-        <p:nvSpPr>
-          <p:cNvPr id="2" name="Title 1">
-            <a:extLst>
-              <a:ext uri="{FF2B5EF4-FFF2-40B4-BE49-F238E27FC236}">
-                <a16:creationId xmlns:a16="http://schemas.microsoft.com/office/drawing/2014/main" id="{C285FB98-B897-4574-450D-72DEB85EE57E}"/>
-              </a:ext>
-            </a:extLst>
-          </p:cNvPr>
-          <p:cNvSpPr>
-            <a:spLocks noGrp="1"/>
-          </p:cNvSpPr>
-          <p:nvPr>
-            <p:ph type="title"/>
-          </p:nvPr>
-        </p:nvSpPr>
-        <p:spPr/>
-        <p:txBody>
-          <a:bodyPr/>
-          <a:lstStyle/>
-          <a:p>
-            <a:r>
-              <a:rPr lang="en-GB" dirty="0" err="1"/>
-              <a:t>Exporting</a:t>
-            </a:r>
-            <a:r>
-              <a:rPr lang="en-GB" dirty="0"/>
-              <a:t> </a:t>
-            </a:r>
-            <a:r>
-              <a:rPr lang="en-GB" dirty="0" err="1"/>
-              <a:t>results</a:t>
-            </a:r>
-            <a:r>
-              <a:rPr lang="en-GB" dirty="0"/>
-              <a:t> </a:t>
-            </a:r>
-            <a:r>
-              <a:rPr lang="en-GB" dirty="0" err="1"/>
-              <a:t>tables</a:t>
-            </a:r>
-            <a:r>
-              <a:rPr lang="en-GB" dirty="0"/>
-              <a:t> Trip and </a:t>
-            </a:r>
-            <a:r>
-              <a:rPr lang="en-GB" dirty="0" err="1"/>
-              <a:t>Tzip</a:t>
-            </a:r>
-            <a:endParaRPr lang="en-GB" dirty="0"/>
-          </a:p>
-        </p:txBody>
-      </p:sp>
-      <p:sp>
-        <p:nvSpPr>
-          <p:cNvPr id="3" name="Content Placeholder 2">
-            <a:extLst>
-              <a:ext uri="{FF2B5EF4-FFF2-40B4-BE49-F238E27FC236}">
-                <a16:creationId xmlns:a16="http://schemas.microsoft.com/office/drawing/2014/main" id="{F0A4A313-7E15-500B-ED77-95FD44C0C03E}"/>
-              </a:ext>
-            </a:extLst>
-          </p:cNvPr>
-          <p:cNvSpPr>
-            <a:spLocks noGrp="1"/>
-          </p:cNvSpPr>
-          <p:nvPr>
-            <p:ph idx="1"/>
-          </p:nvPr>
-        </p:nvSpPr>
-        <p:spPr>
-          <a:xfrm>
-            <a:off x="838200" y="1825625"/>
-            <a:ext cx="10813026" cy="4351338"/>
-          </a:xfrm>
-        </p:spPr>
-        <p:txBody>
-          <a:bodyPr>
-            <a:normAutofit/>
-          </a:bodyPr>
-          <a:lstStyle/>
-          <a:p>
-            <a:r>
-              <a:rPr lang="en-GB" dirty="0" err="1"/>
-              <a:t>Tables</a:t>
-            </a:r>
-            <a:r>
-              <a:rPr lang="en-GB" dirty="0"/>
-              <a:t> </a:t>
-            </a:r>
-            <a:r>
-              <a:rPr lang="en-GB" dirty="0" err="1"/>
-              <a:t>may</a:t>
-            </a:r>
-            <a:r>
-              <a:rPr lang="en-GB" dirty="0"/>
-              <a:t> be </a:t>
-            </a:r>
-            <a:r>
-              <a:rPr lang="en-GB" dirty="0" err="1"/>
-              <a:t>exported</a:t>
-            </a:r>
-            <a:r>
-              <a:rPr lang="en-GB" dirty="0"/>
-              <a:t> to Excel:</a:t>
-            </a:r>
-          </a:p>
-          <a:p>
-            <a:pPr lvl="1"/>
-            <a:r>
-              <a:rPr lang="en-GB" dirty="0" err="1"/>
-              <a:t>Create</a:t>
-            </a:r>
-            <a:r>
-              <a:rPr lang="en-GB" dirty="0"/>
-              <a:t> a </a:t>
-            </a:r>
-            <a:r>
-              <a:rPr lang="en-GB" dirty="0" err="1"/>
-              <a:t>results</a:t>
-            </a:r>
-            <a:r>
-              <a:rPr lang="en-GB" dirty="0"/>
-              <a:t> folder:</a:t>
-            </a:r>
-          </a:p>
-          <a:p>
-            <a:pPr marL="914400" lvl="2" indent="0">
-              <a:buNone/>
-            </a:pPr>
-            <a:r>
-              <a:rPr lang="en-GB" dirty="0" err="1">
-                <a:latin typeface="Consolas" panose="020B0609020204030204" pitchFamily="49" charset="0"/>
-              </a:rPr>
-              <a:t>resultsfolder</a:t>
-            </a:r>
-            <a:r>
-              <a:rPr lang="en-GB" dirty="0">
-                <a:latin typeface="Consolas" panose="020B0609020204030204" pitchFamily="49" charset="0"/>
-              </a:rPr>
-              <a:t> = 'C:\Users\are\</a:t>
-            </a:r>
-            <a:r>
-              <a:rPr lang="en-GB" dirty="0" err="1">
-                <a:latin typeface="Consolas" panose="020B0609020204030204" pitchFamily="49" charset="0"/>
-              </a:rPr>
-              <a:t>myresults</a:t>
-            </a:r>
-            <a:r>
-              <a:rPr lang="en-GB" dirty="0">
-                <a:latin typeface="Consolas" panose="020B0609020204030204" pitchFamily="49" charset="0"/>
-              </a:rPr>
-              <a:t>\';</a:t>
-            </a:r>
-          </a:p>
-          <a:p>
-            <a:pPr marL="914400" lvl="2" indent="0">
-              <a:buNone/>
-            </a:pPr>
-            <a:r>
-              <a:rPr lang="en-GB" dirty="0" err="1">
-                <a:latin typeface="Consolas" panose="020B0609020204030204" pitchFamily="49" charset="0"/>
-              </a:rPr>
-              <a:t>mkdir</a:t>
-            </a:r>
-            <a:r>
-              <a:rPr lang="en-GB" dirty="0">
-                <a:latin typeface="Consolas" panose="020B0609020204030204" pitchFamily="49" charset="0"/>
-              </a:rPr>
-              <a:t>(</a:t>
-            </a:r>
-            <a:r>
-              <a:rPr lang="en-GB" dirty="0" err="1">
-                <a:latin typeface="Consolas" panose="020B0609020204030204" pitchFamily="49" charset="0"/>
-              </a:rPr>
-              <a:t>resultsfolder</a:t>
-            </a:r>
-            <a:r>
-              <a:rPr lang="en-GB" dirty="0">
-                <a:latin typeface="Consolas" panose="020B0609020204030204" pitchFamily="49" charset="0"/>
-              </a:rPr>
-              <a:t>)</a:t>
-            </a:r>
-          </a:p>
-          <a:p>
-            <a:pPr lvl="1"/>
-            <a:r>
-              <a:rPr lang="en-GB" dirty="0" err="1"/>
-              <a:t>Create</a:t>
-            </a:r>
-            <a:r>
-              <a:rPr lang="en-GB" dirty="0"/>
-              <a:t> subfolder</a:t>
-            </a:r>
-          </a:p>
-          <a:p>
-            <a:pPr marL="457200" lvl="1" indent="0">
-              <a:buNone/>
-            </a:pPr>
-            <a:r>
-              <a:rPr lang="en-GB" dirty="0"/>
-              <a:t>	</a:t>
-            </a:r>
-            <a:r>
-              <a:rPr lang="en-GB" sz="2000" dirty="0" err="1">
-                <a:latin typeface="Consolas" panose="020B0609020204030204" pitchFamily="49" charset="0"/>
-              </a:rPr>
-              <a:t>mkdir</a:t>
-            </a:r>
-            <a:r>
-              <a:rPr lang="en-GB" sz="2000" dirty="0">
-                <a:latin typeface="Consolas" panose="020B0609020204030204" pitchFamily="49" charset="0"/>
-              </a:rPr>
-              <a:t>(resultsfolder,"20231212")</a:t>
-            </a:r>
-            <a:r>
-              <a:rPr lang="en-GB" dirty="0"/>
-              <a:t>	</a:t>
-            </a:r>
-          </a:p>
-          <a:p>
-            <a:pPr lvl="1"/>
-            <a:r>
-              <a:rPr lang="en-GB" dirty="0" err="1"/>
-              <a:t>Create</a:t>
-            </a:r>
-            <a:r>
-              <a:rPr lang="en-GB" dirty="0"/>
-              <a:t> Excel file</a:t>
-            </a:r>
-          </a:p>
-          <a:p>
-            <a:pPr marL="0" indent="0">
-              <a:buNone/>
-            </a:pPr>
-            <a:r>
-              <a:rPr lang="en-GB" sz="2000" dirty="0" err="1">
-                <a:latin typeface="Consolas" panose="020B0609020204030204" pitchFamily="49" charset="0"/>
-              </a:rPr>
-              <a:t>writetable</a:t>
-            </a:r>
-            <a:r>
-              <a:rPr lang="en-GB" sz="2000" dirty="0">
-                <a:latin typeface="Consolas" panose="020B0609020204030204" pitchFamily="49" charset="0"/>
-              </a:rPr>
-              <a:t>(</a:t>
-            </a:r>
-            <a:r>
-              <a:rPr lang="en-GB" sz="2000" dirty="0" err="1">
-                <a:latin typeface="Consolas" panose="020B0609020204030204" pitchFamily="49" charset="0"/>
-              </a:rPr>
-              <a:t>Trip,fullfile</a:t>
-            </a:r>
-            <a:r>
-              <a:rPr lang="en-GB" sz="2000" dirty="0">
-                <a:latin typeface="Consolas" panose="020B0609020204030204" pitchFamily="49" charset="0"/>
-              </a:rPr>
-              <a:t>(resultsfolder,"20231212/BA.xlsx"),"</a:t>
-            </a:r>
-            <a:r>
-              <a:rPr lang="en-GB" sz="2000" dirty="0" err="1">
-                <a:latin typeface="Consolas" panose="020B0609020204030204" pitchFamily="49" charset="0"/>
-              </a:rPr>
-              <a:t>Sheet","Rips</a:t>
-            </a:r>
-            <a:r>
-              <a:rPr lang="en-GB" sz="2000" dirty="0">
-                <a:latin typeface="Consolas" panose="020B0609020204030204" pitchFamily="49" charset="0"/>
-              </a:rPr>
-              <a:t>");</a:t>
-            </a:r>
-          </a:p>
-          <a:p>
-            <a:pPr marL="0" indent="0">
-              <a:buNone/>
-            </a:pPr>
-            <a:r>
-              <a:rPr lang="en-GB" sz="2000" dirty="0" err="1">
-                <a:latin typeface="Consolas" panose="020B0609020204030204" pitchFamily="49" charset="0"/>
-              </a:rPr>
-              <a:t>writetable</a:t>
-            </a:r>
-            <a:r>
-              <a:rPr lang="en-GB" sz="2000" dirty="0">
-                <a:latin typeface="Consolas" panose="020B0609020204030204" pitchFamily="49" charset="0"/>
-              </a:rPr>
-              <a:t>(</a:t>
-            </a:r>
-            <a:r>
-              <a:rPr lang="en-GB" sz="2000" dirty="0" err="1">
-                <a:latin typeface="Consolas" panose="020B0609020204030204" pitchFamily="49" charset="0"/>
-              </a:rPr>
-              <a:t>Tzip,fullfile</a:t>
-            </a:r>
-            <a:r>
-              <a:rPr lang="en-GB" sz="2000" dirty="0">
-                <a:latin typeface="Consolas" panose="020B0609020204030204" pitchFamily="49" charset="0"/>
-              </a:rPr>
-              <a:t>(resultsfolder,"20231212/BA.xlsx"),"</a:t>
-            </a:r>
-            <a:r>
-              <a:rPr lang="en-GB" sz="2000" dirty="0" err="1">
-                <a:latin typeface="Consolas" panose="020B0609020204030204" pitchFamily="49" charset="0"/>
-              </a:rPr>
-              <a:t>Sheet",“Zips</a:t>
-            </a:r>
-            <a:r>
-              <a:rPr lang="en-GB" sz="2000" dirty="0">
-                <a:latin typeface="Consolas" panose="020B0609020204030204" pitchFamily="49" charset="0"/>
-              </a:rPr>
-              <a:t>");</a:t>
-            </a:r>
-          </a:p>
-          <a:p>
-            <a:pPr marL="457200" lvl="1" indent="0">
-              <a:buNone/>
-            </a:pPr>
-            <a:endParaRPr lang="en-GB" sz="2000" dirty="0">
-              <a:latin typeface="Consolas" panose="020B0609020204030204" pitchFamily="49" charset="0"/>
-            </a:endParaRPr>
-          </a:p>
-        </p:txBody>
-      </p:sp>
-    </p:spTree>
-    <p:extLst>
-      <p:ext uri="{BB962C8B-B14F-4D97-AF65-F5344CB8AC3E}">
-        <p14:creationId xmlns:p14="http://schemas.microsoft.com/office/powerpoint/2010/main" val="4127174572"/>
-      </p:ext>
-    </p:extLst>
-  </p:cSld>
-  <p:clrMapOvr>
-    <a:masterClrMapping/>
-  </p:clrMapOvr>
-</p:sld>
-</file>
-
 <file path=ppt/slides/slide28.xml><?xml version="1.0" encoding="utf-8"?>
 <p:sld xmlns:a="http://schemas.openxmlformats.org/drawingml/2006/main" xmlns:r="http://schemas.openxmlformats.org/officeDocument/2006/relationships" xmlns:p="http://schemas.openxmlformats.org/presentationml/2006/main">
   <p:cSld>
@@ -11182,7 +11125,7 @@
           <p:cNvPr id="2" name="Title 1">
             <a:extLst>
               <a:ext uri="{FF2B5EF4-FFF2-40B4-BE49-F238E27FC236}">
-                <a16:creationId xmlns:a16="http://schemas.microsoft.com/office/drawing/2014/main" id="{624CB892-5379-B693-0976-3ADA88506E05}"/>
+                <a16:creationId xmlns:a16="http://schemas.microsoft.com/office/drawing/2014/main" id="{C285FB98-B897-4574-450D-72DEB85EE57E}"/>
               </a:ext>
             </a:extLst>
           </p:cNvPr>
@@ -11199,17 +11142,34 @@
           <a:lstStyle/>
           <a:p>
             <a:r>
-              <a:rPr lang="en-GB" dirty="0"/>
-              <a:t>The </a:t>
-            </a:r>
-            <a:r>
               <a:rPr lang="en-GB" dirty="0" err="1"/>
-              <a:t>RipAnalysis</a:t>
-            </a:r>
-            <a:r>
-              <a:rPr lang="en-GB" dirty="0"/>
-              <a:t> Matlab App</a:t>
-            </a:r>
+              <a:t>Exporting</a:t>
+            </a:r>
+            <a:r>
+              <a:rPr lang="en-GB" dirty="0"/>
+              <a:t> </a:t>
+            </a:r>
+            <a:r>
+              <a:rPr lang="en-GB" dirty="0" err="1"/>
+              <a:t>results</a:t>
+            </a:r>
+            <a:r>
+              <a:rPr lang="en-GB" dirty="0"/>
+              <a:t> </a:t>
+            </a:r>
+            <a:r>
+              <a:rPr lang="en-GB" dirty="0" err="1"/>
+              <a:t>tables</a:t>
+            </a:r>
+            <a:r>
+              <a:rPr lang="en-GB" dirty="0"/>
+              <a:t> Trip and </a:t>
+            </a:r>
+            <a:r>
+              <a:rPr lang="en-GB" dirty="0" err="1"/>
+              <a:t>Tzip</a:t>
+            </a:r>
+            <a:endParaRPr lang="en-GB" dirty="0"/>
           </a:p>
         </p:txBody>
       </p:sp>
@@ -11218,7 +11178,7 @@
           <p:cNvPr id="3" name="Content Placeholder 2">
             <a:extLst>
               <a:ext uri="{FF2B5EF4-FFF2-40B4-BE49-F238E27FC236}">
-                <a16:creationId xmlns:a16="http://schemas.microsoft.com/office/drawing/2014/main" id="{26D403B4-3D4C-2078-2A01-4ACE7A34BB43}"/>
+                <a16:creationId xmlns:a16="http://schemas.microsoft.com/office/drawing/2014/main" id="{F0A4A313-7E15-500B-ED77-95FD44C0C03E}"/>
               </a:ext>
             </a:extLst>
           </p:cNvPr>
@@ -11229,7 +11189,12 @@
             <p:ph idx="1"/>
           </p:nvPr>
         </p:nvSpPr>
-        <p:spPr/>
+        <p:spPr>
+          <a:xfrm>
+            <a:off x="838200" y="1825625"/>
+            <a:ext cx="10813026" cy="4351338"/>
+          </a:xfrm>
+        </p:spPr>
         <p:txBody>
           <a:bodyPr>
             <a:normAutofit/>
@@ -11237,61 +11202,291 @@
           <a:lstStyle/>
           <a:p>
             <a:r>
-              <a:rPr lang="en-GB" dirty="0"/>
-              <a:t>Interactive inspection and modification of results</a:t>
-            </a:r>
-          </a:p>
-          <a:p>
-            <a:r>
-              <a:rPr lang="en-GB" dirty="0"/>
-              <a:t>Removal of incorrect rips or zips</a:t>
-            </a:r>
-          </a:p>
-          <a:p>
-            <a:r>
-              <a:rPr lang="en-GB" dirty="0"/>
-              <a:t>Adding missed rips/zips</a:t>
-            </a:r>
-          </a:p>
-          <a:p>
-            <a:r>
-              <a:rPr lang="en-GB" dirty="0"/>
-              <a:t>Plots of f(x) for trace pairs</a:t>
-            </a:r>
-          </a:p>
-          <a:p>
-            <a:r>
-              <a:rPr lang="en-GB" dirty="0"/>
-              <a:t>Removal of irrelevant data at experiment start  or end</a:t>
-            </a:r>
-          </a:p>
-          <a:p>
-            <a:r>
-              <a:rPr lang="en-GB" dirty="0"/>
-              <a:t>Storing corrected results tables</a:t>
-            </a:r>
-          </a:p>
-          <a:p>
-            <a:r>
-              <a:rPr lang="en-GB" dirty="0"/>
-              <a:t>Experiment files are not changed</a:t>
-            </a:r>
-          </a:p>
-          <a:p>
-            <a:r>
-              <a:rPr lang="en-GB" dirty="0"/>
-              <a:t>Recreate plots from stored results tables and original file</a:t>
-            </a:r>
-          </a:p>
-          <a:p>
-            <a:endParaRPr lang="en-GB" dirty="0"/>
+              <a:rPr lang="en-GB" dirty="0" err="1"/>
+              <a:t>Tables</a:t>
+            </a:r>
+            <a:r>
+              <a:rPr lang="en-GB" dirty="0"/>
+              <a:t> </a:t>
+            </a:r>
+            <a:r>
+              <a:rPr lang="en-GB" dirty="0" err="1"/>
+              <a:t>may</a:t>
+            </a:r>
+            <a:r>
+              <a:rPr lang="en-GB" dirty="0"/>
+              <a:t> be </a:t>
+            </a:r>
+            <a:r>
+              <a:rPr lang="en-GB" dirty="0" err="1"/>
+              <a:t>exported</a:t>
+            </a:r>
+            <a:r>
+              <a:rPr lang="en-GB" dirty="0"/>
+              <a:t> to Excel:</a:t>
+            </a:r>
+          </a:p>
+          <a:p>
+            <a:pPr lvl="1"/>
+            <a:r>
+              <a:rPr lang="en-GB" dirty="0" err="1"/>
+              <a:t>Create</a:t>
+            </a:r>
+            <a:r>
+              <a:rPr lang="en-GB" dirty="0"/>
+              <a:t> a </a:t>
+            </a:r>
+            <a:r>
+              <a:rPr lang="en-GB" dirty="0" err="1"/>
+              <a:t>results</a:t>
+            </a:r>
+            <a:r>
+              <a:rPr lang="en-GB" dirty="0"/>
+              <a:t> folder:</a:t>
+            </a:r>
+          </a:p>
+          <a:p>
+            <a:pPr marL="914400" lvl="2" indent="0">
+              <a:buNone/>
+            </a:pPr>
+            <a:r>
+              <a:rPr lang="en-GB" dirty="0" err="1">
+                <a:latin typeface="Consolas" panose="020B0609020204030204" pitchFamily="49" charset="0"/>
+              </a:rPr>
+              <a:t>resultsfolder</a:t>
+            </a:r>
+            <a:r>
+              <a:rPr lang="en-GB" dirty="0">
+                <a:latin typeface="Consolas" panose="020B0609020204030204" pitchFamily="49" charset="0"/>
+              </a:rPr>
+              <a:t> = 'C:\Users\are\</a:t>
+            </a:r>
+            <a:r>
+              <a:rPr lang="en-GB" dirty="0" err="1">
+                <a:latin typeface="Consolas" panose="020B0609020204030204" pitchFamily="49" charset="0"/>
+              </a:rPr>
+              <a:t>myresults</a:t>
+            </a:r>
+            <a:r>
+              <a:rPr lang="en-GB" dirty="0">
+                <a:latin typeface="Consolas" panose="020B0609020204030204" pitchFamily="49" charset="0"/>
+              </a:rPr>
+              <a:t>\';</a:t>
+            </a:r>
+          </a:p>
+          <a:p>
+            <a:pPr marL="914400" lvl="2" indent="0">
+              <a:buNone/>
+            </a:pPr>
+            <a:r>
+              <a:rPr lang="en-GB" dirty="0" err="1">
+                <a:latin typeface="Consolas" panose="020B0609020204030204" pitchFamily="49" charset="0"/>
+              </a:rPr>
+              <a:t>mkdir</a:t>
+            </a:r>
+            <a:r>
+              <a:rPr lang="en-GB" dirty="0">
+                <a:latin typeface="Consolas" panose="020B0609020204030204" pitchFamily="49" charset="0"/>
+              </a:rPr>
+              <a:t>(</a:t>
+            </a:r>
+            <a:r>
+              <a:rPr lang="en-GB" dirty="0" err="1">
+                <a:latin typeface="Consolas" panose="020B0609020204030204" pitchFamily="49" charset="0"/>
+              </a:rPr>
+              <a:t>resultsfolder</a:t>
+            </a:r>
+            <a:r>
+              <a:rPr lang="en-GB" dirty="0">
+                <a:latin typeface="Consolas" panose="020B0609020204030204" pitchFamily="49" charset="0"/>
+              </a:rPr>
+              <a:t>)</a:t>
+            </a:r>
+          </a:p>
+          <a:p>
+            <a:pPr lvl="1"/>
+            <a:r>
+              <a:rPr lang="en-GB" dirty="0" err="1"/>
+              <a:t>Create</a:t>
+            </a:r>
+            <a:r>
+              <a:rPr lang="en-GB" dirty="0"/>
+              <a:t> subfolder</a:t>
+            </a:r>
+          </a:p>
+          <a:p>
+            <a:pPr marL="457200" lvl="1" indent="0">
+              <a:buNone/>
+            </a:pPr>
+            <a:r>
+              <a:rPr lang="en-GB" dirty="0"/>
+              <a:t>	</a:t>
+            </a:r>
+            <a:r>
+              <a:rPr lang="en-GB" sz="2000" dirty="0" err="1">
+                <a:latin typeface="Consolas" panose="020B0609020204030204" pitchFamily="49" charset="0"/>
+              </a:rPr>
+              <a:t>mkdir</a:t>
+            </a:r>
+            <a:r>
+              <a:rPr lang="en-GB" sz="2000" dirty="0">
+                <a:latin typeface="Consolas" panose="020B0609020204030204" pitchFamily="49" charset="0"/>
+              </a:rPr>
+              <a:t>(resultsfolder,"20231212")</a:t>
+            </a:r>
+            <a:r>
+              <a:rPr lang="en-GB" dirty="0"/>
+              <a:t>	</a:t>
+            </a:r>
+          </a:p>
+          <a:p>
+            <a:pPr lvl="1"/>
+            <a:r>
+              <a:rPr lang="en-GB" dirty="0"/>
+              <a:t>Save tables</a:t>
+            </a:r>
+            <a:br>
+              <a:rPr lang="en-GB" dirty="0"/>
+            </a:br>
+            <a:r>
+              <a:rPr lang="en-GB" dirty="0"/>
+              <a:t>	</a:t>
+            </a:r>
+            <a:r>
+              <a:rPr lang="en-GB" sz="2000" dirty="0">
+                <a:latin typeface="Consolas" panose="020B0609020204030204" pitchFamily="49" charset="0"/>
+              </a:rPr>
+              <a:t>save 20231212/</a:t>
+            </a:r>
+            <a:r>
+              <a:rPr lang="en-GB" sz="2000" dirty="0" err="1">
+                <a:latin typeface="Consolas" panose="020B0609020204030204" pitchFamily="49" charset="0"/>
+              </a:rPr>
+              <a:t>BA.mat</a:t>
+            </a:r>
+            <a:r>
+              <a:rPr lang="en-GB" sz="2000" dirty="0">
+                <a:latin typeface="Consolas" panose="020B0609020204030204" pitchFamily="49" charset="0"/>
+              </a:rPr>
+              <a:t> Trip </a:t>
+            </a:r>
+            <a:r>
+              <a:rPr lang="en-GB" sz="2000" dirty="0" err="1">
+                <a:latin typeface="Consolas" panose="020B0609020204030204" pitchFamily="49" charset="0"/>
+              </a:rPr>
+              <a:t>Tzip</a:t>
+            </a:r>
+            <a:endParaRPr lang="en-GB" sz="2000" dirty="0">
+              <a:latin typeface="Consolas" panose="020B0609020204030204" pitchFamily="49" charset="0"/>
+            </a:endParaRPr>
+          </a:p>
+          <a:p>
+            <a:pPr lvl="1"/>
+            <a:r>
+              <a:rPr lang="en-GB" dirty="0" err="1"/>
+              <a:t>Create</a:t>
+            </a:r>
+            <a:r>
+              <a:rPr lang="en-GB" dirty="0"/>
+              <a:t> Excel file</a:t>
+            </a:r>
+          </a:p>
+          <a:p>
+            <a:pPr marL="0" indent="0">
+              <a:buNone/>
+            </a:pPr>
+            <a:r>
+              <a:rPr lang="en-GB" sz="2000" dirty="0" err="1">
+                <a:latin typeface="Consolas" panose="020B0609020204030204" pitchFamily="49" charset="0"/>
+              </a:rPr>
+              <a:t>writetable</a:t>
+            </a:r>
+            <a:r>
+              <a:rPr lang="en-GB" sz="2000" dirty="0">
+                <a:latin typeface="Consolas" panose="020B0609020204030204" pitchFamily="49" charset="0"/>
+              </a:rPr>
+              <a:t>(</a:t>
+            </a:r>
+            <a:r>
+              <a:rPr lang="en-GB" sz="2000" dirty="0" err="1">
+                <a:latin typeface="Consolas" panose="020B0609020204030204" pitchFamily="49" charset="0"/>
+              </a:rPr>
+              <a:t>Trip,fullfile</a:t>
+            </a:r>
+            <a:r>
+              <a:rPr lang="en-GB" sz="2000" dirty="0">
+                <a:latin typeface="Consolas" panose="020B0609020204030204" pitchFamily="49" charset="0"/>
+              </a:rPr>
+              <a:t>(resultsfolder,"20231212/BA.xlsx"),"</a:t>
+            </a:r>
+            <a:r>
+              <a:rPr lang="en-GB" sz="2000" dirty="0" err="1">
+                <a:latin typeface="Consolas" panose="020B0609020204030204" pitchFamily="49" charset="0"/>
+              </a:rPr>
+              <a:t>Sheet","Rips</a:t>
+            </a:r>
+            <a:r>
+              <a:rPr lang="en-GB" sz="2000" dirty="0">
+                <a:latin typeface="Consolas" panose="020B0609020204030204" pitchFamily="49" charset="0"/>
+              </a:rPr>
+              <a:t>");</a:t>
+            </a:r>
+          </a:p>
+          <a:p>
+            <a:pPr marL="0" indent="0">
+              <a:buNone/>
+            </a:pPr>
+            <a:r>
+              <a:rPr lang="en-GB" sz="2000" dirty="0" err="1">
+                <a:latin typeface="Consolas" panose="020B0609020204030204" pitchFamily="49" charset="0"/>
+              </a:rPr>
+              <a:t>writetable</a:t>
+            </a:r>
+            <a:r>
+              <a:rPr lang="en-GB" sz="2000" dirty="0">
+                <a:latin typeface="Consolas" panose="020B0609020204030204" pitchFamily="49" charset="0"/>
+              </a:rPr>
+              <a:t>(</a:t>
+            </a:r>
+            <a:r>
+              <a:rPr lang="en-GB" sz="2000" dirty="0" err="1">
+                <a:latin typeface="Consolas" panose="020B0609020204030204" pitchFamily="49" charset="0"/>
+              </a:rPr>
+              <a:t>Tzip,fullfile</a:t>
+            </a:r>
+            <a:r>
+              <a:rPr lang="en-GB" sz="2000" dirty="0">
+                <a:latin typeface="Consolas" panose="020B0609020204030204" pitchFamily="49" charset="0"/>
+              </a:rPr>
+              <a:t>(resultsfolder,"20231212/BA.xlsx"),"</a:t>
+            </a:r>
+            <a:r>
+              <a:rPr lang="en-GB" sz="2000" dirty="0" err="1">
+                <a:latin typeface="Consolas" panose="020B0609020204030204" pitchFamily="49" charset="0"/>
+              </a:rPr>
+              <a:t>Sheet",“Zips</a:t>
+            </a:r>
+            <a:r>
+              <a:rPr lang="en-GB" sz="2000" dirty="0">
+                <a:latin typeface="Consolas" panose="020B0609020204030204" pitchFamily="49" charset="0"/>
+              </a:rPr>
+              <a:t>");</a:t>
+            </a:r>
+          </a:p>
+          <a:p>
+            <a:pPr marL="457200" lvl="1" indent="0">
+              <a:buNone/>
+            </a:pPr>
+            <a:endParaRPr lang="en-GB" sz="2000" dirty="0">
+              <a:latin typeface="Consolas" panose="020B0609020204030204" pitchFamily="49" charset="0"/>
+            </a:endParaRPr>
           </a:p>
         </p:txBody>
       </p:sp>
     </p:spTree>
     <p:extLst>
       <p:ext uri="{BB962C8B-B14F-4D97-AF65-F5344CB8AC3E}">
-        <p14:creationId xmlns:p14="http://schemas.microsoft.com/office/powerpoint/2010/main" val="951015916"/>
+        <p14:creationId xmlns:p14="http://schemas.microsoft.com/office/powerpoint/2010/main" val="4127174572"/>
       </p:ext>
     </p:extLst>
   </p:cSld>
@@ -11318,39 +11513,121 @@
           <a:chExt cx="0" cy="0"/>
         </a:xfrm>
       </p:grpSpPr>
-      <p:pic>
-        <p:nvPicPr>
-          <p:cNvPr id="3" name="Picture 2">
-            <a:extLst>
-              <a:ext uri="{FF2B5EF4-FFF2-40B4-BE49-F238E27FC236}">
-                <a16:creationId xmlns:a16="http://schemas.microsoft.com/office/drawing/2014/main" id="{E802F7AC-4B89-22BF-A6B4-98171629B24C}"/>
-              </a:ext>
-            </a:extLst>
-          </p:cNvPr>
-          <p:cNvPicPr>
-            <a:picLocks noChangeAspect="1"/>
-          </p:cNvPicPr>
-          <p:nvPr/>
-        </p:nvPicPr>
-        <p:blipFill>
-          <a:blip r:embed="rId2"/>
-          <a:srcRect l="637"/>
-          <a:stretch/>
-        </p:blipFill>
-        <p:spPr>
-          <a:xfrm>
-            <a:off x="999413" y="190048"/>
-            <a:ext cx="10193173" cy="6477904"/>
-          </a:xfrm>
-          <a:prstGeom prst="rect">
-            <a:avLst/>
-          </a:prstGeom>
-        </p:spPr>
-      </p:pic>
+      <p:sp>
+        <p:nvSpPr>
+          <p:cNvPr id="2" name="Title 1">
+            <a:extLst>
+              <a:ext uri="{FF2B5EF4-FFF2-40B4-BE49-F238E27FC236}">
+                <a16:creationId xmlns:a16="http://schemas.microsoft.com/office/drawing/2014/main" id="{624CB892-5379-B693-0976-3ADA88506E05}"/>
+              </a:ext>
+            </a:extLst>
+          </p:cNvPr>
+          <p:cNvSpPr>
+            <a:spLocks noGrp="1"/>
+          </p:cNvSpPr>
+          <p:nvPr>
+            <p:ph type="title"/>
+          </p:nvPr>
+        </p:nvSpPr>
+        <p:spPr/>
+        <p:txBody>
+          <a:bodyPr/>
+          <a:lstStyle/>
+          <a:p>
+            <a:r>
+              <a:rPr lang="en-GB" dirty="0"/>
+              <a:t>The </a:t>
+            </a:r>
+            <a:r>
+              <a:rPr lang="en-GB" dirty="0" err="1"/>
+              <a:t>RipAnalysis</a:t>
+            </a:r>
+            <a:r>
+              <a:rPr lang="en-GB" dirty="0"/>
+              <a:t> Matlab App</a:t>
+            </a:r>
+          </a:p>
+        </p:txBody>
+      </p:sp>
+      <p:sp>
+        <p:nvSpPr>
+          <p:cNvPr id="3" name="Content Placeholder 2">
+            <a:extLst>
+              <a:ext uri="{FF2B5EF4-FFF2-40B4-BE49-F238E27FC236}">
+                <a16:creationId xmlns:a16="http://schemas.microsoft.com/office/drawing/2014/main" id="{26D403B4-3D4C-2078-2A01-4ACE7A34BB43}"/>
+              </a:ext>
+            </a:extLst>
+          </p:cNvPr>
+          <p:cNvSpPr>
+            <a:spLocks noGrp="1"/>
+          </p:cNvSpPr>
+          <p:nvPr>
+            <p:ph idx="1"/>
+          </p:nvPr>
+        </p:nvSpPr>
+        <p:spPr/>
+        <p:txBody>
+          <a:bodyPr>
+            <a:normAutofit/>
+          </a:bodyPr>
+          <a:lstStyle/>
+          <a:p>
+            <a:r>
+              <a:rPr lang="en-GB" dirty="0"/>
+              <a:t>Interactive inspection and modification of results</a:t>
+            </a:r>
+          </a:p>
+          <a:p>
+            <a:r>
+              <a:rPr lang="en-GB" dirty="0"/>
+              <a:t>Removal of incorrect rips or zips</a:t>
+            </a:r>
+          </a:p>
+          <a:p>
+            <a:r>
+              <a:rPr lang="en-GB" dirty="0"/>
+              <a:t>Adding missed rips/zips</a:t>
+            </a:r>
+          </a:p>
+          <a:p>
+            <a:r>
+              <a:rPr lang="en-GB" dirty="0"/>
+              <a:t>Plots of f(x) for trace pairs</a:t>
+            </a:r>
+          </a:p>
+          <a:p>
+            <a:r>
+              <a:rPr lang="en-GB" dirty="0"/>
+              <a:t>Removal of irrelevant data at experiment start  or end</a:t>
+            </a:r>
+          </a:p>
+          <a:p>
+            <a:r>
+              <a:rPr lang="en-GB" dirty="0"/>
+              <a:t>Storing corrected results tables</a:t>
+            </a:r>
+          </a:p>
+          <a:p>
+            <a:r>
+              <a:rPr lang="en-GB" dirty="0"/>
+              <a:t>Experiment files are not changed</a:t>
+            </a:r>
+          </a:p>
+          <a:p>
+            <a:r>
+              <a:rPr lang="en-GB" dirty="0"/>
+              <a:t>Recreate plots from stored results tables and original file</a:t>
+            </a:r>
+          </a:p>
+          <a:p>
+            <a:endParaRPr lang="en-GB" dirty="0"/>
+          </a:p>
+        </p:txBody>
+      </p:sp>
     </p:spTree>
     <p:extLst>
       <p:ext uri="{BB962C8B-B14F-4D97-AF65-F5344CB8AC3E}">
-        <p14:creationId xmlns:p14="http://schemas.microsoft.com/office/powerpoint/2010/main" val="3469188368"/>
+        <p14:creationId xmlns:p14="http://schemas.microsoft.com/office/powerpoint/2010/main" val="951015916"/>
       </p:ext>
     </p:extLst>
   </p:cSld>
@@ -11530,6 +11807,65 @@
           <a:chExt cx="0" cy="0"/>
         </a:xfrm>
       </p:grpSpPr>
+      <p:pic>
+        <p:nvPicPr>
+          <p:cNvPr id="3" name="Picture 2">
+            <a:extLst>
+              <a:ext uri="{FF2B5EF4-FFF2-40B4-BE49-F238E27FC236}">
+                <a16:creationId xmlns:a16="http://schemas.microsoft.com/office/drawing/2014/main" id="{E802F7AC-4B89-22BF-A6B4-98171629B24C}"/>
+              </a:ext>
+            </a:extLst>
+          </p:cNvPr>
+          <p:cNvPicPr>
+            <a:picLocks noChangeAspect="1"/>
+          </p:cNvPicPr>
+          <p:nvPr/>
+        </p:nvPicPr>
+        <p:blipFill>
+          <a:blip r:embed="rId2"/>
+          <a:srcRect l="637"/>
+          <a:stretch/>
+        </p:blipFill>
+        <p:spPr>
+          <a:xfrm>
+            <a:off x="999413" y="190048"/>
+            <a:ext cx="10193173" cy="6477904"/>
+          </a:xfrm>
+          <a:prstGeom prst="rect">
+            <a:avLst/>
+          </a:prstGeom>
+        </p:spPr>
+      </p:pic>
+    </p:spTree>
+    <p:extLst>
+      <p:ext uri="{BB962C8B-B14F-4D97-AF65-F5344CB8AC3E}">
+        <p14:creationId xmlns:p14="http://schemas.microsoft.com/office/powerpoint/2010/main" val="3469188368"/>
+      </p:ext>
+    </p:extLst>
+  </p:cSld>
+  <p:clrMapOvr>
+    <a:masterClrMapping/>
+  </p:clrMapOvr>
+</p:sld>
+</file>
+
+<file path=ppt/slides/slide31.xml><?xml version="1.0" encoding="utf-8"?>
+<p:sld xmlns:a="http://schemas.openxmlformats.org/drawingml/2006/main" xmlns:r="http://schemas.openxmlformats.org/officeDocument/2006/relationships" xmlns:p="http://schemas.openxmlformats.org/presentationml/2006/main">
+  <p:cSld>
+    <p:spTree>
+      <p:nvGrpSpPr>
+        <p:cNvPr id="1" name=""/>
+        <p:cNvGrpSpPr/>
+        <p:nvPr/>
+      </p:nvGrpSpPr>
+      <p:grpSpPr>
+        <a:xfrm>
+          <a:off x="0" y="0"/>
+          <a:ext cx="0" cy="0"/>
+          <a:chOff x="0" y="0"/>
+          <a:chExt cx="0" cy="0"/>
+        </a:xfrm>
+      </p:grpSpPr>
       <p:sp>
         <p:nvSpPr>
           <p:cNvPr id="2" name="Title 1">
@@ -11908,178 +12244,6 @@
 </p:sld>
 </file>
 
-<file path=ppt/slides/slide31.xml><?xml version="1.0" encoding="utf-8"?>
-<p:sld xmlns:a="http://schemas.openxmlformats.org/drawingml/2006/main" xmlns:r="http://schemas.openxmlformats.org/officeDocument/2006/relationships" xmlns:p="http://schemas.openxmlformats.org/presentationml/2006/main">
-  <p:cSld>
-    <p:spTree>
-      <p:nvGrpSpPr>
-        <p:cNvPr id="1" name=""/>
-        <p:cNvGrpSpPr/>
-        <p:nvPr/>
-      </p:nvGrpSpPr>
-      <p:grpSpPr>
-        <a:xfrm>
-          <a:off x="0" y="0"/>
-          <a:ext cx="0" cy="0"/>
-          <a:chOff x="0" y="0"/>
-          <a:chExt cx="0" cy="0"/>
-        </a:xfrm>
-      </p:grpSpPr>
-      <p:sp>
-        <p:nvSpPr>
-          <p:cNvPr id="2" name="Title 1">
-            <a:extLst>
-              <a:ext uri="{FF2B5EF4-FFF2-40B4-BE49-F238E27FC236}">
-                <a16:creationId xmlns:a16="http://schemas.microsoft.com/office/drawing/2014/main" id="{78D0C970-EEBF-05B1-FF2C-E7E978A7A8DA}"/>
-              </a:ext>
-            </a:extLst>
-          </p:cNvPr>
-          <p:cNvSpPr>
-            <a:spLocks noGrp="1"/>
-          </p:cNvSpPr>
-          <p:nvPr>
-            <p:ph type="title"/>
-          </p:nvPr>
-        </p:nvSpPr>
-        <p:spPr/>
-        <p:txBody>
-          <a:bodyPr/>
-          <a:lstStyle/>
-          <a:p>
-            <a:r>
-              <a:rPr lang="en-GB" dirty="0"/>
-              <a:t>Technical details: Naming conventions</a:t>
-            </a:r>
-          </a:p>
-        </p:txBody>
-      </p:sp>
-      <p:sp>
-        <p:nvSpPr>
-          <p:cNvPr id="3" name="Content Placeholder 2">
-            <a:extLst>
-              <a:ext uri="{FF2B5EF4-FFF2-40B4-BE49-F238E27FC236}">
-                <a16:creationId xmlns:a16="http://schemas.microsoft.com/office/drawing/2014/main" id="{5450935E-3A40-D7CF-8176-D0364C5C9505}"/>
-              </a:ext>
-            </a:extLst>
-          </p:cNvPr>
-          <p:cNvSpPr>
-            <a:spLocks noGrp="1"/>
-          </p:cNvSpPr>
-          <p:nvPr>
-            <p:ph idx="1"/>
-          </p:nvPr>
-        </p:nvSpPr>
-        <p:spPr/>
-        <p:txBody>
-          <a:bodyPr>
-            <a:normAutofit lnSpcReduction="10000"/>
-          </a:bodyPr>
-          <a:lstStyle/>
-          <a:p>
-            <a:r>
-              <a:rPr lang="en-GB" dirty="0"/>
-              <a:t>Experiment file naming conventions</a:t>
-            </a:r>
-          </a:p>
-          <a:p>
-            <a:pPr lvl="1"/>
-            <a:r>
-              <a:rPr lang="en-GB" dirty="0"/>
-              <a:t>Fiber (individual protein molecule) named by one or two lowercase letters</a:t>
-            </a:r>
-          </a:p>
-          <a:p>
-            <a:pPr lvl="1"/>
-            <a:r>
-              <a:rPr lang="en-GB" dirty="0"/>
-              <a:t>Data from a long experiment may be split over several files. Marked by uppercase letters</a:t>
-            </a:r>
-          </a:p>
-          <a:p>
-            <a:r>
-              <a:rPr lang="en-GB" dirty="0"/>
-              <a:t>Bath Temperature</a:t>
-            </a:r>
-          </a:p>
-          <a:p>
-            <a:pPr lvl="1"/>
-            <a:r>
-              <a:rPr lang="en-GB" dirty="0"/>
-              <a:t>Bath temperature is reported in the COM file as Temperature B.</a:t>
-            </a:r>
-          </a:p>
-          <a:p>
-            <a:pPr lvl="1"/>
-            <a:r>
-              <a:rPr lang="en-GB" dirty="0"/>
-              <a:t>COM file name is given by the </a:t>
-            </a:r>
-            <a:r>
-              <a:rPr lang="en-GB" dirty="0" err="1"/>
-              <a:t>fiber</a:t>
-            </a:r>
-            <a:r>
-              <a:rPr lang="en-GB" dirty="0"/>
-              <a:t> name</a:t>
-            </a:r>
-          </a:p>
-          <a:p>
-            <a:pPr lvl="1"/>
-            <a:endParaRPr lang="en-GB" dirty="0"/>
-          </a:p>
-          <a:p>
-            <a:pPr lvl="1"/>
-            <a:r>
-              <a:rPr lang="en-GB" dirty="0"/>
-              <a:t>aA.txt aB.txt: Data from long experiment using </a:t>
-            </a:r>
-            <a:r>
-              <a:rPr lang="en-GB" dirty="0" err="1"/>
-              <a:t>fiber</a:t>
-            </a:r>
-            <a:r>
-              <a:rPr lang="en-GB" dirty="0"/>
-              <a:t> a.  COM file:  aCOM.txt</a:t>
-            </a:r>
-          </a:p>
-          <a:p>
-            <a:pPr lvl="1"/>
-            <a:r>
-              <a:rPr lang="en-GB" dirty="0"/>
-              <a:t>abA.txt:   Experiment using </a:t>
-            </a:r>
-            <a:r>
-              <a:rPr lang="en-GB" dirty="0" err="1"/>
-              <a:t>fiber</a:t>
-            </a:r>
-            <a:r>
-              <a:rPr lang="en-GB" dirty="0"/>
-              <a:t> ab. COM file: abCOM.txt</a:t>
-            </a:r>
-          </a:p>
-          <a:p>
-            <a:pPr lvl="1"/>
-            <a:endParaRPr lang="en-GB" dirty="0"/>
-          </a:p>
-          <a:p>
-            <a:pPr lvl="1"/>
-            <a:endParaRPr lang="en-GB" dirty="0"/>
-          </a:p>
-        </p:txBody>
-      </p:sp>
-    </p:spTree>
-    <p:extLst>
-      <p:ext uri="{BB962C8B-B14F-4D97-AF65-F5344CB8AC3E}">
-        <p14:creationId xmlns:p14="http://schemas.microsoft.com/office/powerpoint/2010/main" val="2086630511"/>
-      </p:ext>
-    </p:extLst>
-  </p:cSld>
-  <p:clrMapOvr>
-    <a:masterClrMapping/>
-  </p:clrMapOvr>
-</p:sld>
-</file>
-
 <file path=ppt/slides/slide32.xml><?xml version="1.0" encoding="utf-8"?>
 <p:sld xmlns:a="http://schemas.openxmlformats.org/drawingml/2006/main" xmlns:r="http://schemas.openxmlformats.org/officeDocument/2006/relationships" xmlns:p="http://schemas.openxmlformats.org/presentationml/2006/main">
   <p:cSld>
@@ -12102,7 +12266,7 @@
           <p:cNvPr id="2" name="Title 1">
             <a:extLst>
               <a:ext uri="{FF2B5EF4-FFF2-40B4-BE49-F238E27FC236}">
-                <a16:creationId xmlns:a16="http://schemas.microsoft.com/office/drawing/2014/main" id="{46C48805-6E71-9540-F0AA-92613C975FBF}"/>
+                <a16:creationId xmlns:a16="http://schemas.microsoft.com/office/drawing/2014/main" id="{8A5A57D6-1122-7F29-9F96-1BD70F2AF9BD}"/>
               </a:ext>
             </a:extLst>
           </p:cNvPr>
@@ -12113,217 +12277,68 @@
             <p:ph type="title"/>
           </p:nvPr>
         </p:nvSpPr>
-        <p:spPr/>
+        <p:spPr>
+          <a:xfrm>
+            <a:off x="838200" y="365126"/>
+            <a:ext cx="10515600" cy="730250"/>
+          </a:xfrm>
+        </p:spPr>
         <p:txBody>
-          <a:bodyPr/>
+          <a:bodyPr>
+            <a:normAutofit/>
+          </a:bodyPr>
           <a:lstStyle/>
           <a:p>
-            <a:r>
-              <a:rPr lang="en-GB" dirty="0"/>
-              <a:t>Combining several files for the same </a:t>
-            </a:r>
-            <a:r>
-              <a:rPr lang="en-GB" dirty="0" err="1"/>
-              <a:t>fiber</a:t>
-            </a:r>
-            <a:endParaRPr lang="en-GB" dirty="0"/>
+            <a:pPr algn="ctr"/>
+            <a:r>
+              <a:rPr lang="en-GB" sz="2800" dirty="0"/>
+              <a:t>The </a:t>
+            </a:r>
+            <a:r>
+              <a:rPr lang="en-GB" sz="2800" dirty="0" err="1"/>
+              <a:t>RipAnalysis</a:t>
+            </a:r>
+            <a:r>
+              <a:rPr lang="en-GB" sz="2800" dirty="0"/>
+              <a:t> app: f(x) tab</a:t>
+            </a:r>
           </a:p>
         </p:txBody>
       </p:sp>
-      <p:sp>
-        <p:nvSpPr>
-          <p:cNvPr id="3" name="Content Placeholder 2">
-            <a:extLst>
-              <a:ext uri="{FF2B5EF4-FFF2-40B4-BE49-F238E27FC236}">
-                <a16:creationId xmlns:a16="http://schemas.microsoft.com/office/drawing/2014/main" id="{2E6D2D2F-9CE8-051E-3EDD-49C2FA6ADBD3}"/>
-              </a:ext>
-            </a:extLst>
-          </p:cNvPr>
-          <p:cNvSpPr>
-            <a:spLocks noGrp="1"/>
-          </p:cNvSpPr>
-          <p:nvPr>
-            <p:ph idx="1"/>
-          </p:nvPr>
-        </p:nvSpPr>
-        <p:spPr/>
-        <p:txBody>
-          <a:bodyPr/>
-          <a:lstStyle/>
-          <a:p>
-            <a:r>
-              <a:rPr lang="en-GB" dirty="0"/>
-              <a:t>Results for long experiments on the same </a:t>
-            </a:r>
-            <a:r>
-              <a:rPr lang="en-GB" dirty="0" err="1"/>
-              <a:t>fiber</a:t>
-            </a:r>
-            <a:r>
-              <a:rPr lang="en-GB" dirty="0"/>
-              <a:t> are often distributed among several files</a:t>
-            </a:r>
-          </a:p>
-          <a:p>
-            <a:pPr lvl="1"/>
-            <a:r>
-              <a:rPr lang="en-GB" dirty="0"/>
-              <a:t>E.g. aA.txt, aB.txt, aC.txt, aD.txt, …</a:t>
-            </a:r>
-          </a:p>
-          <a:p>
-            <a:r>
-              <a:rPr lang="en-GB" dirty="0"/>
-              <a:t>Function </a:t>
-            </a:r>
-            <a:r>
-              <a:rPr lang="en-GB" sz="2400" dirty="0" err="1">
-                <a:latin typeface="Consolas" panose="020B0609020204030204" pitchFamily="49" charset="0"/>
-              </a:rPr>
-              <a:t>analyse_fiber</a:t>
-            </a:r>
-            <a:r>
-              <a:rPr lang="en-GB" sz="2400" dirty="0">
-                <a:latin typeface="Consolas" panose="020B0609020204030204" pitchFamily="49" charset="0"/>
-              </a:rPr>
-              <a:t>(</a:t>
-            </a:r>
-            <a:r>
-              <a:rPr lang="en-GB" sz="2400" dirty="0" err="1">
-                <a:latin typeface="Consolas" panose="020B0609020204030204" pitchFamily="49" charset="0"/>
-              </a:rPr>
-              <a:t>fiber</a:t>
-            </a:r>
-            <a:r>
-              <a:rPr lang="en-GB" sz="2400" dirty="0">
-                <a:latin typeface="Consolas" panose="020B0609020204030204" pitchFamily="49" charset="0"/>
-              </a:rPr>
-              <a:t>) </a:t>
-            </a:r>
-            <a:r>
-              <a:rPr lang="en-GB" dirty="0"/>
-              <a:t>lets you analyse all files together.</a:t>
-            </a:r>
-          </a:p>
-          <a:p>
-            <a:pPr lvl="1"/>
-            <a:r>
-              <a:rPr lang="en-GB" dirty="0" err="1"/>
-              <a:t>You</a:t>
-            </a:r>
-            <a:r>
-              <a:rPr lang="en-GB" dirty="0"/>
-              <a:t> </a:t>
-            </a:r>
-            <a:r>
-              <a:rPr lang="en-GB" dirty="0" err="1"/>
-              <a:t>specify</a:t>
-            </a:r>
-            <a:r>
-              <a:rPr lang="en-GB" dirty="0"/>
-              <a:t> </a:t>
-            </a:r>
-            <a:r>
-              <a:rPr lang="en-GB" dirty="0" err="1"/>
-              <a:t>only</a:t>
-            </a:r>
-            <a:r>
-              <a:rPr lang="en-GB" dirty="0"/>
-              <a:t> </a:t>
-            </a:r>
-            <a:r>
-              <a:rPr lang="en-GB" dirty="0" err="1"/>
-              <a:t>the</a:t>
-            </a:r>
-            <a:r>
-              <a:rPr lang="en-GB" dirty="0"/>
-              <a:t> subfolder and fiber part</a:t>
-            </a:r>
-          </a:p>
-          <a:p>
-            <a:pPr lvl="1"/>
-            <a:r>
-              <a:rPr lang="en-GB" sz="2000" dirty="0">
-                <a:latin typeface="Consolas" panose="020B0609020204030204" pitchFamily="49" charset="0"/>
-              </a:rPr>
-              <a:t>[</a:t>
-            </a:r>
-            <a:r>
-              <a:rPr lang="en-GB" sz="2000" dirty="0" err="1">
-                <a:latin typeface="Consolas" panose="020B0609020204030204" pitchFamily="49" charset="0"/>
-              </a:rPr>
-              <a:t>Trip,Tzip</a:t>
-            </a:r>
-            <a:r>
-              <a:rPr lang="en-GB" sz="2000" dirty="0">
-                <a:latin typeface="Consolas" panose="020B0609020204030204" pitchFamily="49" charset="0"/>
-              </a:rPr>
-              <a:t>] = </a:t>
-            </a:r>
-            <a:r>
-              <a:rPr lang="en-GB" sz="2000" dirty="0" err="1">
-                <a:latin typeface="Consolas" panose="020B0609020204030204" pitchFamily="49" charset="0"/>
-              </a:rPr>
-              <a:t>analyse_fiber</a:t>
-            </a:r>
-            <a:r>
-              <a:rPr lang="en-GB" sz="2000" dirty="0">
-                <a:latin typeface="Consolas" panose="020B0609020204030204" pitchFamily="49" charset="0"/>
-              </a:rPr>
-              <a:t>("subfolder1/a");</a:t>
-            </a:r>
-          </a:p>
-          <a:p>
-            <a:pPr lvl="1"/>
-            <a:r>
-              <a:rPr lang="en-GB" dirty="0"/>
-              <a:t>The files are analysed in alphabetical sequence</a:t>
-            </a:r>
-          </a:p>
-          <a:p>
-            <a:r>
-              <a:rPr lang="en-GB" dirty="0"/>
-              <a:t>Note that the </a:t>
-            </a:r>
-            <a:r>
-              <a:rPr lang="en-GB" dirty="0" err="1"/>
-              <a:t>RipAnalysis</a:t>
-            </a:r>
-            <a:r>
-              <a:rPr lang="en-GB" dirty="0"/>
-              <a:t> app and the </a:t>
-            </a:r>
-            <a:r>
-              <a:rPr lang="en-GB" sz="2400" dirty="0" err="1">
-                <a:latin typeface="Consolas" panose="020B0609020204030204" pitchFamily="49" charset="0"/>
-              </a:rPr>
-              <a:t>collect_tables</a:t>
-            </a:r>
-            <a:r>
-              <a:rPr lang="en-GB" sz="2400" dirty="0">
-                <a:latin typeface="Consolas" panose="020B0609020204030204" pitchFamily="49" charset="0"/>
-              </a:rPr>
-              <a:t> </a:t>
-            </a:r>
-            <a:r>
-              <a:rPr lang="en-GB" dirty="0"/>
-              <a:t>function can so far only handle individual files</a:t>
-            </a:r>
-          </a:p>
-          <a:p>
-            <a:pPr marL="457200" lvl="1" indent="0">
-              <a:buNone/>
-            </a:pPr>
-            <a:endParaRPr lang="en-GB" sz="2000" dirty="0">
-              <a:latin typeface="Consolas" panose="020B0609020204030204" pitchFamily="49" charset="0"/>
-            </a:endParaRPr>
-          </a:p>
-        </p:txBody>
-      </p:sp>
+      <p:pic>
+        <p:nvPicPr>
+          <p:cNvPr id="4" name="Picture 3">
+            <a:extLst>
+              <a:ext uri="{FF2B5EF4-FFF2-40B4-BE49-F238E27FC236}">
+                <a16:creationId xmlns:a16="http://schemas.microsoft.com/office/drawing/2014/main" id="{8D507427-529D-67F0-A033-5F4215828796}"/>
+              </a:ext>
+            </a:extLst>
+          </p:cNvPr>
+          <p:cNvPicPr>
+            <a:picLocks noChangeAspect="1"/>
+          </p:cNvPicPr>
+          <p:nvPr/>
+        </p:nvPicPr>
+        <p:blipFill>
+          <a:blip r:embed="rId2"/>
+          <a:stretch>
+            <a:fillRect/>
+          </a:stretch>
+        </p:blipFill>
+        <p:spPr>
+          <a:xfrm>
+            <a:off x="2032584" y="1143002"/>
+            <a:ext cx="8340807" cy="5323712"/>
+          </a:xfrm>
+          <a:prstGeom prst="rect">
+            <a:avLst/>
+          </a:prstGeom>
+        </p:spPr>
+      </p:pic>
     </p:spTree>
     <p:extLst>
       <p:ext uri="{BB962C8B-B14F-4D97-AF65-F5344CB8AC3E}">
-        <p14:creationId xmlns:p14="http://schemas.microsoft.com/office/powerpoint/2010/main" val="2204234833"/>
+        <p14:creationId xmlns:p14="http://schemas.microsoft.com/office/powerpoint/2010/main" val="4269072818"/>
       </p:ext>
     </p:extLst>
   </p:cSld>
@@ -12355,7 +12370,7 @@
           <p:cNvPr id="2" name="Title 1">
             <a:extLst>
               <a:ext uri="{FF2B5EF4-FFF2-40B4-BE49-F238E27FC236}">
-                <a16:creationId xmlns:a16="http://schemas.microsoft.com/office/drawing/2014/main" id="{C373C1A9-A330-F9C2-C99C-940FD700E964}"/>
+                <a16:creationId xmlns:a16="http://schemas.microsoft.com/office/drawing/2014/main" id="{78D0C970-EEBF-05B1-FF2C-E7E978A7A8DA}"/>
               </a:ext>
             </a:extLst>
           </p:cNvPr>
@@ -12373,7 +12388,7 @@
           <a:p>
             <a:r>
               <a:rPr lang="en-GB" dirty="0"/>
-              <a:t>Technical details: Extra heating</a:t>
+              <a:t>Technical details: Naming conventions</a:t>
             </a:r>
           </a:p>
         </p:txBody>
@@ -12383,7 +12398,184 @@
           <p:cNvPr id="3" name="Content Placeholder 2">
             <a:extLst>
               <a:ext uri="{FF2B5EF4-FFF2-40B4-BE49-F238E27FC236}">
-                <a16:creationId xmlns:a16="http://schemas.microsoft.com/office/drawing/2014/main" id="{B0163CB2-48D0-F0C3-D103-BDC6D7DEA086}"/>
+                <a16:creationId xmlns:a16="http://schemas.microsoft.com/office/drawing/2014/main" id="{5450935E-3A40-D7CF-8176-D0364C5C9505}"/>
+              </a:ext>
+            </a:extLst>
+          </p:cNvPr>
+          <p:cNvSpPr>
+            <a:spLocks noGrp="1"/>
+          </p:cNvSpPr>
+          <p:nvPr>
+            <p:ph idx="1"/>
+          </p:nvPr>
+        </p:nvSpPr>
+        <p:spPr/>
+        <p:txBody>
+          <a:bodyPr>
+            <a:normAutofit lnSpcReduction="10000"/>
+          </a:bodyPr>
+          <a:lstStyle/>
+          <a:p>
+            <a:r>
+              <a:rPr lang="en-GB" dirty="0"/>
+              <a:t>Experiment file naming conventions</a:t>
+            </a:r>
+          </a:p>
+          <a:p>
+            <a:pPr lvl="1"/>
+            <a:r>
+              <a:rPr lang="en-GB" dirty="0"/>
+              <a:t>Fiber (individual protein molecule) named by one or two lowercase letters</a:t>
+            </a:r>
+          </a:p>
+          <a:p>
+            <a:pPr lvl="1"/>
+            <a:r>
+              <a:rPr lang="en-GB" dirty="0"/>
+              <a:t>Data from a long experiment may be split over several files. Marked by uppercase letters</a:t>
+            </a:r>
+          </a:p>
+          <a:p>
+            <a:r>
+              <a:rPr lang="en-GB" dirty="0"/>
+              <a:t>Bath Temperature</a:t>
+            </a:r>
+          </a:p>
+          <a:p>
+            <a:pPr lvl="1"/>
+            <a:r>
+              <a:rPr lang="en-GB" dirty="0"/>
+              <a:t>Bath temperature is reported in the COM file as Temperature B.</a:t>
+            </a:r>
+          </a:p>
+          <a:p>
+            <a:pPr lvl="1"/>
+            <a:r>
+              <a:rPr lang="en-GB" dirty="0"/>
+              <a:t>COM file name is given by the </a:t>
+            </a:r>
+            <a:r>
+              <a:rPr lang="en-GB" dirty="0" err="1"/>
+              <a:t>fiber</a:t>
+            </a:r>
+            <a:r>
+              <a:rPr lang="en-GB" dirty="0"/>
+              <a:t> name</a:t>
+            </a:r>
+          </a:p>
+          <a:p>
+            <a:pPr lvl="1"/>
+            <a:endParaRPr lang="en-GB" dirty="0"/>
+          </a:p>
+          <a:p>
+            <a:pPr lvl="1"/>
+            <a:r>
+              <a:rPr lang="en-GB" dirty="0"/>
+              <a:t>aA.txt aB.txt: Data from long experiment using </a:t>
+            </a:r>
+            <a:r>
+              <a:rPr lang="en-GB" dirty="0" err="1"/>
+              <a:t>fiber</a:t>
+            </a:r>
+            <a:r>
+              <a:rPr lang="en-GB" dirty="0"/>
+              <a:t> a.  COM file:  aCOM.txt</a:t>
+            </a:r>
+          </a:p>
+          <a:p>
+            <a:pPr lvl="1"/>
+            <a:r>
+              <a:rPr lang="en-GB" dirty="0"/>
+              <a:t>abA.txt:   Experiment using </a:t>
+            </a:r>
+            <a:r>
+              <a:rPr lang="en-GB" dirty="0" err="1"/>
+              <a:t>fiber</a:t>
+            </a:r>
+            <a:r>
+              <a:rPr lang="en-GB" dirty="0"/>
+              <a:t> ab. COM file: abCOM.txt</a:t>
+            </a:r>
+          </a:p>
+          <a:p>
+            <a:pPr lvl="1"/>
+            <a:endParaRPr lang="en-GB" dirty="0"/>
+          </a:p>
+          <a:p>
+            <a:pPr lvl="1"/>
+            <a:endParaRPr lang="en-GB" dirty="0"/>
+          </a:p>
+        </p:txBody>
+      </p:sp>
+    </p:spTree>
+    <p:extLst>
+      <p:ext uri="{BB962C8B-B14F-4D97-AF65-F5344CB8AC3E}">
+        <p14:creationId xmlns:p14="http://schemas.microsoft.com/office/powerpoint/2010/main" val="2086630511"/>
+      </p:ext>
+    </p:extLst>
+  </p:cSld>
+  <p:clrMapOvr>
+    <a:masterClrMapping/>
+  </p:clrMapOvr>
+</p:sld>
+</file>
+
+<file path=ppt/slides/slide34.xml><?xml version="1.0" encoding="utf-8"?>
+<p:sld xmlns:a="http://schemas.openxmlformats.org/drawingml/2006/main" xmlns:r="http://schemas.openxmlformats.org/officeDocument/2006/relationships" xmlns:p="http://schemas.openxmlformats.org/presentationml/2006/main">
+  <p:cSld>
+    <p:spTree>
+      <p:nvGrpSpPr>
+        <p:cNvPr id="1" name=""/>
+        <p:cNvGrpSpPr/>
+        <p:nvPr/>
+      </p:nvGrpSpPr>
+      <p:grpSpPr>
+        <a:xfrm>
+          <a:off x="0" y="0"/>
+          <a:ext cx="0" cy="0"/>
+          <a:chOff x="0" y="0"/>
+          <a:chExt cx="0" cy="0"/>
+        </a:xfrm>
+      </p:grpSpPr>
+      <p:sp>
+        <p:nvSpPr>
+          <p:cNvPr id="2" name="Title 1">
+            <a:extLst>
+              <a:ext uri="{FF2B5EF4-FFF2-40B4-BE49-F238E27FC236}">
+                <a16:creationId xmlns:a16="http://schemas.microsoft.com/office/drawing/2014/main" id="{46C48805-6E71-9540-F0AA-92613C975FBF}"/>
+              </a:ext>
+            </a:extLst>
+          </p:cNvPr>
+          <p:cNvSpPr>
+            <a:spLocks noGrp="1"/>
+          </p:cNvSpPr>
+          <p:nvPr>
+            <p:ph type="title"/>
+          </p:nvPr>
+        </p:nvSpPr>
+        <p:spPr/>
+        <p:txBody>
+          <a:bodyPr/>
+          <a:lstStyle/>
+          <a:p>
+            <a:r>
+              <a:rPr lang="en-GB" dirty="0"/>
+              <a:t>Combining several files for the same </a:t>
+            </a:r>
+            <a:r>
+              <a:rPr lang="en-GB" dirty="0" err="1"/>
+              <a:t>fiber</a:t>
+            </a:r>
+            <a:endParaRPr lang="en-GB" dirty="0"/>
+          </a:p>
+        </p:txBody>
+      </p:sp>
+      <p:sp>
+        <p:nvSpPr>
+          <p:cNvPr id="3" name="Content Placeholder 2">
+            <a:extLst>
+              <a:ext uri="{FF2B5EF4-FFF2-40B4-BE49-F238E27FC236}">
+                <a16:creationId xmlns:a16="http://schemas.microsoft.com/office/drawing/2014/main" id="{2E6D2D2F-9CE8-051E-3EDD-49C2FA6ADBD3}"/>
               </a:ext>
             </a:extLst>
           </p:cNvPr>
@@ -12401,6 +12593,254 @@
           <a:p>
             <a:r>
               <a:rPr lang="en-GB" dirty="0"/>
+              <a:t>Results for long experiments on the same </a:t>
+            </a:r>
+            <a:r>
+              <a:rPr lang="en-GB" dirty="0" err="1"/>
+              <a:t>fiber</a:t>
+            </a:r>
+            <a:r>
+              <a:rPr lang="en-GB" dirty="0"/>
+              <a:t> are often distributed among several files</a:t>
+            </a:r>
+          </a:p>
+          <a:p>
+            <a:pPr lvl="1"/>
+            <a:r>
+              <a:rPr lang="en-GB" dirty="0"/>
+              <a:t>E.g. aA.txt, aB.txt, aC.txt, aD.txt, …</a:t>
+            </a:r>
+          </a:p>
+          <a:p>
+            <a:r>
+              <a:rPr lang="en-GB" dirty="0"/>
+              <a:t>Function </a:t>
+            </a:r>
+            <a:r>
+              <a:rPr lang="en-GB" sz="2400" dirty="0" err="1">
+                <a:latin typeface="Consolas" panose="020B0609020204030204" pitchFamily="49" charset="0"/>
+              </a:rPr>
+              <a:t>analyse_fiber</a:t>
+            </a:r>
+            <a:r>
+              <a:rPr lang="en-GB" sz="2400" dirty="0">
+                <a:latin typeface="Consolas" panose="020B0609020204030204" pitchFamily="49" charset="0"/>
+              </a:rPr>
+              <a:t>(</a:t>
+            </a:r>
+            <a:r>
+              <a:rPr lang="en-GB" sz="2400" dirty="0" err="1">
+                <a:latin typeface="Consolas" panose="020B0609020204030204" pitchFamily="49" charset="0"/>
+              </a:rPr>
+              <a:t>fiber</a:t>
+            </a:r>
+            <a:r>
+              <a:rPr lang="en-GB" sz="2400" dirty="0">
+                <a:latin typeface="Consolas" panose="020B0609020204030204" pitchFamily="49" charset="0"/>
+              </a:rPr>
+              <a:t>) </a:t>
+            </a:r>
+            <a:r>
+              <a:rPr lang="en-GB" dirty="0"/>
+              <a:t>lets you analyse all files together.</a:t>
+            </a:r>
+          </a:p>
+          <a:p>
+            <a:pPr lvl="1"/>
+            <a:r>
+              <a:rPr lang="en-GB" dirty="0" err="1"/>
+              <a:t>You</a:t>
+            </a:r>
+            <a:r>
+              <a:rPr lang="en-GB" dirty="0"/>
+              <a:t> </a:t>
+            </a:r>
+            <a:r>
+              <a:rPr lang="en-GB" dirty="0" err="1"/>
+              <a:t>specify</a:t>
+            </a:r>
+            <a:r>
+              <a:rPr lang="en-GB" dirty="0"/>
+              <a:t> </a:t>
+            </a:r>
+            <a:r>
+              <a:rPr lang="en-GB" dirty="0" err="1"/>
+              <a:t>only</a:t>
+            </a:r>
+            <a:r>
+              <a:rPr lang="en-GB" dirty="0"/>
+              <a:t> </a:t>
+            </a:r>
+            <a:r>
+              <a:rPr lang="en-GB" dirty="0" err="1"/>
+              <a:t>the</a:t>
+            </a:r>
+            <a:r>
+              <a:rPr lang="en-GB" dirty="0"/>
+              <a:t> subfolder and fiber part</a:t>
+            </a:r>
+          </a:p>
+          <a:p>
+            <a:pPr lvl="1"/>
+            <a:r>
+              <a:rPr lang="en-GB" sz="2000" dirty="0">
+                <a:latin typeface="Consolas" panose="020B0609020204030204" pitchFamily="49" charset="0"/>
+              </a:rPr>
+              <a:t>[</a:t>
+            </a:r>
+            <a:r>
+              <a:rPr lang="en-GB" sz="2000" dirty="0" err="1">
+                <a:latin typeface="Consolas" panose="020B0609020204030204" pitchFamily="49" charset="0"/>
+              </a:rPr>
+              <a:t>Trip,Tzip</a:t>
+            </a:r>
+            <a:r>
+              <a:rPr lang="en-GB" sz="2000" dirty="0">
+                <a:latin typeface="Consolas" panose="020B0609020204030204" pitchFamily="49" charset="0"/>
+              </a:rPr>
+              <a:t>] = </a:t>
+            </a:r>
+            <a:r>
+              <a:rPr lang="en-GB" sz="2000" dirty="0" err="1">
+                <a:latin typeface="Consolas" panose="020B0609020204030204" pitchFamily="49" charset="0"/>
+              </a:rPr>
+              <a:t>analyse_fiber</a:t>
+            </a:r>
+            <a:r>
+              <a:rPr lang="en-GB" sz="2000" dirty="0">
+                <a:latin typeface="Consolas" panose="020B0609020204030204" pitchFamily="49" charset="0"/>
+              </a:rPr>
+              <a:t>("subfolder1/a");</a:t>
+            </a:r>
+          </a:p>
+          <a:p>
+            <a:pPr lvl="1"/>
+            <a:r>
+              <a:rPr lang="en-GB" dirty="0"/>
+              <a:t>The files are analysed in alphabetical sequence</a:t>
+            </a:r>
+          </a:p>
+          <a:p>
+            <a:r>
+              <a:rPr lang="en-GB" dirty="0"/>
+              <a:t>Note that the </a:t>
+            </a:r>
+            <a:r>
+              <a:rPr lang="en-GB" dirty="0" err="1"/>
+              <a:t>RipAnalysis</a:t>
+            </a:r>
+            <a:r>
+              <a:rPr lang="en-GB" dirty="0"/>
+              <a:t> app and the </a:t>
+            </a:r>
+            <a:r>
+              <a:rPr lang="en-GB" sz="2400" dirty="0" err="1">
+                <a:latin typeface="Consolas" panose="020B0609020204030204" pitchFamily="49" charset="0"/>
+              </a:rPr>
+              <a:t>collect_tables</a:t>
+            </a:r>
+            <a:r>
+              <a:rPr lang="en-GB" sz="2400" dirty="0">
+                <a:latin typeface="Consolas" panose="020B0609020204030204" pitchFamily="49" charset="0"/>
+              </a:rPr>
+              <a:t> </a:t>
+            </a:r>
+            <a:r>
+              <a:rPr lang="en-GB" dirty="0"/>
+              <a:t>function can so far only handle individual files</a:t>
+            </a:r>
+          </a:p>
+          <a:p>
+            <a:pPr marL="457200" lvl="1" indent="0">
+              <a:buNone/>
+            </a:pPr>
+            <a:endParaRPr lang="en-GB" sz="2000" dirty="0">
+              <a:latin typeface="Consolas" panose="020B0609020204030204" pitchFamily="49" charset="0"/>
+            </a:endParaRPr>
+          </a:p>
+        </p:txBody>
+      </p:sp>
+    </p:spTree>
+    <p:extLst>
+      <p:ext uri="{BB962C8B-B14F-4D97-AF65-F5344CB8AC3E}">
+        <p14:creationId xmlns:p14="http://schemas.microsoft.com/office/powerpoint/2010/main" val="2204234833"/>
+      </p:ext>
+    </p:extLst>
+  </p:cSld>
+  <p:clrMapOvr>
+    <a:masterClrMapping/>
+  </p:clrMapOvr>
+</p:sld>
+</file>
+
+<file path=ppt/slides/slide35.xml><?xml version="1.0" encoding="utf-8"?>
+<p:sld xmlns:a="http://schemas.openxmlformats.org/drawingml/2006/main" xmlns:r="http://schemas.openxmlformats.org/officeDocument/2006/relationships" xmlns:p="http://schemas.openxmlformats.org/presentationml/2006/main">
+  <p:cSld>
+    <p:spTree>
+      <p:nvGrpSpPr>
+        <p:cNvPr id="1" name=""/>
+        <p:cNvGrpSpPr/>
+        <p:nvPr/>
+      </p:nvGrpSpPr>
+      <p:grpSpPr>
+        <a:xfrm>
+          <a:off x="0" y="0"/>
+          <a:ext cx="0" cy="0"/>
+          <a:chOff x="0" y="0"/>
+          <a:chExt cx="0" cy="0"/>
+        </a:xfrm>
+      </p:grpSpPr>
+      <p:sp>
+        <p:nvSpPr>
+          <p:cNvPr id="2" name="Title 1">
+            <a:extLst>
+              <a:ext uri="{FF2B5EF4-FFF2-40B4-BE49-F238E27FC236}">
+                <a16:creationId xmlns:a16="http://schemas.microsoft.com/office/drawing/2014/main" id="{C373C1A9-A330-F9C2-C99C-940FD700E964}"/>
+              </a:ext>
+            </a:extLst>
+          </p:cNvPr>
+          <p:cNvSpPr>
+            <a:spLocks noGrp="1"/>
+          </p:cNvSpPr>
+          <p:nvPr>
+            <p:ph type="title"/>
+          </p:nvPr>
+        </p:nvSpPr>
+        <p:spPr/>
+        <p:txBody>
+          <a:bodyPr/>
+          <a:lstStyle/>
+          <a:p>
+            <a:r>
+              <a:rPr lang="en-GB" dirty="0"/>
+              <a:t>Technical details: Extra heating</a:t>
+            </a:r>
+          </a:p>
+        </p:txBody>
+      </p:sp>
+      <p:sp>
+        <p:nvSpPr>
+          <p:cNvPr id="3" name="Content Placeholder 2">
+            <a:extLst>
+              <a:ext uri="{FF2B5EF4-FFF2-40B4-BE49-F238E27FC236}">
+                <a16:creationId xmlns:a16="http://schemas.microsoft.com/office/drawing/2014/main" id="{B0163CB2-48D0-F0C3-D103-BDC6D7DEA086}"/>
+              </a:ext>
+            </a:extLst>
+          </p:cNvPr>
+          <p:cNvSpPr>
+            <a:spLocks noGrp="1"/>
+          </p:cNvSpPr>
+          <p:nvPr>
+            <p:ph idx="1"/>
+          </p:nvPr>
+        </p:nvSpPr>
+        <p:spPr/>
+        <p:txBody>
+          <a:bodyPr/>
+          <a:lstStyle/>
+          <a:p>
+            <a:r>
+              <a:rPr lang="en-GB" dirty="0"/>
               <a:t>A separate heating element may increase the chamber temperature above the bath temperature.  The setting for this element is recorded in digits 2 and 3 in the status column in the experiment file.</a:t>
             </a:r>
           </a:p>
@@ -12414,7 +12854,7 @@
               <a:t>Tlist</a:t>
             </a:r>
             <a:r>
-              <a:rPr lang="en-GB"/>
+              <a:rPr lang="en-GB" dirty="0"/>
               <a:t> in </a:t>
             </a:r>
             <a:r>
@@ -12450,7 +12890,7 @@
 </p:sld>
 </file>
 
-<file path=ppt/slides/slide34.xml><?xml version="1.0" encoding="utf-8"?>
+<file path=ppt/slides/slide36.xml><?xml version="1.0" encoding="utf-8"?>
 <p:sld xmlns:a="http://schemas.openxmlformats.org/drawingml/2006/main" xmlns:r="http://schemas.openxmlformats.org/officeDocument/2006/relationships" xmlns:p="http://schemas.openxmlformats.org/presentationml/2006/main">
   <p:cSld>
     <p:spTree>
@@ -12972,15 +13412,7 @@
             <a:pPr lvl="1"/>
             <a:r>
               <a:rPr lang="en-GB" sz="2800" dirty="0"/>
-              <a:t>Read and </a:t>
-            </a:r>
-            <a:r>
-              <a:rPr lang="en-GB" sz="2800"/>
-              <a:t>interpret an experiment </a:t>
-            </a:r>
-            <a:r>
-              <a:rPr lang="en-GB" sz="2800" dirty="0"/>
-              <a:t>file</a:t>
+              <a:t>Read and interpret an experiment file</a:t>
             </a:r>
           </a:p>
           <a:p>
@@ -13054,165 +13486,6 @@
 </file>
 
 <file path=ppt/slides/slide6.xml><?xml version="1.0" encoding="utf-8"?>
-<p:sld xmlns:a="http://schemas.openxmlformats.org/drawingml/2006/main" xmlns:r="http://schemas.openxmlformats.org/officeDocument/2006/relationships" xmlns:p="http://schemas.openxmlformats.org/presentationml/2006/main">
-  <p:cSld>
-    <p:spTree>
-      <p:nvGrpSpPr>
-        <p:cNvPr id="1" name=""/>
-        <p:cNvGrpSpPr/>
-        <p:nvPr/>
-      </p:nvGrpSpPr>
-      <p:grpSpPr>
-        <a:xfrm>
-          <a:off x="0" y="0"/>
-          <a:ext cx="0" cy="0"/>
-          <a:chOff x="0" y="0"/>
-          <a:chExt cx="0" cy="0"/>
-        </a:xfrm>
-      </p:grpSpPr>
-      <p:sp>
-        <p:nvSpPr>
-          <p:cNvPr id="2" name="Title 1">
-            <a:extLst>
-              <a:ext uri="{FF2B5EF4-FFF2-40B4-BE49-F238E27FC236}">
-                <a16:creationId xmlns:a16="http://schemas.microsoft.com/office/drawing/2014/main" id="{F38DEB22-BE72-A22F-0FFC-83F1A075B5F2}"/>
-              </a:ext>
-            </a:extLst>
-          </p:cNvPr>
-          <p:cNvSpPr>
-            <a:spLocks noGrp="1"/>
-          </p:cNvSpPr>
-          <p:nvPr>
-            <p:ph type="title"/>
-          </p:nvPr>
-        </p:nvSpPr>
-        <p:spPr/>
-        <p:txBody>
-          <a:bodyPr/>
-          <a:lstStyle/>
-          <a:p>
-            <a:r>
-              <a:rPr lang="en-GB" dirty="0"/>
-              <a:t>Read and interpret experiment file</a:t>
-            </a:r>
-          </a:p>
-        </p:txBody>
-      </p:sp>
-      <p:sp>
-        <p:nvSpPr>
-          <p:cNvPr id="3" name="Content Placeholder 2">
-            <a:extLst>
-              <a:ext uri="{FF2B5EF4-FFF2-40B4-BE49-F238E27FC236}">
-                <a16:creationId xmlns:a16="http://schemas.microsoft.com/office/drawing/2014/main" id="{36353399-9D56-01E3-F12D-E417C0FD7DF7}"/>
-              </a:ext>
-            </a:extLst>
-          </p:cNvPr>
-          <p:cNvSpPr>
-            <a:spLocks noGrp="1"/>
-          </p:cNvSpPr>
-          <p:nvPr>
-            <p:ph idx="1"/>
-          </p:nvPr>
-        </p:nvSpPr>
-        <p:spPr/>
-        <p:txBody>
-          <a:bodyPr/>
-          <a:lstStyle/>
-          <a:p>
-            <a:r>
-              <a:rPr lang="en-GB" dirty="0"/>
-              <a:t>Record formats may vary</a:t>
-            </a:r>
-          </a:p>
-          <a:p>
-            <a:r>
-              <a:rPr lang="en-GB" dirty="0"/>
-              <a:t>I use the one from Steve Smith’s apparatus</a:t>
-            </a:r>
-          </a:p>
-          <a:p>
-            <a:r>
-              <a:rPr lang="en-GB" dirty="0"/>
-              <a:t>Other formats may require changes to</a:t>
-            </a:r>
-          </a:p>
-          <a:p>
-            <a:pPr lvl="1"/>
-            <a:r>
-              <a:rPr lang="en-GB" dirty="0" err="1"/>
-              <a:t>read_experiment_file.m</a:t>
-            </a:r>
-            <a:endParaRPr lang="en-GB" dirty="0"/>
-          </a:p>
-          <a:p>
-            <a:r>
-              <a:rPr lang="en-GB" dirty="0"/>
-              <a:t>Data read for each record:</a:t>
-            </a:r>
-          </a:p>
-          <a:p>
-            <a:pPr lvl="1"/>
-            <a:r>
-              <a:rPr lang="en-GB" dirty="0"/>
-              <a:t>Time in seconds or </a:t>
-            </a:r>
-            <a:r>
-              <a:rPr lang="en-GB" dirty="0" err="1"/>
-              <a:t>CycleCount</a:t>
-            </a:r>
-            <a:r>
-              <a:rPr lang="en-GB" dirty="0"/>
-              <a:t>: 4000 cycles/s</a:t>
-            </a:r>
-          </a:p>
-          <a:p>
-            <a:pPr lvl="1"/>
-            <a:r>
-              <a:rPr lang="en-GB" dirty="0"/>
-              <a:t>Force (</a:t>
-            </a:r>
-            <a:r>
-              <a:rPr lang="en-GB" dirty="0" err="1"/>
-              <a:t>pN</a:t>
-            </a:r>
-            <a:r>
-              <a:rPr lang="en-GB" dirty="0"/>
-              <a:t>)</a:t>
-            </a:r>
-          </a:p>
-          <a:p>
-            <a:pPr lvl="1"/>
-            <a:r>
-              <a:rPr lang="en-GB" dirty="0"/>
-              <a:t>Trap position (nm)</a:t>
-            </a:r>
-          </a:p>
-          <a:p>
-            <a:pPr lvl="1"/>
-            <a:r>
-              <a:rPr lang="en-GB" dirty="0"/>
-              <a:t>Temperature (coded in Status column)</a:t>
-            </a:r>
-          </a:p>
-          <a:p>
-            <a:endParaRPr lang="en-GB" dirty="0"/>
-          </a:p>
-        </p:txBody>
-      </p:sp>
-    </p:spTree>
-    <p:extLst>
-      <p:ext uri="{BB962C8B-B14F-4D97-AF65-F5344CB8AC3E}">
-        <p14:creationId xmlns:p14="http://schemas.microsoft.com/office/powerpoint/2010/main" val="2060213347"/>
-      </p:ext>
-    </p:extLst>
-  </p:cSld>
-  <p:clrMapOvr>
-    <a:masterClrMapping/>
-  </p:clrMapOvr>
-</p:sld>
-</file>
-
-<file path=ppt/slides/slide7.xml><?xml version="1.0" encoding="utf-8"?>
 <p:sld xmlns:a="http://schemas.openxmlformats.org/drawingml/2006/main" xmlns:r="http://schemas.openxmlformats.org/officeDocument/2006/relationships" xmlns:p="http://schemas.openxmlformats.org/presentationml/2006/main">
   <p:cSld>
     <p:spTree>
@@ -13641,7 +13914,296 @@
 </p:sld>
 </file>
 
+<file path=ppt/slides/slide7.xml><?xml version="1.0" encoding="utf-8"?>
+<p:sld xmlns:a="http://schemas.openxmlformats.org/drawingml/2006/main" xmlns:r="http://schemas.openxmlformats.org/officeDocument/2006/relationships" xmlns:p="http://schemas.openxmlformats.org/presentationml/2006/main">
+  <p:cSld>
+    <p:spTree>
+      <p:nvGrpSpPr>
+        <p:cNvPr id="1" name=""/>
+        <p:cNvGrpSpPr/>
+        <p:nvPr/>
+      </p:nvGrpSpPr>
+      <p:grpSpPr>
+        <a:xfrm>
+          <a:off x="0" y="0"/>
+          <a:ext cx="0" cy="0"/>
+          <a:chOff x="0" y="0"/>
+          <a:chExt cx="0" cy="0"/>
+        </a:xfrm>
+      </p:grpSpPr>
+      <p:sp>
+        <p:nvSpPr>
+          <p:cNvPr id="2" name="Title 1">
+            <a:extLst>
+              <a:ext uri="{FF2B5EF4-FFF2-40B4-BE49-F238E27FC236}">
+                <a16:creationId xmlns:a16="http://schemas.microsoft.com/office/drawing/2014/main" id="{F38DEB22-BE72-A22F-0FFC-83F1A075B5F2}"/>
+              </a:ext>
+            </a:extLst>
+          </p:cNvPr>
+          <p:cNvSpPr>
+            <a:spLocks noGrp="1"/>
+          </p:cNvSpPr>
+          <p:nvPr>
+            <p:ph type="title"/>
+          </p:nvPr>
+        </p:nvSpPr>
+        <p:spPr/>
+        <p:txBody>
+          <a:bodyPr/>
+          <a:lstStyle/>
+          <a:p>
+            <a:r>
+              <a:rPr lang="en-GB" dirty="0"/>
+              <a:t>Read and interpret experiment file</a:t>
+            </a:r>
+          </a:p>
+        </p:txBody>
+      </p:sp>
+      <p:sp>
+        <p:nvSpPr>
+          <p:cNvPr id="3" name="Content Placeholder 2">
+            <a:extLst>
+              <a:ext uri="{FF2B5EF4-FFF2-40B4-BE49-F238E27FC236}">
+                <a16:creationId xmlns:a16="http://schemas.microsoft.com/office/drawing/2014/main" id="{36353399-9D56-01E3-F12D-E417C0FD7DF7}"/>
+              </a:ext>
+            </a:extLst>
+          </p:cNvPr>
+          <p:cNvSpPr>
+            <a:spLocks noGrp="1"/>
+          </p:cNvSpPr>
+          <p:nvPr>
+            <p:ph idx="1"/>
+          </p:nvPr>
+        </p:nvSpPr>
+        <p:spPr/>
+        <p:txBody>
+          <a:bodyPr>
+            <a:normAutofit/>
+          </a:bodyPr>
+          <a:lstStyle/>
+          <a:p>
+            <a:r>
+              <a:rPr lang="en-GB" dirty="0"/>
+              <a:t>Files are read by the function </a:t>
+            </a:r>
+            <a:r>
+              <a:rPr lang="en-GB" sz="2400" dirty="0" err="1">
+                <a:latin typeface="Consolas" panose="020B0609020204030204" pitchFamily="49" charset="0"/>
+              </a:rPr>
+              <a:t>read_experiment_file</a:t>
+            </a:r>
+            <a:endParaRPr lang="en-GB" dirty="0">
+              <a:latin typeface="Consolas" panose="020B0609020204030204" pitchFamily="49" charset="0"/>
+            </a:endParaRPr>
+          </a:p>
+          <a:p>
+            <a:r>
+              <a:rPr lang="en-GB" dirty="0"/>
+              <a:t>Record formats may vary</a:t>
+            </a:r>
+          </a:p>
+          <a:p>
+            <a:r>
+              <a:rPr lang="en-GB" dirty="0"/>
+              <a:t>I use the one from Steve Smith’s apparatus</a:t>
+            </a:r>
+          </a:p>
+          <a:p>
+            <a:r>
+              <a:rPr lang="en-GB" dirty="0"/>
+              <a:t>Other formats may require changes this function</a:t>
+            </a:r>
+          </a:p>
+          <a:p>
+            <a:r>
+              <a:rPr lang="en-GB" dirty="0"/>
+              <a:t>Data read for each record:</a:t>
+            </a:r>
+          </a:p>
+          <a:p>
+            <a:pPr lvl="1"/>
+            <a:r>
+              <a:rPr lang="en-GB" dirty="0"/>
+              <a:t>Time in seconds or </a:t>
+            </a:r>
+            <a:r>
+              <a:rPr lang="en-GB" dirty="0" err="1"/>
+              <a:t>CycleCount</a:t>
+            </a:r>
+            <a:r>
+              <a:rPr lang="en-GB" dirty="0"/>
+              <a:t>: 4000 cycles/s</a:t>
+            </a:r>
+          </a:p>
+          <a:p>
+            <a:pPr lvl="1"/>
+            <a:r>
+              <a:rPr lang="en-GB" dirty="0"/>
+              <a:t>Force (</a:t>
+            </a:r>
+            <a:r>
+              <a:rPr lang="en-GB" dirty="0" err="1"/>
+              <a:t>pN</a:t>
+            </a:r>
+            <a:r>
+              <a:rPr lang="en-GB" dirty="0"/>
+              <a:t>)</a:t>
+            </a:r>
+          </a:p>
+          <a:p>
+            <a:pPr lvl="1"/>
+            <a:r>
+              <a:rPr lang="en-GB" dirty="0"/>
+              <a:t>Trap position (nm)</a:t>
+            </a:r>
+          </a:p>
+          <a:p>
+            <a:pPr lvl="1"/>
+            <a:r>
+              <a:rPr lang="en-GB" dirty="0"/>
+              <a:t>Temperature (coded in Status column)</a:t>
+            </a:r>
+          </a:p>
+          <a:p>
+            <a:endParaRPr lang="en-GB" dirty="0"/>
+          </a:p>
+        </p:txBody>
+      </p:sp>
+    </p:spTree>
+    <p:extLst>
+      <p:ext uri="{BB962C8B-B14F-4D97-AF65-F5344CB8AC3E}">
+        <p14:creationId xmlns:p14="http://schemas.microsoft.com/office/powerpoint/2010/main" val="2060213347"/>
+      </p:ext>
+    </p:extLst>
+  </p:cSld>
+  <p:clrMapOvr>
+    <a:masterClrMapping/>
+  </p:clrMapOvr>
+</p:sld>
+</file>
+
 <file path=ppt/slides/slide8.xml><?xml version="1.0" encoding="utf-8"?>
+<p:sld xmlns:a="http://schemas.openxmlformats.org/drawingml/2006/main" xmlns:r="http://schemas.openxmlformats.org/officeDocument/2006/relationships" xmlns:p="http://schemas.openxmlformats.org/presentationml/2006/main">
+  <p:cSld>
+    <p:spTree>
+      <p:nvGrpSpPr>
+        <p:cNvPr id="1" name=""/>
+        <p:cNvGrpSpPr/>
+        <p:nvPr/>
+      </p:nvGrpSpPr>
+      <p:grpSpPr>
+        <a:xfrm>
+          <a:off x="0" y="0"/>
+          <a:ext cx="0" cy="0"/>
+          <a:chOff x="0" y="0"/>
+          <a:chExt cx="0" cy="0"/>
+        </a:xfrm>
+      </p:grpSpPr>
+      <p:sp>
+        <p:nvSpPr>
+          <p:cNvPr id="2" name="Title 1">
+            <a:extLst>
+              <a:ext uri="{FF2B5EF4-FFF2-40B4-BE49-F238E27FC236}">
+                <a16:creationId xmlns:a16="http://schemas.microsoft.com/office/drawing/2014/main" id="{42ED12A1-553C-C2B1-D588-B3533A675C5C}"/>
+              </a:ext>
+            </a:extLst>
+          </p:cNvPr>
+          <p:cNvSpPr>
+            <a:spLocks noGrp="1"/>
+          </p:cNvSpPr>
+          <p:nvPr>
+            <p:ph type="title"/>
+          </p:nvPr>
+        </p:nvSpPr>
+        <p:spPr/>
+        <p:txBody>
+          <a:bodyPr/>
+          <a:lstStyle/>
+          <a:p>
+            <a:r>
+              <a:rPr lang="en-GB" dirty="0"/>
+              <a:t>Find individual pull and relax traces</a:t>
+            </a:r>
+          </a:p>
+        </p:txBody>
+      </p:sp>
+      <p:sp>
+        <p:nvSpPr>
+          <p:cNvPr id="7" name="Content Placeholder 6">
+            <a:extLst>
+              <a:ext uri="{FF2B5EF4-FFF2-40B4-BE49-F238E27FC236}">
+                <a16:creationId xmlns:a16="http://schemas.microsoft.com/office/drawing/2014/main" id="{5B2383CE-ACEC-503D-3965-871DE127A4F7}"/>
+              </a:ext>
+            </a:extLst>
+          </p:cNvPr>
+          <p:cNvSpPr>
+            <a:spLocks noGrp="1"/>
+          </p:cNvSpPr>
+          <p:nvPr>
+            <p:ph idx="1"/>
+          </p:nvPr>
+        </p:nvSpPr>
+        <p:spPr>
+          <a:xfrm>
+            <a:off x="1543664" y="1855608"/>
+            <a:ext cx="8740878" cy="910304"/>
+          </a:xfrm>
+        </p:spPr>
+        <p:txBody>
+          <a:bodyPr/>
+          <a:lstStyle/>
+          <a:p>
+            <a:r>
+              <a:rPr lang="en-GB" dirty="0"/>
+              <a:t>Start by finding all parts with force above and below some threshold value</a:t>
+            </a:r>
+          </a:p>
+        </p:txBody>
+      </p:sp>
+      <p:pic>
+        <p:nvPicPr>
+          <p:cNvPr id="9" name="Picture 8">
+            <a:extLst>
+              <a:ext uri="{FF2B5EF4-FFF2-40B4-BE49-F238E27FC236}">
+                <a16:creationId xmlns:a16="http://schemas.microsoft.com/office/drawing/2014/main" id="{94D8929B-4B08-240F-AFAE-7A7BE05E9E3F}"/>
+              </a:ext>
+            </a:extLst>
+          </p:cNvPr>
+          <p:cNvPicPr>
+            <a:picLocks noChangeAspect="1"/>
+          </p:cNvPicPr>
+          <p:nvPr/>
+        </p:nvPicPr>
+        <p:blipFill>
+          <a:blip r:embed="rId2"/>
+          <a:stretch>
+            <a:fillRect/>
+          </a:stretch>
+        </p:blipFill>
+        <p:spPr>
+          <a:xfrm>
+            <a:off x="223684" y="2930832"/>
+            <a:ext cx="11130116" cy="3322483"/>
+          </a:xfrm>
+          <a:prstGeom prst="rect">
+            <a:avLst/>
+          </a:prstGeom>
+        </p:spPr>
+      </p:pic>
+    </p:spTree>
+    <p:extLst>
+      <p:ext uri="{BB962C8B-B14F-4D97-AF65-F5344CB8AC3E}">
+        <p14:creationId xmlns:p14="http://schemas.microsoft.com/office/powerpoint/2010/main" val="3000256276"/>
+      </p:ext>
+    </p:extLst>
+  </p:cSld>
+  <p:clrMapOvr>
+    <a:masterClrMapping/>
+  </p:clrMapOvr>
+</p:sld>
+</file>
+
+<file path=ppt/slides/slide9.xml><?xml version="1.0" encoding="utf-8"?>
 <p:sld xmlns:a="http://schemas.openxmlformats.org/drawingml/2006/main" xmlns:r="http://schemas.openxmlformats.org/officeDocument/2006/relationships" xmlns:p="http://schemas.openxmlformats.org/presentationml/2006/main">
   <p:cSld>
     <p:spTree>
@@ -13748,20 +14310,6 @@
             <a:normAutofit/>
           </a:bodyPr>
           <a:lstStyle/>
-          <a:p>
-            <a:r>
-              <a:rPr lang="en-GB" dirty="0"/>
-              <a:t>Find all intervals where the force exceeds a threshold (e.g. 15 </a:t>
-            </a:r>
-            <a:r>
-              <a:rPr lang="en-GB" dirty="0" err="1"/>
-              <a:t>pN</a:t>
-            </a:r>
-            <a:r>
-              <a:rPr lang="en-GB" dirty="0"/>
-              <a:t>)</a:t>
-            </a:r>
-          </a:p>
           <a:p>
             <a:r>
               <a:rPr lang="en-GB" dirty="0"/>
@@ -14072,199 +14620,6 @@
     <p:extLst>
       <p:ext uri="{BB962C8B-B14F-4D97-AF65-F5344CB8AC3E}">
         <p14:creationId xmlns:p14="http://schemas.microsoft.com/office/powerpoint/2010/main" val="2297231925"/>
-      </p:ext>
-    </p:extLst>
-  </p:cSld>
-  <p:clrMapOvr>
-    <a:masterClrMapping/>
-  </p:clrMapOvr>
-</p:sld>
-</file>
-
-<file path=ppt/slides/slide9.xml><?xml version="1.0" encoding="utf-8"?>
-<p:sld xmlns:a="http://schemas.openxmlformats.org/drawingml/2006/main" xmlns:r="http://schemas.openxmlformats.org/officeDocument/2006/relationships" xmlns:p="http://schemas.openxmlformats.org/presentationml/2006/main">
-  <p:cSld>
-    <p:spTree>
-      <p:nvGrpSpPr>
-        <p:cNvPr id="1" name=""/>
-        <p:cNvGrpSpPr/>
-        <p:nvPr/>
-      </p:nvGrpSpPr>
-      <p:grpSpPr>
-        <a:xfrm>
-          <a:off x="0" y="0"/>
-          <a:ext cx="0" cy="0"/>
-          <a:chOff x="0" y="0"/>
-          <a:chExt cx="0" cy="0"/>
-        </a:xfrm>
-      </p:grpSpPr>
-      <p:sp>
-        <p:nvSpPr>
-          <p:cNvPr id="2" name="Title 1">
-            <a:extLst>
-              <a:ext uri="{FF2B5EF4-FFF2-40B4-BE49-F238E27FC236}">
-                <a16:creationId xmlns:a16="http://schemas.microsoft.com/office/drawing/2014/main" id="{2274DD12-BDFC-8CAF-538D-57560821F713}"/>
-              </a:ext>
-            </a:extLst>
-          </p:cNvPr>
-          <p:cNvSpPr>
-            <a:spLocks noGrp="1"/>
-          </p:cNvSpPr>
-          <p:nvPr>
-            <p:ph type="title"/>
-          </p:nvPr>
-        </p:nvSpPr>
-        <p:spPr/>
-        <p:txBody>
-          <a:bodyPr/>
-          <a:lstStyle/>
-          <a:p>
-            <a:r>
-              <a:rPr lang="en-GB" dirty="0"/>
-              <a:t>Find individual pull and relax traces (2)</a:t>
-            </a:r>
-          </a:p>
-        </p:txBody>
-      </p:sp>
-      <p:sp>
-        <p:nvSpPr>
-          <p:cNvPr id="3" name="Content Placeholder 2">
-            <a:extLst>
-              <a:ext uri="{FF2B5EF4-FFF2-40B4-BE49-F238E27FC236}">
-                <a16:creationId xmlns:a16="http://schemas.microsoft.com/office/drawing/2014/main" id="{7F22BECD-4858-0BA6-91CA-C9D48FA26E8F}"/>
-              </a:ext>
-            </a:extLst>
-          </p:cNvPr>
-          <p:cNvSpPr>
-            <a:spLocks noGrp="1"/>
-          </p:cNvSpPr>
-          <p:nvPr>
-            <p:ph idx="1"/>
-          </p:nvPr>
-        </p:nvSpPr>
-        <p:spPr>
-          <a:xfrm>
-            <a:off x="838199" y="1825625"/>
-            <a:ext cx="5670755" cy="4351338"/>
-          </a:xfrm>
-        </p:spPr>
-        <p:txBody>
-          <a:bodyPr>
-            <a:normAutofit/>
-          </a:bodyPr>
-          <a:lstStyle/>
-          <a:p>
-            <a:r>
-              <a:rPr lang="en-GB" dirty="0" err="1"/>
-              <a:t>Peakpos</a:t>
-            </a:r>
-            <a:r>
-              <a:rPr lang="en-GB" dirty="0"/>
-              <a:t>: Record no of maximum value in a high force interval</a:t>
-            </a:r>
-          </a:p>
-          <a:p>
-            <a:r>
-              <a:rPr lang="en-GB" dirty="0" err="1"/>
-              <a:t>Valleypos</a:t>
-            </a:r>
-            <a:r>
-              <a:rPr lang="en-GB" dirty="0"/>
-              <a:t>: Record no of minimum value of f between two high force intervals</a:t>
-            </a:r>
-          </a:p>
-          <a:p>
-            <a:r>
-              <a:rPr lang="en-GB" dirty="0"/>
-              <a:t>Interval from a </a:t>
-            </a:r>
-            <a:r>
-              <a:rPr lang="en-GB" dirty="0" err="1"/>
-              <a:t>valleypos</a:t>
-            </a:r>
-            <a:r>
-              <a:rPr lang="en-GB" dirty="0"/>
-              <a:t> to the next </a:t>
-            </a:r>
-            <a:r>
-              <a:rPr lang="en-GB" dirty="0" err="1"/>
-              <a:t>peakpos</a:t>
-            </a:r>
-            <a:r>
-              <a:rPr lang="en-GB" dirty="0"/>
-              <a:t> is a pull trace</a:t>
-            </a:r>
-          </a:p>
-          <a:p>
-            <a:r>
-              <a:rPr lang="en-GB" dirty="0"/>
-              <a:t>Interval from a </a:t>
-            </a:r>
-            <a:r>
-              <a:rPr lang="en-GB" dirty="0" err="1"/>
-              <a:t>peakpos</a:t>
-            </a:r>
-            <a:r>
-              <a:rPr lang="en-GB" dirty="0"/>
-              <a:t> to </a:t>
-            </a:r>
-            <a:r>
-              <a:rPr lang="en-GB"/>
-              <a:t>the </a:t>
-            </a:r>
-            <a:r>
-              <a:rPr lang="en-GB" dirty="0"/>
-              <a:t>n</a:t>
-            </a:r>
-            <a:r>
-              <a:rPr lang="en-GB"/>
-              <a:t>ext </a:t>
-            </a:r>
-            <a:r>
-              <a:rPr lang="en-GB" dirty="0" err="1"/>
-              <a:t>valleypos</a:t>
-            </a:r>
-            <a:r>
-              <a:rPr lang="en-GB" dirty="0"/>
-              <a:t> is a relaxing trace</a:t>
-            </a:r>
-          </a:p>
-        </p:txBody>
-      </p:sp>
-      <p:pic>
-        <p:nvPicPr>
-          <p:cNvPr id="4" name="Picture 3">
-            <a:extLst>
-              <a:ext uri="{FF2B5EF4-FFF2-40B4-BE49-F238E27FC236}">
-                <a16:creationId xmlns:a16="http://schemas.microsoft.com/office/drawing/2014/main" id="{BB3DE1E5-040F-29CD-83DF-3FCB0C2230EE}"/>
-              </a:ext>
-            </a:extLst>
-          </p:cNvPr>
-          <p:cNvPicPr>
-            <a:picLocks noChangeAspect="1"/>
-          </p:cNvPicPr>
-          <p:nvPr/>
-        </p:nvPicPr>
-        <p:blipFill>
-          <a:blip r:embed="rId2"/>
-          <a:stretch>
-            <a:fillRect/>
-          </a:stretch>
-        </p:blipFill>
-        <p:spPr>
-          <a:xfrm>
-            <a:off x="6682555" y="1577770"/>
-            <a:ext cx="5276850" cy="4095750"/>
-          </a:xfrm>
-          <a:prstGeom prst="rect">
-            <a:avLst/>
-          </a:prstGeom>
-        </p:spPr>
-      </p:pic>
-    </p:spTree>
-    <p:extLst>
-      <p:ext uri="{BB962C8B-B14F-4D97-AF65-F5344CB8AC3E}">
-        <p14:creationId xmlns:p14="http://schemas.microsoft.com/office/powerpoint/2010/main" val="3795277216"/>
       </p:ext>
     </p:extLst>
   </p:cSld>

--- a/Summer school 2024/Analysis of protein stretching experiments.pptx
+++ b/Summer school 2024/Analysis of protein stretching experiments.pptx
@@ -37,10 +37,12 @@
     <p:sldId id="282" r:id="rId31"/>
     <p:sldId id="283" r:id="rId32"/>
     <p:sldId id="315" r:id="rId33"/>
-    <p:sldId id="284" r:id="rId34"/>
-    <p:sldId id="290" r:id="rId35"/>
-    <p:sldId id="285" r:id="rId36"/>
-    <p:sldId id="258" r:id="rId37"/>
+    <p:sldId id="285" r:id="rId34"/>
+    <p:sldId id="316" r:id="rId35"/>
+    <p:sldId id="284" r:id="rId36"/>
+    <p:sldId id="290" r:id="rId37"/>
+    <p:sldId id="317" r:id="rId38"/>
+    <p:sldId id="258" r:id="rId39"/>
   </p:sldIdLst>
   <p:sldSz cx="12192000" cy="6858000"/>
   <p:notesSz cx="6858000" cy="9144000"/>
@@ -150,7 +152,8 @@
 <file path=ppt/revisionInfo.xml><?xml version="1.0" encoding="utf-8"?>
 <p1510:revInfo xmlns:a="http://schemas.openxmlformats.org/drawingml/2006/main" xmlns:r="http://schemas.openxmlformats.org/officeDocument/2006/relationships" xmlns:p1510="http://schemas.microsoft.com/office/powerpoint/2015/10/main">
   <p1510:revLst>
-    <p1510:client id="{055438CC-AB35-4861-8EC0-1B0371FB636C}" v="9" dt="2024-11-30T17:25:18.013"/>
+    <p1510:client id="{055438CC-AB35-4861-8EC0-1B0371FB636C}" v="16" dt="2024-12-02T17:28:51.920"/>
+    <p1510:client id="{F7E50110-C233-47BD-AD07-CF0778A4B2F4}" v="21" dt="2024-12-03T14:16:21.573"/>
   </p1510:revLst>
 </p1510:revInfo>
 </file>
@@ -160,7 +163,7 @@
   <pc:docChgLst>
     <pc:chgData name="Are Mjaavatten" userId="00bb58f78e5d171c" providerId="LiveId" clId="{F7E50110-C233-47BD-AD07-CF0778A4B2F4}"/>
     <pc:docChg chg="undo custSel addSld modSld">
-      <pc:chgData name="Are Mjaavatten" userId="00bb58f78e5d171c" providerId="LiveId" clId="{F7E50110-C233-47BD-AD07-CF0778A4B2F4}" dt="2024-11-23T10:39:52.998" v="1311" actId="1076"/>
+      <pc:chgData name="Are Mjaavatten" userId="00bb58f78e5d171c" providerId="LiveId" clId="{F7E50110-C233-47BD-AD07-CF0778A4B2F4}" dt="2024-12-03T14:42:06.008" v="1441" actId="255"/>
       <pc:docMkLst>
         <pc:docMk/>
       </pc:docMkLst>
@@ -195,6 +198,36 @@
         </pc:spChg>
       </pc:sldChg>
       <pc:sldChg chg="modSp mod">
+        <pc:chgData name="Are Mjaavatten" userId="00bb58f78e5d171c" providerId="LiveId" clId="{F7E50110-C233-47BD-AD07-CF0778A4B2F4}" dt="2024-12-03T14:11:04.678" v="1314" actId="20577"/>
+        <pc:sldMkLst>
+          <pc:docMk/>
+          <pc:sldMk cId="34042762" sldId="269"/>
+        </pc:sldMkLst>
+        <pc:spChg chg="mod">
+          <ac:chgData name="Are Mjaavatten" userId="00bb58f78e5d171c" providerId="LiveId" clId="{F7E50110-C233-47BD-AD07-CF0778A4B2F4}" dt="2024-12-03T14:11:04.678" v="1314" actId="20577"/>
+          <ac:spMkLst>
+            <pc:docMk/>
+            <pc:sldMk cId="34042762" sldId="269"/>
+            <ac:spMk id="6" creationId="{92A6A31D-37FF-95B9-730E-0F42FB9048FE}"/>
+          </ac:spMkLst>
+        </pc:spChg>
+      </pc:sldChg>
+      <pc:sldChg chg="modSp mod">
+        <pc:chgData name="Are Mjaavatten" userId="00bb58f78e5d171c" providerId="LiveId" clId="{F7E50110-C233-47BD-AD07-CF0778A4B2F4}" dt="2024-12-03T14:16:21.574" v="1332" actId="20577"/>
+        <pc:sldMkLst>
+          <pc:docMk/>
+          <pc:sldMk cId="2870539914" sldId="271"/>
+        </pc:sldMkLst>
+        <pc:spChg chg="mod">
+          <ac:chgData name="Are Mjaavatten" userId="00bb58f78e5d171c" providerId="LiveId" clId="{F7E50110-C233-47BD-AD07-CF0778A4B2F4}" dt="2024-12-03T14:16:21.574" v="1332" actId="20577"/>
+          <ac:spMkLst>
+            <pc:docMk/>
+            <pc:sldMk cId="2870539914" sldId="271"/>
+            <ac:spMk id="8" creationId="{DE312110-5C43-D77C-A2EC-47EB6666D900}"/>
+          </ac:spMkLst>
+        </pc:spChg>
+      </pc:sldChg>
+      <pc:sldChg chg="modSp mod">
         <pc:chgData name="Are Mjaavatten" userId="00bb58f78e5d171c" providerId="LiveId" clId="{F7E50110-C233-47BD-AD07-CF0778A4B2F4}" dt="2024-11-23T10:05:46.461" v="430" actId="1076"/>
         <pc:sldMkLst>
           <pc:docMk/>
@@ -245,6 +278,44 @@
           <pc:docMk/>
           <pc:sldMk cId="787279821" sldId="296"/>
         </pc:sldMkLst>
+      </pc:sldChg>
+      <pc:sldChg chg="modSp mod">
+        <pc:chgData name="Are Mjaavatten" userId="00bb58f78e5d171c" providerId="LiveId" clId="{F7E50110-C233-47BD-AD07-CF0778A4B2F4}" dt="2024-12-03T14:14:00.069" v="1318" actId="20577"/>
+        <pc:sldMkLst>
+          <pc:docMk/>
+          <pc:sldMk cId="2902811654" sldId="297"/>
+        </pc:sldMkLst>
+        <pc:spChg chg="mod">
+          <ac:chgData name="Are Mjaavatten" userId="00bb58f78e5d171c" providerId="LiveId" clId="{F7E50110-C233-47BD-AD07-CF0778A4B2F4}" dt="2024-12-03T14:14:00.069" v="1318" actId="20577"/>
+          <ac:spMkLst>
+            <pc:docMk/>
+            <pc:sldMk cId="2902811654" sldId="297"/>
+            <ac:spMk id="5" creationId="{EB6C262D-77CA-287C-A5E0-CF41E40A1100}"/>
+          </ac:spMkLst>
+        </pc:spChg>
+      </pc:sldChg>
+      <pc:sldChg chg="modSp mod">
+        <pc:chgData name="Are Mjaavatten" userId="00bb58f78e5d171c" providerId="LiveId" clId="{F7E50110-C233-47BD-AD07-CF0778A4B2F4}" dt="2024-12-03T14:42:06.008" v="1441" actId="255"/>
+        <pc:sldMkLst>
+          <pc:docMk/>
+          <pc:sldMk cId="499171047" sldId="317"/>
+        </pc:sldMkLst>
+        <pc:spChg chg="mod">
+          <ac:chgData name="Are Mjaavatten" userId="00bb58f78e5d171c" providerId="LiveId" clId="{F7E50110-C233-47BD-AD07-CF0778A4B2F4}" dt="2024-12-03T14:38:36.858" v="1363" actId="27636"/>
+          <ac:spMkLst>
+            <pc:docMk/>
+            <pc:sldMk cId="499171047" sldId="317"/>
+            <ac:spMk id="4" creationId="{821CEF42-FFC5-DFCE-1ABD-D43F48BC47A8}"/>
+          </ac:spMkLst>
+        </pc:spChg>
+        <pc:spChg chg="mod">
+          <ac:chgData name="Are Mjaavatten" userId="00bb58f78e5d171c" providerId="LiveId" clId="{F7E50110-C233-47BD-AD07-CF0778A4B2F4}" dt="2024-12-03T14:42:06.008" v="1441" actId="255"/>
+          <ac:spMkLst>
+            <pc:docMk/>
+            <pc:sldMk cId="499171047" sldId="317"/>
+            <ac:spMk id="5" creationId="{C3A6AED0-963F-1F14-8584-8D0BE40B8A6F}"/>
+          </ac:spMkLst>
+        </pc:spChg>
       </pc:sldChg>
     </pc:docChg>
   </pc:docChgLst>
@@ -1282,7 +1353,7 @@
   <pc:docChgLst>
     <pc:chgData name="Are Mjaavatten" userId="00bb58f78e5d171c" providerId="LiveId" clId="{055438CC-AB35-4861-8EC0-1B0371FB636C}"/>
     <pc:docChg chg="undo custSel addSld delSld modSld sldOrd">
-      <pc:chgData name="Are Mjaavatten" userId="00bb58f78e5d171c" providerId="LiveId" clId="{055438CC-AB35-4861-8EC0-1B0371FB636C}" dt="2024-11-30T19:27:30.139" v="3672"/>
+      <pc:chgData name="Are Mjaavatten" userId="00bb58f78e5d171c" providerId="LiveId" clId="{055438CC-AB35-4861-8EC0-1B0371FB636C}" dt="2024-12-02T22:07:04.101" v="4788" actId="255"/>
       <pc:docMkLst>
         <pc:docMk/>
       </pc:docMkLst>
@@ -1387,13 +1458,13 @@
         </pc:cxnChg>
       </pc:sldChg>
       <pc:sldChg chg="modSp mod">
-        <pc:chgData name="Are Mjaavatten" userId="00bb58f78e5d171c" providerId="LiveId" clId="{055438CC-AB35-4861-8EC0-1B0371FB636C}" dt="2024-11-30T16:15:56.523" v="3268" actId="20577"/>
+        <pc:chgData name="Are Mjaavatten" userId="00bb58f78e5d171c" providerId="LiveId" clId="{055438CC-AB35-4861-8EC0-1B0371FB636C}" dt="2024-12-02T16:18:45.916" v="3783" actId="20577"/>
         <pc:sldMkLst>
           <pc:docMk/>
           <pc:sldMk cId="993497870" sldId="265"/>
         </pc:sldMkLst>
         <pc:spChg chg="mod">
-          <ac:chgData name="Are Mjaavatten" userId="00bb58f78e5d171c" providerId="LiveId" clId="{055438CC-AB35-4861-8EC0-1B0371FB636C}" dt="2024-11-30T16:15:56.523" v="3268" actId="20577"/>
+          <ac:chgData name="Are Mjaavatten" userId="00bb58f78e5d171c" providerId="LiveId" clId="{055438CC-AB35-4861-8EC0-1B0371FB636C}" dt="2024-12-02T16:18:45.916" v="3783" actId="20577"/>
           <ac:spMkLst>
             <pc:docMk/>
             <pc:sldMk cId="993497870" sldId="265"/>
@@ -1598,13 +1669,28 @@
         </pc:sldMkLst>
       </pc:sldChg>
       <pc:sldChg chg="modSp mod">
-        <pc:chgData name="Are Mjaavatten" userId="00bb58f78e5d171c" providerId="LiveId" clId="{055438CC-AB35-4861-8EC0-1B0371FB636C}" dt="2024-11-18T15:10:36.864" v="2822" actId="20577"/>
+        <pc:chgData name="Are Mjaavatten" userId="00bb58f78e5d171c" providerId="LiveId" clId="{055438CC-AB35-4861-8EC0-1B0371FB636C}" dt="2024-12-02T16:45:18.183" v="3806" actId="20577"/>
+        <pc:sldMkLst>
+          <pc:docMk/>
+          <pc:sldMk cId="2086630511" sldId="284"/>
+        </pc:sldMkLst>
+        <pc:spChg chg="mod">
+          <ac:chgData name="Are Mjaavatten" userId="00bb58f78e5d171c" providerId="LiveId" clId="{055438CC-AB35-4861-8EC0-1B0371FB636C}" dt="2024-12-02T16:45:18.183" v="3806" actId="20577"/>
+          <ac:spMkLst>
+            <pc:docMk/>
+            <pc:sldMk cId="2086630511" sldId="284"/>
+            <ac:spMk id="3" creationId="{5450935E-3A40-D7CF-8176-D0364C5C9505}"/>
+          </ac:spMkLst>
+        </pc:spChg>
+      </pc:sldChg>
+      <pc:sldChg chg="modSp mod ord">
+        <pc:chgData name="Are Mjaavatten" userId="00bb58f78e5d171c" providerId="LiveId" clId="{055438CC-AB35-4861-8EC0-1B0371FB636C}" dt="2024-12-02T16:00:13.839" v="3781" actId="20577"/>
         <pc:sldMkLst>
           <pc:docMk/>
           <pc:sldMk cId="884547013" sldId="285"/>
         </pc:sldMkLst>
         <pc:spChg chg="mod">
-          <ac:chgData name="Are Mjaavatten" userId="00bb58f78e5d171c" providerId="LiveId" clId="{055438CC-AB35-4861-8EC0-1B0371FB636C}" dt="2024-11-18T15:10:36.864" v="2822" actId="20577"/>
+          <ac:chgData name="Are Mjaavatten" userId="00bb58f78e5d171c" providerId="LiveId" clId="{055438CC-AB35-4861-8EC0-1B0371FB636C}" dt="2024-12-02T16:00:13.839" v="3781" actId="20577"/>
           <ac:spMkLst>
             <pc:docMk/>
             <pc:sldMk cId="884547013" sldId="285"/>
@@ -1678,6 +1764,21 @@
             <pc:docMk/>
             <pc:sldMk cId="3156030858" sldId="288"/>
             <ac:spMk id="2" creationId="{B43B8408-7F68-1587-2CB1-314D6FF1119D}"/>
+          </ac:spMkLst>
+        </pc:spChg>
+      </pc:sldChg>
+      <pc:sldChg chg="modSp mod">
+        <pc:chgData name="Are Mjaavatten" userId="00bb58f78e5d171c" providerId="LiveId" clId="{055438CC-AB35-4861-8EC0-1B0371FB636C}" dt="2024-12-02T16:46:47.243" v="3807" actId="790"/>
+        <pc:sldMkLst>
+          <pc:docMk/>
+          <pc:sldMk cId="2204234833" sldId="290"/>
+        </pc:sldMkLst>
+        <pc:spChg chg="mod">
+          <ac:chgData name="Are Mjaavatten" userId="00bb58f78e5d171c" providerId="LiveId" clId="{055438CC-AB35-4861-8EC0-1B0371FB636C}" dt="2024-12-02T16:46:47.243" v="3807" actId="790"/>
+          <ac:spMkLst>
+            <pc:docMk/>
+            <pc:sldMk cId="2204234833" sldId="290"/>
+            <ac:spMk id="3" creationId="{2E6D2D2F-9CE8-051E-3EDD-49C2FA6ADBD3}"/>
           </ac:spMkLst>
         </pc:spChg>
       </pc:sldChg>
@@ -1882,14 +1983,6 @@
             <ac:spMk id="3" creationId="{AF115D75-50D7-658E-D124-041FD9D2F244}"/>
           </ac:spMkLst>
         </pc:spChg>
-        <pc:picChg chg="add del mod">
-          <ac:chgData name="Are Mjaavatten" userId="00bb58f78e5d171c" providerId="LiveId" clId="{055438CC-AB35-4861-8EC0-1B0371FB636C}" dt="2024-11-30T16:09:21.669" v="3149" actId="478"/>
-          <ac:picMkLst>
-            <pc:docMk/>
-            <pc:sldMk cId="3201626842" sldId="295"/>
-            <ac:picMk id="5" creationId="{BC1B285A-E9AB-4385-AE7B-0F54AAB3EDD5}"/>
-          </ac:picMkLst>
-        </pc:picChg>
         <pc:picChg chg="add mod">
           <ac:chgData name="Are Mjaavatten" userId="00bb58f78e5d171c" providerId="LiveId" clId="{055438CC-AB35-4861-8EC0-1B0371FB636C}" dt="2024-11-30T16:09:46.668" v="3154" actId="14100"/>
           <ac:picMkLst>
@@ -1907,13 +2000,13 @@
         </pc:sldMkLst>
       </pc:sldChg>
       <pc:sldChg chg="modSp add mod">
-        <pc:chgData name="Are Mjaavatten" userId="00bb58f78e5d171c" providerId="LiveId" clId="{055438CC-AB35-4861-8EC0-1B0371FB636C}" dt="2024-11-30T17:13:52.373" v="3621" actId="20577"/>
+        <pc:chgData name="Are Mjaavatten" userId="00bb58f78e5d171c" providerId="LiveId" clId="{055438CC-AB35-4861-8EC0-1B0371FB636C}" dt="2024-12-02T16:20:01.881" v="3798" actId="1076"/>
         <pc:sldMkLst>
           <pc:docMk/>
           <pc:sldMk cId="2902811654" sldId="297"/>
         </pc:sldMkLst>
         <pc:spChg chg="mod">
-          <ac:chgData name="Are Mjaavatten" userId="00bb58f78e5d171c" providerId="LiveId" clId="{055438CC-AB35-4861-8EC0-1B0371FB636C}" dt="2024-11-30T17:13:02.710" v="3606" actId="20577"/>
+          <ac:chgData name="Are Mjaavatten" userId="00bb58f78e5d171c" providerId="LiveId" clId="{055438CC-AB35-4861-8EC0-1B0371FB636C}" dt="2024-12-01T16:37:58.819" v="3680" actId="20577"/>
           <ac:spMkLst>
             <pc:docMk/>
             <pc:sldMk cId="2902811654" sldId="297"/>
@@ -1921,13 +2014,29 @@
           </ac:spMkLst>
         </pc:spChg>
         <pc:spChg chg="mod">
-          <ac:chgData name="Are Mjaavatten" userId="00bb58f78e5d171c" providerId="LiveId" clId="{055438CC-AB35-4861-8EC0-1B0371FB636C}" dt="2024-11-30T17:13:52.373" v="3621" actId="20577"/>
+          <ac:chgData name="Are Mjaavatten" userId="00bb58f78e5d171c" providerId="LiveId" clId="{055438CC-AB35-4861-8EC0-1B0371FB636C}" dt="2024-12-02T16:20:01.881" v="3798" actId="1076"/>
+          <ac:spMkLst>
+            <pc:docMk/>
+            <pc:sldMk cId="2902811654" sldId="297"/>
+            <ac:spMk id="4" creationId="{CED2EB5C-5D9A-F90A-D849-EF4439D2EF4D}"/>
+          </ac:spMkLst>
+        </pc:spChg>
+        <pc:spChg chg="mod">
+          <ac:chgData name="Are Mjaavatten" userId="00bb58f78e5d171c" providerId="LiveId" clId="{055438CC-AB35-4861-8EC0-1B0371FB636C}" dt="2024-12-02T16:19:37.293" v="3795" actId="20577"/>
           <ac:spMkLst>
             <pc:docMk/>
             <pc:sldMk cId="2902811654" sldId="297"/>
             <ac:spMk id="5" creationId="{EB6C262D-77CA-287C-A5E0-CF41E40A1100}"/>
           </ac:spMkLst>
         </pc:spChg>
+        <pc:cxnChg chg="mod">
+          <ac:chgData name="Are Mjaavatten" userId="00bb58f78e5d171c" providerId="LiveId" clId="{055438CC-AB35-4861-8EC0-1B0371FB636C}" dt="2024-12-02T16:19:50.945" v="3797" actId="1076"/>
+          <ac:cxnSpMkLst>
+            <pc:docMk/>
+            <pc:sldMk cId="2902811654" sldId="297"/>
+            <ac:cxnSpMk id="7" creationId="{C975A1F5-9977-90B9-49A2-B8B084A83779}"/>
+          </ac:cxnSpMkLst>
+        </pc:cxnChg>
       </pc:sldChg>
       <pc:sldChg chg="addSp delSp modSp new mod">
         <pc:chgData name="Are Mjaavatten" userId="00bb58f78e5d171c" providerId="LiveId" clId="{055438CC-AB35-4861-8EC0-1B0371FB636C}" dt="2024-11-30T16:57:56.739" v="3578" actId="1076"/>
@@ -1943,14 +2052,6 @@
             <ac:spMk id="2" creationId="{42ED12A1-553C-C2B1-D588-B3533A675C5C}"/>
           </ac:spMkLst>
         </pc:spChg>
-        <pc:spChg chg="del">
-          <ac:chgData name="Are Mjaavatten" userId="00bb58f78e5d171c" providerId="LiveId" clId="{055438CC-AB35-4861-8EC0-1B0371FB636C}" dt="2024-11-30T16:40:53.589" v="3432" actId="22"/>
-          <ac:spMkLst>
-            <pc:docMk/>
-            <pc:sldMk cId="3000256276" sldId="298"/>
-            <ac:spMk id="3" creationId="{4D3E6FB1-625C-2327-B641-6AA02AA5864F}"/>
-          </ac:spMkLst>
-        </pc:spChg>
         <pc:spChg chg="add mod">
           <ac:chgData name="Are Mjaavatten" userId="00bb58f78e5d171c" providerId="LiveId" clId="{055438CC-AB35-4861-8EC0-1B0371FB636C}" dt="2024-11-30T16:57:56.739" v="3578" actId="1076"/>
           <ac:spMkLst>
@@ -1959,36 +2060,12 @@
             <ac:spMk id="7" creationId="{5B2383CE-ACEC-503D-3965-871DE127A4F7}"/>
           </ac:spMkLst>
         </pc:spChg>
-        <pc:picChg chg="add del mod ord modCrop">
-          <ac:chgData name="Are Mjaavatten" userId="00bb58f78e5d171c" providerId="LiveId" clId="{055438CC-AB35-4861-8EC0-1B0371FB636C}" dt="2024-11-30T16:47:30.894" v="3442" actId="478"/>
-          <ac:picMkLst>
-            <pc:docMk/>
-            <pc:sldMk cId="3000256276" sldId="298"/>
-            <ac:picMk id="5" creationId="{01B9C333-ABFA-F6D4-08B4-66109FFF1ED5}"/>
-          </ac:picMkLst>
-        </pc:picChg>
         <pc:picChg chg="add mod">
           <ac:chgData name="Are Mjaavatten" userId="00bb58f78e5d171c" providerId="LiveId" clId="{055438CC-AB35-4861-8EC0-1B0371FB636C}" dt="2024-11-30T16:57:30.374" v="3573" actId="1076"/>
           <ac:picMkLst>
             <pc:docMk/>
             <pc:sldMk cId="3000256276" sldId="298"/>
             <ac:picMk id="9" creationId="{94D8929B-4B08-240F-AFAE-7A7BE05E9E3F}"/>
-          </ac:picMkLst>
-        </pc:picChg>
-        <pc:picChg chg="add del mod">
-          <ac:chgData name="Are Mjaavatten" userId="00bb58f78e5d171c" providerId="LiveId" clId="{055438CC-AB35-4861-8EC0-1B0371FB636C}" dt="2024-11-30T16:52:24.408" v="3453" actId="478"/>
-          <ac:picMkLst>
-            <pc:docMk/>
-            <pc:sldMk cId="3000256276" sldId="298"/>
-            <ac:picMk id="11" creationId="{BECA05AF-704D-7C27-3EBD-68C82D738643}"/>
-          </ac:picMkLst>
-        </pc:picChg>
-        <pc:picChg chg="add del mod">
-          <ac:chgData name="Are Mjaavatten" userId="00bb58f78e5d171c" providerId="LiveId" clId="{055438CC-AB35-4861-8EC0-1B0371FB636C}" dt="2024-11-30T16:55:18.060" v="3466" actId="478"/>
-          <ac:picMkLst>
-            <pc:docMk/>
-            <pc:sldMk cId="3000256276" sldId="298"/>
-            <ac:picMk id="13" creationId="{294DE390-C93F-DD53-9D6B-AF76794805AE}"/>
           </ac:picMkLst>
         </pc:picChg>
       </pc:sldChg>
@@ -2005,6 +2082,156 @@
           <pc:docMk/>
           <pc:sldMk cId="4269072818" sldId="315"/>
         </pc:sldMkLst>
+      </pc:sldChg>
+      <pc:sldChg chg="addSp delSp modSp new mod">
+        <pc:chgData name="Are Mjaavatten" userId="00bb58f78e5d171c" providerId="LiveId" clId="{055438CC-AB35-4861-8EC0-1B0371FB636C}" dt="2024-12-02T17:22:49.315" v="4138" actId="20577"/>
+        <pc:sldMkLst>
+          <pc:docMk/>
+          <pc:sldMk cId="3633369149" sldId="316"/>
+        </pc:sldMkLst>
+        <pc:spChg chg="mod">
+          <ac:chgData name="Are Mjaavatten" userId="00bb58f78e5d171c" providerId="LiveId" clId="{055438CC-AB35-4861-8EC0-1B0371FB636C}" dt="2024-12-02T16:58:42.816" v="3864" actId="404"/>
+          <ac:spMkLst>
+            <pc:docMk/>
+            <pc:sldMk cId="3633369149" sldId="316"/>
+            <ac:spMk id="2" creationId="{CBDB9558-8EBB-0E92-EBD6-A2DA874EDF79}"/>
+          </ac:spMkLst>
+        </pc:spChg>
+        <pc:spChg chg="add del mod">
+          <ac:chgData name="Are Mjaavatten" userId="00bb58f78e5d171c" providerId="LiveId" clId="{055438CC-AB35-4861-8EC0-1B0371FB636C}" dt="2024-12-02T17:22:49.315" v="4138" actId="20577"/>
+          <ac:spMkLst>
+            <pc:docMk/>
+            <pc:sldMk cId="3633369149" sldId="316"/>
+            <ac:spMk id="3" creationId="{AFDCFD55-3A44-7836-029B-B979781BFB28}"/>
+          </ac:spMkLst>
+        </pc:spChg>
+        <pc:spChg chg="add mod">
+          <ac:chgData name="Are Mjaavatten" userId="00bb58f78e5d171c" providerId="LiveId" clId="{055438CC-AB35-4861-8EC0-1B0371FB636C}" dt="2024-12-02T17:11:12.846" v="4020" actId="1076"/>
+          <ac:spMkLst>
+            <pc:docMk/>
+            <pc:sldMk cId="3633369149" sldId="316"/>
+            <ac:spMk id="11" creationId="{9F40E2E0-6DA8-23E8-A6F4-1C4D45CDD135}"/>
+          </ac:spMkLst>
+        </pc:spChg>
+        <pc:spChg chg="add mod">
+          <ac:chgData name="Are Mjaavatten" userId="00bb58f78e5d171c" providerId="LiveId" clId="{055438CC-AB35-4861-8EC0-1B0371FB636C}" dt="2024-12-02T17:21:44.365" v="4137" actId="14100"/>
+          <ac:spMkLst>
+            <pc:docMk/>
+            <pc:sldMk cId="3633369149" sldId="316"/>
+            <ac:spMk id="18" creationId="{D882BC6F-27C7-6685-C18B-453DFA254877}"/>
+          </ac:spMkLst>
+        </pc:spChg>
+        <pc:graphicFrameChg chg="add mod">
+          <ac:chgData name="Are Mjaavatten" userId="00bb58f78e5d171c" providerId="LiveId" clId="{055438CC-AB35-4861-8EC0-1B0371FB636C}" dt="2024-12-02T16:59:02.075" v="3866"/>
+          <ac:graphicFrameMkLst>
+            <pc:docMk/>
+            <pc:sldMk cId="3633369149" sldId="316"/>
+            <ac:graphicFrameMk id="4" creationId="{7EC5787E-CD9C-9306-C92C-3D0C9C54B77C}"/>
+          </ac:graphicFrameMkLst>
+        </pc:graphicFrameChg>
+        <pc:graphicFrameChg chg="add mod modGraphic">
+          <ac:chgData name="Are Mjaavatten" userId="00bb58f78e5d171c" providerId="LiveId" clId="{055438CC-AB35-4861-8EC0-1B0371FB636C}" dt="2024-12-02T17:00:37.603" v="3931" actId="14734"/>
+          <ac:graphicFrameMkLst>
+            <pc:docMk/>
+            <pc:sldMk cId="3633369149" sldId="316"/>
+            <ac:graphicFrameMk id="5" creationId="{D214DE1E-3CBF-2B41-45FB-4965CE50CF00}"/>
+          </ac:graphicFrameMkLst>
+        </pc:graphicFrameChg>
+        <pc:graphicFrameChg chg="add mod modGraphic">
+          <ac:chgData name="Are Mjaavatten" userId="00bb58f78e5d171c" providerId="LiveId" clId="{055438CC-AB35-4861-8EC0-1B0371FB636C}" dt="2024-12-02T17:19:19.064" v="4105" actId="1035"/>
+          <ac:graphicFrameMkLst>
+            <pc:docMk/>
+            <pc:sldMk cId="3633369149" sldId="316"/>
+            <ac:graphicFrameMk id="6" creationId="{28426C0B-476D-19D4-1A2C-3D427061C493}"/>
+          </ac:graphicFrameMkLst>
+        </pc:graphicFrameChg>
+        <pc:picChg chg="add del mod">
+          <ac:chgData name="Are Mjaavatten" userId="00bb58f78e5d171c" providerId="LiveId" clId="{055438CC-AB35-4861-8EC0-1B0371FB636C}" dt="2024-12-02T17:08:49.938" v="3958" actId="478"/>
+          <ac:picMkLst>
+            <pc:docMk/>
+            <pc:sldMk cId="3633369149" sldId="316"/>
+            <ac:picMk id="8" creationId="{C58DA10F-BA72-9549-6ADC-0F751F64909A}"/>
+          </ac:picMkLst>
+        </pc:picChg>
+        <pc:picChg chg="add mod">
+          <ac:chgData name="Are Mjaavatten" userId="00bb58f78e5d171c" providerId="LiveId" clId="{055438CC-AB35-4861-8EC0-1B0371FB636C}" dt="2024-12-02T17:11:02.651" v="4019" actId="1076"/>
+          <ac:picMkLst>
+            <pc:docMk/>
+            <pc:sldMk cId="3633369149" sldId="316"/>
+            <ac:picMk id="10" creationId="{66CD94DF-865D-745A-CEE7-C80F1359134E}"/>
+          </ac:picMkLst>
+        </pc:picChg>
+        <pc:picChg chg="add del">
+          <ac:chgData name="Are Mjaavatten" userId="00bb58f78e5d171c" providerId="LiveId" clId="{055438CC-AB35-4861-8EC0-1B0371FB636C}" dt="2024-12-02T17:13:20.487" v="4022" actId="478"/>
+          <ac:picMkLst>
+            <pc:docMk/>
+            <pc:sldMk cId="3633369149" sldId="316"/>
+            <ac:picMk id="13" creationId="{7DCE9244-428C-C902-4BB0-BFD3848FD47A}"/>
+          </ac:picMkLst>
+        </pc:picChg>
+        <pc:picChg chg="add del mod">
+          <ac:chgData name="Are Mjaavatten" userId="00bb58f78e5d171c" providerId="LiveId" clId="{055438CC-AB35-4861-8EC0-1B0371FB636C}" dt="2024-12-02T17:14:50.133" v="4025" actId="478"/>
+          <ac:picMkLst>
+            <pc:docMk/>
+            <pc:sldMk cId="3633369149" sldId="316"/>
+            <ac:picMk id="15" creationId="{825F9D72-984A-A7AE-0FC8-F96CE591173A}"/>
+          </ac:picMkLst>
+        </pc:picChg>
+        <pc:picChg chg="add mod">
+          <ac:chgData name="Are Mjaavatten" userId="00bb58f78e5d171c" providerId="LiveId" clId="{055438CC-AB35-4861-8EC0-1B0371FB636C}" dt="2024-12-02T17:14:58.290" v="4027" actId="1076"/>
+          <ac:picMkLst>
+            <pc:docMk/>
+            <pc:sldMk cId="3633369149" sldId="316"/>
+            <ac:picMk id="17" creationId="{092FC71F-0969-6E58-55EF-1808F9E1A29D}"/>
+          </ac:picMkLst>
+        </pc:picChg>
+      </pc:sldChg>
+      <pc:sldChg chg="addSp delSp modSp new mod modClrScheme chgLayout">
+        <pc:chgData name="Are Mjaavatten" userId="00bb58f78e5d171c" providerId="LiveId" clId="{055438CC-AB35-4861-8EC0-1B0371FB636C}" dt="2024-12-02T22:07:04.101" v="4788" actId="255"/>
+        <pc:sldMkLst>
+          <pc:docMk/>
+          <pc:sldMk cId="499171047" sldId="317"/>
+        </pc:sldMkLst>
+        <pc:spChg chg="mod ord">
+          <ac:chgData name="Are Mjaavatten" userId="00bb58f78e5d171c" providerId="LiveId" clId="{055438CC-AB35-4861-8EC0-1B0371FB636C}" dt="2024-12-02T17:27:07.130" v="4166" actId="700"/>
+          <ac:spMkLst>
+            <pc:docMk/>
+            <pc:sldMk cId="499171047" sldId="317"/>
+            <ac:spMk id="2" creationId="{C319B966-DCFA-55AF-209B-E5865DA1EC17}"/>
+          </ac:spMkLst>
+        </pc:spChg>
+        <pc:spChg chg="del">
+          <ac:chgData name="Are Mjaavatten" userId="00bb58f78e5d171c" providerId="LiveId" clId="{055438CC-AB35-4861-8EC0-1B0371FB636C}" dt="2024-12-02T17:26:40.006" v="4165" actId="700"/>
+          <ac:spMkLst>
+            <pc:docMk/>
+            <pc:sldMk cId="499171047" sldId="317"/>
+            <ac:spMk id="3" creationId="{2B95194D-2F0D-7100-8851-D969A180B230}"/>
+          </ac:spMkLst>
+        </pc:spChg>
+        <pc:spChg chg="add del mod ord">
+          <ac:chgData name="Are Mjaavatten" userId="00bb58f78e5d171c" providerId="LiveId" clId="{055438CC-AB35-4861-8EC0-1B0371FB636C}" dt="2024-12-02T17:38:13.867" v="4382"/>
+          <ac:spMkLst>
+            <pc:docMk/>
+            <pc:sldMk cId="499171047" sldId="317"/>
+            <ac:spMk id="4" creationId="{821CEF42-FFC5-DFCE-1ABD-D43F48BC47A8}"/>
+          </ac:spMkLst>
+        </pc:spChg>
+        <pc:spChg chg="add mod">
+          <ac:chgData name="Are Mjaavatten" userId="00bb58f78e5d171c" providerId="LiveId" clId="{055438CC-AB35-4861-8EC0-1B0371FB636C}" dt="2024-12-02T22:07:04.101" v="4788" actId="255"/>
+          <ac:spMkLst>
+            <pc:docMk/>
+            <pc:sldMk cId="499171047" sldId="317"/>
+            <ac:spMk id="5" creationId="{C3A6AED0-963F-1F14-8584-8D0BE40B8A6F}"/>
+          </ac:spMkLst>
+        </pc:spChg>
+        <pc:spChg chg="add del mod">
+          <ac:chgData name="Are Mjaavatten" userId="00bb58f78e5d171c" providerId="LiveId" clId="{055438CC-AB35-4861-8EC0-1B0371FB636C}" dt="2024-12-02T17:31:49.884" v="4222" actId="478"/>
+          <ac:spMkLst>
+            <pc:docMk/>
+            <pc:sldMk cId="499171047" sldId="317"/>
+            <ac:spMk id="7" creationId="{50AB6590-90D8-9849-8173-FE7DAD84573F}"/>
+          </ac:spMkLst>
+        </pc:spChg>
       </pc:sldChg>
     </pc:docChg>
   </pc:docChgLst>
@@ -2160,7 +2387,7 @@
           <a:p>
             <a:fld id="{DEC79A4E-9175-427E-BE99-C1822657C876}" type="datetimeFigureOut">
               <a:rPr lang="en-GB" smtClean="0"/>
-              <a:t>30/11/2024</a:t>
+              <a:t>03/12/2024</a:t>
             </a:fld>
             <a:endParaRPr lang="en-GB"/>
           </a:p>
@@ -2360,7 +2587,7 @@
           <a:p>
             <a:fld id="{DEC79A4E-9175-427E-BE99-C1822657C876}" type="datetimeFigureOut">
               <a:rPr lang="en-GB" smtClean="0"/>
-              <a:t>30/11/2024</a:t>
+              <a:t>03/12/2024</a:t>
             </a:fld>
             <a:endParaRPr lang="en-GB"/>
           </a:p>
@@ -2570,7 +2797,7 @@
           <a:p>
             <a:fld id="{DEC79A4E-9175-427E-BE99-C1822657C876}" type="datetimeFigureOut">
               <a:rPr lang="en-GB" smtClean="0"/>
-              <a:t>30/11/2024</a:t>
+              <a:t>03/12/2024</a:t>
             </a:fld>
             <a:endParaRPr lang="en-GB"/>
           </a:p>
@@ -2770,7 +2997,7 @@
           <a:p>
             <a:fld id="{DEC79A4E-9175-427E-BE99-C1822657C876}" type="datetimeFigureOut">
               <a:rPr lang="en-GB" smtClean="0"/>
-              <a:t>30/11/2024</a:t>
+              <a:t>03/12/2024</a:t>
             </a:fld>
             <a:endParaRPr lang="en-GB"/>
           </a:p>
@@ -3046,7 +3273,7 @@
           <a:p>
             <a:fld id="{DEC79A4E-9175-427E-BE99-C1822657C876}" type="datetimeFigureOut">
               <a:rPr lang="en-GB" smtClean="0"/>
-              <a:t>30/11/2024</a:t>
+              <a:t>03/12/2024</a:t>
             </a:fld>
             <a:endParaRPr lang="en-GB"/>
           </a:p>
@@ -3314,7 +3541,7 @@
           <a:p>
             <a:fld id="{DEC79A4E-9175-427E-BE99-C1822657C876}" type="datetimeFigureOut">
               <a:rPr lang="en-GB" smtClean="0"/>
-              <a:t>30/11/2024</a:t>
+              <a:t>03/12/2024</a:t>
             </a:fld>
             <a:endParaRPr lang="en-GB"/>
           </a:p>
@@ -3729,7 +3956,7 @@
           <a:p>
             <a:fld id="{DEC79A4E-9175-427E-BE99-C1822657C876}" type="datetimeFigureOut">
               <a:rPr lang="en-GB" smtClean="0"/>
-              <a:t>30/11/2024</a:t>
+              <a:t>03/12/2024</a:t>
             </a:fld>
             <a:endParaRPr lang="en-GB"/>
           </a:p>
@@ -3871,7 +4098,7 @@
           <a:p>
             <a:fld id="{DEC79A4E-9175-427E-BE99-C1822657C876}" type="datetimeFigureOut">
               <a:rPr lang="en-GB" smtClean="0"/>
-              <a:t>30/11/2024</a:t>
+              <a:t>03/12/2024</a:t>
             </a:fld>
             <a:endParaRPr lang="en-GB"/>
           </a:p>
@@ -3984,7 +4211,7 @@
           <a:p>
             <a:fld id="{DEC79A4E-9175-427E-BE99-C1822657C876}" type="datetimeFigureOut">
               <a:rPr lang="en-GB" smtClean="0"/>
-              <a:t>30/11/2024</a:t>
+              <a:t>03/12/2024</a:t>
             </a:fld>
             <a:endParaRPr lang="en-GB"/>
           </a:p>
@@ -4297,7 +4524,7 @@
           <a:p>
             <a:fld id="{DEC79A4E-9175-427E-BE99-C1822657C876}" type="datetimeFigureOut">
               <a:rPr lang="en-GB" smtClean="0"/>
-              <a:t>30/11/2024</a:t>
+              <a:t>03/12/2024</a:t>
             </a:fld>
             <a:endParaRPr lang="en-GB"/>
           </a:p>
@@ -4586,7 +4813,7 @@
           <a:p>
             <a:fld id="{DEC79A4E-9175-427E-BE99-C1822657C876}" type="datetimeFigureOut">
               <a:rPr lang="en-GB" smtClean="0"/>
-              <a:t>30/11/2024</a:t>
+              <a:t>03/12/2024</a:t>
             </a:fld>
             <a:endParaRPr lang="en-GB"/>
           </a:p>
@@ -4829,7 +5056,7 @@
           <a:p>
             <a:fld id="{DEC79A4E-9175-427E-BE99-C1822657C876}" type="datetimeFigureOut">
               <a:rPr lang="en-GB" smtClean="0"/>
-              <a:t>30/11/2024</a:t>
+              <a:t>03/12/2024</a:t>
             </a:fld>
             <a:endParaRPr lang="en-GB"/>
           </a:p>
@@ -8202,8 +8429,8 @@
           </a:p>
         </p:txBody>
       </p:sp>
-      <mc:AlternateContent xmlns:mc="http://schemas.openxmlformats.org/markup-compatibility/2006">
-        <mc:Choice xmlns:a14="http://schemas.microsoft.com/office/drawing/2010/main" Requires="a14">
+      <mc:AlternateContent xmlns:mc="http://schemas.openxmlformats.org/markup-compatibility/2006" xmlns:a14="http://schemas.microsoft.com/office/drawing/2010/main">
+        <mc:Choice Requires="a14">
           <p:sp>
             <p:nvSpPr>
               <p:cNvPr id="3" name="Content Placeholder 2">
@@ -8631,7 +8858,7 @@
             </p:txBody>
           </p:sp>
         </mc:Choice>
-        <mc:Fallback>
+        <mc:Fallback xmlns="">
           <p:sp>
             <p:nvSpPr>
               <p:cNvPr id="3" name="Content Placeholder 2">
@@ -9892,7 +10119,7 @@
                 <a:latin typeface="Consolas" panose="020B0609020204030204" pitchFamily="49" charset="0"/>
                 <a:cs typeface="Courier New" panose="02070309020205020404" pitchFamily="49" charset="0"/>
               </a:rPr>
-              <a:t>(datafolder,”Subfolder1/Aa.txt”)</a:t>
+              <a:t>(datafolder,'Subfolder1/Aa.txt')</a:t>
             </a:r>
           </a:p>
         </p:txBody>
@@ -9988,7 +10215,7 @@
             </a:r>
             <a:r>
               <a:rPr lang="en-GB" dirty="0" err="1"/>
-              <a:t>datafolder_template</a:t>
+              <a:t>datafolder_template.m</a:t>
             </a:r>
             <a:r>
               <a:rPr lang="en-GB" dirty="0"/>
@@ -10213,7 +10440,7 @@
             </a:r>
             <a:r>
               <a:rPr lang="en-GB" dirty="0" err="1"/>
-              <a:t>Trelax</a:t>
+              <a:t>Tzip</a:t>
             </a:r>
             <a:r>
               <a:rPr lang="en-GB" dirty="0"/>
@@ -10303,7 +10530,7 @@
               <a:rPr lang="en-GB" sz="2000" dirty="0">
                 <a:latin typeface="Consolas" panose="020B0609020204030204" pitchFamily="49" charset="0"/>
               </a:rPr>
-              <a:t>("aA.txt",1);</a:t>
+              <a:t>('subfolder1/aA.txt',1);</a:t>
             </a:r>
           </a:p>
         </p:txBody>
@@ -10322,7 +10549,7 @@
         </p:nvSpPr>
         <p:spPr>
           <a:xfrm>
-            <a:off x="7734783" y="6063289"/>
+            <a:off x="9115527" y="6057024"/>
             <a:ext cx="1493134" cy="369332"/>
           </a:xfrm>
           <a:prstGeom prst="rect">
@@ -10362,7 +10589,7 @@
         </p:nvCxnSpPr>
         <p:spPr>
           <a:xfrm flipH="1" flipV="1">
-            <a:off x="7260336" y="5930213"/>
+            <a:off x="8577072" y="5880845"/>
             <a:ext cx="474447" cy="385239"/>
           </a:xfrm>
           <a:prstGeom prst="straightConnector1">
@@ -10852,11 +11079,11 @@
           <a:p>
             <a:r>
               <a:rPr lang="en-GB" dirty="0" err="1"/>
-              <a:t>Trapx</a:t>
-            </a:r>
-            <a:r>
-              <a:rPr lang="en-GB" dirty="0"/>
-              <a:t>		</a:t>
+              <a:t>Ripx</a:t>
+            </a:r>
+            <a:r>
+              <a:rPr lang="en-GB" dirty="0"/>
+              <a:t>			</a:t>
             </a:r>
             <a:r>
               <a:rPr lang="en-GB" sz="2000" dirty="0"/>
@@ -12370,7 +12597,7 @@
           <p:cNvPr id="2" name="Title 1">
             <a:extLst>
               <a:ext uri="{FF2B5EF4-FFF2-40B4-BE49-F238E27FC236}">
-                <a16:creationId xmlns:a16="http://schemas.microsoft.com/office/drawing/2014/main" id="{78D0C970-EEBF-05B1-FF2C-E7E978A7A8DA}"/>
+                <a16:creationId xmlns:a16="http://schemas.microsoft.com/office/drawing/2014/main" id="{C373C1A9-A330-F9C2-C99C-940FD700E964}"/>
               </a:ext>
             </a:extLst>
           </p:cNvPr>
@@ -12388,7 +12615,7 @@
           <a:p>
             <a:r>
               <a:rPr lang="en-GB" dirty="0"/>
-              <a:t>Technical details: Naming conventions</a:t>
+              <a:t>Technical details: Extra heating</a:t>
             </a:r>
           </a:p>
         </p:txBody>
@@ -12398,7 +12625,7 @@
           <p:cNvPr id="3" name="Content Placeholder 2">
             <a:extLst>
               <a:ext uri="{FF2B5EF4-FFF2-40B4-BE49-F238E27FC236}">
-                <a16:creationId xmlns:a16="http://schemas.microsoft.com/office/drawing/2014/main" id="{5450935E-3A40-D7CF-8176-D0364C5C9505}"/>
+                <a16:creationId xmlns:a16="http://schemas.microsoft.com/office/drawing/2014/main" id="{B0163CB2-48D0-F0C3-D103-BDC6D7DEA086}"/>
               </a:ext>
             </a:extLst>
           </p:cNvPr>
@@ -12418,99 +12645,52 @@
           <a:p>
             <a:r>
               <a:rPr lang="en-GB" dirty="0"/>
-              <a:t>Experiment file naming conventions</a:t>
-            </a:r>
-          </a:p>
-          <a:p>
-            <a:pPr lvl="1"/>
-            <a:r>
-              <a:rPr lang="en-GB" dirty="0"/>
-              <a:t>Fiber (individual protein molecule) named by one or two lowercase letters</a:t>
-            </a:r>
-          </a:p>
-          <a:p>
-            <a:pPr lvl="1"/>
-            <a:r>
-              <a:rPr lang="en-GB" dirty="0"/>
-              <a:t>Data from a long experiment may be split over several files. Marked by uppercase letters</a:t>
-            </a:r>
-          </a:p>
-          <a:p>
-            <a:r>
-              <a:rPr lang="en-GB" dirty="0"/>
-              <a:t>Bath Temperature</a:t>
-            </a:r>
-          </a:p>
-          <a:p>
-            <a:pPr lvl="1"/>
-            <a:r>
-              <a:rPr lang="en-GB" dirty="0"/>
-              <a:t>Bath temperature is reported in the COM file as Temperature B.</a:t>
-            </a:r>
-          </a:p>
-          <a:p>
-            <a:pPr lvl="1"/>
-            <a:r>
-              <a:rPr lang="en-GB" dirty="0"/>
-              <a:t>COM file name is given by the </a:t>
+              <a:t>The bath temperature is recorded in the COM file, e.g. aCOM.txt</a:t>
+            </a:r>
+          </a:p>
+          <a:p>
+            <a:r>
+              <a:rPr lang="en-GB" dirty="0"/>
+              <a:t>A separate heating element may increase the chamber temperature above the bath temperature.  The setting for this element is recorded in digits 2 and 3 in the status column in the experiment file.</a:t>
+            </a:r>
+          </a:p>
+          <a:p>
+            <a:r>
+              <a:rPr lang="en-GB" dirty="0"/>
+              <a:t>The mapping from setting to temperature increase is given by the table </a:t>
             </a:r>
             <a:r>
               <a:rPr lang="en-GB" dirty="0" err="1"/>
-              <a:t>fiber</a:t>
-            </a:r>
-            <a:r>
-              <a:rPr lang="en-GB" dirty="0"/>
-              <a:t> name</a:t>
-            </a:r>
-          </a:p>
-          <a:p>
-            <a:pPr lvl="1"/>
-            <a:endParaRPr lang="en-GB" dirty="0"/>
-          </a:p>
-          <a:p>
-            <a:pPr lvl="1"/>
-            <a:r>
-              <a:rPr lang="en-GB" dirty="0"/>
-              <a:t>aA.txt aB.txt: Data from long experiment using </a:t>
+              <a:t>Tlist</a:t>
+            </a:r>
+            <a:r>
+              <a:rPr lang="en-GB" dirty="0"/>
+              <a:t> in </a:t>
             </a:r>
             <a:r>
               <a:rPr lang="en-GB" dirty="0" err="1"/>
-              <a:t>fiber</a:t>
-            </a:r>
-            <a:r>
-              <a:rPr lang="en-GB" dirty="0"/>
-              <a:t> a.  COM file:  aCOM.txt</a:t>
-            </a:r>
-          </a:p>
-          <a:p>
-            <a:pPr lvl="1"/>
-            <a:r>
-              <a:rPr lang="en-GB" dirty="0"/>
-              <a:t>abA.txt:   Experiment using </a:t>
-            </a:r>
-            <a:r>
-              <a:rPr lang="en-GB" dirty="0" err="1"/>
-              <a:t>fiber</a:t>
-            </a:r>
-            <a:r>
-              <a:rPr lang="en-GB" dirty="0"/>
-              <a:t> ab. COM file: abCOM.txt</a:t>
-            </a:r>
-          </a:p>
-          <a:p>
-            <a:pPr lvl="1"/>
-            <a:endParaRPr lang="en-GB" dirty="0"/>
-          </a:p>
-          <a:p>
-            <a:pPr lvl="1"/>
-            <a:endParaRPr lang="en-GB" dirty="0"/>
+              <a:t>params.m</a:t>
+            </a:r>
+            <a:r>
+              <a:rPr lang="en-GB" dirty="0"/>
+              <a:t>.</a:t>
+            </a:r>
+          </a:p>
+          <a:p>
+            <a:endParaRPr lang="en-GB" dirty="0"/>
+          </a:p>
+          <a:p>
+            <a:r>
+              <a:rPr lang="en-GB" dirty="0"/>
+              <a:t>NOTE: Relevant for Steve’s instrument.  Other instruments may handle temperature differently.</a:t>
+            </a:r>
           </a:p>
         </p:txBody>
       </p:sp>
     </p:spTree>
     <p:extLst>
       <p:ext uri="{BB962C8B-B14F-4D97-AF65-F5344CB8AC3E}">
-        <p14:creationId xmlns:p14="http://schemas.microsoft.com/office/powerpoint/2010/main" val="2086630511"/>
+        <p14:creationId xmlns:p14="http://schemas.microsoft.com/office/powerpoint/2010/main" val="884547013"/>
       </p:ext>
     </p:extLst>
   </p:cSld>
@@ -12542,7 +12722,7 @@
           <p:cNvPr id="2" name="Title 1">
             <a:extLst>
               <a:ext uri="{FF2B5EF4-FFF2-40B4-BE49-F238E27FC236}">
-                <a16:creationId xmlns:a16="http://schemas.microsoft.com/office/drawing/2014/main" id="{46C48805-6E71-9540-F0AA-92613C975FBF}"/>
+                <a16:creationId xmlns:a16="http://schemas.microsoft.com/office/drawing/2014/main" id="{CBDB9558-8EBB-0E92-EBD6-A2DA874EDF79}"/>
               </a:ext>
             </a:extLst>
           </p:cNvPr>
@@ -12555,18 +12735,15 @@
         </p:nvSpPr>
         <p:spPr/>
         <p:txBody>
-          <a:bodyPr/>
+          <a:bodyPr>
+            <a:normAutofit/>
+          </a:bodyPr>
           <a:lstStyle/>
           <a:p>
             <a:r>
-              <a:rPr lang="en-GB" dirty="0"/>
-              <a:t>Combining several files for the same </a:t>
-            </a:r>
-            <a:r>
-              <a:rPr lang="en-GB" dirty="0" err="1"/>
-              <a:t>fiber</a:t>
-            </a:r>
-            <a:endParaRPr lang="en-GB" dirty="0"/>
+              <a:rPr lang="en-GB" sz="4000" dirty="0"/>
+              <a:t>Temperature from COM file and status column</a:t>
+            </a:r>
           </a:p>
         </p:txBody>
       </p:sp>
@@ -12575,7 +12752,7 @@
           <p:cNvPr id="3" name="Content Placeholder 2">
             <a:extLst>
               <a:ext uri="{FF2B5EF4-FFF2-40B4-BE49-F238E27FC236}">
-                <a16:creationId xmlns:a16="http://schemas.microsoft.com/office/drawing/2014/main" id="{2E6D2D2F-9CE8-051E-3EDD-49C2FA6ADBD3}"/>
+                <a16:creationId xmlns:a16="http://schemas.microsoft.com/office/drawing/2014/main" id="{AFDCFD55-3A44-7836-029B-B979781BFB28}"/>
               </a:ext>
             </a:extLst>
           </p:cNvPr>
@@ -12593,177 +12770,992 @@
           <a:p>
             <a:r>
               <a:rPr lang="en-GB" dirty="0"/>
-              <a:t>Results for long experiments on the same </a:t>
-            </a:r>
+              <a:t>In Com file:</a:t>
+            </a:r>
+          </a:p>
+          <a:p>
+            <a:pPr lvl="1"/>
             <a:r>
               <a:rPr lang="en-GB" dirty="0" err="1"/>
-              <a:t>fiber</a:t>
-            </a:r>
-            <a:r>
-              <a:rPr lang="en-GB" dirty="0"/>
-              <a:t> are often distributed among several files</a:t>
+              <a:t>Tbath</a:t>
+            </a:r>
+            <a:r>
+              <a:rPr lang="en-GB" dirty="0"/>
+              <a:t> = </a:t>
+            </a:r>
+            <a:r>
+              <a:rPr lang="en-GB" dirty="0" err="1"/>
+              <a:t>TemperatureB</a:t>
+            </a:r>
+            <a:br>
+              <a:rPr lang="en-GB" dirty="0"/>
+            </a:br>
+            <a:r>
+              <a:rPr lang="en-GB" sz="1200" dirty="0"/>
+              <a:t> </a:t>
+            </a:r>
+          </a:p>
+          <a:p>
+            <a:r>
+              <a:rPr lang="en-GB" dirty="0"/>
+              <a:t>In Status column</a:t>
             </a:r>
           </a:p>
           <a:p>
             <a:pPr lvl="1"/>
             <a:r>
               <a:rPr lang="en-GB" dirty="0"/>
-              <a:t>E.g. aA.txt, aB.txt, aC.txt, aD.txt, …</a:t>
-            </a:r>
-          </a:p>
-          <a:p>
-            <a:r>
-              <a:rPr lang="en-GB" dirty="0"/>
-              <a:t>Function </a:t>
-            </a:r>
-            <a:r>
-              <a:rPr lang="en-GB" sz="2400" dirty="0" err="1">
-                <a:latin typeface="Consolas" panose="020B0609020204030204" pitchFamily="49" charset="0"/>
-              </a:rPr>
-              <a:t>analyse_fiber</a:t>
-            </a:r>
-            <a:r>
-              <a:rPr lang="en-GB" sz="2400" dirty="0">
-                <a:latin typeface="Consolas" panose="020B0609020204030204" pitchFamily="49" charset="0"/>
-              </a:rPr>
-              <a:t>(</a:t>
-            </a:r>
-            <a:r>
-              <a:rPr lang="en-GB" sz="2400" dirty="0" err="1">
-                <a:latin typeface="Consolas" panose="020B0609020204030204" pitchFamily="49" charset="0"/>
-              </a:rPr>
-              <a:t>fiber</a:t>
-            </a:r>
-            <a:r>
-              <a:rPr lang="en-GB" sz="2400" dirty="0">
-                <a:latin typeface="Consolas" panose="020B0609020204030204" pitchFamily="49" charset="0"/>
-              </a:rPr>
-              <a:t>) </a:t>
-            </a:r>
-            <a:r>
-              <a:rPr lang="en-GB" dirty="0"/>
-              <a:t>lets you analyse all files together.</a:t>
-            </a:r>
-          </a:p>
-          <a:p>
-            <a:pPr lvl="1"/>
+              <a:t>Code = cols 2-3</a:t>
+            </a:r>
+            <a:br>
+              <a:rPr lang="en-GB" dirty="0"/>
+            </a:br>
+            <a:r>
+              <a:rPr lang="en-GB" sz="1200" dirty="0"/>
+              <a:t> </a:t>
+            </a:r>
+          </a:p>
+          <a:p>
             <a:r>
               <a:rPr lang="en-GB" dirty="0" err="1"/>
-              <a:t>You</a:t>
-            </a:r>
-            <a:r>
-              <a:rPr lang="en-GB" dirty="0"/>
-              <a:t> </a:t>
-            </a:r>
-            <a:r>
-              <a:rPr lang="en-GB" dirty="0" err="1"/>
-              <a:t>specify</a:t>
-            </a:r>
-            <a:r>
-              <a:rPr lang="en-GB" dirty="0"/>
-              <a:t> </a:t>
-            </a:r>
-            <a:r>
-              <a:rPr lang="en-GB" dirty="0" err="1"/>
-              <a:t>only</a:t>
-            </a:r>
-            <a:r>
-              <a:rPr lang="en-GB" dirty="0"/>
-              <a:t> </a:t>
-            </a:r>
-            <a:r>
-              <a:rPr lang="en-GB" dirty="0" err="1"/>
-              <a:t>the</a:t>
-            </a:r>
-            <a:r>
-              <a:rPr lang="en-GB" dirty="0"/>
-              <a:t> subfolder and fiber part</a:t>
-            </a:r>
-          </a:p>
-          <a:p>
-            <a:pPr lvl="1"/>
-            <a:r>
-              <a:rPr lang="en-GB" sz="2000" dirty="0">
-                <a:latin typeface="Consolas" panose="020B0609020204030204" pitchFamily="49" charset="0"/>
-              </a:rPr>
-              <a:t>[</a:t>
-            </a:r>
-            <a:r>
-              <a:rPr lang="en-GB" sz="2000" dirty="0" err="1">
-                <a:latin typeface="Consolas" panose="020B0609020204030204" pitchFamily="49" charset="0"/>
-              </a:rPr>
-              <a:t>Trip,Tzip</a:t>
-            </a:r>
-            <a:r>
-              <a:rPr lang="en-GB" sz="2000" dirty="0">
-                <a:latin typeface="Consolas" panose="020B0609020204030204" pitchFamily="49" charset="0"/>
-              </a:rPr>
-              <a:t>] = </a:t>
-            </a:r>
-            <a:r>
-              <a:rPr lang="en-GB" sz="2000" dirty="0" err="1">
-                <a:latin typeface="Consolas" panose="020B0609020204030204" pitchFamily="49" charset="0"/>
-              </a:rPr>
-              <a:t>analyse_fiber</a:t>
-            </a:r>
-            <a:r>
-              <a:rPr lang="en-GB" sz="2000" dirty="0">
-                <a:latin typeface="Consolas" panose="020B0609020204030204" pitchFamily="49" charset="0"/>
-              </a:rPr>
-              <a:t>("subfolder1/a");</a:t>
-            </a:r>
-          </a:p>
-          <a:p>
-            <a:pPr lvl="1"/>
-            <a:r>
-              <a:rPr lang="en-GB" dirty="0"/>
-              <a:t>The files are analysed in alphabetical sequence</a:t>
-            </a:r>
-          </a:p>
-          <a:p>
-            <a:r>
-              <a:rPr lang="en-GB" dirty="0"/>
-              <a:t>Note that the </a:t>
-            </a:r>
-            <a:r>
-              <a:rPr lang="en-GB" dirty="0" err="1"/>
-              <a:t>RipAnalysis</a:t>
-            </a:r>
-            <a:r>
-              <a:rPr lang="en-GB" dirty="0"/>
-              <a:t> app and the </a:t>
-            </a:r>
-            <a:r>
-              <a:rPr lang="en-GB" sz="2400" dirty="0" err="1">
-                <a:latin typeface="Consolas" panose="020B0609020204030204" pitchFamily="49" charset="0"/>
-              </a:rPr>
-              <a:t>collect_tables</a:t>
-            </a:r>
-            <a:r>
-              <a:rPr lang="en-GB" sz="2400" dirty="0">
-                <a:latin typeface="Consolas" panose="020B0609020204030204" pitchFamily="49" charset="0"/>
-              </a:rPr>
-              <a:t> </a:t>
-            </a:r>
-            <a:r>
-              <a:rPr lang="en-GB" dirty="0"/>
-              <a:t>function can so far only handle individual files</a:t>
-            </a:r>
-          </a:p>
-          <a:p>
-            <a:pPr marL="457200" lvl="1" indent="0">
-              <a:buNone/>
-            </a:pPr>
-            <a:endParaRPr lang="en-GB" sz="2000" dirty="0">
-              <a:latin typeface="Consolas" panose="020B0609020204030204" pitchFamily="49" charset="0"/>
-            </a:endParaRPr>
+              <a:t>Tlist</a:t>
+            </a:r>
+            <a:br>
+              <a:rPr lang="en-GB" dirty="0"/>
+            </a:br>
+            <a:br>
+              <a:rPr lang="en-GB" dirty="0"/>
+            </a:br>
+            <a:br>
+              <a:rPr lang="en-GB" dirty="0"/>
+            </a:br>
+            <a:br>
+              <a:rPr lang="en-GB" dirty="0"/>
+            </a:br>
+            <a:r>
+              <a:rPr lang="en-GB" dirty="0"/>
+              <a:t>	</a:t>
+            </a:r>
+            <a:r>
+              <a:rPr lang="en-GB" sz="2400" dirty="0"/>
+              <a:t>T = 5.63 + 13.75 = 19.38˚C</a:t>
+            </a:r>
+          </a:p>
+        </p:txBody>
+      </p:sp>
+      <p:graphicFrame>
+        <p:nvGraphicFramePr>
+          <p:cNvPr id="6" name="Table 5">
+            <a:extLst>
+              <a:ext uri="{FF2B5EF4-FFF2-40B4-BE49-F238E27FC236}">
+                <a16:creationId xmlns:a16="http://schemas.microsoft.com/office/drawing/2014/main" id="{28426C0B-476D-19D4-1A2C-3D427061C493}"/>
+              </a:ext>
+            </a:extLst>
+          </p:cNvPr>
+          <p:cNvGraphicFramePr>
+            <a:graphicFrameLocks noGrp="1"/>
+          </p:cNvGraphicFramePr>
+          <p:nvPr>
+            <p:extLst>
+              <p:ext uri="{D42A27DB-BD31-4B8C-83A1-F6EECF244321}">
+                <p14:modId xmlns:p14="http://schemas.microsoft.com/office/powerpoint/2010/main" val="3721756126"/>
+              </p:ext>
+            </p:extLst>
+          </p:nvPr>
+        </p:nvGraphicFramePr>
+        <p:xfrm>
+          <a:off x="986254" y="4466673"/>
+          <a:ext cx="8427250" cy="1023096"/>
+        </p:xfrm>
+        <a:graphic>
+          <a:graphicData uri="http://schemas.openxmlformats.org/drawingml/2006/table">
+            <a:tbl>
+              <a:tblPr>
+                <a:tableStyleId>{5C22544A-7EE6-4342-B048-85BDC9FD1C3A}</a:tableStyleId>
+              </a:tblPr>
+              <a:tblGrid>
+                <a:gridCol w="648250">
+                  <a:extLst>
+                    <a:ext uri="{9D8B030D-6E8A-4147-A177-3AD203B41FA5}">
+                      <a16:colId xmlns:a16="http://schemas.microsoft.com/office/drawing/2014/main" val="3148719794"/>
+                    </a:ext>
+                  </a:extLst>
+                </a:gridCol>
+                <a:gridCol w="648250">
+                  <a:extLst>
+                    <a:ext uri="{9D8B030D-6E8A-4147-A177-3AD203B41FA5}">
+                      <a16:colId xmlns:a16="http://schemas.microsoft.com/office/drawing/2014/main" val="1387344623"/>
+                    </a:ext>
+                  </a:extLst>
+                </a:gridCol>
+                <a:gridCol w="648250">
+                  <a:extLst>
+                    <a:ext uri="{9D8B030D-6E8A-4147-A177-3AD203B41FA5}">
+                      <a16:colId xmlns:a16="http://schemas.microsoft.com/office/drawing/2014/main" val="3376908812"/>
+                    </a:ext>
+                  </a:extLst>
+                </a:gridCol>
+                <a:gridCol w="648250">
+                  <a:extLst>
+                    <a:ext uri="{9D8B030D-6E8A-4147-A177-3AD203B41FA5}">
+                      <a16:colId xmlns:a16="http://schemas.microsoft.com/office/drawing/2014/main" val="4203107476"/>
+                    </a:ext>
+                  </a:extLst>
+                </a:gridCol>
+                <a:gridCol w="648250">
+                  <a:extLst>
+                    <a:ext uri="{9D8B030D-6E8A-4147-A177-3AD203B41FA5}">
+                      <a16:colId xmlns:a16="http://schemas.microsoft.com/office/drawing/2014/main" val="393254793"/>
+                    </a:ext>
+                  </a:extLst>
+                </a:gridCol>
+                <a:gridCol w="648250">
+                  <a:extLst>
+                    <a:ext uri="{9D8B030D-6E8A-4147-A177-3AD203B41FA5}">
+                      <a16:colId xmlns:a16="http://schemas.microsoft.com/office/drawing/2014/main" val="396742531"/>
+                    </a:ext>
+                  </a:extLst>
+                </a:gridCol>
+                <a:gridCol w="648250">
+                  <a:extLst>
+                    <a:ext uri="{9D8B030D-6E8A-4147-A177-3AD203B41FA5}">
+                      <a16:colId xmlns:a16="http://schemas.microsoft.com/office/drawing/2014/main" val="3377038784"/>
+                    </a:ext>
+                  </a:extLst>
+                </a:gridCol>
+                <a:gridCol w="648250">
+                  <a:extLst>
+                    <a:ext uri="{9D8B030D-6E8A-4147-A177-3AD203B41FA5}">
+                      <a16:colId xmlns:a16="http://schemas.microsoft.com/office/drawing/2014/main" val="2352210424"/>
+                    </a:ext>
+                  </a:extLst>
+                </a:gridCol>
+                <a:gridCol w="648250">
+                  <a:extLst>
+                    <a:ext uri="{9D8B030D-6E8A-4147-A177-3AD203B41FA5}">
+                      <a16:colId xmlns:a16="http://schemas.microsoft.com/office/drawing/2014/main" val="4126925784"/>
+                    </a:ext>
+                  </a:extLst>
+                </a:gridCol>
+                <a:gridCol w="648250">
+                  <a:extLst>
+                    <a:ext uri="{9D8B030D-6E8A-4147-A177-3AD203B41FA5}">
+                      <a16:colId xmlns:a16="http://schemas.microsoft.com/office/drawing/2014/main" val="2058306008"/>
+                    </a:ext>
+                  </a:extLst>
+                </a:gridCol>
+                <a:gridCol w="648250">
+                  <a:extLst>
+                    <a:ext uri="{9D8B030D-6E8A-4147-A177-3AD203B41FA5}">
+                      <a16:colId xmlns:a16="http://schemas.microsoft.com/office/drawing/2014/main" val="377269149"/>
+                    </a:ext>
+                  </a:extLst>
+                </a:gridCol>
+                <a:gridCol w="648250">
+                  <a:extLst>
+                    <a:ext uri="{9D8B030D-6E8A-4147-A177-3AD203B41FA5}">
+                      <a16:colId xmlns:a16="http://schemas.microsoft.com/office/drawing/2014/main" val="3094730376"/>
+                    </a:ext>
+                  </a:extLst>
+                </a:gridCol>
+                <a:gridCol w="648250">
+                  <a:extLst>
+                    <a:ext uri="{9D8B030D-6E8A-4147-A177-3AD203B41FA5}">
+                      <a16:colId xmlns:a16="http://schemas.microsoft.com/office/drawing/2014/main" val="1780641463"/>
+                    </a:ext>
+                  </a:extLst>
+                </a:gridCol>
+              </a:tblGrid>
+              <a:tr h="511548">
+                <a:tc>
+                  <a:txBody>
+                    <a:bodyPr/>
+                    <a:lstStyle/>
+                    <a:p>
+                      <a:pPr algn="l" fontAlgn="b"/>
+                      <a:r>
+                        <a:rPr lang="en-GB" sz="1800" u="none" strike="noStrike" dirty="0">
+                          <a:effectLst/>
+                        </a:rPr>
+                        <a:t>Code</a:t>
+                      </a:r>
+                      <a:endParaRPr lang="en-GB" sz="1800" b="0" i="0" u="none" strike="noStrike" dirty="0">
+                        <a:solidFill>
+                          <a:srgbClr val="000000"/>
+                        </a:solidFill>
+                        <a:effectLst/>
+                        <a:latin typeface="Aptos Narrow" panose="020B0004020202020204" pitchFamily="34" charset="0"/>
+                      </a:endParaRPr>
+                    </a:p>
+                  </a:txBody>
+                  <a:tcPr marL="7620" marR="7620" marT="7620" marB="0" anchor="b"/>
+                </a:tc>
+                <a:tc>
+                  <a:txBody>
+                    <a:bodyPr/>
+                    <a:lstStyle/>
+                    <a:p>
+                      <a:pPr algn="ctr" fontAlgn="b"/>
+                      <a:r>
+                        <a:rPr lang="en-GB" sz="1800" u="none" strike="noStrike" dirty="0">
+                          <a:effectLst/>
+                        </a:rPr>
+                        <a:t>00</a:t>
+                      </a:r>
+                      <a:endParaRPr lang="en-GB" sz="1800" b="0" i="0" u="none" strike="noStrike" dirty="0">
+                        <a:solidFill>
+                          <a:srgbClr val="000000"/>
+                        </a:solidFill>
+                        <a:effectLst/>
+                        <a:latin typeface="Aptos Narrow" panose="020B0004020202020204" pitchFamily="34" charset="0"/>
+                      </a:endParaRPr>
+                    </a:p>
+                  </a:txBody>
+                  <a:tcPr marL="7620" marR="7620" marT="7620" marB="0" anchor="b"/>
+                </a:tc>
+                <a:tc>
+                  <a:txBody>
+                    <a:bodyPr/>
+                    <a:lstStyle/>
+                    <a:p>
+                      <a:pPr algn="ctr" fontAlgn="b"/>
+                      <a:r>
+                        <a:rPr lang="en-GB" sz="1800" u="none" strike="noStrike" dirty="0">
+                          <a:effectLst/>
+                        </a:rPr>
+                        <a:t>02</a:t>
+                      </a:r>
+                      <a:endParaRPr lang="en-GB" sz="1800" b="0" i="0" u="none" strike="noStrike" dirty="0">
+                        <a:solidFill>
+                          <a:srgbClr val="000000"/>
+                        </a:solidFill>
+                        <a:effectLst/>
+                        <a:latin typeface="Aptos Narrow" panose="020B0004020202020204" pitchFamily="34" charset="0"/>
+                      </a:endParaRPr>
+                    </a:p>
+                  </a:txBody>
+                  <a:tcPr marL="7620" marR="7620" marT="7620" marB="0" anchor="b"/>
+                </a:tc>
+                <a:tc>
+                  <a:txBody>
+                    <a:bodyPr/>
+                    <a:lstStyle/>
+                    <a:p>
+                      <a:pPr algn="ctr" fontAlgn="b"/>
+                      <a:r>
+                        <a:rPr lang="en-GB" sz="1800" u="none" strike="noStrike" dirty="0">
+                          <a:effectLst/>
+                        </a:rPr>
+                        <a:t>04</a:t>
+                      </a:r>
+                      <a:endParaRPr lang="en-GB" sz="1800" b="0" i="0" u="none" strike="noStrike" dirty="0">
+                        <a:solidFill>
+                          <a:srgbClr val="000000"/>
+                        </a:solidFill>
+                        <a:effectLst/>
+                        <a:latin typeface="Aptos Narrow" panose="020B0004020202020204" pitchFamily="34" charset="0"/>
+                      </a:endParaRPr>
+                    </a:p>
+                  </a:txBody>
+                  <a:tcPr marL="7620" marR="7620" marT="7620" marB="0" anchor="b"/>
+                </a:tc>
+                <a:tc>
+                  <a:txBody>
+                    <a:bodyPr/>
+                    <a:lstStyle/>
+                    <a:p>
+                      <a:pPr algn="ctr" fontAlgn="b"/>
+                      <a:r>
+                        <a:rPr lang="en-GB" sz="1800" u="none" strike="noStrike" dirty="0">
+                          <a:effectLst/>
+                        </a:rPr>
+                        <a:t>06</a:t>
+                      </a:r>
+                      <a:endParaRPr lang="en-GB" sz="1800" b="0" i="0" u="none" strike="noStrike" dirty="0">
+                        <a:solidFill>
+                          <a:srgbClr val="000000"/>
+                        </a:solidFill>
+                        <a:effectLst/>
+                        <a:latin typeface="Aptos Narrow" panose="020B0004020202020204" pitchFamily="34" charset="0"/>
+                      </a:endParaRPr>
+                    </a:p>
+                  </a:txBody>
+                  <a:tcPr marL="7620" marR="7620" marT="7620" marB="0" anchor="b"/>
+                </a:tc>
+                <a:tc>
+                  <a:txBody>
+                    <a:bodyPr/>
+                    <a:lstStyle/>
+                    <a:p>
+                      <a:pPr algn="ctr" fontAlgn="b"/>
+                      <a:r>
+                        <a:rPr lang="en-GB" sz="1800" u="none" strike="noStrike" dirty="0">
+                          <a:effectLst/>
+                        </a:rPr>
+                        <a:t>08</a:t>
+                      </a:r>
+                      <a:endParaRPr lang="en-GB" sz="1800" b="0" i="0" u="none" strike="noStrike" dirty="0">
+                        <a:solidFill>
+                          <a:srgbClr val="000000"/>
+                        </a:solidFill>
+                        <a:effectLst/>
+                        <a:latin typeface="Aptos Narrow" panose="020B0004020202020204" pitchFamily="34" charset="0"/>
+                      </a:endParaRPr>
+                    </a:p>
+                  </a:txBody>
+                  <a:tcPr marL="7620" marR="7620" marT="7620" marB="0" anchor="b"/>
+                </a:tc>
+                <a:tc>
+                  <a:txBody>
+                    <a:bodyPr/>
+                    <a:lstStyle/>
+                    <a:p>
+                      <a:pPr algn="ctr" fontAlgn="b"/>
+                      <a:r>
+                        <a:rPr lang="en-GB" sz="1800" u="none" strike="noStrike">
+                          <a:effectLst/>
+                        </a:rPr>
+                        <a:t>10</a:t>
+                      </a:r>
+                      <a:endParaRPr lang="en-GB" sz="1800" b="0" i="0" u="none" strike="noStrike">
+                        <a:solidFill>
+                          <a:srgbClr val="000000"/>
+                        </a:solidFill>
+                        <a:effectLst/>
+                        <a:latin typeface="Aptos Narrow" panose="020B0004020202020204" pitchFamily="34" charset="0"/>
+                      </a:endParaRPr>
+                    </a:p>
+                  </a:txBody>
+                  <a:tcPr marL="7620" marR="7620" marT="7620" marB="0" anchor="b"/>
+                </a:tc>
+                <a:tc>
+                  <a:txBody>
+                    <a:bodyPr/>
+                    <a:lstStyle/>
+                    <a:p>
+                      <a:pPr algn="ctr" fontAlgn="b"/>
+                      <a:r>
+                        <a:rPr lang="en-GB" sz="1800" u="none" strike="noStrike">
+                          <a:effectLst/>
+                        </a:rPr>
+                        <a:t>14</a:t>
+                      </a:r>
+                      <a:endParaRPr lang="en-GB" sz="1800" b="0" i="0" u="none" strike="noStrike">
+                        <a:solidFill>
+                          <a:srgbClr val="000000"/>
+                        </a:solidFill>
+                        <a:effectLst/>
+                        <a:latin typeface="Aptos Narrow" panose="020B0004020202020204" pitchFamily="34" charset="0"/>
+                      </a:endParaRPr>
+                    </a:p>
+                  </a:txBody>
+                  <a:tcPr marL="7620" marR="7620" marT="7620" marB="0" anchor="b"/>
+                </a:tc>
+                <a:tc>
+                  <a:txBody>
+                    <a:bodyPr/>
+                    <a:lstStyle/>
+                    <a:p>
+                      <a:pPr algn="ctr" fontAlgn="b"/>
+                      <a:r>
+                        <a:rPr lang="en-GB" sz="1800" u="none" strike="noStrike">
+                          <a:effectLst/>
+                        </a:rPr>
+                        <a:t>12</a:t>
+                      </a:r>
+                      <a:endParaRPr lang="en-GB" sz="1800" b="0" i="0" u="none" strike="noStrike">
+                        <a:solidFill>
+                          <a:srgbClr val="000000"/>
+                        </a:solidFill>
+                        <a:effectLst/>
+                        <a:latin typeface="Aptos Narrow" panose="020B0004020202020204" pitchFamily="34" charset="0"/>
+                      </a:endParaRPr>
+                    </a:p>
+                  </a:txBody>
+                  <a:tcPr marL="7620" marR="7620" marT="7620" marB="0" anchor="b"/>
+                </a:tc>
+                <a:tc>
+                  <a:txBody>
+                    <a:bodyPr/>
+                    <a:lstStyle/>
+                    <a:p>
+                      <a:pPr algn="ctr" fontAlgn="b"/>
+                      <a:r>
+                        <a:rPr lang="en-GB" sz="1800" u="none" strike="noStrike">
+                          <a:effectLst/>
+                        </a:rPr>
+                        <a:t>16</a:t>
+                      </a:r>
+                      <a:endParaRPr lang="en-GB" sz="1800" b="0" i="0" u="none" strike="noStrike">
+                        <a:solidFill>
+                          <a:srgbClr val="000000"/>
+                        </a:solidFill>
+                        <a:effectLst/>
+                        <a:latin typeface="Aptos Narrow" panose="020B0004020202020204" pitchFamily="34" charset="0"/>
+                      </a:endParaRPr>
+                    </a:p>
+                  </a:txBody>
+                  <a:tcPr marL="7620" marR="7620" marT="7620" marB="0" anchor="b"/>
+                </a:tc>
+                <a:tc>
+                  <a:txBody>
+                    <a:bodyPr/>
+                    <a:lstStyle/>
+                    <a:p>
+                      <a:pPr algn="ctr" fontAlgn="b"/>
+                      <a:r>
+                        <a:rPr lang="en-GB" sz="1800" u="none" strike="noStrike">
+                          <a:effectLst/>
+                        </a:rPr>
+                        <a:t>20</a:t>
+                      </a:r>
+                      <a:endParaRPr lang="en-GB" sz="1800" b="0" i="0" u="none" strike="noStrike">
+                        <a:solidFill>
+                          <a:srgbClr val="000000"/>
+                        </a:solidFill>
+                        <a:effectLst/>
+                        <a:latin typeface="Aptos Narrow" panose="020B0004020202020204" pitchFamily="34" charset="0"/>
+                      </a:endParaRPr>
+                    </a:p>
+                  </a:txBody>
+                  <a:tcPr marL="7620" marR="7620" marT="7620" marB="0" anchor="b"/>
+                </a:tc>
+                <a:tc>
+                  <a:txBody>
+                    <a:bodyPr/>
+                    <a:lstStyle/>
+                    <a:p>
+                      <a:pPr algn="ctr" fontAlgn="b"/>
+                      <a:r>
+                        <a:rPr lang="en-GB" sz="1800" u="none" strike="noStrike">
+                          <a:effectLst/>
+                        </a:rPr>
+                        <a:t>24</a:t>
+                      </a:r>
+                      <a:endParaRPr lang="en-GB" sz="1800" b="0" i="0" u="none" strike="noStrike">
+                        <a:solidFill>
+                          <a:srgbClr val="000000"/>
+                        </a:solidFill>
+                        <a:effectLst/>
+                        <a:latin typeface="Aptos Narrow" panose="020B0004020202020204" pitchFamily="34" charset="0"/>
+                      </a:endParaRPr>
+                    </a:p>
+                  </a:txBody>
+                  <a:tcPr marL="7620" marR="7620" marT="7620" marB="0" anchor="b"/>
+                </a:tc>
+                <a:tc>
+                  <a:txBody>
+                    <a:bodyPr/>
+                    <a:lstStyle/>
+                    <a:p>
+                      <a:pPr algn="ctr" fontAlgn="b"/>
+                      <a:r>
+                        <a:rPr lang="en-GB" sz="1800" u="none" strike="noStrike">
+                          <a:effectLst/>
+                        </a:rPr>
+                        <a:t>31</a:t>
+                      </a:r>
+                      <a:endParaRPr lang="en-GB" sz="1800" b="0" i="0" u="none" strike="noStrike">
+                        <a:solidFill>
+                          <a:srgbClr val="000000"/>
+                        </a:solidFill>
+                        <a:effectLst/>
+                        <a:latin typeface="Aptos Narrow" panose="020B0004020202020204" pitchFamily="34" charset="0"/>
+                      </a:endParaRPr>
+                    </a:p>
+                  </a:txBody>
+                  <a:tcPr marL="7620" marR="7620" marT="7620" marB="0" anchor="b"/>
+                </a:tc>
+                <a:extLst>
+                  <a:ext uri="{0D108BD9-81ED-4DB2-BD59-A6C34878D82A}">
+                    <a16:rowId xmlns:a16="http://schemas.microsoft.com/office/drawing/2014/main" val="2921745331"/>
+                  </a:ext>
+                </a:extLst>
+              </a:tr>
+              <a:tr h="511548">
+                <a:tc>
+                  <a:txBody>
+                    <a:bodyPr/>
+                    <a:lstStyle/>
+                    <a:p>
+                      <a:pPr algn="l" fontAlgn="b"/>
+                      <a:r>
+                        <a:rPr lang="el-GR" sz="1800" u="none" strike="noStrike" dirty="0">
+                          <a:effectLst/>
+                        </a:rPr>
+                        <a:t>Δ</a:t>
+                      </a:r>
+                      <a:r>
+                        <a:rPr lang="en-GB" sz="1800" u="none" strike="noStrike" dirty="0">
+                          <a:effectLst/>
+                        </a:rPr>
+                        <a:t>T</a:t>
+                      </a:r>
+                      <a:endParaRPr lang="en-GB" sz="1800" b="0" i="0" u="none" strike="noStrike" dirty="0">
+                        <a:solidFill>
+                          <a:srgbClr val="000000"/>
+                        </a:solidFill>
+                        <a:effectLst/>
+                        <a:latin typeface="Aptos Narrow" panose="020B0004020202020204" pitchFamily="34" charset="0"/>
+                      </a:endParaRPr>
+                    </a:p>
+                  </a:txBody>
+                  <a:tcPr marL="7620" marR="7620" marT="7620" marB="0" anchor="b"/>
+                </a:tc>
+                <a:tc>
+                  <a:txBody>
+                    <a:bodyPr/>
+                    <a:lstStyle/>
+                    <a:p>
+                      <a:pPr algn="ctr" fontAlgn="b"/>
+                      <a:r>
+                        <a:rPr lang="en-GB" sz="1800" u="none" strike="noStrike" dirty="0">
+                          <a:effectLst/>
+                        </a:rPr>
+                        <a:t>0</a:t>
+                      </a:r>
+                      <a:endParaRPr lang="en-GB" sz="1800" b="0" i="0" u="none" strike="noStrike" dirty="0">
+                        <a:solidFill>
+                          <a:srgbClr val="000000"/>
+                        </a:solidFill>
+                        <a:effectLst/>
+                        <a:latin typeface="Aptos Narrow" panose="020B0004020202020204" pitchFamily="34" charset="0"/>
+                      </a:endParaRPr>
+                    </a:p>
+                  </a:txBody>
+                  <a:tcPr marL="7620" marR="7620" marT="7620" marB="0" anchor="b"/>
+                </a:tc>
+                <a:tc>
+                  <a:txBody>
+                    <a:bodyPr/>
+                    <a:lstStyle/>
+                    <a:p>
+                      <a:pPr algn="ctr" fontAlgn="b"/>
+                      <a:r>
+                        <a:rPr lang="en-GB" sz="1800" u="none" strike="noStrike" dirty="0">
+                          <a:effectLst/>
+                        </a:rPr>
+                        <a:t>3.07</a:t>
+                      </a:r>
+                      <a:endParaRPr lang="en-GB" sz="1800" b="0" i="0" u="none" strike="noStrike" dirty="0">
+                        <a:solidFill>
+                          <a:srgbClr val="000000"/>
+                        </a:solidFill>
+                        <a:effectLst/>
+                        <a:latin typeface="Aptos Narrow" panose="020B0004020202020204" pitchFamily="34" charset="0"/>
+                      </a:endParaRPr>
+                    </a:p>
+                  </a:txBody>
+                  <a:tcPr marL="7620" marR="7620" marT="7620" marB="0" anchor="b"/>
+                </a:tc>
+                <a:tc>
+                  <a:txBody>
+                    <a:bodyPr/>
+                    <a:lstStyle/>
+                    <a:p>
+                      <a:pPr algn="ctr" fontAlgn="b"/>
+                      <a:r>
+                        <a:rPr lang="en-GB" sz="1800" u="none" strike="noStrike">
+                          <a:effectLst/>
+                        </a:rPr>
+                        <a:t>6.96</a:t>
+                      </a:r>
+                      <a:endParaRPr lang="en-GB" sz="1800" b="0" i="0" u="none" strike="noStrike">
+                        <a:solidFill>
+                          <a:srgbClr val="000000"/>
+                        </a:solidFill>
+                        <a:effectLst/>
+                        <a:latin typeface="Aptos Narrow" panose="020B0004020202020204" pitchFamily="34" charset="0"/>
+                      </a:endParaRPr>
+                    </a:p>
+                  </a:txBody>
+                  <a:tcPr marL="7620" marR="7620" marT="7620" marB="0" anchor="b"/>
+                </a:tc>
+                <a:tc>
+                  <a:txBody>
+                    <a:bodyPr/>
+                    <a:lstStyle/>
+                    <a:p>
+                      <a:pPr algn="ctr" fontAlgn="b"/>
+                      <a:r>
+                        <a:rPr lang="en-GB" sz="1800" u="none" strike="noStrike">
+                          <a:effectLst/>
+                        </a:rPr>
+                        <a:t>10.78</a:t>
+                      </a:r>
+                      <a:endParaRPr lang="en-GB" sz="1800" b="0" i="0" u="none" strike="noStrike">
+                        <a:solidFill>
+                          <a:srgbClr val="000000"/>
+                        </a:solidFill>
+                        <a:effectLst/>
+                        <a:latin typeface="Aptos Narrow" panose="020B0004020202020204" pitchFamily="34" charset="0"/>
+                      </a:endParaRPr>
+                    </a:p>
+                  </a:txBody>
+                  <a:tcPr marL="7620" marR="7620" marT="7620" marB="0" anchor="b"/>
+                </a:tc>
+                <a:tc>
+                  <a:txBody>
+                    <a:bodyPr/>
+                    <a:lstStyle/>
+                    <a:p>
+                      <a:pPr algn="ctr" fontAlgn="b"/>
+                      <a:r>
+                        <a:rPr lang="en-GB" sz="1800" u="none" strike="noStrike">
+                          <a:effectLst/>
+                        </a:rPr>
+                        <a:t>13.75</a:t>
+                      </a:r>
+                      <a:endParaRPr lang="en-GB" sz="1800" b="0" i="0" u="none" strike="noStrike">
+                        <a:solidFill>
+                          <a:srgbClr val="000000"/>
+                        </a:solidFill>
+                        <a:effectLst/>
+                        <a:latin typeface="Aptos Narrow" panose="020B0004020202020204" pitchFamily="34" charset="0"/>
+                      </a:endParaRPr>
+                    </a:p>
+                  </a:txBody>
+                  <a:tcPr marL="7620" marR="7620" marT="7620" marB="0" anchor="b"/>
+                </a:tc>
+                <a:tc>
+                  <a:txBody>
+                    <a:bodyPr/>
+                    <a:lstStyle/>
+                    <a:p>
+                      <a:pPr algn="ctr" fontAlgn="b"/>
+                      <a:r>
+                        <a:rPr lang="en-GB" sz="1800" u="none" strike="noStrike">
+                          <a:effectLst/>
+                        </a:rPr>
+                        <a:t>16.92</a:t>
+                      </a:r>
+                      <a:endParaRPr lang="en-GB" sz="1800" b="0" i="0" u="none" strike="noStrike">
+                        <a:solidFill>
+                          <a:srgbClr val="000000"/>
+                        </a:solidFill>
+                        <a:effectLst/>
+                        <a:latin typeface="Aptos Narrow" panose="020B0004020202020204" pitchFamily="34" charset="0"/>
+                      </a:endParaRPr>
+                    </a:p>
+                  </a:txBody>
+                  <a:tcPr marL="7620" marR="7620" marT="7620" marB="0" anchor="b"/>
+                </a:tc>
+                <a:tc>
+                  <a:txBody>
+                    <a:bodyPr/>
+                    <a:lstStyle/>
+                    <a:p>
+                      <a:pPr algn="ctr" fontAlgn="b"/>
+                      <a:r>
+                        <a:rPr lang="en-GB" sz="1800" u="none" strike="noStrike">
+                          <a:effectLst/>
+                        </a:rPr>
+                        <a:t>20.14</a:t>
+                      </a:r>
+                      <a:endParaRPr lang="en-GB" sz="1800" b="0" i="0" u="none" strike="noStrike">
+                        <a:solidFill>
+                          <a:srgbClr val="000000"/>
+                        </a:solidFill>
+                        <a:effectLst/>
+                        <a:latin typeface="Aptos Narrow" panose="020B0004020202020204" pitchFamily="34" charset="0"/>
+                      </a:endParaRPr>
+                    </a:p>
+                  </a:txBody>
+                  <a:tcPr marL="7620" marR="7620" marT="7620" marB="0" anchor="b"/>
+                </a:tc>
+                <a:tc>
+                  <a:txBody>
+                    <a:bodyPr/>
+                    <a:lstStyle/>
+                    <a:p>
+                      <a:pPr algn="ctr" fontAlgn="b"/>
+                      <a:r>
+                        <a:rPr lang="en-GB" sz="1800" u="none" strike="noStrike">
+                          <a:effectLst/>
+                        </a:rPr>
+                        <a:t>22.92</a:t>
+                      </a:r>
+                      <a:endParaRPr lang="en-GB" sz="1800" b="0" i="0" u="none" strike="noStrike">
+                        <a:solidFill>
+                          <a:srgbClr val="000000"/>
+                        </a:solidFill>
+                        <a:effectLst/>
+                        <a:latin typeface="Aptos Narrow" panose="020B0004020202020204" pitchFamily="34" charset="0"/>
+                      </a:endParaRPr>
+                    </a:p>
+                  </a:txBody>
+                  <a:tcPr marL="7620" marR="7620" marT="7620" marB="0" anchor="b"/>
+                </a:tc>
+                <a:tc>
+                  <a:txBody>
+                    <a:bodyPr/>
+                    <a:lstStyle/>
+                    <a:p>
+                      <a:pPr algn="ctr" fontAlgn="b"/>
+                      <a:r>
+                        <a:rPr lang="en-GB" sz="1800" u="none" strike="noStrike">
+                          <a:effectLst/>
+                        </a:rPr>
+                        <a:t>25.1</a:t>
+                      </a:r>
+                      <a:endParaRPr lang="en-GB" sz="1800" b="0" i="0" u="none" strike="noStrike">
+                        <a:solidFill>
+                          <a:srgbClr val="000000"/>
+                        </a:solidFill>
+                        <a:effectLst/>
+                        <a:latin typeface="Aptos Narrow" panose="020B0004020202020204" pitchFamily="34" charset="0"/>
+                      </a:endParaRPr>
+                    </a:p>
+                  </a:txBody>
+                  <a:tcPr marL="7620" marR="7620" marT="7620" marB="0" anchor="b"/>
+                </a:tc>
+                <a:tc>
+                  <a:txBody>
+                    <a:bodyPr/>
+                    <a:lstStyle/>
+                    <a:p>
+                      <a:pPr algn="ctr" fontAlgn="b"/>
+                      <a:r>
+                        <a:rPr lang="en-GB" sz="1800" u="none" strike="noStrike">
+                          <a:effectLst/>
+                        </a:rPr>
+                        <a:t>28.01</a:t>
+                      </a:r>
+                      <a:endParaRPr lang="en-GB" sz="1800" b="0" i="0" u="none" strike="noStrike">
+                        <a:solidFill>
+                          <a:srgbClr val="000000"/>
+                        </a:solidFill>
+                        <a:effectLst/>
+                        <a:latin typeface="Aptos Narrow" panose="020B0004020202020204" pitchFamily="34" charset="0"/>
+                      </a:endParaRPr>
+                    </a:p>
+                  </a:txBody>
+                  <a:tcPr marL="7620" marR="7620" marT="7620" marB="0" anchor="b"/>
+                </a:tc>
+                <a:tc>
+                  <a:txBody>
+                    <a:bodyPr/>
+                    <a:lstStyle/>
+                    <a:p>
+                      <a:pPr algn="ctr" fontAlgn="b"/>
+                      <a:r>
+                        <a:rPr lang="en-GB" sz="1800" u="none" strike="noStrike">
+                          <a:effectLst/>
+                        </a:rPr>
+                        <a:t>30.77</a:t>
+                      </a:r>
+                      <a:endParaRPr lang="en-GB" sz="1800" b="0" i="0" u="none" strike="noStrike">
+                        <a:solidFill>
+                          <a:srgbClr val="000000"/>
+                        </a:solidFill>
+                        <a:effectLst/>
+                        <a:latin typeface="Aptos Narrow" panose="020B0004020202020204" pitchFamily="34" charset="0"/>
+                      </a:endParaRPr>
+                    </a:p>
+                  </a:txBody>
+                  <a:tcPr marL="7620" marR="7620" marT="7620" marB="0" anchor="b"/>
+                </a:tc>
+                <a:tc>
+                  <a:txBody>
+                    <a:bodyPr/>
+                    <a:lstStyle/>
+                    <a:p>
+                      <a:pPr algn="ctr" fontAlgn="b"/>
+                      <a:r>
+                        <a:rPr lang="en-GB" sz="1800" u="none" strike="noStrike" dirty="0">
+                          <a:effectLst/>
+                        </a:rPr>
+                        <a:t>34.83</a:t>
+                      </a:r>
+                      <a:endParaRPr lang="en-GB" sz="1800" b="0" i="0" u="none" strike="noStrike" dirty="0">
+                        <a:solidFill>
+                          <a:srgbClr val="000000"/>
+                        </a:solidFill>
+                        <a:effectLst/>
+                        <a:latin typeface="Aptos Narrow" panose="020B0004020202020204" pitchFamily="34" charset="0"/>
+                      </a:endParaRPr>
+                    </a:p>
+                  </a:txBody>
+                  <a:tcPr marL="7620" marR="7620" marT="7620" marB="0" anchor="b"/>
+                </a:tc>
+                <a:extLst>
+                  <a:ext uri="{0D108BD9-81ED-4DB2-BD59-A6C34878D82A}">
+                    <a16:rowId xmlns:a16="http://schemas.microsoft.com/office/drawing/2014/main" val="942002624"/>
+                  </a:ext>
+                </a:extLst>
+              </a:tr>
+            </a:tbl>
+          </a:graphicData>
+        </a:graphic>
+      </p:graphicFrame>
+      <p:pic>
+        <p:nvPicPr>
+          <p:cNvPr id="10" name="Picture 9">
+            <a:extLst>
+              <a:ext uri="{FF2B5EF4-FFF2-40B4-BE49-F238E27FC236}">
+                <a16:creationId xmlns:a16="http://schemas.microsoft.com/office/drawing/2014/main" id="{66CD94DF-865D-745A-CEE7-C80F1359134E}"/>
+              </a:ext>
+            </a:extLst>
+          </p:cNvPr>
+          <p:cNvPicPr>
+            <a:picLocks noChangeAspect="1"/>
+          </p:cNvPicPr>
+          <p:nvPr/>
+        </p:nvPicPr>
+        <p:blipFill>
+          <a:blip r:embed="rId2"/>
+          <a:stretch>
+            <a:fillRect/>
+          </a:stretch>
+        </p:blipFill>
+        <p:spPr>
+          <a:xfrm>
+            <a:off x="4706537" y="1690688"/>
+            <a:ext cx="6106377" cy="762106"/>
+          </a:xfrm>
+          <a:prstGeom prst="rect">
+            <a:avLst/>
+          </a:prstGeom>
+        </p:spPr>
+      </p:pic>
+      <p:sp>
+        <p:nvSpPr>
+          <p:cNvPr id="11" name="Oval 10">
+            <a:extLst>
+              <a:ext uri="{FF2B5EF4-FFF2-40B4-BE49-F238E27FC236}">
+                <a16:creationId xmlns:a16="http://schemas.microsoft.com/office/drawing/2014/main" id="{9F40E2E0-6DA8-23E8-A6F4-1C4D45CDD135}"/>
+              </a:ext>
+            </a:extLst>
+          </p:cNvPr>
+          <p:cNvSpPr/>
+          <p:nvPr/>
+        </p:nvSpPr>
+        <p:spPr>
+          <a:xfrm>
+            <a:off x="9641145" y="1641793"/>
+            <a:ext cx="1578543" cy="762106"/>
+          </a:xfrm>
+          <a:prstGeom prst="ellipse">
+            <a:avLst/>
+          </a:prstGeom>
+          <a:noFill/>
+          <a:ln>
+            <a:solidFill>
+              <a:srgbClr val="FF0000"/>
+            </a:solidFill>
+          </a:ln>
+        </p:spPr>
+        <p:style>
+          <a:lnRef idx="2">
+            <a:schemeClr val="accent1">
+              <a:shade val="15000"/>
+            </a:schemeClr>
+          </a:lnRef>
+          <a:fillRef idx="1">
+            <a:schemeClr val="accent1"/>
+          </a:fillRef>
+          <a:effectRef idx="0">
+            <a:schemeClr val="accent1"/>
+          </a:effectRef>
+          <a:fontRef idx="minor">
+            <a:schemeClr val="lt1"/>
+          </a:fontRef>
+        </p:style>
+        <p:txBody>
+          <a:bodyPr rtlCol="0" anchor="ctr"/>
+          <a:lstStyle/>
+          <a:p>
+            <a:pPr algn="ctr"/>
+            <a:endParaRPr lang="en-GB"/>
+          </a:p>
+        </p:txBody>
+      </p:sp>
+      <p:pic>
+        <p:nvPicPr>
+          <p:cNvPr id="17" name="Picture 16">
+            <a:extLst>
+              <a:ext uri="{FF2B5EF4-FFF2-40B4-BE49-F238E27FC236}">
+                <a16:creationId xmlns:a16="http://schemas.microsoft.com/office/drawing/2014/main" id="{092FC71F-0969-6E58-55EF-1808F9E1A29D}"/>
+              </a:ext>
+            </a:extLst>
+          </p:cNvPr>
+          <p:cNvPicPr>
+            <a:picLocks noChangeAspect="1"/>
+          </p:cNvPicPr>
+          <p:nvPr/>
+        </p:nvPicPr>
+        <p:blipFill>
+          <a:blip r:embed="rId3"/>
+          <a:stretch>
+            <a:fillRect/>
+          </a:stretch>
+        </p:blipFill>
+        <p:spPr>
+          <a:xfrm>
+            <a:off x="4113046" y="2967356"/>
+            <a:ext cx="7106642" cy="1162212"/>
+          </a:xfrm>
+          <a:prstGeom prst="rect">
+            <a:avLst/>
+          </a:prstGeom>
+        </p:spPr>
+      </p:pic>
+      <p:sp>
+        <p:nvSpPr>
+          <p:cNvPr id="18" name="Rectangle 17">
+            <a:extLst>
+              <a:ext uri="{FF2B5EF4-FFF2-40B4-BE49-F238E27FC236}">
+                <a16:creationId xmlns:a16="http://schemas.microsoft.com/office/drawing/2014/main" id="{D882BC6F-27C7-6685-C18B-453DFA254877}"/>
+              </a:ext>
+            </a:extLst>
+          </p:cNvPr>
+          <p:cNvSpPr/>
+          <p:nvPr/>
+        </p:nvSpPr>
+        <p:spPr>
+          <a:xfrm>
+            <a:off x="10122408" y="3429001"/>
+            <a:ext cx="283464" cy="795528"/>
+          </a:xfrm>
+          <a:prstGeom prst="rect">
+            <a:avLst/>
+          </a:prstGeom>
+          <a:noFill/>
+          <a:ln>
+            <a:solidFill>
+              <a:srgbClr val="FF0000"/>
+            </a:solidFill>
+          </a:ln>
+        </p:spPr>
+        <p:style>
+          <a:lnRef idx="2">
+            <a:schemeClr val="accent1">
+              <a:shade val="15000"/>
+            </a:schemeClr>
+          </a:lnRef>
+          <a:fillRef idx="1">
+            <a:schemeClr val="accent1"/>
+          </a:fillRef>
+          <a:effectRef idx="0">
+            <a:schemeClr val="accent1"/>
+          </a:effectRef>
+          <a:fontRef idx="minor">
+            <a:schemeClr val="lt1"/>
+          </a:fontRef>
+        </p:style>
+        <p:txBody>
+          <a:bodyPr rtlCol="0" anchor="ctr"/>
+          <a:lstStyle/>
+          <a:p>
+            <a:pPr algn="ctr"/>
+            <a:endParaRPr lang="en-GB"/>
           </a:p>
         </p:txBody>
       </p:sp>
     </p:spTree>
     <p:extLst>
       <p:ext uri="{BB962C8B-B14F-4D97-AF65-F5344CB8AC3E}">
-        <p14:creationId xmlns:p14="http://schemas.microsoft.com/office/powerpoint/2010/main" val="2204234833"/>
+        <p14:creationId xmlns:p14="http://schemas.microsoft.com/office/powerpoint/2010/main" val="3633369149"/>
       </p:ext>
     </p:extLst>
   </p:cSld>
@@ -12795,7 +13787,7 @@
           <p:cNvPr id="2" name="Title 1">
             <a:extLst>
               <a:ext uri="{FF2B5EF4-FFF2-40B4-BE49-F238E27FC236}">
-                <a16:creationId xmlns:a16="http://schemas.microsoft.com/office/drawing/2014/main" id="{C373C1A9-A330-F9C2-C99C-940FD700E964}"/>
+                <a16:creationId xmlns:a16="http://schemas.microsoft.com/office/drawing/2014/main" id="{78D0C970-EEBF-05B1-FF2C-E7E978A7A8DA}"/>
               </a:ext>
             </a:extLst>
           </p:cNvPr>
@@ -12813,7 +13805,7 @@
           <a:p>
             <a:r>
               <a:rPr lang="en-GB" dirty="0"/>
-              <a:t>Technical details: Extra heating</a:t>
+              <a:t>Technical details: Naming conventions</a:t>
             </a:r>
           </a:p>
         </p:txBody>
@@ -12823,7 +13815,184 @@
           <p:cNvPr id="3" name="Content Placeholder 2">
             <a:extLst>
               <a:ext uri="{FF2B5EF4-FFF2-40B4-BE49-F238E27FC236}">
-                <a16:creationId xmlns:a16="http://schemas.microsoft.com/office/drawing/2014/main" id="{B0163CB2-48D0-F0C3-D103-BDC6D7DEA086}"/>
+                <a16:creationId xmlns:a16="http://schemas.microsoft.com/office/drawing/2014/main" id="{5450935E-3A40-D7CF-8176-D0364C5C9505}"/>
+              </a:ext>
+            </a:extLst>
+          </p:cNvPr>
+          <p:cNvSpPr>
+            <a:spLocks noGrp="1"/>
+          </p:cNvSpPr>
+          <p:nvPr>
+            <p:ph idx="1"/>
+          </p:nvPr>
+        </p:nvSpPr>
+        <p:spPr/>
+        <p:txBody>
+          <a:bodyPr>
+            <a:normAutofit/>
+          </a:bodyPr>
+          <a:lstStyle/>
+          <a:p>
+            <a:r>
+              <a:rPr lang="en-GB" dirty="0"/>
+              <a:t>Experiment file naming conventions</a:t>
+            </a:r>
+          </a:p>
+          <a:p>
+            <a:pPr lvl="1"/>
+            <a:r>
+              <a:rPr lang="en-GB" dirty="0"/>
+              <a:t>Fiber (individual protein molecule) named by one or two lowercase letters</a:t>
+            </a:r>
+          </a:p>
+          <a:p>
+            <a:pPr lvl="1"/>
+            <a:r>
+              <a:rPr lang="en-GB" dirty="0"/>
+              <a:t>Data from a long experiment may be split over several files. Marked by uppercase letters</a:t>
+            </a:r>
+          </a:p>
+          <a:p>
+            <a:r>
+              <a:rPr lang="en-GB" dirty="0"/>
+              <a:t>Bath Temperature</a:t>
+            </a:r>
+          </a:p>
+          <a:p>
+            <a:pPr lvl="1"/>
+            <a:r>
+              <a:rPr lang="en-GB" dirty="0"/>
+              <a:t>Bath temperature is reported in the COM file as Temperature B.</a:t>
+            </a:r>
+          </a:p>
+          <a:p>
+            <a:pPr lvl="1"/>
+            <a:r>
+              <a:rPr lang="en-GB" dirty="0"/>
+              <a:t>COM file name is given by the </a:t>
+            </a:r>
+            <a:r>
+              <a:rPr lang="en-GB" dirty="0" err="1"/>
+              <a:t>fiber</a:t>
+            </a:r>
+            <a:r>
+              <a:rPr lang="en-GB" dirty="0"/>
+              <a:t> name</a:t>
+            </a:r>
+          </a:p>
+          <a:p>
+            <a:pPr lvl="1"/>
+            <a:endParaRPr lang="en-GB" dirty="0"/>
+          </a:p>
+          <a:p>
+            <a:pPr lvl="1"/>
+            <a:r>
+              <a:rPr lang="en-GB" dirty="0"/>
+              <a:t>aA.txt aB.txt: Data from long experiment using </a:t>
+            </a:r>
+            <a:r>
+              <a:rPr lang="en-GB" dirty="0" err="1"/>
+              <a:t>fiber</a:t>
+            </a:r>
+            <a:r>
+              <a:rPr lang="en-GB" dirty="0"/>
+              <a:t> a. COM file:  aCOM.txt</a:t>
+            </a:r>
+          </a:p>
+          <a:p>
+            <a:pPr lvl="1"/>
+            <a:r>
+              <a:rPr lang="en-GB" dirty="0"/>
+              <a:t>abA.txt:   Experiment using </a:t>
+            </a:r>
+            <a:r>
+              <a:rPr lang="en-GB" dirty="0" err="1"/>
+              <a:t>fiber</a:t>
+            </a:r>
+            <a:r>
+              <a:rPr lang="en-GB" dirty="0"/>
+              <a:t> ab. COM file: abCOM.txt</a:t>
+            </a:r>
+          </a:p>
+          <a:p>
+            <a:pPr lvl="1"/>
+            <a:endParaRPr lang="en-GB" dirty="0"/>
+          </a:p>
+          <a:p>
+            <a:pPr lvl="1"/>
+            <a:endParaRPr lang="en-GB" dirty="0"/>
+          </a:p>
+        </p:txBody>
+      </p:sp>
+    </p:spTree>
+    <p:extLst>
+      <p:ext uri="{BB962C8B-B14F-4D97-AF65-F5344CB8AC3E}">
+        <p14:creationId xmlns:p14="http://schemas.microsoft.com/office/powerpoint/2010/main" val="2086630511"/>
+      </p:ext>
+    </p:extLst>
+  </p:cSld>
+  <p:clrMapOvr>
+    <a:masterClrMapping/>
+  </p:clrMapOvr>
+</p:sld>
+</file>
+
+<file path=ppt/slides/slide36.xml><?xml version="1.0" encoding="utf-8"?>
+<p:sld xmlns:a="http://schemas.openxmlformats.org/drawingml/2006/main" xmlns:r="http://schemas.openxmlformats.org/officeDocument/2006/relationships" xmlns:p="http://schemas.openxmlformats.org/presentationml/2006/main">
+  <p:cSld>
+    <p:spTree>
+      <p:nvGrpSpPr>
+        <p:cNvPr id="1" name=""/>
+        <p:cNvGrpSpPr/>
+        <p:nvPr/>
+      </p:nvGrpSpPr>
+      <p:grpSpPr>
+        <a:xfrm>
+          <a:off x="0" y="0"/>
+          <a:ext cx="0" cy="0"/>
+          <a:chOff x="0" y="0"/>
+          <a:chExt cx="0" cy="0"/>
+        </a:xfrm>
+      </p:grpSpPr>
+      <p:sp>
+        <p:nvSpPr>
+          <p:cNvPr id="2" name="Title 1">
+            <a:extLst>
+              <a:ext uri="{FF2B5EF4-FFF2-40B4-BE49-F238E27FC236}">
+                <a16:creationId xmlns:a16="http://schemas.microsoft.com/office/drawing/2014/main" id="{46C48805-6E71-9540-F0AA-92613C975FBF}"/>
+              </a:ext>
+            </a:extLst>
+          </p:cNvPr>
+          <p:cNvSpPr>
+            <a:spLocks noGrp="1"/>
+          </p:cNvSpPr>
+          <p:nvPr>
+            <p:ph type="title"/>
+          </p:nvPr>
+        </p:nvSpPr>
+        <p:spPr/>
+        <p:txBody>
+          <a:bodyPr/>
+          <a:lstStyle/>
+          <a:p>
+            <a:r>
+              <a:rPr lang="en-GB" dirty="0"/>
+              <a:t>Combining several files for the same </a:t>
+            </a:r>
+            <a:r>
+              <a:rPr lang="en-GB" dirty="0" err="1"/>
+              <a:t>fiber</a:t>
+            </a:r>
+            <a:endParaRPr lang="en-GB" dirty="0"/>
+          </a:p>
+        </p:txBody>
+      </p:sp>
+      <p:sp>
+        <p:nvSpPr>
+          <p:cNvPr id="3" name="Content Placeholder 2">
+            <a:extLst>
+              <a:ext uri="{FF2B5EF4-FFF2-40B4-BE49-F238E27FC236}">
+                <a16:creationId xmlns:a16="http://schemas.microsoft.com/office/drawing/2014/main" id="{2E6D2D2F-9CE8-051E-3EDD-49C2FA6ADBD3}"/>
               </a:ext>
             </a:extLst>
           </p:cNvPr>
@@ -12841,46 +14010,149 @@
           <a:p>
             <a:r>
               <a:rPr lang="en-GB" dirty="0"/>
-              <a:t>A separate heating element may increase the chamber temperature above the bath temperature.  The setting for this element is recorded in digits 2 and 3 in the status column in the experiment file.</a:t>
-            </a:r>
-          </a:p>
-          <a:p>
-            <a:r>
-              <a:rPr lang="en-GB" dirty="0"/>
-              <a:t>The mapping from setting to temperature increase is given by the table </a:t>
+              <a:t>Results for long experiments on the same </a:t>
             </a:r>
             <a:r>
               <a:rPr lang="en-GB" dirty="0" err="1"/>
-              <a:t>Tlist</a:t>
-            </a:r>
-            <a:r>
-              <a:rPr lang="en-GB" dirty="0"/>
-              <a:t> in </a:t>
+              <a:t>fiber</a:t>
+            </a:r>
+            <a:r>
+              <a:rPr lang="en-GB" dirty="0"/>
+              <a:t> are often distributed among several files</a:t>
+            </a:r>
+          </a:p>
+          <a:p>
+            <a:pPr lvl="1"/>
+            <a:r>
+              <a:rPr lang="en-GB" dirty="0"/>
+              <a:t>E.g. aA.txt, aB.txt, aC.txt, aD.txt, …</a:t>
+            </a:r>
+          </a:p>
+          <a:p>
+            <a:r>
+              <a:rPr lang="en-GB" dirty="0"/>
+              <a:t>Function </a:t>
+            </a:r>
+            <a:r>
+              <a:rPr lang="en-GB" sz="2400" dirty="0" err="1">
+                <a:latin typeface="Consolas" panose="020B0609020204030204" pitchFamily="49" charset="0"/>
+              </a:rPr>
+              <a:t>analyse_fiber</a:t>
+            </a:r>
+            <a:r>
+              <a:rPr lang="en-GB" sz="2400" dirty="0">
+                <a:latin typeface="Consolas" panose="020B0609020204030204" pitchFamily="49" charset="0"/>
+              </a:rPr>
+              <a:t>(</a:t>
+            </a:r>
+            <a:r>
+              <a:rPr lang="en-GB" sz="2400" dirty="0" err="1">
+                <a:latin typeface="Consolas" panose="020B0609020204030204" pitchFamily="49" charset="0"/>
+              </a:rPr>
+              <a:t>fiber</a:t>
+            </a:r>
+            <a:r>
+              <a:rPr lang="en-GB" sz="2400" dirty="0">
+                <a:latin typeface="Consolas" panose="020B0609020204030204" pitchFamily="49" charset="0"/>
+              </a:rPr>
+              <a:t>) </a:t>
+            </a:r>
+            <a:r>
+              <a:rPr lang="en-GB" dirty="0"/>
+              <a:t>lets you analyse all files together.</a:t>
+            </a:r>
+          </a:p>
+          <a:p>
+            <a:pPr lvl="1"/>
+            <a:r>
+              <a:rPr lang="en-GB" dirty="0"/>
+              <a:t>You specify only the subfolder and fiber part</a:t>
+            </a:r>
+          </a:p>
+          <a:p>
+            <a:pPr lvl="1"/>
+            <a:r>
+              <a:rPr lang="en-GB" sz="2000" dirty="0">
+                <a:latin typeface="Consolas" panose="020B0609020204030204" pitchFamily="49" charset="0"/>
+              </a:rPr>
+              <a:t>[</a:t>
+            </a:r>
+            <a:r>
+              <a:rPr lang="en-GB" sz="2000" dirty="0" err="1">
+                <a:latin typeface="Consolas" panose="020B0609020204030204" pitchFamily="49" charset="0"/>
+              </a:rPr>
+              <a:t>Trip,Tzip</a:t>
+            </a:r>
+            <a:r>
+              <a:rPr lang="en-GB" sz="2000" dirty="0">
+                <a:latin typeface="Consolas" panose="020B0609020204030204" pitchFamily="49" charset="0"/>
+              </a:rPr>
+              <a:t>] = </a:t>
+            </a:r>
+            <a:r>
+              <a:rPr lang="en-GB" sz="2000" dirty="0" err="1">
+                <a:latin typeface="Consolas" panose="020B0609020204030204" pitchFamily="49" charset="0"/>
+              </a:rPr>
+              <a:t>analyse_fiber</a:t>
+            </a:r>
+            <a:r>
+              <a:rPr lang="en-GB" sz="2000" dirty="0">
+                <a:latin typeface="Consolas" panose="020B0609020204030204" pitchFamily="49" charset="0"/>
+              </a:rPr>
+              <a:t>("subfolder1/a");</a:t>
+            </a:r>
+          </a:p>
+          <a:p>
+            <a:pPr lvl="1"/>
+            <a:r>
+              <a:rPr lang="en-GB" dirty="0"/>
+              <a:t>The files are analysed in alphabetical sequence</a:t>
+            </a:r>
+          </a:p>
+          <a:p>
+            <a:r>
+              <a:rPr lang="en-GB" dirty="0"/>
+              <a:t>Note that the </a:t>
             </a:r>
             <a:r>
               <a:rPr lang="en-GB" dirty="0" err="1"/>
-              <a:t>params.m</a:t>
-            </a:r>
-            <a:r>
-              <a:rPr lang="en-GB" dirty="0"/>
-              <a:t>.</a:t>
-            </a:r>
-          </a:p>
-          <a:p>
-            <a:endParaRPr lang="en-GB" dirty="0"/>
-          </a:p>
-          <a:p>
-            <a:r>
-              <a:rPr lang="en-GB" dirty="0"/>
-              <a:t>NOTE: Relevant for Steve’s instrument.  Other instruments may handle temperature differently.</a:t>
-            </a:r>
+              <a:t>RipAnalysis</a:t>
+            </a:r>
+            <a:r>
+              <a:rPr lang="en-GB" dirty="0"/>
+              <a:t> app and the </a:t>
+            </a:r>
+            <a:r>
+              <a:rPr lang="en-GB" sz="2400" dirty="0" err="1">
+                <a:latin typeface="Consolas" panose="020B0609020204030204" pitchFamily="49" charset="0"/>
+              </a:rPr>
+              <a:t>collect_tables</a:t>
+            </a:r>
+            <a:r>
+              <a:rPr lang="en-GB" sz="2400" dirty="0">
+                <a:latin typeface="Consolas" panose="020B0609020204030204" pitchFamily="49" charset="0"/>
+              </a:rPr>
+              <a:t> </a:t>
+            </a:r>
+            <a:r>
+              <a:rPr lang="en-GB" dirty="0"/>
+              <a:t>function can so far only handle individual files</a:t>
+            </a:r>
+          </a:p>
+          <a:p>
+            <a:pPr marL="457200" lvl="1" indent="0">
+              <a:buNone/>
+            </a:pPr>
+            <a:endParaRPr lang="en-GB" sz="2000" dirty="0">
+              <a:latin typeface="Consolas" panose="020B0609020204030204" pitchFamily="49" charset="0"/>
+            </a:endParaRPr>
           </a:p>
         </p:txBody>
       </p:sp>
     </p:spTree>
     <p:extLst>
       <p:ext uri="{BB962C8B-B14F-4D97-AF65-F5344CB8AC3E}">
-        <p14:creationId xmlns:p14="http://schemas.microsoft.com/office/powerpoint/2010/main" val="884547013"/>
+        <p14:creationId xmlns:p14="http://schemas.microsoft.com/office/powerpoint/2010/main" val="2204234833"/>
       </p:ext>
     </p:extLst>
   </p:cSld>
@@ -12890,7 +14162,697 @@
 </p:sld>
 </file>
 
-<file path=ppt/slides/slide36.xml><?xml version="1.0" encoding="utf-8"?>
+<file path=ppt/slides/slide37.xml><?xml version="1.0" encoding="utf-8"?>
+<p:sld xmlns:a="http://schemas.openxmlformats.org/drawingml/2006/main" xmlns:r="http://schemas.openxmlformats.org/officeDocument/2006/relationships" xmlns:p="http://schemas.openxmlformats.org/presentationml/2006/main">
+  <p:cSld>
+    <p:spTree>
+      <p:nvGrpSpPr>
+        <p:cNvPr id="1" name=""/>
+        <p:cNvGrpSpPr/>
+        <p:nvPr/>
+      </p:nvGrpSpPr>
+      <p:grpSpPr>
+        <a:xfrm>
+          <a:off x="0" y="0"/>
+          <a:ext cx="0" cy="0"/>
+          <a:chOff x="0" y="0"/>
+          <a:chExt cx="0" cy="0"/>
+        </a:xfrm>
+      </p:grpSpPr>
+      <p:sp>
+        <p:nvSpPr>
+          <p:cNvPr id="2" name="Title 1">
+            <a:extLst>
+              <a:ext uri="{FF2B5EF4-FFF2-40B4-BE49-F238E27FC236}">
+                <a16:creationId xmlns:a16="http://schemas.microsoft.com/office/drawing/2014/main" id="{C319B966-DCFA-55AF-209B-E5865DA1EC17}"/>
+              </a:ext>
+            </a:extLst>
+          </p:cNvPr>
+          <p:cNvSpPr>
+            <a:spLocks noGrp="1"/>
+          </p:cNvSpPr>
+          <p:nvPr>
+            <p:ph type="title"/>
+          </p:nvPr>
+        </p:nvSpPr>
+        <p:spPr/>
+        <p:txBody>
+          <a:bodyPr/>
+          <a:lstStyle/>
+          <a:p>
+            <a:r>
+              <a:rPr lang="en-GB" dirty="0"/>
+              <a:t>Parameter file </a:t>
+            </a:r>
+            <a:r>
+              <a:rPr lang="en-GB" dirty="0" err="1"/>
+              <a:t>params.m</a:t>
+            </a:r>
+            <a:endParaRPr lang="en-GB" dirty="0"/>
+          </a:p>
+        </p:txBody>
+      </p:sp>
+      <p:sp>
+        <p:nvSpPr>
+          <p:cNvPr id="4" name="Content Placeholder 3">
+            <a:extLst>
+              <a:ext uri="{FF2B5EF4-FFF2-40B4-BE49-F238E27FC236}">
+                <a16:creationId xmlns:a16="http://schemas.microsoft.com/office/drawing/2014/main" id="{821CEF42-FFC5-DFCE-1ABD-D43F48BC47A8}"/>
+              </a:ext>
+            </a:extLst>
+          </p:cNvPr>
+          <p:cNvSpPr>
+            <a:spLocks noGrp="1"/>
+          </p:cNvSpPr>
+          <p:nvPr>
+            <p:ph idx="1"/>
+          </p:nvPr>
+        </p:nvSpPr>
+        <p:spPr>
+          <a:xfrm>
+            <a:off x="838200" y="1825625"/>
+            <a:ext cx="2535936" cy="4351338"/>
+          </a:xfrm>
+        </p:spPr>
+        <p:txBody>
+          <a:bodyPr>
+            <a:normAutofit/>
+          </a:bodyPr>
+          <a:lstStyle/>
+          <a:p>
+            <a:pPr marL="0" indent="0">
+              <a:buNone/>
+            </a:pPr>
+            <a:r>
+              <a:rPr lang="en-GB" sz="1800" b="0" i="0" dirty="0">
+                <a:solidFill>
+                  <a:srgbClr val="0E00FF"/>
+                </a:solidFill>
+                <a:effectLst/>
+                <a:latin typeface="Menlo"/>
+              </a:rPr>
+              <a:t>function </a:t>
+            </a:r>
+            <a:r>
+              <a:rPr lang="en-GB" sz="1800" b="0" i="0" dirty="0">
+                <a:effectLst/>
+                <a:latin typeface="Menlo"/>
+              </a:rPr>
+              <a:t>par = params</a:t>
+            </a:r>
+          </a:p>
+          <a:p>
+            <a:pPr marL="0" indent="0">
+              <a:buNone/>
+            </a:pPr>
+            <a:r>
+              <a:rPr lang="en-GB" sz="1800" b="0" i="0" dirty="0" err="1">
+                <a:effectLst/>
+                <a:latin typeface="Menlo"/>
+              </a:rPr>
+              <a:t>par.threshold</a:t>
+            </a:r>
+            <a:r>
+              <a:rPr lang="en-GB" sz="1800" b="0" i="0" dirty="0">
+                <a:effectLst/>
+                <a:latin typeface="Menlo"/>
+              </a:rPr>
+              <a:t> = 12;</a:t>
+            </a:r>
+            <a:br>
+              <a:rPr lang="en-GB" sz="1800" b="0" i="0" dirty="0">
+                <a:effectLst/>
+                <a:latin typeface="Menlo"/>
+              </a:rPr>
+            </a:br>
+            <a:r>
+              <a:rPr lang="en-GB" sz="1800" b="0" i="0" dirty="0" err="1">
+                <a:effectLst/>
+                <a:latin typeface="Menlo"/>
+              </a:rPr>
+              <a:t>par.lim</a:t>
+            </a:r>
+            <a:r>
+              <a:rPr lang="en-GB" sz="1800" b="0" i="0" dirty="0">
+                <a:effectLst/>
+                <a:latin typeface="Menlo"/>
+              </a:rPr>
+              <a:t> = 16;</a:t>
+            </a:r>
+          </a:p>
+          <a:p>
+            <a:pPr marL="0" indent="0">
+              <a:buNone/>
+            </a:pPr>
+            <a:r>
+              <a:rPr lang="fr-FR" sz="1800" b="0" i="0" dirty="0" err="1">
+                <a:effectLst/>
+                <a:latin typeface="Menlo"/>
+              </a:rPr>
+              <a:t>par.minfitfraction</a:t>
+            </a:r>
+            <a:r>
+              <a:rPr lang="fr-FR" sz="1800" b="0" i="0" dirty="0">
+                <a:effectLst/>
+                <a:latin typeface="Menlo"/>
+              </a:rPr>
+              <a:t> = 0.05; </a:t>
+            </a:r>
+            <a:r>
+              <a:rPr lang="fr-FR" sz="1800" b="0" i="0" dirty="0" err="1">
+                <a:effectLst/>
+                <a:latin typeface="Menlo"/>
+              </a:rPr>
+              <a:t>par.maxfitfraction</a:t>
+            </a:r>
+            <a:r>
+              <a:rPr lang="fr-FR" sz="1800" b="0" i="0" dirty="0">
+                <a:effectLst/>
+                <a:latin typeface="Menlo"/>
+              </a:rPr>
+              <a:t> = 0.15;</a:t>
+            </a:r>
+          </a:p>
+          <a:p>
+            <a:pPr marL="0" indent="0">
+              <a:buNone/>
+            </a:pPr>
+            <a:r>
+              <a:rPr lang="en-GB" sz="1800" b="0" i="0" dirty="0" err="1">
+                <a:effectLst/>
+                <a:latin typeface="Menlo"/>
+              </a:rPr>
+              <a:t>par.supportlength</a:t>
+            </a:r>
+            <a:r>
+              <a:rPr lang="en-GB" sz="1800" b="0" i="0" dirty="0">
+                <a:effectLst/>
+                <a:latin typeface="Menlo"/>
+              </a:rPr>
+              <a:t> = 5;</a:t>
+            </a:r>
+          </a:p>
+          <a:p>
+            <a:pPr marL="0" indent="0">
+              <a:buNone/>
+            </a:pPr>
+            <a:r>
+              <a:rPr lang="en-GB" sz="1800" b="0" i="0" dirty="0" err="1">
+                <a:effectLst/>
+                <a:latin typeface="Menlo"/>
+              </a:rPr>
+              <a:t>par.ripsteps</a:t>
+            </a:r>
+            <a:r>
+              <a:rPr lang="en-GB" sz="1800" b="0" i="0" dirty="0">
+                <a:effectLst/>
+                <a:latin typeface="Menlo"/>
+              </a:rPr>
+              <a:t> = 1;</a:t>
+            </a:r>
+          </a:p>
+          <a:p>
+            <a:pPr marL="0" indent="0">
+              <a:buNone/>
+            </a:pPr>
+            <a:r>
+              <a:rPr lang="en-GB" sz="1800" b="0" i="0" dirty="0" err="1">
+                <a:effectLst/>
+                <a:latin typeface="Menlo"/>
+              </a:rPr>
+              <a:t>par.overstretch</a:t>
+            </a:r>
+            <a:r>
+              <a:rPr lang="en-GB" sz="1800" b="0" i="0" dirty="0">
+                <a:effectLst/>
+                <a:latin typeface="Menlo"/>
+              </a:rPr>
+              <a:t> = 55;</a:t>
+            </a:r>
+          </a:p>
+          <a:p>
+            <a:pPr marL="0" indent="0">
+              <a:buNone/>
+            </a:pPr>
+            <a:r>
+              <a:rPr lang="en-GB" sz="1800" b="0" i="0" dirty="0" err="1">
+                <a:effectLst/>
+                <a:latin typeface="Menlo"/>
+              </a:rPr>
+              <a:t>par.noisefactor</a:t>
+            </a:r>
+            <a:r>
+              <a:rPr lang="en-GB" sz="1800" b="0" i="0" dirty="0">
+                <a:effectLst/>
+                <a:latin typeface="Menlo"/>
+              </a:rPr>
+              <a:t> = [3,1];</a:t>
+            </a:r>
+          </a:p>
+          <a:p>
+            <a:pPr marL="0" indent="0">
+              <a:buNone/>
+            </a:pPr>
+            <a:r>
+              <a:rPr lang="en-GB" sz="1800" b="0" i="0" dirty="0" err="1">
+                <a:effectLst/>
+                <a:latin typeface="Menlo"/>
+              </a:rPr>
+              <a:t>par.min_fstep</a:t>
+            </a:r>
+            <a:r>
+              <a:rPr lang="en-GB" sz="1800" b="0" i="0" dirty="0">
+                <a:effectLst/>
+                <a:latin typeface="Menlo"/>
+              </a:rPr>
+              <a:t> = 0.4;</a:t>
+            </a:r>
+          </a:p>
+          <a:p>
+            <a:pPr marL="0" indent="0">
+              <a:buNone/>
+            </a:pPr>
+            <a:r>
+              <a:rPr lang="en-GB" sz="1800" b="0" i="0" dirty="0" err="1">
+                <a:effectLst/>
+                <a:latin typeface="Menlo"/>
+              </a:rPr>
+              <a:t>par.maxzipfactor</a:t>
+            </a:r>
+            <a:r>
+              <a:rPr lang="en-GB" sz="1800" b="0" i="0" dirty="0">
+                <a:effectLst/>
+                <a:latin typeface="Menlo"/>
+              </a:rPr>
+              <a:t> = 0.65;</a:t>
+            </a:r>
+          </a:p>
+          <a:p>
+            <a:pPr marL="0" indent="0">
+              <a:buNone/>
+            </a:pPr>
+            <a:r>
+              <a:rPr lang="en-GB" sz="1800" b="0" i="0" dirty="0" err="1">
+                <a:effectLst/>
+                <a:latin typeface="Menlo"/>
+              </a:rPr>
+              <a:t>par.Tlist</a:t>
+            </a:r>
+            <a:endParaRPr lang="en-GB" sz="1800" b="0" i="0" dirty="0">
+              <a:effectLst/>
+              <a:latin typeface="Menlo"/>
+            </a:endParaRPr>
+          </a:p>
+          <a:p>
+            <a:pPr marL="0" indent="0">
+              <a:buNone/>
+            </a:pPr>
+            <a:endParaRPr lang="en-GB" sz="1800" b="0" i="0" dirty="0">
+              <a:effectLst/>
+              <a:latin typeface="Menlo"/>
+            </a:endParaRPr>
+          </a:p>
+          <a:p>
+            <a:pPr marL="0" indent="0">
+              <a:buNone/>
+            </a:pPr>
+            <a:endParaRPr lang="fr-FR" sz="1800" b="0" i="0" dirty="0">
+              <a:effectLst/>
+              <a:latin typeface="Menlo"/>
+            </a:endParaRPr>
+          </a:p>
+          <a:p>
+            <a:pPr marL="0" indent="0">
+              <a:buNone/>
+            </a:pPr>
+            <a:endParaRPr lang="en-GB" sz="1800" b="0" i="0" dirty="0">
+              <a:effectLst/>
+              <a:latin typeface="Menlo"/>
+            </a:endParaRPr>
+          </a:p>
+          <a:p>
+            <a:pPr marL="0" indent="0">
+              <a:buNone/>
+            </a:pPr>
+            <a:endParaRPr lang="en-GB" dirty="0"/>
+          </a:p>
+        </p:txBody>
+      </p:sp>
+      <p:sp>
+        <p:nvSpPr>
+          <p:cNvPr id="5" name="Content Placeholder 3">
+            <a:extLst>
+              <a:ext uri="{FF2B5EF4-FFF2-40B4-BE49-F238E27FC236}">
+                <a16:creationId xmlns:a16="http://schemas.microsoft.com/office/drawing/2014/main" id="{C3A6AED0-963F-1F14-8584-8D0BE40B8A6F}"/>
+              </a:ext>
+            </a:extLst>
+          </p:cNvPr>
+          <p:cNvSpPr txBox="1">
+            <a:spLocks/>
+          </p:cNvSpPr>
+          <p:nvPr/>
+        </p:nvSpPr>
+        <p:spPr>
+          <a:xfrm>
+            <a:off x="3447288" y="1825625"/>
+            <a:ext cx="7424928" cy="4351338"/>
+          </a:xfrm>
+          <a:prstGeom prst="rect">
+            <a:avLst/>
+          </a:prstGeom>
+        </p:spPr>
+        <p:txBody>
+          <a:bodyPr vert="horz" lIns="91440" tIns="45720" rIns="91440" bIns="45720" rtlCol="0">
+            <a:normAutofit/>
+          </a:bodyPr>
+          <a:lstStyle>
+            <a:lvl1pPr marL="228600" indent="-228600" algn="l" defTabSz="914400" rtl="0" eaLnBrk="1" latinLnBrk="0" hangingPunct="1">
+              <a:lnSpc>
+                <a:spcPct val="90000"/>
+              </a:lnSpc>
+              <a:spcBef>
+                <a:spcPts val="1000"/>
+              </a:spcBef>
+              <a:buFont typeface="Arial" panose="020B0604020202020204" pitchFamily="34" charset="0"/>
+              <a:buChar char="•"/>
+              <a:defRPr sz="2800" kern="1200">
+                <a:solidFill>
+                  <a:schemeClr val="tx1"/>
+                </a:solidFill>
+                <a:latin typeface="+mn-lt"/>
+                <a:ea typeface="+mn-ea"/>
+                <a:cs typeface="+mn-cs"/>
+              </a:defRPr>
+            </a:lvl1pPr>
+            <a:lvl2pPr marL="685800" indent="-228600" algn="l" defTabSz="914400" rtl="0" eaLnBrk="1" latinLnBrk="0" hangingPunct="1">
+              <a:lnSpc>
+                <a:spcPct val="90000"/>
+              </a:lnSpc>
+              <a:spcBef>
+                <a:spcPts val="500"/>
+              </a:spcBef>
+              <a:buFont typeface="Arial" panose="020B0604020202020204" pitchFamily="34" charset="0"/>
+              <a:buChar char="•"/>
+              <a:defRPr sz="2400" kern="1200">
+                <a:solidFill>
+                  <a:schemeClr val="tx1"/>
+                </a:solidFill>
+                <a:latin typeface="+mn-lt"/>
+                <a:ea typeface="+mn-ea"/>
+                <a:cs typeface="+mn-cs"/>
+              </a:defRPr>
+            </a:lvl2pPr>
+            <a:lvl3pPr marL="1143000" indent="-228600" algn="l" defTabSz="914400" rtl="0" eaLnBrk="1" latinLnBrk="0" hangingPunct="1">
+              <a:lnSpc>
+                <a:spcPct val="90000"/>
+              </a:lnSpc>
+              <a:spcBef>
+                <a:spcPts val="500"/>
+              </a:spcBef>
+              <a:buFont typeface="Arial" panose="020B0604020202020204" pitchFamily="34" charset="0"/>
+              <a:buChar char="•"/>
+              <a:defRPr sz="2000" kern="1200">
+                <a:solidFill>
+                  <a:schemeClr val="tx1"/>
+                </a:solidFill>
+                <a:latin typeface="+mn-lt"/>
+                <a:ea typeface="+mn-ea"/>
+                <a:cs typeface="+mn-cs"/>
+              </a:defRPr>
+            </a:lvl3pPr>
+            <a:lvl4pPr marL="1600200" indent="-228600" algn="l" defTabSz="914400" rtl="0" eaLnBrk="1" latinLnBrk="0" hangingPunct="1">
+              <a:lnSpc>
+                <a:spcPct val="90000"/>
+              </a:lnSpc>
+              <a:spcBef>
+                <a:spcPts val="500"/>
+              </a:spcBef>
+              <a:buFont typeface="Arial" panose="020B0604020202020204" pitchFamily="34" charset="0"/>
+              <a:buChar char="•"/>
+              <a:defRPr sz="1800" kern="1200">
+                <a:solidFill>
+                  <a:schemeClr val="tx1"/>
+                </a:solidFill>
+                <a:latin typeface="+mn-lt"/>
+                <a:ea typeface="+mn-ea"/>
+                <a:cs typeface="+mn-cs"/>
+              </a:defRPr>
+            </a:lvl4pPr>
+            <a:lvl5pPr marL="2057400" indent="-228600" algn="l" defTabSz="914400" rtl="0" eaLnBrk="1" latinLnBrk="0" hangingPunct="1">
+              <a:lnSpc>
+                <a:spcPct val="90000"/>
+              </a:lnSpc>
+              <a:spcBef>
+                <a:spcPts val="500"/>
+              </a:spcBef>
+              <a:buFont typeface="Arial" panose="020B0604020202020204" pitchFamily="34" charset="0"/>
+              <a:buChar char="•"/>
+              <a:defRPr sz="1800" kern="1200">
+                <a:solidFill>
+                  <a:schemeClr val="tx1"/>
+                </a:solidFill>
+                <a:latin typeface="+mn-lt"/>
+                <a:ea typeface="+mn-ea"/>
+                <a:cs typeface="+mn-cs"/>
+              </a:defRPr>
+            </a:lvl5pPr>
+            <a:lvl6pPr marL="2514600" indent="-228600" algn="l" defTabSz="914400" rtl="0" eaLnBrk="1" latinLnBrk="0" hangingPunct="1">
+              <a:lnSpc>
+                <a:spcPct val="90000"/>
+              </a:lnSpc>
+              <a:spcBef>
+                <a:spcPts val="500"/>
+              </a:spcBef>
+              <a:buFont typeface="Arial" panose="020B0604020202020204" pitchFamily="34" charset="0"/>
+              <a:buChar char="•"/>
+              <a:defRPr sz="1800" kern="1200">
+                <a:solidFill>
+                  <a:schemeClr val="tx1"/>
+                </a:solidFill>
+                <a:latin typeface="+mn-lt"/>
+                <a:ea typeface="+mn-ea"/>
+                <a:cs typeface="+mn-cs"/>
+              </a:defRPr>
+            </a:lvl6pPr>
+            <a:lvl7pPr marL="2971800" indent="-228600" algn="l" defTabSz="914400" rtl="0" eaLnBrk="1" latinLnBrk="0" hangingPunct="1">
+              <a:lnSpc>
+                <a:spcPct val="90000"/>
+              </a:lnSpc>
+              <a:spcBef>
+                <a:spcPts val="500"/>
+              </a:spcBef>
+              <a:buFont typeface="Arial" panose="020B0604020202020204" pitchFamily="34" charset="0"/>
+              <a:buChar char="•"/>
+              <a:defRPr sz="1800" kern="1200">
+                <a:solidFill>
+                  <a:schemeClr val="tx1"/>
+                </a:solidFill>
+                <a:latin typeface="+mn-lt"/>
+                <a:ea typeface="+mn-ea"/>
+                <a:cs typeface="+mn-cs"/>
+              </a:defRPr>
+            </a:lvl7pPr>
+            <a:lvl8pPr marL="3429000" indent="-228600" algn="l" defTabSz="914400" rtl="0" eaLnBrk="1" latinLnBrk="0" hangingPunct="1">
+              <a:lnSpc>
+                <a:spcPct val="90000"/>
+              </a:lnSpc>
+              <a:spcBef>
+                <a:spcPts val="500"/>
+              </a:spcBef>
+              <a:buFont typeface="Arial" panose="020B0604020202020204" pitchFamily="34" charset="0"/>
+              <a:buChar char="•"/>
+              <a:defRPr sz="1800" kern="1200">
+                <a:solidFill>
+                  <a:schemeClr val="tx1"/>
+                </a:solidFill>
+                <a:latin typeface="+mn-lt"/>
+                <a:ea typeface="+mn-ea"/>
+                <a:cs typeface="+mn-cs"/>
+              </a:defRPr>
+            </a:lvl8pPr>
+            <a:lvl9pPr marL="3886200" indent="-228600" algn="l" defTabSz="914400" rtl="0" eaLnBrk="1" latinLnBrk="0" hangingPunct="1">
+              <a:lnSpc>
+                <a:spcPct val="90000"/>
+              </a:lnSpc>
+              <a:spcBef>
+                <a:spcPts val="500"/>
+              </a:spcBef>
+              <a:buFont typeface="Arial" panose="020B0604020202020204" pitchFamily="34" charset="0"/>
+              <a:buChar char="•"/>
+              <a:defRPr sz="1800" kern="1200">
+                <a:solidFill>
+                  <a:schemeClr val="tx1"/>
+                </a:solidFill>
+                <a:latin typeface="+mn-lt"/>
+                <a:ea typeface="+mn-ea"/>
+                <a:cs typeface="+mn-cs"/>
+              </a:defRPr>
+            </a:lvl9pPr>
+          </a:lstStyle>
+          <a:p>
+            <a:pPr marL="0" indent="0">
+              <a:buFont typeface="Arial" panose="020B0604020202020204" pitchFamily="34" charset="0"/>
+              <a:buNone/>
+            </a:pPr>
+            <a:r>
+              <a:rPr lang="en-GB" sz="1800" dirty="0"/>
+              <a:t>Default parameter file read by </a:t>
+            </a:r>
+            <a:r>
+              <a:rPr lang="en-GB" sz="1800" dirty="0" err="1"/>
+              <a:t>analyse_experiment</a:t>
+            </a:r>
+            <a:endParaRPr lang="en-GB" sz="1800" dirty="0"/>
+          </a:p>
+          <a:p>
+            <a:pPr marL="0" indent="0">
+              <a:buFont typeface="Arial" panose="020B0604020202020204" pitchFamily="34" charset="0"/>
+              <a:buNone/>
+            </a:pPr>
+            <a:r>
+              <a:rPr lang="en-GB" sz="1800" dirty="0">
+                <a:latin typeface="Menlo"/>
+              </a:rPr>
+              <a:t>See slide: </a:t>
+            </a:r>
+            <a:r>
+              <a:rPr lang="en-GB" sz="1800" dirty="0"/>
+              <a:t>Find individual pull and relax traces</a:t>
+            </a:r>
+            <a:br>
+              <a:rPr lang="en-GB" sz="2000" dirty="0">
+                <a:latin typeface="Menlo"/>
+              </a:rPr>
+            </a:br>
+            <a:r>
+              <a:rPr lang="en-GB" sz="1400" dirty="0">
+                <a:latin typeface="Menlo"/>
+              </a:rPr>
+              <a:t> </a:t>
+            </a:r>
+            <a:endParaRPr lang="en-GB" sz="1400" dirty="0"/>
+          </a:p>
+          <a:p>
+            <a:pPr marL="0" indent="0">
+              <a:buFont typeface="Arial" panose="020B0604020202020204" pitchFamily="34" charset="0"/>
+              <a:buNone/>
+            </a:pPr>
+            <a:r>
+              <a:rPr lang="en-GB" sz="1800" dirty="0"/>
+              <a:t>Fraction of trace length used for fitting straight lines around rip/zip</a:t>
+            </a:r>
+            <a:br>
+              <a:rPr lang="en-GB" sz="1800" dirty="0"/>
+            </a:br>
+            <a:r>
+              <a:rPr lang="en-GB" sz="1800" dirty="0"/>
+              <a:t>Skip rips that are too close to end of trace</a:t>
+            </a:r>
+            <a:endParaRPr lang="en-GB" sz="800" dirty="0"/>
+          </a:p>
+          <a:p>
+            <a:pPr marL="0" indent="0">
+              <a:buFont typeface="Arial" panose="020B0604020202020204" pitchFamily="34" charset="0"/>
+              <a:buNone/>
+            </a:pPr>
+            <a:r>
+              <a:rPr lang="en-GB" sz="1800" dirty="0"/>
+              <a:t>Number of data point used to find local slope</a:t>
+            </a:r>
+          </a:p>
+          <a:p>
+            <a:pPr marL="0" indent="0">
+              <a:buFont typeface="Arial" panose="020B0604020202020204" pitchFamily="34" charset="0"/>
+              <a:buNone/>
+            </a:pPr>
+            <a:r>
+              <a:rPr lang="en-GB" sz="1800" dirty="0"/>
+              <a:t>Number of records between steepest force change and rip position</a:t>
+            </a:r>
+          </a:p>
+          <a:p>
+            <a:pPr marL="0" indent="0">
+              <a:buFont typeface="Arial" panose="020B0604020202020204" pitchFamily="34" charset="0"/>
+              <a:buNone/>
+            </a:pPr>
+            <a:r>
+              <a:rPr lang="en-GB" sz="1800" dirty="0"/>
+              <a:t>Maximum rip force</a:t>
+            </a:r>
+          </a:p>
+          <a:p>
+            <a:pPr marL="0" indent="0">
+              <a:buFont typeface="Arial" panose="020B0604020202020204" pitchFamily="34" charset="0"/>
+              <a:buNone/>
+            </a:pPr>
+            <a:r>
+              <a:rPr lang="en-GB" sz="1800" dirty="0"/>
+              <a:t>Determines the minimum force step relative to the noise</a:t>
+            </a:r>
+          </a:p>
+          <a:p>
+            <a:pPr marL="0" indent="0">
+              <a:buFont typeface="Arial" panose="020B0604020202020204" pitchFamily="34" charset="0"/>
+              <a:buNone/>
+            </a:pPr>
+            <a:r>
+              <a:rPr lang="en-GB" sz="1800" dirty="0"/>
+              <a:t>Minimum force step for valid rip, regardless of noise</a:t>
+            </a:r>
+          </a:p>
+          <a:p>
+            <a:pPr marL="0" indent="0">
+              <a:buFont typeface="Arial" panose="020B0604020202020204" pitchFamily="34" charset="0"/>
+              <a:buNone/>
+            </a:pPr>
+            <a:r>
+              <a:rPr lang="en-GB" sz="1800" dirty="0"/>
+              <a:t>Disregard zips at force &gt; </a:t>
+            </a:r>
+            <a:r>
+              <a:rPr lang="en-GB" sz="1800" b="0" i="0" dirty="0" err="1">
+                <a:effectLst/>
+                <a:latin typeface="Menlo"/>
+              </a:rPr>
+              <a:t>maxzipfactor</a:t>
+            </a:r>
+            <a:r>
+              <a:rPr lang="en-GB" sz="1800" b="0" i="0" dirty="0">
+                <a:effectLst/>
+                <a:latin typeface="Menlo"/>
+              </a:rPr>
+              <a:t>*max(force)</a:t>
+            </a:r>
+          </a:p>
+          <a:p>
+            <a:pPr marL="0" indent="0">
+              <a:buFont typeface="Arial" panose="020B0604020202020204" pitchFamily="34" charset="0"/>
+              <a:buNone/>
+            </a:pPr>
+            <a:r>
+              <a:rPr lang="en-GB" sz="1800" dirty="0">
+                <a:latin typeface="Menlo"/>
+              </a:rPr>
+              <a:t>See slide Temperature from COM file and status column</a:t>
+            </a:r>
+            <a:endParaRPr lang="en-GB" sz="1800" dirty="0"/>
+          </a:p>
+        </p:txBody>
+      </p:sp>
+    </p:spTree>
+    <p:extLst>
+      <p:ext uri="{BB962C8B-B14F-4D97-AF65-F5344CB8AC3E}">
+        <p14:creationId xmlns:p14="http://schemas.microsoft.com/office/powerpoint/2010/main" val="499171047"/>
+      </p:ext>
+    </p:extLst>
+  </p:cSld>
+  <p:clrMapOvr>
+    <a:masterClrMapping/>
+  </p:clrMapOvr>
+</p:sld>
+</file>
+
+<file path=ppt/slides/slide38.xml><?xml version="1.0" encoding="utf-8"?>
 <p:sld xmlns:a="http://schemas.openxmlformats.org/drawingml/2006/main" xmlns:r="http://schemas.openxmlformats.org/officeDocument/2006/relationships" xmlns:p="http://schemas.openxmlformats.org/presentationml/2006/main">
   <p:cSld>
     <p:spTree>

--- a/Summer school 2024/Analysis of protein stretching experiments.pptx
+++ b/Summer school 2024/Analysis of protein stretching experiments.pptx
@@ -15,34 +15,35 @@
     <p:sldId id="298" r:id="rId9"/>
     <p:sldId id="276" r:id="rId10"/>
     <p:sldId id="277" r:id="rId11"/>
-    <p:sldId id="278" r:id="rId12"/>
-    <p:sldId id="279" r:id="rId13"/>
-    <p:sldId id="286" r:id="rId14"/>
-    <p:sldId id="287" r:id="rId15"/>
-    <p:sldId id="266" r:id="rId16"/>
-    <p:sldId id="293" r:id="rId17"/>
-    <p:sldId id="294" r:id="rId18"/>
-    <p:sldId id="295" r:id="rId19"/>
-    <p:sldId id="268" r:id="rId20"/>
-    <p:sldId id="267" r:id="rId21"/>
-    <p:sldId id="281" r:id="rId22"/>
-    <p:sldId id="269" r:id="rId23"/>
-    <p:sldId id="265" r:id="rId24"/>
-    <p:sldId id="297" r:id="rId25"/>
-    <p:sldId id="270" r:id="rId26"/>
-    <p:sldId id="271" r:id="rId27"/>
-    <p:sldId id="288" r:id="rId28"/>
-    <p:sldId id="274" r:id="rId29"/>
-    <p:sldId id="259" r:id="rId30"/>
-    <p:sldId id="282" r:id="rId31"/>
-    <p:sldId id="283" r:id="rId32"/>
-    <p:sldId id="315" r:id="rId33"/>
-    <p:sldId id="285" r:id="rId34"/>
-    <p:sldId id="316" r:id="rId35"/>
-    <p:sldId id="284" r:id="rId36"/>
-    <p:sldId id="290" r:id="rId37"/>
-    <p:sldId id="317" r:id="rId38"/>
-    <p:sldId id="258" r:id="rId39"/>
+    <p:sldId id="318" r:id="rId12"/>
+    <p:sldId id="278" r:id="rId13"/>
+    <p:sldId id="279" r:id="rId14"/>
+    <p:sldId id="286" r:id="rId15"/>
+    <p:sldId id="287" r:id="rId16"/>
+    <p:sldId id="266" r:id="rId17"/>
+    <p:sldId id="268" r:id="rId18"/>
+    <p:sldId id="267" r:id="rId19"/>
+    <p:sldId id="293" r:id="rId20"/>
+    <p:sldId id="294" r:id="rId21"/>
+    <p:sldId id="295" r:id="rId22"/>
+    <p:sldId id="281" r:id="rId23"/>
+    <p:sldId id="269" r:id="rId24"/>
+    <p:sldId id="265" r:id="rId25"/>
+    <p:sldId id="297" r:id="rId26"/>
+    <p:sldId id="270" r:id="rId27"/>
+    <p:sldId id="271" r:id="rId28"/>
+    <p:sldId id="288" r:id="rId29"/>
+    <p:sldId id="274" r:id="rId30"/>
+    <p:sldId id="259" r:id="rId31"/>
+    <p:sldId id="282" r:id="rId32"/>
+    <p:sldId id="283" r:id="rId33"/>
+    <p:sldId id="315" r:id="rId34"/>
+    <p:sldId id="285" r:id="rId35"/>
+    <p:sldId id="316" r:id="rId36"/>
+    <p:sldId id="284" r:id="rId37"/>
+    <p:sldId id="290" r:id="rId38"/>
+    <p:sldId id="317" r:id="rId39"/>
+    <p:sldId id="258" r:id="rId40"/>
   </p:sldIdLst>
   <p:sldSz cx="12192000" cy="6858000"/>
   <p:notesSz cx="6858000" cy="9144000"/>
@@ -152,8 +153,7 @@
 <file path=ppt/revisionInfo.xml><?xml version="1.0" encoding="utf-8"?>
 <p1510:revInfo xmlns:a="http://schemas.openxmlformats.org/drawingml/2006/main" xmlns:r="http://schemas.openxmlformats.org/officeDocument/2006/relationships" xmlns:p1510="http://schemas.microsoft.com/office/powerpoint/2015/10/main">
   <p1510:revLst>
-    <p1510:client id="{055438CC-AB35-4861-8EC0-1B0371FB636C}" v="16" dt="2024-12-02T17:28:51.920"/>
-    <p1510:client id="{F7E50110-C233-47BD-AD07-CF0778A4B2F4}" v="21" dt="2024-12-03T14:16:21.573"/>
+    <p1510:client id="{F7E50110-C233-47BD-AD07-CF0778A4B2F4}" v="22" dt="2024-12-09T17:12:46.181"/>
   </p1510:revLst>
 </p1510:revInfo>
 </file>
@@ -162,8 +162,8 @@
 <pc:chgInfo xmlns:a="http://schemas.openxmlformats.org/drawingml/2006/main" xmlns:r="http://schemas.openxmlformats.org/officeDocument/2006/relationships" xmlns:ac="http://schemas.microsoft.com/office/drawing/2013/main/command" xmlns:pc="http://schemas.microsoft.com/office/powerpoint/2013/main/command">
   <pc:docChgLst>
     <pc:chgData name="Are Mjaavatten" userId="00bb58f78e5d171c" providerId="LiveId" clId="{F7E50110-C233-47BD-AD07-CF0778A4B2F4}"/>
-    <pc:docChg chg="undo custSel addSld modSld">
-      <pc:chgData name="Are Mjaavatten" userId="00bb58f78e5d171c" providerId="LiveId" clId="{F7E50110-C233-47BD-AD07-CF0778A4B2F4}" dt="2024-12-03T14:42:06.008" v="1441" actId="255"/>
+    <pc:docChg chg="undo custSel addSld modSld sldOrd">
+      <pc:chgData name="Are Mjaavatten" userId="00bb58f78e5d171c" providerId="LiveId" clId="{F7E50110-C233-47BD-AD07-CF0778A4B2F4}" dt="2024-12-09T17:30:37.017" v="2268"/>
       <pc:docMkLst>
         <pc:docMk/>
       </pc:docMkLst>
@@ -197,6 +197,20 @@
           </ac:spMkLst>
         </pc:spChg>
       </pc:sldChg>
+      <pc:sldChg chg="ord">
+        <pc:chgData name="Are Mjaavatten" userId="00bb58f78e5d171c" providerId="LiveId" clId="{F7E50110-C233-47BD-AD07-CF0778A4B2F4}" dt="2024-12-09T17:30:37.017" v="2268"/>
+        <pc:sldMkLst>
+          <pc:docMk/>
+          <pc:sldMk cId="3259227442" sldId="267"/>
+        </pc:sldMkLst>
+      </pc:sldChg>
+      <pc:sldChg chg="ord">
+        <pc:chgData name="Are Mjaavatten" userId="00bb58f78e5d171c" providerId="LiveId" clId="{F7E50110-C233-47BD-AD07-CF0778A4B2F4}" dt="2024-12-09T17:30:13.256" v="2266"/>
+        <pc:sldMkLst>
+          <pc:docMk/>
+          <pc:sldMk cId="4088723979" sldId="268"/>
+        </pc:sldMkLst>
+      </pc:sldChg>
       <pc:sldChg chg="modSp mod">
         <pc:chgData name="Are Mjaavatten" userId="00bb58f78e5d171c" providerId="LiveId" clId="{F7E50110-C233-47BD-AD07-CF0778A4B2F4}" dt="2024-12-03T14:11:04.678" v="1314" actId="20577"/>
         <pc:sldMkLst>
@@ -239,6 +253,59 @@
             <pc:docMk/>
             <pc:sldMk cId="929935833" sldId="275"/>
             <ac:spMk id="3" creationId="{3EC9A98D-B096-1765-33CD-BCE98D447E91}"/>
+          </ac:spMkLst>
+        </pc:spChg>
+      </pc:sldChg>
+      <pc:sldChg chg="addSp delSp modSp mod">
+        <pc:chgData name="Are Mjaavatten" userId="00bb58f78e5d171c" providerId="LiveId" clId="{F7E50110-C233-47BD-AD07-CF0778A4B2F4}" dt="2024-12-09T17:21:25.683" v="2245" actId="790"/>
+        <pc:sldMkLst>
+          <pc:docMk/>
+          <pc:sldMk cId="935628899" sldId="286"/>
+        </pc:sldMkLst>
+        <pc:spChg chg="add mod">
+          <ac:chgData name="Are Mjaavatten" userId="00bb58f78e5d171c" providerId="LiveId" clId="{F7E50110-C233-47BD-AD07-CF0778A4B2F4}" dt="2024-12-09T17:21:25.683" v="2245" actId="790"/>
+          <ac:spMkLst>
+            <pc:docMk/>
+            <pc:sldMk cId="935628899" sldId="286"/>
+            <ac:spMk id="4" creationId="{F3200832-6819-8F23-E690-8A4AA0CE3EFA}"/>
+          </ac:spMkLst>
+        </pc:spChg>
+        <pc:spChg chg="add del mod">
+          <ac:chgData name="Are Mjaavatten" userId="00bb58f78e5d171c" providerId="LiveId" clId="{F7E50110-C233-47BD-AD07-CF0778A4B2F4}" dt="2024-12-09T17:20:56.667" v="2243" actId="478"/>
+          <ac:spMkLst>
+            <pc:docMk/>
+            <pc:sldMk cId="935628899" sldId="286"/>
+            <ac:spMk id="9" creationId="{6639E114-B5CD-5311-4E57-41F32D2CF3DC}"/>
+          </ac:spMkLst>
+        </pc:spChg>
+      </pc:sldChg>
+      <pc:sldChg chg="modSp mod">
+        <pc:chgData name="Are Mjaavatten" userId="00bb58f78e5d171c" providerId="LiveId" clId="{F7E50110-C233-47BD-AD07-CF0778A4B2F4}" dt="2024-12-09T17:23:10.959" v="2264" actId="20577"/>
+        <pc:sldMkLst>
+          <pc:docMk/>
+          <pc:sldMk cId="3923112241" sldId="287"/>
+        </pc:sldMkLst>
+        <pc:spChg chg="mod">
+          <ac:chgData name="Are Mjaavatten" userId="00bb58f78e5d171c" providerId="LiveId" clId="{F7E50110-C233-47BD-AD07-CF0778A4B2F4}" dt="2024-12-09T17:23:10.959" v="2264" actId="20577"/>
+          <ac:spMkLst>
+            <pc:docMk/>
+            <pc:sldMk cId="3923112241" sldId="287"/>
+            <ac:spMk id="4" creationId="{6BF09426-A00E-F54E-ED38-ED13250CE22D}"/>
+          </ac:spMkLst>
+        </pc:spChg>
+      </pc:sldChg>
+      <pc:sldChg chg="modSp mod">
+        <pc:chgData name="Are Mjaavatten" userId="00bb58f78e5d171c" providerId="LiveId" clId="{F7E50110-C233-47BD-AD07-CF0778A4B2F4}" dt="2024-12-09T17:02:08.795" v="1449" actId="20577"/>
+        <pc:sldMkLst>
+          <pc:docMk/>
+          <pc:sldMk cId="3375353450" sldId="291"/>
+        </pc:sldMkLst>
+        <pc:spChg chg="mod">
+          <ac:chgData name="Are Mjaavatten" userId="00bb58f78e5d171c" providerId="LiveId" clId="{F7E50110-C233-47BD-AD07-CF0778A4B2F4}" dt="2024-12-09T17:02:08.795" v="1449" actId="20577"/>
+          <ac:spMkLst>
+            <pc:docMk/>
+            <pc:sldMk cId="3375353450" sldId="291"/>
+            <ac:spMk id="11" creationId="{85B9952D-D1E5-0515-5E56-26BE23514BF6}"/>
           </ac:spMkLst>
         </pc:spChg>
       </pc:sldChg>
@@ -314,6 +381,29 @@
             <pc:docMk/>
             <pc:sldMk cId="499171047" sldId="317"/>
             <ac:spMk id="5" creationId="{C3A6AED0-963F-1F14-8584-8D0BE40B8A6F}"/>
+          </ac:spMkLst>
+        </pc:spChg>
+      </pc:sldChg>
+      <pc:sldChg chg="modSp new mod">
+        <pc:chgData name="Are Mjaavatten" userId="00bb58f78e5d171c" providerId="LiveId" clId="{F7E50110-C233-47BD-AD07-CF0778A4B2F4}" dt="2024-12-09T17:11:08.364" v="1913" actId="20577"/>
+        <pc:sldMkLst>
+          <pc:docMk/>
+          <pc:sldMk cId="232088836" sldId="318"/>
+        </pc:sldMkLst>
+        <pc:spChg chg="mod">
+          <ac:chgData name="Are Mjaavatten" userId="00bb58f78e5d171c" providerId="LiveId" clId="{F7E50110-C233-47BD-AD07-CF0778A4B2F4}" dt="2024-12-09T17:03:39.508" v="1453" actId="20577"/>
+          <ac:spMkLst>
+            <pc:docMk/>
+            <pc:sldMk cId="232088836" sldId="318"/>
+            <ac:spMk id="2" creationId="{0674DF78-8B81-C58D-E114-850F556C42DC}"/>
+          </ac:spMkLst>
+        </pc:spChg>
+        <pc:spChg chg="mod">
+          <ac:chgData name="Are Mjaavatten" userId="00bb58f78e5d171c" providerId="LiveId" clId="{F7E50110-C233-47BD-AD07-CF0778A4B2F4}" dt="2024-12-09T17:11:08.364" v="1913" actId="20577"/>
+          <ac:spMkLst>
+            <pc:docMk/>
+            <pc:sldMk cId="232088836" sldId="318"/>
+            <ac:spMk id="3" creationId="{3C134FFE-4202-599D-4DE1-2A816323D0CF}"/>
           </ac:spMkLst>
         </pc:spChg>
       </pc:sldChg>
@@ -2387,7 +2477,7 @@
           <a:p>
             <a:fld id="{DEC79A4E-9175-427E-BE99-C1822657C876}" type="datetimeFigureOut">
               <a:rPr lang="en-GB" smtClean="0"/>
-              <a:t>03/12/2024</a:t>
+              <a:t>09/12/2024</a:t>
             </a:fld>
             <a:endParaRPr lang="en-GB"/>
           </a:p>
@@ -2587,7 +2677,7 @@
           <a:p>
             <a:fld id="{DEC79A4E-9175-427E-BE99-C1822657C876}" type="datetimeFigureOut">
               <a:rPr lang="en-GB" smtClean="0"/>
-              <a:t>03/12/2024</a:t>
+              <a:t>09/12/2024</a:t>
             </a:fld>
             <a:endParaRPr lang="en-GB"/>
           </a:p>
@@ -2797,7 +2887,7 @@
           <a:p>
             <a:fld id="{DEC79A4E-9175-427E-BE99-C1822657C876}" type="datetimeFigureOut">
               <a:rPr lang="en-GB" smtClean="0"/>
-              <a:t>03/12/2024</a:t>
+              <a:t>09/12/2024</a:t>
             </a:fld>
             <a:endParaRPr lang="en-GB"/>
           </a:p>
@@ -2997,7 +3087,7 @@
           <a:p>
             <a:fld id="{DEC79A4E-9175-427E-BE99-C1822657C876}" type="datetimeFigureOut">
               <a:rPr lang="en-GB" smtClean="0"/>
-              <a:t>03/12/2024</a:t>
+              <a:t>09/12/2024</a:t>
             </a:fld>
             <a:endParaRPr lang="en-GB"/>
           </a:p>
@@ -3273,7 +3363,7 @@
           <a:p>
             <a:fld id="{DEC79A4E-9175-427E-BE99-C1822657C876}" type="datetimeFigureOut">
               <a:rPr lang="en-GB" smtClean="0"/>
-              <a:t>03/12/2024</a:t>
+              <a:t>09/12/2024</a:t>
             </a:fld>
             <a:endParaRPr lang="en-GB"/>
           </a:p>
@@ -3541,7 +3631,7 @@
           <a:p>
             <a:fld id="{DEC79A4E-9175-427E-BE99-C1822657C876}" type="datetimeFigureOut">
               <a:rPr lang="en-GB" smtClean="0"/>
-              <a:t>03/12/2024</a:t>
+              <a:t>09/12/2024</a:t>
             </a:fld>
             <a:endParaRPr lang="en-GB"/>
           </a:p>
@@ -3956,7 +4046,7 @@
           <a:p>
             <a:fld id="{DEC79A4E-9175-427E-BE99-C1822657C876}" type="datetimeFigureOut">
               <a:rPr lang="en-GB" smtClean="0"/>
-              <a:t>03/12/2024</a:t>
+              <a:t>09/12/2024</a:t>
             </a:fld>
             <a:endParaRPr lang="en-GB"/>
           </a:p>
@@ -4098,7 +4188,7 @@
           <a:p>
             <a:fld id="{DEC79A4E-9175-427E-BE99-C1822657C876}" type="datetimeFigureOut">
               <a:rPr lang="en-GB" smtClean="0"/>
-              <a:t>03/12/2024</a:t>
+              <a:t>09/12/2024</a:t>
             </a:fld>
             <a:endParaRPr lang="en-GB"/>
           </a:p>
@@ -4211,7 +4301,7 @@
           <a:p>
             <a:fld id="{DEC79A4E-9175-427E-BE99-C1822657C876}" type="datetimeFigureOut">
               <a:rPr lang="en-GB" smtClean="0"/>
-              <a:t>03/12/2024</a:t>
+              <a:t>09/12/2024</a:t>
             </a:fld>
             <a:endParaRPr lang="en-GB"/>
           </a:p>
@@ -4524,7 +4614,7 @@
           <a:p>
             <a:fld id="{DEC79A4E-9175-427E-BE99-C1822657C876}" type="datetimeFigureOut">
               <a:rPr lang="en-GB" smtClean="0"/>
-              <a:t>03/12/2024</a:t>
+              <a:t>09/12/2024</a:t>
             </a:fld>
             <a:endParaRPr lang="en-GB"/>
           </a:p>
@@ -4813,7 +4903,7 @@
           <a:p>
             <a:fld id="{DEC79A4E-9175-427E-BE99-C1822657C876}" type="datetimeFigureOut">
               <a:rPr lang="en-GB" smtClean="0"/>
-              <a:t>03/12/2024</a:t>
+              <a:t>09/12/2024</a:t>
             </a:fld>
             <a:endParaRPr lang="en-GB"/>
           </a:p>
@@ -5056,7 +5146,7 @@
           <a:p>
             <a:fld id="{DEC79A4E-9175-427E-BE99-C1822657C876}" type="datetimeFigureOut">
               <a:rPr lang="en-GB" smtClean="0"/>
-              <a:t>03/12/2024</a:t>
+              <a:t>09/12/2024</a:t>
             </a:fld>
             <a:endParaRPr lang="en-GB"/>
           </a:p>
@@ -5808,6 +5898,111 @@
           <p:cNvPr id="2" name="Title 1">
             <a:extLst>
               <a:ext uri="{FF2B5EF4-FFF2-40B4-BE49-F238E27FC236}">
+                <a16:creationId xmlns:a16="http://schemas.microsoft.com/office/drawing/2014/main" id="{0674DF78-8B81-C58D-E114-850F556C42DC}"/>
+              </a:ext>
+            </a:extLst>
+          </p:cNvPr>
+          <p:cNvSpPr>
+            <a:spLocks noGrp="1"/>
+          </p:cNvSpPr>
+          <p:nvPr>
+            <p:ph type="title"/>
+          </p:nvPr>
+        </p:nvSpPr>
+        <p:spPr/>
+        <p:txBody>
+          <a:bodyPr/>
+          <a:lstStyle/>
+          <a:p>
+            <a:r>
+              <a:rPr lang="en-GB" dirty="0"/>
+              <a:t>Find individual pull and relax traces (3)</a:t>
+            </a:r>
+          </a:p>
+        </p:txBody>
+      </p:sp>
+      <p:sp>
+        <p:nvSpPr>
+          <p:cNvPr id="3" name="Content Placeholder 2">
+            <a:extLst>
+              <a:ext uri="{FF2B5EF4-FFF2-40B4-BE49-F238E27FC236}">
+                <a16:creationId xmlns:a16="http://schemas.microsoft.com/office/drawing/2014/main" id="{3C134FFE-4202-599D-4DE1-2A816323D0CF}"/>
+              </a:ext>
+            </a:extLst>
+          </p:cNvPr>
+          <p:cNvSpPr>
+            <a:spLocks noGrp="1"/>
+          </p:cNvSpPr>
+          <p:nvPr>
+            <p:ph idx="1"/>
+          </p:nvPr>
+        </p:nvSpPr>
+        <p:spPr/>
+        <p:txBody>
+          <a:bodyPr/>
+          <a:lstStyle/>
+          <a:p>
+            <a:r>
+              <a:rPr lang="en-GB" dirty="0"/>
+              <a:t>I have just learned from Steve Smith that  the pulling and relaxing traces are specified  by the last digit in the COM file</a:t>
+            </a:r>
+          </a:p>
+          <a:p>
+            <a:pPr lvl="1"/>
+            <a:r>
+              <a:rPr lang="en-GB" dirty="0"/>
+              <a:t>(More about the COM file later)</a:t>
+            </a:r>
+          </a:p>
+          <a:p>
+            <a:r>
+              <a:rPr lang="en-GB" dirty="0"/>
+              <a:t>As long as we use experiment files from any of Steve’s instruments the logic of the two previous slides is therefore not needed. </a:t>
+            </a:r>
+          </a:p>
+          <a:p>
+            <a:r>
+              <a:rPr lang="en-GB" dirty="0"/>
+              <a:t>This may be taken into account in future releases</a:t>
+            </a:r>
+          </a:p>
+        </p:txBody>
+      </p:sp>
+    </p:spTree>
+    <p:extLst>
+      <p:ext uri="{BB962C8B-B14F-4D97-AF65-F5344CB8AC3E}">
+        <p14:creationId xmlns:p14="http://schemas.microsoft.com/office/powerpoint/2010/main" val="232088836"/>
+      </p:ext>
+    </p:extLst>
+  </p:cSld>
+  <p:clrMapOvr>
+    <a:masterClrMapping/>
+  </p:clrMapOvr>
+</p:sld>
+</file>
+
+<file path=ppt/slides/slide12.xml><?xml version="1.0" encoding="utf-8"?>
+<p:sld xmlns:a="http://schemas.openxmlformats.org/drawingml/2006/main" xmlns:r="http://schemas.openxmlformats.org/officeDocument/2006/relationships" xmlns:p="http://schemas.openxmlformats.org/presentationml/2006/main">
+  <p:cSld>
+    <p:spTree>
+      <p:nvGrpSpPr>
+        <p:cNvPr id="1" name=""/>
+        <p:cNvGrpSpPr/>
+        <p:nvPr/>
+      </p:nvGrpSpPr>
+      <p:grpSpPr>
+        <a:xfrm>
+          <a:off x="0" y="0"/>
+          <a:ext cx="0" cy="0"/>
+          <a:chOff x="0" y="0"/>
+          <a:chExt cx="0" cy="0"/>
+        </a:xfrm>
+      </p:grpSpPr>
+      <p:sp>
+        <p:nvSpPr>
+          <p:cNvPr id="2" name="Title 1">
+            <a:extLst>
+              <a:ext uri="{FF2B5EF4-FFF2-40B4-BE49-F238E27FC236}">
                 <a16:creationId xmlns:a16="http://schemas.microsoft.com/office/drawing/2014/main" id="{054D8866-5159-A701-9D35-CDD4CB7022C2}"/>
               </a:ext>
             </a:extLst>
@@ -7391,7 +7586,7 @@
 </p:sld>
 </file>
 
-<file path=ppt/slides/slide12.xml><?xml version="1.0" encoding="utf-8"?>
+<file path=ppt/slides/slide13.xml><?xml version="1.0" encoding="utf-8"?>
 <p:sld xmlns:a="http://schemas.openxmlformats.org/drawingml/2006/main" xmlns:r="http://schemas.openxmlformats.org/officeDocument/2006/relationships" xmlns:p="http://schemas.openxmlformats.org/presentationml/2006/main">
   <p:cSld>
     <p:spTree>
@@ -7580,7 +7775,7 @@
 </p:sld>
 </file>
 
-<file path=ppt/slides/slide13.xml><?xml version="1.0" encoding="utf-8"?>
+<file path=ppt/slides/slide14.xml><?xml version="1.0" encoding="utf-8"?>
 <p:sld xmlns:a="http://schemas.openxmlformats.org/drawingml/2006/main" xmlns:r="http://schemas.openxmlformats.org/officeDocument/2006/relationships" xmlns:p="http://schemas.openxmlformats.org/presentationml/2006/main">
   <p:cSld>
     <p:bg>
@@ -7857,6 +8052,46 @@
           </a:fontRef>
         </p:style>
       </p:cxnSp>
+      <p:sp>
+        <p:nvSpPr>
+          <p:cNvPr id="4" name="TextBox 3">
+            <a:extLst>
+              <a:ext uri="{FF2B5EF4-FFF2-40B4-BE49-F238E27FC236}">
+                <a16:creationId xmlns:a16="http://schemas.microsoft.com/office/drawing/2014/main" id="{F3200832-6819-8F23-E690-8A4AA0CE3EFA}"/>
+              </a:ext>
+            </a:extLst>
+          </p:cNvPr>
+          <p:cNvSpPr txBox="1"/>
+          <p:nvPr/>
+        </p:nvSpPr>
+        <p:spPr>
+          <a:xfrm>
+            <a:off x="520861" y="6199481"/>
+            <a:ext cx="10832939" cy="369332"/>
+          </a:xfrm>
+          <a:prstGeom prst="rect">
+            <a:avLst/>
+          </a:prstGeom>
+          <a:noFill/>
+        </p:spPr>
+        <p:txBody>
+          <a:bodyPr wrap="square" rtlCol="0">
+            <a:spAutoFit/>
+          </a:bodyPr>
+          <a:lstStyle/>
+          <a:p>
+            <a:r>
+              <a:rPr lang="en-GB" dirty="0"/>
+              <a:t>Steve informs me that the elastic spring action results from a combination of beads and DNA handles </a:t>
+            </a:r>
+            <a:r>
+              <a:rPr lang="nb-NO" dirty="0"/>
+              <a:t>.</a:t>
+            </a:r>
+            <a:endParaRPr lang="en-GB" dirty="0"/>
+          </a:p>
+        </p:txBody>
+      </p:sp>
     </p:spTree>
     <p:extLst>
       <p:ext uri="{BB962C8B-B14F-4D97-AF65-F5344CB8AC3E}">
@@ -7870,7 +8105,7 @@
 </p:sld>
 </file>
 
-<file path=ppt/slides/slide14.xml><?xml version="1.0" encoding="utf-8"?>
+<file path=ppt/slides/slide15.xml><?xml version="1.0" encoding="utf-8"?>
 <p:sld xmlns:a="http://schemas.openxmlformats.org/drawingml/2006/main" xmlns:r="http://schemas.openxmlformats.org/officeDocument/2006/relationships" xmlns:p="http://schemas.openxmlformats.org/presentationml/2006/main">
   <p:cSld>
     <p:spTree>
@@ -7939,7 +8174,7 @@
         </p:spPr>
         <p:txBody>
           <a:bodyPr>
-            <a:normAutofit lnSpcReduction="10000"/>
+            <a:normAutofit fontScale="92500"/>
           </a:bodyPr>
           <a:lstStyle/>
           <a:p>
@@ -7951,7 +8186,15 @@
           <a:p>
             <a:r>
               <a:rPr lang="en-GB" sz="2800" dirty="0"/>
-              <a:t>The length of DNA handles </a:t>
+              <a:t>The length of the </a:t>
+            </a:r>
+            <a:r>
+              <a:rPr lang="en-GB" sz="2800" dirty="0" err="1"/>
+              <a:t>bead+DNA</a:t>
+            </a:r>
+            <a:r>
+              <a:rPr lang="en-GB" sz="2800" dirty="0"/>
+              <a:t> springs </a:t>
             </a:r>
             <a:r>
               <a:rPr lang="en-GB" dirty="0"/>
@@ -8022,7 +8265,7 @@
 </p:sld>
 </file>
 
-<file path=ppt/slides/slide15.xml><?xml version="1.0" encoding="utf-8"?>
+<file path=ppt/slides/slide16.xml><?xml version="1.0" encoding="utf-8"?>
 <p:sld xmlns:a="http://schemas.openxmlformats.org/drawingml/2006/main" xmlns:r="http://schemas.openxmlformats.org/officeDocument/2006/relationships" xmlns:p="http://schemas.openxmlformats.org/presentationml/2006/main">
   <p:cSld>
     <p:spTree>
@@ -8263,7 +8506,7 @@
 </p:sld>
 </file>
 
-<file path=ppt/slides/slide16.xml><?xml version="1.0" encoding="utf-8"?>
+<file path=ppt/slides/slide17.xml><?xml version="1.0" encoding="utf-8"?>
 <p:sld xmlns:a="http://schemas.openxmlformats.org/drawingml/2006/main" xmlns:r="http://schemas.openxmlformats.org/officeDocument/2006/relationships" xmlns:p="http://schemas.openxmlformats.org/presentationml/2006/main">
   <p:cSld>
     <p:spTree>
@@ -8285,6 +8528,434 @@
           <p:cNvPr id="2" name="Title 1">
             <a:extLst>
               <a:ext uri="{FF2B5EF4-FFF2-40B4-BE49-F238E27FC236}">
+                <a16:creationId xmlns:a16="http://schemas.microsoft.com/office/drawing/2014/main" id="{1C034332-5344-5A7C-3B8E-80942626F8A5}"/>
+              </a:ext>
+            </a:extLst>
+          </p:cNvPr>
+          <p:cNvSpPr>
+            <a:spLocks noGrp="1"/>
+          </p:cNvSpPr>
+          <p:nvPr>
+            <p:ph type="title"/>
+          </p:nvPr>
+        </p:nvSpPr>
+        <p:spPr/>
+        <p:txBody>
+          <a:bodyPr/>
+          <a:lstStyle/>
+          <a:p>
+            <a:r>
+              <a:rPr lang="en-GB" dirty="0"/>
+              <a:t>A</a:t>
+            </a:r>
+            <a:r>
+              <a:rPr lang="en-GB" noProof="0" dirty="0" err="1"/>
+              <a:t>utomatic</a:t>
+            </a:r>
+            <a:r>
+              <a:rPr lang="en-GB" noProof="0" dirty="0"/>
+              <a:t> analysis of experiment </a:t>
+            </a:r>
+            <a:r>
+              <a:rPr lang="en-GB" dirty="0"/>
+              <a:t>data</a:t>
+            </a:r>
+          </a:p>
+        </p:txBody>
+      </p:sp>
+      <p:sp>
+        <p:nvSpPr>
+          <p:cNvPr id="3" name="Content Placeholder 2">
+            <a:extLst>
+              <a:ext uri="{FF2B5EF4-FFF2-40B4-BE49-F238E27FC236}">
+                <a16:creationId xmlns:a16="http://schemas.microsoft.com/office/drawing/2014/main" id="{ECFFC7D0-390D-95D8-A9EE-32D42ACFE681}"/>
+              </a:ext>
+            </a:extLst>
+          </p:cNvPr>
+          <p:cNvSpPr>
+            <a:spLocks noGrp="1"/>
+          </p:cNvSpPr>
+          <p:nvPr>
+            <p:ph idx="1"/>
+          </p:nvPr>
+        </p:nvSpPr>
+        <p:spPr/>
+        <p:txBody>
+          <a:bodyPr/>
+          <a:lstStyle/>
+          <a:p>
+            <a:r>
+              <a:rPr lang="en-GB" dirty="0"/>
+              <a:t>For “well behaved” data the program works very well</a:t>
+            </a:r>
+          </a:p>
+        </p:txBody>
+      </p:sp>
+      <p:pic>
+        <p:nvPicPr>
+          <p:cNvPr id="7" name="Picture 6">
+            <a:extLst>
+              <a:ext uri="{FF2B5EF4-FFF2-40B4-BE49-F238E27FC236}">
+                <a16:creationId xmlns:a16="http://schemas.microsoft.com/office/drawing/2014/main" id="{0A934275-0A04-1716-AE83-86D895A03220}"/>
+              </a:ext>
+            </a:extLst>
+          </p:cNvPr>
+          <p:cNvPicPr>
+            <a:picLocks noChangeAspect="1"/>
+          </p:cNvPicPr>
+          <p:nvPr/>
+        </p:nvPicPr>
+        <p:blipFill>
+          <a:blip r:embed="rId2"/>
+          <a:srcRect l="3982" t="-2849" r="7385" b="-1645"/>
+          <a:stretch/>
+        </p:blipFill>
+        <p:spPr>
+          <a:xfrm>
+            <a:off x="0" y="2278466"/>
+            <a:ext cx="10962752" cy="4351338"/>
+          </a:xfrm>
+          <a:prstGeom prst="rect">
+            <a:avLst/>
+          </a:prstGeom>
+        </p:spPr>
+      </p:pic>
+    </p:spTree>
+    <p:extLst>
+      <p:ext uri="{BB962C8B-B14F-4D97-AF65-F5344CB8AC3E}">
+        <p14:creationId xmlns:p14="http://schemas.microsoft.com/office/powerpoint/2010/main" val="4088723979"/>
+      </p:ext>
+    </p:extLst>
+  </p:cSld>
+  <p:clrMapOvr>
+    <a:masterClrMapping/>
+  </p:clrMapOvr>
+</p:sld>
+</file>
+
+<file path=ppt/slides/slide18.xml><?xml version="1.0" encoding="utf-8"?>
+<p:sld xmlns:a="http://schemas.openxmlformats.org/drawingml/2006/main" xmlns:r="http://schemas.openxmlformats.org/officeDocument/2006/relationships" xmlns:p="http://schemas.openxmlformats.org/presentationml/2006/main">
+  <p:cSld>
+    <p:spTree>
+      <p:nvGrpSpPr>
+        <p:cNvPr id="1" name=""/>
+        <p:cNvGrpSpPr/>
+        <p:nvPr/>
+      </p:nvGrpSpPr>
+      <p:grpSpPr>
+        <a:xfrm>
+          <a:off x="0" y="0"/>
+          <a:ext cx="0" cy="0"/>
+          <a:chOff x="0" y="0"/>
+          <a:chExt cx="0" cy="0"/>
+        </a:xfrm>
+      </p:grpSpPr>
+      <p:sp>
+        <p:nvSpPr>
+          <p:cNvPr id="2" name="Title 1">
+            <a:extLst>
+              <a:ext uri="{FF2B5EF4-FFF2-40B4-BE49-F238E27FC236}">
+                <a16:creationId xmlns:a16="http://schemas.microsoft.com/office/drawing/2014/main" id="{FB5C3201-23DF-4682-0958-BECC9CDDD1F5}"/>
+              </a:ext>
+            </a:extLst>
+          </p:cNvPr>
+          <p:cNvSpPr>
+            <a:spLocks noGrp="1"/>
+          </p:cNvSpPr>
+          <p:nvPr>
+            <p:ph type="title"/>
+          </p:nvPr>
+        </p:nvSpPr>
+        <p:spPr/>
+        <p:txBody>
+          <a:bodyPr>
+            <a:normAutofit/>
+          </a:bodyPr>
+          <a:lstStyle/>
+          <a:p>
+            <a:pPr algn="ctr"/>
+            <a:r>
+              <a:rPr lang="en-GB" dirty="0"/>
+              <a:t>A</a:t>
+            </a:r>
+            <a:r>
+              <a:rPr lang="en-GB" noProof="0" dirty="0" err="1"/>
+              <a:t>utomatic</a:t>
+            </a:r>
+            <a:r>
+              <a:rPr lang="en-GB" noProof="0" dirty="0"/>
+              <a:t> analysis of experiment </a:t>
+            </a:r>
+            <a:r>
+              <a:rPr lang="en-GB" dirty="0"/>
+              <a:t>data</a:t>
+            </a:r>
+            <a:br>
+              <a:rPr lang="en-GB" dirty="0"/>
+            </a:br>
+            <a:r>
+              <a:rPr lang="en-GB" sz="2800" dirty="0"/>
+              <a:t>Challenges</a:t>
+            </a:r>
+          </a:p>
+        </p:txBody>
+      </p:sp>
+      <p:sp>
+        <p:nvSpPr>
+          <p:cNvPr id="3" name="Content Placeholder 2">
+            <a:extLst>
+              <a:ext uri="{FF2B5EF4-FFF2-40B4-BE49-F238E27FC236}">
+                <a16:creationId xmlns:a16="http://schemas.microsoft.com/office/drawing/2014/main" id="{3D4728BA-7E78-6316-A92F-A75CB283302E}"/>
+              </a:ext>
+            </a:extLst>
+          </p:cNvPr>
+          <p:cNvSpPr>
+            <a:spLocks noGrp="1"/>
+          </p:cNvSpPr>
+          <p:nvPr>
+            <p:ph idx="1"/>
+          </p:nvPr>
+        </p:nvSpPr>
+        <p:spPr>
+          <a:xfrm>
+            <a:off x="1327355" y="1825625"/>
+            <a:ext cx="3657599" cy="4351338"/>
+          </a:xfrm>
+        </p:spPr>
+        <p:txBody>
+          <a:bodyPr>
+            <a:normAutofit lnSpcReduction="10000"/>
+          </a:bodyPr>
+          <a:lstStyle/>
+          <a:p>
+            <a:endParaRPr lang="en-GB" dirty="0"/>
+          </a:p>
+          <a:p>
+            <a:r>
+              <a:rPr lang="en-GB" dirty="0"/>
+              <a:t>Measurement noise</a:t>
+            </a:r>
+          </a:p>
+          <a:p>
+            <a:pPr lvl="1"/>
+            <a:r>
+              <a:rPr lang="en-GB" dirty="0"/>
+              <a:t>The program fails to find rips here</a:t>
+            </a:r>
+          </a:p>
+          <a:p>
+            <a:endParaRPr lang="en-GB" dirty="0"/>
+          </a:p>
+          <a:p>
+            <a:endParaRPr lang="en-GB" dirty="0"/>
+          </a:p>
+          <a:p>
+            <a:endParaRPr lang="en-GB" dirty="0"/>
+          </a:p>
+          <a:p>
+            <a:r>
+              <a:rPr lang="en-GB" dirty="0"/>
+              <a:t>Weak rips</a:t>
+            </a:r>
+          </a:p>
+          <a:p>
+            <a:pPr lvl="1"/>
+            <a:r>
+              <a:rPr lang="en-GB" dirty="0"/>
+              <a:t>The program finds rips here</a:t>
+            </a:r>
+          </a:p>
+        </p:txBody>
+      </p:sp>
+      <p:pic>
+        <p:nvPicPr>
+          <p:cNvPr id="5" name="Picture 4">
+            <a:extLst>
+              <a:ext uri="{FF2B5EF4-FFF2-40B4-BE49-F238E27FC236}">
+                <a16:creationId xmlns:a16="http://schemas.microsoft.com/office/drawing/2014/main" id="{1CE2726E-DD45-FC3B-CAFC-A2B8E059D91E}"/>
+              </a:ext>
+            </a:extLst>
+          </p:cNvPr>
+          <p:cNvPicPr>
+            <a:picLocks noChangeAspect="1"/>
+          </p:cNvPicPr>
+          <p:nvPr/>
+        </p:nvPicPr>
+        <p:blipFill>
+          <a:blip r:embed="rId2"/>
+          <a:stretch>
+            <a:fillRect/>
+          </a:stretch>
+        </p:blipFill>
+        <p:spPr>
+          <a:xfrm>
+            <a:off x="4686300" y="1606936"/>
+            <a:ext cx="6667500" cy="2649946"/>
+          </a:xfrm>
+          <a:prstGeom prst="rect">
+            <a:avLst/>
+          </a:prstGeom>
+        </p:spPr>
+      </p:pic>
+      <p:pic>
+        <p:nvPicPr>
+          <p:cNvPr id="11" name="Picture 10">
+            <a:extLst>
+              <a:ext uri="{FF2B5EF4-FFF2-40B4-BE49-F238E27FC236}">
+                <a16:creationId xmlns:a16="http://schemas.microsoft.com/office/drawing/2014/main" id="{C72B15C2-9EB2-1D74-A4D3-40581D13A880}"/>
+              </a:ext>
+            </a:extLst>
+          </p:cNvPr>
+          <p:cNvPicPr>
+            <a:picLocks noChangeAspect="1"/>
+          </p:cNvPicPr>
+          <p:nvPr/>
+        </p:nvPicPr>
+        <p:blipFill>
+          <a:blip r:embed="rId3"/>
+          <a:stretch>
+            <a:fillRect/>
+          </a:stretch>
+        </p:blipFill>
+        <p:spPr>
+          <a:xfrm>
+            <a:off x="4862512" y="4220014"/>
+            <a:ext cx="6315075" cy="2533650"/>
+          </a:xfrm>
+          <a:prstGeom prst="rect">
+            <a:avLst/>
+          </a:prstGeom>
+        </p:spPr>
+      </p:pic>
+      <p:cxnSp>
+        <p:nvCxnSpPr>
+          <p:cNvPr id="12" name="Straight Arrow Connector 11">
+            <a:extLst>
+              <a:ext uri="{FF2B5EF4-FFF2-40B4-BE49-F238E27FC236}">
+                <a16:creationId xmlns:a16="http://schemas.microsoft.com/office/drawing/2014/main" id="{E5E604A6-578E-F871-B431-457676B631C7}"/>
+              </a:ext>
+            </a:extLst>
+          </p:cNvPr>
+          <p:cNvCxnSpPr>
+            <a:cxnSpLocks/>
+          </p:cNvCxnSpPr>
+          <p:nvPr/>
+        </p:nvCxnSpPr>
+        <p:spPr>
+          <a:xfrm>
+            <a:off x="5933767" y="5498693"/>
+            <a:ext cx="324465" cy="421015"/>
+          </a:xfrm>
+          <a:prstGeom prst="straightConnector1">
+            <a:avLst/>
+          </a:prstGeom>
+          <a:ln w="19050" cap="flat" cmpd="sng" algn="ctr">
+            <a:solidFill>
+              <a:srgbClr val="FF0000"/>
+            </a:solidFill>
+            <a:prstDash val="solid"/>
+            <a:round/>
+            <a:headEnd type="none" w="med" len="med"/>
+            <a:tailEnd type="arrow" w="med" len="med"/>
+          </a:ln>
+        </p:spPr>
+        <p:style>
+          <a:lnRef idx="0">
+            <a:scrgbClr r="0" g="0" b="0"/>
+          </a:lnRef>
+          <a:fillRef idx="0">
+            <a:scrgbClr r="0" g="0" b="0"/>
+          </a:fillRef>
+          <a:effectRef idx="0">
+            <a:scrgbClr r="0" g="0" b="0"/>
+          </a:effectRef>
+          <a:fontRef idx="minor">
+            <a:schemeClr val="tx1"/>
+          </a:fontRef>
+        </p:style>
+      </p:cxnSp>
+      <p:cxnSp>
+        <p:nvCxnSpPr>
+          <p:cNvPr id="15" name="Straight Arrow Connector 14">
+            <a:extLst>
+              <a:ext uri="{FF2B5EF4-FFF2-40B4-BE49-F238E27FC236}">
+                <a16:creationId xmlns:a16="http://schemas.microsoft.com/office/drawing/2014/main" id="{5076AAC4-D082-D799-1A15-3CDBD87CE14E}"/>
+              </a:ext>
+            </a:extLst>
+          </p:cNvPr>
+          <p:cNvCxnSpPr>
+            <a:cxnSpLocks/>
+          </p:cNvCxnSpPr>
+          <p:nvPr/>
+        </p:nvCxnSpPr>
+        <p:spPr>
+          <a:xfrm>
+            <a:off x="9478296" y="5572435"/>
+            <a:ext cx="324465" cy="421015"/>
+          </a:xfrm>
+          <a:prstGeom prst="straightConnector1">
+            <a:avLst/>
+          </a:prstGeom>
+          <a:ln w="19050" cap="flat" cmpd="sng" algn="ctr">
+            <a:solidFill>
+              <a:srgbClr val="FF0000"/>
+            </a:solidFill>
+            <a:prstDash val="solid"/>
+            <a:round/>
+            <a:headEnd type="none" w="med" len="med"/>
+            <a:tailEnd type="arrow" w="med" len="med"/>
+          </a:ln>
+        </p:spPr>
+        <p:style>
+          <a:lnRef idx="0">
+            <a:scrgbClr r="0" g="0" b="0"/>
+          </a:lnRef>
+          <a:fillRef idx="0">
+            <a:scrgbClr r="0" g="0" b="0"/>
+          </a:fillRef>
+          <a:effectRef idx="0">
+            <a:scrgbClr r="0" g="0" b="0"/>
+          </a:effectRef>
+          <a:fontRef idx="minor">
+            <a:schemeClr val="tx1"/>
+          </a:fontRef>
+        </p:style>
+      </p:cxnSp>
+    </p:spTree>
+    <p:extLst>
+      <p:ext uri="{BB962C8B-B14F-4D97-AF65-F5344CB8AC3E}">
+        <p14:creationId xmlns:p14="http://schemas.microsoft.com/office/powerpoint/2010/main" val="3259227442"/>
+      </p:ext>
+    </p:extLst>
+  </p:cSld>
+  <p:clrMapOvr>
+    <a:masterClrMapping/>
+  </p:clrMapOvr>
+</p:sld>
+</file>
+
+<file path=ppt/slides/slide19.xml><?xml version="1.0" encoding="utf-8"?>
+<p:sld xmlns:a="http://schemas.openxmlformats.org/drawingml/2006/main" xmlns:r="http://schemas.openxmlformats.org/officeDocument/2006/relationships" xmlns:p="http://schemas.openxmlformats.org/presentationml/2006/main">
+  <p:cSld>
+    <p:spTree>
+      <p:nvGrpSpPr>
+        <p:cNvPr id="1" name=""/>
+        <p:cNvGrpSpPr/>
+        <p:nvPr/>
+      </p:nvGrpSpPr>
+      <p:grpSpPr>
+        <a:xfrm>
+          <a:off x="0" y="0"/>
+          <a:ext cx="0" cy="0"/>
+          <a:chOff x="0" y="0"/>
+          <a:chExt cx="0" cy="0"/>
+        </a:xfrm>
+      </p:grpSpPr>
+      <p:sp>
+        <p:nvSpPr>
+          <p:cNvPr id="2" name="Title 1">
+            <a:extLst>
+              <a:ext uri="{FF2B5EF4-FFF2-40B4-BE49-F238E27FC236}">
                 <a16:creationId xmlns:a16="http://schemas.microsoft.com/office/drawing/2014/main" id="{7B591BD6-B923-AA65-EEB0-D33B056D7011}"/>
               </a:ext>
             </a:extLst>
@@ -8384,7 +9055,168 @@
 </p:sld>
 </file>
 
-<file path=ppt/slides/slide17.xml><?xml version="1.0" encoding="utf-8"?>
+<file path=ppt/slides/slide2.xml><?xml version="1.0" encoding="utf-8"?>
+<p:sld xmlns:a="http://schemas.openxmlformats.org/drawingml/2006/main" xmlns:r="http://schemas.openxmlformats.org/officeDocument/2006/relationships" xmlns:p="http://schemas.openxmlformats.org/presentationml/2006/main">
+  <p:cSld>
+    <p:spTree>
+      <p:nvGrpSpPr>
+        <p:cNvPr id="1" name=""/>
+        <p:cNvGrpSpPr/>
+        <p:nvPr/>
+      </p:nvGrpSpPr>
+      <p:grpSpPr>
+        <a:xfrm>
+          <a:off x="0" y="0"/>
+          <a:ext cx="0" cy="0"/>
+          <a:chOff x="0" y="0"/>
+          <a:chExt cx="0" cy="0"/>
+        </a:xfrm>
+      </p:grpSpPr>
+      <p:sp>
+        <p:nvSpPr>
+          <p:cNvPr id="2" name="Title 1">
+            <a:extLst>
+              <a:ext uri="{FF2B5EF4-FFF2-40B4-BE49-F238E27FC236}">
+                <a16:creationId xmlns:a16="http://schemas.microsoft.com/office/drawing/2014/main" id="{CE4C0D81-2423-A327-649E-0289CF1797B6}"/>
+              </a:ext>
+            </a:extLst>
+          </p:cNvPr>
+          <p:cNvSpPr>
+            <a:spLocks noGrp="1"/>
+          </p:cNvSpPr>
+          <p:nvPr>
+            <p:ph type="title"/>
+          </p:nvPr>
+        </p:nvSpPr>
+        <p:spPr/>
+        <p:txBody>
+          <a:bodyPr/>
+          <a:lstStyle/>
+          <a:p>
+            <a:r>
+              <a:rPr lang="en-GB" dirty="0"/>
+              <a:t>My background</a:t>
+            </a:r>
+          </a:p>
+        </p:txBody>
+      </p:sp>
+      <p:sp>
+        <p:nvSpPr>
+          <p:cNvPr id="3" name="Content Placeholder 2">
+            <a:extLst>
+              <a:ext uri="{FF2B5EF4-FFF2-40B4-BE49-F238E27FC236}">
+                <a16:creationId xmlns:a16="http://schemas.microsoft.com/office/drawing/2014/main" id="{D0ED26A4-2141-C972-F9B5-2DD483F109DF}"/>
+              </a:ext>
+            </a:extLst>
+          </p:cNvPr>
+          <p:cNvSpPr>
+            <a:spLocks noGrp="1"/>
+          </p:cNvSpPr>
+          <p:nvPr>
+            <p:ph idx="1"/>
+          </p:nvPr>
+        </p:nvSpPr>
+        <p:spPr>
+          <a:xfrm>
+            <a:off x="838200" y="1825625"/>
+            <a:ext cx="6740182" cy="4351338"/>
+          </a:xfrm>
+        </p:spPr>
+        <p:txBody>
+          <a:bodyPr>
+            <a:normAutofit/>
+          </a:bodyPr>
+          <a:lstStyle/>
+          <a:p>
+            <a:r>
+              <a:rPr lang="en-GB" dirty="0"/>
+              <a:t>Country: Norway</a:t>
+            </a:r>
+          </a:p>
+          <a:p>
+            <a:r>
+              <a:rPr lang="en-GB" dirty="0"/>
+              <a:t>MSc in physics</a:t>
+            </a:r>
+          </a:p>
+          <a:p>
+            <a:r>
+              <a:rPr lang="en-GB" dirty="0"/>
+              <a:t>PhD in automatic control</a:t>
+            </a:r>
+          </a:p>
+          <a:p>
+            <a:r>
+              <a:rPr lang="en-GB" dirty="0"/>
+              <a:t>Worked in the petroleum and chemical processing industries</a:t>
+            </a:r>
+          </a:p>
+          <a:p>
+            <a:pPr lvl="1"/>
+            <a:r>
+              <a:rPr lang="en-GB" dirty="0"/>
+              <a:t>Mathematical modelling</a:t>
+            </a:r>
+          </a:p>
+          <a:p>
+            <a:pPr lvl="1"/>
+            <a:r>
+              <a:rPr lang="en-GB" dirty="0"/>
+              <a:t>Thermodynamics</a:t>
+            </a:r>
+          </a:p>
+          <a:p>
+            <a:r>
+              <a:rPr lang="en-GB" dirty="0"/>
+              <a:t>Part-time professor at what is now The University of South-Eastern Norway</a:t>
+            </a:r>
+          </a:p>
+        </p:txBody>
+      </p:sp>
+      <p:pic>
+        <p:nvPicPr>
+          <p:cNvPr id="5" name="Picture 4">
+            <a:extLst>
+              <a:ext uri="{FF2B5EF4-FFF2-40B4-BE49-F238E27FC236}">
+                <a16:creationId xmlns:a16="http://schemas.microsoft.com/office/drawing/2014/main" id="{90D430FE-DA88-164F-C76A-0617314B6D59}"/>
+              </a:ext>
+            </a:extLst>
+          </p:cNvPr>
+          <p:cNvPicPr>
+            <a:picLocks noChangeAspect="1"/>
+          </p:cNvPicPr>
+          <p:nvPr/>
+        </p:nvPicPr>
+        <p:blipFill>
+          <a:blip r:embed="rId2"/>
+          <a:stretch>
+            <a:fillRect/>
+          </a:stretch>
+        </p:blipFill>
+        <p:spPr>
+          <a:xfrm>
+            <a:off x="7578381" y="1454727"/>
+            <a:ext cx="4209627" cy="4121927"/>
+          </a:xfrm>
+          <a:prstGeom prst="rect">
+            <a:avLst/>
+          </a:prstGeom>
+        </p:spPr>
+      </p:pic>
+    </p:spTree>
+    <p:extLst>
+      <p:ext uri="{BB962C8B-B14F-4D97-AF65-F5344CB8AC3E}">
+        <p14:creationId xmlns:p14="http://schemas.microsoft.com/office/powerpoint/2010/main" val="3991534619"/>
+      </p:ext>
+    </p:extLst>
+  </p:cSld>
+  <p:clrMapOvr>
+    <a:masterClrMapping/>
+  </p:clrMapOvr>
+</p:sld>
+</file>
+
+<file path=ppt/slides/slide20.xml><?xml version="1.0" encoding="utf-8"?>
 <p:sld xmlns:a="http://schemas.openxmlformats.org/drawingml/2006/main" xmlns:r="http://schemas.openxmlformats.org/officeDocument/2006/relationships" xmlns:p="http://schemas.openxmlformats.org/presentationml/2006/main">
   <p:cSld>
     <p:spTree>
@@ -8911,7 +9743,7 @@
 </p:sld>
 </file>
 
-<file path=ppt/slides/slide18.xml><?xml version="1.0" encoding="utf-8"?>
+<file path=ppt/slides/slide21.xml><?xml version="1.0" encoding="utf-8"?>
 <p:sld xmlns:a="http://schemas.openxmlformats.org/drawingml/2006/main" xmlns:r="http://schemas.openxmlformats.org/officeDocument/2006/relationships" xmlns:p="http://schemas.openxmlformats.org/presentationml/2006/main">
   <p:cSld>
     <p:spTree>
@@ -9182,761 +10014,6 @@
 </p:sld>
 </file>
 
-<file path=ppt/slides/slide19.xml><?xml version="1.0" encoding="utf-8"?>
-<p:sld xmlns:a="http://schemas.openxmlformats.org/drawingml/2006/main" xmlns:r="http://schemas.openxmlformats.org/officeDocument/2006/relationships" xmlns:p="http://schemas.openxmlformats.org/presentationml/2006/main">
-  <p:cSld>
-    <p:spTree>
-      <p:nvGrpSpPr>
-        <p:cNvPr id="1" name=""/>
-        <p:cNvGrpSpPr/>
-        <p:nvPr/>
-      </p:nvGrpSpPr>
-      <p:grpSpPr>
-        <a:xfrm>
-          <a:off x="0" y="0"/>
-          <a:ext cx="0" cy="0"/>
-          <a:chOff x="0" y="0"/>
-          <a:chExt cx="0" cy="0"/>
-        </a:xfrm>
-      </p:grpSpPr>
-      <p:sp>
-        <p:nvSpPr>
-          <p:cNvPr id="2" name="Title 1">
-            <a:extLst>
-              <a:ext uri="{FF2B5EF4-FFF2-40B4-BE49-F238E27FC236}">
-                <a16:creationId xmlns:a16="http://schemas.microsoft.com/office/drawing/2014/main" id="{1C034332-5344-5A7C-3B8E-80942626F8A5}"/>
-              </a:ext>
-            </a:extLst>
-          </p:cNvPr>
-          <p:cNvSpPr>
-            <a:spLocks noGrp="1"/>
-          </p:cNvSpPr>
-          <p:nvPr>
-            <p:ph type="title"/>
-          </p:nvPr>
-        </p:nvSpPr>
-        <p:spPr/>
-        <p:txBody>
-          <a:bodyPr/>
-          <a:lstStyle/>
-          <a:p>
-            <a:r>
-              <a:rPr lang="en-GB" dirty="0"/>
-              <a:t>A</a:t>
-            </a:r>
-            <a:r>
-              <a:rPr lang="en-GB" noProof="0" dirty="0" err="1"/>
-              <a:t>utomatic</a:t>
-            </a:r>
-            <a:r>
-              <a:rPr lang="en-GB" noProof="0" dirty="0"/>
-              <a:t> analysis of experiment </a:t>
-            </a:r>
-            <a:r>
-              <a:rPr lang="en-GB" dirty="0"/>
-              <a:t>data</a:t>
-            </a:r>
-          </a:p>
-        </p:txBody>
-      </p:sp>
-      <p:sp>
-        <p:nvSpPr>
-          <p:cNvPr id="3" name="Content Placeholder 2">
-            <a:extLst>
-              <a:ext uri="{FF2B5EF4-FFF2-40B4-BE49-F238E27FC236}">
-                <a16:creationId xmlns:a16="http://schemas.microsoft.com/office/drawing/2014/main" id="{ECFFC7D0-390D-95D8-A9EE-32D42ACFE681}"/>
-              </a:ext>
-            </a:extLst>
-          </p:cNvPr>
-          <p:cNvSpPr>
-            <a:spLocks noGrp="1"/>
-          </p:cNvSpPr>
-          <p:nvPr>
-            <p:ph idx="1"/>
-          </p:nvPr>
-        </p:nvSpPr>
-        <p:spPr/>
-        <p:txBody>
-          <a:bodyPr/>
-          <a:lstStyle/>
-          <a:p>
-            <a:r>
-              <a:rPr lang="en-GB" dirty="0"/>
-              <a:t>For “well behaved” data the program works very well</a:t>
-            </a:r>
-          </a:p>
-        </p:txBody>
-      </p:sp>
-      <p:pic>
-        <p:nvPicPr>
-          <p:cNvPr id="7" name="Picture 6">
-            <a:extLst>
-              <a:ext uri="{FF2B5EF4-FFF2-40B4-BE49-F238E27FC236}">
-                <a16:creationId xmlns:a16="http://schemas.microsoft.com/office/drawing/2014/main" id="{0A934275-0A04-1716-AE83-86D895A03220}"/>
-              </a:ext>
-            </a:extLst>
-          </p:cNvPr>
-          <p:cNvPicPr>
-            <a:picLocks noChangeAspect="1"/>
-          </p:cNvPicPr>
-          <p:nvPr/>
-        </p:nvPicPr>
-        <p:blipFill>
-          <a:blip r:embed="rId2"/>
-          <a:srcRect l="3982" t="-2849" r="7385" b="-1645"/>
-          <a:stretch/>
-        </p:blipFill>
-        <p:spPr>
-          <a:xfrm>
-            <a:off x="0" y="2278466"/>
-            <a:ext cx="10962752" cy="4351338"/>
-          </a:xfrm>
-          <a:prstGeom prst="rect">
-            <a:avLst/>
-          </a:prstGeom>
-        </p:spPr>
-      </p:pic>
-    </p:spTree>
-    <p:extLst>
-      <p:ext uri="{BB962C8B-B14F-4D97-AF65-F5344CB8AC3E}">
-        <p14:creationId xmlns:p14="http://schemas.microsoft.com/office/powerpoint/2010/main" val="4088723979"/>
-      </p:ext>
-    </p:extLst>
-  </p:cSld>
-  <p:clrMapOvr>
-    <a:masterClrMapping/>
-  </p:clrMapOvr>
-</p:sld>
-</file>
-
-<file path=ppt/slides/slide2.xml><?xml version="1.0" encoding="utf-8"?>
-<p:sld xmlns:a="http://schemas.openxmlformats.org/drawingml/2006/main" xmlns:r="http://schemas.openxmlformats.org/officeDocument/2006/relationships" xmlns:p="http://schemas.openxmlformats.org/presentationml/2006/main">
-  <p:cSld>
-    <p:spTree>
-      <p:nvGrpSpPr>
-        <p:cNvPr id="1" name=""/>
-        <p:cNvGrpSpPr/>
-        <p:nvPr/>
-      </p:nvGrpSpPr>
-      <p:grpSpPr>
-        <a:xfrm>
-          <a:off x="0" y="0"/>
-          <a:ext cx="0" cy="0"/>
-          <a:chOff x="0" y="0"/>
-          <a:chExt cx="0" cy="0"/>
-        </a:xfrm>
-      </p:grpSpPr>
-      <p:sp>
-        <p:nvSpPr>
-          <p:cNvPr id="2" name="Title 1">
-            <a:extLst>
-              <a:ext uri="{FF2B5EF4-FFF2-40B4-BE49-F238E27FC236}">
-                <a16:creationId xmlns:a16="http://schemas.microsoft.com/office/drawing/2014/main" id="{CE4C0D81-2423-A327-649E-0289CF1797B6}"/>
-              </a:ext>
-            </a:extLst>
-          </p:cNvPr>
-          <p:cNvSpPr>
-            <a:spLocks noGrp="1"/>
-          </p:cNvSpPr>
-          <p:nvPr>
-            <p:ph type="title"/>
-          </p:nvPr>
-        </p:nvSpPr>
-        <p:spPr/>
-        <p:txBody>
-          <a:bodyPr/>
-          <a:lstStyle/>
-          <a:p>
-            <a:r>
-              <a:rPr lang="en-GB" dirty="0"/>
-              <a:t>My background</a:t>
-            </a:r>
-          </a:p>
-        </p:txBody>
-      </p:sp>
-      <p:sp>
-        <p:nvSpPr>
-          <p:cNvPr id="3" name="Content Placeholder 2">
-            <a:extLst>
-              <a:ext uri="{FF2B5EF4-FFF2-40B4-BE49-F238E27FC236}">
-                <a16:creationId xmlns:a16="http://schemas.microsoft.com/office/drawing/2014/main" id="{D0ED26A4-2141-C972-F9B5-2DD483F109DF}"/>
-              </a:ext>
-            </a:extLst>
-          </p:cNvPr>
-          <p:cNvSpPr>
-            <a:spLocks noGrp="1"/>
-          </p:cNvSpPr>
-          <p:nvPr>
-            <p:ph idx="1"/>
-          </p:nvPr>
-        </p:nvSpPr>
-        <p:spPr>
-          <a:xfrm>
-            <a:off x="838200" y="1825625"/>
-            <a:ext cx="6740182" cy="4351338"/>
-          </a:xfrm>
-        </p:spPr>
-        <p:txBody>
-          <a:bodyPr>
-            <a:normAutofit/>
-          </a:bodyPr>
-          <a:lstStyle/>
-          <a:p>
-            <a:r>
-              <a:rPr lang="en-GB" dirty="0"/>
-              <a:t>Country: Norway</a:t>
-            </a:r>
-          </a:p>
-          <a:p>
-            <a:r>
-              <a:rPr lang="en-GB" dirty="0"/>
-              <a:t>MSc in physics</a:t>
-            </a:r>
-          </a:p>
-          <a:p>
-            <a:r>
-              <a:rPr lang="en-GB" dirty="0"/>
-              <a:t>PhD in automatic control</a:t>
-            </a:r>
-          </a:p>
-          <a:p>
-            <a:r>
-              <a:rPr lang="en-GB" dirty="0"/>
-              <a:t>Worked in the petroleum and chemical processing industries</a:t>
-            </a:r>
-          </a:p>
-          <a:p>
-            <a:pPr lvl="1"/>
-            <a:r>
-              <a:rPr lang="en-GB" dirty="0"/>
-              <a:t>Mathematical modelling</a:t>
-            </a:r>
-          </a:p>
-          <a:p>
-            <a:pPr lvl="1"/>
-            <a:r>
-              <a:rPr lang="en-GB" dirty="0"/>
-              <a:t>Thermodynamics</a:t>
-            </a:r>
-          </a:p>
-          <a:p>
-            <a:r>
-              <a:rPr lang="en-GB" dirty="0"/>
-              <a:t>Part-time professor at what is now The University of South-Eastern Norway</a:t>
-            </a:r>
-          </a:p>
-        </p:txBody>
-      </p:sp>
-      <p:pic>
-        <p:nvPicPr>
-          <p:cNvPr id="5" name="Picture 4">
-            <a:extLst>
-              <a:ext uri="{FF2B5EF4-FFF2-40B4-BE49-F238E27FC236}">
-                <a16:creationId xmlns:a16="http://schemas.microsoft.com/office/drawing/2014/main" id="{90D430FE-DA88-164F-C76A-0617314B6D59}"/>
-              </a:ext>
-            </a:extLst>
-          </p:cNvPr>
-          <p:cNvPicPr>
-            <a:picLocks noChangeAspect="1"/>
-          </p:cNvPicPr>
-          <p:nvPr/>
-        </p:nvPicPr>
-        <p:blipFill>
-          <a:blip r:embed="rId2"/>
-          <a:stretch>
-            <a:fillRect/>
-          </a:stretch>
-        </p:blipFill>
-        <p:spPr>
-          <a:xfrm>
-            <a:off x="7578381" y="1454727"/>
-            <a:ext cx="4209627" cy="4121927"/>
-          </a:xfrm>
-          <a:prstGeom prst="rect">
-            <a:avLst/>
-          </a:prstGeom>
-        </p:spPr>
-      </p:pic>
-    </p:spTree>
-    <p:extLst>
-      <p:ext uri="{BB962C8B-B14F-4D97-AF65-F5344CB8AC3E}">
-        <p14:creationId xmlns:p14="http://schemas.microsoft.com/office/powerpoint/2010/main" val="3991534619"/>
-      </p:ext>
-    </p:extLst>
-  </p:cSld>
-  <p:clrMapOvr>
-    <a:masterClrMapping/>
-  </p:clrMapOvr>
-</p:sld>
-</file>
-
-<file path=ppt/slides/slide20.xml><?xml version="1.0" encoding="utf-8"?>
-<p:sld xmlns:a="http://schemas.openxmlformats.org/drawingml/2006/main" xmlns:r="http://schemas.openxmlformats.org/officeDocument/2006/relationships" xmlns:p="http://schemas.openxmlformats.org/presentationml/2006/main">
-  <p:cSld>
-    <p:spTree>
-      <p:nvGrpSpPr>
-        <p:cNvPr id="1" name=""/>
-        <p:cNvGrpSpPr/>
-        <p:nvPr/>
-      </p:nvGrpSpPr>
-      <p:grpSpPr>
-        <a:xfrm>
-          <a:off x="0" y="0"/>
-          <a:ext cx="0" cy="0"/>
-          <a:chOff x="0" y="0"/>
-          <a:chExt cx="0" cy="0"/>
-        </a:xfrm>
-      </p:grpSpPr>
-      <p:sp>
-        <p:nvSpPr>
-          <p:cNvPr id="2" name="Title 1">
-            <a:extLst>
-              <a:ext uri="{FF2B5EF4-FFF2-40B4-BE49-F238E27FC236}">
-                <a16:creationId xmlns:a16="http://schemas.microsoft.com/office/drawing/2014/main" id="{FB5C3201-23DF-4682-0958-BECC9CDDD1F5}"/>
-              </a:ext>
-            </a:extLst>
-          </p:cNvPr>
-          <p:cNvSpPr>
-            <a:spLocks noGrp="1"/>
-          </p:cNvSpPr>
-          <p:nvPr>
-            <p:ph type="title"/>
-          </p:nvPr>
-        </p:nvSpPr>
-        <p:spPr/>
-        <p:txBody>
-          <a:bodyPr>
-            <a:normAutofit/>
-          </a:bodyPr>
-          <a:lstStyle/>
-          <a:p>
-            <a:pPr algn="ctr"/>
-            <a:r>
-              <a:rPr lang="en-GB" dirty="0"/>
-              <a:t>A</a:t>
-            </a:r>
-            <a:r>
-              <a:rPr lang="en-GB" noProof="0" dirty="0" err="1"/>
-              <a:t>utomatic</a:t>
-            </a:r>
-            <a:r>
-              <a:rPr lang="en-GB" noProof="0" dirty="0"/>
-              <a:t> analysis of experiment </a:t>
-            </a:r>
-            <a:r>
-              <a:rPr lang="en-GB" dirty="0"/>
-              <a:t>data</a:t>
-            </a:r>
-            <a:br>
-              <a:rPr lang="en-GB" dirty="0"/>
-            </a:br>
-            <a:r>
-              <a:rPr lang="en-GB" sz="2800" dirty="0"/>
-              <a:t>Challenges</a:t>
-            </a:r>
-          </a:p>
-        </p:txBody>
-      </p:sp>
-      <p:sp>
-        <p:nvSpPr>
-          <p:cNvPr id="3" name="Content Placeholder 2">
-            <a:extLst>
-              <a:ext uri="{FF2B5EF4-FFF2-40B4-BE49-F238E27FC236}">
-                <a16:creationId xmlns:a16="http://schemas.microsoft.com/office/drawing/2014/main" id="{3D4728BA-7E78-6316-A92F-A75CB283302E}"/>
-              </a:ext>
-            </a:extLst>
-          </p:cNvPr>
-          <p:cNvSpPr>
-            <a:spLocks noGrp="1"/>
-          </p:cNvSpPr>
-          <p:nvPr>
-            <p:ph idx="1"/>
-          </p:nvPr>
-        </p:nvSpPr>
-        <p:spPr>
-          <a:xfrm>
-            <a:off x="1327355" y="1825625"/>
-            <a:ext cx="3657599" cy="4351338"/>
-          </a:xfrm>
-        </p:spPr>
-        <p:txBody>
-          <a:bodyPr>
-            <a:normAutofit lnSpcReduction="10000"/>
-          </a:bodyPr>
-          <a:lstStyle/>
-          <a:p>
-            <a:endParaRPr lang="en-GB" dirty="0"/>
-          </a:p>
-          <a:p>
-            <a:r>
-              <a:rPr lang="en-GB" dirty="0"/>
-              <a:t>Measurement noise</a:t>
-            </a:r>
-          </a:p>
-          <a:p>
-            <a:pPr lvl="1"/>
-            <a:r>
-              <a:rPr lang="en-GB" dirty="0"/>
-              <a:t>The program fails to find rips here</a:t>
-            </a:r>
-          </a:p>
-          <a:p>
-            <a:endParaRPr lang="en-GB" dirty="0"/>
-          </a:p>
-          <a:p>
-            <a:endParaRPr lang="en-GB" dirty="0"/>
-          </a:p>
-          <a:p>
-            <a:endParaRPr lang="en-GB" dirty="0"/>
-          </a:p>
-          <a:p>
-            <a:r>
-              <a:rPr lang="en-GB" dirty="0"/>
-              <a:t>Weak rips</a:t>
-            </a:r>
-          </a:p>
-          <a:p>
-            <a:pPr lvl="1"/>
-            <a:r>
-              <a:rPr lang="en-GB" dirty="0"/>
-              <a:t>The program finds rips here</a:t>
-            </a:r>
-          </a:p>
-        </p:txBody>
-      </p:sp>
-      <p:pic>
-        <p:nvPicPr>
-          <p:cNvPr id="5" name="Picture 4">
-            <a:extLst>
-              <a:ext uri="{FF2B5EF4-FFF2-40B4-BE49-F238E27FC236}">
-                <a16:creationId xmlns:a16="http://schemas.microsoft.com/office/drawing/2014/main" id="{1CE2726E-DD45-FC3B-CAFC-A2B8E059D91E}"/>
-              </a:ext>
-            </a:extLst>
-          </p:cNvPr>
-          <p:cNvPicPr>
-            <a:picLocks noChangeAspect="1"/>
-          </p:cNvPicPr>
-          <p:nvPr/>
-        </p:nvPicPr>
-        <p:blipFill>
-          <a:blip r:embed="rId2"/>
-          <a:stretch>
-            <a:fillRect/>
-          </a:stretch>
-        </p:blipFill>
-        <p:spPr>
-          <a:xfrm>
-            <a:off x="4686300" y="1606936"/>
-            <a:ext cx="6667500" cy="2649946"/>
-          </a:xfrm>
-          <a:prstGeom prst="rect">
-            <a:avLst/>
-          </a:prstGeom>
-        </p:spPr>
-      </p:pic>
-      <p:pic>
-        <p:nvPicPr>
-          <p:cNvPr id="11" name="Picture 10">
-            <a:extLst>
-              <a:ext uri="{FF2B5EF4-FFF2-40B4-BE49-F238E27FC236}">
-                <a16:creationId xmlns:a16="http://schemas.microsoft.com/office/drawing/2014/main" id="{C72B15C2-9EB2-1D74-A4D3-40581D13A880}"/>
-              </a:ext>
-            </a:extLst>
-          </p:cNvPr>
-          <p:cNvPicPr>
-            <a:picLocks noChangeAspect="1"/>
-          </p:cNvPicPr>
-          <p:nvPr/>
-        </p:nvPicPr>
-        <p:blipFill>
-          <a:blip r:embed="rId3"/>
-          <a:stretch>
-            <a:fillRect/>
-          </a:stretch>
-        </p:blipFill>
-        <p:spPr>
-          <a:xfrm>
-            <a:off x="4862512" y="4220014"/>
-            <a:ext cx="6315075" cy="2533650"/>
-          </a:xfrm>
-          <a:prstGeom prst="rect">
-            <a:avLst/>
-          </a:prstGeom>
-        </p:spPr>
-      </p:pic>
-      <p:cxnSp>
-        <p:nvCxnSpPr>
-          <p:cNvPr id="12" name="Straight Arrow Connector 11">
-            <a:extLst>
-              <a:ext uri="{FF2B5EF4-FFF2-40B4-BE49-F238E27FC236}">
-                <a16:creationId xmlns:a16="http://schemas.microsoft.com/office/drawing/2014/main" id="{E5E604A6-578E-F871-B431-457676B631C7}"/>
-              </a:ext>
-            </a:extLst>
-          </p:cNvPr>
-          <p:cNvCxnSpPr>
-            <a:cxnSpLocks/>
-          </p:cNvCxnSpPr>
-          <p:nvPr/>
-        </p:nvCxnSpPr>
-        <p:spPr>
-          <a:xfrm>
-            <a:off x="5933767" y="5498693"/>
-            <a:ext cx="324465" cy="421015"/>
-          </a:xfrm>
-          <a:prstGeom prst="straightConnector1">
-            <a:avLst/>
-          </a:prstGeom>
-          <a:ln w="19050" cap="flat" cmpd="sng" algn="ctr">
-            <a:solidFill>
-              <a:srgbClr val="FF0000"/>
-            </a:solidFill>
-            <a:prstDash val="solid"/>
-            <a:round/>
-            <a:headEnd type="none" w="med" len="med"/>
-            <a:tailEnd type="arrow" w="med" len="med"/>
-          </a:ln>
-        </p:spPr>
-        <p:style>
-          <a:lnRef idx="0">
-            <a:scrgbClr r="0" g="0" b="0"/>
-          </a:lnRef>
-          <a:fillRef idx="0">
-            <a:scrgbClr r="0" g="0" b="0"/>
-          </a:fillRef>
-          <a:effectRef idx="0">
-            <a:scrgbClr r="0" g="0" b="0"/>
-          </a:effectRef>
-          <a:fontRef idx="minor">
-            <a:schemeClr val="tx1"/>
-          </a:fontRef>
-        </p:style>
-      </p:cxnSp>
-      <p:cxnSp>
-        <p:nvCxnSpPr>
-          <p:cNvPr id="15" name="Straight Arrow Connector 14">
-            <a:extLst>
-              <a:ext uri="{FF2B5EF4-FFF2-40B4-BE49-F238E27FC236}">
-                <a16:creationId xmlns:a16="http://schemas.microsoft.com/office/drawing/2014/main" id="{5076AAC4-D082-D799-1A15-3CDBD87CE14E}"/>
-              </a:ext>
-            </a:extLst>
-          </p:cNvPr>
-          <p:cNvCxnSpPr>
-            <a:cxnSpLocks/>
-          </p:cNvCxnSpPr>
-          <p:nvPr/>
-        </p:nvCxnSpPr>
-        <p:spPr>
-          <a:xfrm>
-            <a:off x="9478296" y="5572435"/>
-            <a:ext cx="324465" cy="421015"/>
-          </a:xfrm>
-          <a:prstGeom prst="straightConnector1">
-            <a:avLst/>
-          </a:prstGeom>
-          <a:ln w="19050" cap="flat" cmpd="sng" algn="ctr">
-            <a:solidFill>
-              <a:srgbClr val="FF0000"/>
-            </a:solidFill>
-            <a:prstDash val="solid"/>
-            <a:round/>
-            <a:headEnd type="none" w="med" len="med"/>
-            <a:tailEnd type="arrow" w="med" len="med"/>
-          </a:ln>
-        </p:spPr>
-        <p:style>
-          <a:lnRef idx="0">
-            <a:scrgbClr r="0" g="0" b="0"/>
-          </a:lnRef>
-          <a:fillRef idx="0">
-            <a:scrgbClr r="0" g="0" b="0"/>
-          </a:fillRef>
-          <a:effectRef idx="0">
-            <a:scrgbClr r="0" g="0" b="0"/>
-          </a:effectRef>
-          <a:fontRef idx="minor">
-            <a:schemeClr val="tx1"/>
-          </a:fontRef>
-        </p:style>
-      </p:cxnSp>
-    </p:spTree>
-    <p:extLst>
-      <p:ext uri="{BB962C8B-B14F-4D97-AF65-F5344CB8AC3E}">
-        <p14:creationId xmlns:p14="http://schemas.microsoft.com/office/powerpoint/2010/main" val="3259227442"/>
-      </p:ext>
-    </p:extLst>
-  </p:cSld>
-  <p:clrMapOvr>
-    <a:masterClrMapping/>
-  </p:clrMapOvr>
-</p:sld>
-</file>
-
-<file path=ppt/slides/slide21.xml><?xml version="1.0" encoding="utf-8"?>
-<p:sld xmlns:a="http://schemas.openxmlformats.org/drawingml/2006/main" xmlns:r="http://schemas.openxmlformats.org/officeDocument/2006/relationships" xmlns:p="http://schemas.openxmlformats.org/presentationml/2006/main">
-  <p:cSld>
-    <p:spTree>
-      <p:nvGrpSpPr>
-        <p:cNvPr id="1" name=""/>
-        <p:cNvGrpSpPr/>
-        <p:nvPr/>
-      </p:nvGrpSpPr>
-      <p:grpSpPr>
-        <a:xfrm>
-          <a:off x="0" y="0"/>
-          <a:ext cx="0" cy="0"/>
-          <a:chOff x="0" y="0"/>
-          <a:chExt cx="0" cy="0"/>
-        </a:xfrm>
-      </p:grpSpPr>
-      <p:sp>
-        <p:nvSpPr>
-          <p:cNvPr id="2" name="Title 1">
-            <a:extLst>
-              <a:ext uri="{FF2B5EF4-FFF2-40B4-BE49-F238E27FC236}">
-                <a16:creationId xmlns:a16="http://schemas.microsoft.com/office/drawing/2014/main" id="{007274B8-4871-681C-A44C-BACC989A3AEF}"/>
-              </a:ext>
-            </a:extLst>
-          </p:cNvPr>
-          <p:cNvSpPr>
-            <a:spLocks noGrp="1"/>
-          </p:cNvSpPr>
-          <p:nvPr>
-            <p:ph type="title"/>
-          </p:nvPr>
-        </p:nvSpPr>
-        <p:spPr/>
-        <p:txBody>
-          <a:bodyPr/>
-          <a:lstStyle/>
-          <a:p>
-            <a:r>
-              <a:rPr lang="en-GB" dirty="0"/>
-              <a:t>Using Matlab to analyse experiments</a:t>
-            </a:r>
-          </a:p>
-        </p:txBody>
-      </p:sp>
-      <p:sp>
-        <p:nvSpPr>
-          <p:cNvPr id="3" name="Content Placeholder 2">
-            <a:extLst>
-              <a:ext uri="{FF2B5EF4-FFF2-40B4-BE49-F238E27FC236}">
-                <a16:creationId xmlns:a16="http://schemas.microsoft.com/office/drawing/2014/main" id="{D69F0E18-403E-2856-0E01-F43BC137040A}"/>
-              </a:ext>
-            </a:extLst>
-          </p:cNvPr>
-          <p:cNvSpPr>
-            <a:spLocks noGrp="1"/>
-          </p:cNvSpPr>
-          <p:nvPr>
-            <p:ph idx="1"/>
-          </p:nvPr>
-        </p:nvSpPr>
-        <p:spPr>
-          <a:xfrm>
-            <a:off x="838200" y="1825625"/>
-            <a:ext cx="10515600" cy="3346144"/>
-          </a:xfrm>
-        </p:spPr>
-        <p:txBody>
-          <a:bodyPr>
-            <a:normAutofit fontScale="92500" lnSpcReduction="10000"/>
-          </a:bodyPr>
-          <a:lstStyle/>
-          <a:p>
-            <a:r>
-              <a:rPr lang="en-GB" dirty="0"/>
-              <a:t>The following is a quick walk-through</a:t>
-            </a:r>
-          </a:p>
-          <a:p>
-            <a:r>
-              <a:rPr lang="en-GB" dirty="0"/>
-              <a:t>We will go through this more slowly in the exercises</a:t>
-            </a:r>
-          </a:p>
-          <a:p>
-            <a:r>
-              <a:rPr lang="en-GB" dirty="0"/>
-              <a:t>Assuming you have already installed Matlab </a:t>
-            </a:r>
-          </a:p>
-          <a:p>
-            <a:pPr lvl="1"/>
-            <a:r>
-              <a:rPr lang="en-GB" dirty="0"/>
-              <a:t>Or work together with someone who has</a:t>
-            </a:r>
-          </a:p>
-          <a:p>
-            <a:r>
-              <a:rPr lang="en-GB" dirty="0"/>
-              <a:t>Download Matlab files from </a:t>
-            </a:r>
-            <a:br>
-              <a:rPr lang="en-GB" dirty="0"/>
-            </a:br>
-            <a:r>
-              <a:rPr lang="en-GB" dirty="0">
-                <a:hlinkClick r:id="rId2"/>
-              </a:rPr>
-              <a:t>https://github.com/are-mj/OpticalTweezers</a:t>
-            </a:r>
-            <a:endParaRPr lang="en-GB" dirty="0"/>
-          </a:p>
-          <a:p>
-            <a:r>
-              <a:rPr lang="en-GB" dirty="0"/>
-              <a:t>Copy your experiment *.txt files to a folder on your computer</a:t>
-            </a:r>
-          </a:p>
-          <a:p>
-            <a:pPr lvl="1"/>
-            <a:r>
-              <a:rPr lang="en-GB" dirty="0"/>
-              <a:t>Or use a network folder</a:t>
-            </a:r>
-          </a:p>
-          <a:p>
-            <a:endParaRPr lang="en-GB" dirty="0"/>
-          </a:p>
-          <a:p>
-            <a:endParaRPr lang="en-GB" dirty="0"/>
-          </a:p>
-          <a:p>
-            <a:pPr lvl="1"/>
-            <a:endParaRPr lang="en-GB" dirty="0"/>
-          </a:p>
-          <a:p>
-            <a:pPr marL="457200" lvl="1" indent="0">
-              <a:buNone/>
-            </a:pPr>
-            <a:endParaRPr lang="en-GB" dirty="0"/>
-          </a:p>
-          <a:p>
-            <a:pPr marL="457200" lvl="1" indent="0">
-              <a:buNone/>
-            </a:pPr>
-            <a:endParaRPr lang="en-GB" dirty="0"/>
-          </a:p>
-          <a:p>
-            <a:endParaRPr lang="en-GB" dirty="0"/>
-          </a:p>
-        </p:txBody>
-      </p:sp>
-    </p:spTree>
-    <p:extLst>
-      <p:ext uri="{BB962C8B-B14F-4D97-AF65-F5344CB8AC3E}">
-        <p14:creationId xmlns:p14="http://schemas.microsoft.com/office/powerpoint/2010/main" val="3816220206"/>
-      </p:ext>
-    </p:extLst>
-  </p:cSld>
-  <p:clrMapOvr>
-    <a:masterClrMapping/>
-  </p:clrMapOvr>
-</p:sld>
-</file>
-
 <file path=ppt/slides/slide22.xml><?xml version="1.0" encoding="utf-8"?>
 <p:sld xmlns:a="http://schemas.openxmlformats.org/drawingml/2006/main" xmlns:r="http://schemas.openxmlformats.org/officeDocument/2006/relationships" xmlns:p="http://schemas.openxmlformats.org/presentationml/2006/main">
   <p:cSld>
@@ -9959,7 +10036,7 @@
           <p:cNvPr id="2" name="Title 1">
             <a:extLst>
               <a:ext uri="{FF2B5EF4-FFF2-40B4-BE49-F238E27FC236}">
-                <a16:creationId xmlns:a16="http://schemas.microsoft.com/office/drawing/2014/main" id="{472EBC0F-0863-FC08-A12B-6E5B523BE5B5}"/>
+                <a16:creationId xmlns:a16="http://schemas.microsoft.com/office/drawing/2014/main" id="{007274B8-4871-681C-A44C-BACC989A3AEF}"/>
               </a:ext>
             </a:extLst>
           </p:cNvPr>
@@ -9977,7 +10054,7 @@
           <a:p>
             <a:r>
               <a:rPr lang="en-GB" dirty="0"/>
-              <a:t>Suggested experiment file organisation</a:t>
+              <a:t>Using Matlab to analyse experiments</a:t>
             </a:r>
           </a:p>
         </p:txBody>
@@ -9987,7 +10064,7 @@
           <p:cNvPr id="3" name="Content Placeholder 2">
             <a:extLst>
               <a:ext uri="{FF2B5EF4-FFF2-40B4-BE49-F238E27FC236}">
-                <a16:creationId xmlns:a16="http://schemas.microsoft.com/office/drawing/2014/main" id="{2E9A1E1F-E1FB-D600-D0EE-A17FB6095AFF}"/>
+                <a16:creationId xmlns:a16="http://schemas.microsoft.com/office/drawing/2014/main" id="{D69F0E18-403E-2856-0E01-F43BC137040A}"/>
               </a:ext>
             </a:extLst>
           </p:cNvPr>
@@ -10000,134 +10077,100 @@
         </p:nvSpPr>
         <p:spPr>
           <a:xfrm>
-            <a:off x="838199" y="1825625"/>
-            <a:ext cx="5729749" cy="4034400"/>
+            <a:off x="838200" y="1825625"/>
+            <a:ext cx="10515600" cy="3346144"/>
           </a:xfrm>
         </p:spPr>
         <p:txBody>
           <a:bodyPr>
-            <a:normAutofit/>
+            <a:normAutofit fontScale="92500" lnSpcReduction="10000"/>
           </a:bodyPr>
           <a:lstStyle/>
           <a:p>
             <a:r>
-              <a:rPr lang="en-GB" sz="2400" dirty="0"/>
-              <a:t>I prefer to store the experiment files in one data folder</a:t>
-            </a:r>
-          </a:p>
-          <a:p>
-            <a:r>
-              <a:rPr lang="en-GB" sz="2400" dirty="0"/>
-              <a:t>I use one level of subfolders for storing experiment files.</a:t>
-            </a:r>
-          </a:p>
-          <a:p>
-            <a:r>
-              <a:rPr lang="en-GB" sz="2400" dirty="0"/>
-              <a:t>Subfolders can for instance be named by experiment date.</a:t>
-            </a:r>
-          </a:p>
-          <a:p>
-            <a:r>
-              <a:rPr lang="en-GB" sz="2400" dirty="0"/>
-              <a:t>Refer to individual file as </a:t>
-            </a:r>
-            <a:r>
-              <a:rPr lang="en-GB" sz="2400" dirty="0" err="1"/>
-              <a:t>e.g</a:t>
-            </a:r>
-            <a:r>
-              <a:rPr lang="en-GB" sz="2400" dirty="0"/>
-              <a:t> . Subfolder1/Aa.txt</a:t>
-            </a:r>
-          </a:p>
-          <a:p>
-            <a:r>
-              <a:rPr lang="en-GB" sz="2400" dirty="0"/>
-              <a:t>Most of my functions automatically add the data folder when needed:</a:t>
-            </a:r>
-          </a:p>
-        </p:txBody>
-      </p:sp>
-      <p:pic>
-        <p:nvPicPr>
-          <p:cNvPr id="5" name="Picture 4">
-            <a:extLst>
-              <a:ext uri="{FF2B5EF4-FFF2-40B4-BE49-F238E27FC236}">
-                <a16:creationId xmlns:a16="http://schemas.microsoft.com/office/drawing/2014/main" id="{7E983D36-8148-C52C-3212-D1C2FF4A54C9}"/>
-              </a:ext>
-            </a:extLst>
-          </p:cNvPr>
-          <p:cNvPicPr>
-            <a:picLocks noChangeAspect="1"/>
-          </p:cNvPicPr>
-          <p:nvPr/>
-        </p:nvPicPr>
-        <p:blipFill>
-          <a:blip r:embed="rId2"/>
-          <a:stretch>
-            <a:fillRect/>
-          </a:stretch>
-        </p:blipFill>
-        <p:spPr>
-          <a:xfrm>
-            <a:off x="6744929" y="1764029"/>
-            <a:ext cx="4916057" cy="3820693"/>
-          </a:xfrm>
-          <a:prstGeom prst="rect">
-            <a:avLst/>
-          </a:prstGeom>
-        </p:spPr>
-      </p:pic>
-      <p:sp>
-        <p:nvSpPr>
-          <p:cNvPr id="6" name="TextBox 5">
-            <a:extLst>
-              <a:ext uri="{FF2B5EF4-FFF2-40B4-BE49-F238E27FC236}">
-                <a16:creationId xmlns:a16="http://schemas.microsoft.com/office/drawing/2014/main" id="{92A6A31D-37FF-95B9-730E-0F42FB9048FE}"/>
-              </a:ext>
-            </a:extLst>
-          </p:cNvPr>
-          <p:cNvSpPr txBox="1"/>
-          <p:nvPr/>
-        </p:nvSpPr>
-        <p:spPr>
-          <a:xfrm>
-            <a:off x="975851" y="5912771"/>
-            <a:ext cx="7883014" cy="461665"/>
-          </a:xfrm>
-          <a:prstGeom prst="rect">
-            <a:avLst/>
-          </a:prstGeom>
-          <a:noFill/>
-        </p:spPr>
-        <p:txBody>
-          <a:bodyPr wrap="square" rtlCol="0">
-            <a:spAutoFit/>
-          </a:bodyPr>
-          <a:lstStyle/>
-          <a:p>
-            <a:r>
-              <a:rPr lang="en-GB" sz="2400" dirty="0" err="1">
-                <a:latin typeface="Consolas" panose="020B0609020204030204" pitchFamily="49" charset="0"/>
-                <a:cs typeface="Courier New" panose="02070309020205020404" pitchFamily="49" charset="0"/>
+              <a:rPr lang="en-GB" dirty="0"/>
+              <a:t>The following is a quick walk-through</a:t>
+            </a:r>
+          </a:p>
+          <a:p>
+            <a:r>
+              <a:rPr lang="en-GB" dirty="0"/>
+              <a:t>We will go through this more slowly in the exercises</a:t>
+            </a:r>
+          </a:p>
+          <a:p>
+            <a:r>
+              <a:rPr lang="en-GB" dirty="0"/>
+              <a:t>Assuming you have already installed Matlab </a:t>
+            </a:r>
+          </a:p>
+          <a:p>
+            <a:pPr lvl="1"/>
+            <a:r>
+              <a:rPr lang="en-GB" dirty="0"/>
+              <a:t>Or work together with someone who has</a:t>
+            </a:r>
+          </a:p>
+          <a:p>
+            <a:r>
+              <a:rPr lang="en-GB" dirty="0"/>
+              <a:t>Download Matlab files from </a:t>
+            </a:r>
+            <a:br>
+              <a:rPr lang="en-GB" dirty="0"/>
+            </a:br>
+            <a:r>
+              <a:rPr lang="en-GB" dirty="0">
+                <a:hlinkClick r:id="rId2"/>
               </a:rPr>
-              <a:t>fullfile</a:t>
-            </a:r>
-            <a:r>
-              <a:rPr lang="en-GB" sz="2400" dirty="0">
-                <a:latin typeface="Consolas" panose="020B0609020204030204" pitchFamily="49" charset="0"/>
-                <a:cs typeface="Courier New" panose="02070309020205020404" pitchFamily="49" charset="0"/>
-              </a:rPr>
-              <a:t>(datafolder,'Subfolder1/Aa.txt')</a:t>
-            </a:r>
+              <a:t>https://github.com/are-mj/OpticalTweezers</a:t>
+            </a:r>
+            <a:endParaRPr lang="en-GB" dirty="0"/>
+          </a:p>
+          <a:p>
+            <a:r>
+              <a:rPr lang="en-GB" dirty="0"/>
+              <a:t>Copy your experiment *.txt files to a folder on your computer</a:t>
+            </a:r>
+          </a:p>
+          <a:p>
+            <a:pPr lvl="1"/>
+            <a:r>
+              <a:rPr lang="en-GB" dirty="0"/>
+              <a:t>Or use a network folder</a:t>
+            </a:r>
+          </a:p>
+          <a:p>
+            <a:endParaRPr lang="en-GB" dirty="0"/>
+          </a:p>
+          <a:p>
+            <a:endParaRPr lang="en-GB" dirty="0"/>
+          </a:p>
+          <a:p>
+            <a:pPr lvl="1"/>
+            <a:endParaRPr lang="en-GB" dirty="0"/>
+          </a:p>
+          <a:p>
+            <a:pPr marL="457200" lvl="1" indent="0">
+              <a:buNone/>
+            </a:pPr>
+            <a:endParaRPr lang="en-GB" dirty="0"/>
+          </a:p>
+          <a:p>
+            <a:pPr marL="457200" lvl="1" indent="0">
+              <a:buNone/>
+            </a:pPr>
+            <a:endParaRPr lang="en-GB" dirty="0"/>
+          </a:p>
+          <a:p>
+            <a:endParaRPr lang="en-GB" dirty="0"/>
           </a:p>
         </p:txBody>
       </p:sp>
     </p:spTree>
     <p:extLst>
       <p:ext uri="{BB962C8B-B14F-4D97-AF65-F5344CB8AC3E}">
-        <p14:creationId xmlns:p14="http://schemas.microsoft.com/office/powerpoint/2010/main" val="34042762"/>
+        <p14:creationId xmlns:p14="http://schemas.microsoft.com/office/powerpoint/2010/main" val="3816220206"/>
       </p:ext>
     </p:extLst>
   </p:cSld>
@@ -10159,6 +10202,206 @@
           <p:cNvPr id="2" name="Title 1">
             <a:extLst>
               <a:ext uri="{FF2B5EF4-FFF2-40B4-BE49-F238E27FC236}">
+                <a16:creationId xmlns:a16="http://schemas.microsoft.com/office/drawing/2014/main" id="{472EBC0F-0863-FC08-A12B-6E5B523BE5B5}"/>
+              </a:ext>
+            </a:extLst>
+          </p:cNvPr>
+          <p:cNvSpPr>
+            <a:spLocks noGrp="1"/>
+          </p:cNvSpPr>
+          <p:nvPr>
+            <p:ph type="title"/>
+          </p:nvPr>
+        </p:nvSpPr>
+        <p:spPr/>
+        <p:txBody>
+          <a:bodyPr/>
+          <a:lstStyle/>
+          <a:p>
+            <a:r>
+              <a:rPr lang="en-GB" dirty="0"/>
+              <a:t>Suggested experiment file organisation</a:t>
+            </a:r>
+          </a:p>
+        </p:txBody>
+      </p:sp>
+      <p:sp>
+        <p:nvSpPr>
+          <p:cNvPr id="3" name="Content Placeholder 2">
+            <a:extLst>
+              <a:ext uri="{FF2B5EF4-FFF2-40B4-BE49-F238E27FC236}">
+                <a16:creationId xmlns:a16="http://schemas.microsoft.com/office/drawing/2014/main" id="{2E9A1E1F-E1FB-D600-D0EE-A17FB6095AFF}"/>
+              </a:ext>
+            </a:extLst>
+          </p:cNvPr>
+          <p:cNvSpPr>
+            <a:spLocks noGrp="1"/>
+          </p:cNvSpPr>
+          <p:nvPr>
+            <p:ph idx="1"/>
+          </p:nvPr>
+        </p:nvSpPr>
+        <p:spPr>
+          <a:xfrm>
+            <a:off x="838199" y="1825625"/>
+            <a:ext cx="5729749" cy="4034400"/>
+          </a:xfrm>
+        </p:spPr>
+        <p:txBody>
+          <a:bodyPr>
+            <a:normAutofit/>
+          </a:bodyPr>
+          <a:lstStyle/>
+          <a:p>
+            <a:r>
+              <a:rPr lang="en-GB" sz="2400" dirty="0"/>
+              <a:t>I prefer to store the experiment files in one data folder</a:t>
+            </a:r>
+          </a:p>
+          <a:p>
+            <a:r>
+              <a:rPr lang="en-GB" sz="2400" dirty="0"/>
+              <a:t>I use one level of subfolders for storing experiment files.</a:t>
+            </a:r>
+          </a:p>
+          <a:p>
+            <a:r>
+              <a:rPr lang="en-GB" sz="2400" dirty="0"/>
+              <a:t>Subfolders can for instance be named by experiment date.</a:t>
+            </a:r>
+          </a:p>
+          <a:p>
+            <a:r>
+              <a:rPr lang="en-GB" sz="2400" dirty="0"/>
+              <a:t>Refer to individual file as </a:t>
+            </a:r>
+            <a:r>
+              <a:rPr lang="en-GB" sz="2400" dirty="0" err="1"/>
+              <a:t>e.g</a:t>
+            </a:r>
+            <a:r>
+              <a:rPr lang="en-GB" sz="2400" dirty="0"/>
+              <a:t> . Subfolder1/Aa.txt</a:t>
+            </a:r>
+          </a:p>
+          <a:p>
+            <a:r>
+              <a:rPr lang="en-GB" sz="2400" dirty="0"/>
+              <a:t>Most of my functions automatically add the data folder when needed:</a:t>
+            </a:r>
+          </a:p>
+        </p:txBody>
+      </p:sp>
+      <p:pic>
+        <p:nvPicPr>
+          <p:cNvPr id="5" name="Picture 4">
+            <a:extLst>
+              <a:ext uri="{FF2B5EF4-FFF2-40B4-BE49-F238E27FC236}">
+                <a16:creationId xmlns:a16="http://schemas.microsoft.com/office/drawing/2014/main" id="{7E983D36-8148-C52C-3212-D1C2FF4A54C9}"/>
+              </a:ext>
+            </a:extLst>
+          </p:cNvPr>
+          <p:cNvPicPr>
+            <a:picLocks noChangeAspect="1"/>
+          </p:cNvPicPr>
+          <p:nvPr/>
+        </p:nvPicPr>
+        <p:blipFill>
+          <a:blip r:embed="rId2"/>
+          <a:stretch>
+            <a:fillRect/>
+          </a:stretch>
+        </p:blipFill>
+        <p:spPr>
+          <a:xfrm>
+            <a:off x="6744929" y="1764029"/>
+            <a:ext cx="4916057" cy="3820693"/>
+          </a:xfrm>
+          <a:prstGeom prst="rect">
+            <a:avLst/>
+          </a:prstGeom>
+        </p:spPr>
+      </p:pic>
+      <p:sp>
+        <p:nvSpPr>
+          <p:cNvPr id="6" name="TextBox 5">
+            <a:extLst>
+              <a:ext uri="{FF2B5EF4-FFF2-40B4-BE49-F238E27FC236}">
+                <a16:creationId xmlns:a16="http://schemas.microsoft.com/office/drawing/2014/main" id="{92A6A31D-37FF-95B9-730E-0F42FB9048FE}"/>
+              </a:ext>
+            </a:extLst>
+          </p:cNvPr>
+          <p:cNvSpPr txBox="1"/>
+          <p:nvPr/>
+        </p:nvSpPr>
+        <p:spPr>
+          <a:xfrm>
+            <a:off x="975851" y="5912771"/>
+            <a:ext cx="7883014" cy="461665"/>
+          </a:xfrm>
+          <a:prstGeom prst="rect">
+            <a:avLst/>
+          </a:prstGeom>
+          <a:noFill/>
+        </p:spPr>
+        <p:txBody>
+          <a:bodyPr wrap="square" rtlCol="0">
+            <a:spAutoFit/>
+          </a:bodyPr>
+          <a:lstStyle/>
+          <a:p>
+            <a:r>
+              <a:rPr lang="en-GB" sz="2400" dirty="0" err="1">
+                <a:latin typeface="Consolas" panose="020B0609020204030204" pitchFamily="49" charset="0"/>
+                <a:cs typeface="Courier New" panose="02070309020205020404" pitchFamily="49" charset="0"/>
+              </a:rPr>
+              <a:t>fullfile</a:t>
+            </a:r>
+            <a:r>
+              <a:rPr lang="en-GB" sz="2400" dirty="0">
+                <a:latin typeface="Consolas" panose="020B0609020204030204" pitchFamily="49" charset="0"/>
+                <a:cs typeface="Courier New" panose="02070309020205020404" pitchFamily="49" charset="0"/>
+              </a:rPr>
+              <a:t>(datafolder,'Subfolder1/Aa.txt')</a:t>
+            </a:r>
+          </a:p>
+        </p:txBody>
+      </p:sp>
+    </p:spTree>
+    <p:extLst>
+      <p:ext uri="{BB962C8B-B14F-4D97-AF65-F5344CB8AC3E}">
+        <p14:creationId xmlns:p14="http://schemas.microsoft.com/office/powerpoint/2010/main" val="34042762"/>
+      </p:ext>
+    </p:extLst>
+  </p:cSld>
+  <p:clrMapOvr>
+    <a:masterClrMapping/>
+  </p:clrMapOvr>
+</p:sld>
+</file>
+
+<file path=ppt/slides/slide24.xml><?xml version="1.0" encoding="utf-8"?>
+<p:sld xmlns:a="http://schemas.openxmlformats.org/drawingml/2006/main" xmlns:r="http://schemas.openxmlformats.org/officeDocument/2006/relationships" xmlns:p="http://schemas.openxmlformats.org/presentationml/2006/main">
+  <p:cSld>
+    <p:spTree>
+      <p:nvGrpSpPr>
+        <p:cNvPr id="1" name=""/>
+        <p:cNvGrpSpPr/>
+        <p:nvPr/>
+      </p:nvGrpSpPr>
+      <p:grpSpPr>
+        <a:xfrm>
+          <a:off x="0" y="0"/>
+          <a:ext cx="0" cy="0"/>
+          <a:chOff x="0" y="0"/>
+          <a:chExt cx="0" cy="0"/>
+        </a:xfrm>
+      </p:grpSpPr>
+      <p:sp>
+        <p:nvSpPr>
+          <p:cNvPr id="2" name="Title 1">
+            <a:extLst>
+              <a:ext uri="{FF2B5EF4-FFF2-40B4-BE49-F238E27FC236}">
                 <a16:creationId xmlns:a16="http://schemas.microsoft.com/office/drawing/2014/main" id="{F2D3ECFB-9F8A-F64C-E0F4-1BA5B941E386}"/>
               </a:ext>
             </a:extLst>
@@ -10324,7 +10567,7 @@
 </p:sld>
 </file>
 
-<file path=ppt/slides/slide24.xml><?xml version="1.0" encoding="utf-8"?>
+<file path=ppt/slides/slide25.xml><?xml version="1.0" encoding="utf-8"?>
 <p:sld xmlns:a="http://schemas.openxmlformats.org/drawingml/2006/main" xmlns:r="http://schemas.openxmlformats.org/officeDocument/2006/relationships" xmlns:p="http://schemas.openxmlformats.org/presentationml/2006/main">
   <p:cSld>
     <p:spTree>
@@ -10627,7 +10870,7 @@
 </p:sld>
 </file>
 
-<file path=ppt/slides/slide25.xml><?xml version="1.0" encoding="utf-8"?>
+<file path=ppt/slides/slide26.xml><?xml version="1.0" encoding="utf-8"?>
 <p:sld xmlns:a="http://schemas.openxmlformats.org/drawingml/2006/main" xmlns:r="http://schemas.openxmlformats.org/officeDocument/2006/relationships" xmlns:p="http://schemas.openxmlformats.org/presentationml/2006/main">
   <p:cSld>
     <p:spTree>
@@ -10906,7 +11149,7 @@
 </p:sld>
 </file>
 
-<file path=ppt/slides/slide26.xml><?xml version="1.0" encoding="utf-8"?>
+<file path=ppt/slides/slide27.xml><?xml version="1.0" encoding="utf-8"?>
 <p:sld xmlns:a="http://schemas.openxmlformats.org/drawingml/2006/main" xmlns:r="http://schemas.openxmlformats.org/officeDocument/2006/relationships" xmlns:p="http://schemas.openxmlformats.org/presentationml/2006/main">
   <p:cSld>
     <p:spTree>
@@ -11184,7 +11427,7 @@
 </p:sld>
 </file>
 
-<file path=ppt/slides/slide27.xml><?xml version="1.0" encoding="utf-8"?>
+<file path=ppt/slides/slide28.xml><?xml version="1.0" encoding="utf-8"?>
 <p:sld xmlns:a="http://schemas.openxmlformats.org/drawingml/2006/main" xmlns:r="http://schemas.openxmlformats.org/officeDocument/2006/relationships" xmlns:p="http://schemas.openxmlformats.org/presentationml/2006/main">
   <p:cSld>
     <p:spTree>
@@ -11330,399 +11573,6 @@
 </p:sld>
 </file>
 
-<file path=ppt/slides/slide28.xml><?xml version="1.0" encoding="utf-8"?>
-<p:sld xmlns:a="http://schemas.openxmlformats.org/drawingml/2006/main" xmlns:r="http://schemas.openxmlformats.org/officeDocument/2006/relationships" xmlns:p="http://schemas.openxmlformats.org/presentationml/2006/main">
-  <p:cSld>
-    <p:spTree>
-      <p:nvGrpSpPr>
-        <p:cNvPr id="1" name=""/>
-        <p:cNvGrpSpPr/>
-        <p:nvPr/>
-      </p:nvGrpSpPr>
-      <p:grpSpPr>
-        <a:xfrm>
-          <a:off x="0" y="0"/>
-          <a:ext cx="0" cy="0"/>
-          <a:chOff x="0" y="0"/>
-          <a:chExt cx="0" cy="0"/>
-        </a:xfrm>
-      </p:grpSpPr>
-      <p:sp>
-        <p:nvSpPr>
-          <p:cNvPr id="2" name="Title 1">
-            <a:extLst>
-              <a:ext uri="{FF2B5EF4-FFF2-40B4-BE49-F238E27FC236}">
-                <a16:creationId xmlns:a16="http://schemas.microsoft.com/office/drawing/2014/main" id="{C285FB98-B897-4574-450D-72DEB85EE57E}"/>
-              </a:ext>
-            </a:extLst>
-          </p:cNvPr>
-          <p:cNvSpPr>
-            <a:spLocks noGrp="1"/>
-          </p:cNvSpPr>
-          <p:nvPr>
-            <p:ph type="title"/>
-          </p:nvPr>
-        </p:nvSpPr>
-        <p:spPr/>
-        <p:txBody>
-          <a:bodyPr/>
-          <a:lstStyle/>
-          <a:p>
-            <a:r>
-              <a:rPr lang="en-GB" dirty="0" err="1"/>
-              <a:t>Exporting</a:t>
-            </a:r>
-            <a:r>
-              <a:rPr lang="en-GB" dirty="0"/>
-              <a:t> </a:t>
-            </a:r>
-            <a:r>
-              <a:rPr lang="en-GB" dirty="0" err="1"/>
-              <a:t>results</a:t>
-            </a:r>
-            <a:r>
-              <a:rPr lang="en-GB" dirty="0"/>
-              <a:t> </a:t>
-            </a:r>
-            <a:r>
-              <a:rPr lang="en-GB" dirty="0" err="1"/>
-              <a:t>tables</a:t>
-            </a:r>
-            <a:r>
-              <a:rPr lang="en-GB" dirty="0"/>
-              <a:t> Trip and </a:t>
-            </a:r>
-            <a:r>
-              <a:rPr lang="en-GB" dirty="0" err="1"/>
-              <a:t>Tzip</a:t>
-            </a:r>
-            <a:endParaRPr lang="en-GB" dirty="0"/>
-          </a:p>
-        </p:txBody>
-      </p:sp>
-      <p:sp>
-        <p:nvSpPr>
-          <p:cNvPr id="3" name="Content Placeholder 2">
-            <a:extLst>
-              <a:ext uri="{FF2B5EF4-FFF2-40B4-BE49-F238E27FC236}">
-                <a16:creationId xmlns:a16="http://schemas.microsoft.com/office/drawing/2014/main" id="{F0A4A313-7E15-500B-ED77-95FD44C0C03E}"/>
-              </a:ext>
-            </a:extLst>
-          </p:cNvPr>
-          <p:cNvSpPr>
-            <a:spLocks noGrp="1"/>
-          </p:cNvSpPr>
-          <p:nvPr>
-            <p:ph idx="1"/>
-          </p:nvPr>
-        </p:nvSpPr>
-        <p:spPr>
-          <a:xfrm>
-            <a:off x="838200" y="1825625"/>
-            <a:ext cx="10813026" cy="4351338"/>
-          </a:xfrm>
-        </p:spPr>
-        <p:txBody>
-          <a:bodyPr>
-            <a:normAutofit/>
-          </a:bodyPr>
-          <a:lstStyle/>
-          <a:p>
-            <a:r>
-              <a:rPr lang="en-GB" dirty="0" err="1"/>
-              <a:t>Tables</a:t>
-            </a:r>
-            <a:r>
-              <a:rPr lang="en-GB" dirty="0"/>
-              <a:t> </a:t>
-            </a:r>
-            <a:r>
-              <a:rPr lang="en-GB" dirty="0" err="1"/>
-              <a:t>may</a:t>
-            </a:r>
-            <a:r>
-              <a:rPr lang="en-GB" dirty="0"/>
-              <a:t> be </a:t>
-            </a:r>
-            <a:r>
-              <a:rPr lang="en-GB" dirty="0" err="1"/>
-              <a:t>exported</a:t>
-            </a:r>
-            <a:r>
-              <a:rPr lang="en-GB" dirty="0"/>
-              <a:t> to Excel:</a:t>
-            </a:r>
-          </a:p>
-          <a:p>
-            <a:pPr lvl="1"/>
-            <a:r>
-              <a:rPr lang="en-GB" dirty="0" err="1"/>
-              <a:t>Create</a:t>
-            </a:r>
-            <a:r>
-              <a:rPr lang="en-GB" dirty="0"/>
-              <a:t> a </a:t>
-            </a:r>
-            <a:r>
-              <a:rPr lang="en-GB" dirty="0" err="1"/>
-              <a:t>results</a:t>
-            </a:r>
-            <a:r>
-              <a:rPr lang="en-GB" dirty="0"/>
-              <a:t> folder:</a:t>
-            </a:r>
-          </a:p>
-          <a:p>
-            <a:pPr marL="914400" lvl="2" indent="0">
-              <a:buNone/>
-            </a:pPr>
-            <a:r>
-              <a:rPr lang="en-GB" dirty="0" err="1">
-                <a:latin typeface="Consolas" panose="020B0609020204030204" pitchFamily="49" charset="0"/>
-              </a:rPr>
-              <a:t>resultsfolder</a:t>
-            </a:r>
-            <a:r>
-              <a:rPr lang="en-GB" dirty="0">
-                <a:latin typeface="Consolas" panose="020B0609020204030204" pitchFamily="49" charset="0"/>
-              </a:rPr>
-              <a:t> = 'C:\Users\are\</a:t>
-            </a:r>
-            <a:r>
-              <a:rPr lang="en-GB" dirty="0" err="1">
-                <a:latin typeface="Consolas" panose="020B0609020204030204" pitchFamily="49" charset="0"/>
-              </a:rPr>
-              <a:t>myresults</a:t>
-            </a:r>
-            <a:r>
-              <a:rPr lang="en-GB" dirty="0">
-                <a:latin typeface="Consolas" panose="020B0609020204030204" pitchFamily="49" charset="0"/>
-              </a:rPr>
-              <a:t>\';</a:t>
-            </a:r>
-          </a:p>
-          <a:p>
-            <a:pPr marL="914400" lvl="2" indent="0">
-              <a:buNone/>
-            </a:pPr>
-            <a:r>
-              <a:rPr lang="en-GB" dirty="0" err="1">
-                <a:latin typeface="Consolas" panose="020B0609020204030204" pitchFamily="49" charset="0"/>
-              </a:rPr>
-              <a:t>mkdir</a:t>
-            </a:r>
-            <a:r>
-              <a:rPr lang="en-GB" dirty="0">
-                <a:latin typeface="Consolas" panose="020B0609020204030204" pitchFamily="49" charset="0"/>
-              </a:rPr>
-              <a:t>(</a:t>
-            </a:r>
-            <a:r>
-              <a:rPr lang="en-GB" dirty="0" err="1">
-                <a:latin typeface="Consolas" panose="020B0609020204030204" pitchFamily="49" charset="0"/>
-              </a:rPr>
-              <a:t>resultsfolder</a:t>
-            </a:r>
-            <a:r>
-              <a:rPr lang="en-GB" dirty="0">
-                <a:latin typeface="Consolas" panose="020B0609020204030204" pitchFamily="49" charset="0"/>
-              </a:rPr>
-              <a:t>)</a:t>
-            </a:r>
-          </a:p>
-          <a:p>
-            <a:pPr lvl="1"/>
-            <a:r>
-              <a:rPr lang="en-GB" dirty="0" err="1"/>
-              <a:t>Create</a:t>
-            </a:r>
-            <a:r>
-              <a:rPr lang="en-GB" dirty="0"/>
-              <a:t> subfolder</a:t>
-            </a:r>
-          </a:p>
-          <a:p>
-            <a:pPr marL="457200" lvl="1" indent="0">
-              <a:buNone/>
-            </a:pPr>
-            <a:r>
-              <a:rPr lang="en-GB" dirty="0"/>
-              <a:t>	</a:t>
-            </a:r>
-            <a:r>
-              <a:rPr lang="en-GB" sz="2000" dirty="0" err="1">
-                <a:latin typeface="Consolas" panose="020B0609020204030204" pitchFamily="49" charset="0"/>
-              </a:rPr>
-              <a:t>mkdir</a:t>
-            </a:r>
-            <a:r>
-              <a:rPr lang="en-GB" sz="2000" dirty="0">
-                <a:latin typeface="Consolas" panose="020B0609020204030204" pitchFamily="49" charset="0"/>
-              </a:rPr>
-              <a:t>(resultsfolder,"20231212")</a:t>
-            </a:r>
-            <a:r>
-              <a:rPr lang="en-GB" dirty="0"/>
-              <a:t>	</a:t>
-            </a:r>
-          </a:p>
-          <a:p>
-            <a:pPr lvl="1"/>
-            <a:r>
-              <a:rPr lang="en-GB" dirty="0"/>
-              <a:t>Save tables</a:t>
-            </a:r>
-            <a:br>
-              <a:rPr lang="en-GB" dirty="0"/>
-            </a:br>
-            <a:r>
-              <a:rPr lang="en-GB" dirty="0"/>
-              <a:t>	</a:t>
-            </a:r>
-            <a:r>
-              <a:rPr lang="en-GB" sz="2000" dirty="0">
-                <a:latin typeface="Consolas" panose="020B0609020204030204" pitchFamily="49" charset="0"/>
-              </a:rPr>
-              <a:t>save 20231212/</a:t>
-            </a:r>
-            <a:r>
-              <a:rPr lang="en-GB" sz="2000" dirty="0" err="1">
-                <a:latin typeface="Consolas" panose="020B0609020204030204" pitchFamily="49" charset="0"/>
-              </a:rPr>
-              <a:t>BA.mat</a:t>
-            </a:r>
-            <a:r>
-              <a:rPr lang="en-GB" sz="2000" dirty="0">
-                <a:latin typeface="Consolas" panose="020B0609020204030204" pitchFamily="49" charset="0"/>
-              </a:rPr>
-              <a:t> Trip </a:t>
-            </a:r>
-            <a:r>
-              <a:rPr lang="en-GB" sz="2000" dirty="0" err="1">
-                <a:latin typeface="Consolas" panose="020B0609020204030204" pitchFamily="49" charset="0"/>
-              </a:rPr>
-              <a:t>Tzip</a:t>
-            </a:r>
-            <a:endParaRPr lang="en-GB" sz="2000" dirty="0">
-              <a:latin typeface="Consolas" panose="020B0609020204030204" pitchFamily="49" charset="0"/>
-            </a:endParaRPr>
-          </a:p>
-          <a:p>
-            <a:pPr lvl="1"/>
-            <a:r>
-              <a:rPr lang="en-GB" dirty="0" err="1"/>
-              <a:t>Create</a:t>
-            </a:r>
-            <a:r>
-              <a:rPr lang="en-GB" dirty="0"/>
-              <a:t> Excel file</a:t>
-            </a:r>
-          </a:p>
-          <a:p>
-            <a:pPr marL="0" indent="0">
-              <a:buNone/>
-            </a:pPr>
-            <a:r>
-              <a:rPr lang="en-GB" sz="2000" dirty="0" err="1">
-                <a:latin typeface="Consolas" panose="020B0609020204030204" pitchFamily="49" charset="0"/>
-              </a:rPr>
-              <a:t>writetable</a:t>
-            </a:r>
-            <a:r>
-              <a:rPr lang="en-GB" sz="2000" dirty="0">
-                <a:latin typeface="Consolas" panose="020B0609020204030204" pitchFamily="49" charset="0"/>
-              </a:rPr>
-              <a:t>(</a:t>
-            </a:r>
-            <a:r>
-              <a:rPr lang="en-GB" sz="2000" dirty="0" err="1">
-                <a:latin typeface="Consolas" panose="020B0609020204030204" pitchFamily="49" charset="0"/>
-              </a:rPr>
-              <a:t>Trip,fullfile</a:t>
-            </a:r>
-            <a:r>
-              <a:rPr lang="en-GB" sz="2000" dirty="0">
-                <a:latin typeface="Consolas" panose="020B0609020204030204" pitchFamily="49" charset="0"/>
-              </a:rPr>
-              <a:t>(resultsfolder,"20231212/BA.xlsx"),"</a:t>
-            </a:r>
-            <a:r>
-              <a:rPr lang="en-GB" sz="2000" dirty="0" err="1">
-                <a:latin typeface="Consolas" panose="020B0609020204030204" pitchFamily="49" charset="0"/>
-              </a:rPr>
-              <a:t>Sheet","Rips</a:t>
-            </a:r>
-            <a:r>
-              <a:rPr lang="en-GB" sz="2000" dirty="0">
-                <a:latin typeface="Consolas" panose="020B0609020204030204" pitchFamily="49" charset="0"/>
-              </a:rPr>
-              <a:t>");</a:t>
-            </a:r>
-          </a:p>
-          <a:p>
-            <a:pPr marL="0" indent="0">
-              <a:buNone/>
-            </a:pPr>
-            <a:r>
-              <a:rPr lang="en-GB" sz="2000" dirty="0" err="1">
-                <a:latin typeface="Consolas" panose="020B0609020204030204" pitchFamily="49" charset="0"/>
-              </a:rPr>
-              <a:t>writetable</a:t>
-            </a:r>
-            <a:r>
-              <a:rPr lang="en-GB" sz="2000" dirty="0">
-                <a:latin typeface="Consolas" panose="020B0609020204030204" pitchFamily="49" charset="0"/>
-              </a:rPr>
-              <a:t>(</a:t>
-            </a:r>
-            <a:r>
-              <a:rPr lang="en-GB" sz="2000" dirty="0" err="1">
-                <a:latin typeface="Consolas" panose="020B0609020204030204" pitchFamily="49" charset="0"/>
-              </a:rPr>
-              <a:t>Tzip,fullfile</a:t>
-            </a:r>
-            <a:r>
-              <a:rPr lang="en-GB" sz="2000" dirty="0">
-                <a:latin typeface="Consolas" panose="020B0609020204030204" pitchFamily="49" charset="0"/>
-              </a:rPr>
-              <a:t>(resultsfolder,"20231212/BA.xlsx"),"</a:t>
-            </a:r>
-            <a:r>
-              <a:rPr lang="en-GB" sz="2000" dirty="0" err="1">
-                <a:latin typeface="Consolas" panose="020B0609020204030204" pitchFamily="49" charset="0"/>
-              </a:rPr>
-              <a:t>Sheet",“Zips</a:t>
-            </a:r>
-            <a:r>
-              <a:rPr lang="en-GB" sz="2000" dirty="0">
-                <a:latin typeface="Consolas" panose="020B0609020204030204" pitchFamily="49" charset="0"/>
-              </a:rPr>
-              <a:t>");</a:t>
-            </a:r>
-          </a:p>
-          <a:p>
-            <a:pPr marL="457200" lvl="1" indent="0">
-              <a:buNone/>
-            </a:pPr>
-            <a:endParaRPr lang="en-GB" sz="2000" dirty="0">
-              <a:latin typeface="Consolas" panose="020B0609020204030204" pitchFamily="49" charset="0"/>
-            </a:endParaRPr>
-          </a:p>
-        </p:txBody>
-      </p:sp>
-    </p:spTree>
-    <p:extLst>
-      <p:ext uri="{BB962C8B-B14F-4D97-AF65-F5344CB8AC3E}">
-        <p14:creationId xmlns:p14="http://schemas.microsoft.com/office/powerpoint/2010/main" val="4127174572"/>
-      </p:ext>
-    </p:extLst>
-  </p:cSld>
-  <p:clrMapOvr>
-    <a:masterClrMapping/>
-  </p:clrMapOvr>
-</p:sld>
-</file>
-
 <file path=ppt/slides/slide29.xml><?xml version="1.0" encoding="utf-8"?>
 <p:sld xmlns:a="http://schemas.openxmlformats.org/drawingml/2006/main" xmlns:r="http://schemas.openxmlformats.org/officeDocument/2006/relationships" xmlns:p="http://schemas.openxmlformats.org/presentationml/2006/main">
   <p:cSld>
@@ -11745,7 +11595,7 @@
           <p:cNvPr id="2" name="Title 1">
             <a:extLst>
               <a:ext uri="{FF2B5EF4-FFF2-40B4-BE49-F238E27FC236}">
-                <a16:creationId xmlns:a16="http://schemas.microsoft.com/office/drawing/2014/main" id="{624CB892-5379-B693-0976-3ADA88506E05}"/>
+                <a16:creationId xmlns:a16="http://schemas.microsoft.com/office/drawing/2014/main" id="{C285FB98-B897-4574-450D-72DEB85EE57E}"/>
               </a:ext>
             </a:extLst>
           </p:cNvPr>
@@ -11762,17 +11612,34 @@
           <a:lstStyle/>
           <a:p>
             <a:r>
-              <a:rPr lang="en-GB" dirty="0"/>
-              <a:t>The </a:t>
-            </a:r>
-            <a:r>
               <a:rPr lang="en-GB" dirty="0" err="1"/>
-              <a:t>RipAnalysis</a:t>
-            </a:r>
-            <a:r>
-              <a:rPr lang="en-GB" dirty="0"/>
-              <a:t> Matlab App</a:t>
-            </a:r>
+              <a:t>Exporting</a:t>
+            </a:r>
+            <a:r>
+              <a:rPr lang="en-GB" dirty="0"/>
+              <a:t> </a:t>
+            </a:r>
+            <a:r>
+              <a:rPr lang="en-GB" dirty="0" err="1"/>
+              <a:t>results</a:t>
+            </a:r>
+            <a:r>
+              <a:rPr lang="en-GB" dirty="0"/>
+              <a:t> </a:t>
+            </a:r>
+            <a:r>
+              <a:rPr lang="en-GB" dirty="0" err="1"/>
+              <a:t>tables</a:t>
+            </a:r>
+            <a:r>
+              <a:rPr lang="en-GB" dirty="0"/>
+              <a:t> Trip and </a:t>
+            </a:r>
+            <a:r>
+              <a:rPr lang="en-GB" dirty="0" err="1"/>
+              <a:t>Tzip</a:t>
+            </a:r>
+            <a:endParaRPr lang="en-GB" dirty="0"/>
           </a:p>
         </p:txBody>
       </p:sp>
@@ -11781,7 +11648,7 @@
           <p:cNvPr id="3" name="Content Placeholder 2">
             <a:extLst>
               <a:ext uri="{FF2B5EF4-FFF2-40B4-BE49-F238E27FC236}">
-                <a16:creationId xmlns:a16="http://schemas.microsoft.com/office/drawing/2014/main" id="{26D403B4-3D4C-2078-2A01-4ACE7A34BB43}"/>
+                <a16:creationId xmlns:a16="http://schemas.microsoft.com/office/drawing/2014/main" id="{F0A4A313-7E15-500B-ED77-95FD44C0C03E}"/>
               </a:ext>
             </a:extLst>
           </p:cNvPr>
@@ -11792,7 +11659,12 @@
             <p:ph idx="1"/>
           </p:nvPr>
         </p:nvSpPr>
-        <p:spPr/>
+        <p:spPr>
+          <a:xfrm>
+            <a:off x="838200" y="1825625"/>
+            <a:ext cx="10813026" cy="4351338"/>
+          </a:xfrm>
+        </p:spPr>
         <p:txBody>
           <a:bodyPr>
             <a:normAutofit/>
@@ -11800,61 +11672,291 @@
           <a:lstStyle/>
           <a:p>
             <a:r>
-              <a:rPr lang="en-GB" dirty="0"/>
-              <a:t>Interactive inspection and modification of results</a:t>
-            </a:r>
-          </a:p>
-          <a:p>
-            <a:r>
-              <a:rPr lang="en-GB" dirty="0"/>
-              <a:t>Removal of incorrect rips or zips</a:t>
-            </a:r>
-          </a:p>
-          <a:p>
-            <a:r>
-              <a:rPr lang="en-GB" dirty="0"/>
-              <a:t>Adding missed rips/zips</a:t>
-            </a:r>
-          </a:p>
-          <a:p>
-            <a:r>
-              <a:rPr lang="en-GB" dirty="0"/>
-              <a:t>Plots of f(x) for trace pairs</a:t>
-            </a:r>
-          </a:p>
-          <a:p>
-            <a:r>
-              <a:rPr lang="en-GB" dirty="0"/>
-              <a:t>Removal of irrelevant data at experiment start  or end</a:t>
-            </a:r>
-          </a:p>
-          <a:p>
-            <a:r>
-              <a:rPr lang="en-GB" dirty="0"/>
-              <a:t>Storing corrected results tables</a:t>
-            </a:r>
-          </a:p>
-          <a:p>
-            <a:r>
-              <a:rPr lang="en-GB" dirty="0"/>
-              <a:t>Experiment files are not changed</a:t>
-            </a:r>
-          </a:p>
-          <a:p>
-            <a:r>
-              <a:rPr lang="en-GB" dirty="0"/>
-              <a:t>Recreate plots from stored results tables and original file</a:t>
-            </a:r>
-          </a:p>
-          <a:p>
-            <a:endParaRPr lang="en-GB" dirty="0"/>
+              <a:rPr lang="en-GB" dirty="0" err="1"/>
+              <a:t>Tables</a:t>
+            </a:r>
+            <a:r>
+              <a:rPr lang="en-GB" dirty="0"/>
+              <a:t> </a:t>
+            </a:r>
+            <a:r>
+              <a:rPr lang="en-GB" dirty="0" err="1"/>
+              <a:t>may</a:t>
+            </a:r>
+            <a:r>
+              <a:rPr lang="en-GB" dirty="0"/>
+              <a:t> be </a:t>
+            </a:r>
+            <a:r>
+              <a:rPr lang="en-GB" dirty="0" err="1"/>
+              <a:t>exported</a:t>
+            </a:r>
+            <a:r>
+              <a:rPr lang="en-GB" dirty="0"/>
+              <a:t> to Excel:</a:t>
+            </a:r>
+          </a:p>
+          <a:p>
+            <a:pPr lvl="1"/>
+            <a:r>
+              <a:rPr lang="en-GB" dirty="0" err="1"/>
+              <a:t>Create</a:t>
+            </a:r>
+            <a:r>
+              <a:rPr lang="en-GB" dirty="0"/>
+              <a:t> a </a:t>
+            </a:r>
+            <a:r>
+              <a:rPr lang="en-GB" dirty="0" err="1"/>
+              <a:t>results</a:t>
+            </a:r>
+            <a:r>
+              <a:rPr lang="en-GB" dirty="0"/>
+              <a:t> folder:</a:t>
+            </a:r>
+          </a:p>
+          <a:p>
+            <a:pPr marL="914400" lvl="2" indent="0">
+              <a:buNone/>
+            </a:pPr>
+            <a:r>
+              <a:rPr lang="en-GB" dirty="0" err="1">
+                <a:latin typeface="Consolas" panose="020B0609020204030204" pitchFamily="49" charset="0"/>
+              </a:rPr>
+              <a:t>resultsfolder</a:t>
+            </a:r>
+            <a:r>
+              <a:rPr lang="en-GB" dirty="0">
+                <a:latin typeface="Consolas" panose="020B0609020204030204" pitchFamily="49" charset="0"/>
+              </a:rPr>
+              <a:t> = 'C:\Users\are\</a:t>
+            </a:r>
+            <a:r>
+              <a:rPr lang="en-GB" dirty="0" err="1">
+                <a:latin typeface="Consolas" panose="020B0609020204030204" pitchFamily="49" charset="0"/>
+              </a:rPr>
+              <a:t>myresults</a:t>
+            </a:r>
+            <a:r>
+              <a:rPr lang="en-GB" dirty="0">
+                <a:latin typeface="Consolas" panose="020B0609020204030204" pitchFamily="49" charset="0"/>
+              </a:rPr>
+              <a:t>\';</a:t>
+            </a:r>
+          </a:p>
+          <a:p>
+            <a:pPr marL="914400" lvl="2" indent="0">
+              <a:buNone/>
+            </a:pPr>
+            <a:r>
+              <a:rPr lang="en-GB" dirty="0" err="1">
+                <a:latin typeface="Consolas" panose="020B0609020204030204" pitchFamily="49" charset="0"/>
+              </a:rPr>
+              <a:t>mkdir</a:t>
+            </a:r>
+            <a:r>
+              <a:rPr lang="en-GB" dirty="0">
+                <a:latin typeface="Consolas" panose="020B0609020204030204" pitchFamily="49" charset="0"/>
+              </a:rPr>
+              <a:t>(</a:t>
+            </a:r>
+            <a:r>
+              <a:rPr lang="en-GB" dirty="0" err="1">
+                <a:latin typeface="Consolas" panose="020B0609020204030204" pitchFamily="49" charset="0"/>
+              </a:rPr>
+              <a:t>resultsfolder</a:t>
+            </a:r>
+            <a:r>
+              <a:rPr lang="en-GB" dirty="0">
+                <a:latin typeface="Consolas" panose="020B0609020204030204" pitchFamily="49" charset="0"/>
+              </a:rPr>
+              <a:t>)</a:t>
+            </a:r>
+          </a:p>
+          <a:p>
+            <a:pPr lvl="1"/>
+            <a:r>
+              <a:rPr lang="en-GB" dirty="0" err="1"/>
+              <a:t>Create</a:t>
+            </a:r>
+            <a:r>
+              <a:rPr lang="en-GB" dirty="0"/>
+              <a:t> subfolder</a:t>
+            </a:r>
+          </a:p>
+          <a:p>
+            <a:pPr marL="457200" lvl="1" indent="0">
+              <a:buNone/>
+            </a:pPr>
+            <a:r>
+              <a:rPr lang="en-GB" dirty="0"/>
+              <a:t>	</a:t>
+            </a:r>
+            <a:r>
+              <a:rPr lang="en-GB" sz="2000" dirty="0" err="1">
+                <a:latin typeface="Consolas" panose="020B0609020204030204" pitchFamily="49" charset="0"/>
+              </a:rPr>
+              <a:t>mkdir</a:t>
+            </a:r>
+            <a:r>
+              <a:rPr lang="en-GB" sz="2000" dirty="0">
+                <a:latin typeface="Consolas" panose="020B0609020204030204" pitchFamily="49" charset="0"/>
+              </a:rPr>
+              <a:t>(resultsfolder,"20231212")</a:t>
+            </a:r>
+            <a:r>
+              <a:rPr lang="en-GB" dirty="0"/>
+              <a:t>	</a:t>
+            </a:r>
+          </a:p>
+          <a:p>
+            <a:pPr lvl="1"/>
+            <a:r>
+              <a:rPr lang="en-GB" dirty="0"/>
+              <a:t>Save tables</a:t>
+            </a:r>
+            <a:br>
+              <a:rPr lang="en-GB" dirty="0"/>
+            </a:br>
+            <a:r>
+              <a:rPr lang="en-GB" dirty="0"/>
+              <a:t>	</a:t>
+            </a:r>
+            <a:r>
+              <a:rPr lang="en-GB" sz="2000" dirty="0">
+                <a:latin typeface="Consolas" panose="020B0609020204030204" pitchFamily="49" charset="0"/>
+              </a:rPr>
+              <a:t>save 20231212/</a:t>
+            </a:r>
+            <a:r>
+              <a:rPr lang="en-GB" sz="2000" dirty="0" err="1">
+                <a:latin typeface="Consolas" panose="020B0609020204030204" pitchFamily="49" charset="0"/>
+              </a:rPr>
+              <a:t>BA.mat</a:t>
+            </a:r>
+            <a:r>
+              <a:rPr lang="en-GB" sz="2000" dirty="0">
+                <a:latin typeface="Consolas" panose="020B0609020204030204" pitchFamily="49" charset="0"/>
+              </a:rPr>
+              <a:t> Trip </a:t>
+            </a:r>
+            <a:r>
+              <a:rPr lang="en-GB" sz="2000" dirty="0" err="1">
+                <a:latin typeface="Consolas" panose="020B0609020204030204" pitchFamily="49" charset="0"/>
+              </a:rPr>
+              <a:t>Tzip</a:t>
+            </a:r>
+            <a:endParaRPr lang="en-GB" sz="2000" dirty="0">
+              <a:latin typeface="Consolas" panose="020B0609020204030204" pitchFamily="49" charset="0"/>
+            </a:endParaRPr>
+          </a:p>
+          <a:p>
+            <a:pPr lvl="1"/>
+            <a:r>
+              <a:rPr lang="en-GB" dirty="0" err="1"/>
+              <a:t>Create</a:t>
+            </a:r>
+            <a:r>
+              <a:rPr lang="en-GB" dirty="0"/>
+              <a:t> Excel file</a:t>
+            </a:r>
+          </a:p>
+          <a:p>
+            <a:pPr marL="0" indent="0">
+              <a:buNone/>
+            </a:pPr>
+            <a:r>
+              <a:rPr lang="en-GB" sz="2000" dirty="0" err="1">
+                <a:latin typeface="Consolas" panose="020B0609020204030204" pitchFamily="49" charset="0"/>
+              </a:rPr>
+              <a:t>writetable</a:t>
+            </a:r>
+            <a:r>
+              <a:rPr lang="en-GB" sz="2000" dirty="0">
+                <a:latin typeface="Consolas" panose="020B0609020204030204" pitchFamily="49" charset="0"/>
+              </a:rPr>
+              <a:t>(</a:t>
+            </a:r>
+            <a:r>
+              <a:rPr lang="en-GB" sz="2000" dirty="0" err="1">
+                <a:latin typeface="Consolas" panose="020B0609020204030204" pitchFamily="49" charset="0"/>
+              </a:rPr>
+              <a:t>Trip,fullfile</a:t>
+            </a:r>
+            <a:r>
+              <a:rPr lang="en-GB" sz="2000" dirty="0">
+                <a:latin typeface="Consolas" panose="020B0609020204030204" pitchFamily="49" charset="0"/>
+              </a:rPr>
+              <a:t>(resultsfolder,"20231212/BA.xlsx"),"</a:t>
+            </a:r>
+            <a:r>
+              <a:rPr lang="en-GB" sz="2000" dirty="0" err="1">
+                <a:latin typeface="Consolas" panose="020B0609020204030204" pitchFamily="49" charset="0"/>
+              </a:rPr>
+              <a:t>Sheet","Rips</a:t>
+            </a:r>
+            <a:r>
+              <a:rPr lang="en-GB" sz="2000" dirty="0">
+                <a:latin typeface="Consolas" panose="020B0609020204030204" pitchFamily="49" charset="0"/>
+              </a:rPr>
+              <a:t>");</a:t>
+            </a:r>
+          </a:p>
+          <a:p>
+            <a:pPr marL="0" indent="0">
+              <a:buNone/>
+            </a:pPr>
+            <a:r>
+              <a:rPr lang="en-GB" sz="2000" dirty="0" err="1">
+                <a:latin typeface="Consolas" panose="020B0609020204030204" pitchFamily="49" charset="0"/>
+              </a:rPr>
+              <a:t>writetable</a:t>
+            </a:r>
+            <a:r>
+              <a:rPr lang="en-GB" sz="2000" dirty="0">
+                <a:latin typeface="Consolas" panose="020B0609020204030204" pitchFamily="49" charset="0"/>
+              </a:rPr>
+              <a:t>(</a:t>
+            </a:r>
+            <a:r>
+              <a:rPr lang="en-GB" sz="2000" dirty="0" err="1">
+                <a:latin typeface="Consolas" panose="020B0609020204030204" pitchFamily="49" charset="0"/>
+              </a:rPr>
+              <a:t>Tzip,fullfile</a:t>
+            </a:r>
+            <a:r>
+              <a:rPr lang="en-GB" sz="2000" dirty="0">
+                <a:latin typeface="Consolas" panose="020B0609020204030204" pitchFamily="49" charset="0"/>
+              </a:rPr>
+              <a:t>(resultsfolder,"20231212/BA.xlsx"),"</a:t>
+            </a:r>
+            <a:r>
+              <a:rPr lang="en-GB" sz="2000" dirty="0" err="1">
+                <a:latin typeface="Consolas" panose="020B0609020204030204" pitchFamily="49" charset="0"/>
+              </a:rPr>
+              <a:t>Sheet",“Zips</a:t>
+            </a:r>
+            <a:r>
+              <a:rPr lang="en-GB" sz="2000" dirty="0">
+                <a:latin typeface="Consolas" panose="020B0609020204030204" pitchFamily="49" charset="0"/>
+              </a:rPr>
+              <a:t>");</a:t>
+            </a:r>
+          </a:p>
+          <a:p>
+            <a:pPr marL="457200" lvl="1" indent="0">
+              <a:buNone/>
+            </a:pPr>
+            <a:endParaRPr lang="en-GB" sz="2000" dirty="0">
+              <a:latin typeface="Consolas" panose="020B0609020204030204" pitchFamily="49" charset="0"/>
+            </a:endParaRPr>
           </a:p>
         </p:txBody>
       </p:sp>
     </p:spTree>
     <p:extLst>
       <p:ext uri="{BB962C8B-B14F-4D97-AF65-F5344CB8AC3E}">
-        <p14:creationId xmlns:p14="http://schemas.microsoft.com/office/powerpoint/2010/main" val="951015916"/>
+        <p14:creationId xmlns:p14="http://schemas.microsoft.com/office/powerpoint/2010/main" val="4127174572"/>
       </p:ext>
     </p:extLst>
   </p:cSld>
@@ -12034,6 +12136,147 @@
           <a:chExt cx="0" cy="0"/>
         </a:xfrm>
       </p:grpSpPr>
+      <p:sp>
+        <p:nvSpPr>
+          <p:cNvPr id="2" name="Title 1">
+            <a:extLst>
+              <a:ext uri="{FF2B5EF4-FFF2-40B4-BE49-F238E27FC236}">
+                <a16:creationId xmlns:a16="http://schemas.microsoft.com/office/drawing/2014/main" id="{624CB892-5379-B693-0976-3ADA88506E05}"/>
+              </a:ext>
+            </a:extLst>
+          </p:cNvPr>
+          <p:cNvSpPr>
+            <a:spLocks noGrp="1"/>
+          </p:cNvSpPr>
+          <p:nvPr>
+            <p:ph type="title"/>
+          </p:nvPr>
+        </p:nvSpPr>
+        <p:spPr/>
+        <p:txBody>
+          <a:bodyPr/>
+          <a:lstStyle/>
+          <a:p>
+            <a:r>
+              <a:rPr lang="en-GB" dirty="0"/>
+              <a:t>The </a:t>
+            </a:r>
+            <a:r>
+              <a:rPr lang="en-GB" dirty="0" err="1"/>
+              <a:t>RipAnalysis</a:t>
+            </a:r>
+            <a:r>
+              <a:rPr lang="en-GB" dirty="0"/>
+              <a:t> Matlab App</a:t>
+            </a:r>
+          </a:p>
+        </p:txBody>
+      </p:sp>
+      <p:sp>
+        <p:nvSpPr>
+          <p:cNvPr id="3" name="Content Placeholder 2">
+            <a:extLst>
+              <a:ext uri="{FF2B5EF4-FFF2-40B4-BE49-F238E27FC236}">
+                <a16:creationId xmlns:a16="http://schemas.microsoft.com/office/drawing/2014/main" id="{26D403B4-3D4C-2078-2A01-4ACE7A34BB43}"/>
+              </a:ext>
+            </a:extLst>
+          </p:cNvPr>
+          <p:cNvSpPr>
+            <a:spLocks noGrp="1"/>
+          </p:cNvSpPr>
+          <p:nvPr>
+            <p:ph idx="1"/>
+          </p:nvPr>
+        </p:nvSpPr>
+        <p:spPr/>
+        <p:txBody>
+          <a:bodyPr>
+            <a:normAutofit/>
+          </a:bodyPr>
+          <a:lstStyle/>
+          <a:p>
+            <a:r>
+              <a:rPr lang="en-GB" dirty="0"/>
+              <a:t>Interactive inspection and modification of results</a:t>
+            </a:r>
+          </a:p>
+          <a:p>
+            <a:r>
+              <a:rPr lang="en-GB" dirty="0"/>
+              <a:t>Removal of incorrect rips or zips</a:t>
+            </a:r>
+          </a:p>
+          <a:p>
+            <a:r>
+              <a:rPr lang="en-GB" dirty="0"/>
+              <a:t>Adding missed rips/zips</a:t>
+            </a:r>
+          </a:p>
+          <a:p>
+            <a:r>
+              <a:rPr lang="en-GB" dirty="0"/>
+              <a:t>Plots of f(x) for trace pairs</a:t>
+            </a:r>
+          </a:p>
+          <a:p>
+            <a:r>
+              <a:rPr lang="en-GB" dirty="0"/>
+              <a:t>Removal of irrelevant data at experiment start  or end</a:t>
+            </a:r>
+          </a:p>
+          <a:p>
+            <a:r>
+              <a:rPr lang="en-GB" dirty="0"/>
+              <a:t>Storing corrected results tables</a:t>
+            </a:r>
+          </a:p>
+          <a:p>
+            <a:r>
+              <a:rPr lang="en-GB" dirty="0"/>
+              <a:t>Experiment files are not changed</a:t>
+            </a:r>
+          </a:p>
+          <a:p>
+            <a:r>
+              <a:rPr lang="en-GB" dirty="0"/>
+              <a:t>Recreate plots from stored results tables and original file</a:t>
+            </a:r>
+          </a:p>
+          <a:p>
+            <a:endParaRPr lang="en-GB" dirty="0"/>
+          </a:p>
+        </p:txBody>
+      </p:sp>
+    </p:spTree>
+    <p:extLst>
+      <p:ext uri="{BB962C8B-B14F-4D97-AF65-F5344CB8AC3E}">
+        <p14:creationId xmlns:p14="http://schemas.microsoft.com/office/powerpoint/2010/main" val="951015916"/>
+      </p:ext>
+    </p:extLst>
+  </p:cSld>
+  <p:clrMapOvr>
+    <a:masterClrMapping/>
+  </p:clrMapOvr>
+</p:sld>
+</file>
+
+<file path=ppt/slides/slide31.xml><?xml version="1.0" encoding="utf-8"?>
+<p:sld xmlns:a="http://schemas.openxmlformats.org/drawingml/2006/main" xmlns:r="http://schemas.openxmlformats.org/officeDocument/2006/relationships" xmlns:p="http://schemas.openxmlformats.org/presentationml/2006/main">
+  <p:cSld>
+    <p:spTree>
+      <p:nvGrpSpPr>
+        <p:cNvPr id="1" name=""/>
+        <p:cNvGrpSpPr/>
+        <p:nvPr/>
+      </p:nvGrpSpPr>
+      <p:grpSpPr>
+        <a:xfrm>
+          <a:off x="0" y="0"/>
+          <a:ext cx="0" cy="0"/>
+          <a:chOff x="0" y="0"/>
+          <a:chExt cx="0" cy="0"/>
+        </a:xfrm>
+      </p:grpSpPr>
       <p:pic>
         <p:nvPicPr>
           <p:cNvPr id="3" name="Picture 2">
@@ -12076,7 +12319,7 @@
 </p:sld>
 </file>
 
-<file path=ppt/slides/slide31.xml><?xml version="1.0" encoding="utf-8"?>
+<file path=ppt/slides/slide32.xml><?xml version="1.0" encoding="utf-8"?>
 <p:sld xmlns:a="http://schemas.openxmlformats.org/drawingml/2006/main" xmlns:r="http://schemas.openxmlformats.org/officeDocument/2006/relationships" xmlns:p="http://schemas.openxmlformats.org/presentationml/2006/main">
   <p:cSld>
     <p:spTree>
@@ -12471,7 +12714,7 @@
 </p:sld>
 </file>
 
-<file path=ppt/slides/slide32.xml><?xml version="1.0" encoding="utf-8"?>
+<file path=ppt/slides/slide33.xml><?xml version="1.0" encoding="utf-8"?>
 <p:sld xmlns:a="http://schemas.openxmlformats.org/drawingml/2006/main" xmlns:r="http://schemas.openxmlformats.org/officeDocument/2006/relationships" xmlns:p="http://schemas.openxmlformats.org/presentationml/2006/main">
   <p:cSld>
     <p:spTree>
@@ -12575,7 +12818,7 @@
 </p:sld>
 </file>
 
-<file path=ppt/slides/slide33.xml><?xml version="1.0" encoding="utf-8"?>
+<file path=ppt/slides/slide34.xml><?xml version="1.0" encoding="utf-8"?>
 <p:sld xmlns:a="http://schemas.openxmlformats.org/drawingml/2006/main" xmlns:r="http://schemas.openxmlformats.org/officeDocument/2006/relationships" xmlns:p="http://schemas.openxmlformats.org/presentationml/2006/main">
   <p:cSld>
     <p:spTree>
@@ -12700,7 +12943,7 @@
 </p:sld>
 </file>
 
-<file path=ppt/slides/slide34.xml><?xml version="1.0" encoding="utf-8"?>
+<file path=ppt/slides/slide35.xml><?xml version="1.0" encoding="utf-8"?>
 <p:sld xmlns:a="http://schemas.openxmlformats.org/drawingml/2006/main" xmlns:r="http://schemas.openxmlformats.org/officeDocument/2006/relationships" xmlns:p="http://schemas.openxmlformats.org/presentationml/2006/main">
   <p:cSld>
     <p:spTree>
@@ -13765,178 +14008,6 @@
 </p:sld>
 </file>
 
-<file path=ppt/slides/slide35.xml><?xml version="1.0" encoding="utf-8"?>
-<p:sld xmlns:a="http://schemas.openxmlformats.org/drawingml/2006/main" xmlns:r="http://schemas.openxmlformats.org/officeDocument/2006/relationships" xmlns:p="http://schemas.openxmlformats.org/presentationml/2006/main">
-  <p:cSld>
-    <p:spTree>
-      <p:nvGrpSpPr>
-        <p:cNvPr id="1" name=""/>
-        <p:cNvGrpSpPr/>
-        <p:nvPr/>
-      </p:nvGrpSpPr>
-      <p:grpSpPr>
-        <a:xfrm>
-          <a:off x="0" y="0"/>
-          <a:ext cx="0" cy="0"/>
-          <a:chOff x="0" y="0"/>
-          <a:chExt cx="0" cy="0"/>
-        </a:xfrm>
-      </p:grpSpPr>
-      <p:sp>
-        <p:nvSpPr>
-          <p:cNvPr id="2" name="Title 1">
-            <a:extLst>
-              <a:ext uri="{FF2B5EF4-FFF2-40B4-BE49-F238E27FC236}">
-                <a16:creationId xmlns:a16="http://schemas.microsoft.com/office/drawing/2014/main" id="{78D0C970-EEBF-05B1-FF2C-E7E978A7A8DA}"/>
-              </a:ext>
-            </a:extLst>
-          </p:cNvPr>
-          <p:cNvSpPr>
-            <a:spLocks noGrp="1"/>
-          </p:cNvSpPr>
-          <p:nvPr>
-            <p:ph type="title"/>
-          </p:nvPr>
-        </p:nvSpPr>
-        <p:spPr/>
-        <p:txBody>
-          <a:bodyPr/>
-          <a:lstStyle/>
-          <a:p>
-            <a:r>
-              <a:rPr lang="en-GB" dirty="0"/>
-              <a:t>Technical details: Naming conventions</a:t>
-            </a:r>
-          </a:p>
-        </p:txBody>
-      </p:sp>
-      <p:sp>
-        <p:nvSpPr>
-          <p:cNvPr id="3" name="Content Placeholder 2">
-            <a:extLst>
-              <a:ext uri="{FF2B5EF4-FFF2-40B4-BE49-F238E27FC236}">
-                <a16:creationId xmlns:a16="http://schemas.microsoft.com/office/drawing/2014/main" id="{5450935E-3A40-D7CF-8176-D0364C5C9505}"/>
-              </a:ext>
-            </a:extLst>
-          </p:cNvPr>
-          <p:cNvSpPr>
-            <a:spLocks noGrp="1"/>
-          </p:cNvSpPr>
-          <p:nvPr>
-            <p:ph idx="1"/>
-          </p:nvPr>
-        </p:nvSpPr>
-        <p:spPr/>
-        <p:txBody>
-          <a:bodyPr>
-            <a:normAutofit/>
-          </a:bodyPr>
-          <a:lstStyle/>
-          <a:p>
-            <a:r>
-              <a:rPr lang="en-GB" dirty="0"/>
-              <a:t>Experiment file naming conventions</a:t>
-            </a:r>
-          </a:p>
-          <a:p>
-            <a:pPr lvl="1"/>
-            <a:r>
-              <a:rPr lang="en-GB" dirty="0"/>
-              <a:t>Fiber (individual protein molecule) named by one or two lowercase letters</a:t>
-            </a:r>
-          </a:p>
-          <a:p>
-            <a:pPr lvl="1"/>
-            <a:r>
-              <a:rPr lang="en-GB" dirty="0"/>
-              <a:t>Data from a long experiment may be split over several files. Marked by uppercase letters</a:t>
-            </a:r>
-          </a:p>
-          <a:p>
-            <a:r>
-              <a:rPr lang="en-GB" dirty="0"/>
-              <a:t>Bath Temperature</a:t>
-            </a:r>
-          </a:p>
-          <a:p>
-            <a:pPr lvl="1"/>
-            <a:r>
-              <a:rPr lang="en-GB" dirty="0"/>
-              <a:t>Bath temperature is reported in the COM file as Temperature B.</a:t>
-            </a:r>
-          </a:p>
-          <a:p>
-            <a:pPr lvl="1"/>
-            <a:r>
-              <a:rPr lang="en-GB" dirty="0"/>
-              <a:t>COM file name is given by the </a:t>
-            </a:r>
-            <a:r>
-              <a:rPr lang="en-GB" dirty="0" err="1"/>
-              <a:t>fiber</a:t>
-            </a:r>
-            <a:r>
-              <a:rPr lang="en-GB" dirty="0"/>
-              <a:t> name</a:t>
-            </a:r>
-          </a:p>
-          <a:p>
-            <a:pPr lvl="1"/>
-            <a:endParaRPr lang="en-GB" dirty="0"/>
-          </a:p>
-          <a:p>
-            <a:pPr lvl="1"/>
-            <a:r>
-              <a:rPr lang="en-GB" dirty="0"/>
-              <a:t>aA.txt aB.txt: Data from long experiment using </a:t>
-            </a:r>
-            <a:r>
-              <a:rPr lang="en-GB" dirty="0" err="1"/>
-              <a:t>fiber</a:t>
-            </a:r>
-            <a:r>
-              <a:rPr lang="en-GB" dirty="0"/>
-              <a:t> a. COM file:  aCOM.txt</a:t>
-            </a:r>
-          </a:p>
-          <a:p>
-            <a:pPr lvl="1"/>
-            <a:r>
-              <a:rPr lang="en-GB" dirty="0"/>
-              <a:t>abA.txt:   Experiment using </a:t>
-            </a:r>
-            <a:r>
-              <a:rPr lang="en-GB" dirty="0" err="1"/>
-              <a:t>fiber</a:t>
-            </a:r>
-            <a:r>
-              <a:rPr lang="en-GB" dirty="0"/>
-              <a:t> ab. COM file: abCOM.txt</a:t>
-            </a:r>
-          </a:p>
-          <a:p>
-            <a:pPr lvl="1"/>
-            <a:endParaRPr lang="en-GB" dirty="0"/>
-          </a:p>
-          <a:p>
-            <a:pPr lvl="1"/>
-            <a:endParaRPr lang="en-GB" dirty="0"/>
-          </a:p>
-        </p:txBody>
-      </p:sp>
-    </p:spTree>
-    <p:extLst>
-      <p:ext uri="{BB962C8B-B14F-4D97-AF65-F5344CB8AC3E}">
-        <p14:creationId xmlns:p14="http://schemas.microsoft.com/office/powerpoint/2010/main" val="2086630511"/>
-      </p:ext>
-    </p:extLst>
-  </p:cSld>
-  <p:clrMapOvr>
-    <a:masterClrMapping/>
-  </p:clrMapOvr>
-</p:sld>
-</file>
-
 <file path=ppt/slides/slide36.xml><?xml version="1.0" encoding="utf-8"?>
 <p:sld xmlns:a="http://schemas.openxmlformats.org/drawingml/2006/main" xmlns:r="http://schemas.openxmlformats.org/officeDocument/2006/relationships" xmlns:p="http://schemas.openxmlformats.org/presentationml/2006/main">
   <p:cSld>
@@ -13959,6 +14030,178 @@
           <p:cNvPr id="2" name="Title 1">
             <a:extLst>
               <a:ext uri="{FF2B5EF4-FFF2-40B4-BE49-F238E27FC236}">
+                <a16:creationId xmlns:a16="http://schemas.microsoft.com/office/drawing/2014/main" id="{78D0C970-EEBF-05B1-FF2C-E7E978A7A8DA}"/>
+              </a:ext>
+            </a:extLst>
+          </p:cNvPr>
+          <p:cNvSpPr>
+            <a:spLocks noGrp="1"/>
+          </p:cNvSpPr>
+          <p:nvPr>
+            <p:ph type="title"/>
+          </p:nvPr>
+        </p:nvSpPr>
+        <p:spPr/>
+        <p:txBody>
+          <a:bodyPr/>
+          <a:lstStyle/>
+          <a:p>
+            <a:r>
+              <a:rPr lang="en-GB" dirty="0"/>
+              <a:t>Technical details: Naming conventions</a:t>
+            </a:r>
+          </a:p>
+        </p:txBody>
+      </p:sp>
+      <p:sp>
+        <p:nvSpPr>
+          <p:cNvPr id="3" name="Content Placeholder 2">
+            <a:extLst>
+              <a:ext uri="{FF2B5EF4-FFF2-40B4-BE49-F238E27FC236}">
+                <a16:creationId xmlns:a16="http://schemas.microsoft.com/office/drawing/2014/main" id="{5450935E-3A40-D7CF-8176-D0364C5C9505}"/>
+              </a:ext>
+            </a:extLst>
+          </p:cNvPr>
+          <p:cNvSpPr>
+            <a:spLocks noGrp="1"/>
+          </p:cNvSpPr>
+          <p:nvPr>
+            <p:ph idx="1"/>
+          </p:nvPr>
+        </p:nvSpPr>
+        <p:spPr/>
+        <p:txBody>
+          <a:bodyPr>
+            <a:normAutofit/>
+          </a:bodyPr>
+          <a:lstStyle/>
+          <a:p>
+            <a:r>
+              <a:rPr lang="en-GB" dirty="0"/>
+              <a:t>Experiment file naming conventions</a:t>
+            </a:r>
+          </a:p>
+          <a:p>
+            <a:pPr lvl="1"/>
+            <a:r>
+              <a:rPr lang="en-GB" dirty="0"/>
+              <a:t>Fiber (individual protein molecule) named by one or two lowercase letters</a:t>
+            </a:r>
+          </a:p>
+          <a:p>
+            <a:pPr lvl="1"/>
+            <a:r>
+              <a:rPr lang="en-GB" dirty="0"/>
+              <a:t>Data from a long experiment may be split over several files. Marked by uppercase letters</a:t>
+            </a:r>
+          </a:p>
+          <a:p>
+            <a:r>
+              <a:rPr lang="en-GB" dirty="0"/>
+              <a:t>Bath Temperature</a:t>
+            </a:r>
+          </a:p>
+          <a:p>
+            <a:pPr lvl="1"/>
+            <a:r>
+              <a:rPr lang="en-GB" dirty="0"/>
+              <a:t>Bath temperature is reported in the COM file as Temperature B.</a:t>
+            </a:r>
+          </a:p>
+          <a:p>
+            <a:pPr lvl="1"/>
+            <a:r>
+              <a:rPr lang="en-GB" dirty="0"/>
+              <a:t>COM file name is given by the </a:t>
+            </a:r>
+            <a:r>
+              <a:rPr lang="en-GB" dirty="0" err="1"/>
+              <a:t>fiber</a:t>
+            </a:r>
+            <a:r>
+              <a:rPr lang="en-GB" dirty="0"/>
+              <a:t> name</a:t>
+            </a:r>
+          </a:p>
+          <a:p>
+            <a:pPr lvl="1"/>
+            <a:endParaRPr lang="en-GB" dirty="0"/>
+          </a:p>
+          <a:p>
+            <a:pPr lvl="1"/>
+            <a:r>
+              <a:rPr lang="en-GB" dirty="0"/>
+              <a:t>aA.txt aB.txt: Data from long experiment using </a:t>
+            </a:r>
+            <a:r>
+              <a:rPr lang="en-GB" dirty="0" err="1"/>
+              <a:t>fiber</a:t>
+            </a:r>
+            <a:r>
+              <a:rPr lang="en-GB" dirty="0"/>
+              <a:t> a. COM file:  aCOM.txt</a:t>
+            </a:r>
+          </a:p>
+          <a:p>
+            <a:pPr lvl="1"/>
+            <a:r>
+              <a:rPr lang="en-GB" dirty="0"/>
+              <a:t>abA.txt:   Experiment using </a:t>
+            </a:r>
+            <a:r>
+              <a:rPr lang="en-GB" dirty="0" err="1"/>
+              <a:t>fiber</a:t>
+            </a:r>
+            <a:r>
+              <a:rPr lang="en-GB" dirty="0"/>
+              <a:t> ab. COM file: abCOM.txt</a:t>
+            </a:r>
+          </a:p>
+          <a:p>
+            <a:pPr lvl="1"/>
+            <a:endParaRPr lang="en-GB" dirty="0"/>
+          </a:p>
+          <a:p>
+            <a:pPr lvl="1"/>
+            <a:endParaRPr lang="en-GB" dirty="0"/>
+          </a:p>
+        </p:txBody>
+      </p:sp>
+    </p:spTree>
+    <p:extLst>
+      <p:ext uri="{BB962C8B-B14F-4D97-AF65-F5344CB8AC3E}">
+        <p14:creationId xmlns:p14="http://schemas.microsoft.com/office/powerpoint/2010/main" val="2086630511"/>
+      </p:ext>
+    </p:extLst>
+  </p:cSld>
+  <p:clrMapOvr>
+    <a:masterClrMapping/>
+  </p:clrMapOvr>
+</p:sld>
+</file>
+
+<file path=ppt/slides/slide37.xml><?xml version="1.0" encoding="utf-8"?>
+<p:sld xmlns:a="http://schemas.openxmlformats.org/drawingml/2006/main" xmlns:r="http://schemas.openxmlformats.org/officeDocument/2006/relationships" xmlns:p="http://schemas.openxmlformats.org/presentationml/2006/main">
+  <p:cSld>
+    <p:spTree>
+      <p:nvGrpSpPr>
+        <p:cNvPr id="1" name=""/>
+        <p:cNvGrpSpPr/>
+        <p:nvPr/>
+      </p:nvGrpSpPr>
+      <p:grpSpPr>
+        <a:xfrm>
+          <a:off x="0" y="0"/>
+          <a:ext cx="0" cy="0"/>
+          <a:chOff x="0" y="0"/>
+          <a:chExt cx="0" cy="0"/>
+        </a:xfrm>
+      </p:grpSpPr>
+      <p:sp>
+        <p:nvSpPr>
+          <p:cNvPr id="2" name="Title 1">
+            <a:extLst>
+              <a:ext uri="{FF2B5EF4-FFF2-40B4-BE49-F238E27FC236}">
                 <a16:creationId xmlns:a16="http://schemas.microsoft.com/office/drawing/2014/main" id="{46C48805-6E71-9540-F0AA-92613C975FBF}"/>
               </a:ext>
             </a:extLst>
@@ -14162,7 +14405,7 @@
 </p:sld>
 </file>
 
-<file path=ppt/slides/slide37.xml><?xml version="1.0" encoding="utf-8"?>
+<file path=ppt/slides/slide38.xml><?xml version="1.0" encoding="utf-8"?>
 <p:sld xmlns:a="http://schemas.openxmlformats.org/drawingml/2006/main" xmlns:r="http://schemas.openxmlformats.org/officeDocument/2006/relationships" xmlns:p="http://schemas.openxmlformats.org/presentationml/2006/main">
   <p:cSld>
     <p:spTree>
@@ -14852,7 +15095,7 @@
 </p:sld>
 </file>
 
-<file path=ppt/slides/slide38.xml><?xml version="1.0" encoding="utf-8"?>
+<file path=ppt/slides/slide39.xml><?xml version="1.0" encoding="utf-8"?>
 <p:sld xmlns:a="http://schemas.openxmlformats.org/drawingml/2006/main" xmlns:r="http://schemas.openxmlformats.org/officeDocument/2006/relationships" xmlns:p="http://schemas.openxmlformats.org/presentationml/2006/main">
   <p:cSld>
     <p:spTree>

--- a/Summer school 2024/Analysis of protein stretching experiments.pptx
+++ b/Summer school 2024/Analysis of protein stretching experiments.pptx
@@ -15,35 +15,34 @@
     <p:sldId id="298" r:id="rId9"/>
     <p:sldId id="276" r:id="rId10"/>
     <p:sldId id="277" r:id="rId11"/>
-    <p:sldId id="318" r:id="rId12"/>
-    <p:sldId id="278" r:id="rId13"/>
-    <p:sldId id="279" r:id="rId14"/>
-    <p:sldId id="286" r:id="rId15"/>
-    <p:sldId id="287" r:id="rId16"/>
-    <p:sldId id="266" r:id="rId17"/>
-    <p:sldId id="268" r:id="rId18"/>
-    <p:sldId id="267" r:id="rId19"/>
-    <p:sldId id="293" r:id="rId20"/>
-    <p:sldId id="294" r:id="rId21"/>
-    <p:sldId id="295" r:id="rId22"/>
-    <p:sldId id="281" r:id="rId23"/>
-    <p:sldId id="269" r:id="rId24"/>
-    <p:sldId id="265" r:id="rId25"/>
-    <p:sldId id="297" r:id="rId26"/>
-    <p:sldId id="270" r:id="rId27"/>
-    <p:sldId id="271" r:id="rId28"/>
-    <p:sldId id="288" r:id="rId29"/>
-    <p:sldId id="274" r:id="rId30"/>
-    <p:sldId id="259" r:id="rId31"/>
-    <p:sldId id="282" r:id="rId32"/>
-    <p:sldId id="283" r:id="rId33"/>
-    <p:sldId id="315" r:id="rId34"/>
-    <p:sldId id="285" r:id="rId35"/>
-    <p:sldId id="316" r:id="rId36"/>
-    <p:sldId id="284" r:id="rId37"/>
-    <p:sldId id="290" r:id="rId38"/>
-    <p:sldId id="317" r:id="rId39"/>
-    <p:sldId id="258" r:id="rId40"/>
+    <p:sldId id="278" r:id="rId12"/>
+    <p:sldId id="279" r:id="rId13"/>
+    <p:sldId id="286" r:id="rId14"/>
+    <p:sldId id="287" r:id="rId15"/>
+    <p:sldId id="266" r:id="rId16"/>
+    <p:sldId id="268" r:id="rId17"/>
+    <p:sldId id="267" r:id="rId18"/>
+    <p:sldId id="293" r:id="rId19"/>
+    <p:sldId id="294" r:id="rId20"/>
+    <p:sldId id="295" r:id="rId21"/>
+    <p:sldId id="281" r:id="rId22"/>
+    <p:sldId id="269" r:id="rId23"/>
+    <p:sldId id="265" r:id="rId24"/>
+    <p:sldId id="297" r:id="rId25"/>
+    <p:sldId id="270" r:id="rId26"/>
+    <p:sldId id="271" r:id="rId27"/>
+    <p:sldId id="288" r:id="rId28"/>
+    <p:sldId id="274" r:id="rId29"/>
+    <p:sldId id="259" r:id="rId30"/>
+    <p:sldId id="282" r:id="rId31"/>
+    <p:sldId id="283" r:id="rId32"/>
+    <p:sldId id="315" r:id="rId33"/>
+    <p:sldId id="285" r:id="rId34"/>
+    <p:sldId id="316" r:id="rId35"/>
+    <p:sldId id="284" r:id="rId36"/>
+    <p:sldId id="290" r:id="rId37"/>
+    <p:sldId id="317" r:id="rId38"/>
+    <p:sldId id="258" r:id="rId39"/>
   </p:sldIdLst>
   <p:sldSz cx="12192000" cy="6858000"/>
   <p:notesSz cx="6858000" cy="9144000"/>
@@ -150,14 +149,6 @@
 </p:presentation>
 </file>
 
-<file path=ppt/revisionInfo.xml><?xml version="1.0" encoding="utf-8"?>
-<p1510:revInfo xmlns:a="http://schemas.openxmlformats.org/drawingml/2006/main" xmlns:r="http://schemas.openxmlformats.org/officeDocument/2006/relationships" xmlns:p1510="http://schemas.microsoft.com/office/powerpoint/2015/10/main">
-  <p1510:revLst>
-    <p1510:client id="{F7E50110-C233-47BD-AD07-CF0778A4B2F4}" v="22" dt="2024-12-09T17:12:46.181"/>
-  </p1510:revLst>
-</p1510:revInfo>
-</file>
-
 <file path=ppt/changesInfos/changesInfo1.xml><?xml version="1.0" encoding="utf-8"?>
 <pc:chgInfo xmlns:a="http://schemas.openxmlformats.org/drawingml/2006/main" xmlns:r="http://schemas.openxmlformats.org/officeDocument/2006/relationships" xmlns:ac="http://schemas.microsoft.com/office/drawing/2013/main/command" xmlns:pc="http://schemas.microsoft.com/office/powerpoint/2013/main/command">
   <pc:docChgLst>
@@ -173,14 +164,6 @@
           <pc:docMk/>
           <pc:sldMk cId="993497870" sldId="265"/>
         </pc:sldMkLst>
-        <pc:spChg chg="mod">
-          <ac:chgData name="Are Mjaavatten" userId="00bb58f78e5d171c" providerId="LiveId" clId="{F7E50110-C233-47BD-AD07-CF0778A4B2F4}" dt="2024-11-23T10:29:11.863" v="1015" actId="21"/>
-          <ac:spMkLst>
-            <pc:docMk/>
-            <pc:sldMk cId="993497870" sldId="265"/>
-            <ac:spMk id="3" creationId="{8AFF1A4D-B6A6-002E-0A17-9D9AD3D3BB33}"/>
-          </ac:spMkLst>
-        </pc:spChg>
       </pc:sldChg>
       <pc:sldChg chg="addSp modSp mod">
         <pc:chgData name="Are Mjaavatten" userId="00bb58f78e5d171c" providerId="LiveId" clId="{F7E50110-C233-47BD-AD07-CF0778A4B2F4}" dt="2024-11-23T10:14:57.047" v="491" actId="1076"/>
@@ -188,14 +171,6 @@
           <pc:docMk/>
           <pc:sldMk cId="951915012" sldId="266"/>
         </pc:sldMkLst>
-        <pc:spChg chg="add mod">
-          <ac:chgData name="Are Mjaavatten" userId="00bb58f78e5d171c" providerId="LiveId" clId="{F7E50110-C233-47BD-AD07-CF0778A4B2F4}" dt="2024-11-23T10:14:57.047" v="491" actId="1076"/>
-          <ac:spMkLst>
-            <pc:docMk/>
-            <pc:sldMk cId="951915012" sldId="266"/>
-            <ac:spMk id="4" creationId="{4F6F27EE-DE3F-27A3-FAD1-07CAB23F244B}"/>
-          </ac:spMkLst>
-        </pc:spChg>
       </pc:sldChg>
       <pc:sldChg chg="ord">
         <pc:chgData name="Are Mjaavatten" userId="00bb58f78e5d171c" providerId="LiveId" clId="{F7E50110-C233-47BD-AD07-CF0778A4B2F4}" dt="2024-12-09T17:30:37.017" v="2268"/>
@@ -217,14 +192,6 @@
           <pc:docMk/>
           <pc:sldMk cId="34042762" sldId="269"/>
         </pc:sldMkLst>
-        <pc:spChg chg="mod">
-          <ac:chgData name="Are Mjaavatten" userId="00bb58f78e5d171c" providerId="LiveId" clId="{F7E50110-C233-47BD-AD07-CF0778A4B2F4}" dt="2024-12-03T14:11:04.678" v="1314" actId="20577"/>
-          <ac:spMkLst>
-            <pc:docMk/>
-            <pc:sldMk cId="34042762" sldId="269"/>
-            <ac:spMk id="6" creationId="{92A6A31D-37FF-95B9-730E-0F42FB9048FE}"/>
-          </ac:spMkLst>
-        </pc:spChg>
       </pc:sldChg>
       <pc:sldChg chg="modSp mod">
         <pc:chgData name="Are Mjaavatten" userId="00bb58f78e5d171c" providerId="LiveId" clId="{F7E50110-C233-47BD-AD07-CF0778A4B2F4}" dt="2024-12-03T14:16:21.574" v="1332" actId="20577"/>
@@ -232,14 +199,6 @@
           <pc:docMk/>
           <pc:sldMk cId="2870539914" sldId="271"/>
         </pc:sldMkLst>
-        <pc:spChg chg="mod">
-          <ac:chgData name="Are Mjaavatten" userId="00bb58f78e5d171c" providerId="LiveId" clId="{F7E50110-C233-47BD-AD07-CF0778A4B2F4}" dt="2024-12-03T14:16:21.574" v="1332" actId="20577"/>
-          <ac:spMkLst>
-            <pc:docMk/>
-            <pc:sldMk cId="2870539914" sldId="271"/>
-            <ac:spMk id="8" creationId="{DE312110-5C43-D77C-A2EC-47EB6666D900}"/>
-          </ac:spMkLst>
-        </pc:spChg>
       </pc:sldChg>
       <pc:sldChg chg="modSp mod">
         <pc:chgData name="Are Mjaavatten" userId="00bb58f78e5d171c" providerId="LiveId" clId="{F7E50110-C233-47BD-AD07-CF0778A4B2F4}" dt="2024-11-23T10:05:46.461" v="430" actId="1076"/>
@@ -247,14 +206,6 @@
           <pc:docMk/>
           <pc:sldMk cId="929935833" sldId="275"/>
         </pc:sldMkLst>
-        <pc:spChg chg="mod">
-          <ac:chgData name="Are Mjaavatten" userId="00bb58f78e5d171c" providerId="LiveId" clId="{F7E50110-C233-47BD-AD07-CF0778A4B2F4}" dt="2024-11-23T10:05:46.461" v="430" actId="1076"/>
-          <ac:spMkLst>
-            <pc:docMk/>
-            <pc:sldMk cId="929935833" sldId="275"/>
-            <ac:spMk id="3" creationId="{3EC9A98D-B096-1765-33CD-BCE98D447E91}"/>
-          </ac:spMkLst>
-        </pc:spChg>
       </pc:sldChg>
       <pc:sldChg chg="addSp delSp modSp mod">
         <pc:chgData name="Are Mjaavatten" userId="00bb58f78e5d171c" providerId="LiveId" clId="{F7E50110-C233-47BD-AD07-CF0778A4B2F4}" dt="2024-12-09T17:21:25.683" v="2245" actId="790"/>
@@ -262,22 +213,6 @@
           <pc:docMk/>
           <pc:sldMk cId="935628899" sldId="286"/>
         </pc:sldMkLst>
-        <pc:spChg chg="add mod">
-          <ac:chgData name="Are Mjaavatten" userId="00bb58f78e5d171c" providerId="LiveId" clId="{F7E50110-C233-47BD-AD07-CF0778A4B2F4}" dt="2024-12-09T17:21:25.683" v="2245" actId="790"/>
-          <ac:spMkLst>
-            <pc:docMk/>
-            <pc:sldMk cId="935628899" sldId="286"/>
-            <ac:spMk id="4" creationId="{F3200832-6819-8F23-E690-8A4AA0CE3EFA}"/>
-          </ac:spMkLst>
-        </pc:spChg>
-        <pc:spChg chg="add del mod">
-          <ac:chgData name="Are Mjaavatten" userId="00bb58f78e5d171c" providerId="LiveId" clId="{F7E50110-C233-47BD-AD07-CF0778A4B2F4}" dt="2024-12-09T17:20:56.667" v="2243" actId="478"/>
-          <ac:spMkLst>
-            <pc:docMk/>
-            <pc:sldMk cId="935628899" sldId="286"/>
-            <ac:spMk id="9" creationId="{6639E114-B5CD-5311-4E57-41F32D2CF3DC}"/>
-          </ac:spMkLst>
-        </pc:spChg>
       </pc:sldChg>
       <pc:sldChg chg="modSp mod">
         <pc:chgData name="Are Mjaavatten" userId="00bb58f78e5d171c" providerId="LiveId" clId="{F7E50110-C233-47BD-AD07-CF0778A4B2F4}" dt="2024-12-09T17:23:10.959" v="2264" actId="20577"/>
@@ -285,14 +220,6 @@
           <pc:docMk/>
           <pc:sldMk cId="3923112241" sldId="287"/>
         </pc:sldMkLst>
-        <pc:spChg chg="mod">
-          <ac:chgData name="Are Mjaavatten" userId="00bb58f78e5d171c" providerId="LiveId" clId="{F7E50110-C233-47BD-AD07-CF0778A4B2F4}" dt="2024-12-09T17:23:10.959" v="2264" actId="20577"/>
-          <ac:spMkLst>
-            <pc:docMk/>
-            <pc:sldMk cId="3923112241" sldId="287"/>
-            <ac:spMk id="4" creationId="{6BF09426-A00E-F54E-ED38-ED13250CE22D}"/>
-          </ac:spMkLst>
-        </pc:spChg>
       </pc:sldChg>
       <pc:sldChg chg="modSp mod">
         <pc:chgData name="Are Mjaavatten" userId="00bb58f78e5d171c" providerId="LiveId" clId="{F7E50110-C233-47BD-AD07-CF0778A4B2F4}" dt="2024-12-09T17:02:08.795" v="1449" actId="20577"/>
@@ -300,14 +227,6 @@
           <pc:docMk/>
           <pc:sldMk cId="3375353450" sldId="291"/>
         </pc:sldMkLst>
-        <pc:spChg chg="mod">
-          <ac:chgData name="Are Mjaavatten" userId="00bb58f78e5d171c" providerId="LiveId" clId="{F7E50110-C233-47BD-AD07-CF0778A4B2F4}" dt="2024-12-09T17:02:08.795" v="1449" actId="20577"/>
-          <ac:spMkLst>
-            <pc:docMk/>
-            <pc:sldMk cId="3375353450" sldId="291"/>
-            <ac:spMk id="11" creationId="{85B9952D-D1E5-0515-5E56-26BE23514BF6}"/>
-          </ac:spMkLst>
-        </pc:spChg>
       </pc:sldChg>
       <pc:sldChg chg="modSp mod">
         <pc:chgData name="Are Mjaavatten" userId="00bb58f78e5d171c" providerId="LiveId" clId="{F7E50110-C233-47BD-AD07-CF0778A4B2F4}" dt="2024-11-23T09:52:22.749" v="263" actId="20577"/>
@@ -315,14 +234,6 @@
           <pc:docMk/>
           <pc:sldMk cId="2158410459" sldId="293"/>
         </pc:sldMkLst>
-        <pc:spChg chg="mod">
-          <ac:chgData name="Are Mjaavatten" userId="00bb58f78e5d171c" providerId="LiveId" clId="{F7E50110-C233-47BD-AD07-CF0778A4B2F4}" dt="2024-11-23T09:52:22.749" v="263" actId="20577"/>
-          <ac:spMkLst>
-            <pc:docMk/>
-            <pc:sldMk cId="2158410459" sldId="293"/>
-            <ac:spMk id="3" creationId="{EA2D0C46-3AD9-3956-1DDB-02EFB5682D96}"/>
-          </ac:spMkLst>
-        </pc:spChg>
       </pc:sldChg>
       <pc:sldChg chg="modSp mod">
         <pc:chgData name="Are Mjaavatten" userId="00bb58f78e5d171c" providerId="LiveId" clId="{F7E50110-C233-47BD-AD07-CF0778A4B2F4}" dt="2024-11-23T09:58:20.563" v="352" actId="20577"/>
@@ -330,14 +241,6 @@
           <pc:docMk/>
           <pc:sldMk cId="3201626842" sldId="295"/>
         </pc:sldMkLst>
-        <pc:spChg chg="mod">
-          <ac:chgData name="Are Mjaavatten" userId="00bb58f78e5d171c" providerId="LiveId" clId="{F7E50110-C233-47BD-AD07-CF0778A4B2F4}" dt="2024-11-23T09:58:20.563" v="352" actId="20577"/>
-          <ac:spMkLst>
-            <pc:docMk/>
-            <pc:sldMk cId="3201626842" sldId="295"/>
-            <ac:spMk id="3" creationId="{AF115D75-50D7-658E-D124-041FD9D2F244}"/>
-          </ac:spMkLst>
-        </pc:spChg>
       </pc:sldChg>
       <pc:sldChg chg="addSp modSp new mod">
         <pc:chgData name="Are Mjaavatten" userId="00bb58f78e5d171c" providerId="LiveId" clId="{F7E50110-C233-47BD-AD07-CF0778A4B2F4}" dt="2024-11-23T10:39:52.998" v="1311" actId="1076"/>
@@ -352,14 +255,6 @@
           <pc:docMk/>
           <pc:sldMk cId="2902811654" sldId="297"/>
         </pc:sldMkLst>
-        <pc:spChg chg="mod">
-          <ac:chgData name="Are Mjaavatten" userId="00bb58f78e5d171c" providerId="LiveId" clId="{F7E50110-C233-47BD-AD07-CF0778A4B2F4}" dt="2024-12-03T14:14:00.069" v="1318" actId="20577"/>
-          <ac:spMkLst>
-            <pc:docMk/>
-            <pc:sldMk cId="2902811654" sldId="297"/>
-            <ac:spMk id="5" creationId="{EB6C262D-77CA-287C-A5E0-CF41E40A1100}"/>
-          </ac:spMkLst>
-        </pc:spChg>
       </pc:sldChg>
       <pc:sldChg chg="modSp mod">
         <pc:chgData name="Are Mjaavatten" userId="00bb58f78e5d171c" providerId="LiveId" clId="{F7E50110-C233-47BD-AD07-CF0778A4B2F4}" dt="2024-12-03T14:42:06.008" v="1441" actId="255"/>
@@ -367,22 +262,6 @@
           <pc:docMk/>
           <pc:sldMk cId="499171047" sldId="317"/>
         </pc:sldMkLst>
-        <pc:spChg chg="mod">
-          <ac:chgData name="Are Mjaavatten" userId="00bb58f78e5d171c" providerId="LiveId" clId="{F7E50110-C233-47BD-AD07-CF0778A4B2F4}" dt="2024-12-03T14:38:36.858" v="1363" actId="27636"/>
-          <ac:spMkLst>
-            <pc:docMk/>
-            <pc:sldMk cId="499171047" sldId="317"/>
-            <ac:spMk id="4" creationId="{821CEF42-FFC5-DFCE-1ABD-D43F48BC47A8}"/>
-          </ac:spMkLst>
-        </pc:spChg>
-        <pc:spChg chg="mod">
-          <ac:chgData name="Are Mjaavatten" userId="00bb58f78e5d171c" providerId="LiveId" clId="{F7E50110-C233-47BD-AD07-CF0778A4B2F4}" dt="2024-12-03T14:42:06.008" v="1441" actId="255"/>
-          <ac:spMkLst>
-            <pc:docMk/>
-            <pc:sldMk cId="499171047" sldId="317"/>
-            <ac:spMk id="5" creationId="{C3A6AED0-963F-1F14-8584-8D0BE40B8A6F}"/>
-          </ac:spMkLst>
-        </pc:spChg>
       </pc:sldChg>
       <pc:sldChg chg="modSp new mod">
         <pc:chgData name="Are Mjaavatten" userId="00bb58f78e5d171c" providerId="LiveId" clId="{F7E50110-C233-47BD-AD07-CF0778A4B2F4}" dt="2024-12-09T17:11:08.364" v="1913" actId="20577"/>
@@ -390,22 +269,6 @@
           <pc:docMk/>
           <pc:sldMk cId="232088836" sldId="318"/>
         </pc:sldMkLst>
-        <pc:spChg chg="mod">
-          <ac:chgData name="Are Mjaavatten" userId="00bb58f78e5d171c" providerId="LiveId" clId="{F7E50110-C233-47BD-AD07-CF0778A4B2F4}" dt="2024-12-09T17:03:39.508" v="1453" actId="20577"/>
-          <ac:spMkLst>
-            <pc:docMk/>
-            <pc:sldMk cId="232088836" sldId="318"/>
-            <ac:spMk id="2" creationId="{0674DF78-8B81-C58D-E114-850F556C42DC}"/>
-          </ac:spMkLst>
-        </pc:spChg>
-        <pc:spChg chg="mod">
-          <ac:chgData name="Are Mjaavatten" userId="00bb58f78e5d171c" providerId="LiveId" clId="{F7E50110-C233-47BD-AD07-CF0778A4B2F4}" dt="2024-12-09T17:11:08.364" v="1913" actId="20577"/>
-          <ac:spMkLst>
-            <pc:docMk/>
-            <pc:sldMk cId="232088836" sldId="318"/>
-            <ac:spMk id="3" creationId="{3C134FFE-4202-599D-4DE1-2A816323D0CF}"/>
-          </ac:spMkLst>
-        </pc:spChg>
       </pc:sldChg>
     </pc:docChg>
   </pc:docChgLst>
@@ -422,30 +285,6 @@
           <pc:docMk/>
           <pc:sldMk cId="1521227644" sldId="256"/>
         </pc:sldMkLst>
-        <pc:spChg chg="mod">
-          <ac:chgData name="Are Mjaavatten" userId="00bb58f78e5d171c" providerId="LiveId" clId="{F80FCCAC-22F4-4BD9-BD04-EE2233D1C28B}" dt="2024-10-24T11:54:57.771" v="5150" actId="1036"/>
-          <ac:spMkLst>
-            <pc:docMk/>
-            <pc:sldMk cId="1521227644" sldId="256"/>
-            <ac:spMk id="2" creationId="{22FA35A4-F5D0-77BB-541D-71CADF87D55C}"/>
-          </ac:spMkLst>
-        </pc:spChg>
-        <pc:spChg chg="mod">
-          <ac:chgData name="Are Mjaavatten" userId="00bb58f78e5d171c" providerId="LiveId" clId="{F80FCCAC-22F4-4BD9-BD04-EE2233D1C28B}" dt="2024-10-24T11:54:57.771" v="5150" actId="1036"/>
-          <ac:spMkLst>
-            <pc:docMk/>
-            <pc:sldMk cId="1521227644" sldId="256"/>
-            <ac:spMk id="3" creationId="{F7E022BE-655B-6198-0C9C-015E649340F3}"/>
-          </ac:spMkLst>
-        </pc:spChg>
-        <pc:spChg chg="add mod">
-          <ac:chgData name="Are Mjaavatten" userId="00bb58f78e5d171c" providerId="LiveId" clId="{F80FCCAC-22F4-4BD9-BD04-EE2233D1C28B}" dt="2024-10-24T12:00:31.313" v="5209" actId="20577"/>
-          <ac:spMkLst>
-            <pc:docMk/>
-            <pc:sldMk cId="1521227644" sldId="256"/>
-            <ac:spMk id="6" creationId="{711756D9-6B33-019A-6DCC-DEB88A4082BD}"/>
-          </ac:spMkLst>
-        </pc:spChg>
       </pc:sldChg>
       <pc:sldChg chg="addSp delSp modSp new mod ord">
         <pc:chgData name="Are Mjaavatten" userId="00bb58f78e5d171c" providerId="LiveId" clId="{F80FCCAC-22F4-4BD9-BD04-EE2233D1C28B}" dt="2024-11-05T16:46:53.381" v="14178" actId="20577"/>
@@ -453,22 +292,6 @@
           <pc:docMk/>
           <pc:sldMk cId="2060213347" sldId="257"/>
         </pc:sldMkLst>
-        <pc:spChg chg="mod">
-          <ac:chgData name="Are Mjaavatten" userId="00bb58f78e5d171c" providerId="LiveId" clId="{F80FCCAC-22F4-4BD9-BD04-EE2233D1C28B}" dt="2024-10-27T07:24:46.020" v="5615"/>
-          <ac:spMkLst>
-            <pc:docMk/>
-            <pc:sldMk cId="2060213347" sldId="257"/>
-            <ac:spMk id="2" creationId="{F38DEB22-BE72-A22F-0FFC-83F1A075B5F2}"/>
-          </ac:spMkLst>
-        </pc:spChg>
-        <pc:spChg chg="mod">
-          <ac:chgData name="Are Mjaavatten" userId="00bb58f78e5d171c" providerId="LiveId" clId="{F80FCCAC-22F4-4BD9-BD04-EE2233D1C28B}" dt="2024-11-05T16:46:53.381" v="14178" actId="20577"/>
-          <ac:spMkLst>
-            <pc:docMk/>
-            <pc:sldMk cId="2060213347" sldId="257"/>
-            <ac:spMk id="3" creationId="{36353399-9D56-01E3-F12D-E417C0FD7DF7}"/>
-          </ac:spMkLst>
-        </pc:spChg>
       </pc:sldChg>
       <pc:sldChg chg="addSp delSp modSp new mod ord">
         <pc:chgData name="Are Mjaavatten" userId="00bb58f78e5d171c" providerId="LiveId" clId="{F80FCCAC-22F4-4BD9-BD04-EE2233D1C28B}" dt="2024-10-29T12:25:34.095" v="12853" actId="14100"/>
@@ -476,14 +299,6 @@
           <pc:docMk/>
           <pc:sldMk cId="1865247118" sldId="258"/>
         </pc:sldMkLst>
-        <pc:spChg chg="mod">
-          <ac:chgData name="Are Mjaavatten" userId="00bb58f78e5d171c" providerId="LiveId" clId="{F80FCCAC-22F4-4BD9-BD04-EE2233D1C28B}" dt="2024-10-10T10:17:12.945" v="221" actId="1076"/>
-          <ac:spMkLst>
-            <pc:docMk/>
-            <pc:sldMk cId="1865247118" sldId="258"/>
-            <ac:spMk id="2" creationId="{9F0C508A-AF68-FD72-AD5C-EB78F9697DC3}"/>
-          </ac:spMkLst>
-        </pc:spChg>
       </pc:sldChg>
       <pc:sldChg chg="addSp delSp modSp new mod modClrScheme chgLayout">
         <pc:chgData name="Are Mjaavatten" userId="00bb58f78e5d171c" providerId="LiveId" clId="{F80FCCAC-22F4-4BD9-BD04-EE2233D1C28B}" dt="2024-10-24T11:28:30.082" v="5130" actId="20577"/>
@@ -491,22 +306,6 @@
           <pc:docMk/>
           <pc:sldMk cId="951015916" sldId="259"/>
         </pc:sldMkLst>
-        <pc:spChg chg="mod ord">
-          <ac:chgData name="Are Mjaavatten" userId="00bb58f78e5d171c" providerId="LiveId" clId="{F80FCCAC-22F4-4BD9-BD04-EE2233D1C28B}" dt="2024-10-24T11:14:05.067" v="4859" actId="20577"/>
-          <ac:spMkLst>
-            <pc:docMk/>
-            <pc:sldMk cId="951015916" sldId="259"/>
-            <ac:spMk id="2" creationId="{624CB892-5379-B693-0976-3ADA88506E05}"/>
-          </ac:spMkLst>
-        </pc:spChg>
-        <pc:spChg chg="add mod ord">
-          <ac:chgData name="Are Mjaavatten" userId="00bb58f78e5d171c" providerId="LiveId" clId="{F80FCCAC-22F4-4BD9-BD04-EE2233D1C28B}" dt="2024-10-24T11:28:30.082" v="5130" actId="20577"/>
-          <ac:spMkLst>
-            <pc:docMk/>
-            <pc:sldMk cId="951015916" sldId="259"/>
-            <ac:spMk id="3" creationId="{26D403B4-3D4C-2078-2A01-4ACE7A34BB43}"/>
-          </ac:spMkLst>
-        </pc:spChg>
       </pc:sldChg>
       <pc:sldChg chg="addSp delSp modSp new mod">
         <pc:chgData name="Are Mjaavatten" userId="00bb58f78e5d171c" providerId="LiveId" clId="{F80FCCAC-22F4-4BD9-BD04-EE2233D1C28B}" dt="2024-10-21T15:00:16.927" v="1429" actId="478"/>
@@ -514,54 +313,6 @@
           <pc:docMk/>
           <pc:sldMk cId="1934544939" sldId="260"/>
         </pc:sldMkLst>
-        <pc:spChg chg="mod">
-          <ac:chgData name="Are Mjaavatten" userId="00bb58f78e5d171c" providerId="LiveId" clId="{F80FCCAC-22F4-4BD9-BD04-EE2233D1C28B}" dt="2024-10-10T14:11:53.252" v="786" actId="122"/>
-          <ac:spMkLst>
-            <pc:docMk/>
-            <pc:sldMk cId="1934544939" sldId="260"/>
-            <ac:spMk id="2" creationId="{D9BFECEF-7D84-86A0-6294-F5C5E699CB40}"/>
-          </ac:spMkLst>
-        </pc:spChg>
-        <pc:spChg chg="add mod">
-          <ac:chgData name="Are Mjaavatten" userId="00bb58f78e5d171c" providerId="LiveId" clId="{F80FCCAC-22F4-4BD9-BD04-EE2233D1C28B}" dt="2024-10-21T14:58:54.170" v="1418" actId="207"/>
-          <ac:spMkLst>
-            <pc:docMk/>
-            <pc:sldMk cId="1934544939" sldId="260"/>
-            <ac:spMk id="5" creationId="{3E44772C-FCD0-F733-CD3A-25A5577D1D5B}"/>
-          </ac:spMkLst>
-        </pc:spChg>
-        <pc:spChg chg="add mod">
-          <ac:chgData name="Are Mjaavatten" userId="00bb58f78e5d171c" providerId="LiveId" clId="{F80FCCAC-22F4-4BD9-BD04-EE2233D1C28B}" dt="2024-10-21T08:12:52.743" v="1328" actId="20577"/>
-          <ac:spMkLst>
-            <pc:docMk/>
-            <pc:sldMk cId="1934544939" sldId="260"/>
-            <ac:spMk id="7" creationId="{54E86455-D2B9-C99C-0ACF-02AF4D2EA321}"/>
-          </ac:spMkLst>
-        </pc:spChg>
-        <pc:spChg chg="add mod">
-          <ac:chgData name="Are Mjaavatten" userId="00bb58f78e5d171c" providerId="LiveId" clId="{F80FCCAC-22F4-4BD9-BD04-EE2233D1C28B}" dt="2024-10-21T14:59:53.325" v="1428" actId="20577"/>
-          <ac:spMkLst>
-            <pc:docMk/>
-            <pc:sldMk cId="1934544939" sldId="260"/>
-            <ac:spMk id="9" creationId="{48B9EF1C-4D34-81A7-F15F-A6CDBE018BCE}"/>
-          </ac:spMkLst>
-        </pc:spChg>
-        <pc:cxnChg chg="add mod">
-          <ac:chgData name="Are Mjaavatten" userId="00bb58f78e5d171c" providerId="LiveId" clId="{F80FCCAC-22F4-4BD9-BD04-EE2233D1C28B}" dt="2024-10-21T14:56:19.389" v="1411" actId="692"/>
-          <ac:cxnSpMkLst>
-            <pc:docMk/>
-            <pc:sldMk cId="1934544939" sldId="260"/>
-            <ac:cxnSpMk id="4" creationId="{0F99887B-1764-B7D6-E6BF-25CD0E72B9C1}"/>
-          </ac:cxnSpMkLst>
-        </pc:cxnChg>
-        <pc:cxnChg chg="add mod">
-          <ac:chgData name="Are Mjaavatten" userId="00bb58f78e5d171c" providerId="LiveId" clId="{F80FCCAC-22F4-4BD9-BD04-EE2233D1C28B}" dt="2024-10-21T14:59:38.910" v="1425" actId="14100"/>
-          <ac:cxnSpMkLst>
-            <pc:docMk/>
-            <pc:sldMk cId="1934544939" sldId="260"/>
-            <ac:cxnSpMk id="8" creationId="{2E524776-BF20-4E53-7E4A-E6495BC714E0}"/>
-          </ac:cxnSpMkLst>
-        </pc:cxnChg>
       </pc:sldChg>
       <pc:sldChg chg="addSp delSp modSp new del mod">
         <pc:chgData name="Are Mjaavatten" userId="00bb58f78e5d171c" providerId="LiveId" clId="{F80FCCAC-22F4-4BD9-BD04-EE2233D1C28B}" dt="2024-10-21T08:06:45.723" v="1245" actId="2696"/>
@@ -604,30 +355,6 @@
           <pc:docMk/>
           <pc:sldMk cId="3991534619" sldId="264"/>
         </pc:sldMkLst>
-        <pc:spChg chg="mod">
-          <ac:chgData name="Are Mjaavatten" userId="00bb58f78e5d171c" providerId="LiveId" clId="{F80FCCAC-22F4-4BD9-BD04-EE2233D1C28B}" dt="2024-10-21T07:53:13.086" v="906" actId="20577"/>
-          <ac:spMkLst>
-            <pc:docMk/>
-            <pc:sldMk cId="3991534619" sldId="264"/>
-            <ac:spMk id="2" creationId="{CE4C0D81-2423-A327-649E-0289CF1797B6}"/>
-          </ac:spMkLst>
-        </pc:spChg>
-        <pc:spChg chg="mod">
-          <ac:chgData name="Are Mjaavatten" userId="00bb58f78e5d171c" providerId="LiveId" clId="{F80FCCAC-22F4-4BD9-BD04-EE2233D1C28B}" dt="2024-10-21T13:59:52.201" v="1338" actId="20577"/>
-          <ac:spMkLst>
-            <pc:docMk/>
-            <pc:sldMk cId="3991534619" sldId="264"/>
-            <ac:spMk id="3" creationId="{D0ED26A4-2141-C972-F9B5-2DD483F109DF}"/>
-          </ac:spMkLst>
-        </pc:spChg>
-        <pc:picChg chg="add mod">
-          <ac:chgData name="Are Mjaavatten" userId="00bb58f78e5d171c" providerId="LiveId" clId="{F80FCCAC-22F4-4BD9-BD04-EE2233D1C28B}" dt="2024-10-21T08:02:24.163" v="1241" actId="14100"/>
-          <ac:picMkLst>
-            <pc:docMk/>
-            <pc:sldMk cId="3991534619" sldId="264"/>
-            <ac:picMk id="5" creationId="{90D430FE-DA88-164F-C76A-0617314B6D59}"/>
-          </ac:picMkLst>
-        </pc:picChg>
       </pc:sldChg>
       <pc:sldChg chg="addSp delSp modSp new mod">
         <pc:chgData name="Are Mjaavatten" userId="00bb58f78e5d171c" providerId="LiveId" clId="{F80FCCAC-22F4-4BD9-BD04-EE2233D1C28B}" dt="2024-11-06T10:24:24.406" v="16345" actId="20577"/>
@@ -635,22 +362,6 @@
           <pc:docMk/>
           <pc:sldMk cId="993497870" sldId="265"/>
         </pc:sldMkLst>
-        <pc:spChg chg="mod">
-          <ac:chgData name="Are Mjaavatten" userId="00bb58f78e5d171c" providerId="LiveId" clId="{F80FCCAC-22F4-4BD9-BD04-EE2233D1C28B}" dt="2024-10-23T12:28:38.227" v="3176" actId="20577"/>
-          <ac:spMkLst>
-            <pc:docMk/>
-            <pc:sldMk cId="993497870" sldId="265"/>
-            <ac:spMk id="2" creationId="{F2D3ECFB-9F8A-F64C-E0F4-1BA5B941E386}"/>
-          </ac:spMkLst>
-        </pc:spChg>
-        <pc:spChg chg="mod">
-          <ac:chgData name="Are Mjaavatten" userId="00bb58f78e5d171c" providerId="LiveId" clId="{F80FCCAC-22F4-4BD9-BD04-EE2233D1C28B}" dt="2024-10-28T16:12:43.902" v="10619" actId="20577"/>
-          <ac:spMkLst>
-            <pc:docMk/>
-            <pc:sldMk cId="993497870" sldId="265"/>
-            <ac:spMk id="3" creationId="{8AFF1A4D-B6A6-002E-0A17-9D9AD3D3BB33}"/>
-          </ac:spMkLst>
-        </pc:spChg>
       </pc:sldChg>
       <pc:sldChg chg="new del">
         <pc:chgData name="Are Mjaavatten" userId="00bb58f78e5d171c" providerId="LiveId" clId="{F80FCCAC-22F4-4BD9-BD04-EE2233D1C28B}" dt="2024-10-21T07:52:20.046" v="857" actId="2696"/>
@@ -665,22 +376,6 @@
           <pc:docMk/>
           <pc:sldMk cId="951915012" sldId="266"/>
         </pc:sldMkLst>
-        <pc:spChg chg="mod">
-          <ac:chgData name="Are Mjaavatten" userId="00bb58f78e5d171c" providerId="LiveId" clId="{F80FCCAC-22F4-4BD9-BD04-EE2233D1C28B}" dt="2024-10-27T09:48:40.054" v="6569" actId="20577"/>
-          <ac:spMkLst>
-            <pc:docMk/>
-            <pc:sldMk cId="951915012" sldId="266"/>
-            <ac:spMk id="2" creationId="{B69231B1-7C98-B83D-F6E4-08CE8C57E0D6}"/>
-          </ac:spMkLst>
-        </pc:spChg>
-        <pc:spChg chg="mod">
-          <ac:chgData name="Are Mjaavatten" userId="00bb58f78e5d171c" providerId="LiveId" clId="{F80FCCAC-22F4-4BD9-BD04-EE2233D1C28B}" dt="2024-10-27T09:48:50.462" v="6571" actId="14"/>
-          <ac:spMkLst>
-            <pc:docMk/>
-            <pc:sldMk cId="951915012" sldId="266"/>
-            <ac:spMk id="3" creationId="{A7FA766A-B888-9720-5CBA-68732A0A53FB}"/>
-          </ac:spMkLst>
-        </pc:spChg>
       </pc:sldChg>
       <pc:sldChg chg="addSp delSp modSp new mod">
         <pc:chgData name="Are Mjaavatten" userId="00bb58f78e5d171c" providerId="LiveId" clId="{F80FCCAC-22F4-4BD9-BD04-EE2233D1C28B}" dt="2024-10-27T17:07:57.788" v="9458" actId="255"/>
@@ -688,54 +383,6 @@
           <pc:docMk/>
           <pc:sldMk cId="3259227442" sldId="267"/>
         </pc:sldMkLst>
-        <pc:spChg chg="mod">
-          <ac:chgData name="Are Mjaavatten" userId="00bb58f78e5d171c" providerId="LiveId" clId="{F80FCCAC-22F4-4BD9-BD04-EE2233D1C28B}" dt="2024-10-27T17:07:57.788" v="9458" actId="255"/>
-          <ac:spMkLst>
-            <pc:docMk/>
-            <pc:sldMk cId="3259227442" sldId="267"/>
-            <ac:spMk id="2" creationId="{FB5C3201-23DF-4682-0958-BECC9CDDD1F5}"/>
-          </ac:spMkLst>
-        </pc:spChg>
-        <pc:spChg chg="mod">
-          <ac:chgData name="Are Mjaavatten" userId="00bb58f78e5d171c" providerId="LiveId" clId="{F80FCCAC-22F4-4BD9-BD04-EE2233D1C28B}" dt="2024-10-22T15:26:38.936" v="1805" actId="20577"/>
-          <ac:spMkLst>
-            <pc:docMk/>
-            <pc:sldMk cId="3259227442" sldId="267"/>
-            <ac:spMk id="3" creationId="{3D4728BA-7E78-6316-A92F-A75CB283302E}"/>
-          </ac:spMkLst>
-        </pc:spChg>
-        <pc:picChg chg="add mod">
-          <ac:chgData name="Are Mjaavatten" userId="00bb58f78e5d171c" providerId="LiveId" clId="{F80FCCAC-22F4-4BD9-BD04-EE2233D1C28B}" dt="2024-10-21T16:06:24.971" v="1680" actId="1076"/>
-          <ac:picMkLst>
-            <pc:docMk/>
-            <pc:sldMk cId="3259227442" sldId="267"/>
-            <ac:picMk id="5" creationId="{1CE2726E-DD45-FC3B-CAFC-A2B8E059D91E}"/>
-          </ac:picMkLst>
-        </pc:picChg>
-        <pc:picChg chg="add mod">
-          <ac:chgData name="Are Mjaavatten" userId="00bb58f78e5d171c" providerId="LiveId" clId="{F80FCCAC-22F4-4BD9-BD04-EE2233D1C28B}" dt="2024-10-21T16:06:34.853" v="1681" actId="1076"/>
-          <ac:picMkLst>
-            <pc:docMk/>
-            <pc:sldMk cId="3259227442" sldId="267"/>
-            <ac:picMk id="11" creationId="{C72B15C2-9EB2-1D74-A4D3-40581D13A880}"/>
-          </ac:picMkLst>
-        </pc:picChg>
-        <pc:cxnChg chg="add mod">
-          <ac:chgData name="Are Mjaavatten" userId="00bb58f78e5d171c" providerId="LiveId" clId="{F80FCCAC-22F4-4BD9-BD04-EE2233D1C28B}" dt="2024-10-21T16:07:42.352" v="1687" actId="1076"/>
-          <ac:cxnSpMkLst>
-            <pc:docMk/>
-            <pc:sldMk cId="3259227442" sldId="267"/>
-            <ac:cxnSpMk id="12" creationId="{E5E604A6-578E-F871-B431-457676B631C7}"/>
-          </ac:cxnSpMkLst>
-        </pc:cxnChg>
-        <pc:cxnChg chg="add mod">
-          <ac:chgData name="Are Mjaavatten" userId="00bb58f78e5d171c" providerId="LiveId" clId="{F80FCCAC-22F4-4BD9-BD04-EE2233D1C28B}" dt="2024-10-21T16:07:56.754" v="1689" actId="1076"/>
-          <ac:cxnSpMkLst>
-            <pc:docMk/>
-            <pc:sldMk cId="3259227442" sldId="267"/>
-            <ac:cxnSpMk id="15" creationId="{5076AAC4-D082-D799-1A15-3CDBD87CE14E}"/>
-          </ac:cxnSpMkLst>
-        </pc:cxnChg>
       </pc:sldChg>
       <pc:sldChg chg="addSp delSp modSp new mod ord">
         <pc:chgData name="Are Mjaavatten" userId="00bb58f78e5d171c" providerId="LiveId" clId="{F80FCCAC-22F4-4BD9-BD04-EE2233D1C28B}" dt="2024-10-27T17:07:11.468" v="9455"/>
@@ -743,30 +390,6 @@
           <pc:docMk/>
           <pc:sldMk cId="4088723979" sldId="268"/>
         </pc:sldMkLst>
-        <pc:spChg chg="mod">
-          <ac:chgData name="Are Mjaavatten" userId="00bb58f78e5d171c" providerId="LiveId" clId="{F80FCCAC-22F4-4BD9-BD04-EE2233D1C28B}" dt="2024-10-21T16:12:07.647" v="1733"/>
-          <ac:spMkLst>
-            <pc:docMk/>
-            <pc:sldMk cId="4088723979" sldId="268"/>
-            <ac:spMk id="2" creationId="{1C034332-5344-5A7C-3B8E-80942626F8A5}"/>
-          </ac:spMkLst>
-        </pc:spChg>
-        <pc:spChg chg="mod">
-          <ac:chgData name="Are Mjaavatten" userId="00bb58f78e5d171c" providerId="LiveId" clId="{F80FCCAC-22F4-4BD9-BD04-EE2233D1C28B}" dt="2024-10-21T16:12:40.467" v="1790" actId="20577"/>
-          <ac:spMkLst>
-            <pc:docMk/>
-            <pc:sldMk cId="4088723979" sldId="268"/>
-            <ac:spMk id="3" creationId="{ECFFC7D0-390D-95D8-A9EE-32D42ACFE681}"/>
-          </ac:spMkLst>
-        </pc:spChg>
-        <pc:picChg chg="add mod modCrop">
-          <ac:chgData name="Are Mjaavatten" userId="00bb58f78e5d171c" providerId="LiveId" clId="{F80FCCAC-22F4-4BD9-BD04-EE2233D1C28B}" dt="2024-10-23T11:58:28.726" v="2688" actId="1035"/>
-          <ac:picMkLst>
-            <pc:docMk/>
-            <pc:sldMk cId="4088723979" sldId="268"/>
-            <ac:picMk id="7" creationId="{0A934275-0A04-1716-AE83-86D895A03220}"/>
-          </ac:picMkLst>
-        </pc:picChg>
       </pc:sldChg>
       <pc:sldChg chg="addSp modSp new mod">
         <pc:chgData name="Are Mjaavatten" userId="00bb58f78e5d171c" providerId="LiveId" clId="{F80FCCAC-22F4-4BD9-BD04-EE2233D1C28B}" dt="2024-10-28T15:40:36.607" v="10594" actId="2711"/>
@@ -774,38 +397,6 @@
           <pc:docMk/>
           <pc:sldMk cId="34042762" sldId="269"/>
         </pc:sldMkLst>
-        <pc:spChg chg="mod">
-          <ac:chgData name="Are Mjaavatten" userId="00bb58f78e5d171c" providerId="LiveId" clId="{F80FCCAC-22F4-4BD9-BD04-EE2233D1C28B}" dt="2024-10-22T16:15:05.119" v="2445" actId="20577"/>
-          <ac:spMkLst>
-            <pc:docMk/>
-            <pc:sldMk cId="34042762" sldId="269"/>
-            <ac:spMk id="2" creationId="{472EBC0F-0863-FC08-A12B-6E5B523BE5B5}"/>
-          </ac:spMkLst>
-        </pc:spChg>
-        <pc:spChg chg="mod">
-          <ac:chgData name="Are Mjaavatten" userId="00bb58f78e5d171c" providerId="LiveId" clId="{F80FCCAC-22F4-4BD9-BD04-EE2233D1C28B}" dt="2024-10-22T16:24:14.815" v="2645" actId="20577"/>
-          <ac:spMkLst>
-            <pc:docMk/>
-            <pc:sldMk cId="34042762" sldId="269"/>
-            <ac:spMk id="3" creationId="{2E9A1E1F-E1FB-D600-D0EE-A17FB6095AFF}"/>
-          </ac:spMkLst>
-        </pc:spChg>
-        <pc:spChg chg="add mod">
-          <ac:chgData name="Are Mjaavatten" userId="00bb58f78e5d171c" providerId="LiveId" clId="{F80FCCAC-22F4-4BD9-BD04-EE2233D1C28B}" dt="2024-10-28T15:40:36.607" v="10594" actId="2711"/>
-          <ac:spMkLst>
-            <pc:docMk/>
-            <pc:sldMk cId="34042762" sldId="269"/>
-            <ac:spMk id="6" creationId="{92A6A31D-37FF-95B9-730E-0F42FB9048FE}"/>
-          </ac:spMkLst>
-        </pc:spChg>
-        <pc:picChg chg="add mod">
-          <ac:chgData name="Are Mjaavatten" userId="00bb58f78e5d171c" providerId="LiveId" clId="{F80FCCAC-22F4-4BD9-BD04-EE2233D1C28B}" dt="2024-10-22T16:14:12.414" v="2421" actId="14100"/>
-          <ac:picMkLst>
-            <pc:docMk/>
-            <pc:sldMk cId="34042762" sldId="269"/>
-            <ac:picMk id="5" creationId="{7E983D36-8148-C52C-3212-D1C2FF4A54C9}"/>
-          </ac:picMkLst>
-        </pc:picChg>
       </pc:sldChg>
       <pc:sldChg chg="addSp delSp modSp new mod modClrScheme chgLayout">
         <pc:chgData name="Are Mjaavatten" userId="00bb58f78e5d171c" providerId="LiveId" clId="{F80FCCAC-22F4-4BD9-BD04-EE2233D1C28B}" dt="2024-10-23T13:23:10.825" v="3408" actId="14"/>
@@ -813,62 +404,6 @@
           <pc:docMk/>
           <pc:sldMk cId="1708848268" sldId="270"/>
         </pc:sldMkLst>
-        <pc:spChg chg="mod ord">
-          <ac:chgData name="Are Mjaavatten" userId="00bb58f78e5d171c" providerId="LiveId" clId="{F80FCCAC-22F4-4BD9-BD04-EE2233D1C28B}" dt="2024-10-23T12:43:04.020" v="3286" actId="790"/>
-          <ac:spMkLst>
-            <pc:docMk/>
-            <pc:sldMk cId="1708848268" sldId="270"/>
-            <ac:spMk id="2" creationId="{429F0CC3-8EB5-E94E-FB57-EBFB5F3CA65C}"/>
-          </ac:spMkLst>
-        </pc:spChg>
-        <pc:spChg chg="add mod ord">
-          <ac:chgData name="Are Mjaavatten" userId="00bb58f78e5d171c" providerId="LiveId" clId="{F80FCCAC-22F4-4BD9-BD04-EE2233D1C28B}" dt="2024-10-23T13:23:10.825" v="3408" actId="14"/>
-          <ac:spMkLst>
-            <pc:docMk/>
-            <pc:sldMk cId="1708848268" sldId="270"/>
-            <ac:spMk id="8" creationId="{453EC2FA-1F81-E84D-1B88-E0ADE3D4274C}"/>
-          </ac:spMkLst>
-        </pc:spChg>
-        <pc:picChg chg="add mod">
-          <ac:chgData name="Are Mjaavatten" userId="00bb58f78e5d171c" providerId="LiveId" clId="{F80FCCAC-22F4-4BD9-BD04-EE2233D1C28B}" dt="2024-10-23T13:10:55.098" v="3362" actId="14100"/>
-          <ac:picMkLst>
-            <pc:docMk/>
-            <pc:sldMk cId="1708848268" sldId="270"/>
-            <ac:picMk id="11" creationId="{FDB83E84-6DCC-707C-DF23-1B9283BED3C7}"/>
-          </ac:picMkLst>
-        </pc:picChg>
-        <pc:picChg chg="add mod modCrop">
-          <ac:chgData name="Are Mjaavatten" userId="00bb58f78e5d171c" providerId="LiveId" clId="{F80FCCAC-22F4-4BD9-BD04-EE2233D1C28B}" dt="2024-10-23T13:17:19.592" v="3390" actId="1076"/>
-          <ac:picMkLst>
-            <pc:docMk/>
-            <pc:sldMk cId="1708848268" sldId="270"/>
-            <ac:picMk id="15" creationId="{0EC50135-B732-38C7-FFED-38243DCA4CFC}"/>
-          </ac:picMkLst>
-        </pc:picChg>
-        <pc:picChg chg="add mod modCrop">
-          <ac:chgData name="Are Mjaavatten" userId="00bb58f78e5d171c" providerId="LiveId" clId="{F80FCCAC-22F4-4BD9-BD04-EE2233D1C28B}" dt="2024-10-23T13:17:11.162" v="3389" actId="1076"/>
-          <ac:picMkLst>
-            <pc:docMk/>
-            <pc:sldMk cId="1708848268" sldId="270"/>
-            <ac:picMk id="16" creationId="{A0245A41-5E4C-E5DC-1D3C-2415494F96DB}"/>
-          </ac:picMkLst>
-        </pc:picChg>
-        <pc:picChg chg="add mod">
-          <ac:chgData name="Are Mjaavatten" userId="00bb58f78e5d171c" providerId="LiveId" clId="{F80FCCAC-22F4-4BD9-BD04-EE2233D1C28B}" dt="2024-10-23T13:21:20.036" v="3403" actId="1076"/>
-          <ac:picMkLst>
-            <pc:docMk/>
-            <pc:sldMk cId="1708848268" sldId="270"/>
-            <ac:picMk id="19" creationId="{DDFA791A-962F-B7C2-8127-5D9AB5BA51AA}"/>
-          </ac:picMkLst>
-        </pc:picChg>
-        <pc:picChg chg="add mod modCrop">
-          <ac:chgData name="Are Mjaavatten" userId="00bb58f78e5d171c" providerId="LiveId" clId="{F80FCCAC-22F4-4BD9-BD04-EE2233D1C28B}" dt="2024-10-23T13:21:08.368" v="3402" actId="1076"/>
-          <ac:picMkLst>
-            <pc:docMk/>
-            <pc:sldMk cId="1708848268" sldId="270"/>
-            <ac:picMk id="21" creationId="{A5963A2F-03EA-167E-16B7-1A4EBCC3A877}"/>
-          </ac:picMkLst>
-        </pc:picChg>
       </pc:sldChg>
       <pc:sldChg chg="addSp delSp modSp new mod modClrScheme chgLayout">
         <pc:chgData name="Are Mjaavatten" userId="00bb58f78e5d171c" providerId="LiveId" clId="{F80FCCAC-22F4-4BD9-BD04-EE2233D1C28B}" dt="2024-10-29T16:53:52.852" v="14172" actId="1076"/>
@@ -876,30 +411,6 @@
           <pc:docMk/>
           <pc:sldMk cId="2870539914" sldId="271"/>
         </pc:sldMkLst>
-        <pc:spChg chg="mod ord">
-          <ac:chgData name="Are Mjaavatten" userId="00bb58f78e5d171c" providerId="LiveId" clId="{F80FCCAC-22F4-4BD9-BD04-EE2233D1C28B}" dt="2024-10-29T16:50:57.150" v="14042" actId="122"/>
-          <ac:spMkLst>
-            <pc:docMk/>
-            <pc:sldMk cId="2870539914" sldId="271"/>
-            <ac:spMk id="2" creationId="{E533021E-DE16-FF40-6B46-03D9B2773570}"/>
-          </ac:spMkLst>
-        </pc:spChg>
-        <pc:spChg chg="add mod ord">
-          <ac:chgData name="Are Mjaavatten" userId="00bb58f78e5d171c" providerId="LiveId" clId="{F80FCCAC-22F4-4BD9-BD04-EE2233D1C28B}" dt="2024-10-29T16:53:48.671" v="14171" actId="14100"/>
-          <ac:spMkLst>
-            <pc:docMk/>
-            <pc:sldMk cId="2870539914" sldId="271"/>
-            <ac:spMk id="7" creationId="{BD27EE11-78DD-9B9E-5E6A-F2CB4927025F}"/>
-          </ac:spMkLst>
-        </pc:spChg>
-        <pc:spChg chg="add mod ord">
-          <ac:chgData name="Are Mjaavatten" userId="00bb58f78e5d171c" providerId="LiveId" clId="{F80FCCAC-22F4-4BD9-BD04-EE2233D1C28B}" dt="2024-10-29T16:53:52.852" v="14172" actId="1076"/>
-          <ac:spMkLst>
-            <pc:docMk/>
-            <pc:sldMk cId="2870539914" sldId="271"/>
-            <ac:spMk id="8" creationId="{DE312110-5C43-D77C-A2EC-47EB6666D900}"/>
-          </ac:spMkLst>
-        </pc:spChg>
       </pc:sldChg>
       <pc:sldChg chg="modSp new del mod">
         <pc:chgData name="Are Mjaavatten" userId="00bb58f78e5d171c" providerId="LiveId" clId="{F80FCCAC-22F4-4BD9-BD04-EE2233D1C28B}" dt="2024-10-24T12:10:54.160" v="5211" actId="47"/>
@@ -928,22 +439,6 @@
           <pc:docMk/>
           <pc:sldMk cId="929935833" sldId="275"/>
         </pc:sldMkLst>
-        <pc:spChg chg="mod">
-          <ac:chgData name="Are Mjaavatten" userId="00bb58f78e5d171c" providerId="LiveId" clId="{F80FCCAC-22F4-4BD9-BD04-EE2233D1C28B}" dt="2024-11-05T16:46:02.749" v="14176" actId="20577"/>
-          <ac:spMkLst>
-            <pc:docMk/>
-            <pc:sldMk cId="929935833" sldId="275"/>
-            <ac:spMk id="2" creationId="{FAB757F9-8227-22AB-B9DB-7A37DA92DD41}"/>
-          </ac:spMkLst>
-        </pc:spChg>
-        <pc:spChg chg="mod">
-          <ac:chgData name="Are Mjaavatten" userId="00bb58f78e5d171c" providerId="LiveId" clId="{F80FCCAC-22F4-4BD9-BD04-EE2233D1C28B}" dt="2024-10-28T14:05:41.596" v="9775" actId="20577"/>
-          <ac:spMkLst>
-            <pc:docMk/>
-            <pc:sldMk cId="929935833" sldId="275"/>
-            <ac:spMk id="3" creationId="{3EC9A98D-B096-1765-33CD-BCE98D447E91}"/>
-          </ac:spMkLst>
-        </pc:spChg>
       </pc:sldChg>
       <pc:sldChg chg="addSp delSp modSp new mod">
         <pc:chgData name="Are Mjaavatten" userId="00bb58f78e5d171c" providerId="LiveId" clId="{F80FCCAC-22F4-4BD9-BD04-EE2233D1C28B}" dt="2024-11-05T16:51:10.957" v="14245" actId="20577"/>
@@ -951,78 +446,6 @@
           <pc:docMk/>
           <pc:sldMk cId="2297231925" sldId="276"/>
         </pc:sldMkLst>
-        <pc:spChg chg="mod">
-          <ac:chgData name="Are Mjaavatten" userId="00bb58f78e5d171c" providerId="LiveId" clId="{F80FCCAC-22F4-4BD9-BD04-EE2233D1C28B}" dt="2024-10-27T09:13:20.496" v="5956" actId="1076"/>
-          <ac:spMkLst>
-            <pc:docMk/>
-            <pc:sldMk cId="2297231925" sldId="276"/>
-            <ac:spMk id="2" creationId="{16C6BD59-EF69-BCEC-EF5D-08A8A06B54A2}"/>
-          </ac:spMkLst>
-        </pc:spChg>
-        <pc:spChg chg="mod">
-          <ac:chgData name="Are Mjaavatten" userId="00bb58f78e5d171c" providerId="LiveId" clId="{F80FCCAC-22F4-4BD9-BD04-EE2233D1C28B}" dt="2024-11-05T16:51:10.957" v="14245" actId="20577"/>
-          <ac:spMkLst>
-            <pc:docMk/>
-            <pc:sldMk cId="2297231925" sldId="276"/>
-            <ac:spMk id="3" creationId="{B5FCD886-01C1-86A1-9517-53E6F36E8EE2}"/>
-          </ac:spMkLst>
-        </pc:spChg>
-        <pc:spChg chg="add mod">
-          <ac:chgData name="Are Mjaavatten" userId="00bb58f78e5d171c" providerId="LiveId" clId="{F80FCCAC-22F4-4BD9-BD04-EE2233D1C28B}" dt="2024-11-05T16:49:37.158" v="14213" actId="1076"/>
-          <ac:spMkLst>
-            <pc:docMk/>
-            <pc:sldMk cId="2297231925" sldId="276"/>
-            <ac:spMk id="4" creationId="{763B74DF-B858-198F-8C81-220622468539}"/>
-          </ac:spMkLst>
-        </pc:spChg>
-        <pc:spChg chg="add mod">
-          <ac:chgData name="Are Mjaavatten" userId="00bb58f78e5d171c" providerId="LiveId" clId="{F80FCCAC-22F4-4BD9-BD04-EE2233D1C28B}" dt="2024-10-27T09:05:10.292" v="5900" actId="14100"/>
-          <ac:spMkLst>
-            <pc:docMk/>
-            <pc:sldMk cId="2297231925" sldId="276"/>
-            <ac:spMk id="12" creationId="{E238D69F-2917-511D-F0E9-5339A6C2EC7A}"/>
-          </ac:spMkLst>
-        </pc:spChg>
-        <pc:spChg chg="add mod">
-          <ac:chgData name="Are Mjaavatten" userId="00bb58f78e5d171c" providerId="LiveId" clId="{F80FCCAC-22F4-4BD9-BD04-EE2233D1C28B}" dt="2024-10-27T09:06:43.530" v="5916" actId="14100"/>
-          <ac:spMkLst>
-            <pc:docMk/>
-            <pc:sldMk cId="2297231925" sldId="276"/>
-            <ac:spMk id="13" creationId="{6EB5CD59-BCF5-1598-12CF-1A0B7CE7256B}"/>
-          </ac:spMkLst>
-        </pc:spChg>
-        <pc:spChg chg="add mod">
-          <ac:chgData name="Are Mjaavatten" userId="00bb58f78e5d171c" providerId="LiveId" clId="{F80FCCAC-22F4-4BD9-BD04-EE2233D1C28B}" dt="2024-10-27T09:46:18.244" v="6545" actId="1076"/>
-          <ac:spMkLst>
-            <pc:docMk/>
-            <pc:sldMk cId="2297231925" sldId="276"/>
-            <ac:spMk id="16" creationId="{C83EF918-511A-1AA8-437E-BE5CA0A72A74}"/>
-          </ac:spMkLst>
-        </pc:spChg>
-        <pc:picChg chg="add mod">
-          <ac:chgData name="Are Mjaavatten" userId="00bb58f78e5d171c" providerId="LiveId" clId="{F80FCCAC-22F4-4BD9-BD04-EE2233D1C28B}" dt="2024-10-27T09:06:28.038" v="5914" actId="14100"/>
-          <ac:picMkLst>
-            <pc:docMk/>
-            <pc:sldMk cId="2297231925" sldId="276"/>
-            <ac:picMk id="7" creationId="{CAAC37F6-1153-B532-64FD-A0F77FD5DB1A}"/>
-          </ac:picMkLst>
-        </pc:picChg>
-        <pc:picChg chg="add mod ord">
-          <ac:chgData name="Are Mjaavatten" userId="00bb58f78e5d171c" providerId="LiveId" clId="{F80FCCAC-22F4-4BD9-BD04-EE2233D1C28B}" dt="2024-10-27T09:12:18.632" v="5955" actId="1037"/>
-          <ac:picMkLst>
-            <pc:docMk/>
-            <pc:sldMk cId="2297231925" sldId="276"/>
-            <ac:picMk id="15" creationId="{33896AFD-8450-EEE1-E053-0E95931B6094}"/>
-          </ac:picMkLst>
-        </pc:picChg>
-        <pc:cxnChg chg="add mod">
-          <ac:chgData name="Are Mjaavatten" userId="00bb58f78e5d171c" providerId="LiveId" clId="{F80FCCAC-22F4-4BD9-BD04-EE2233D1C28B}" dt="2024-11-05T16:49:29.015" v="14212" actId="14100"/>
-          <ac:cxnSpMkLst>
-            <pc:docMk/>
-            <pc:sldMk cId="2297231925" sldId="276"/>
-            <ac:cxnSpMk id="6" creationId="{E5130747-5D6F-3D21-A166-40485A225484}"/>
-          </ac:cxnSpMkLst>
-        </pc:cxnChg>
       </pc:sldChg>
       <pc:sldChg chg="addSp modSp new del mod">
         <pc:chgData name="Are Mjaavatten" userId="00bb58f78e5d171c" providerId="LiveId" clId="{F80FCCAC-22F4-4BD9-BD04-EE2233D1C28B}" dt="2024-10-27T09:14:12.541" v="5957" actId="47"/>
@@ -1037,22 +460,6 @@
           <pc:docMk/>
           <pc:sldMk cId="3795277216" sldId="277"/>
         </pc:sldMkLst>
-        <pc:spChg chg="mod">
-          <ac:chgData name="Are Mjaavatten" userId="00bb58f78e5d171c" providerId="LiveId" clId="{F80FCCAC-22F4-4BD9-BD04-EE2233D1C28B}" dt="2024-10-27T09:15:00.320" v="5963" actId="20577"/>
-          <ac:spMkLst>
-            <pc:docMk/>
-            <pc:sldMk cId="3795277216" sldId="277"/>
-            <ac:spMk id="2" creationId="{2274DD12-BDFC-8CAF-538D-57560821F713}"/>
-          </ac:spMkLst>
-        </pc:spChg>
-        <pc:spChg chg="mod">
-          <ac:chgData name="Are Mjaavatten" userId="00bb58f78e5d171c" providerId="LiveId" clId="{F80FCCAC-22F4-4BD9-BD04-EE2233D1C28B}" dt="2024-11-05T16:51:59.911" v="14261" actId="20577"/>
-          <ac:spMkLst>
-            <pc:docMk/>
-            <pc:sldMk cId="3795277216" sldId="277"/>
-            <ac:spMk id="3" creationId="{7F22BECD-4858-0BA6-91CA-C9D48FA26E8F}"/>
-          </ac:spMkLst>
-        </pc:spChg>
       </pc:sldChg>
       <pc:sldChg chg="addSp delSp modSp new mod">
         <pc:chgData name="Are Mjaavatten" userId="00bb58f78e5d171c" providerId="LiveId" clId="{F80FCCAC-22F4-4BD9-BD04-EE2233D1C28B}" dt="2024-11-05T16:52:41.605" v="14268" actId="20577"/>
@@ -1060,38 +467,6 @@
           <pc:docMk/>
           <pc:sldMk cId="2958550613" sldId="278"/>
         </pc:sldMkLst>
-        <pc:spChg chg="mod">
-          <ac:chgData name="Are Mjaavatten" userId="00bb58f78e5d171c" providerId="LiveId" clId="{F80FCCAC-22F4-4BD9-BD04-EE2233D1C28B}" dt="2024-10-27T09:49:27.200" v="6596" actId="20577"/>
-          <ac:spMkLst>
-            <pc:docMk/>
-            <pc:sldMk cId="2958550613" sldId="278"/>
-            <ac:spMk id="2" creationId="{054D8866-5159-A701-9D35-CDD4CB7022C2}"/>
-          </ac:spMkLst>
-        </pc:spChg>
-        <pc:spChg chg="mod">
-          <ac:chgData name="Are Mjaavatten" userId="00bb58f78e5d171c" providerId="LiveId" clId="{F80FCCAC-22F4-4BD9-BD04-EE2233D1C28B}" dt="2024-11-05T16:52:41.605" v="14268" actId="20577"/>
-          <ac:spMkLst>
-            <pc:docMk/>
-            <pc:sldMk cId="2958550613" sldId="278"/>
-            <ac:spMk id="3" creationId="{7B5445D7-A644-0FC0-561E-74DFBAAB3012}"/>
-          </ac:spMkLst>
-        </pc:spChg>
-        <pc:picChg chg="add mod">
-          <ac:chgData name="Are Mjaavatten" userId="00bb58f78e5d171c" providerId="LiveId" clId="{F80FCCAC-22F4-4BD9-BD04-EE2233D1C28B}" dt="2024-10-27T13:34:44.118" v="7881" actId="14100"/>
-          <ac:picMkLst>
-            <pc:docMk/>
-            <pc:sldMk cId="2958550613" sldId="278"/>
-            <ac:picMk id="15" creationId="{29DACF69-6516-AC49-2958-2F38C3B83677}"/>
-          </ac:picMkLst>
-        </pc:picChg>
-        <pc:picChg chg="add mod">
-          <ac:chgData name="Are Mjaavatten" userId="00bb58f78e5d171c" providerId="LiveId" clId="{F80FCCAC-22F4-4BD9-BD04-EE2233D1C28B}" dt="2024-10-27T13:34:44.118" v="7881" actId="14100"/>
-          <ac:picMkLst>
-            <pc:docMk/>
-            <pc:sldMk cId="2958550613" sldId="278"/>
-            <ac:picMk id="19" creationId="{057EC24D-423E-2381-39FE-C056493E3900}"/>
-          </ac:picMkLst>
-        </pc:picChg>
       </pc:sldChg>
       <pc:sldChg chg="addSp delSp modSp new mod">
         <pc:chgData name="Are Mjaavatten" userId="00bb58f78e5d171c" providerId="LiveId" clId="{F80FCCAC-22F4-4BD9-BD04-EE2233D1C28B}" dt="2024-10-27T17:05:44.946" v="9453" actId="1076"/>
@@ -1099,38 +474,6 @@
           <pc:docMk/>
           <pc:sldMk cId="2497253767" sldId="279"/>
         </pc:sldMkLst>
-        <pc:spChg chg="mod">
-          <ac:chgData name="Are Mjaavatten" userId="00bb58f78e5d171c" providerId="LiveId" clId="{F80FCCAC-22F4-4BD9-BD04-EE2233D1C28B}" dt="2024-10-27T13:33:51.718" v="7865" actId="20577"/>
-          <ac:spMkLst>
-            <pc:docMk/>
-            <pc:sldMk cId="2497253767" sldId="279"/>
-            <ac:spMk id="2" creationId="{02B9FCEA-A528-96CD-0850-0B0874736F39}"/>
-          </ac:spMkLst>
-        </pc:spChg>
-        <pc:spChg chg="mod">
-          <ac:chgData name="Are Mjaavatten" userId="00bb58f78e5d171c" providerId="LiveId" clId="{F80FCCAC-22F4-4BD9-BD04-EE2233D1C28B}" dt="2024-10-27T17:02:35.761" v="9367" actId="5793"/>
-          <ac:spMkLst>
-            <pc:docMk/>
-            <pc:sldMk cId="2497253767" sldId="279"/>
-            <ac:spMk id="3" creationId="{CEE8AD73-E6B1-1667-A41C-EFC9F4F304D5}"/>
-          </ac:spMkLst>
-        </pc:spChg>
-        <pc:spChg chg="add del mod">
-          <ac:chgData name="Are Mjaavatten" userId="00bb58f78e5d171c" providerId="LiveId" clId="{F80FCCAC-22F4-4BD9-BD04-EE2233D1C28B}" dt="2024-10-27T17:05:44.946" v="9453" actId="1076"/>
-          <ac:spMkLst>
-            <pc:docMk/>
-            <pc:sldMk cId="2497253767" sldId="279"/>
-            <ac:spMk id="8" creationId="{DA8AFFDB-8691-6257-B2A9-FD1068F907F6}"/>
-          </ac:spMkLst>
-        </pc:spChg>
-        <pc:picChg chg="add mod">
-          <ac:chgData name="Are Mjaavatten" userId="00bb58f78e5d171c" providerId="LiveId" clId="{F80FCCAC-22F4-4BD9-BD04-EE2233D1C28B}" dt="2024-10-27T13:46:42.957" v="8538" actId="1076"/>
-          <ac:picMkLst>
-            <pc:docMk/>
-            <pc:sldMk cId="2497253767" sldId="279"/>
-            <ac:picMk id="7" creationId="{17016E48-11B6-2DAA-ACA3-0FE3AED9513D}"/>
-          </ac:picMkLst>
-        </pc:picChg>
       </pc:sldChg>
       <pc:sldChg chg="addSp delSp modSp new del mod ord">
         <pc:chgData name="Are Mjaavatten" userId="00bb58f78e5d171c" providerId="LiveId" clId="{F80FCCAC-22F4-4BD9-BD04-EE2233D1C28B}" dt="2024-10-29T16:34:09.748" v="13850" actId="47"/>
@@ -1152,22 +495,6 @@
           <pc:docMk/>
           <pc:sldMk cId="3816220206" sldId="281"/>
         </pc:sldMkLst>
-        <pc:spChg chg="mod">
-          <ac:chgData name="Are Mjaavatten" userId="00bb58f78e5d171c" providerId="LiveId" clId="{F80FCCAC-22F4-4BD9-BD04-EE2233D1C28B}" dt="2024-10-28T14:12:58.066" v="9970" actId="20577"/>
-          <ac:spMkLst>
-            <pc:docMk/>
-            <pc:sldMk cId="3816220206" sldId="281"/>
-            <ac:spMk id="2" creationId="{007274B8-4871-681C-A44C-BACC989A3AEF}"/>
-          </ac:spMkLst>
-        </pc:spChg>
-        <pc:spChg chg="mod">
-          <ac:chgData name="Are Mjaavatten" userId="00bb58f78e5d171c" providerId="LiveId" clId="{F80FCCAC-22F4-4BD9-BD04-EE2233D1C28B}" dt="2024-10-29T16:36:04.576" v="13858" actId="20577"/>
-          <ac:spMkLst>
-            <pc:docMk/>
-            <pc:sldMk cId="3816220206" sldId="281"/>
-            <ac:spMk id="3" creationId="{D69F0E18-403E-2856-0E01-F43BC137040A}"/>
-          </ac:spMkLst>
-        </pc:spChg>
       </pc:sldChg>
       <pc:sldChg chg="modSp new del mod">
         <pc:chgData name="Are Mjaavatten" userId="00bb58f78e5d171c" providerId="LiveId" clId="{F80FCCAC-22F4-4BD9-BD04-EE2233D1C28B}" dt="2024-10-28T16:10:44.900" v="10606" actId="47"/>
@@ -1189,86 +516,6 @@
           <pc:docMk/>
           <pc:sldMk cId="2908438448" sldId="283"/>
         </pc:sldMkLst>
-        <pc:spChg chg="mod">
-          <ac:chgData name="Are Mjaavatten" userId="00bb58f78e5d171c" providerId="LiveId" clId="{F80FCCAC-22F4-4BD9-BD04-EE2233D1C28B}" dt="2024-10-28T16:51:07.565" v="10812" actId="255"/>
-          <ac:spMkLst>
-            <pc:docMk/>
-            <pc:sldMk cId="2908438448" sldId="283"/>
-            <ac:spMk id="2" creationId="{0E2220A7-5ACD-B443-8709-6C3E184F58A3}"/>
-          </ac:spMkLst>
-        </pc:spChg>
-        <pc:spChg chg="mod">
-          <ac:chgData name="Are Mjaavatten" userId="00bb58f78e5d171c" providerId="LiveId" clId="{F80FCCAC-22F4-4BD9-BD04-EE2233D1C28B}" dt="2024-10-28T17:07:32.420" v="11286" actId="5793"/>
-          <ac:spMkLst>
-            <pc:docMk/>
-            <pc:sldMk cId="2908438448" sldId="283"/>
-            <ac:spMk id="3" creationId="{32D90A08-2F5A-528B-1339-11923FD34D21}"/>
-          </ac:spMkLst>
-        </pc:spChg>
-        <pc:picChg chg="add mod">
-          <ac:chgData name="Are Mjaavatten" userId="00bb58f78e5d171c" providerId="LiveId" clId="{F80FCCAC-22F4-4BD9-BD04-EE2233D1C28B}" dt="2024-10-28T16:53:19.189" v="10852" actId="1076"/>
-          <ac:picMkLst>
-            <pc:docMk/>
-            <pc:sldMk cId="2908438448" sldId="283"/>
-            <ac:picMk id="4" creationId="{8042E31A-9F79-974E-EBB5-320AF4E04EA4}"/>
-          </ac:picMkLst>
-        </pc:picChg>
-        <pc:picChg chg="add mod">
-          <ac:chgData name="Are Mjaavatten" userId="00bb58f78e5d171c" providerId="LiveId" clId="{F80FCCAC-22F4-4BD9-BD04-EE2233D1C28B}" dt="2024-10-28T16:53:23.539" v="10853" actId="1076"/>
-          <ac:picMkLst>
-            <pc:docMk/>
-            <pc:sldMk cId="2908438448" sldId="283"/>
-            <ac:picMk id="5" creationId="{C8D1550D-2DD5-C4F0-63AE-8FD71AAC73F3}"/>
-          </ac:picMkLst>
-        </pc:picChg>
-        <pc:picChg chg="add mod">
-          <ac:chgData name="Are Mjaavatten" userId="00bb58f78e5d171c" providerId="LiveId" clId="{F80FCCAC-22F4-4BD9-BD04-EE2233D1C28B}" dt="2024-10-28T16:55:01.360" v="10876" actId="1076"/>
-          <ac:picMkLst>
-            <pc:docMk/>
-            <pc:sldMk cId="2908438448" sldId="283"/>
-            <ac:picMk id="7" creationId="{780D0ADD-3ECA-5FAA-AF0C-986B38A1050A}"/>
-          </ac:picMkLst>
-        </pc:picChg>
-        <pc:picChg chg="add mod">
-          <ac:chgData name="Are Mjaavatten" userId="00bb58f78e5d171c" providerId="LiveId" clId="{F80FCCAC-22F4-4BD9-BD04-EE2233D1C28B}" dt="2024-10-28T16:55:43.109" v="10881" actId="14100"/>
-          <ac:picMkLst>
-            <pc:docMk/>
-            <pc:sldMk cId="2908438448" sldId="283"/>
-            <ac:picMk id="9" creationId="{895041DC-6383-1262-2FFD-4E721542E5F8}"/>
-          </ac:picMkLst>
-        </pc:picChg>
-        <pc:picChg chg="add mod">
-          <ac:chgData name="Are Mjaavatten" userId="00bb58f78e5d171c" providerId="LiveId" clId="{F80FCCAC-22F4-4BD9-BD04-EE2233D1C28B}" dt="2024-10-28T16:57:19.568" v="10919" actId="1076"/>
-          <ac:picMkLst>
-            <pc:docMk/>
-            <pc:sldMk cId="2908438448" sldId="283"/>
-            <ac:picMk id="11" creationId="{A3016F4F-D079-6344-859F-67BACF8C125C}"/>
-          </ac:picMkLst>
-        </pc:picChg>
-        <pc:picChg chg="add mod">
-          <ac:chgData name="Are Mjaavatten" userId="00bb58f78e5d171c" providerId="LiveId" clId="{F80FCCAC-22F4-4BD9-BD04-EE2233D1C28B}" dt="2024-10-28T17:00:14.064" v="11031" actId="1035"/>
-          <ac:picMkLst>
-            <pc:docMk/>
-            <pc:sldMk cId="2908438448" sldId="283"/>
-            <ac:picMk id="15" creationId="{4B7608BA-6B77-DD29-2960-AE8EC0325753}"/>
-          </ac:picMkLst>
-        </pc:picChg>
-        <pc:picChg chg="add mod">
-          <ac:chgData name="Are Mjaavatten" userId="00bb58f78e5d171c" providerId="LiveId" clId="{F80FCCAC-22F4-4BD9-BD04-EE2233D1C28B}" dt="2024-10-28T17:04:25.981" v="11156" actId="14100"/>
-          <ac:picMkLst>
-            <pc:docMk/>
-            <pc:sldMk cId="2908438448" sldId="283"/>
-            <ac:picMk id="17" creationId="{CFE33738-307E-D8E8-73CE-B921BD9008E3}"/>
-          </ac:picMkLst>
-        </pc:picChg>
-        <pc:picChg chg="add mod">
-          <ac:chgData name="Are Mjaavatten" userId="00bb58f78e5d171c" providerId="LiveId" clId="{F80FCCAC-22F4-4BD9-BD04-EE2233D1C28B}" dt="2024-10-28T17:06:12.206" v="11251" actId="14100"/>
-          <ac:picMkLst>
-            <pc:docMk/>
-            <pc:sldMk cId="2908438448" sldId="283"/>
-            <ac:picMk id="19" creationId="{D9474D78-9CAF-FE0F-F3A7-817EAAEA0C57}"/>
-          </ac:picMkLst>
-        </pc:picChg>
       </pc:sldChg>
       <pc:sldChg chg="addSp delSp modSp new mod">
         <pc:chgData name="Are Mjaavatten" userId="00bb58f78e5d171c" providerId="LiveId" clId="{F80FCCAC-22F4-4BD9-BD04-EE2233D1C28B}" dt="2024-11-06T09:44:30.893" v="15769" actId="313"/>
@@ -1276,22 +523,6 @@
           <pc:docMk/>
           <pc:sldMk cId="2086630511" sldId="284"/>
         </pc:sldMkLst>
-        <pc:spChg chg="mod">
-          <ac:chgData name="Are Mjaavatten" userId="00bb58f78e5d171c" providerId="LiveId" clId="{F80FCCAC-22F4-4BD9-BD04-EE2233D1C28B}" dt="2024-10-29T10:27:40.073" v="12818" actId="20577"/>
-          <ac:spMkLst>
-            <pc:docMk/>
-            <pc:sldMk cId="2086630511" sldId="284"/>
-            <ac:spMk id="2" creationId="{78D0C970-EEBF-05B1-FF2C-E7E978A7A8DA}"/>
-          </ac:spMkLst>
-        </pc:spChg>
-        <pc:spChg chg="mod">
-          <ac:chgData name="Are Mjaavatten" userId="00bb58f78e5d171c" providerId="LiveId" clId="{F80FCCAC-22F4-4BD9-BD04-EE2233D1C28B}" dt="2024-11-06T09:44:30.893" v="15769" actId="313"/>
-          <ac:spMkLst>
-            <pc:docMk/>
-            <pc:sldMk cId="2086630511" sldId="284"/>
-            <ac:spMk id="3" creationId="{5450935E-3A40-D7CF-8176-D0364C5C9505}"/>
-          </ac:spMkLst>
-        </pc:spChg>
       </pc:sldChg>
       <pc:sldChg chg="modSp new mod">
         <pc:chgData name="Are Mjaavatten" userId="00bb58f78e5d171c" providerId="LiveId" clId="{F80FCCAC-22F4-4BD9-BD04-EE2233D1C28B}" dt="2024-10-29T10:27:56.419" v="12845" actId="20577"/>
@@ -1299,22 +530,6 @@
           <pc:docMk/>
           <pc:sldMk cId="884547013" sldId="285"/>
         </pc:sldMkLst>
-        <pc:spChg chg="mod">
-          <ac:chgData name="Are Mjaavatten" userId="00bb58f78e5d171c" providerId="LiveId" clId="{F80FCCAC-22F4-4BD9-BD04-EE2233D1C28B}" dt="2024-10-29T10:27:56.419" v="12845" actId="20577"/>
-          <ac:spMkLst>
-            <pc:docMk/>
-            <pc:sldMk cId="884547013" sldId="285"/>
-            <ac:spMk id="2" creationId="{C373C1A9-A330-F9C2-C99C-940FD700E964}"/>
-          </ac:spMkLst>
-        </pc:spChg>
-        <pc:spChg chg="mod">
-          <ac:chgData name="Are Mjaavatten" userId="00bb58f78e5d171c" providerId="LiveId" clId="{F80FCCAC-22F4-4BD9-BD04-EE2233D1C28B}" dt="2024-10-29T10:24:53.440" v="12780" actId="20577"/>
-          <ac:spMkLst>
-            <pc:docMk/>
-            <pc:sldMk cId="884547013" sldId="285"/>
-            <ac:spMk id="3" creationId="{B0163CB2-48D0-F0C3-D103-BDC6D7DEA086}"/>
-          </ac:spMkLst>
-        </pc:spChg>
       </pc:sldChg>
       <pc:sldChg chg="addSp delSp modSp new mod setBg modClrScheme chgLayout">
         <pc:chgData name="Are Mjaavatten" userId="00bb58f78e5d171c" providerId="LiveId" clId="{F80FCCAC-22F4-4BD9-BD04-EE2233D1C28B}" dt="2024-11-06T08:36:35.310" v="14459" actId="1036"/>
@@ -1322,30 +537,6 @@
           <pc:docMk/>
           <pc:sldMk cId="935628899" sldId="286"/>
         </pc:sldMkLst>
-        <pc:spChg chg="add mod ord">
-          <ac:chgData name="Are Mjaavatten" userId="00bb58f78e5d171c" providerId="LiveId" clId="{F80FCCAC-22F4-4BD9-BD04-EE2233D1C28B}" dt="2024-11-06T08:22:16.710" v="14276" actId="1076"/>
-          <ac:spMkLst>
-            <pc:docMk/>
-            <pc:sldMk cId="935628899" sldId="286"/>
-            <ac:spMk id="20" creationId="{21C27A0D-A4E4-86C4-A0F3-9820C8B82E10}"/>
-          </ac:spMkLst>
-        </pc:spChg>
-        <pc:picChg chg="add mod">
-          <ac:chgData name="Are Mjaavatten" userId="00bb58f78e5d171c" providerId="LiveId" clId="{F80FCCAC-22F4-4BD9-BD04-EE2233D1C28B}" dt="2024-11-06T08:23:14.012" v="14378" actId="1076"/>
-          <ac:picMkLst>
-            <pc:docMk/>
-            <pc:sldMk cId="935628899" sldId="286"/>
-            <ac:picMk id="3" creationId="{3F820652-CFC3-8829-6FAE-09E685B18049}"/>
-          </ac:picMkLst>
-        </pc:picChg>
-        <pc:picChg chg="add mod">
-          <ac:chgData name="Are Mjaavatten" userId="00bb58f78e5d171c" providerId="LiveId" clId="{F80FCCAC-22F4-4BD9-BD04-EE2233D1C28B}" dt="2024-11-06T08:36:35.310" v="14459" actId="1036"/>
-          <ac:picMkLst>
-            <pc:docMk/>
-            <pc:sldMk cId="935628899" sldId="286"/>
-            <ac:picMk id="5" creationId="{2B192BF8-F855-8968-4F0A-557EA74A02EE}"/>
-          </ac:picMkLst>
-        </pc:picChg>
       </pc:sldChg>
       <pc:sldChg chg="addSp delSp modSp new mod modClrScheme chgLayout">
         <pc:chgData name="Are Mjaavatten" userId="00bb58f78e5d171c" providerId="LiveId" clId="{F80FCCAC-22F4-4BD9-BD04-EE2233D1C28B}" dt="2024-11-06T08:38:05.499" v="14483" actId="1038"/>
@@ -1353,30 +544,6 @@
           <pc:docMk/>
           <pc:sldMk cId="3923112241" sldId="287"/>
         </pc:sldMkLst>
-        <pc:spChg chg="add mod ord">
-          <ac:chgData name="Are Mjaavatten" userId="00bb58f78e5d171c" providerId="LiveId" clId="{F80FCCAC-22F4-4BD9-BD04-EE2233D1C28B}" dt="2024-10-29T16:27:10.433" v="13462"/>
-          <ac:spMkLst>
-            <pc:docMk/>
-            <pc:sldMk cId="3923112241" sldId="287"/>
-            <ac:spMk id="3" creationId="{26D5C9CB-F7BE-44A8-1C2F-855D765E1E13}"/>
-          </ac:spMkLst>
-        </pc:spChg>
-        <pc:spChg chg="add mod ord">
-          <ac:chgData name="Are Mjaavatten" userId="00bb58f78e5d171c" providerId="LiveId" clId="{F80FCCAC-22F4-4BD9-BD04-EE2233D1C28B}" dt="2024-11-06T08:37:30.539" v="14463" actId="20577"/>
-          <ac:spMkLst>
-            <pc:docMk/>
-            <pc:sldMk cId="3923112241" sldId="287"/>
-            <ac:spMk id="4" creationId="{6BF09426-A00E-F54E-ED38-ED13250CE22D}"/>
-          </ac:spMkLst>
-        </pc:spChg>
-        <pc:picChg chg="add mod">
-          <ac:chgData name="Are Mjaavatten" userId="00bb58f78e5d171c" providerId="LiveId" clId="{F80FCCAC-22F4-4BD9-BD04-EE2233D1C28B}" dt="2024-11-06T08:38:05.499" v="14483" actId="1038"/>
-          <ac:picMkLst>
-            <pc:docMk/>
-            <pc:sldMk cId="3923112241" sldId="287"/>
-            <ac:picMk id="2" creationId="{FA090F91-DDFD-537E-FFE4-C32A21FD2D1B}"/>
-          </ac:picMkLst>
-        </pc:picChg>
       </pc:sldChg>
       <pc:sldChg chg="addSp modSp new mod">
         <pc:chgData name="Are Mjaavatten" userId="00bb58f78e5d171c" providerId="LiveId" clId="{F80FCCAC-22F4-4BD9-BD04-EE2233D1C28B}" dt="2024-10-29T16:40:59.663" v="13945" actId="20577"/>
@@ -1384,22 +551,6 @@
           <pc:docMk/>
           <pc:sldMk cId="3156030858" sldId="288"/>
         </pc:sldMkLst>
-        <pc:spChg chg="mod">
-          <ac:chgData name="Are Mjaavatten" userId="00bb58f78e5d171c" providerId="LiveId" clId="{F80FCCAC-22F4-4BD9-BD04-EE2233D1C28B}" dt="2024-10-29T16:40:59.663" v="13945" actId="20577"/>
-          <ac:spMkLst>
-            <pc:docMk/>
-            <pc:sldMk cId="3156030858" sldId="288"/>
-            <ac:spMk id="3" creationId="{64DD5B0D-9B53-6491-1E1E-0D1AD518870C}"/>
-          </ac:spMkLst>
-        </pc:spChg>
-        <pc:picChg chg="add mod">
-          <ac:chgData name="Are Mjaavatten" userId="00bb58f78e5d171c" providerId="LiveId" clId="{F80FCCAC-22F4-4BD9-BD04-EE2233D1C28B}" dt="2024-10-29T16:40:46.700" v="13941" actId="1076"/>
-          <ac:picMkLst>
-            <pc:docMk/>
-            <pc:sldMk cId="3156030858" sldId="288"/>
-            <ac:picMk id="6" creationId="{92DF7DC8-8AB0-896E-05FB-7C3413DCD21A}"/>
-          </ac:picMkLst>
-        </pc:picChg>
       </pc:sldChg>
       <pc:sldChg chg="modSp new del mod">
         <pc:chgData name="Are Mjaavatten" userId="00bb58f78e5d171c" providerId="LiveId" clId="{F80FCCAC-22F4-4BD9-BD04-EE2233D1C28B}" dt="2024-11-06T15:25:22.440" v="16346" actId="2696"/>
@@ -1421,20 +572,65 @@
           <pc:docMk/>
           <pc:sldMk cId="2204234833" sldId="290"/>
         </pc:sldMkLst>
+      </pc:sldChg>
+    </pc:docChg>
+  </pc:docChgLst>
+  <pc:docChgLst>
+    <pc:chgData name="Are Mjaavatten" userId="00bb58f78e5d171c" providerId="LiveId" clId="{6B5B7818-72E3-4F31-AB95-67CDB43C58F2}"/>
+    <pc:docChg chg="undo custSel addSld delSld modSld">
+      <pc:chgData name="Are Mjaavatten" userId="00bb58f78e5d171c" providerId="LiveId" clId="{6B5B7818-72E3-4F31-AB95-67CDB43C58F2}" dt="2025-04-10T08:54:08.720" v="20" actId="20577"/>
+      <pc:docMkLst>
+        <pc:docMk/>
+      </pc:docMkLst>
+      <pc:sldChg chg="modSp mod">
+        <pc:chgData name="Are Mjaavatten" userId="00bb58f78e5d171c" providerId="LiveId" clId="{6B5B7818-72E3-4F31-AB95-67CDB43C58F2}" dt="2025-04-10T08:47:58.241" v="2" actId="20577"/>
+        <pc:sldMkLst>
+          <pc:docMk/>
+          <pc:sldMk cId="2060213347" sldId="257"/>
+        </pc:sldMkLst>
         <pc:spChg chg="mod">
-          <ac:chgData name="Are Mjaavatten" userId="00bb58f78e5d171c" providerId="LiveId" clId="{F80FCCAC-22F4-4BD9-BD04-EE2233D1C28B}" dt="2024-11-06T09:44:08.512" v="15762" actId="313"/>
+          <ac:chgData name="Are Mjaavatten" userId="00bb58f78e5d171c" providerId="LiveId" clId="{6B5B7818-72E3-4F31-AB95-67CDB43C58F2}" dt="2025-04-10T08:47:58.241" v="2" actId="20577"/>
           <ac:spMkLst>
             <pc:docMk/>
-            <pc:sldMk cId="2204234833" sldId="290"/>
-            <ac:spMk id="2" creationId="{46C48805-6E71-9540-F0AA-92613C975FBF}"/>
+            <pc:sldMk cId="2060213347" sldId="257"/>
+            <ac:spMk id="3" creationId="{36353399-9D56-01E3-F12D-E417C0FD7DF7}"/>
           </ac:spMkLst>
         </pc:spChg>
+      </pc:sldChg>
+      <pc:sldChg chg="add del">
+        <pc:chgData name="Are Mjaavatten" userId="00bb58f78e5d171c" providerId="LiveId" clId="{6B5B7818-72E3-4F31-AB95-67CDB43C58F2}" dt="2025-04-10T08:52:02.084" v="18" actId="2696"/>
+        <pc:sldMkLst>
+          <pc:docMk/>
+          <pc:sldMk cId="2958550613" sldId="278"/>
+        </pc:sldMkLst>
+      </pc:sldChg>
+      <pc:sldChg chg="modSp mod">
+        <pc:chgData name="Are Mjaavatten" userId="00bb58f78e5d171c" providerId="LiveId" clId="{6B5B7818-72E3-4F31-AB95-67CDB43C58F2}" dt="2025-04-10T08:54:08.720" v="20" actId="20577"/>
+        <pc:sldMkLst>
+          <pc:docMk/>
+          <pc:sldMk cId="2158410459" sldId="293"/>
+        </pc:sldMkLst>
         <pc:spChg chg="mod">
-          <ac:chgData name="Are Mjaavatten" userId="00bb58f78e5d171c" providerId="LiveId" clId="{F80FCCAC-22F4-4BD9-BD04-EE2233D1C28B}" dt="2024-11-06T10:07:30.562" v="16341" actId="20577"/>
+          <ac:chgData name="Are Mjaavatten" userId="00bb58f78e5d171c" providerId="LiveId" clId="{6B5B7818-72E3-4F31-AB95-67CDB43C58F2}" dt="2025-04-10T08:54:08.720" v="20" actId="20577"/>
           <ac:spMkLst>
             <pc:docMk/>
-            <pc:sldMk cId="2204234833" sldId="290"/>
-            <ac:spMk id="3" creationId="{2E6D2D2F-9CE8-051E-3EDD-49C2FA6ADBD3}"/>
+            <pc:sldMk cId="2158410459" sldId="293"/>
+            <ac:spMk id="3" creationId="{EA2D0C46-3AD9-3956-1DDB-02EFB5682D96}"/>
+          </ac:spMkLst>
+        </pc:spChg>
+      </pc:sldChg>
+      <pc:sldChg chg="modSp del mod">
+        <pc:chgData name="Are Mjaavatten" userId="00bb58f78e5d171c" providerId="LiveId" clId="{6B5B7818-72E3-4F31-AB95-67CDB43C58F2}" dt="2025-04-10T08:52:14.278" v="19" actId="2696"/>
+        <pc:sldMkLst>
+          <pc:docMk/>
+          <pc:sldMk cId="232088836" sldId="318"/>
+        </pc:sldMkLst>
+        <pc:spChg chg="mod">
+          <ac:chgData name="Are Mjaavatten" userId="00bb58f78e5d171c" providerId="LiveId" clId="{6B5B7818-72E3-4F31-AB95-67CDB43C58F2}" dt="2025-04-10T08:51:30.731" v="16" actId="20577"/>
+          <ac:spMkLst>
+            <pc:docMk/>
+            <pc:sldMk cId="232088836" sldId="318"/>
+            <ac:spMk id="3" creationId="{3C134FFE-4202-599D-4DE1-2A816323D0CF}"/>
           </ac:spMkLst>
         </pc:spChg>
       </pc:sldChg>
@@ -1453,14 +649,6 @@
           <pc:docMk/>
           <pc:sldMk cId="2060213347" sldId="257"/>
         </pc:sldMkLst>
-        <pc:spChg chg="mod">
-          <ac:chgData name="Are Mjaavatten" userId="00bb58f78e5d171c" providerId="LiveId" clId="{055438CC-AB35-4861-8EC0-1B0371FB636C}" dt="2024-11-30T16:34:43.810" v="3429" actId="20577"/>
-          <ac:spMkLst>
-            <pc:docMk/>
-            <pc:sldMk cId="2060213347" sldId="257"/>
-            <ac:spMk id="3" creationId="{36353399-9D56-01E3-F12D-E417C0FD7DF7}"/>
-          </ac:spMkLst>
-        </pc:spChg>
       </pc:sldChg>
       <pc:sldChg chg="addSp delSp modSp mod">
         <pc:chgData name="Are Mjaavatten" userId="00bb58f78e5d171c" providerId="LiveId" clId="{055438CC-AB35-4861-8EC0-1B0371FB636C}" dt="2024-11-23T11:50:18.933" v="3103" actId="1076"/>
@@ -1468,14 +656,6 @@
           <pc:docMk/>
           <pc:sldMk cId="1865247118" sldId="258"/>
         </pc:sldMkLst>
-        <pc:picChg chg="add mod">
-          <ac:chgData name="Are Mjaavatten" userId="00bb58f78e5d171c" providerId="LiveId" clId="{055438CC-AB35-4861-8EC0-1B0371FB636C}" dt="2024-11-23T11:50:18.933" v="3103" actId="1076"/>
-          <ac:picMkLst>
-            <pc:docMk/>
-            <pc:sldMk cId="1865247118" sldId="258"/>
-            <ac:picMk id="4" creationId="{A7276E8E-6E7C-49C8-02C1-CB26C47E1EAF}"/>
-          </ac:picMkLst>
-        </pc:picChg>
       </pc:sldChg>
       <pc:sldChg chg="modSp mod">
         <pc:chgData name="Are Mjaavatten" userId="00bb58f78e5d171c" providerId="LiveId" clId="{055438CC-AB35-4861-8EC0-1B0371FB636C}" dt="2024-11-23T11:35:58.875" v="3090" actId="20577"/>
@@ -1483,14 +663,6 @@
           <pc:docMk/>
           <pc:sldMk cId="951015916" sldId="259"/>
         </pc:sldMkLst>
-        <pc:spChg chg="mod">
-          <ac:chgData name="Are Mjaavatten" userId="00bb58f78e5d171c" providerId="LiveId" clId="{055438CC-AB35-4861-8EC0-1B0371FB636C}" dt="2024-11-23T11:35:58.875" v="3090" actId="20577"/>
-          <ac:spMkLst>
-            <pc:docMk/>
-            <pc:sldMk cId="951015916" sldId="259"/>
-            <ac:spMk id="3" creationId="{26D403B4-3D4C-2078-2A01-4ACE7A34BB43}"/>
-          </ac:spMkLst>
-        </pc:spChg>
       </pc:sldChg>
       <pc:sldChg chg="addSp delSp modSp mod">
         <pc:chgData name="Are Mjaavatten" userId="00bb58f78e5d171c" providerId="LiveId" clId="{055438CC-AB35-4861-8EC0-1B0371FB636C}" dt="2024-11-12T08:47:21.489" v="2786" actId="20577"/>
@@ -1498,54 +670,6 @@
           <pc:docMk/>
           <pc:sldMk cId="1934544939" sldId="260"/>
         </pc:sldMkLst>
-        <pc:spChg chg="mod">
-          <ac:chgData name="Are Mjaavatten" userId="00bb58f78e5d171c" providerId="LiveId" clId="{055438CC-AB35-4861-8EC0-1B0371FB636C}" dt="2024-11-12T08:46:52.604" v="2783" actId="1038"/>
-          <ac:spMkLst>
-            <pc:docMk/>
-            <pc:sldMk cId="1934544939" sldId="260"/>
-            <ac:spMk id="5" creationId="{3E44772C-FCD0-F733-CD3A-25A5577D1D5B}"/>
-          </ac:spMkLst>
-        </pc:spChg>
-        <pc:spChg chg="mod">
-          <ac:chgData name="Are Mjaavatten" userId="00bb58f78e5d171c" providerId="LiveId" clId="{055438CC-AB35-4861-8EC0-1B0371FB636C}" dt="2024-11-12T08:47:21.489" v="2786" actId="20577"/>
-          <ac:spMkLst>
-            <pc:docMk/>
-            <pc:sldMk cId="1934544939" sldId="260"/>
-            <ac:spMk id="7" creationId="{54E86455-D2B9-C99C-0ACF-02AF4D2EA321}"/>
-          </ac:spMkLst>
-        </pc:spChg>
-        <pc:spChg chg="mod">
-          <ac:chgData name="Are Mjaavatten" userId="00bb58f78e5d171c" providerId="LiveId" clId="{055438CC-AB35-4861-8EC0-1B0371FB636C}" dt="2024-11-12T08:46:52.604" v="2783" actId="1038"/>
-          <ac:spMkLst>
-            <pc:docMk/>
-            <pc:sldMk cId="1934544939" sldId="260"/>
-            <ac:spMk id="9" creationId="{48B9EF1C-4D34-81A7-F15F-A6CDBE018BCE}"/>
-          </ac:spMkLst>
-        </pc:spChg>
-        <pc:picChg chg="add mod ord modCrop">
-          <ac:chgData name="Are Mjaavatten" userId="00bb58f78e5d171c" providerId="LiveId" clId="{055438CC-AB35-4861-8EC0-1B0371FB636C}" dt="2024-11-12T08:46:52.604" v="2783" actId="1038"/>
-          <ac:picMkLst>
-            <pc:docMk/>
-            <pc:sldMk cId="1934544939" sldId="260"/>
-            <ac:picMk id="10" creationId="{38FAE64A-303E-BAFF-8734-6ACA1FC9A7EB}"/>
-          </ac:picMkLst>
-        </pc:picChg>
-        <pc:cxnChg chg="mod">
-          <ac:chgData name="Are Mjaavatten" userId="00bb58f78e5d171c" providerId="LiveId" clId="{055438CC-AB35-4861-8EC0-1B0371FB636C}" dt="2024-11-12T08:46:52.604" v="2783" actId="1038"/>
-          <ac:cxnSpMkLst>
-            <pc:docMk/>
-            <pc:sldMk cId="1934544939" sldId="260"/>
-            <ac:cxnSpMk id="4" creationId="{0F99887B-1764-B7D6-E6BF-25CD0E72B9C1}"/>
-          </ac:cxnSpMkLst>
-        </pc:cxnChg>
-        <pc:cxnChg chg="mod">
-          <ac:chgData name="Are Mjaavatten" userId="00bb58f78e5d171c" providerId="LiveId" clId="{055438CC-AB35-4861-8EC0-1B0371FB636C}" dt="2024-11-12T08:46:52.604" v="2783" actId="1038"/>
-          <ac:cxnSpMkLst>
-            <pc:docMk/>
-            <pc:sldMk cId="1934544939" sldId="260"/>
-            <ac:cxnSpMk id="8" creationId="{2E524776-BF20-4E53-7E4A-E6495BC714E0}"/>
-          </ac:cxnSpMkLst>
-        </pc:cxnChg>
       </pc:sldChg>
       <pc:sldChg chg="modSp mod">
         <pc:chgData name="Are Mjaavatten" userId="00bb58f78e5d171c" providerId="LiveId" clId="{055438CC-AB35-4861-8EC0-1B0371FB636C}" dt="2024-12-02T16:18:45.916" v="3783" actId="20577"/>
@@ -1553,14 +677,6 @@
           <pc:docMk/>
           <pc:sldMk cId="993497870" sldId="265"/>
         </pc:sldMkLst>
-        <pc:spChg chg="mod">
-          <ac:chgData name="Are Mjaavatten" userId="00bb58f78e5d171c" providerId="LiveId" clId="{055438CC-AB35-4861-8EC0-1B0371FB636C}" dt="2024-12-02T16:18:45.916" v="3783" actId="20577"/>
-          <ac:spMkLst>
-            <pc:docMk/>
-            <pc:sldMk cId="993497870" sldId="265"/>
-            <ac:spMk id="3" creationId="{8AFF1A4D-B6A6-002E-0A17-9D9AD3D3BB33}"/>
-          </ac:spMkLst>
-        </pc:spChg>
       </pc:sldChg>
       <pc:sldChg chg="addSp delSp modSp mod">
         <pc:chgData name="Are Mjaavatten" userId="00bb58f78e5d171c" providerId="LiveId" clId="{055438CC-AB35-4861-8EC0-1B0371FB636C}" dt="2024-11-30T16:20:27.993" v="3329" actId="20577"/>
@@ -1568,22 +684,6 @@
           <pc:docMk/>
           <pc:sldMk cId="951915012" sldId="266"/>
         </pc:sldMkLst>
-        <pc:spChg chg="mod">
-          <ac:chgData name="Are Mjaavatten" userId="00bb58f78e5d171c" providerId="LiveId" clId="{055438CC-AB35-4861-8EC0-1B0371FB636C}" dt="2024-11-30T16:20:27.993" v="3329" actId="20577"/>
-          <ac:spMkLst>
-            <pc:docMk/>
-            <pc:sldMk cId="951915012" sldId="266"/>
-            <ac:spMk id="3" creationId="{A7FA766A-B888-9720-5CBA-68732A0A53FB}"/>
-          </ac:spMkLst>
-        </pc:spChg>
-        <pc:picChg chg="add mod">
-          <ac:chgData name="Are Mjaavatten" userId="00bb58f78e5d171c" providerId="LiveId" clId="{055438CC-AB35-4861-8EC0-1B0371FB636C}" dt="2024-11-11T09:24:47.782" v="658" actId="1076"/>
-          <ac:picMkLst>
-            <pc:docMk/>
-            <pc:sldMk cId="951915012" sldId="266"/>
-            <ac:picMk id="5" creationId="{99E187C5-1612-6AAD-AEBB-BDD5539E66DC}"/>
-          </ac:picMkLst>
-        </pc:picChg>
       </pc:sldChg>
       <pc:sldChg chg="ord">
         <pc:chgData name="Are Mjaavatten" userId="00bb58f78e5d171c" providerId="LiveId" clId="{055438CC-AB35-4861-8EC0-1B0371FB636C}" dt="2024-11-23T10:52:54.844" v="3006"/>
@@ -1605,14 +705,6 @@
           <pc:docMk/>
           <pc:sldMk cId="34042762" sldId="269"/>
         </pc:sldMkLst>
-        <pc:spChg chg="mod">
-          <ac:chgData name="Are Mjaavatten" userId="00bb58f78e5d171c" providerId="LiveId" clId="{055438CC-AB35-4861-8EC0-1B0371FB636C}" dt="2024-11-30T16:13:30.137" v="3158" actId="27636"/>
-          <ac:spMkLst>
-            <pc:docMk/>
-            <pc:sldMk cId="34042762" sldId="269"/>
-            <ac:spMk id="3" creationId="{2E9A1E1F-E1FB-D600-D0EE-A17FB6095AFF}"/>
-          </ac:spMkLst>
-        </pc:spChg>
       </pc:sldChg>
       <pc:sldChg chg="modSp mod">
         <pc:chgData name="Are Mjaavatten" userId="00bb58f78e5d171c" providerId="LiveId" clId="{055438CC-AB35-4861-8EC0-1B0371FB636C}" dt="2024-11-30T16:21:23.283" v="3338" actId="20577"/>
@@ -1620,22 +712,6 @@
           <pc:docMk/>
           <pc:sldMk cId="2870539914" sldId="271"/>
         </pc:sldMkLst>
-        <pc:spChg chg="mod">
-          <ac:chgData name="Are Mjaavatten" userId="00bb58f78e5d171c" providerId="LiveId" clId="{055438CC-AB35-4861-8EC0-1B0371FB636C}" dt="2024-11-21T16:57:05.544" v="2933" actId="14100"/>
-          <ac:spMkLst>
-            <pc:docMk/>
-            <pc:sldMk cId="2870539914" sldId="271"/>
-            <ac:spMk id="7" creationId="{BD27EE11-78DD-9B9E-5E6A-F2CB4927025F}"/>
-          </ac:spMkLst>
-        </pc:spChg>
-        <pc:spChg chg="mod">
-          <ac:chgData name="Are Mjaavatten" userId="00bb58f78e5d171c" providerId="LiveId" clId="{055438CC-AB35-4861-8EC0-1B0371FB636C}" dt="2024-11-30T16:21:23.283" v="3338" actId="20577"/>
-          <ac:spMkLst>
-            <pc:docMk/>
-            <pc:sldMk cId="2870539914" sldId="271"/>
-            <ac:spMk id="8" creationId="{DE312110-5C43-D77C-A2EC-47EB6666D900}"/>
-          </ac:spMkLst>
-        </pc:spChg>
       </pc:sldChg>
       <pc:sldChg chg="modSp add del mod">
         <pc:chgData name="Are Mjaavatten" userId="00bb58f78e5d171c" providerId="LiveId" clId="{055438CC-AB35-4861-8EC0-1B0371FB636C}" dt="2024-11-30T17:18:46.612" v="3667" actId="20577"/>
@@ -1643,14 +719,6 @@
           <pc:docMk/>
           <pc:sldMk cId="4127174572" sldId="274"/>
         </pc:sldMkLst>
-        <pc:spChg chg="mod">
-          <ac:chgData name="Are Mjaavatten" userId="00bb58f78e5d171c" providerId="LiveId" clId="{055438CC-AB35-4861-8EC0-1B0371FB636C}" dt="2024-11-30T17:18:46.612" v="3667" actId="20577"/>
-          <ac:spMkLst>
-            <pc:docMk/>
-            <pc:sldMk cId="4127174572" sldId="274"/>
-            <ac:spMk id="3" creationId="{F0A4A313-7E15-500B-ED77-95FD44C0C03E}"/>
-          </ac:spMkLst>
-        </pc:spChg>
       </pc:sldChg>
       <pc:sldChg chg="modSp mod">
         <pc:chgData name="Are Mjaavatten" userId="00bb58f78e5d171c" providerId="LiveId" clId="{055438CC-AB35-4861-8EC0-1B0371FB636C}" dt="2024-11-25T12:06:40.877" v="3109" actId="20577"/>
@@ -1658,14 +726,6 @@
           <pc:docMk/>
           <pc:sldMk cId="929935833" sldId="275"/>
         </pc:sldMkLst>
-        <pc:spChg chg="mod">
-          <ac:chgData name="Are Mjaavatten" userId="00bb58f78e5d171c" providerId="LiveId" clId="{055438CC-AB35-4861-8EC0-1B0371FB636C}" dt="2024-11-25T12:06:40.877" v="3109" actId="20577"/>
-          <ac:spMkLst>
-            <pc:docMk/>
-            <pc:sldMk cId="929935833" sldId="275"/>
-            <ac:spMk id="3" creationId="{3EC9A98D-B096-1765-33CD-BCE98D447E91}"/>
-          </ac:spMkLst>
-        </pc:spChg>
       </pc:sldChg>
       <pc:sldChg chg="addSp modSp mod">
         <pc:chgData name="Are Mjaavatten" userId="00bb58f78e5d171c" providerId="LiveId" clId="{055438CC-AB35-4861-8EC0-1B0371FB636C}" dt="2024-11-30T16:58:28.558" v="3579" actId="20577"/>
@@ -1673,30 +733,6 @@
           <pc:docMk/>
           <pc:sldMk cId="2297231925" sldId="276"/>
         </pc:sldMkLst>
-        <pc:spChg chg="mod">
-          <ac:chgData name="Are Mjaavatten" userId="00bb58f78e5d171c" providerId="LiveId" clId="{055438CC-AB35-4861-8EC0-1B0371FB636C}" dt="2024-11-30T16:58:28.558" v="3579" actId="20577"/>
-          <ac:spMkLst>
-            <pc:docMk/>
-            <pc:sldMk cId="2297231925" sldId="276"/>
-            <ac:spMk id="3" creationId="{B5FCD886-01C1-86A1-9517-53E6F36E8EE2}"/>
-          </ac:spMkLst>
-        </pc:spChg>
-        <pc:spChg chg="add mod">
-          <ac:chgData name="Are Mjaavatten" userId="00bb58f78e5d171c" providerId="LiveId" clId="{055438CC-AB35-4861-8EC0-1B0371FB636C}" dt="2024-11-12T08:50:44.262" v="2806" actId="1076"/>
-          <ac:spMkLst>
-            <pc:docMk/>
-            <pc:sldMk cId="2297231925" sldId="276"/>
-            <ac:spMk id="5" creationId="{C1EAD592-E34D-7FA1-97AF-4797F8D0DEF0}"/>
-          </ac:spMkLst>
-        </pc:spChg>
-        <pc:picChg chg="ord">
-          <ac:chgData name="Are Mjaavatten" userId="00bb58f78e5d171c" providerId="LiveId" clId="{055438CC-AB35-4861-8EC0-1B0371FB636C}" dt="2024-11-12T08:48:28.868" v="2788" actId="167"/>
-          <ac:picMkLst>
-            <pc:docMk/>
-            <pc:sldMk cId="2297231925" sldId="276"/>
-            <ac:picMk id="15" creationId="{33896AFD-8450-EEE1-E053-0E95931B6094}"/>
-          </ac:picMkLst>
-        </pc:picChg>
       </pc:sldChg>
       <pc:sldChg chg="addSp delSp modSp mod">
         <pc:chgData name="Are Mjaavatten" userId="00bb58f78e5d171c" providerId="LiveId" clId="{055438CC-AB35-4861-8EC0-1B0371FB636C}" dt="2024-11-12T09:21:55.071" v="2810" actId="20577"/>
@@ -1704,22 +740,6 @@
           <pc:docMk/>
           <pc:sldMk cId="3795277216" sldId="277"/>
         </pc:sldMkLst>
-        <pc:spChg chg="mod">
-          <ac:chgData name="Are Mjaavatten" userId="00bb58f78e5d171c" providerId="LiveId" clId="{055438CC-AB35-4861-8EC0-1B0371FB636C}" dt="2024-11-12T09:21:55.071" v="2810" actId="20577"/>
-          <ac:spMkLst>
-            <pc:docMk/>
-            <pc:sldMk cId="3795277216" sldId="277"/>
-            <ac:spMk id="3" creationId="{7F22BECD-4858-0BA6-91CA-C9D48FA26E8F}"/>
-          </ac:spMkLst>
-        </pc:spChg>
-        <pc:picChg chg="add mod">
-          <ac:chgData name="Are Mjaavatten" userId="00bb58f78e5d171c" providerId="LiveId" clId="{055438CC-AB35-4861-8EC0-1B0371FB636C}" dt="2024-11-12T09:21:31.861" v="2808"/>
-          <ac:picMkLst>
-            <pc:docMk/>
-            <pc:sldMk cId="3795277216" sldId="277"/>
-            <ac:picMk id="4" creationId="{BB3DE1E5-040F-29CD-83DF-3FCB0C2230EE}"/>
-          </ac:picMkLst>
-        </pc:picChg>
       </pc:sldChg>
       <pc:sldChg chg="modSp mod">
         <pc:chgData name="Are Mjaavatten" userId="00bb58f78e5d171c" providerId="LiveId" clId="{055438CC-AB35-4861-8EC0-1B0371FB636C}" dt="2024-11-30T16:15:11.705" v="3264" actId="20577"/>
@@ -1727,14 +747,6 @@
           <pc:docMk/>
           <pc:sldMk cId="3816220206" sldId="281"/>
         </pc:sldMkLst>
-        <pc:spChg chg="mod">
-          <ac:chgData name="Are Mjaavatten" userId="00bb58f78e5d171c" providerId="LiveId" clId="{055438CC-AB35-4861-8EC0-1B0371FB636C}" dt="2024-11-30T16:15:11.705" v="3264" actId="20577"/>
-          <ac:spMkLst>
-            <pc:docMk/>
-            <pc:sldMk cId="3816220206" sldId="281"/>
-            <ac:spMk id="3" creationId="{D69F0E18-403E-2856-0E01-F43BC137040A}"/>
-          </ac:spMkLst>
-        </pc:spChg>
       </pc:sldChg>
       <pc:sldChg chg="addSp delSp modSp mod setBg">
         <pc:chgData name="Are Mjaavatten" userId="00bb58f78e5d171c" providerId="LiveId" clId="{055438CC-AB35-4861-8EC0-1B0371FB636C}" dt="2024-11-23T11:42:20.981" v="3098" actId="26606"/>
@@ -1742,14 +754,6 @@
           <pc:docMk/>
           <pc:sldMk cId="3469188368" sldId="282"/>
         </pc:sldMkLst>
-        <pc:picChg chg="add mod modCrop">
-          <ac:chgData name="Are Mjaavatten" userId="00bb58f78e5d171c" providerId="LiveId" clId="{055438CC-AB35-4861-8EC0-1B0371FB636C}" dt="2024-11-23T11:42:20.981" v="3098" actId="26606"/>
-          <ac:picMkLst>
-            <pc:docMk/>
-            <pc:sldMk cId="3469188368" sldId="282"/>
-            <ac:picMk id="3" creationId="{E802F7AC-4B89-22BF-A6B4-98171629B24C}"/>
-          </ac:picMkLst>
-        </pc:picChg>
       </pc:sldChg>
       <pc:sldChg chg="ord">
         <pc:chgData name="Are Mjaavatten" userId="00bb58f78e5d171c" providerId="LiveId" clId="{055438CC-AB35-4861-8EC0-1B0371FB636C}" dt="2024-11-30T19:27:30.139" v="3672"/>
@@ -1764,14 +768,6 @@
           <pc:docMk/>
           <pc:sldMk cId="2086630511" sldId="284"/>
         </pc:sldMkLst>
-        <pc:spChg chg="mod">
-          <ac:chgData name="Are Mjaavatten" userId="00bb58f78e5d171c" providerId="LiveId" clId="{055438CC-AB35-4861-8EC0-1B0371FB636C}" dt="2024-12-02T16:45:18.183" v="3806" actId="20577"/>
-          <ac:spMkLst>
-            <pc:docMk/>
-            <pc:sldMk cId="2086630511" sldId="284"/>
-            <ac:spMk id="3" creationId="{5450935E-3A40-D7CF-8176-D0364C5C9505}"/>
-          </ac:spMkLst>
-        </pc:spChg>
       </pc:sldChg>
       <pc:sldChg chg="modSp mod ord">
         <pc:chgData name="Are Mjaavatten" userId="00bb58f78e5d171c" providerId="LiveId" clId="{055438CC-AB35-4861-8EC0-1B0371FB636C}" dt="2024-12-02T16:00:13.839" v="3781" actId="20577"/>
@@ -1779,14 +775,6 @@
           <pc:docMk/>
           <pc:sldMk cId="884547013" sldId="285"/>
         </pc:sldMkLst>
-        <pc:spChg chg="mod">
-          <ac:chgData name="Are Mjaavatten" userId="00bb58f78e5d171c" providerId="LiveId" clId="{055438CC-AB35-4861-8EC0-1B0371FB636C}" dt="2024-12-02T16:00:13.839" v="3781" actId="20577"/>
-          <ac:spMkLst>
-            <pc:docMk/>
-            <pc:sldMk cId="884547013" sldId="285"/>
-            <ac:spMk id="3" creationId="{B0163CB2-48D0-F0C3-D103-BDC6D7DEA086}"/>
-          </ac:spMkLst>
-        </pc:spChg>
       </pc:sldChg>
       <pc:sldChg chg="addSp modSp mod">
         <pc:chgData name="Are Mjaavatten" userId="00bb58f78e5d171c" providerId="LiveId" clId="{055438CC-AB35-4861-8EC0-1B0371FB636C}" dt="2024-11-11T09:13:55.751" v="655" actId="14100"/>
@@ -1794,38 +782,6 @@
           <pc:docMk/>
           <pc:sldMk cId="935628899" sldId="286"/>
         </pc:sldMkLst>
-        <pc:spChg chg="add mod">
-          <ac:chgData name="Are Mjaavatten" userId="00bb58f78e5d171c" providerId="LiveId" clId="{055438CC-AB35-4861-8EC0-1B0371FB636C}" dt="2024-11-11T09:13:16.209" v="651" actId="1076"/>
-          <ac:spMkLst>
-            <pc:docMk/>
-            <pc:sldMk cId="935628899" sldId="286"/>
-            <ac:spMk id="2" creationId="{F814D40B-23D1-45EC-177F-15A1D4F052CA}"/>
-          </ac:spMkLst>
-        </pc:spChg>
-        <pc:cxnChg chg="add mod">
-          <ac:chgData name="Are Mjaavatten" userId="00bb58f78e5d171c" providerId="LiveId" clId="{055438CC-AB35-4861-8EC0-1B0371FB636C}" dt="2024-11-11T09:13:16.209" v="651" actId="1076"/>
-          <ac:cxnSpMkLst>
-            <pc:docMk/>
-            <pc:sldMk cId="935628899" sldId="286"/>
-            <ac:cxnSpMk id="6" creationId="{C4BCDB14-C979-24D7-A89C-374DAE977D81}"/>
-          </ac:cxnSpMkLst>
-        </pc:cxnChg>
-        <pc:cxnChg chg="add mod">
-          <ac:chgData name="Are Mjaavatten" userId="00bb58f78e5d171c" providerId="LiveId" clId="{055438CC-AB35-4861-8EC0-1B0371FB636C}" dt="2024-11-11T09:13:39.555" v="653" actId="14100"/>
-          <ac:cxnSpMkLst>
-            <pc:docMk/>
-            <pc:sldMk cId="935628899" sldId="286"/>
-            <ac:cxnSpMk id="8" creationId="{32F7D5DE-5F54-A901-F012-B8357616DB0A}"/>
-          </ac:cxnSpMkLst>
-        </pc:cxnChg>
-        <pc:cxnChg chg="add mod">
-          <ac:chgData name="Are Mjaavatten" userId="00bb58f78e5d171c" providerId="LiveId" clId="{055438CC-AB35-4861-8EC0-1B0371FB636C}" dt="2024-11-11T09:13:55.751" v="655" actId="14100"/>
-          <ac:cxnSpMkLst>
-            <pc:docMk/>
-            <pc:sldMk cId="935628899" sldId="286"/>
-            <ac:cxnSpMk id="11" creationId="{B91A8E23-51D3-EB1C-9A36-BEA6C4A87086}"/>
-          </ac:cxnSpMkLst>
-        </pc:cxnChg>
       </pc:sldChg>
       <pc:sldChg chg="modSp mod">
         <pc:chgData name="Are Mjaavatten" userId="00bb58f78e5d171c" providerId="LiveId" clId="{055438CC-AB35-4861-8EC0-1B0371FB636C}" dt="2024-11-30T17:04:49.798" v="3600" actId="20577"/>
@@ -1833,14 +789,6 @@
           <pc:docMk/>
           <pc:sldMk cId="3923112241" sldId="287"/>
         </pc:sldMkLst>
-        <pc:spChg chg="mod">
-          <ac:chgData name="Are Mjaavatten" userId="00bb58f78e5d171c" providerId="LiveId" clId="{055438CC-AB35-4861-8EC0-1B0371FB636C}" dt="2024-11-30T17:04:49.798" v="3600" actId="20577"/>
-          <ac:spMkLst>
-            <pc:docMk/>
-            <pc:sldMk cId="3923112241" sldId="287"/>
-            <ac:spMk id="4" creationId="{6BF09426-A00E-F54E-ED38-ED13250CE22D}"/>
-          </ac:spMkLst>
-        </pc:spChg>
       </pc:sldChg>
       <pc:sldChg chg="modSp mod">
         <pc:chgData name="Are Mjaavatten" userId="00bb58f78e5d171c" providerId="LiveId" clId="{055438CC-AB35-4861-8EC0-1B0371FB636C}" dt="2024-11-21T16:59:28.968" v="2958" actId="122"/>
@@ -1848,14 +796,6 @@
           <pc:docMk/>
           <pc:sldMk cId="3156030858" sldId="288"/>
         </pc:sldMkLst>
-        <pc:spChg chg="mod">
-          <ac:chgData name="Are Mjaavatten" userId="00bb58f78e5d171c" providerId="LiveId" clId="{055438CC-AB35-4861-8EC0-1B0371FB636C}" dt="2024-11-21T16:59:28.968" v="2958" actId="122"/>
-          <ac:spMkLst>
-            <pc:docMk/>
-            <pc:sldMk cId="3156030858" sldId="288"/>
-            <ac:spMk id="2" creationId="{B43B8408-7F68-1587-2CB1-314D6FF1119D}"/>
-          </ac:spMkLst>
-        </pc:spChg>
       </pc:sldChg>
       <pc:sldChg chg="modSp mod">
         <pc:chgData name="Are Mjaavatten" userId="00bb58f78e5d171c" providerId="LiveId" clId="{055438CC-AB35-4861-8EC0-1B0371FB636C}" dt="2024-12-02T16:46:47.243" v="3807" actId="790"/>
@@ -1863,14 +803,6 @@
           <pc:docMk/>
           <pc:sldMk cId="2204234833" sldId="290"/>
         </pc:sldMkLst>
-        <pc:spChg chg="mod">
-          <ac:chgData name="Are Mjaavatten" userId="00bb58f78e5d171c" providerId="LiveId" clId="{055438CC-AB35-4861-8EC0-1B0371FB636C}" dt="2024-12-02T16:46:47.243" v="3807" actId="790"/>
-          <ac:spMkLst>
-            <pc:docMk/>
-            <pc:sldMk cId="2204234833" sldId="290"/>
-            <ac:spMk id="3" creationId="{2E6D2D2F-9CE8-051E-3EDD-49C2FA6ADBD3}"/>
-          </ac:spMkLst>
-        </pc:spChg>
       </pc:sldChg>
       <pc:sldChg chg="addSp delSp modSp new del mod modClrScheme chgLayout">
         <pc:chgData name="Are Mjaavatten" userId="00bb58f78e5d171c" providerId="LiveId" clId="{055438CC-AB35-4861-8EC0-1B0371FB636C}" dt="2024-11-10T09:04:45.099" v="36" actId="47"/>
@@ -1885,38 +817,6 @@
           <pc:docMk/>
           <pc:sldMk cId="3375353450" sldId="291"/>
         </pc:sldMkLst>
-        <pc:spChg chg="add mod ord">
-          <ac:chgData name="Are Mjaavatten" userId="00bb58f78e5d171c" providerId="LiveId" clId="{055438CC-AB35-4861-8EC0-1B0371FB636C}" dt="2024-11-10T10:14:11.892" v="58" actId="20577"/>
-          <ac:spMkLst>
-            <pc:docMk/>
-            <pc:sldMk cId="3375353450" sldId="291"/>
-            <ac:spMk id="4" creationId="{559AABA9-62F2-CFAF-9FE3-11ABB0319720}"/>
-          </ac:spMkLst>
-        </pc:spChg>
-        <pc:spChg chg="add mod">
-          <ac:chgData name="Are Mjaavatten" userId="00bb58f78e5d171c" providerId="LiveId" clId="{055438CC-AB35-4861-8EC0-1B0371FB636C}" dt="2024-11-10T10:31:02.621" v="253" actId="1036"/>
-          <ac:spMkLst>
-            <pc:docMk/>
-            <pc:sldMk cId="3375353450" sldId="291"/>
-            <ac:spMk id="11" creationId="{85B9952D-D1E5-0515-5E56-26BE23514BF6}"/>
-          </ac:spMkLst>
-        </pc:spChg>
-        <pc:picChg chg="add mod">
-          <ac:chgData name="Are Mjaavatten" userId="00bb58f78e5d171c" providerId="LiveId" clId="{055438CC-AB35-4861-8EC0-1B0371FB636C}" dt="2024-11-10T09:05:41.512" v="41" actId="1076"/>
-          <ac:picMkLst>
-            <pc:docMk/>
-            <pc:sldMk cId="3375353450" sldId="291"/>
-            <ac:picMk id="5" creationId="{755D8C4A-DE93-58FE-037D-218B20662101}"/>
-          </ac:picMkLst>
-        </pc:picChg>
-        <pc:picChg chg="add mod">
-          <ac:chgData name="Are Mjaavatten" userId="00bb58f78e5d171c" providerId="LiveId" clId="{055438CC-AB35-4861-8EC0-1B0371FB636C}" dt="2024-11-10T10:30:02.453" v="231" actId="1035"/>
-          <ac:picMkLst>
-            <pc:docMk/>
-            <pc:sldMk cId="3375353450" sldId="291"/>
-            <ac:picMk id="13" creationId="{4BA1268A-C807-4C5F-AF8F-326EFDD11402}"/>
-          </ac:picMkLst>
-        </pc:picChg>
       </pc:sldChg>
       <pc:sldChg chg="addSp delSp modSp new mod ord modClrScheme chgLayout">
         <pc:chgData name="Are Mjaavatten" userId="00bb58f78e5d171c" providerId="LiveId" clId="{055438CC-AB35-4861-8EC0-1B0371FB636C}" dt="2024-11-30T16:30:45.475" v="3348"/>
@@ -1924,86 +824,6 @@
           <pc:docMk/>
           <pc:sldMk cId="2324055941" sldId="292"/>
         </pc:sldMkLst>
-        <pc:spChg chg="add mod ord">
-          <ac:chgData name="Are Mjaavatten" userId="00bb58f78e5d171c" providerId="LiveId" clId="{055438CC-AB35-4861-8EC0-1B0371FB636C}" dt="2024-11-21T16:48:27.026" v="2859" actId="122"/>
-          <ac:spMkLst>
-            <pc:docMk/>
-            <pc:sldMk cId="2324055941" sldId="292"/>
-            <ac:spMk id="4" creationId="{393E523C-9FF8-5DBF-807E-15E9F0360A43}"/>
-          </ac:spMkLst>
-        </pc:spChg>
-        <pc:spChg chg="add mod">
-          <ac:chgData name="Are Mjaavatten" userId="00bb58f78e5d171c" providerId="LiveId" clId="{055438CC-AB35-4861-8EC0-1B0371FB636C}" dt="2024-11-10T10:47:56.184" v="459" actId="1076"/>
-          <ac:spMkLst>
-            <pc:docMk/>
-            <pc:sldMk cId="2324055941" sldId="292"/>
-            <ac:spMk id="7" creationId="{C29B2822-7DAF-7BFC-0148-8FC599CCFF99}"/>
-          </ac:spMkLst>
-        </pc:spChg>
-        <pc:spChg chg="add mod">
-          <ac:chgData name="Are Mjaavatten" userId="00bb58f78e5d171c" providerId="LiveId" clId="{055438CC-AB35-4861-8EC0-1B0371FB636C}" dt="2024-11-10T10:47:52.409" v="458" actId="1076"/>
-          <ac:spMkLst>
-            <pc:docMk/>
-            <pc:sldMk cId="2324055941" sldId="292"/>
-            <ac:spMk id="8" creationId="{CEA45F0C-FBAE-4F68-622E-0AA965AEF51E}"/>
-          </ac:spMkLst>
-        </pc:spChg>
-        <pc:spChg chg="add mod">
-          <ac:chgData name="Are Mjaavatten" userId="00bb58f78e5d171c" providerId="LiveId" clId="{055438CC-AB35-4861-8EC0-1B0371FB636C}" dt="2024-11-10T10:47:47.691" v="457" actId="1076"/>
-          <ac:spMkLst>
-            <pc:docMk/>
-            <pc:sldMk cId="2324055941" sldId="292"/>
-            <ac:spMk id="9" creationId="{71E2011A-6411-D281-8C31-42CDB8C2C2B1}"/>
-          </ac:spMkLst>
-        </pc:spChg>
-        <pc:spChg chg="add mod">
-          <ac:chgData name="Are Mjaavatten" userId="00bb58f78e5d171c" providerId="LiveId" clId="{055438CC-AB35-4861-8EC0-1B0371FB636C}" dt="2024-11-10T10:48:49.283" v="467" actId="20577"/>
-          <ac:spMkLst>
-            <pc:docMk/>
-            <pc:sldMk cId="2324055941" sldId="292"/>
-            <ac:spMk id="16" creationId="{B7C652D4-8A1C-53A7-7DE6-94BA871903B3}"/>
-          </ac:spMkLst>
-        </pc:spChg>
-        <pc:spChg chg="add mod">
-          <ac:chgData name="Are Mjaavatten" userId="00bb58f78e5d171c" providerId="LiveId" clId="{055438CC-AB35-4861-8EC0-1B0371FB636C}" dt="2024-11-10T10:50:16.874" v="518" actId="14100"/>
-          <ac:spMkLst>
-            <pc:docMk/>
-            <pc:sldMk cId="2324055941" sldId="292"/>
-            <ac:spMk id="17" creationId="{9DFCE763-CF36-557C-1769-93EA11A1FF0E}"/>
-          </ac:spMkLst>
-        </pc:spChg>
-        <pc:spChg chg="add mod">
-          <ac:chgData name="Are Mjaavatten" userId="00bb58f78e5d171c" providerId="LiveId" clId="{055438CC-AB35-4861-8EC0-1B0371FB636C}" dt="2024-11-10T10:51:49.582" v="583" actId="20577"/>
-          <ac:spMkLst>
-            <pc:docMk/>
-            <pc:sldMk cId="2324055941" sldId="292"/>
-            <ac:spMk id="18" creationId="{AFF007E3-6BCE-3E8C-5621-27522A29897F}"/>
-          </ac:spMkLst>
-        </pc:spChg>
-        <pc:spChg chg="add mod">
-          <ac:chgData name="Are Mjaavatten" userId="00bb58f78e5d171c" providerId="LiveId" clId="{055438CC-AB35-4861-8EC0-1B0371FB636C}" dt="2024-11-10T10:56:11.759" v="638" actId="1037"/>
-          <ac:spMkLst>
-            <pc:docMk/>
-            <pc:sldMk cId="2324055941" sldId="292"/>
-            <ac:spMk id="19" creationId="{5F300220-665E-39C3-5CAD-39DE6F4AE95F}"/>
-          </ac:spMkLst>
-        </pc:spChg>
-        <pc:spChg chg="add mod">
-          <ac:chgData name="Are Mjaavatten" userId="00bb58f78e5d171c" providerId="LiveId" clId="{055438CC-AB35-4861-8EC0-1B0371FB636C}" dt="2024-11-10T10:55:31.260" v="621" actId="208"/>
-          <ac:spMkLst>
-            <pc:docMk/>
-            <pc:sldMk cId="2324055941" sldId="292"/>
-            <ac:spMk id="20" creationId="{8806A3B6-B7CD-383E-4F39-587614CA5FF7}"/>
-          </ac:spMkLst>
-        </pc:spChg>
-        <pc:picChg chg="add mod">
-          <ac:chgData name="Are Mjaavatten" userId="00bb58f78e5d171c" providerId="LiveId" clId="{055438CC-AB35-4861-8EC0-1B0371FB636C}" dt="2024-11-10T10:47:07.596" v="414" actId="1076"/>
-          <ac:picMkLst>
-            <pc:docMk/>
-            <pc:sldMk cId="2324055941" sldId="292"/>
-            <ac:picMk id="11" creationId="{B7F959B8-282A-4B29-3339-16B963050805}"/>
-          </ac:picMkLst>
-        </pc:picChg>
       </pc:sldChg>
       <pc:sldChg chg="modSp new mod">
         <pc:chgData name="Are Mjaavatten" userId="00bb58f78e5d171c" providerId="LiveId" clId="{055438CC-AB35-4861-8EC0-1B0371FB636C}" dt="2024-11-11T13:54:37.713" v="1589" actId="20577"/>
@@ -2011,22 +831,6 @@
           <pc:docMk/>
           <pc:sldMk cId="2158410459" sldId="293"/>
         </pc:sldMkLst>
-        <pc:spChg chg="mod">
-          <ac:chgData name="Are Mjaavatten" userId="00bb58f78e5d171c" providerId="LiveId" clId="{055438CC-AB35-4861-8EC0-1B0371FB636C}" dt="2024-11-11T13:11:50.479" v="721" actId="20577"/>
-          <ac:spMkLst>
-            <pc:docMk/>
-            <pc:sldMk cId="2158410459" sldId="293"/>
-            <ac:spMk id="2" creationId="{7B591BD6-B923-AA65-EEB0-D33B056D7011}"/>
-          </ac:spMkLst>
-        </pc:spChg>
-        <pc:spChg chg="mod">
-          <ac:chgData name="Are Mjaavatten" userId="00bb58f78e5d171c" providerId="LiveId" clId="{055438CC-AB35-4861-8EC0-1B0371FB636C}" dt="2024-11-11T13:54:37.713" v="1589" actId="20577"/>
-          <ac:spMkLst>
-            <pc:docMk/>
-            <pc:sldMk cId="2158410459" sldId="293"/>
-            <ac:spMk id="3" creationId="{EA2D0C46-3AD9-3956-1DDB-02EFB5682D96}"/>
-          </ac:spMkLst>
-        </pc:spChg>
       </pc:sldChg>
       <pc:sldChg chg="modSp new mod">
         <pc:chgData name="Are Mjaavatten" userId="00bb58f78e5d171c" providerId="LiveId" clId="{055438CC-AB35-4861-8EC0-1B0371FB636C}" dt="2024-11-30T17:06:31.800" v="3605" actId="20577"/>
@@ -2034,22 +838,6 @@
           <pc:docMk/>
           <pc:sldMk cId="650093402" sldId="294"/>
         </pc:sldMkLst>
-        <pc:spChg chg="mod">
-          <ac:chgData name="Are Mjaavatten" userId="00bb58f78e5d171c" providerId="LiveId" clId="{055438CC-AB35-4861-8EC0-1B0371FB636C}" dt="2024-11-11T13:52:39.863" v="1515" actId="20577"/>
-          <ac:spMkLst>
-            <pc:docMk/>
-            <pc:sldMk cId="650093402" sldId="294"/>
-            <ac:spMk id="2" creationId="{38D82950-C6BA-5597-B24C-612D7AAAF80B}"/>
-          </ac:spMkLst>
-        </pc:spChg>
-        <pc:spChg chg="mod">
-          <ac:chgData name="Are Mjaavatten" userId="00bb58f78e5d171c" providerId="LiveId" clId="{055438CC-AB35-4861-8EC0-1B0371FB636C}" dt="2024-11-30T17:06:31.800" v="3605" actId="20577"/>
-          <ac:spMkLst>
-            <pc:docMk/>
-            <pc:sldMk cId="650093402" sldId="294"/>
-            <ac:spMk id="3" creationId="{9584E759-2B3F-31BC-6788-D199E2821F0D}"/>
-          </ac:spMkLst>
-        </pc:spChg>
       </pc:sldChg>
       <pc:sldChg chg="addSp delSp modSp new mod">
         <pc:chgData name="Are Mjaavatten" userId="00bb58f78e5d171c" providerId="LiveId" clId="{055438CC-AB35-4861-8EC0-1B0371FB636C}" dt="2024-11-30T16:09:46.668" v="3154" actId="14100"/>
@@ -2057,30 +845,6 @@
           <pc:docMk/>
           <pc:sldMk cId="3201626842" sldId="295"/>
         </pc:sldMkLst>
-        <pc:spChg chg="mod">
-          <ac:chgData name="Are Mjaavatten" userId="00bb58f78e5d171c" providerId="LiveId" clId="{055438CC-AB35-4861-8EC0-1B0371FB636C}" dt="2024-11-21T16:55:06.680" v="2932" actId="122"/>
-          <ac:spMkLst>
-            <pc:docMk/>
-            <pc:sldMk cId="3201626842" sldId="295"/>
-            <ac:spMk id="2" creationId="{391BB5DB-2000-A3A1-03B2-0220EB004B86}"/>
-          </ac:spMkLst>
-        </pc:spChg>
-        <pc:spChg chg="mod">
-          <ac:chgData name="Are Mjaavatten" userId="00bb58f78e5d171c" providerId="LiveId" clId="{055438CC-AB35-4861-8EC0-1B0371FB636C}" dt="2024-11-23T10:50:58.507" v="3004" actId="20577"/>
-          <ac:spMkLst>
-            <pc:docMk/>
-            <pc:sldMk cId="3201626842" sldId="295"/>
-            <ac:spMk id="3" creationId="{AF115D75-50D7-658E-D124-041FD9D2F244}"/>
-          </ac:spMkLst>
-        </pc:spChg>
-        <pc:picChg chg="add mod">
-          <ac:chgData name="Are Mjaavatten" userId="00bb58f78e5d171c" providerId="LiveId" clId="{055438CC-AB35-4861-8EC0-1B0371FB636C}" dt="2024-11-30T16:09:46.668" v="3154" actId="14100"/>
-          <ac:picMkLst>
-            <pc:docMk/>
-            <pc:sldMk cId="3201626842" sldId="295"/>
-            <ac:picMk id="6" creationId="{E751B404-A69C-77D2-6D36-9B0673004626}"/>
-          </ac:picMkLst>
-        </pc:picChg>
       </pc:sldChg>
       <pc:sldChg chg="addSp modSp del mod">
         <pc:chgData name="Are Mjaavatten" userId="00bb58f78e5d171c" providerId="LiveId" clId="{055438CC-AB35-4861-8EC0-1B0371FB636C}" dt="2024-11-25T17:40:59.657" v="3148" actId="47"/>
@@ -2095,38 +859,6 @@
           <pc:docMk/>
           <pc:sldMk cId="2902811654" sldId="297"/>
         </pc:sldMkLst>
-        <pc:spChg chg="mod">
-          <ac:chgData name="Are Mjaavatten" userId="00bb58f78e5d171c" providerId="LiveId" clId="{055438CC-AB35-4861-8EC0-1B0371FB636C}" dt="2024-12-01T16:37:58.819" v="3680" actId="20577"/>
-          <ac:spMkLst>
-            <pc:docMk/>
-            <pc:sldMk cId="2902811654" sldId="297"/>
-            <ac:spMk id="3" creationId="{46702C27-4A64-A7AA-2614-54744B51E38B}"/>
-          </ac:spMkLst>
-        </pc:spChg>
-        <pc:spChg chg="mod">
-          <ac:chgData name="Are Mjaavatten" userId="00bb58f78e5d171c" providerId="LiveId" clId="{055438CC-AB35-4861-8EC0-1B0371FB636C}" dt="2024-12-02T16:20:01.881" v="3798" actId="1076"/>
-          <ac:spMkLst>
-            <pc:docMk/>
-            <pc:sldMk cId="2902811654" sldId="297"/>
-            <ac:spMk id="4" creationId="{CED2EB5C-5D9A-F90A-D849-EF4439D2EF4D}"/>
-          </ac:spMkLst>
-        </pc:spChg>
-        <pc:spChg chg="mod">
-          <ac:chgData name="Are Mjaavatten" userId="00bb58f78e5d171c" providerId="LiveId" clId="{055438CC-AB35-4861-8EC0-1B0371FB636C}" dt="2024-12-02T16:19:37.293" v="3795" actId="20577"/>
-          <ac:spMkLst>
-            <pc:docMk/>
-            <pc:sldMk cId="2902811654" sldId="297"/>
-            <ac:spMk id="5" creationId="{EB6C262D-77CA-287C-A5E0-CF41E40A1100}"/>
-          </ac:spMkLst>
-        </pc:spChg>
-        <pc:cxnChg chg="mod">
-          <ac:chgData name="Are Mjaavatten" userId="00bb58f78e5d171c" providerId="LiveId" clId="{055438CC-AB35-4861-8EC0-1B0371FB636C}" dt="2024-12-02T16:19:50.945" v="3797" actId="1076"/>
-          <ac:cxnSpMkLst>
-            <pc:docMk/>
-            <pc:sldMk cId="2902811654" sldId="297"/>
-            <ac:cxnSpMk id="7" creationId="{C975A1F5-9977-90B9-49A2-B8B084A83779}"/>
-          </ac:cxnSpMkLst>
-        </pc:cxnChg>
       </pc:sldChg>
       <pc:sldChg chg="addSp delSp modSp new mod">
         <pc:chgData name="Are Mjaavatten" userId="00bb58f78e5d171c" providerId="LiveId" clId="{055438CC-AB35-4861-8EC0-1B0371FB636C}" dt="2024-11-30T16:57:56.739" v="3578" actId="1076"/>
@@ -2134,30 +866,6 @@
           <pc:docMk/>
           <pc:sldMk cId="3000256276" sldId="298"/>
         </pc:sldMkLst>
-        <pc:spChg chg="mod">
-          <ac:chgData name="Are Mjaavatten" userId="00bb58f78e5d171c" providerId="LiveId" clId="{055438CC-AB35-4861-8EC0-1B0371FB636C}" dt="2024-11-30T16:39:36.123" v="3431"/>
-          <ac:spMkLst>
-            <pc:docMk/>
-            <pc:sldMk cId="3000256276" sldId="298"/>
-            <ac:spMk id="2" creationId="{42ED12A1-553C-C2B1-D588-B3533A675C5C}"/>
-          </ac:spMkLst>
-        </pc:spChg>
-        <pc:spChg chg="add mod">
-          <ac:chgData name="Are Mjaavatten" userId="00bb58f78e5d171c" providerId="LiveId" clId="{055438CC-AB35-4861-8EC0-1B0371FB636C}" dt="2024-11-30T16:57:56.739" v="3578" actId="1076"/>
-          <ac:spMkLst>
-            <pc:docMk/>
-            <pc:sldMk cId="3000256276" sldId="298"/>
-            <ac:spMk id="7" creationId="{5B2383CE-ACEC-503D-3965-871DE127A4F7}"/>
-          </ac:spMkLst>
-        </pc:spChg>
-        <pc:picChg chg="add mod">
-          <ac:chgData name="Are Mjaavatten" userId="00bb58f78e5d171c" providerId="LiveId" clId="{055438CC-AB35-4861-8EC0-1B0371FB636C}" dt="2024-11-30T16:57:30.374" v="3573" actId="1076"/>
-          <ac:picMkLst>
-            <pc:docMk/>
-            <pc:sldMk cId="3000256276" sldId="298"/>
-            <ac:picMk id="9" creationId="{94D8929B-4B08-240F-AFAE-7A7BE05E9E3F}"/>
-          </ac:picMkLst>
-        </pc:picChg>
       </pc:sldChg>
       <pc:sldChg chg="add del">
         <pc:chgData name="Are Mjaavatten" userId="00bb58f78e5d171c" providerId="LiveId" clId="{055438CC-AB35-4861-8EC0-1B0371FB636C}" dt="2024-11-30T17:24:14.336" v="3669" actId="47"/>
@@ -2179,102 +887,6 @@
           <pc:docMk/>
           <pc:sldMk cId="3633369149" sldId="316"/>
         </pc:sldMkLst>
-        <pc:spChg chg="mod">
-          <ac:chgData name="Are Mjaavatten" userId="00bb58f78e5d171c" providerId="LiveId" clId="{055438CC-AB35-4861-8EC0-1B0371FB636C}" dt="2024-12-02T16:58:42.816" v="3864" actId="404"/>
-          <ac:spMkLst>
-            <pc:docMk/>
-            <pc:sldMk cId="3633369149" sldId="316"/>
-            <ac:spMk id="2" creationId="{CBDB9558-8EBB-0E92-EBD6-A2DA874EDF79}"/>
-          </ac:spMkLst>
-        </pc:spChg>
-        <pc:spChg chg="add del mod">
-          <ac:chgData name="Are Mjaavatten" userId="00bb58f78e5d171c" providerId="LiveId" clId="{055438CC-AB35-4861-8EC0-1B0371FB636C}" dt="2024-12-02T17:22:49.315" v="4138" actId="20577"/>
-          <ac:spMkLst>
-            <pc:docMk/>
-            <pc:sldMk cId="3633369149" sldId="316"/>
-            <ac:spMk id="3" creationId="{AFDCFD55-3A44-7836-029B-B979781BFB28}"/>
-          </ac:spMkLst>
-        </pc:spChg>
-        <pc:spChg chg="add mod">
-          <ac:chgData name="Are Mjaavatten" userId="00bb58f78e5d171c" providerId="LiveId" clId="{055438CC-AB35-4861-8EC0-1B0371FB636C}" dt="2024-12-02T17:11:12.846" v="4020" actId="1076"/>
-          <ac:spMkLst>
-            <pc:docMk/>
-            <pc:sldMk cId="3633369149" sldId="316"/>
-            <ac:spMk id="11" creationId="{9F40E2E0-6DA8-23E8-A6F4-1C4D45CDD135}"/>
-          </ac:spMkLst>
-        </pc:spChg>
-        <pc:spChg chg="add mod">
-          <ac:chgData name="Are Mjaavatten" userId="00bb58f78e5d171c" providerId="LiveId" clId="{055438CC-AB35-4861-8EC0-1B0371FB636C}" dt="2024-12-02T17:21:44.365" v="4137" actId="14100"/>
-          <ac:spMkLst>
-            <pc:docMk/>
-            <pc:sldMk cId="3633369149" sldId="316"/>
-            <ac:spMk id="18" creationId="{D882BC6F-27C7-6685-C18B-453DFA254877}"/>
-          </ac:spMkLst>
-        </pc:spChg>
-        <pc:graphicFrameChg chg="add mod">
-          <ac:chgData name="Are Mjaavatten" userId="00bb58f78e5d171c" providerId="LiveId" clId="{055438CC-AB35-4861-8EC0-1B0371FB636C}" dt="2024-12-02T16:59:02.075" v="3866"/>
-          <ac:graphicFrameMkLst>
-            <pc:docMk/>
-            <pc:sldMk cId="3633369149" sldId="316"/>
-            <ac:graphicFrameMk id="4" creationId="{7EC5787E-CD9C-9306-C92C-3D0C9C54B77C}"/>
-          </ac:graphicFrameMkLst>
-        </pc:graphicFrameChg>
-        <pc:graphicFrameChg chg="add mod modGraphic">
-          <ac:chgData name="Are Mjaavatten" userId="00bb58f78e5d171c" providerId="LiveId" clId="{055438CC-AB35-4861-8EC0-1B0371FB636C}" dt="2024-12-02T17:00:37.603" v="3931" actId="14734"/>
-          <ac:graphicFrameMkLst>
-            <pc:docMk/>
-            <pc:sldMk cId="3633369149" sldId="316"/>
-            <ac:graphicFrameMk id="5" creationId="{D214DE1E-3CBF-2B41-45FB-4965CE50CF00}"/>
-          </ac:graphicFrameMkLst>
-        </pc:graphicFrameChg>
-        <pc:graphicFrameChg chg="add mod modGraphic">
-          <ac:chgData name="Are Mjaavatten" userId="00bb58f78e5d171c" providerId="LiveId" clId="{055438CC-AB35-4861-8EC0-1B0371FB636C}" dt="2024-12-02T17:19:19.064" v="4105" actId="1035"/>
-          <ac:graphicFrameMkLst>
-            <pc:docMk/>
-            <pc:sldMk cId="3633369149" sldId="316"/>
-            <ac:graphicFrameMk id="6" creationId="{28426C0B-476D-19D4-1A2C-3D427061C493}"/>
-          </ac:graphicFrameMkLst>
-        </pc:graphicFrameChg>
-        <pc:picChg chg="add del mod">
-          <ac:chgData name="Are Mjaavatten" userId="00bb58f78e5d171c" providerId="LiveId" clId="{055438CC-AB35-4861-8EC0-1B0371FB636C}" dt="2024-12-02T17:08:49.938" v="3958" actId="478"/>
-          <ac:picMkLst>
-            <pc:docMk/>
-            <pc:sldMk cId="3633369149" sldId="316"/>
-            <ac:picMk id="8" creationId="{C58DA10F-BA72-9549-6ADC-0F751F64909A}"/>
-          </ac:picMkLst>
-        </pc:picChg>
-        <pc:picChg chg="add mod">
-          <ac:chgData name="Are Mjaavatten" userId="00bb58f78e5d171c" providerId="LiveId" clId="{055438CC-AB35-4861-8EC0-1B0371FB636C}" dt="2024-12-02T17:11:02.651" v="4019" actId="1076"/>
-          <ac:picMkLst>
-            <pc:docMk/>
-            <pc:sldMk cId="3633369149" sldId="316"/>
-            <ac:picMk id="10" creationId="{66CD94DF-865D-745A-CEE7-C80F1359134E}"/>
-          </ac:picMkLst>
-        </pc:picChg>
-        <pc:picChg chg="add del">
-          <ac:chgData name="Are Mjaavatten" userId="00bb58f78e5d171c" providerId="LiveId" clId="{055438CC-AB35-4861-8EC0-1B0371FB636C}" dt="2024-12-02T17:13:20.487" v="4022" actId="478"/>
-          <ac:picMkLst>
-            <pc:docMk/>
-            <pc:sldMk cId="3633369149" sldId="316"/>
-            <ac:picMk id="13" creationId="{7DCE9244-428C-C902-4BB0-BFD3848FD47A}"/>
-          </ac:picMkLst>
-        </pc:picChg>
-        <pc:picChg chg="add del mod">
-          <ac:chgData name="Are Mjaavatten" userId="00bb58f78e5d171c" providerId="LiveId" clId="{055438CC-AB35-4861-8EC0-1B0371FB636C}" dt="2024-12-02T17:14:50.133" v="4025" actId="478"/>
-          <ac:picMkLst>
-            <pc:docMk/>
-            <pc:sldMk cId="3633369149" sldId="316"/>
-            <ac:picMk id="15" creationId="{825F9D72-984A-A7AE-0FC8-F96CE591173A}"/>
-          </ac:picMkLst>
-        </pc:picChg>
-        <pc:picChg chg="add mod">
-          <ac:chgData name="Are Mjaavatten" userId="00bb58f78e5d171c" providerId="LiveId" clId="{055438CC-AB35-4861-8EC0-1B0371FB636C}" dt="2024-12-02T17:14:58.290" v="4027" actId="1076"/>
-          <ac:picMkLst>
-            <pc:docMk/>
-            <pc:sldMk cId="3633369149" sldId="316"/>
-            <ac:picMk id="17" creationId="{092FC71F-0969-6E58-55EF-1808F9E1A29D}"/>
-          </ac:picMkLst>
-        </pc:picChg>
       </pc:sldChg>
       <pc:sldChg chg="addSp delSp modSp new mod modClrScheme chgLayout">
         <pc:chgData name="Are Mjaavatten" userId="00bb58f78e5d171c" providerId="LiveId" clId="{055438CC-AB35-4861-8EC0-1B0371FB636C}" dt="2024-12-02T22:07:04.101" v="4788" actId="255"/>
@@ -2282,46 +894,6 @@
           <pc:docMk/>
           <pc:sldMk cId="499171047" sldId="317"/>
         </pc:sldMkLst>
-        <pc:spChg chg="mod ord">
-          <ac:chgData name="Are Mjaavatten" userId="00bb58f78e5d171c" providerId="LiveId" clId="{055438CC-AB35-4861-8EC0-1B0371FB636C}" dt="2024-12-02T17:27:07.130" v="4166" actId="700"/>
-          <ac:spMkLst>
-            <pc:docMk/>
-            <pc:sldMk cId="499171047" sldId="317"/>
-            <ac:spMk id="2" creationId="{C319B966-DCFA-55AF-209B-E5865DA1EC17}"/>
-          </ac:spMkLst>
-        </pc:spChg>
-        <pc:spChg chg="del">
-          <ac:chgData name="Are Mjaavatten" userId="00bb58f78e5d171c" providerId="LiveId" clId="{055438CC-AB35-4861-8EC0-1B0371FB636C}" dt="2024-12-02T17:26:40.006" v="4165" actId="700"/>
-          <ac:spMkLst>
-            <pc:docMk/>
-            <pc:sldMk cId="499171047" sldId="317"/>
-            <ac:spMk id="3" creationId="{2B95194D-2F0D-7100-8851-D969A180B230}"/>
-          </ac:spMkLst>
-        </pc:spChg>
-        <pc:spChg chg="add del mod ord">
-          <ac:chgData name="Are Mjaavatten" userId="00bb58f78e5d171c" providerId="LiveId" clId="{055438CC-AB35-4861-8EC0-1B0371FB636C}" dt="2024-12-02T17:38:13.867" v="4382"/>
-          <ac:spMkLst>
-            <pc:docMk/>
-            <pc:sldMk cId="499171047" sldId="317"/>
-            <ac:spMk id="4" creationId="{821CEF42-FFC5-DFCE-1ABD-D43F48BC47A8}"/>
-          </ac:spMkLst>
-        </pc:spChg>
-        <pc:spChg chg="add mod">
-          <ac:chgData name="Are Mjaavatten" userId="00bb58f78e5d171c" providerId="LiveId" clId="{055438CC-AB35-4861-8EC0-1B0371FB636C}" dt="2024-12-02T22:07:04.101" v="4788" actId="255"/>
-          <ac:spMkLst>
-            <pc:docMk/>
-            <pc:sldMk cId="499171047" sldId="317"/>
-            <ac:spMk id="5" creationId="{C3A6AED0-963F-1F14-8584-8D0BE40B8A6F}"/>
-          </ac:spMkLst>
-        </pc:spChg>
-        <pc:spChg chg="add del mod">
-          <ac:chgData name="Are Mjaavatten" userId="00bb58f78e5d171c" providerId="LiveId" clId="{055438CC-AB35-4861-8EC0-1B0371FB636C}" dt="2024-12-02T17:31:49.884" v="4222" actId="478"/>
-          <ac:spMkLst>
-            <pc:docMk/>
-            <pc:sldMk cId="499171047" sldId="317"/>
-            <ac:spMk id="7" creationId="{50AB6590-90D8-9849-8173-FE7DAD84573F}"/>
-          </ac:spMkLst>
-        </pc:spChg>
       </pc:sldChg>
     </pc:docChg>
   </pc:docChgLst>
@@ -2477,7 +1049,7 @@
           <a:p>
             <a:fld id="{DEC79A4E-9175-427E-BE99-C1822657C876}" type="datetimeFigureOut">
               <a:rPr lang="en-GB" smtClean="0"/>
-              <a:t>09/12/2024</a:t>
+              <a:t>10/04/2025</a:t>
             </a:fld>
             <a:endParaRPr lang="en-GB"/>
           </a:p>
@@ -2677,7 +1249,7 @@
           <a:p>
             <a:fld id="{DEC79A4E-9175-427E-BE99-C1822657C876}" type="datetimeFigureOut">
               <a:rPr lang="en-GB" smtClean="0"/>
-              <a:t>09/12/2024</a:t>
+              <a:t>10/04/2025</a:t>
             </a:fld>
             <a:endParaRPr lang="en-GB"/>
           </a:p>
@@ -2887,7 +1459,7 @@
           <a:p>
             <a:fld id="{DEC79A4E-9175-427E-BE99-C1822657C876}" type="datetimeFigureOut">
               <a:rPr lang="en-GB" smtClean="0"/>
-              <a:t>09/12/2024</a:t>
+              <a:t>10/04/2025</a:t>
             </a:fld>
             <a:endParaRPr lang="en-GB"/>
           </a:p>
@@ -3087,7 +1659,7 @@
           <a:p>
             <a:fld id="{DEC79A4E-9175-427E-BE99-C1822657C876}" type="datetimeFigureOut">
               <a:rPr lang="en-GB" smtClean="0"/>
-              <a:t>09/12/2024</a:t>
+              <a:t>10/04/2025</a:t>
             </a:fld>
             <a:endParaRPr lang="en-GB"/>
           </a:p>
@@ -3363,7 +1935,7 @@
           <a:p>
             <a:fld id="{DEC79A4E-9175-427E-BE99-C1822657C876}" type="datetimeFigureOut">
               <a:rPr lang="en-GB" smtClean="0"/>
-              <a:t>09/12/2024</a:t>
+              <a:t>10/04/2025</a:t>
             </a:fld>
             <a:endParaRPr lang="en-GB"/>
           </a:p>
@@ -3631,7 +2203,7 @@
           <a:p>
             <a:fld id="{DEC79A4E-9175-427E-BE99-C1822657C876}" type="datetimeFigureOut">
               <a:rPr lang="en-GB" smtClean="0"/>
-              <a:t>09/12/2024</a:t>
+              <a:t>10/04/2025</a:t>
             </a:fld>
             <a:endParaRPr lang="en-GB"/>
           </a:p>
@@ -4046,7 +2618,7 @@
           <a:p>
             <a:fld id="{DEC79A4E-9175-427E-BE99-C1822657C876}" type="datetimeFigureOut">
               <a:rPr lang="en-GB" smtClean="0"/>
-              <a:t>09/12/2024</a:t>
+              <a:t>10/04/2025</a:t>
             </a:fld>
             <a:endParaRPr lang="en-GB"/>
           </a:p>
@@ -4188,7 +2760,7 @@
           <a:p>
             <a:fld id="{DEC79A4E-9175-427E-BE99-C1822657C876}" type="datetimeFigureOut">
               <a:rPr lang="en-GB" smtClean="0"/>
-              <a:t>09/12/2024</a:t>
+              <a:t>10/04/2025</a:t>
             </a:fld>
             <a:endParaRPr lang="en-GB"/>
           </a:p>
@@ -4301,7 +2873,7 @@
           <a:p>
             <a:fld id="{DEC79A4E-9175-427E-BE99-C1822657C876}" type="datetimeFigureOut">
               <a:rPr lang="en-GB" smtClean="0"/>
-              <a:t>09/12/2024</a:t>
+              <a:t>10/04/2025</a:t>
             </a:fld>
             <a:endParaRPr lang="en-GB"/>
           </a:p>
@@ -4614,7 +3186,7 @@
           <a:p>
             <a:fld id="{DEC79A4E-9175-427E-BE99-C1822657C876}" type="datetimeFigureOut">
               <a:rPr lang="en-GB" smtClean="0"/>
-              <a:t>09/12/2024</a:t>
+              <a:t>10/04/2025</a:t>
             </a:fld>
             <a:endParaRPr lang="en-GB"/>
           </a:p>
@@ -4903,7 +3475,7 @@
           <a:p>
             <a:fld id="{DEC79A4E-9175-427E-BE99-C1822657C876}" type="datetimeFigureOut">
               <a:rPr lang="en-GB" smtClean="0"/>
-              <a:t>09/12/2024</a:t>
+              <a:t>10/04/2025</a:t>
             </a:fld>
             <a:endParaRPr lang="en-GB"/>
           </a:p>
@@ -5146,7 +3718,7 @@
           <a:p>
             <a:fld id="{DEC79A4E-9175-427E-BE99-C1822657C876}" type="datetimeFigureOut">
               <a:rPr lang="en-GB" smtClean="0"/>
-              <a:t>09/12/2024</a:t>
+              <a:t>10/04/2025</a:t>
             </a:fld>
             <a:endParaRPr lang="en-GB"/>
           </a:p>
@@ -5898,111 +4470,6 @@
           <p:cNvPr id="2" name="Title 1">
             <a:extLst>
               <a:ext uri="{FF2B5EF4-FFF2-40B4-BE49-F238E27FC236}">
-                <a16:creationId xmlns:a16="http://schemas.microsoft.com/office/drawing/2014/main" id="{0674DF78-8B81-C58D-E114-850F556C42DC}"/>
-              </a:ext>
-            </a:extLst>
-          </p:cNvPr>
-          <p:cNvSpPr>
-            <a:spLocks noGrp="1"/>
-          </p:cNvSpPr>
-          <p:nvPr>
-            <p:ph type="title"/>
-          </p:nvPr>
-        </p:nvSpPr>
-        <p:spPr/>
-        <p:txBody>
-          <a:bodyPr/>
-          <a:lstStyle/>
-          <a:p>
-            <a:r>
-              <a:rPr lang="en-GB" dirty="0"/>
-              <a:t>Find individual pull and relax traces (3)</a:t>
-            </a:r>
-          </a:p>
-        </p:txBody>
-      </p:sp>
-      <p:sp>
-        <p:nvSpPr>
-          <p:cNvPr id="3" name="Content Placeholder 2">
-            <a:extLst>
-              <a:ext uri="{FF2B5EF4-FFF2-40B4-BE49-F238E27FC236}">
-                <a16:creationId xmlns:a16="http://schemas.microsoft.com/office/drawing/2014/main" id="{3C134FFE-4202-599D-4DE1-2A816323D0CF}"/>
-              </a:ext>
-            </a:extLst>
-          </p:cNvPr>
-          <p:cNvSpPr>
-            <a:spLocks noGrp="1"/>
-          </p:cNvSpPr>
-          <p:nvPr>
-            <p:ph idx="1"/>
-          </p:nvPr>
-        </p:nvSpPr>
-        <p:spPr/>
-        <p:txBody>
-          <a:bodyPr/>
-          <a:lstStyle/>
-          <a:p>
-            <a:r>
-              <a:rPr lang="en-GB" dirty="0"/>
-              <a:t>I have just learned from Steve Smith that  the pulling and relaxing traces are specified  by the last digit in the COM file</a:t>
-            </a:r>
-          </a:p>
-          <a:p>
-            <a:pPr lvl="1"/>
-            <a:r>
-              <a:rPr lang="en-GB" dirty="0"/>
-              <a:t>(More about the COM file later)</a:t>
-            </a:r>
-          </a:p>
-          <a:p>
-            <a:r>
-              <a:rPr lang="en-GB" dirty="0"/>
-              <a:t>As long as we use experiment files from any of Steve’s instruments the logic of the two previous slides is therefore not needed. </a:t>
-            </a:r>
-          </a:p>
-          <a:p>
-            <a:r>
-              <a:rPr lang="en-GB" dirty="0"/>
-              <a:t>This may be taken into account in future releases</a:t>
-            </a:r>
-          </a:p>
-        </p:txBody>
-      </p:sp>
-    </p:spTree>
-    <p:extLst>
-      <p:ext uri="{BB962C8B-B14F-4D97-AF65-F5344CB8AC3E}">
-        <p14:creationId xmlns:p14="http://schemas.microsoft.com/office/powerpoint/2010/main" val="232088836"/>
-      </p:ext>
-    </p:extLst>
-  </p:cSld>
-  <p:clrMapOvr>
-    <a:masterClrMapping/>
-  </p:clrMapOvr>
-</p:sld>
-</file>
-
-<file path=ppt/slides/slide12.xml><?xml version="1.0" encoding="utf-8"?>
-<p:sld xmlns:a="http://schemas.openxmlformats.org/drawingml/2006/main" xmlns:r="http://schemas.openxmlformats.org/officeDocument/2006/relationships" xmlns:p="http://schemas.openxmlformats.org/presentationml/2006/main">
-  <p:cSld>
-    <p:spTree>
-      <p:nvGrpSpPr>
-        <p:cNvPr id="1" name=""/>
-        <p:cNvGrpSpPr/>
-        <p:nvPr/>
-      </p:nvGrpSpPr>
-      <p:grpSpPr>
-        <a:xfrm>
-          <a:off x="0" y="0"/>
-          <a:ext cx="0" cy="0"/>
-          <a:chOff x="0" y="0"/>
-          <a:chExt cx="0" cy="0"/>
-        </a:xfrm>
-      </p:grpSpPr>
-      <p:sp>
-        <p:nvSpPr>
-          <p:cNvPr id="2" name="Title 1">
-            <a:extLst>
-              <a:ext uri="{FF2B5EF4-FFF2-40B4-BE49-F238E27FC236}">
                 <a16:creationId xmlns:a16="http://schemas.microsoft.com/office/drawing/2014/main" id="{054D8866-5159-A701-9D35-CDD4CB7022C2}"/>
               </a:ext>
             </a:extLst>
@@ -7586,7 +6053,7 @@
 </p:sld>
 </file>
 
-<file path=ppt/slides/slide13.xml><?xml version="1.0" encoding="utf-8"?>
+<file path=ppt/slides/slide12.xml><?xml version="1.0" encoding="utf-8"?>
 <p:sld xmlns:a="http://schemas.openxmlformats.org/drawingml/2006/main" xmlns:r="http://schemas.openxmlformats.org/officeDocument/2006/relationships" xmlns:p="http://schemas.openxmlformats.org/presentationml/2006/main">
   <p:cSld>
     <p:spTree>
@@ -7775,7 +6242,7 @@
 </p:sld>
 </file>
 
-<file path=ppt/slides/slide14.xml><?xml version="1.0" encoding="utf-8"?>
+<file path=ppt/slides/slide13.xml><?xml version="1.0" encoding="utf-8"?>
 <p:sld xmlns:a="http://schemas.openxmlformats.org/drawingml/2006/main" xmlns:r="http://schemas.openxmlformats.org/officeDocument/2006/relationships" xmlns:p="http://schemas.openxmlformats.org/presentationml/2006/main">
   <p:cSld>
     <p:bg>
@@ -8105,7 +6572,7 @@
 </p:sld>
 </file>
 
-<file path=ppt/slides/slide15.xml><?xml version="1.0" encoding="utf-8"?>
+<file path=ppt/slides/slide14.xml><?xml version="1.0" encoding="utf-8"?>
 <p:sld xmlns:a="http://schemas.openxmlformats.org/drawingml/2006/main" xmlns:r="http://schemas.openxmlformats.org/officeDocument/2006/relationships" xmlns:p="http://schemas.openxmlformats.org/presentationml/2006/main">
   <p:cSld>
     <p:spTree>
@@ -8265,7 +6732,7 @@
 </p:sld>
 </file>
 
-<file path=ppt/slides/slide16.xml><?xml version="1.0" encoding="utf-8"?>
+<file path=ppt/slides/slide15.xml><?xml version="1.0" encoding="utf-8"?>
 <p:sld xmlns:a="http://schemas.openxmlformats.org/drawingml/2006/main" xmlns:r="http://schemas.openxmlformats.org/officeDocument/2006/relationships" xmlns:p="http://schemas.openxmlformats.org/presentationml/2006/main">
   <p:cSld>
     <p:spTree>
@@ -8506,7 +6973,7 @@
 </p:sld>
 </file>
 
-<file path=ppt/slides/slide17.xml><?xml version="1.0" encoding="utf-8"?>
+<file path=ppt/slides/slide16.xml><?xml version="1.0" encoding="utf-8"?>
 <p:sld xmlns:a="http://schemas.openxmlformats.org/drawingml/2006/main" xmlns:r="http://schemas.openxmlformats.org/officeDocument/2006/relationships" xmlns:p="http://schemas.openxmlformats.org/presentationml/2006/main">
   <p:cSld>
     <p:spTree>
@@ -8633,7 +7100,7 @@
 </p:sld>
 </file>
 
-<file path=ppt/slides/slide18.xml><?xml version="1.0" encoding="utf-8"?>
+<file path=ppt/slides/slide17.xml><?xml version="1.0" encoding="utf-8"?>
 <p:sld xmlns:a="http://schemas.openxmlformats.org/drawingml/2006/main" xmlns:r="http://schemas.openxmlformats.org/officeDocument/2006/relationships" xmlns:p="http://schemas.openxmlformats.org/presentationml/2006/main">
   <p:cSld>
     <p:spTree>
@@ -8934,7 +7401,7 @@
 </p:sld>
 </file>
 
-<file path=ppt/slides/slide19.xml><?xml version="1.0" encoding="utf-8"?>
+<file path=ppt/slides/slide18.xml><?xml version="1.0" encoding="utf-8"?>
 <p:sld xmlns:a="http://schemas.openxmlformats.org/drawingml/2006/main" xmlns:r="http://schemas.openxmlformats.org/officeDocument/2006/relationships" xmlns:p="http://schemas.openxmlformats.org/presentationml/2006/main">
   <p:cSld>
     <p:spTree>
@@ -9031,7 +7498,7 @@
           <a:p>
             <a:r>
               <a:rPr lang="en-GB" dirty="0"/>
-              <a:t>Thus Δx increases with the rip force</a:t>
+              <a:t>Thus, Δx increases with the rip force</a:t>
             </a:r>
           </a:p>
           <a:p>
@@ -9055,168 +7522,7 @@
 </p:sld>
 </file>
 
-<file path=ppt/slides/slide2.xml><?xml version="1.0" encoding="utf-8"?>
-<p:sld xmlns:a="http://schemas.openxmlformats.org/drawingml/2006/main" xmlns:r="http://schemas.openxmlformats.org/officeDocument/2006/relationships" xmlns:p="http://schemas.openxmlformats.org/presentationml/2006/main">
-  <p:cSld>
-    <p:spTree>
-      <p:nvGrpSpPr>
-        <p:cNvPr id="1" name=""/>
-        <p:cNvGrpSpPr/>
-        <p:nvPr/>
-      </p:nvGrpSpPr>
-      <p:grpSpPr>
-        <a:xfrm>
-          <a:off x="0" y="0"/>
-          <a:ext cx="0" cy="0"/>
-          <a:chOff x="0" y="0"/>
-          <a:chExt cx="0" cy="0"/>
-        </a:xfrm>
-      </p:grpSpPr>
-      <p:sp>
-        <p:nvSpPr>
-          <p:cNvPr id="2" name="Title 1">
-            <a:extLst>
-              <a:ext uri="{FF2B5EF4-FFF2-40B4-BE49-F238E27FC236}">
-                <a16:creationId xmlns:a16="http://schemas.microsoft.com/office/drawing/2014/main" id="{CE4C0D81-2423-A327-649E-0289CF1797B6}"/>
-              </a:ext>
-            </a:extLst>
-          </p:cNvPr>
-          <p:cNvSpPr>
-            <a:spLocks noGrp="1"/>
-          </p:cNvSpPr>
-          <p:nvPr>
-            <p:ph type="title"/>
-          </p:nvPr>
-        </p:nvSpPr>
-        <p:spPr/>
-        <p:txBody>
-          <a:bodyPr/>
-          <a:lstStyle/>
-          <a:p>
-            <a:r>
-              <a:rPr lang="en-GB" dirty="0"/>
-              <a:t>My background</a:t>
-            </a:r>
-          </a:p>
-        </p:txBody>
-      </p:sp>
-      <p:sp>
-        <p:nvSpPr>
-          <p:cNvPr id="3" name="Content Placeholder 2">
-            <a:extLst>
-              <a:ext uri="{FF2B5EF4-FFF2-40B4-BE49-F238E27FC236}">
-                <a16:creationId xmlns:a16="http://schemas.microsoft.com/office/drawing/2014/main" id="{D0ED26A4-2141-C972-F9B5-2DD483F109DF}"/>
-              </a:ext>
-            </a:extLst>
-          </p:cNvPr>
-          <p:cNvSpPr>
-            <a:spLocks noGrp="1"/>
-          </p:cNvSpPr>
-          <p:nvPr>
-            <p:ph idx="1"/>
-          </p:nvPr>
-        </p:nvSpPr>
-        <p:spPr>
-          <a:xfrm>
-            <a:off x="838200" y="1825625"/>
-            <a:ext cx="6740182" cy="4351338"/>
-          </a:xfrm>
-        </p:spPr>
-        <p:txBody>
-          <a:bodyPr>
-            <a:normAutofit/>
-          </a:bodyPr>
-          <a:lstStyle/>
-          <a:p>
-            <a:r>
-              <a:rPr lang="en-GB" dirty="0"/>
-              <a:t>Country: Norway</a:t>
-            </a:r>
-          </a:p>
-          <a:p>
-            <a:r>
-              <a:rPr lang="en-GB" dirty="0"/>
-              <a:t>MSc in physics</a:t>
-            </a:r>
-          </a:p>
-          <a:p>
-            <a:r>
-              <a:rPr lang="en-GB" dirty="0"/>
-              <a:t>PhD in automatic control</a:t>
-            </a:r>
-          </a:p>
-          <a:p>
-            <a:r>
-              <a:rPr lang="en-GB" dirty="0"/>
-              <a:t>Worked in the petroleum and chemical processing industries</a:t>
-            </a:r>
-          </a:p>
-          <a:p>
-            <a:pPr lvl="1"/>
-            <a:r>
-              <a:rPr lang="en-GB" dirty="0"/>
-              <a:t>Mathematical modelling</a:t>
-            </a:r>
-          </a:p>
-          <a:p>
-            <a:pPr lvl="1"/>
-            <a:r>
-              <a:rPr lang="en-GB" dirty="0"/>
-              <a:t>Thermodynamics</a:t>
-            </a:r>
-          </a:p>
-          <a:p>
-            <a:r>
-              <a:rPr lang="en-GB" dirty="0"/>
-              <a:t>Part-time professor at what is now The University of South-Eastern Norway</a:t>
-            </a:r>
-          </a:p>
-        </p:txBody>
-      </p:sp>
-      <p:pic>
-        <p:nvPicPr>
-          <p:cNvPr id="5" name="Picture 4">
-            <a:extLst>
-              <a:ext uri="{FF2B5EF4-FFF2-40B4-BE49-F238E27FC236}">
-                <a16:creationId xmlns:a16="http://schemas.microsoft.com/office/drawing/2014/main" id="{90D430FE-DA88-164F-C76A-0617314B6D59}"/>
-              </a:ext>
-            </a:extLst>
-          </p:cNvPr>
-          <p:cNvPicPr>
-            <a:picLocks noChangeAspect="1"/>
-          </p:cNvPicPr>
-          <p:nvPr/>
-        </p:nvPicPr>
-        <p:blipFill>
-          <a:blip r:embed="rId2"/>
-          <a:stretch>
-            <a:fillRect/>
-          </a:stretch>
-        </p:blipFill>
-        <p:spPr>
-          <a:xfrm>
-            <a:off x="7578381" y="1454727"/>
-            <a:ext cx="4209627" cy="4121927"/>
-          </a:xfrm>
-          <a:prstGeom prst="rect">
-            <a:avLst/>
-          </a:prstGeom>
-        </p:spPr>
-      </p:pic>
-    </p:spTree>
-    <p:extLst>
-      <p:ext uri="{BB962C8B-B14F-4D97-AF65-F5344CB8AC3E}">
-        <p14:creationId xmlns:p14="http://schemas.microsoft.com/office/powerpoint/2010/main" val="3991534619"/>
-      </p:ext>
-    </p:extLst>
-  </p:cSld>
-  <p:clrMapOvr>
-    <a:masterClrMapping/>
-  </p:clrMapOvr>
-</p:sld>
-</file>
-
-<file path=ppt/slides/slide20.xml><?xml version="1.0" encoding="utf-8"?>
+<file path=ppt/slides/slide19.xml><?xml version="1.0" encoding="utf-8"?>
 <p:sld xmlns:a="http://schemas.openxmlformats.org/drawingml/2006/main" xmlns:r="http://schemas.openxmlformats.org/officeDocument/2006/relationships" xmlns:p="http://schemas.openxmlformats.org/presentationml/2006/main">
   <p:cSld>
     <p:spTree>
@@ -9743,7 +8049,168 @@
 </p:sld>
 </file>
 
-<file path=ppt/slides/slide21.xml><?xml version="1.0" encoding="utf-8"?>
+<file path=ppt/slides/slide2.xml><?xml version="1.0" encoding="utf-8"?>
+<p:sld xmlns:a="http://schemas.openxmlformats.org/drawingml/2006/main" xmlns:r="http://schemas.openxmlformats.org/officeDocument/2006/relationships" xmlns:p="http://schemas.openxmlformats.org/presentationml/2006/main">
+  <p:cSld>
+    <p:spTree>
+      <p:nvGrpSpPr>
+        <p:cNvPr id="1" name=""/>
+        <p:cNvGrpSpPr/>
+        <p:nvPr/>
+      </p:nvGrpSpPr>
+      <p:grpSpPr>
+        <a:xfrm>
+          <a:off x="0" y="0"/>
+          <a:ext cx="0" cy="0"/>
+          <a:chOff x="0" y="0"/>
+          <a:chExt cx="0" cy="0"/>
+        </a:xfrm>
+      </p:grpSpPr>
+      <p:sp>
+        <p:nvSpPr>
+          <p:cNvPr id="2" name="Title 1">
+            <a:extLst>
+              <a:ext uri="{FF2B5EF4-FFF2-40B4-BE49-F238E27FC236}">
+                <a16:creationId xmlns:a16="http://schemas.microsoft.com/office/drawing/2014/main" id="{CE4C0D81-2423-A327-649E-0289CF1797B6}"/>
+              </a:ext>
+            </a:extLst>
+          </p:cNvPr>
+          <p:cNvSpPr>
+            <a:spLocks noGrp="1"/>
+          </p:cNvSpPr>
+          <p:nvPr>
+            <p:ph type="title"/>
+          </p:nvPr>
+        </p:nvSpPr>
+        <p:spPr/>
+        <p:txBody>
+          <a:bodyPr/>
+          <a:lstStyle/>
+          <a:p>
+            <a:r>
+              <a:rPr lang="en-GB" dirty="0"/>
+              <a:t>My background</a:t>
+            </a:r>
+          </a:p>
+        </p:txBody>
+      </p:sp>
+      <p:sp>
+        <p:nvSpPr>
+          <p:cNvPr id="3" name="Content Placeholder 2">
+            <a:extLst>
+              <a:ext uri="{FF2B5EF4-FFF2-40B4-BE49-F238E27FC236}">
+                <a16:creationId xmlns:a16="http://schemas.microsoft.com/office/drawing/2014/main" id="{D0ED26A4-2141-C972-F9B5-2DD483F109DF}"/>
+              </a:ext>
+            </a:extLst>
+          </p:cNvPr>
+          <p:cNvSpPr>
+            <a:spLocks noGrp="1"/>
+          </p:cNvSpPr>
+          <p:nvPr>
+            <p:ph idx="1"/>
+          </p:nvPr>
+        </p:nvSpPr>
+        <p:spPr>
+          <a:xfrm>
+            <a:off x="838200" y="1825625"/>
+            <a:ext cx="6740182" cy="4351338"/>
+          </a:xfrm>
+        </p:spPr>
+        <p:txBody>
+          <a:bodyPr>
+            <a:normAutofit/>
+          </a:bodyPr>
+          <a:lstStyle/>
+          <a:p>
+            <a:r>
+              <a:rPr lang="en-GB" dirty="0"/>
+              <a:t>Country: Norway</a:t>
+            </a:r>
+          </a:p>
+          <a:p>
+            <a:r>
+              <a:rPr lang="en-GB" dirty="0"/>
+              <a:t>MSc in physics</a:t>
+            </a:r>
+          </a:p>
+          <a:p>
+            <a:r>
+              <a:rPr lang="en-GB" dirty="0"/>
+              <a:t>PhD in automatic control</a:t>
+            </a:r>
+          </a:p>
+          <a:p>
+            <a:r>
+              <a:rPr lang="en-GB" dirty="0"/>
+              <a:t>Worked in the petroleum and chemical processing industries</a:t>
+            </a:r>
+          </a:p>
+          <a:p>
+            <a:pPr lvl="1"/>
+            <a:r>
+              <a:rPr lang="en-GB" dirty="0"/>
+              <a:t>Mathematical modelling</a:t>
+            </a:r>
+          </a:p>
+          <a:p>
+            <a:pPr lvl="1"/>
+            <a:r>
+              <a:rPr lang="en-GB" dirty="0"/>
+              <a:t>Thermodynamics</a:t>
+            </a:r>
+          </a:p>
+          <a:p>
+            <a:r>
+              <a:rPr lang="en-GB" dirty="0"/>
+              <a:t>Part-time professor at what is now The University of South-Eastern Norway</a:t>
+            </a:r>
+          </a:p>
+        </p:txBody>
+      </p:sp>
+      <p:pic>
+        <p:nvPicPr>
+          <p:cNvPr id="5" name="Picture 4">
+            <a:extLst>
+              <a:ext uri="{FF2B5EF4-FFF2-40B4-BE49-F238E27FC236}">
+                <a16:creationId xmlns:a16="http://schemas.microsoft.com/office/drawing/2014/main" id="{90D430FE-DA88-164F-C76A-0617314B6D59}"/>
+              </a:ext>
+            </a:extLst>
+          </p:cNvPr>
+          <p:cNvPicPr>
+            <a:picLocks noChangeAspect="1"/>
+          </p:cNvPicPr>
+          <p:nvPr/>
+        </p:nvPicPr>
+        <p:blipFill>
+          <a:blip r:embed="rId2"/>
+          <a:stretch>
+            <a:fillRect/>
+          </a:stretch>
+        </p:blipFill>
+        <p:spPr>
+          <a:xfrm>
+            <a:off x="7578381" y="1454727"/>
+            <a:ext cx="4209627" cy="4121927"/>
+          </a:xfrm>
+          <a:prstGeom prst="rect">
+            <a:avLst/>
+          </a:prstGeom>
+        </p:spPr>
+      </p:pic>
+    </p:spTree>
+    <p:extLst>
+      <p:ext uri="{BB962C8B-B14F-4D97-AF65-F5344CB8AC3E}">
+        <p14:creationId xmlns:p14="http://schemas.microsoft.com/office/powerpoint/2010/main" val="3991534619"/>
+      </p:ext>
+    </p:extLst>
+  </p:cSld>
+  <p:clrMapOvr>
+    <a:masterClrMapping/>
+  </p:clrMapOvr>
+</p:sld>
+</file>
+
+<file path=ppt/slides/slide20.xml><?xml version="1.0" encoding="utf-8"?>
 <p:sld xmlns:a="http://schemas.openxmlformats.org/drawingml/2006/main" xmlns:r="http://schemas.openxmlformats.org/officeDocument/2006/relationships" xmlns:p="http://schemas.openxmlformats.org/presentationml/2006/main">
   <p:cSld>
     <p:spTree>
@@ -10014,6 +8481,172 @@
 </p:sld>
 </file>
 
+<file path=ppt/slides/slide21.xml><?xml version="1.0" encoding="utf-8"?>
+<p:sld xmlns:a="http://schemas.openxmlformats.org/drawingml/2006/main" xmlns:r="http://schemas.openxmlformats.org/officeDocument/2006/relationships" xmlns:p="http://schemas.openxmlformats.org/presentationml/2006/main">
+  <p:cSld>
+    <p:spTree>
+      <p:nvGrpSpPr>
+        <p:cNvPr id="1" name=""/>
+        <p:cNvGrpSpPr/>
+        <p:nvPr/>
+      </p:nvGrpSpPr>
+      <p:grpSpPr>
+        <a:xfrm>
+          <a:off x="0" y="0"/>
+          <a:ext cx="0" cy="0"/>
+          <a:chOff x="0" y="0"/>
+          <a:chExt cx="0" cy="0"/>
+        </a:xfrm>
+      </p:grpSpPr>
+      <p:sp>
+        <p:nvSpPr>
+          <p:cNvPr id="2" name="Title 1">
+            <a:extLst>
+              <a:ext uri="{FF2B5EF4-FFF2-40B4-BE49-F238E27FC236}">
+                <a16:creationId xmlns:a16="http://schemas.microsoft.com/office/drawing/2014/main" id="{007274B8-4871-681C-A44C-BACC989A3AEF}"/>
+              </a:ext>
+            </a:extLst>
+          </p:cNvPr>
+          <p:cNvSpPr>
+            <a:spLocks noGrp="1"/>
+          </p:cNvSpPr>
+          <p:nvPr>
+            <p:ph type="title"/>
+          </p:nvPr>
+        </p:nvSpPr>
+        <p:spPr/>
+        <p:txBody>
+          <a:bodyPr/>
+          <a:lstStyle/>
+          <a:p>
+            <a:r>
+              <a:rPr lang="en-GB" dirty="0"/>
+              <a:t>Using Matlab to analyse experiments</a:t>
+            </a:r>
+          </a:p>
+        </p:txBody>
+      </p:sp>
+      <p:sp>
+        <p:nvSpPr>
+          <p:cNvPr id="3" name="Content Placeholder 2">
+            <a:extLst>
+              <a:ext uri="{FF2B5EF4-FFF2-40B4-BE49-F238E27FC236}">
+                <a16:creationId xmlns:a16="http://schemas.microsoft.com/office/drawing/2014/main" id="{D69F0E18-403E-2856-0E01-F43BC137040A}"/>
+              </a:ext>
+            </a:extLst>
+          </p:cNvPr>
+          <p:cNvSpPr>
+            <a:spLocks noGrp="1"/>
+          </p:cNvSpPr>
+          <p:nvPr>
+            <p:ph idx="1"/>
+          </p:nvPr>
+        </p:nvSpPr>
+        <p:spPr>
+          <a:xfrm>
+            <a:off x="838200" y="1825625"/>
+            <a:ext cx="10515600" cy="3346144"/>
+          </a:xfrm>
+        </p:spPr>
+        <p:txBody>
+          <a:bodyPr>
+            <a:normAutofit fontScale="92500" lnSpcReduction="10000"/>
+          </a:bodyPr>
+          <a:lstStyle/>
+          <a:p>
+            <a:r>
+              <a:rPr lang="en-GB" dirty="0"/>
+              <a:t>The following is a quick walk-through</a:t>
+            </a:r>
+          </a:p>
+          <a:p>
+            <a:r>
+              <a:rPr lang="en-GB" dirty="0"/>
+              <a:t>We will go through this more slowly in the exercises</a:t>
+            </a:r>
+          </a:p>
+          <a:p>
+            <a:r>
+              <a:rPr lang="en-GB" dirty="0"/>
+              <a:t>Assuming you have already installed Matlab </a:t>
+            </a:r>
+          </a:p>
+          <a:p>
+            <a:pPr lvl="1"/>
+            <a:r>
+              <a:rPr lang="en-GB" dirty="0"/>
+              <a:t>Or work together with someone who has</a:t>
+            </a:r>
+          </a:p>
+          <a:p>
+            <a:r>
+              <a:rPr lang="en-GB" dirty="0"/>
+              <a:t>Download Matlab files from </a:t>
+            </a:r>
+            <a:br>
+              <a:rPr lang="en-GB" dirty="0"/>
+            </a:br>
+            <a:r>
+              <a:rPr lang="en-GB" dirty="0">
+                <a:hlinkClick r:id="rId2"/>
+              </a:rPr>
+              <a:t>https://github.com/are-mj/OpticalTweezers</a:t>
+            </a:r>
+            <a:endParaRPr lang="en-GB" dirty="0"/>
+          </a:p>
+          <a:p>
+            <a:r>
+              <a:rPr lang="en-GB" dirty="0"/>
+              <a:t>Copy your experiment *.txt files to a folder on your computer</a:t>
+            </a:r>
+          </a:p>
+          <a:p>
+            <a:pPr lvl="1"/>
+            <a:r>
+              <a:rPr lang="en-GB" dirty="0"/>
+              <a:t>Or use a network folder</a:t>
+            </a:r>
+          </a:p>
+          <a:p>
+            <a:endParaRPr lang="en-GB" dirty="0"/>
+          </a:p>
+          <a:p>
+            <a:endParaRPr lang="en-GB" dirty="0"/>
+          </a:p>
+          <a:p>
+            <a:pPr lvl="1"/>
+            <a:endParaRPr lang="en-GB" dirty="0"/>
+          </a:p>
+          <a:p>
+            <a:pPr marL="457200" lvl="1" indent="0">
+              <a:buNone/>
+            </a:pPr>
+            <a:endParaRPr lang="en-GB" dirty="0"/>
+          </a:p>
+          <a:p>
+            <a:pPr marL="457200" lvl="1" indent="0">
+              <a:buNone/>
+            </a:pPr>
+            <a:endParaRPr lang="en-GB" dirty="0"/>
+          </a:p>
+          <a:p>
+            <a:endParaRPr lang="en-GB" dirty="0"/>
+          </a:p>
+        </p:txBody>
+      </p:sp>
+    </p:spTree>
+    <p:extLst>
+      <p:ext uri="{BB962C8B-B14F-4D97-AF65-F5344CB8AC3E}">
+        <p14:creationId xmlns:p14="http://schemas.microsoft.com/office/powerpoint/2010/main" val="3816220206"/>
+      </p:ext>
+    </p:extLst>
+  </p:cSld>
+  <p:clrMapOvr>
+    <a:masterClrMapping/>
+  </p:clrMapOvr>
+</p:sld>
+</file>
+
 <file path=ppt/slides/slide22.xml><?xml version="1.0" encoding="utf-8"?>
 <p:sld xmlns:a="http://schemas.openxmlformats.org/drawingml/2006/main" xmlns:r="http://schemas.openxmlformats.org/officeDocument/2006/relationships" xmlns:p="http://schemas.openxmlformats.org/presentationml/2006/main">
   <p:cSld>
@@ -10036,7 +8669,7 @@
           <p:cNvPr id="2" name="Title 1">
             <a:extLst>
               <a:ext uri="{FF2B5EF4-FFF2-40B4-BE49-F238E27FC236}">
-                <a16:creationId xmlns:a16="http://schemas.microsoft.com/office/drawing/2014/main" id="{007274B8-4871-681C-A44C-BACC989A3AEF}"/>
+                <a16:creationId xmlns:a16="http://schemas.microsoft.com/office/drawing/2014/main" id="{472EBC0F-0863-FC08-A12B-6E5B523BE5B5}"/>
               </a:ext>
             </a:extLst>
           </p:cNvPr>
@@ -10054,7 +8687,7 @@
           <a:p>
             <a:r>
               <a:rPr lang="en-GB" dirty="0"/>
-              <a:t>Using Matlab to analyse experiments</a:t>
+              <a:t>Suggested experiment file organisation</a:t>
             </a:r>
           </a:p>
         </p:txBody>
@@ -10064,7 +8697,7 @@
           <p:cNvPr id="3" name="Content Placeholder 2">
             <a:extLst>
               <a:ext uri="{FF2B5EF4-FFF2-40B4-BE49-F238E27FC236}">
-                <a16:creationId xmlns:a16="http://schemas.microsoft.com/office/drawing/2014/main" id="{D69F0E18-403E-2856-0E01-F43BC137040A}"/>
+                <a16:creationId xmlns:a16="http://schemas.microsoft.com/office/drawing/2014/main" id="{2E9A1E1F-E1FB-D600-D0EE-A17FB6095AFF}"/>
               </a:ext>
             </a:extLst>
           </p:cNvPr>
@@ -10077,100 +8710,134 @@
         </p:nvSpPr>
         <p:spPr>
           <a:xfrm>
-            <a:off x="838200" y="1825625"/>
-            <a:ext cx="10515600" cy="3346144"/>
+            <a:off x="838199" y="1825625"/>
+            <a:ext cx="5729749" cy="4034400"/>
           </a:xfrm>
         </p:spPr>
         <p:txBody>
           <a:bodyPr>
-            <a:normAutofit fontScale="92500" lnSpcReduction="10000"/>
+            <a:normAutofit/>
           </a:bodyPr>
           <a:lstStyle/>
           <a:p>
             <a:r>
-              <a:rPr lang="en-GB" dirty="0"/>
-              <a:t>The following is a quick walk-through</a:t>
-            </a:r>
-          </a:p>
-          <a:p>
-            <a:r>
-              <a:rPr lang="en-GB" dirty="0"/>
-              <a:t>We will go through this more slowly in the exercises</a:t>
-            </a:r>
-          </a:p>
-          <a:p>
-            <a:r>
-              <a:rPr lang="en-GB" dirty="0"/>
-              <a:t>Assuming you have already installed Matlab </a:t>
-            </a:r>
-          </a:p>
-          <a:p>
-            <a:pPr lvl="1"/>
-            <a:r>
-              <a:rPr lang="en-GB" dirty="0"/>
-              <a:t>Or work together with someone who has</a:t>
-            </a:r>
-          </a:p>
-          <a:p>
-            <a:r>
-              <a:rPr lang="en-GB" dirty="0"/>
-              <a:t>Download Matlab files from </a:t>
-            </a:r>
-            <a:br>
-              <a:rPr lang="en-GB" dirty="0"/>
-            </a:br>
-            <a:r>
-              <a:rPr lang="en-GB" dirty="0">
-                <a:hlinkClick r:id="rId2"/>
+              <a:rPr lang="en-GB" sz="2400" dirty="0"/>
+              <a:t>I prefer to store the experiment files in one data folder</a:t>
+            </a:r>
+          </a:p>
+          <a:p>
+            <a:r>
+              <a:rPr lang="en-GB" sz="2400" dirty="0"/>
+              <a:t>I use one level of subfolders for storing experiment files.</a:t>
+            </a:r>
+          </a:p>
+          <a:p>
+            <a:r>
+              <a:rPr lang="en-GB" sz="2400" dirty="0"/>
+              <a:t>Subfolders can for instance be named by experiment date.</a:t>
+            </a:r>
+          </a:p>
+          <a:p>
+            <a:r>
+              <a:rPr lang="en-GB" sz="2400" dirty="0"/>
+              <a:t>Refer to individual file as </a:t>
+            </a:r>
+            <a:r>
+              <a:rPr lang="en-GB" sz="2400" dirty="0" err="1"/>
+              <a:t>e.g</a:t>
+            </a:r>
+            <a:r>
+              <a:rPr lang="en-GB" sz="2400" dirty="0"/>
+              <a:t> . Subfolder1/Aa.txt</a:t>
+            </a:r>
+          </a:p>
+          <a:p>
+            <a:r>
+              <a:rPr lang="en-GB" sz="2400" dirty="0"/>
+              <a:t>Most of my functions automatically add the data folder when needed:</a:t>
+            </a:r>
+          </a:p>
+        </p:txBody>
+      </p:sp>
+      <p:pic>
+        <p:nvPicPr>
+          <p:cNvPr id="5" name="Picture 4">
+            <a:extLst>
+              <a:ext uri="{FF2B5EF4-FFF2-40B4-BE49-F238E27FC236}">
+                <a16:creationId xmlns:a16="http://schemas.microsoft.com/office/drawing/2014/main" id="{7E983D36-8148-C52C-3212-D1C2FF4A54C9}"/>
+              </a:ext>
+            </a:extLst>
+          </p:cNvPr>
+          <p:cNvPicPr>
+            <a:picLocks noChangeAspect="1"/>
+          </p:cNvPicPr>
+          <p:nvPr/>
+        </p:nvPicPr>
+        <p:blipFill>
+          <a:blip r:embed="rId2"/>
+          <a:stretch>
+            <a:fillRect/>
+          </a:stretch>
+        </p:blipFill>
+        <p:spPr>
+          <a:xfrm>
+            <a:off x="6744929" y="1764029"/>
+            <a:ext cx="4916057" cy="3820693"/>
+          </a:xfrm>
+          <a:prstGeom prst="rect">
+            <a:avLst/>
+          </a:prstGeom>
+        </p:spPr>
+      </p:pic>
+      <p:sp>
+        <p:nvSpPr>
+          <p:cNvPr id="6" name="TextBox 5">
+            <a:extLst>
+              <a:ext uri="{FF2B5EF4-FFF2-40B4-BE49-F238E27FC236}">
+                <a16:creationId xmlns:a16="http://schemas.microsoft.com/office/drawing/2014/main" id="{92A6A31D-37FF-95B9-730E-0F42FB9048FE}"/>
+              </a:ext>
+            </a:extLst>
+          </p:cNvPr>
+          <p:cNvSpPr txBox="1"/>
+          <p:nvPr/>
+        </p:nvSpPr>
+        <p:spPr>
+          <a:xfrm>
+            <a:off x="975851" y="5912771"/>
+            <a:ext cx="7883014" cy="461665"/>
+          </a:xfrm>
+          <a:prstGeom prst="rect">
+            <a:avLst/>
+          </a:prstGeom>
+          <a:noFill/>
+        </p:spPr>
+        <p:txBody>
+          <a:bodyPr wrap="square" rtlCol="0">
+            <a:spAutoFit/>
+          </a:bodyPr>
+          <a:lstStyle/>
+          <a:p>
+            <a:r>
+              <a:rPr lang="en-GB" sz="2400" dirty="0" err="1">
+                <a:latin typeface="Consolas" panose="020B0609020204030204" pitchFamily="49" charset="0"/>
+                <a:cs typeface="Courier New" panose="02070309020205020404" pitchFamily="49" charset="0"/>
               </a:rPr>
-              <a:t>https://github.com/are-mj/OpticalTweezers</a:t>
-            </a:r>
-            <a:endParaRPr lang="en-GB" dirty="0"/>
-          </a:p>
-          <a:p>
-            <a:r>
-              <a:rPr lang="en-GB" dirty="0"/>
-              <a:t>Copy your experiment *.txt files to a folder on your computer</a:t>
-            </a:r>
-          </a:p>
-          <a:p>
-            <a:pPr lvl="1"/>
-            <a:r>
-              <a:rPr lang="en-GB" dirty="0"/>
-              <a:t>Or use a network folder</a:t>
-            </a:r>
-          </a:p>
-          <a:p>
-            <a:endParaRPr lang="en-GB" dirty="0"/>
-          </a:p>
-          <a:p>
-            <a:endParaRPr lang="en-GB" dirty="0"/>
-          </a:p>
-          <a:p>
-            <a:pPr lvl="1"/>
-            <a:endParaRPr lang="en-GB" dirty="0"/>
-          </a:p>
-          <a:p>
-            <a:pPr marL="457200" lvl="1" indent="0">
-              <a:buNone/>
-            </a:pPr>
-            <a:endParaRPr lang="en-GB" dirty="0"/>
-          </a:p>
-          <a:p>
-            <a:pPr marL="457200" lvl="1" indent="0">
-              <a:buNone/>
-            </a:pPr>
-            <a:endParaRPr lang="en-GB" dirty="0"/>
-          </a:p>
-          <a:p>
-            <a:endParaRPr lang="en-GB" dirty="0"/>
+              <a:t>fullfile</a:t>
+            </a:r>
+            <a:r>
+              <a:rPr lang="en-GB" sz="2400" dirty="0">
+                <a:latin typeface="Consolas" panose="020B0609020204030204" pitchFamily="49" charset="0"/>
+                <a:cs typeface="Courier New" panose="02070309020205020404" pitchFamily="49" charset="0"/>
+              </a:rPr>
+              <a:t>(datafolder,'Subfolder1/Aa.txt')</a:t>
+            </a:r>
           </a:p>
         </p:txBody>
       </p:sp>
     </p:spTree>
     <p:extLst>
       <p:ext uri="{BB962C8B-B14F-4D97-AF65-F5344CB8AC3E}">
-        <p14:creationId xmlns:p14="http://schemas.microsoft.com/office/powerpoint/2010/main" val="3816220206"/>
+        <p14:creationId xmlns:p14="http://schemas.microsoft.com/office/powerpoint/2010/main" val="34042762"/>
       </p:ext>
     </p:extLst>
   </p:cSld>
@@ -10202,206 +8869,6 @@
           <p:cNvPr id="2" name="Title 1">
             <a:extLst>
               <a:ext uri="{FF2B5EF4-FFF2-40B4-BE49-F238E27FC236}">
-                <a16:creationId xmlns:a16="http://schemas.microsoft.com/office/drawing/2014/main" id="{472EBC0F-0863-FC08-A12B-6E5B523BE5B5}"/>
-              </a:ext>
-            </a:extLst>
-          </p:cNvPr>
-          <p:cNvSpPr>
-            <a:spLocks noGrp="1"/>
-          </p:cNvSpPr>
-          <p:nvPr>
-            <p:ph type="title"/>
-          </p:nvPr>
-        </p:nvSpPr>
-        <p:spPr/>
-        <p:txBody>
-          <a:bodyPr/>
-          <a:lstStyle/>
-          <a:p>
-            <a:r>
-              <a:rPr lang="en-GB" dirty="0"/>
-              <a:t>Suggested experiment file organisation</a:t>
-            </a:r>
-          </a:p>
-        </p:txBody>
-      </p:sp>
-      <p:sp>
-        <p:nvSpPr>
-          <p:cNvPr id="3" name="Content Placeholder 2">
-            <a:extLst>
-              <a:ext uri="{FF2B5EF4-FFF2-40B4-BE49-F238E27FC236}">
-                <a16:creationId xmlns:a16="http://schemas.microsoft.com/office/drawing/2014/main" id="{2E9A1E1F-E1FB-D600-D0EE-A17FB6095AFF}"/>
-              </a:ext>
-            </a:extLst>
-          </p:cNvPr>
-          <p:cNvSpPr>
-            <a:spLocks noGrp="1"/>
-          </p:cNvSpPr>
-          <p:nvPr>
-            <p:ph idx="1"/>
-          </p:nvPr>
-        </p:nvSpPr>
-        <p:spPr>
-          <a:xfrm>
-            <a:off x="838199" y="1825625"/>
-            <a:ext cx="5729749" cy="4034400"/>
-          </a:xfrm>
-        </p:spPr>
-        <p:txBody>
-          <a:bodyPr>
-            <a:normAutofit/>
-          </a:bodyPr>
-          <a:lstStyle/>
-          <a:p>
-            <a:r>
-              <a:rPr lang="en-GB" sz="2400" dirty="0"/>
-              <a:t>I prefer to store the experiment files in one data folder</a:t>
-            </a:r>
-          </a:p>
-          <a:p>
-            <a:r>
-              <a:rPr lang="en-GB" sz="2400" dirty="0"/>
-              <a:t>I use one level of subfolders for storing experiment files.</a:t>
-            </a:r>
-          </a:p>
-          <a:p>
-            <a:r>
-              <a:rPr lang="en-GB" sz="2400" dirty="0"/>
-              <a:t>Subfolders can for instance be named by experiment date.</a:t>
-            </a:r>
-          </a:p>
-          <a:p>
-            <a:r>
-              <a:rPr lang="en-GB" sz="2400" dirty="0"/>
-              <a:t>Refer to individual file as </a:t>
-            </a:r>
-            <a:r>
-              <a:rPr lang="en-GB" sz="2400" dirty="0" err="1"/>
-              <a:t>e.g</a:t>
-            </a:r>
-            <a:r>
-              <a:rPr lang="en-GB" sz="2400" dirty="0"/>
-              <a:t> . Subfolder1/Aa.txt</a:t>
-            </a:r>
-          </a:p>
-          <a:p>
-            <a:r>
-              <a:rPr lang="en-GB" sz="2400" dirty="0"/>
-              <a:t>Most of my functions automatically add the data folder when needed:</a:t>
-            </a:r>
-          </a:p>
-        </p:txBody>
-      </p:sp>
-      <p:pic>
-        <p:nvPicPr>
-          <p:cNvPr id="5" name="Picture 4">
-            <a:extLst>
-              <a:ext uri="{FF2B5EF4-FFF2-40B4-BE49-F238E27FC236}">
-                <a16:creationId xmlns:a16="http://schemas.microsoft.com/office/drawing/2014/main" id="{7E983D36-8148-C52C-3212-D1C2FF4A54C9}"/>
-              </a:ext>
-            </a:extLst>
-          </p:cNvPr>
-          <p:cNvPicPr>
-            <a:picLocks noChangeAspect="1"/>
-          </p:cNvPicPr>
-          <p:nvPr/>
-        </p:nvPicPr>
-        <p:blipFill>
-          <a:blip r:embed="rId2"/>
-          <a:stretch>
-            <a:fillRect/>
-          </a:stretch>
-        </p:blipFill>
-        <p:spPr>
-          <a:xfrm>
-            <a:off x="6744929" y="1764029"/>
-            <a:ext cx="4916057" cy="3820693"/>
-          </a:xfrm>
-          <a:prstGeom prst="rect">
-            <a:avLst/>
-          </a:prstGeom>
-        </p:spPr>
-      </p:pic>
-      <p:sp>
-        <p:nvSpPr>
-          <p:cNvPr id="6" name="TextBox 5">
-            <a:extLst>
-              <a:ext uri="{FF2B5EF4-FFF2-40B4-BE49-F238E27FC236}">
-                <a16:creationId xmlns:a16="http://schemas.microsoft.com/office/drawing/2014/main" id="{92A6A31D-37FF-95B9-730E-0F42FB9048FE}"/>
-              </a:ext>
-            </a:extLst>
-          </p:cNvPr>
-          <p:cNvSpPr txBox="1"/>
-          <p:nvPr/>
-        </p:nvSpPr>
-        <p:spPr>
-          <a:xfrm>
-            <a:off x="975851" y="5912771"/>
-            <a:ext cx="7883014" cy="461665"/>
-          </a:xfrm>
-          <a:prstGeom prst="rect">
-            <a:avLst/>
-          </a:prstGeom>
-          <a:noFill/>
-        </p:spPr>
-        <p:txBody>
-          <a:bodyPr wrap="square" rtlCol="0">
-            <a:spAutoFit/>
-          </a:bodyPr>
-          <a:lstStyle/>
-          <a:p>
-            <a:r>
-              <a:rPr lang="en-GB" sz="2400" dirty="0" err="1">
-                <a:latin typeface="Consolas" panose="020B0609020204030204" pitchFamily="49" charset="0"/>
-                <a:cs typeface="Courier New" panose="02070309020205020404" pitchFamily="49" charset="0"/>
-              </a:rPr>
-              <a:t>fullfile</a:t>
-            </a:r>
-            <a:r>
-              <a:rPr lang="en-GB" sz="2400" dirty="0">
-                <a:latin typeface="Consolas" panose="020B0609020204030204" pitchFamily="49" charset="0"/>
-                <a:cs typeface="Courier New" panose="02070309020205020404" pitchFamily="49" charset="0"/>
-              </a:rPr>
-              <a:t>(datafolder,'Subfolder1/Aa.txt')</a:t>
-            </a:r>
-          </a:p>
-        </p:txBody>
-      </p:sp>
-    </p:spTree>
-    <p:extLst>
-      <p:ext uri="{BB962C8B-B14F-4D97-AF65-F5344CB8AC3E}">
-        <p14:creationId xmlns:p14="http://schemas.microsoft.com/office/powerpoint/2010/main" val="34042762"/>
-      </p:ext>
-    </p:extLst>
-  </p:cSld>
-  <p:clrMapOvr>
-    <a:masterClrMapping/>
-  </p:clrMapOvr>
-</p:sld>
-</file>
-
-<file path=ppt/slides/slide24.xml><?xml version="1.0" encoding="utf-8"?>
-<p:sld xmlns:a="http://schemas.openxmlformats.org/drawingml/2006/main" xmlns:r="http://schemas.openxmlformats.org/officeDocument/2006/relationships" xmlns:p="http://schemas.openxmlformats.org/presentationml/2006/main">
-  <p:cSld>
-    <p:spTree>
-      <p:nvGrpSpPr>
-        <p:cNvPr id="1" name=""/>
-        <p:cNvGrpSpPr/>
-        <p:nvPr/>
-      </p:nvGrpSpPr>
-      <p:grpSpPr>
-        <a:xfrm>
-          <a:off x="0" y="0"/>
-          <a:ext cx="0" cy="0"/>
-          <a:chOff x="0" y="0"/>
-          <a:chExt cx="0" cy="0"/>
-        </a:xfrm>
-      </p:grpSpPr>
-      <p:sp>
-        <p:nvSpPr>
-          <p:cNvPr id="2" name="Title 1">
-            <a:extLst>
-              <a:ext uri="{FF2B5EF4-FFF2-40B4-BE49-F238E27FC236}">
                 <a16:creationId xmlns:a16="http://schemas.microsoft.com/office/drawing/2014/main" id="{F2D3ECFB-9F8A-F64C-E0F4-1BA5B941E386}"/>
               </a:ext>
             </a:extLst>
@@ -10567,7 +9034,7 @@
 </p:sld>
 </file>
 
-<file path=ppt/slides/slide25.xml><?xml version="1.0" encoding="utf-8"?>
+<file path=ppt/slides/slide24.xml><?xml version="1.0" encoding="utf-8"?>
 <p:sld xmlns:a="http://schemas.openxmlformats.org/drawingml/2006/main" xmlns:r="http://schemas.openxmlformats.org/officeDocument/2006/relationships" xmlns:p="http://schemas.openxmlformats.org/presentationml/2006/main">
   <p:cSld>
     <p:spTree>
@@ -10870,7 +9337,7 @@
 </p:sld>
 </file>
 
-<file path=ppt/slides/slide26.xml><?xml version="1.0" encoding="utf-8"?>
+<file path=ppt/slides/slide25.xml><?xml version="1.0" encoding="utf-8"?>
 <p:sld xmlns:a="http://schemas.openxmlformats.org/drawingml/2006/main" xmlns:r="http://schemas.openxmlformats.org/officeDocument/2006/relationships" xmlns:p="http://schemas.openxmlformats.org/presentationml/2006/main">
   <p:cSld>
     <p:spTree>
@@ -11149,7 +9616,7 @@
 </p:sld>
 </file>
 
-<file path=ppt/slides/slide27.xml><?xml version="1.0" encoding="utf-8"?>
+<file path=ppt/slides/slide26.xml><?xml version="1.0" encoding="utf-8"?>
 <p:sld xmlns:a="http://schemas.openxmlformats.org/drawingml/2006/main" xmlns:r="http://schemas.openxmlformats.org/officeDocument/2006/relationships" xmlns:p="http://schemas.openxmlformats.org/presentationml/2006/main">
   <p:cSld>
     <p:spTree>
@@ -11427,7 +9894,7 @@
 </p:sld>
 </file>
 
-<file path=ppt/slides/slide28.xml><?xml version="1.0" encoding="utf-8"?>
+<file path=ppt/slides/slide27.xml><?xml version="1.0" encoding="utf-8"?>
 <p:sld xmlns:a="http://schemas.openxmlformats.org/drawingml/2006/main" xmlns:r="http://schemas.openxmlformats.org/officeDocument/2006/relationships" xmlns:p="http://schemas.openxmlformats.org/presentationml/2006/main">
   <p:cSld>
     <p:spTree>
@@ -11573,6 +10040,399 @@
 </p:sld>
 </file>
 
+<file path=ppt/slides/slide28.xml><?xml version="1.0" encoding="utf-8"?>
+<p:sld xmlns:a="http://schemas.openxmlformats.org/drawingml/2006/main" xmlns:r="http://schemas.openxmlformats.org/officeDocument/2006/relationships" xmlns:p="http://schemas.openxmlformats.org/presentationml/2006/main">
+  <p:cSld>
+    <p:spTree>
+      <p:nvGrpSpPr>
+        <p:cNvPr id="1" name=""/>
+        <p:cNvGrpSpPr/>
+        <p:nvPr/>
+      </p:nvGrpSpPr>
+      <p:grpSpPr>
+        <a:xfrm>
+          <a:off x="0" y="0"/>
+          <a:ext cx="0" cy="0"/>
+          <a:chOff x="0" y="0"/>
+          <a:chExt cx="0" cy="0"/>
+        </a:xfrm>
+      </p:grpSpPr>
+      <p:sp>
+        <p:nvSpPr>
+          <p:cNvPr id="2" name="Title 1">
+            <a:extLst>
+              <a:ext uri="{FF2B5EF4-FFF2-40B4-BE49-F238E27FC236}">
+                <a16:creationId xmlns:a16="http://schemas.microsoft.com/office/drawing/2014/main" id="{C285FB98-B897-4574-450D-72DEB85EE57E}"/>
+              </a:ext>
+            </a:extLst>
+          </p:cNvPr>
+          <p:cNvSpPr>
+            <a:spLocks noGrp="1"/>
+          </p:cNvSpPr>
+          <p:nvPr>
+            <p:ph type="title"/>
+          </p:nvPr>
+        </p:nvSpPr>
+        <p:spPr/>
+        <p:txBody>
+          <a:bodyPr/>
+          <a:lstStyle/>
+          <a:p>
+            <a:r>
+              <a:rPr lang="en-GB" dirty="0" err="1"/>
+              <a:t>Exporting</a:t>
+            </a:r>
+            <a:r>
+              <a:rPr lang="en-GB" dirty="0"/>
+              <a:t> </a:t>
+            </a:r>
+            <a:r>
+              <a:rPr lang="en-GB" dirty="0" err="1"/>
+              <a:t>results</a:t>
+            </a:r>
+            <a:r>
+              <a:rPr lang="en-GB" dirty="0"/>
+              <a:t> </a:t>
+            </a:r>
+            <a:r>
+              <a:rPr lang="en-GB" dirty="0" err="1"/>
+              <a:t>tables</a:t>
+            </a:r>
+            <a:r>
+              <a:rPr lang="en-GB" dirty="0"/>
+              <a:t> Trip and </a:t>
+            </a:r>
+            <a:r>
+              <a:rPr lang="en-GB" dirty="0" err="1"/>
+              <a:t>Tzip</a:t>
+            </a:r>
+            <a:endParaRPr lang="en-GB" dirty="0"/>
+          </a:p>
+        </p:txBody>
+      </p:sp>
+      <p:sp>
+        <p:nvSpPr>
+          <p:cNvPr id="3" name="Content Placeholder 2">
+            <a:extLst>
+              <a:ext uri="{FF2B5EF4-FFF2-40B4-BE49-F238E27FC236}">
+                <a16:creationId xmlns:a16="http://schemas.microsoft.com/office/drawing/2014/main" id="{F0A4A313-7E15-500B-ED77-95FD44C0C03E}"/>
+              </a:ext>
+            </a:extLst>
+          </p:cNvPr>
+          <p:cNvSpPr>
+            <a:spLocks noGrp="1"/>
+          </p:cNvSpPr>
+          <p:nvPr>
+            <p:ph idx="1"/>
+          </p:nvPr>
+        </p:nvSpPr>
+        <p:spPr>
+          <a:xfrm>
+            <a:off x="838200" y="1825625"/>
+            <a:ext cx="10813026" cy="4351338"/>
+          </a:xfrm>
+        </p:spPr>
+        <p:txBody>
+          <a:bodyPr>
+            <a:normAutofit/>
+          </a:bodyPr>
+          <a:lstStyle/>
+          <a:p>
+            <a:r>
+              <a:rPr lang="en-GB" dirty="0" err="1"/>
+              <a:t>Tables</a:t>
+            </a:r>
+            <a:r>
+              <a:rPr lang="en-GB" dirty="0"/>
+              <a:t> </a:t>
+            </a:r>
+            <a:r>
+              <a:rPr lang="en-GB" dirty="0" err="1"/>
+              <a:t>may</a:t>
+            </a:r>
+            <a:r>
+              <a:rPr lang="en-GB" dirty="0"/>
+              <a:t> be </a:t>
+            </a:r>
+            <a:r>
+              <a:rPr lang="en-GB" dirty="0" err="1"/>
+              <a:t>exported</a:t>
+            </a:r>
+            <a:r>
+              <a:rPr lang="en-GB" dirty="0"/>
+              <a:t> to Excel:</a:t>
+            </a:r>
+          </a:p>
+          <a:p>
+            <a:pPr lvl="1"/>
+            <a:r>
+              <a:rPr lang="en-GB" dirty="0" err="1"/>
+              <a:t>Create</a:t>
+            </a:r>
+            <a:r>
+              <a:rPr lang="en-GB" dirty="0"/>
+              <a:t> a </a:t>
+            </a:r>
+            <a:r>
+              <a:rPr lang="en-GB" dirty="0" err="1"/>
+              <a:t>results</a:t>
+            </a:r>
+            <a:r>
+              <a:rPr lang="en-GB" dirty="0"/>
+              <a:t> folder:</a:t>
+            </a:r>
+          </a:p>
+          <a:p>
+            <a:pPr marL="914400" lvl="2" indent="0">
+              <a:buNone/>
+            </a:pPr>
+            <a:r>
+              <a:rPr lang="en-GB" dirty="0" err="1">
+                <a:latin typeface="Consolas" panose="020B0609020204030204" pitchFamily="49" charset="0"/>
+              </a:rPr>
+              <a:t>resultsfolder</a:t>
+            </a:r>
+            <a:r>
+              <a:rPr lang="en-GB" dirty="0">
+                <a:latin typeface="Consolas" panose="020B0609020204030204" pitchFamily="49" charset="0"/>
+              </a:rPr>
+              <a:t> = 'C:\Users\are\</a:t>
+            </a:r>
+            <a:r>
+              <a:rPr lang="en-GB" dirty="0" err="1">
+                <a:latin typeface="Consolas" panose="020B0609020204030204" pitchFamily="49" charset="0"/>
+              </a:rPr>
+              <a:t>myresults</a:t>
+            </a:r>
+            <a:r>
+              <a:rPr lang="en-GB" dirty="0">
+                <a:latin typeface="Consolas" panose="020B0609020204030204" pitchFamily="49" charset="0"/>
+              </a:rPr>
+              <a:t>\';</a:t>
+            </a:r>
+          </a:p>
+          <a:p>
+            <a:pPr marL="914400" lvl="2" indent="0">
+              <a:buNone/>
+            </a:pPr>
+            <a:r>
+              <a:rPr lang="en-GB" dirty="0" err="1">
+                <a:latin typeface="Consolas" panose="020B0609020204030204" pitchFamily="49" charset="0"/>
+              </a:rPr>
+              <a:t>mkdir</a:t>
+            </a:r>
+            <a:r>
+              <a:rPr lang="en-GB" dirty="0">
+                <a:latin typeface="Consolas" panose="020B0609020204030204" pitchFamily="49" charset="0"/>
+              </a:rPr>
+              <a:t>(</a:t>
+            </a:r>
+            <a:r>
+              <a:rPr lang="en-GB" dirty="0" err="1">
+                <a:latin typeface="Consolas" panose="020B0609020204030204" pitchFamily="49" charset="0"/>
+              </a:rPr>
+              <a:t>resultsfolder</a:t>
+            </a:r>
+            <a:r>
+              <a:rPr lang="en-GB" dirty="0">
+                <a:latin typeface="Consolas" panose="020B0609020204030204" pitchFamily="49" charset="0"/>
+              </a:rPr>
+              <a:t>)</a:t>
+            </a:r>
+          </a:p>
+          <a:p>
+            <a:pPr lvl="1"/>
+            <a:r>
+              <a:rPr lang="en-GB" dirty="0" err="1"/>
+              <a:t>Create</a:t>
+            </a:r>
+            <a:r>
+              <a:rPr lang="en-GB" dirty="0"/>
+              <a:t> subfolder</a:t>
+            </a:r>
+          </a:p>
+          <a:p>
+            <a:pPr marL="457200" lvl="1" indent="0">
+              <a:buNone/>
+            </a:pPr>
+            <a:r>
+              <a:rPr lang="en-GB" dirty="0"/>
+              <a:t>	</a:t>
+            </a:r>
+            <a:r>
+              <a:rPr lang="en-GB" sz="2000" dirty="0" err="1">
+                <a:latin typeface="Consolas" panose="020B0609020204030204" pitchFamily="49" charset="0"/>
+              </a:rPr>
+              <a:t>mkdir</a:t>
+            </a:r>
+            <a:r>
+              <a:rPr lang="en-GB" sz="2000" dirty="0">
+                <a:latin typeface="Consolas" panose="020B0609020204030204" pitchFamily="49" charset="0"/>
+              </a:rPr>
+              <a:t>(resultsfolder,"20231212")</a:t>
+            </a:r>
+            <a:r>
+              <a:rPr lang="en-GB" dirty="0"/>
+              <a:t>	</a:t>
+            </a:r>
+          </a:p>
+          <a:p>
+            <a:pPr lvl="1"/>
+            <a:r>
+              <a:rPr lang="en-GB" dirty="0"/>
+              <a:t>Save tables</a:t>
+            </a:r>
+            <a:br>
+              <a:rPr lang="en-GB" dirty="0"/>
+            </a:br>
+            <a:r>
+              <a:rPr lang="en-GB" dirty="0"/>
+              <a:t>	</a:t>
+            </a:r>
+            <a:r>
+              <a:rPr lang="en-GB" sz="2000" dirty="0">
+                <a:latin typeface="Consolas" panose="020B0609020204030204" pitchFamily="49" charset="0"/>
+              </a:rPr>
+              <a:t>save 20231212/</a:t>
+            </a:r>
+            <a:r>
+              <a:rPr lang="en-GB" sz="2000" dirty="0" err="1">
+                <a:latin typeface="Consolas" panose="020B0609020204030204" pitchFamily="49" charset="0"/>
+              </a:rPr>
+              <a:t>BA.mat</a:t>
+            </a:r>
+            <a:r>
+              <a:rPr lang="en-GB" sz="2000" dirty="0">
+                <a:latin typeface="Consolas" panose="020B0609020204030204" pitchFamily="49" charset="0"/>
+              </a:rPr>
+              <a:t> Trip </a:t>
+            </a:r>
+            <a:r>
+              <a:rPr lang="en-GB" sz="2000" dirty="0" err="1">
+                <a:latin typeface="Consolas" panose="020B0609020204030204" pitchFamily="49" charset="0"/>
+              </a:rPr>
+              <a:t>Tzip</a:t>
+            </a:r>
+            <a:endParaRPr lang="en-GB" sz="2000" dirty="0">
+              <a:latin typeface="Consolas" panose="020B0609020204030204" pitchFamily="49" charset="0"/>
+            </a:endParaRPr>
+          </a:p>
+          <a:p>
+            <a:pPr lvl="1"/>
+            <a:r>
+              <a:rPr lang="en-GB" dirty="0" err="1"/>
+              <a:t>Create</a:t>
+            </a:r>
+            <a:r>
+              <a:rPr lang="en-GB" dirty="0"/>
+              <a:t> Excel file</a:t>
+            </a:r>
+          </a:p>
+          <a:p>
+            <a:pPr marL="0" indent="0">
+              <a:buNone/>
+            </a:pPr>
+            <a:r>
+              <a:rPr lang="en-GB" sz="2000" dirty="0" err="1">
+                <a:latin typeface="Consolas" panose="020B0609020204030204" pitchFamily="49" charset="0"/>
+              </a:rPr>
+              <a:t>writetable</a:t>
+            </a:r>
+            <a:r>
+              <a:rPr lang="en-GB" sz="2000" dirty="0">
+                <a:latin typeface="Consolas" panose="020B0609020204030204" pitchFamily="49" charset="0"/>
+              </a:rPr>
+              <a:t>(</a:t>
+            </a:r>
+            <a:r>
+              <a:rPr lang="en-GB" sz="2000" dirty="0" err="1">
+                <a:latin typeface="Consolas" panose="020B0609020204030204" pitchFamily="49" charset="0"/>
+              </a:rPr>
+              <a:t>Trip,fullfile</a:t>
+            </a:r>
+            <a:r>
+              <a:rPr lang="en-GB" sz="2000" dirty="0">
+                <a:latin typeface="Consolas" panose="020B0609020204030204" pitchFamily="49" charset="0"/>
+              </a:rPr>
+              <a:t>(resultsfolder,"20231212/BA.xlsx"),"</a:t>
+            </a:r>
+            <a:r>
+              <a:rPr lang="en-GB" sz="2000" dirty="0" err="1">
+                <a:latin typeface="Consolas" panose="020B0609020204030204" pitchFamily="49" charset="0"/>
+              </a:rPr>
+              <a:t>Sheet","Rips</a:t>
+            </a:r>
+            <a:r>
+              <a:rPr lang="en-GB" sz="2000" dirty="0">
+                <a:latin typeface="Consolas" panose="020B0609020204030204" pitchFamily="49" charset="0"/>
+              </a:rPr>
+              <a:t>");</a:t>
+            </a:r>
+          </a:p>
+          <a:p>
+            <a:pPr marL="0" indent="0">
+              <a:buNone/>
+            </a:pPr>
+            <a:r>
+              <a:rPr lang="en-GB" sz="2000" dirty="0" err="1">
+                <a:latin typeface="Consolas" panose="020B0609020204030204" pitchFamily="49" charset="0"/>
+              </a:rPr>
+              <a:t>writetable</a:t>
+            </a:r>
+            <a:r>
+              <a:rPr lang="en-GB" sz="2000" dirty="0">
+                <a:latin typeface="Consolas" panose="020B0609020204030204" pitchFamily="49" charset="0"/>
+              </a:rPr>
+              <a:t>(</a:t>
+            </a:r>
+            <a:r>
+              <a:rPr lang="en-GB" sz="2000" dirty="0" err="1">
+                <a:latin typeface="Consolas" panose="020B0609020204030204" pitchFamily="49" charset="0"/>
+              </a:rPr>
+              <a:t>Tzip,fullfile</a:t>
+            </a:r>
+            <a:r>
+              <a:rPr lang="en-GB" sz="2000" dirty="0">
+                <a:latin typeface="Consolas" panose="020B0609020204030204" pitchFamily="49" charset="0"/>
+              </a:rPr>
+              <a:t>(resultsfolder,"20231212/BA.xlsx"),"</a:t>
+            </a:r>
+            <a:r>
+              <a:rPr lang="en-GB" sz="2000" dirty="0" err="1">
+                <a:latin typeface="Consolas" panose="020B0609020204030204" pitchFamily="49" charset="0"/>
+              </a:rPr>
+              <a:t>Sheet",“Zips</a:t>
+            </a:r>
+            <a:r>
+              <a:rPr lang="en-GB" sz="2000" dirty="0">
+                <a:latin typeface="Consolas" panose="020B0609020204030204" pitchFamily="49" charset="0"/>
+              </a:rPr>
+              <a:t>");</a:t>
+            </a:r>
+          </a:p>
+          <a:p>
+            <a:pPr marL="457200" lvl="1" indent="0">
+              <a:buNone/>
+            </a:pPr>
+            <a:endParaRPr lang="en-GB" sz="2000" dirty="0">
+              <a:latin typeface="Consolas" panose="020B0609020204030204" pitchFamily="49" charset="0"/>
+            </a:endParaRPr>
+          </a:p>
+        </p:txBody>
+      </p:sp>
+    </p:spTree>
+    <p:extLst>
+      <p:ext uri="{BB962C8B-B14F-4D97-AF65-F5344CB8AC3E}">
+        <p14:creationId xmlns:p14="http://schemas.microsoft.com/office/powerpoint/2010/main" val="4127174572"/>
+      </p:ext>
+    </p:extLst>
+  </p:cSld>
+  <p:clrMapOvr>
+    <a:masterClrMapping/>
+  </p:clrMapOvr>
+</p:sld>
+</file>
+
 <file path=ppt/slides/slide29.xml><?xml version="1.0" encoding="utf-8"?>
 <p:sld xmlns:a="http://schemas.openxmlformats.org/drawingml/2006/main" xmlns:r="http://schemas.openxmlformats.org/officeDocument/2006/relationships" xmlns:p="http://schemas.openxmlformats.org/presentationml/2006/main">
   <p:cSld>
@@ -11595,7 +10455,7 @@
           <p:cNvPr id="2" name="Title 1">
             <a:extLst>
               <a:ext uri="{FF2B5EF4-FFF2-40B4-BE49-F238E27FC236}">
-                <a16:creationId xmlns:a16="http://schemas.microsoft.com/office/drawing/2014/main" id="{C285FB98-B897-4574-450D-72DEB85EE57E}"/>
+                <a16:creationId xmlns:a16="http://schemas.microsoft.com/office/drawing/2014/main" id="{624CB892-5379-B693-0976-3ADA88506E05}"/>
               </a:ext>
             </a:extLst>
           </p:cNvPr>
@@ -11612,34 +10472,17 @@
           <a:lstStyle/>
           <a:p>
             <a:r>
+              <a:rPr lang="en-GB" dirty="0"/>
+              <a:t>The </a:t>
+            </a:r>
+            <a:r>
               <a:rPr lang="en-GB" dirty="0" err="1"/>
-              <a:t>Exporting</a:t>
-            </a:r>
-            <a:r>
-              <a:rPr lang="en-GB" dirty="0"/>
-              <a:t> </a:t>
-            </a:r>
-            <a:r>
-              <a:rPr lang="en-GB" dirty="0" err="1"/>
-              <a:t>results</a:t>
-            </a:r>
-            <a:r>
-              <a:rPr lang="en-GB" dirty="0"/>
-              <a:t> </a:t>
-            </a:r>
-            <a:r>
-              <a:rPr lang="en-GB" dirty="0" err="1"/>
-              <a:t>tables</a:t>
-            </a:r>
-            <a:r>
-              <a:rPr lang="en-GB" dirty="0"/>
-              <a:t> Trip and </a:t>
-            </a:r>
-            <a:r>
-              <a:rPr lang="en-GB" dirty="0" err="1"/>
-              <a:t>Tzip</a:t>
-            </a:r>
-            <a:endParaRPr lang="en-GB" dirty="0"/>
+              <a:t>RipAnalysis</a:t>
+            </a:r>
+            <a:r>
+              <a:rPr lang="en-GB" dirty="0"/>
+              <a:t> Matlab App</a:t>
+            </a:r>
           </a:p>
         </p:txBody>
       </p:sp>
@@ -11648,7 +10491,7 @@
           <p:cNvPr id="3" name="Content Placeholder 2">
             <a:extLst>
               <a:ext uri="{FF2B5EF4-FFF2-40B4-BE49-F238E27FC236}">
-                <a16:creationId xmlns:a16="http://schemas.microsoft.com/office/drawing/2014/main" id="{F0A4A313-7E15-500B-ED77-95FD44C0C03E}"/>
+                <a16:creationId xmlns:a16="http://schemas.microsoft.com/office/drawing/2014/main" id="{26D403B4-3D4C-2078-2A01-4ACE7A34BB43}"/>
               </a:ext>
             </a:extLst>
           </p:cNvPr>
@@ -11659,12 +10502,7 @@
             <p:ph idx="1"/>
           </p:nvPr>
         </p:nvSpPr>
-        <p:spPr>
-          <a:xfrm>
-            <a:off x="838200" y="1825625"/>
-            <a:ext cx="10813026" cy="4351338"/>
-          </a:xfrm>
-        </p:spPr>
+        <p:spPr/>
         <p:txBody>
           <a:bodyPr>
             <a:normAutofit/>
@@ -11672,291 +10510,61 @@
           <a:lstStyle/>
           <a:p>
             <a:r>
-              <a:rPr lang="en-GB" dirty="0" err="1"/>
-              <a:t>Tables</a:t>
-            </a:r>
-            <a:r>
-              <a:rPr lang="en-GB" dirty="0"/>
-              <a:t> </a:t>
-            </a:r>
-            <a:r>
-              <a:rPr lang="en-GB" dirty="0" err="1"/>
-              <a:t>may</a:t>
-            </a:r>
-            <a:r>
-              <a:rPr lang="en-GB" dirty="0"/>
-              <a:t> be </a:t>
-            </a:r>
-            <a:r>
-              <a:rPr lang="en-GB" dirty="0" err="1"/>
-              <a:t>exported</a:t>
-            </a:r>
-            <a:r>
-              <a:rPr lang="en-GB" dirty="0"/>
-              <a:t> to Excel:</a:t>
-            </a:r>
-          </a:p>
-          <a:p>
-            <a:pPr lvl="1"/>
-            <a:r>
-              <a:rPr lang="en-GB" dirty="0" err="1"/>
-              <a:t>Create</a:t>
-            </a:r>
-            <a:r>
-              <a:rPr lang="en-GB" dirty="0"/>
-              <a:t> a </a:t>
-            </a:r>
-            <a:r>
-              <a:rPr lang="en-GB" dirty="0" err="1"/>
-              <a:t>results</a:t>
-            </a:r>
-            <a:r>
-              <a:rPr lang="en-GB" dirty="0"/>
-              <a:t> folder:</a:t>
-            </a:r>
-          </a:p>
-          <a:p>
-            <a:pPr marL="914400" lvl="2" indent="0">
-              <a:buNone/>
-            </a:pPr>
-            <a:r>
-              <a:rPr lang="en-GB" dirty="0" err="1">
-                <a:latin typeface="Consolas" panose="020B0609020204030204" pitchFamily="49" charset="0"/>
-              </a:rPr>
-              <a:t>resultsfolder</a:t>
-            </a:r>
-            <a:r>
-              <a:rPr lang="en-GB" dirty="0">
-                <a:latin typeface="Consolas" panose="020B0609020204030204" pitchFamily="49" charset="0"/>
-              </a:rPr>
-              <a:t> = 'C:\Users\are\</a:t>
-            </a:r>
-            <a:r>
-              <a:rPr lang="en-GB" dirty="0" err="1">
-                <a:latin typeface="Consolas" panose="020B0609020204030204" pitchFamily="49" charset="0"/>
-              </a:rPr>
-              <a:t>myresults</a:t>
-            </a:r>
-            <a:r>
-              <a:rPr lang="en-GB" dirty="0">
-                <a:latin typeface="Consolas" panose="020B0609020204030204" pitchFamily="49" charset="0"/>
-              </a:rPr>
-              <a:t>\';</a:t>
-            </a:r>
-          </a:p>
-          <a:p>
-            <a:pPr marL="914400" lvl="2" indent="0">
-              <a:buNone/>
-            </a:pPr>
-            <a:r>
-              <a:rPr lang="en-GB" dirty="0" err="1">
-                <a:latin typeface="Consolas" panose="020B0609020204030204" pitchFamily="49" charset="0"/>
-              </a:rPr>
-              <a:t>mkdir</a:t>
-            </a:r>
-            <a:r>
-              <a:rPr lang="en-GB" dirty="0">
-                <a:latin typeface="Consolas" panose="020B0609020204030204" pitchFamily="49" charset="0"/>
-              </a:rPr>
-              <a:t>(</a:t>
-            </a:r>
-            <a:r>
-              <a:rPr lang="en-GB" dirty="0" err="1">
-                <a:latin typeface="Consolas" panose="020B0609020204030204" pitchFamily="49" charset="0"/>
-              </a:rPr>
-              <a:t>resultsfolder</a:t>
-            </a:r>
-            <a:r>
-              <a:rPr lang="en-GB" dirty="0">
-                <a:latin typeface="Consolas" panose="020B0609020204030204" pitchFamily="49" charset="0"/>
-              </a:rPr>
-              <a:t>)</a:t>
-            </a:r>
-          </a:p>
-          <a:p>
-            <a:pPr lvl="1"/>
-            <a:r>
-              <a:rPr lang="en-GB" dirty="0" err="1"/>
-              <a:t>Create</a:t>
-            </a:r>
-            <a:r>
-              <a:rPr lang="en-GB" dirty="0"/>
-              <a:t> subfolder</a:t>
-            </a:r>
-          </a:p>
-          <a:p>
-            <a:pPr marL="457200" lvl="1" indent="0">
-              <a:buNone/>
-            </a:pPr>
-            <a:r>
-              <a:rPr lang="en-GB" dirty="0"/>
-              <a:t>	</a:t>
-            </a:r>
-            <a:r>
-              <a:rPr lang="en-GB" sz="2000" dirty="0" err="1">
-                <a:latin typeface="Consolas" panose="020B0609020204030204" pitchFamily="49" charset="0"/>
-              </a:rPr>
-              <a:t>mkdir</a:t>
-            </a:r>
-            <a:r>
-              <a:rPr lang="en-GB" sz="2000" dirty="0">
-                <a:latin typeface="Consolas" panose="020B0609020204030204" pitchFamily="49" charset="0"/>
-              </a:rPr>
-              <a:t>(resultsfolder,"20231212")</a:t>
-            </a:r>
-            <a:r>
-              <a:rPr lang="en-GB" dirty="0"/>
-              <a:t>	</a:t>
-            </a:r>
-          </a:p>
-          <a:p>
-            <a:pPr lvl="1"/>
-            <a:r>
-              <a:rPr lang="en-GB" dirty="0"/>
-              <a:t>Save tables</a:t>
-            </a:r>
-            <a:br>
-              <a:rPr lang="en-GB" dirty="0"/>
-            </a:br>
-            <a:r>
-              <a:rPr lang="en-GB" dirty="0"/>
-              <a:t>	</a:t>
-            </a:r>
-            <a:r>
-              <a:rPr lang="en-GB" sz="2000" dirty="0">
-                <a:latin typeface="Consolas" panose="020B0609020204030204" pitchFamily="49" charset="0"/>
-              </a:rPr>
-              <a:t>save 20231212/</a:t>
-            </a:r>
-            <a:r>
-              <a:rPr lang="en-GB" sz="2000" dirty="0" err="1">
-                <a:latin typeface="Consolas" panose="020B0609020204030204" pitchFamily="49" charset="0"/>
-              </a:rPr>
-              <a:t>BA.mat</a:t>
-            </a:r>
-            <a:r>
-              <a:rPr lang="en-GB" sz="2000" dirty="0">
-                <a:latin typeface="Consolas" panose="020B0609020204030204" pitchFamily="49" charset="0"/>
-              </a:rPr>
-              <a:t> Trip </a:t>
-            </a:r>
-            <a:r>
-              <a:rPr lang="en-GB" sz="2000" dirty="0" err="1">
-                <a:latin typeface="Consolas" panose="020B0609020204030204" pitchFamily="49" charset="0"/>
-              </a:rPr>
-              <a:t>Tzip</a:t>
-            </a:r>
-            <a:endParaRPr lang="en-GB" sz="2000" dirty="0">
-              <a:latin typeface="Consolas" panose="020B0609020204030204" pitchFamily="49" charset="0"/>
-            </a:endParaRPr>
-          </a:p>
-          <a:p>
-            <a:pPr lvl="1"/>
-            <a:r>
-              <a:rPr lang="en-GB" dirty="0" err="1"/>
-              <a:t>Create</a:t>
-            </a:r>
-            <a:r>
-              <a:rPr lang="en-GB" dirty="0"/>
-              <a:t> Excel file</a:t>
-            </a:r>
-          </a:p>
-          <a:p>
-            <a:pPr marL="0" indent="0">
-              <a:buNone/>
-            </a:pPr>
-            <a:r>
-              <a:rPr lang="en-GB" sz="2000" dirty="0" err="1">
-                <a:latin typeface="Consolas" panose="020B0609020204030204" pitchFamily="49" charset="0"/>
-              </a:rPr>
-              <a:t>writetable</a:t>
-            </a:r>
-            <a:r>
-              <a:rPr lang="en-GB" sz="2000" dirty="0">
-                <a:latin typeface="Consolas" panose="020B0609020204030204" pitchFamily="49" charset="0"/>
-              </a:rPr>
-              <a:t>(</a:t>
-            </a:r>
-            <a:r>
-              <a:rPr lang="en-GB" sz="2000" dirty="0" err="1">
-                <a:latin typeface="Consolas" panose="020B0609020204030204" pitchFamily="49" charset="0"/>
-              </a:rPr>
-              <a:t>Trip,fullfile</a:t>
-            </a:r>
-            <a:r>
-              <a:rPr lang="en-GB" sz="2000" dirty="0">
-                <a:latin typeface="Consolas" panose="020B0609020204030204" pitchFamily="49" charset="0"/>
-              </a:rPr>
-              <a:t>(resultsfolder,"20231212/BA.xlsx"),"</a:t>
-            </a:r>
-            <a:r>
-              <a:rPr lang="en-GB" sz="2000" dirty="0" err="1">
-                <a:latin typeface="Consolas" panose="020B0609020204030204" pitchFamily="49" charset="0"/>
-              </a:rPr>
-              <a:t>Sheet","Rips</a:t>
-            </a:r>
-            <a:r>
-              <a:rPr lang="en-GB" sz="2000" dirty="0">
-                <a:latin typeface="Consolas" panose="020B0609020204030204" pitchFamily="49" charset="0"/>
-              </a:rPr>
-              <a:t>");</a:t>
-            </a:r>
-          </a:p>
-          <a:p>
-            <a:pPr marL="0" indent="0">
-              <a:buNone/>
-            </a:pPr>
-            <a:r>
-              <a:rPr lang="en-GB" sz="2000" dirty="0" err="1">
-                <a:latin typeface="Consolas" panose="020B0609020204030204" pitchFamily="49" charset="0"/>
-              </a:rPr>
-              <a:t>writetable</a:t>
-            </a:r>
-            <a:r>
-              <a:rPr lang="en-GB" sz="2000" dirty="0">
-                <a:latin typeface="Consolas" panose="020B0609020204030204" pitchFamily="49" charset="0"/>
-              </a:rPr>
-              <a:t>(</a:t>
-            </a:r>
-            <a:r>
-              <a:rPr lang="en-GB" sz="2000" dirty="0" err="1">
-                <a:latin typeface="Consolas" panose="020B0609020204030204" pitchFamily="49" charset="0"/>
-              </a:rPr>
-              <a:t>Tzip,fullfile</a:t>
-            </a:r>
-            <a:r>
-              <a:rPr lang="en-GB" sz="2000" dirty="0">
-                <a:latin typeface="Consolas" panose="020B0609020204030204" pitchFamily="49" charset="0"/>
-              </a:rPr>
-              <a:t>(resultsfolder,"20231212/BA.xlsx"),"</a:t>
-            </a:r>
-            <a:r>
-              <a:rPr lang="en-GB" sz="2000" dirty="0" err="1">
-                <a:latin typeface="Consolas" panose="020B0609020204030204" pitchFamily="49" charset="0"/>
-              </a:rPr>
-              <a:t>Sheet",“Zips</a:t>
-            </a:r>
-            <a:r>
-              <a:rPr lang="en-GB" sz="2000" dirty="0">
-                <a:latin typeface="Consolas" panose="020B0609020204030204" pitchFamily="49" charset="0"/>
-              </a:rPr>
-              <a:t>");</a:t>
-            </a:r>
-          </a:p>
-          <a:p>
-            <a:pPr marL="457200" lvl="1" indent="0">
-              <a:buNone/>
-            </a:pPr>
-            <a:endParaRPr lang="en-GB" sz="2000" dirty="0">
-              <a:latin typeface="Consolas" panose="020B0609020204030204" pitchFamily="49" charset="0"/>
-            </a:endParaRPr>
+              <a:rPr lang="en-GB" dirty="0"/>
+              <a:t>Interactive inspection and modification of results</a:t>
+            </a:r>
+          </a:p>
+          <a:p>
+            <a:r>
+              <a:rPr lang="en-GB" dirty="0"/>
+              <a:t>Removal of incorrect rips or zips</a:t>
+            </a:r>
+          </a:p>
+          <a:p>
+            <a:r>
+              <a:rPr lang="en-GB" dirty="0"/>
+              <a:t>Adding missed rips/zips</a:t>
+            </a:r>
+          </a:p>
+          <a:p>
+            <a:r>
+              <a:rPr lang="en-GB" dirty="0"/>
+              <a:t>Plots of f(x) for trace pairs</a:t>
+            </a:r>
+          </a:p>
+          <a:p>
+            <a:r>
+              <a:rPr lang="en-GB" dirty="0"/>
+              <a:t>Removal of irrelevant data at experiment start  or end</a:t>
+            </a:r>
+          </a:p>
+          <a:p>
+            <a:r>
+              <a:rPr lang="en-GB" dirty="0"/>
+              <a:t>Storing corrected results tables</a:t>
+            </a:r>
+          </a:p>
+          <a:p>
+            <a:r>
+              <a:rPr lang="en-GB" dirty="0"/>
+              <a:t>Experiment files are not changed</a:t>
+            </a:r>
+          </a:p>
+          <a:p>
+            <a:r>
+              <a:rPr lang="en-GB" dirty="0"/>
+              <a:t>Recreate plots from stored results tables and original file</a:t>
+            </a:r>
+          </a:p>
+          <a:p>
+            <a:endParaRPr lang="en-GB" dirty="0"/>
           </a:p>
         </p:txBody>
       </p:sp>
     </p:spTree>
     <p:extLst>
       <p:ext uri="{BB962C8B-B14F-4D97-AF65-F5344CB8AC3E}">
-        <p14:creationId xmlns:p14="http://schemas.microsoft.com/office/powerpoint/2010/main" val="4127174572"/>
+        <p14:creationId xmlns:p14="http://schemas.microsoft.com/office/powerpoint/2010/main" val="951015916"/>
       </p:ext>
     </p:extLst>
   </p:cSld>
@@ -12136,147 +10744,6 @@
           <a:chExt cx="0" cy="0"/>
         </a:xfrm>
       </p:grpSpPr>
-      <p:sp>
-        <p:nvSpPr>
-          <p:cNvPr id="2" name="Title 1">
-            <a:extLst>
-              <a:ext uri="{FF2B5EF4-FFF2-40B4-BE49-F238E27FC236}">
-                <a16:creationId xmlns:a16="http://schemas.microsoft.com/office/drawing/2014/main" id="{624CB892-5379-B693-0976-3ADA88506E05}"/>
-              </a:ext>
-            </a:extLst>
-          </p:cNvPr>
-          <p:cNvSpPr>
-            <a:spLocks noGrp="1"/>
-          </p:cNvSpPr>
-          <p:nvPr>
-            <p:ph type="title"/>
-          </p:nvPr>
-        </p:nvSpPr>
-        <p:spPr/>
-        <p:txBody>
-          <a:bodyPr/>
-          <a:lstStyle/>
-          <a:p>
-            <a:r>
-              <a:rPr lang="en-GB" dirty="0"/>
-              <a:t>The </a:t>
-            </a:r>
-            <a:r>
-              <a:rPr lang="en-GB" dirty="0" err="1"/>
-              <a:t>RipAnalysis</a:t>
-            </a:r>
-            <a:r>
-              <a:rPr lang="en-GB" dirty="0"/>
-              <a:t> Matlab App</a:t>
-            </a:r>
-          </a:p>
-        </p:txBody>
-      </p:sp>
-      <p:sp>
-        <p:nvSpPr>
-          <p:cNvPr id="3" name="Content Placeholder 2">
-            <a:extLst>
-              <a:ext uri="{FF2B5EF4-FFF2-40B4-BE49-F238E27FC236}">
-                <a16:creationId xmlns:a16="http://schemas.microsoft.com/office/drawing/2014/main" id="{26D403B4-3D4C-2078-2A01-4ACE7A34BB43}"/>
-              </a:ext>
-            </a:extLst>
-          </p:cNvPr>
-          <p:cNvSpPr>
-            <a:spLocks noGrp="1"/>
-          </p:cNvSpPr>
-          <p:nvPr>
-            <p:ph idx="1"/>
-          </p:nvPr>
-        </p:nvSpPr>
-        <p:spPr/>
-        <p:txBody>
-          <a:bodyPr>
-            <a:normAutofit/>
-          </a:bodyPr>
-          <a:lstStyle/>
-          <a:p>
-            <a:r>
-              <a:rPr lang="en-GB" dirty="0"/>
-              <a:t>Interactive inspection and modification of results</a:t>
-            </a:r>
-          </a:p>
-          <a:p>
-            <a:r>
-              <a:rPr lang="en-GB" dirty="0"/>
-              <a:t>Removal of incorrect rips or zips</a:t>
-            </a:r>
-          </a:p>
-          <a:p>
-            <a:r>
-              <a:rPr lang="en-GB" dirty="0"/>
-              <a:t>Adding missed rips/zips</a:t>
-            </a:r>
-          </a:p>
-          <a:p>
-            <a:r>
-              <a:rPr lang="en-GB" dirty="0"/>
-              <a:t>Plots of f(x) for trace pairs</a:t>
-            </a:r>
-          </a:p>
-          <a:p>
-            <a:r>
-              <a:rPr lang="en-GB" dirty="0"/>
-              <a:t>Removal of irrelevant data at experiment start  or end</a:t>
-            </a:r>
-          </a:p>
-          <a:p>
-            <a:r>
-              <a:rPr lang="en-GB" dirty="0"/>
-              <a:t>Storing corrected results tables</a:t>
-            </a:r>
-          </a:p>
-          <a:p>
-            <a:r>
-              <a:rPr lang="en-GB" dirty="0"/>
-              <a:t>Experiment files are not changed</a:t>
-            </a:r>
-          </a:p>
-          <a:p>
-            <a:r>
-              <a:rPr lang="en-GB" dirty="0"/>
-              <a:t>Recreate plots from stored results tables and original file</a:t>
-            </a:r>
-          </a:p>
-          <a:p>
-            <a:endParaRPr lang="en-GB" dirty="0"/>
-          </a:p>
-        </p:txBody>
-      </p:sp>
-    </p:spTree>
-    <p:extLst>
-      <p:ext uri="{BB962C8B-B14F-4D97-AF65-F5344CB8AC3E}">
-        <p14:creationId xmlns:p14="http://schemas.microsoft.com/office/powerpoint/2010/main" val="951015916"/>
-      </p:ext>
-    </p:extLst>
-  </p:cSld>
-  <p:clrMapOvr>
-    <a:masterClrMapping/>
-  </p:clrMapOvr>
-</p:sld>
-</file>
-
-<file path=ppt/slides/slide31.xml><?xml version="1.0" encoding="utf-8"?>
-<p:sld xmlns:a="http://schemas.openxmlformats.org/drawingml/2006/main" xmlns:r="http://schemas.openxmlformats.org/officeDocument/2006/relationships" xmlns:p="http://schemas.openxmlformats.org/presentationml/2006/main">
-  <p:cSld>
-    <p:spTree>
-      <p:nvGrpSpPr>
-        <p:cNvPr id="1" name=""/>
-        <p:cNvGrpSpPr/>
-        <p:nvPr/>
-      </p:nvGrpSpPr>
-      <p:grpSpPr>
-        <a:xfrm>
-          <a:off x="0" y="0"/>
-          <a:ext cx="0" cy="0"/>
-          <a:chOff x="0" y="0"/>
-          <a:chExt cx="0" cy="0"/>
-        </a:xfrm>
-      </p:grpSpPr>
       <p:pic>
         <p:nvPicPr>
           <p:cNvPr id="3" name="Picture 2">
@@ -12319,7 +10786,7 @@
 </p:sld>
 </file>
 
-<file path=ppt/slides/slide32.xml><?xml version="1.0" encoding="utf-8"?>
+<file path=ppt/slides/slide31.xml><?xml version="1.0" encoding="utf-8"?>
 <p:sld xmlns:a="http://schemas.openxmlformats.org/drawingml/2006/main" xmlns:r="http://schemas.openxmlformats.org/officeDocument/2006/relationships" xmlns:p="http://schemas.openxmlformats.org/presentationml/2006/main">
   <p:cSld>
     <p:spTree>
@@ -12714,7 +11181,7 @@
 </p:sld>
 </file>
 
-<file path=ppt/slides/slide33.xml><?xml version="1.0" encoding="utf-8"?>
+<file path=ppt/slides/slide32.xml><?xml version="1.0" encoding="utf-8"?>
 <p:sld xmlns:a="http://schemas.openxmlformats.org/drawingml/2006/main" xmlns:r="http://schemas.openxmlformats.org/officeDocument/2006/relationships" xmlns:p="http://schemas.openxmlformats.org/presentationml/2006/main">
   <p:cSld>
     <p:spTree>
@@ -12818,7 +11285,7 @@
 </p:sld>
 </file>
 
-<file path=ppt/slides/slide34.xml><?xml version="1.0" encoding="utf-8"?>
+<file path=ppt/slides/slide33.xml><?xml version="1.0" encoding="utf-8"?>
 <p:sld xmlns:a="http://schemas.openxmlformats.org/drawingml/2006/main" xmlns:r="http://schemas.openxmlformats.org/officeDocument/2006/relationships" xmlns:p="http://schemas.openxmlformats.org/presentationml/2006/main">
   <p:cSld>
     <p:spTree>
@@ -12943,7 +11410,7 @@
 </p:sld>
 </file>
 
-<file path=ppt/slides/slide35.xml><?xml version="1.0" encoding="utf-8"?>
+<file path=ppt/slides/slide34.xml><?xml version="1.0" encoding="utf-8"?>
 <p:sld xmlns:a="http://schemas.openxmlformats.org/drawingml/2006/main" xmlns:r="http://schemas.openxmlformats.org/officeDocument/2006/relationships" xmlns:p="http://schemas.openxmlformats.org/presentationml/2006/main">
   <p:cSld>
     <p:spTree>
@@ -14008,6 +12475,178 @@
 </p:sld>
 </file>
 
+<file path=ppt/slides/slide35.xml><?xml version="1.0" encoding="utf-8"?>
+<p:sld xmlns:a="http://schemas.openxmlformats.org/drawingml/2006/main" xmlns:r="http://schemas.openxmlformats.org/officeDocument/2006/relationships" xmlns:p="http://schemas.openxmlformats.org/presentationml/2006/main">
+  <p:cSld>
+    <p:spTree>
+      <p:nvGrpSpPr>
+        <p:cNvPr id="1" name=""/>
+        <p:cNvGrpSpPr/>
+        <p:nvPr/>
+      </p:nvGrpSpPr>
+      <p:grpSpPr>
+        <a:xfrm>
+          <a:off x="0" y="0"/>
+          <a:ext cx="0" cy="0"/>
+          <a:chOff x="0" y="0"/>
+          <a:chExt cx="0" cy="0"/>
+        </a:xfrm>
+      </p:grpSpPr>
+      <p:sp>
+        <p:nvSpPr>
+          <p:cNvPr id="2" name="Title 1">
+            <a:extLst>
+              <a:ext uri="{FF2B5EF4-FFF2-40B4-BE49-F238E27FC236}">
+                <a16:creationId xmlns:a16="http://schemas.microsoft.com/office/drawing/2014/main" id="{78D0C970-EEBF-05B1-FF2C-E7E978A7A8DA}"/>
+              </a:ext>
+            </a:extLst>
+          </p:cNvPr>
+          <p:cNvSpPr>
+            <a:spLocks noGrp="1"/>
+          </p:cNvSpPr>
+          <p:nvPr>
+            <p:ph type="title"/>
+          </p:nvPr>
+        </p:nvSpPr>
+        <p:spPr/>
+        <p:txBody>
+          <a:bodyPr/>
+          <a:lstStyle/>
+          <a:p>
+            <a:r>
+              <a:rPr lang="en-GB" dirty="0"/>
+              <a:t>Technical details: Naming conventions</a:t>
+            </a:r>
+          </a:p>
+        </p:txBody>
+      </p:sp>
+      <p:sp>
+        <p:nvSpPr>
+          <p:cNvPr id="3" name="Content Placeholder 2">
+            <a:extLst>
+              <a:ext uri="{FF2B5EF4-FFF2-40B4-BE49-F238E27FC236}">
+                <a16:creationId xmlns:a16="http://schemas.microsoft.com/office/drawing/2014/main" id="{5450935E-3A40-D7CF-8176-D0364C5C9505}"/>
+              </a:ext>
+            </a:extLst>
+          </p:cNvPr>
+          <p:cNvSpPr>
+            <a:spLocks noGrp="1"/>
+          </p:cNvSpPr>
+          <p:nvPr>
+            <p:ph idx="1"/>
+          </p:nvPr>
+        </p:nvSpPr>
+        <p:spPr/>
+        <p:txBody>
+          <a:bodyPr>
+            <a:normAutofit/>
+          </a:bodyPr>
+          <a:lstStyle/>
+          <a:p>
+            <a:r>
+              <a:rPr lang="en-GB" dirty="0"/>
+              <a:t>Experiment file naming conventions</a:t>
+            </a:r>
+          </a:p>
+          <a:p>
+            <a:pPr lvl="1"/>
+            <a:r>
+              <a:rPr lang="en-GB" dirty="0"/>
+              <a:t>Fiber (individual protein molecule) named by one or two lowercase letters</a:t>
+            </a:r>
+          </a:p>
+          <a:p>
+            <a:pPr lvl="1"/>
+            <a:r>
+              <a:rPr lang="en-GB" dirty="0"/>
+              <a:t>Data from a long experiment may be split over several files. Marked by uppercase letters</a:t>
+            </a:r>
+          </a:p>
+          <a:p>
+            <a:r>
+              <a:rPr lang="en-GB" dirty="0"/>
+              <a:t>Bath Temperature</a:t>
+            </a:r>
+          </a:p>
+          <a:p>
+            <a:pPr lvl="1"/>
+            <a:r>
+              <a:rPr lang="en-GB" dirty="0"/>
+              <a:t>Bath temperature is reported in the COM file as Temperature B.</a:t>
+            </a:r>
+          </a:p>
+          <a:p>
+            <a:pPr lvl="1"/>
+            <a:r>
+              <a:rPr lang="en-GB" dirty="0"/>
+              <a:t>COM file name is given by the </a:t>
+            </a:r>
+            <a:r>
+              <a:rPr lang="en-GB" dirty="0" err="1"/>
+              <a:t>fiber</a:t>
+            </a:r>
+            <a:r>
+              <a:rPr lang="en-GB" dirty="0"/>
+              <a:t> name</a:t>
+            </a:r>
+          </a:p>
+          <a:p>
+            <a:pPr lvl="1"/>
+            <a:endParaRPr lang="en-GB" dirty="0"/>
+          </a:p>
+          <a:p>
+            <a:pPr lvl="1"/>
+            <a:r>
+              <a:rPr lang="en-GB" dirty="0"/>
+              <a:t>aA.txt aB.txt: Data from long experiment using </a:t>
+            </a:r>
+            <a:r>
+              <a:rPr lang="en-GB" dirty="0" err="1"/>
+              <a:t>fiber</a:t>
+            </a:r>
+            <a:r>
+              <a:rPr lang="en-GB" dirty="0"/>
+              <a:t> a. COM file:  aCOM.txt</a:t>
+            </a:r>
+          </a:p>
+          <a:p>
+            <a:pPr lvl="1"/>
+            <a:r>
+              <a:rPr lang="en-GB" dirty="0"/>
+              <a:t>abA.txt:   Experiment using </a:t>
+            </a:r>
+            <a:r>
+              <a:rPr lang="en-GB" dirty="0" err="1"/>
+              <a:t>fiber</a:t>
+            </a:r>
+            <a:r>
+              <a:rPr lang="en-GB" dirty="0"/>
+              <a:t> ab. COM file: abCOM.txt</a:t>
+            </a:r>
+          </a:p>
+          <a:p>
+            <a:pPr lvl="1"/>
+            <a:endParaRPr lang="en-GB" dirty="0"/>
+          </a:p>
+          <a:p>
+            <a:pPr lvl="1"/>
+            <a:endParaRPr lang="en-GB" dirty="0"/>
+          </a:p>
+        </p:txBody>
+      </p:sp>
+    </p:spTree>
+    <p:extLst>
+      <p:ext uri="{BB962C8B-B14F-4D97-AF65-F5344CB8AC3E}">
+        <p14:creationId xmlns:p14="http://schemas.microsoft.com/office/powerpoint/2010/main" val="2086630511"/>
+      </p:ext>
+    </p:extLst>
+  </p:cSld>
+  <p:clrMapOvr>
+    <a:masterClrMapping/>
+  </p:clrMapOvr>
+</p:sld>
+</file>
+
 <file path=ppt/slides/slide36.xml><?xml version="1.0" encoding="utf-8"?>
 <p:sld xmlns:a="http://schemas.openxmlformats.org/drawingml/2006/main" xmlns:r="http://schemas.openxmlformats.org/officeDocument/2006/relationships" xmlns:p="http://schemas.openxmlformats.org/presentationml/2006/main">
   <p:cSld>
@@ -14030,178 +12669,6 @@
           <p:cNvPr id="2" name="Title 1">
             <a:extLst>
               <a:ext uri="{FF2B5EF4-FFF2-40B4-BE49-F238E27FC236}">
-                <a16:creationId xmlns:a16="http://schemas.microsoft.com/office/drawing/2014/main" id="{78D0C970-EEBF-05B1-FF2C-E7E978A7A8DA}"/>
-              </a:ext>
-            </a:extLst>
-          </p:cNvPr>
-          <p:cNvSpPr>
-            <a:spLocks noGrp="1"/>
-          </p:cNvSpPr>
-          <p:nvPr>
-            <p:ph type="title"/>
-          </p:nvPr>
-        </p:nvSpPr>
-        <p:spPr/>
-        <p:txBody>
-          <a:bodyPr/>
-          <a:lstStyle/>
-          <a:p>
-            <a:r>
-              <a:rPr lang="en-GB" dirty="0"/>
-              <a:t>Technical details: Naming conventions</a:t>
-            </a:r>
-          </a:p>
-        </p:txBody>
-      </p:sp>
-      <p:sp>
-        <p:nvSpPr>
-          <p:cNvPr id="3" name="Content Placeholder 2">
-            <a:extLst>
-              <a:ext uri="{FF2B5EF4-FFF2-40B4-BE49-F238E27FC236}">
-                <a16:creationId xmlns:a16="http://schemas.microsoft.com/office/drawing/2014/main" id="{5450935E-3A40-D7CF-8176-D0364C5C9505}"/>
-              </a:ext>
-            </a:extLst>
-          </p:cNvPr>
-          <p:cNvSpPr>
-            <a:spLocks noGrp="1"/>
-          </p:cNvSpPr>
-          <p:nvPr>
-            <p:ph idx="1"/>
-          </p:nvPr>
-        </p:nvSpPr>
-        <p:spPr/>
-        <p:txBody>
-          <a:bodyPr>
-            <a:normAutofit/>
-          </a:bodyPr>
-          <a:lstStyle/>
-          <a:p>
-            <a:r>
-              <a:rPr lang="en-GB" dirty="0"/>
-              <a:t>Experiment file naming conventions</a:t>
-            </a:r>
-          </a:p>
-          <a:p>
-            <a:pPr lvl="1"/>
-            <a:r>
-              <a:rPr lang="en-GB" dirty="0"/>
-              <a:t>Fiber (individual protein molecule) named by one or two lowercase letters</a:t>
-            </a:r>
-          </a:p>
-          <a:p>
-            <a:pPr lvl="1"/>
-            <a:r>
-              <a:rPr lang="en-GB" dirty="0"/>
-              <a:t>Data from a long experiment may be split over several files. Marked by uppercase letters</a:t>
-            </a:r>
-          </a:p>
-          <a:p>
-            <a:r>
-              <a:rPr lang="en-GB" dirty="0"/>
-              <a:t>Bath Temperature</a:t>
-            </a:r>
-          </a:p>
-          <a:p>
-            <a:pPr lvl="1"/>
-            <a:r>
-              <a:rPr lang="en-GB" dirty="0"/>
-              <a:t>Bath temperature is reported in the COM file as Temperature B.</a:t>
-            </a:r>
-          </a:p>
-          <a:p>
-            <a:pPr lvl="1"/>
-            <a:r>
-              <a:rPr lang="en-GB" dirty="0"/>
-              <a:t>COM file name is given by the </a:t>
-            </a:r>
-            <a:r>
-              <a:rPr lang="en-GB" dirty="0" err="1"/>
-              <a:t>fiber</a:t>
-            </a:r>
-            <a:r>
-              <a:rPr lang="en-GB" dirty="0"/>
-              <a:t> name</a:t>
-            </a:r>
-          </a:p>
-          <a:p>
-            <a:pPr lvl="1"/>
-            <a:endParaRPr lang="en-GB" dirty="0"/>
-          </a:p>
-          <a:p>
-            <a:pPr lvl="1"/>
-            <a:r>
-              <a:rPr lang="en-GB" dirty="0"/>
-              <a:t>aA.txt aB.txt: Data from long experiment using </a:t>
-            </a:r>
-            <a:r>
-              <a:rPr lang="en-GB" dirty="0" err="1"/>
-              <a:t>fiber</a:t>
-            </a:r>
-            <a:r>
-              <a:rPr lang="en-GB" dirty="0"/>
-              <a:t> a. COM file:  aCOM.txt</a:t>
-            </a:r>
-          </a:p>
-          <a:p>
-            <a:pPr lvl="1"/>
-            <a:r>
-              <a:rPr lang="en-GB" dirty="0"/>
-              <a:t>abA.txt:   Experiment using </a:t>
-            </a:r>
-            <a:r>
-              <a:rPr lang="en-GB" dirty="0" err="1"/>
-              <a:t>fiber</a:t>
-            </a:r>
-            <a:r>
-              <a:rPr lang="en-GB" dirty="0"/>
-              <a:t> ab. COM file: abCOM.txt</a:t>
-            </a:r>
-          </a:p>
-          <a:p>
-            <a:pPr lvl="1"/>
-            <a:endParaRPr lang="en-GB" dirty="0"/>
-          </a:p>
-          <a:p>
-            <a:pPr lvl="1"/>
-            <a:endParaRPr lang="en-GB" dirty="0"/>
-          </a:p>
-        </p:txBody>
-      </p:sp>
-    </p:spTree>
-    <p:extLst>
-      <p:ext uri="{BB962C8B-B14F-4D97-AF65-F5344CB8AC3E}">
-        <p14:creationId xmlns:p14="http://schemas.microsoft.com/office/powerpoint/2010/main" val="2086630511"/>
-      </p:ext>
-    </p:extLst>
-  </p:cSld>
-  <p:clrMapOvr>
-    <a:masterClrMapping/>
-  </p:clrMapOvr>
-</p:sld>
-</file>
-
-<file path=ppt/slides/slide37.xml><?xml version="1.0" encoding="utf-8"?>
-<p:sld xmlns:a="http://schemas.openxmlformats.org/drawingml/2006/main" xmlns:r="http://schemas.openxmlformats.org/officeDocument/2006/relationships" xmlns:p="http://schemas.openxmlformats.org/presentationml/2006/main">
-  <p:cSld>
-    <p:spTree>
-      <p:nvGrpSpPr>
-        <p:cNvPr id="1" name=""/>
-        <p:cNvGrpSpPr/>
-        <p:nvPr/>
-      </p:nvGrpSpPr>
-      <p:grpSpPr>
-        <a:xfrm>
-          <a:off x="0" y="0"/>
-          <a:ext cx="0" cy="0"/>
-          <a:chOff x="0" y="0"/>
-          <a:chExt cx="0" cy="0"/>
-        </a:xfrm>
-      </p:grpSpPr>
-      <p:sp>
-        <p:nvSpPr>
-          <p:cNvPr id="2" name="Title 1">
-            <a:extLst>
-              <a:ext uri="{FF2B5EF4-FFF2-40B4-BE49-F238E27FC236}">
                 <a16:creationId xmlns:a16="http://schemas.microsoft.com/office/drawing/2014/main" id="{46C48805-6E71-9540-F0AA-92613C975FBF}"/>
               </a:ext>
             </a:extLst>
@@ -14405,7 +12872,7 @@
 </p:sld>
 </file>
 
-<file path=ppt/slides/slide38.xml><?xml version="1.0" encoding="utf-8"?>
+<file path=ppt/slides/slide37.xml><?xml version="1.0" encoding="utf-8"?>
 <p:sld xmlns:a="http://schemas.openxmlformats.org/drawingml/2006/main" xmlns:r="http://schemas.openxmlformats.org/officeDocument/2006/relationships" xmlns:p="http://schemas.openxmlformats.org/presentationml/2006/main">
   <p:cSld>
     <p:spTree>
@@ -15095,7 +13562,7 @@
 </p:sld>
 </file>
 
-<file path=ppt/slides/slide39.xml><?xml version="1.0" encoding="utf-8"?>
+<file path=ppt/slides/slide38.xml><?xml version="1.0" encoding="utf-8"?>
 <p:sld xmlns:a="http://schemas.openxmlformats.org/drawingml/2006/main" xmlns:r="http://schemas.openxmlformats.org/officeDocument/2006/relationships" xmlns:p="http://schemas.openxmlformats.org/presentationml/2006/main">
   <p:cSld>
     <p:spTree>
@@ -16216,7 +14683,7 @@
           <a:p>
             <a:r>
               <a:rPr lang="en-GB" dirty="0"/>
-              <a:t>Other formats may require changes this function</a:t>
+              <a:t>Other formats may require changes to this function</a:t>
             </a:r>
           </a:p>
           <a:p>
